--- a/cls_23聚类算法.pptx
+++ b/cls_23聚类算法.pptx
@@ -1,29 +1,29 @@
 
 <file path=ppt/presentation.xml><?xml version="1.0" encoding="utf-8"?>
-<p:presentation xmlns:a="http://schemas.openxmlformats.org/drawingml/2006/main" xmlns:r="http://schemas.openxmlformats.org/officeDocument/2006/relationships" xmlns:p="http://schemas.openxmlformats.org/presentationml/2006/main" saveSubsetFonts="1">
+<p:presentation xmlns:a="http://schemas.openxmlformats.org/drawingml/2006/main" xmlns:r="http://schemas.openxmlformats.org/officeDocument/2006/relationships" xmlns:p="http://schemas.openxmlformats.org/presentationml/2006/main">
   <p:sldMasterIdLst>
     <p:sldMasterId id="2147483648" r:id="rId1"/>
   </p:sldMasterIdLst>
   <p:notesMasterIdLst>
-    <p:notesMasterId r:id="rId18"/>
+    <p:notesMasterId r:id="rId9"/>
   </p:notesMasterIdLst>
   <p:sldIdLst>
-    <p:sldId id="256" r:id="rId2"/>
-    <p:sldId id="257" r:id="rId3"/>
-    <p:sldId id="258" r:id="rId4"/>
-    <p:sldId id="259" r:id="rId5"/>
-    <p:sldId id="260" r:id="rId6"/>
-    <p:sldId id="261" r:id="rId7"/>
-    <p:sldId id="262" r:id="rId8"/>
-    <p:sldId id="270" r:id="rId9"/>
-    <p:sldId id="271" r:id="rId10"/>
-    <p:sldId id="263" r:id="rId11"/>
-    <p:sldId id="264" r:id="rId12"/>
-    <p:sldId id="265" r:id="rId13"/>
-    <p:sldId id="266" r:id="rId14"/>
-    <p:sldId id="267" r:id="rId15"/>
-    <p:sldId id="268" r:id="rId16"/>
-    <p:sldId id="269" r:id="rId17"/>
+    <p:sldId id="256" r:id="rId3"/>
+    <p:sldId id="257" r:id="rId4"/>
+    <p:sldId id="258" r:id="rId5"/>
+    <p:sldId id="259" r:id="rId6"/>
+    <p:sldId id="260" r:id="rId7"/>
+    <p:sldId id="261" r:id="rId8"/>
+    <p:sldId id="262" r:id="rId10"/>
+    <p:sldId id="270" r:id="rId11"/>
+    <p:sldId id="271" r:id="rId12"/>
+    <p:sldId id="263" r:id="rId13"/>
+    <p:sldId id="264" r:id="rId14"/>
+    <p:sldId id="265" r:id="rId15"/>
+    <p:sldId id="266" r:id="rId16"/>
+    <p:sldId id="267" r:id="rId17"/>
+    <p:sldId id="268" r:id="rId18"/>
+    <p:sldId id="269" r:id="rId19"/>
   </p:sldIdLst>
   <p:sldSz cx="9144000" cy="6858000" type="screen4x3"/>
   <p:notesSz cx="6858000" cy="9144000"/>
@@ -122,22 +122,6 @@
       </a:defRPr>
     </a:lvl9pPr>
   </p:defaultTextStyle>
-  <p:extLst>
-    <p:ext uri="{EFAFB233-063F-42B5-8137-9DF3F51BA10A}">
-      <p15:sldGuideLst xmlns:p15="http://schemas.microsoft.com/office/powerpoint/2012/main">
-        <p15:guide id="1" orient="horz" pos="2160">
-          <p15:clr>
-            <a:srgbClr val="A4A3A4"/>
-          </p15:clr>
-        </p15:guide>
-        <p15:guide id="2" pos="2880">
-          <p15:clr>
-            <a:srgbClr val="A4A3A4"/>
-          </p15:clr>
-        </p15:guide>
-      </p15:sldGuideLst>
-    </p:ext>
-  </p:extLst>
 </p:presentation>
 </file>
 
@@ -223,7 +207,6 @@
           <a:p>
             <a:fld id="{10FF2035-6A36-4BD7-B8AA-FDB78598F742}" type="datetimeFigureOut">
               <a:rPr lang="zh-CN" altLang="en-US" smtClean="0"/>
-              <a:t>17/10/16</a:t>
             </a:fld>
             <a:endParaRPr lang="zh-CN" altLang="en-US"/>
           </a:p>
@@ -290,6 +273,7 @@
               <a:rPr lang="zh-CN" altLang="en-US" smtClean="0"/>
               <a:t>单击此处编辑母版文本样式</a:t>
             </a:r>
+            <a:endParaRPr lang="zh-CN" altLang="en-US" smtClean="0"/>
           </a:p>
           <a:p>
             <a:pPr lvl="1"/>
@@ -297,6 +281,7 @@
               <a:rPr lang="zh-CN" altLang="en-US" smtClean="0"/>
               <a:t>第二级</a:t>
             </a:r>
+            <a:endParaRPr lang="zh-CN" altLang="en-US" smtClean="0"/>
           </a:p>
           <a:p>
             <a:pPr lvl="2"/>
@@ -304,6 +289,7 @@
               <a:rPr lang="zh-CN" altLang="en-US" smtClean="0"/>
               <a:t>第三级</a:t>
             </a:r>
+            <a:endParaRPr lang="zh-CN" altLang="en-US" smtClean="0"/>
           </a:p>
           <a:p>
             <a:pPr lvl="3"/>
@@ -311,6 +297,7 @@
               <a:rPr lang="zh-CN" altLang="en-US" smtClean="0"/>
               <a:t>第四级</a:t>
             </a:r>
+            <a:endParaRPr lang="zh-CN" altLang="en-US" smtClean="0"/>
           </a:p>
           <a:p>
             <a:pPr lvl="4"/>
@@ -382,18 +369,12 @@
           <a:p>
             <a:fld id="{A8D02540-7C12-4082-AFC2-AB5008E55EB4}" type="slidenum">
               <a:rPr lang="zh-CN" altLang="en-US" smtClean="0"/>
-              <a:t>‹#›</a:t>
             </a:fld>
             <a:endParaRPr lang="zh-CN" altLang="en-US"/>
           </a:p>
         </p:txBody>
       </p:sp>
     </p:spTree>
-    <p:extLst>
-      <p:ext uri="{BB962C8B-B14F-4D97-AF65-F5344CB8AC3E}">
-        <p14:creationId xmlns:p14="http://schemas.microsoft.com/office/powerpoint/2010/main" val="2799790596"/>
-      </p:ext>
-    </p:extLst>
   </p:cSld>
   <p:clrMap bg1="lt1" tx1="dk1" bg2="lt2" tx2="dk2" accent1="accent1" accent2="accent2" accent3="accent3" accent4="accent4" accent5="accent5" accent6="accent6" hlink="hlink" folHlink="folHlink"/>
   <p:notesStyle>
@@ -556,18 +537,56 @@
           <a:p>
             <a:fld id="{A8D02540-7C12-4082-AFC2-AB5008E55EB4}" type="slidenum">
               <a:rPr lang="zh-CN" altLang="en-US" smtClean="0"/>
-              <a:t>6</a:t>
             </a:fld>
             <a:endParaRPr lang="zh-CN" altLang="en-US"/>
           </a:p>
         </p:txBody>
       </p:sp>
     </p:spTree>
-    <p:extLst>
-      <p:ext uri="{BB962C8B-B14F-4D97-AF65-F5344CB8AC3E}">
-        <p14:creationId xmlns:p14="http://schemas.microsoft.com/office/powerpoint/2010/main" val="562025467"/>
-      </p:ext>
-    </p:extLst>
+  </p:cSld>
+  <p:clrMapOvr>
+    <a:masterClrMapping/>
+  </p:clrMapOvr>
+</p:notes>
+</file>
+
+<file path=ppt/notesSlides/notesSlide2.xml><?xml version="1.0" encoding="utf-8"?>
+<p:notes xmlns:a="http://schemas.openxmlformats.org/drawingml/2006/main" xmlns:r="http://schemas.openxmlformats.org/officeDocument/2006/relationships" xmlns:p="http://schemas.openxmlformats.org/presentationml/2006/main">
+  <p:cSld>
+    <p:spTree>
+      <p:nvGrpSpPr>
+        <p:cNvPr id="1" name=""/>
+        <p:cNvGrpSpPr/>
+        <p:nvPr/>
+      </p:nvGrpSpPr>
+      <p:grpSpPr/>
+      <p:sp>
+        <p:nvSpPr>
+          <p:cNvPr id="2" name="幻灯片图像占位符 1"/>
+          <p:cNvSpPr/>
+          <p:nvPr>
+            <p:ph type="sldImg" idx="2"/>
+          </p:nvPr>
+        </p:nvSpPr>
+        <p:spPr/>
+      </p:sp>
+      <p:sp>
+        <p:nvSpPr>
+          <p:cNvPr id="3" name="文本占位符 2"/>
+          <p:cNvSpPr/>
+          <p:nvPr>
+            <p:ph type="body" idx="3"/>
+          </p:nvPr>
+        </p:nvSpPr>
+        <p:spPr/>
+        <p:txBody>
+          <a:bodyPr/>
+          <a:p>
+            <a:endParaRPr lang="zh-CN" altLang="en-US"/>
+          </a:p>
+        </p:txBody>
+      </p:sp>
+    </p:spTree>
   </p:cSld>
   <p:clrMapOvr>
     <a:masterClrMapping/>
@@ -756,7 +775,6 @@
           <a:p>
             <a:fld id="{530820CF-B880-4189-942D-D702A7CBA730}" type="datetimeFigureOut">
               <a:rPr lang="zh-CN" altLang="en-US" smtClean="0"/>
-              <a:t>17/10/16</a:t>
             </a:fld>
             <a:endParaRPr lang="zh-CN" altLang="en-US"/>
           </a:p>
@@ -798,7 +816,6 @@
           <a:p>
             <a:fld id="{0C913308-F349-4B6D-A68A-DD1791B4A57B}" type="slidenum">
               <a:rPr lang="zh-CN" altLang="en-US" smtClean="0"/>
-              <a:t>‹#›</a:t>
             </a:fld>
             <a:endParaRPr lang="zh-CN" altLang="en-US"/>
           </a:p>
@@ -872,6 +889,7 @@
               <a:rPr lang="zh-CN" altLang="en-US" smtClean="0"/>
               <a:t>单击此处编辑母版文本样式</a:t>
             </a:r>
+            <a:endParaRPr lang="zh-CN" altLang="en-US" smtClean="0"/>
           </a:p>
           <a:p>
             <a:pPr lvl="1"/>
@@ -879,6 +897,7 @@
               <a:rPr lang="zh-CN" altLang="en-US" smtClean="0"/>
               <a:t>第二级</a:t>
             </a:r>
+            <a:endParaRPr lang="zh-CN" altLang="en-US" smtClean="0"/>
           </a:p>
           <a:p>
             <a:pPr lvl="2"/>
@@ -886,6 +905,7 @@
               <a:rPr lang="zh-CN" altLang="en-US" smtClean="0"/>
               <a:t>第三级</a:t>
             </a:r>
+            <a:endParaRPr lang="zh-CN" altLang="en-US" smtClean="0"/>
           </a:p>
           <a:p>
             <a:pPr lvl="3"/>
@@ -893,6 +913,7 @@
               <a:rPr lang="zh-CN" altLang="en-US" smtClean="0"/>
               <a:t>第四级</a:t>
             </a:r>
+            <a:endParaRPr lang="zh-CN" altLang="en-US" smtClean="0"/>
           </a:p>
           <a:p>
             <a:pPr lvl="4"/>
@@ -921,7 +942,6 @@
           <a:p>
             <a:fld id="{530820CF-B880-4189-942D-D702A7CBA730}" type="datetimeFigureOut">
               <a:rPr lang="zh-CN" altLang="en-US" smtClean="0"/>
-              <a:t>17/10/16</a:t>
             </a:fld>
             <a:endParaRPr lang="zh-CN" altLang="en-US"/>
           </a:p>
@@ -963,7 +983,6 @@
           <a:p>
             <a:fld id="{0C913308-F349-4B6D-A68A-DD1791B4A57B}" type="slidenum">
               <a:rPr lang="zh-CN" altLang="en-US" smtClean="0"/>
-              <a:t>‹#›</a:t>
             </a:fld>
             <a:endParaRPr lang="zh-CN" altLang="en-US"/>
           </a:p>
@@ -1047,6 +1066,7 @@
               <a:rPr lang="zh-CN" altLang="en-US" smtClean="0"/>
               <a:t>单击此处编辑母版文本样式</a:t>
             </a:r>
+            <a:endParaRPr lang="zh-CN" altLang="en-US" smtClean="0"/>
           </a:p>
           <a:p>
             <a:pPr lvl="1"/>
@@ -1054,6 +1074,7 @@
               <a:rPr lang="zh-CN" altLang="en-US" smtClean="0"/>
               <a:t>第二级</a:t>
             </a:r>
+            <a:endParaRPr lang="zh-CN" altLang="en-US" smtClean="0"/>
           </a:p>
           <a:p>
             <a:pPr lvl="2"/>
@@ -1061,6 +1082,7 @@
               <a:rPr lang="zh-CN" altLang="en-US" smtClean="0"/>
               <a:t>第三级</a:t>
             </a:r>
+            <a:endParaRPr lang="zh-CN" altLang="en-US" smtClean="0"/>
           </a:p>
           <a:p>
             <a:pPr lvl="3"/>
@@ -1068,6 +1090,7 @@
               <a:rPr lang="zh-CN" altLang="en-US" smtClean="0"/>
               <a:t>第四级</a:t>
             </a:r>
+            <a:endParaRPr lang="zh-CN" altLang="en-US" smtClean="0"/>
           </a:p>
           <a:p>
             <a:pPr lvl="4"/>
@@ -1096,7 +1119,6 @@
           <a:p>
             <a:fld id="{530820CF-B880-4189-942D-D702A7CBA730}" type="datetimeFigureOut">
               <a:rPr lang="zh-CN" altLang="en-US" smtClean="0"/>
-              <a:t>17/10/16</a:t>
             </a:fld>
             <a:endParaRPr lang="zh-CN" altLang="en-US"/>
           </a:p>
@@ -1138,7 +1160,6 @@
           <a:p>
             <a:fld id="{0C913308-F349-4B6D-A68A-DD1791B4A57B}" type="slidenum">
               <a:rPr lang="zh-CN" altLang="en-US" smtClean="0"/>
-              <a:t>‹#›</a:t>
             </a:fld>
             <a:endParaRPr lang="zh-CN" altLang="en-US"/>
           </a:p>
@@ -1212,6 +1233,7 @@
               <a:rPr lang="zh-CN" altLang="en-US" smtClean="0"/>
               <a:t>单击此处编辑母版文本样式</a:t>
             </a:r>
+            <a:endParaRPr lang="zh-CN" altLang="en-US" smtClean="0"/>
           </a:p>
           <a:p>
             <a:pPr lvl="1"/>
@@ -1219,6 +1241,7 @@
               <a:rPr lang="zh-CN" altLang="en-US" smtClean="0"/>
               <a:t>第二级</a:t>
             </a:r>
+            <a:endParaRPr lang="zh-CN" altLang="en-US" smtClean="0"/>
           </a:p>
           <a:p>
             <a:pPr lvl="2"/>
@@ -1226,6 +1249,7 @@
               <a:rPr lang="zh-CN" altLang="en-US" smtClean="0"/>
               <a:t>第三级</a:t>
             </a:r>
+            <a:endParaRPr lang="zh-CN" altLang="en-US" smtClean="0"/>
           </a:p>
           <a:p>
             <a:pPr lvl="3"/>
@@ -1233,6 +1257,7 @@
               <a:rPr lang="zh-CN" altLang="en-US" smtClean="0"/>
               <a:t>第四级</a:t>
             </a:r>
+            <a:endParaRPr lang="zh-CN" altLang="en-US" smtClean="0"/>
           </a:p>
           <a:p>
             <a:pPr lvl="4"/>
@@ -1261,7 +1286,6 @@
           <a:p>
             <a:fld id="{530820CF-B880-4189-942D-D702A7CBA730}" type="datetimeFigureOut">
               <a:rPr lang="zh-CN" altLang="en-US" smtClean="0"/>
-              <a:t>17/10/16</a:t>
             </a:fld>
             <a:endParaRPr lang="zh-CN" altLang="en-US"/>
           </a:p>
@@ -1303,7 +1327,6 @@
           <a:p>
             <a:fld id="{0C913308-F349-4B6D-A68A-DD1791B4A57B}" type="slidenum">
               <a:rPr lang="zh-CN" altLang="en-US" smtClean="0"/>
-              <a:t>‹#›</a:t>
             </a:fld>
             <a:endParaRPr lang="zh-CN" altLang="en-US"/>
           </a:p>
@@ -1482,6 +1505,7 @@
               <a:rPr lang="zh-CN" altLang="en-US" smtClean="0"/>
               <a:t>单击此处编辑母版文本样式</a:t>
             </a:r>
+            <a:endParaRPr lang="zh-CN" altLang="en-US" smtClean="0"/>
           </a:p>
         </p:txBody>
       </p:sp>
@@ -1502,7 +1526,6 @@
           <a:p>
             <a:fld id="{530820CF-B880-4189-942D-D702A7CBA730}" type="datetimeFigureOut">
               <a:rPr lang="zh-CN" altLang="en-US" smtClean="0"/>
-              <a:t>17/10/16</a:t>
             </a:fld>
             <a:endParaRPr lang="zh-CN" altLang="en-US"/>
           </a:p>
@@ -1544,7 +1567,6 @@
           <a:p>
             <a:fld id="{0C913308-F349-4B6D-A68A-DD1791B4A57B}" type="slidenum">
               <a:rPr lang="zh-CN" altLang="en-US" smtClean="0"/>
-              <a:t>‹#›</a:t>
             </a:fld>
             <a:endParaRPr lang="zh-CN" altLang="en-US"/>
           </a:p>
@@ -1651,6 +1673,7 @@
               <a:rPr lang="zh-CN" altLang="en-US" smtClean="0"/>
               <a:t>单击此处编辑母版文本样式</a:t>
             </a:r>
+            <a:endParaRPr lang="zh-CN" altLang="en-US" smtClean="0"/>
           </a:p>
           <a:p>
             <a:pPr lvl="1"/>
@@ -1658,6 +1681,7 @@
               <a:rPr lang="zh-CN" altLang="en-US" smtClean="0"/>
               <a:t>第二级</a:t>
             </a:r>
+            <a:endParaRPr lang="zh-CN" altLang="en-US" smtClean="0"/>
           </a:p>
           <a:p>
             <a:pPr lvl="2"/>
@@ -1665,6 +1689,7 @@
               <a:rPr lang="zh-CN" altLang="en-US" smtClean="0"/>
               <a:t>第三级</a:t>
             </a:r>
+            <a:endParaRPr lang="zh-CN" altLang="en-US" smtClean="0"/>
           </a:p>
           <a:p>
             <a:pPr lvl="3"/>
@@ -1672,6 +1697,7 @@
               <a:rPr lang="zh-CN" altLang="en-US" smtClean="0"/>
               <a:t>第四级</a:t>
             </a:r>
+            <a:endParaRPr lang="zh-CN" altLang="en-US" smtClean="0"/>
           </a:p>
           <a:p>
             <a:pPr lvl="4"/>
@@ -1736,6 +1762,7 @@
               <a:rPr lang="zh-CN" altLang="en-US" smtClean="0"/>
               <a:t>单击此处编辑母版文本样式</a:t>
             </a:r>
+            <a:endParaRPr lang="zh-CN" altLang="en-US" smtClean="0"/>
           </a:p>
           <a:p>
             <a:pPr lvl="1"/>
@@ -1743,6 +1770,7 @@
               <a:rPr lang="zh-CN" altLang="en-US" smtClean="0"/>
               <a:t>第二级</a:t>
             </a:r>
+            <a:endParaRPr lang="zh-CN" altLang="en-US" smtClean="0"/>
           </a:p>
           <a:p>
             <a:pPr lvl="2"/>
@@ -1750,6 +1778,7 @@
               <a:rPr lang="zh-CN" altLang="en-US" smtClean="0"/>
               <a:t>第三级</a:t>
             </a:r>
+            <a:endParaRPr lang="zh-CN" altLang="en-US" smtClean="0"/>
           </a:p>
           <a:p>
             <a:pPr lvl="3"/>
@@ -1757,6 +1786,7 @@
               <a:rPr lang="zh-CN" altLang="en-US" smtClean="0"/>
               <a:t>第四级</a:t>
             </a:r>
+            <a:endParaRPr lang="zh-CN" altLang="en-US" smtClean="0"/>
           </a:p>
           <a:p>
             <a:pPr lvl="4"/>
@@ -1785,7 +1815,6 @@
           <a:p>
             <a:fld id="{530820CF-B880-4189-942D-D702A7CBA730}" type="datetimeFigureOut">
               <a:rPr lang="zh-CN" altLang="en-US" smtClean="0"/>
-              <a:t>17/10/16</a:t>
             </a:fld>
             <a:endParaRPr lang="zh-CN" altLang="en-US"/>
           </a:p>
@@ -1827,7 +1856,6 @@
           <a:p>
             <a:fld id="{0C913308-F349-4B6D-A68A-DD1791B4A57B}" type="slidenum">
               <a:rPr lang="zh-CN" altLang="en-US" smtClean="0"/>
-              <a:t>‹#›</a:t>
             </a:fld>
             <a:endParaRPr lang="zh-CN" altLang="en-US"/>
           </a:p>
@@ -1947,6 +1975,7 @@
               <a:rPr lang="zh-CN" altLang="en-US" smtClean="0"/>
               <a:t>单击此处编辑母版文本样式</a:t>
             </a:r>
+            <a:endParaRPr lang="zh-CN" altLang="en-US" smtClean="0"/>
           </a:p>
         </p:txBody>
       </p:sp>
@@ -2003,6 +2032,7 @@
               <a:rPr lang="zh-CN" altLang="en-US" smtClean="0"/>
               <a:t>单击此处编辑母版文本样式</a:t>
             </a:r>
+            <a:endParaRPr lang="zh-CN" altLang="en-US" smtClean="0"/>
           </a:p>
           <a:p>
             <a:pPr lvl="1"/>
@@ -2010,6 +2040,7 @@
               <a:rPr lang="zh-CN" altLang="en-US" smtClean="0"/>
               <a:t>第二级</a:t>
             </a:r>
+            <a:endParaRPr lang="zh-CN" altLang="en-US" smtClean="0"/>
           </a:p>
           <a:p>
             <a:pPr lvl="2"/>
@@ -2017,6 +2048,7 @@
               <a:rPr lang="zh-CN" altLang="en-US" smtClean="0"/>
               <a:t>第三级</a:t>
             </a:r>
+            <a:endParaRPr lang="zh-CN" altLang="en-US" smtClean="0"/>
           </a:p>
           <a:p>
             <a:pPr lvl="3"/>
@@ -2024,6 +2056,7 @@
               <a:rPr lang="zh-CN" altLang="en-US" smtClean="0"/>
               <a:t>第四级</a:t>
             </a:r>
+            <a:endParaRPr lang="zh-CN" altLang="en-US" smtClean="0"/>
           </a:p>
           <a:p>
             <a:pPr lvl="4"/>
@@ -2097,6 +2130,7 @@
               <a:rPr lang="zh-CN" altLang="en-US" smtClean="0"/>
               <a:t>单击此处编辑母版文本样式</a:t>
             </a:r>
+            <a:endParaRPr lang="zh-CN" altLang="en-US" smtClean="0"/>
           </a:p>
         </p:txBody>
       </p:sp>
@@ -2153,6 +2187,7 @@
               <a:rPr lang="zh-CN" altLang="en-US" smtClean="0"/>
               <a:t>单击此处编辑母版文本样式</a:t>
             </a:r>
+            <a:endParaRPr lang="zh-CN" altLang="en-US" smtClean="0"/>
           </a:p>
           <a:p>
             <a:pPr lvl="1"/>
@@ -2160,6 +2195,7 @@
               <a:rPr lang="zh-CN" altLang="en-US" smtClean="0"/>
               <a:t>第二级</a:t>
             </a:r>
+            <a:endParaRPr lang="zh-CN" altLang="en-US" smtClean="0"/>
           </a:p>
           <a:p>
             <a:pPr lvl="2"/>
@@ -2167,6 +2203,7 @@
               <a:rPr lang="zh-CN" altLang="en-US" smtClean="0"/>
               <a:t>第三级</a:t>
             </a:r>
+            <a:endParaRPr lang="zh-CN" altLang="en-US" smtClean="0"/>
           </a:p>
           <a:p>
             <a:pPr lvl="3"/>
@@ -2174,6 +2211,7 @@
               <a:rPr lang="zh-CN" altLang="en-US" smtClean="0"/>
               <a:t>第四级</a:t>
             </a:r>
+            <a:endParaRPr lang="zh-CN" altLang="en-US" smtClean="0"/>
           </a:p>
           <a:p>
             <a:pPr lvl="4"/>
@@ -2202,7 +2240,6 @@
           <a:p>
             <a:fld id="{530820CF-B880-4189-942D-D702A7CBA730}" type="datetimeFigureOut">
               <a:rPr lang="zh-CN" altLang="en-US" smtClean="0"/>
-              <a:t>17/10/16</a:t>
             </a:fld>
             <a:endParaRPr lang="zh-CN" altLang="en-US"/>
           </a:p>
@@ -2244,7 +2281,6 @@
           <a:p>
             <a:fld id="{0C913308-F349-4B6D-A68A-DD1791B4A57B}" type="slidenum">
               <a:rPr lang="zh-CN" altLang="en-US" smtClean="0"/>
-              <a:t>‹#›</a:t>
             </a:fld>
             <a:endParaRPr lang="zh-CN" altLang="en-US"/>
           </a:p>
@@ -2315,7 +2351,6 @@
           <a:p>
             <a:fld id="{530820CF-B880-4189-942D-D702A7CBA730}" type="datetimeFigureOut">
               <a:rPr lang="zh-CN" altLang="en-US" smtClean="0"/>
-              <a:t>17/10/16</a:t>
             </a:fld>
             <a:endParaRPr lang="zh-CN" altLang="en-US"/>
           </a:p>
@@ -2357,7 +2392,6 @@
           <a:p>
             <a:fld id="{0C913308-F349-4B6D-A68A-DD1791B4A57B}" type="slidenum">
               <a:rPr lang="zh-CN" altLang="en-US" smtClean="0"/>
-              <a:t>‹#›</a:t>
             </a:fld>
             <a:endParaRPr lang="zh-CN" altLang="en-US"/>
           </a:p>
@@ -2405,7 +2439,6 @@
           <a:p>
             <a:fld id="{530820CF-B880-4189-942D-D702A7CBA730}" type="datetimeFigureOut">
               <a:rPr lang="zh-CN" altLang="en-US" smtClean="0"/>
-              <a:t>17/10/16</a:t>
             </a:fld>
             <a:endParaRPr lang="zh-CN" altLang="en-US"/>
           </a:p>
@@ -2447,7 +2480,6 @@
           <a:p>
             <a:fld id="{0C913308-F349-4B6D-A68A-DD1791B4A57B}" type="slidenum">
               <a:rPr lang="zh-CN" altLang="en-US" smtClean="0"/>
-              <a:t>‹#›</a:t>
             </a:fld>
             <a:endParaRPr lang="zh-CN" altLang="en-US"/>
           </a:p>
@@ -2563,6 +2595,7 @@
               <a:rPr lang="zh-CN" altLang="en-US" smtClean="0"/>
               <a:t>单击此处编辑母版文本样式</a:t>
             </a:r>
+            <a:endParaRPr lang="zh-CN" altLang="en-US" smtClean="0"/>
           </a:p>
           <a:p>
             <a:pPr lvl="1"/>
@@ -2570,6 +2603,7 @@
               <a:rPr lang="zh-CN" altLang="en-US" smtClean="0"/>
               <a:t>第二级</a:t>
             </a:r>
+            <a:endParaRPr lang="zh-CN" altLang="en-US" smtClean="0"/>
           </a:p>
           <a:p>
             <a:pPr lvl="2"/>
@@ -2577,6 +2611,7 @@
               <a:rPr lang="zh-CN" altLang="en-US" smtClean="0"/>
               <a:t>第三级</a:t>
             </a:r>
+            <a:endParaRPr lang="zh-CN" altLang="en-US" smtClean="0"/>
           </a:p>
           <a:p>
             <a:pPr lvl="3"/>
@@ -2584,6 +2619,7 @@
               <a:rPr lang="zh-CN" altLang="en-US" smtClean="0"/>
               <a:t>第四级</a:t>
             </a:r>
+            <a:endParaRPr lang="zh-CN" altLang="en-US" smtClean="0"/>
           </a:p>
           <a:p>
             <a:pPr lvl="4"/>
@@ -2657,6 +2693,7 @@
               <a:rPr lang="zh-CN" altLang="en-US" smtClean="0"/>
               <a:t>单击此处编辑母版文本样式</a:t>
             </a:r>
+            <a:endParaRPr lang="zh-CN" altLang="en-US" smtClean="0"/>
           </a:p>
         </p:txBody>
       </p:sp>
@@ -2677,7 +2714,6 @@
           <a:p>
             <a:fld id="{530820CF-B880-4189-942D-D702A7CBA730}" type="datetimeFigureOut">
               <a:rPr lang="zh-CN" altLang="en-US" smtClean="0"/>
-              <a:t>17/10/16</a:t>
             </a:fld>
             <a:endParaRPr lang="zh-CN" altLang="en-US"/>
           </a:p>
@@ -2719,7 +2755,6 @@
           <a:p>
             <a:fld id="{0C913308-F349-4B6D-A68A-DD1791B4A57B}" type="slidenum">
               <a:rPr lang="zh-CN" altLang="en-US" smtClean="0"/>
-              <a:t>‹#›</a:t>
             </a:fld>
             <a:endParaRPr lang="zh-CN" altLang="en-US"/>
           </a:p>
@@ -2905,6 +2940,7 @@
               <a:rPr lang="zh-CN" altLang="en-US" smtClean="0"/>
               <a:t>单击此处编辑母版文本样式</a:t>
             </a:r>
+            <a:endParaRPr lang="zh-CN" altLang="en-US" smtClean="0"/>
           </a:p>
         </p:txBody>
       </p:sp>
@@ -2925,7 +2961,6 @@
           <a:p>
             <a:fld id="{530820CF-B880-4189-942D-D702A7CBA730}" type="datetimeFigureOut">
               <a:rPr lang="zh-CN" altLang="en-US" smtClean="0"/>
-              <a:t>17/10/16</a:t>
             </a:fld>
             <a:endParaRPr lang="zh-CN" altLang="en-US"/>
           </a:p>
@@ -2967,7 +3002,6 @@
           <a:p>
             <a:fld id="{0C913308-F349-4B6D-A68A-DD1791B4A57B}" type="slidenum">
               <a:rPr lang="zh-CN" altLang="en-US" smtClean="0"/>
-              <a:t>‹#›</a:t>
             </a:fld>
             <a:endParaRPr lang="zh-CN" altLang="en-US"/>
           </a:p>
@@ -3066,6 +3100,7 @@
               <a:rPr lang="zh-CN" altLang="en-US" smtClean="0"/>
               <a:t>单击此处编辑母版文本样式</a:t>
             </a:r>
+            <a:endParaRPr lang="zh-CN" altLang="en-US" smtClean="0"/>
           </a:p>
           <a:p>
             <a:pPr lvl="1"/>
@@ -3073,6 +3108,7 @@
               <a:rPr lang="zh-CN" altLang="en-US" smtClean="0"/>
               <a:t>第二级</a:t>
             </a:r>
+            <a:endParaRPr lang="zh-CN" altLang="en-US" smtClean="0"/>
           </a:p>
           <a:p>
             <a:pPr lvl="2"/>
@@ -3080,6 +3116,7 @@
               <a:rPr lang="zh-CN" altLang="en-US" smtClean="0"/>
               <a:t>第三级</a:t>
             </a:r>
+            <a:endParaRPr lang="zh-CN" altLang="en-US" smtClean="0"/>
           </a:p>
           <a:p>
             <a:pPr lvl="3"/>
@@ -3087,6 +3124,7 @@
               <a:rPr lang="zh-CN" altLang="en-US" smtClean="0"/>
               <a:t>第四级</a:t>
             </a:r>
+            <a:endParaRPr lang="zh-CN" altLang="en-US" smtClean="0"/>
           </a:p>
           <a:p>
             <a:pPr lvl="4"/>
@@ -3133,7 +3171,6 @@
           <a:p>
             <a:fld id="{530820CF-B880-4189-942D-D702A7CBA730}" type="datetimeFigureOut">
               <a:rPr lang="zh-CN" altLang="en-US" smtClean="0"/>
-              <a:t>17/10/16</a:t>
             </a:fld>
             <a:endParaRPr lang="zh-CN" altLang="en-US"/>
           </a:p>
@@ -3211,7 +3248,6 @@
           <a:p>
             <a:fld id="{0C913308-F349-4B6D-A68A-DD1791B4A57B}" type="slidenum">
               <a:rPr lang="zh-CN" altLang="en-US" smtClean="0"/>
-              <a:t>‹#›</a:t>
             </a:fld>
             <a:endParaRPr lang="zh-CN" altLang="en-US"/>
           </a:p>
@@ -3255,7 +3291,7 @@
         <a:spcBef>
           <a:spcPct val="20000"/>
         </a:spcBef>
-        <a:buFont typeface="Arial" pitchFamily="34" charset="0"/>
+        <a:buFont typeface="Arial" panose="020B0604020202020204" pitchFamily="34" charset="0"/>
         <a:buChar char="•"/>
         <a:defRPr sz="3200" kern="1200">
           <a:solidFill>
@@ -3270,7 +3306,7 @@
         <a:spcBef>
           <a:spcPct val="20000"/>
         </a:spcBef>
-        <a:buFont typeface="Arial" pitchFamily="34" charset="0"/>
+        <a:buFont typeface="Arial" panose="020B0604020202020204" pitchFamily="34" charset="0"/>
         <a:buChar char="–"/>
         <a:defRPr sz="2800" kern="1200">
           <a:solidFill>
@@ -3285,7 +3321,7 @@
         <a:spcBef>
           <a:spcPct val="20000"/>
         </a:spcBef>
-        <a:buFont typeface="Arial" pitchFamily="34" charset="0"/>
+        <a:buFont typeface="Arial" panose="020B0604020202020204" pitchFamily="34" charset="0"/>
         <a:buChar char="•"/>
         <a:defRPr sz="2400" kern="1200">
           <a:solidFill>
@@ -3300,7 +3336,7 @@
         <a:spcBef>
           <a:spcPct val="20000"/>
         </a:spcBef>
-        <a:buFont typeface="Arial" pitchFamily="34" charset="0"/>
+        <a:buFont typeface="Arial" panose="020B0604020202020204" pitchFamily="34" charset="0"/>
         <a:buChar char="–"/>
         <a:defRPr sz="2000" kern="1200">
           <a:solidFill>
@@ -3315,7 +3351,7 @@
         <a:spcBef>
           <a:spcPct val="20000"/>
         </a:spcBef>
-        <a:buFont typeface="Arial" pitchFamily="34" charset="0"/>
+        <a:buFont typeface="Arial" panose="020B0604020202020204" pitchFamily="34" charset="0"/>
         <a:buChar char="»"/>
         <a:defRPr sz="2000" kern="1200">
           <a:solidFill>
@@ -3330,7 +3366,7 @@
         <a:spcBef>
           <a:spcPct val="20000"/>
         </a:spcBef>
-        <a:buFont typeface="Arial" pitchFamily="34" charset="0"/>
+        <a:buFont typeface="Arial" panose="020B0604020202020204" pitchFamily="34" charset="0"/>
         <a:buChar char="•"/>
         <a:defRPr sz="2000" kern="1200">
           <a:solidFill>
@@ -3345,7 +3381,7 @@
         <a:spcBef>
           <a:spcPct val="20000"/>
         </a:spcBef>
-        <a:buFont typeface="Arial" pitchFamily="34" charset="0"/>
+        <a:buFont typeface="Arial" panose="020B0604020202020204" pitchFamily="34" charset="0"/>
         <a:buChar char="•"/>
         <a:defRPr sz="2000" kern="1200">
           <a:solidFill>
@@ -3360,7 +3396,7 @@
         <a:spcBef>
           <a:spcPct val="20000"/>
         </a:spcBef>
-        <a:buFont typeface="Arial" pitchFamily="34" charset="0"/>
+        <a:buFont typeface="Arial" panose="020B0604020202020204" pitchFamily="34" charset="0"/>
         <a:buChar char="•"/>
         <a:defRPr sz="2000" kern="1200">
           <a:solidFill>
@@ -3375,7 +3411,7 @@
         <a:spcBef>
           <a:spcPct val="20000"/>
         </a:spcBef>
-        <a:buFont typeface="Arial" pitchFamily="34" charset="0"/>
+        <a:buFont typeface="Arial" panose="020B0604020202020204" pitchFamily="34" charset="0"/>
         <a:buChar char="•"/>
         <a:defRPr sz="2000" kern="1200">
           <a:solidFill>
@@ -3522,6 +3558,7 @@
               <a:rPr lang="zh-CN" altLang="en-US" dirty="0"/>
               <a:t>聚类</a:t>
             </a:r>
+            <a:endParaRPr lang="zh-CN" altLang="en-US" dirty="0"/>
           </a:p>
         </p:txBody>
       </p:sp>
@@ -3549,11 +3586,6 @@
         </p:txBody>
       </p:sp>
     </p:spTree>
-    <p:extLst>
-      <p:ext uri="{BB962C8B-B14F-4D97-AF65-F5344CB8AC3E}">
-        <p14:creationId xmlns:p14="http://schemas.microsoft.com/office/powerpoint/2010/main" val="3144954246"/>
-      </p:ext>
-    </p:extLst>
   </p:cSld>
   <p:clrMapOvr>
     <a:masterClrMapping/>
@@ -3614,13 +3646,7 @@
           <p:nvPr/>
         </p:nvPicPr>
         <p:blipFill>
-          <a:blip r:embed="rId2">
-            <a:extLst>
-              <a:ext uri="{28A0092B-C50C-407E-A947-70E740481C1C}">
-                <a14:useLocalDpi xmlns:a14="http://schemas.microsoft.com/office/drawing/2010/main" val="0"/>
-              </a:ext>
-            </a:extLst>
-          </a:blip>
+          <a:blip r:embed="rId1"/>
           <a:srcRect/>
           <a:stretch>
             <a:fillRect/>
@@ -3655,7 +3681,7 @@
           <p:nvPr/>
         </p:nvPicPr>
         <p:blipFill>
-          <a:blip r:embed="rId3">
+          <a:blip r:embed="rId2">
             <a:extLst>
               <a:ext uri="{28A0092B-C50C-407E-A947-70E740481C1C}">
                 <a14:useLocalDpi xmlns:a14="http://schemas.microsoft.com/office/drawing/2010/main" val="0"/>
@@ -3719,7 +3745,7 @@
           <p:nvPr/>
         </p:nvPicPr>
         <p:blipFill>
-          <a:blip r:embed="rId4">
+          <a:blip r:embed="rId3">
             <a:extLst>
               <a:ext uri="{28A0092B-C50C-407E-A947-70E740481C1C}">
                 <a14:useLocalDpi xmlns:a14="http://schemas.microsoft.com/office/drawing/2010/main" val="0"/>
@@ -3783,7 +3809,7 @@
           <p:nvPr/>
         </p:nvPicPr>
         <p:blipFill>
-          <a:blip r:embed="rId5">
+          <a:blip r:embed="rId4">
             <a:extLst>
               <a:ext uri="{28A0092B-C50C-407E-A947-70E740481C1C}">
                 <a14:useLocalDpi xmlns:a14="http://schemas.microsoft.com/office/drawing/2010/main" val="0"/>
@@ -3839,11 +3865,6 @@
         </p:spPr>
       </p:pic>
     </p:spTree>
-    <p:extLst>
-      <p:ext uri="{BB962C8B-B14F-4D97-AF65-F5344CB8AC3E}">
-        <p14:creationId xmlns:p14="http://schemas.microsoft.com/office/powerpoint/2010/main" val="978883067"/>
-      </p:ext>
-    </p:extLst>
   </p:cSld>
   <p:clrMapOvr>
     <a:masterClrMapping/>
@@ -4018,11 +4039,6 @@
         </p:txBody>
       </p:sp>
     </p:spTree>
-    <p:extLst>
-      <p:ext uri="{BB962C8B-B14F-4D97-AF65-F5344CB8AC3E}">
-        <p14:creationId xmlns:p14="http://schemas.microsoft.com/office/powerpoint/2010/main" val="3857839303"/>
-      </p:ext>
-    </p:extLst>
   </p:cSld>
   <p:clrMapOvr>
     <a:masterClrMapping/>
@@ -4083,13 +4099,7 @@
           <p:cNvGraphicFramePr>
             <a:graphicFrameLocks noGrp="1"/>
           </p:cNvGraphicFramePr>
-          <p:nvPr>
-            <p:extLst>
-              <p:ext uri="{D42A27DB-BD31-4B8C-83A1-F6EECF244321}">
-                <p14:modId xmlns:p14="http://schemas.microsoft.com/office/powerpoint/2010/main" val="1576192773"/>
-              </p:ext>
-            </p:extLst>
-          </p:nvPr>
+          <p:nvPr/>
         </p:nvGraphicFramePr>
         <p:xfrm>
           <a:off x="1524000" y="1397000"/>
@@ -4121,10 +4131,17 @@
                             <a:srgbClr val="000000"/>
                           </a:solidFill>
                           <a:effectLst/>
-                          <a:latin typeface="宋体"/>
+                          <a:latin typeface="宋体" panose="02010600030101010101" pitchFamily="2" charset="-122"/>
                         </a:rPr>
                         <a:t>5.1</a:t>
                       </a:r>
+                      <a:endParaRPr lang="en-US" altLang="zh-CN" sz="1100" b="0" i="0" u="none" strike="noStrike" dirty="0">
+                        <a:solidFill>
+                          <a:srgbClr val="000000"/>
+                        </a:solidFill>
+                        <a:effectLst/>
+                        <a:latin typeface="宋体" panose="02010600030101010101" pitchFamily="2" charset="-122"/>
+                      </a:endParaRPr>
                     </a:p>
                   </a:txBody>
                   <a:tcPr marL="9525" marR="9525" marT="9525" marB="0" anchor="b"/>
@@ -4141,10 +4158,17 @@
                             <a:srgbClr val="000000"/>
                           </a:solidFill>
                           <a:effectLst/>
-                          <a:latin typeface="宋体"/>
+                          <a:latin typeface="宋体" panose="02010600030101010101" pitchFamily="2" charset="-122"/>
                         </a:rPr>
                         <a:t>3.5</a:t>
                       </a:r>
+                      <a:endParaRPr lang="en-US" altLang="zh-CN" sz="1100" b="0" i="0" u="none" strike="noStrike">
+                        <a:solidFill>
+                          <a:srgbClr val="000000"/>
+                        </a:solidFill>
+                        <a:effectLst/>
+                        <a:latin typeface="宋体" panose="02010600030101010101" pitchFamily="2" charset="-122"/>
+                      </a:endParaRPr>
                     </a:p>
                   </a:txBody>
                   <a:tcPr marL="9525" marR="9525" marT="9525" marB="0" anchor="b"/>
@@ -4161,10 +4185,17 @@
                             <a:srgbClr val="000000"/>
                           </a:solidFill>
                           <a:effectLst/>
-                          <a:latin typeface="宋体"/>
+                          <a:latin typeface="宋体" panose="02010600030101010101" pitchFamily="2" charset="-122"/>
                         </a:rPr>
                         <a:t>1.4</a:t>
                       </a:r>
+                      <a:endParaRPr lang="en-US" altLang="zh-CN" sz="1100" b="0" i="0" u="none" strike="noStrike">
+                        <a:solidFill>
+                          <a:srgbClr val="000000"/>
+                        </a:solidFill>
+                        <a:effectLst/>
+                        <a:latin typeface="宋体" panose="02010600030101010101" pitchFamily="2" charset="-122"/>
+                      </a:endParaRPr>
                     </a:p>
                   </a:txBody>
                   <a:tcPr marL="9525" marR="9525" marT="9525" marB="0" anchor="b"/>
@@ -4181,10 +4212,17 @@
                             <a:srgbClr val="000000"/>
                           </a:solidFill>
                           <a:effectLst/>
-                          <a:latin typeface="宋体"/>
+                          <a:latin typeface="宋体" panose="02010600030101010101" pitchFamily="2" charset="-122"/>
                         </a:rPr>
                         <a:t>0.2</a:t>
                       </a:r>
+                      <a:endParaRPr lang="en-US" altLang="zh-CN" sz="1100" b="0" i="0" u="none" strike="noStrike">
+                        <a:solidFill>
+                          <a:srgbClr val="000000"/>
+                        </a:solidFill>
+                        <a:effectLst/>
+                        <a:latin typeface="宋体" panose="02010600030101010101" pitchFamily="2" charset="-122"/>
+                      </a:endParaRPr>
                     </a:p>
                   </a:txBody>
                   <a:tcPr marL="9525" marR="9525" marT="9525" marB="0" anchor="b"/>
@@ -4201,10 +4239,17 @@
                             <a:srgbClr val="000000"/>
                           </a:solidFill>
                           <a:effectLst/>
-                          <a:latin typeface="宋体"/>
+                          <a:latin typeface="宋体" panose="02010600030101010101" pitchFamily="2" charset="-122"/>
                         </a:rPr>
                         <a:t>Iris-setosa</a:t>
                       </a:r>
+                      <a:endParaRPr lang="en-US" sz="1100" b="0" i="0" u="none" strike="noStrike">
+                        <a:solidFill>
+                          <a:srgbClr val="000000"/>
+                        </a:solidFill>
+                        <a:effectLst/>
+                        <a:latin typeface="宋体" panose="02010600030101010101" pitchFamily="2" charset="-122"/>
+                      </a:endParaRPr>
                     </a:p>
                   </a:txBody>
                   <a:tcPr marL="9525" marR="9525" marT="9525" marB="0" anchor="b"/>
@@ -4223,10 +4268,17 @@
                             <a:srgbClr val="000000"/>
                           </a:solidFill>
                           <a:effectLst/>
-                          <a:latin typeface="宋体"/>
+                          <a:latin typeface="宋体" panose="02010600030101010101" pitchFamily="2" charset="-122"/>
                         </a:rPr>
                         <a:t>4.9</a:t>
                       </a:r>
+                      <a:endParaRPr lang="en-US" altLang="zh-CN" sz="1100" b="0" i="0" u="none" strike="noStrike" dirty="0">
+                        <a:solidFill>
+                          <a:srgbClr val="000000"/>
+                        </a:solidFill>
+                        <a:effectLst/>
+                        <a:latin typeface="宋体" panose="02010600030101010101" pitchFamily="2" charset="-122"/>
+                      </a:endParaRPr>
                     </a:p>
                   </a:txBody>
                   <a:tcPr marL="9525" marR="9525" marT="9525" marB="0" anchor="b"/>
@@ -4243,10 +4295,17 @@
                             <a:srgbClr val="000000"/>
                           </a:solidFill>
                           <a:effectLst/>
-                          <a:latin typeface="宋体"/>
+                          <a:latin typeface="宋体" panose="02010600030101010101" pitchFamily="2" charset="-122"/>
                         </a:rPr>
                         <a:t>3</a:t>
                       </a:r>
+                      <a:endParaRPr lang="en-US" altLang="zh-CN" sz="1100" b="0" i="0" u="none" strike="noStrike">
+                        <a:solidFill>
+                          <a:srgbClr val="000000"/>
+                        </a:solidFill>
+                        <a:effectLst/>
+                        <a:latin typeface="宋体" panose="02010600030101010101" pitchFamily="2" charset="-122"/>
+                      </a:endParaRPr>
                     </a:p>
                   </a:txBody>
                   <a:tcPr marL="9525" marR="9525" marT="9525" marB="0" anchor="b"/>
@@ -4263,10 +4322,17 @@
                             <a:srgbClr val="000000"/>
                           </a:solidFill>
                           <a:effectLst/>
-                          <a:latin typeface="宋体"/>
+                          <a:latin typeface="宋体" panose="02010600030101010101" pitchFamily="2" charset="-122"/>
                         </a:rPr>
                         <a:t>1.4</a:t>
                       </a:r>
+                      <a:endParaRPr lang="en-US" altLang="zh-CN" sz="1100" b="0" i="0" u="none" strike="noStrike">
+                        <a:solidFill>
+                          <a:srgbClr val="000000"/>
+                        </a:solidFill>
+                        <a:effectLst/>
+                        <a:latin typeface="宋体" panose="02010600030101010101" pitchFamily="2" charset="-122"/>
+                      </a:endParaRPr>
                     </a:p>
                   </a:txBody>
                   <a:tcPr marL="9525" marR="9525" marT="9525" marB="0" anchor="b"/>
@@ -4283,10 +4349,17 @@
                             <a:srgbClr val="000000"/>
                           </a:solidFill>
                           <a:effectLst/>
-                          <a:latin typeface="宋体"/>
+                          <a:latin typeface="宋体" panose="02010600030101010101" pitchFamily="2" charset="-122"/>
                         </a:rPr>
                         <a:t>0.2</a:t>
                       </a:r>
+                      <a:endParaRPr lang="en-US" altLang="zh-CN" sz="1100" b="0" i="0" u="none" strike="noStrike">
+                        <a:solidFill>
+                          <a:srgbClr val="000000"/>
+                        </a:solidFill>
+                        <a:effectLst/>
+                        <a:latin typeface="宋体" panose="02010600030101010101" pitchFamily="2" charset="-122"/>
+                      </a:endParaRPr>
                     </a:p>
                   </a:txBody>
                   <a:tcPr marL="9525" marR="9525" marT="9525" marB="0" anchor="b"/>
@@ -4303,10 +4376,17 @@
                             <a:srgbClr val="000000"/>
                           </a:solidFill>
                           <a:effectLst/>
-                          <a:latin typeface="宋体"/>
+                          <a:latin typeface="宋体" panose="02010600030101010101" pitchFamily="2" charset="-122"/>
                         </a:rPr>
                         <a:t>Iris-setosa</a:t>
                       </a:r>
+                      <a:endParaRPr lang="en-US" sz="1100" b="0" i="0" u="none" strike="noStrike">
+                        <a:solidFill>
+                          <a:srgbClr val="000000"/>
+                        </a:solidFill>
+                        <a:effectLst/>
+                        <a:latin typeface="宋体" panose="02010600030101010101" pitchFamily="2" charset="-122"/>
+                      </a:endParaRPr>
                     </a:p>
                   </a:txBody>
                   <a:tcPr marL="9525" marR="9525" marT="9525" marB="0" anchor="b"/>
@@ -4325,10 +4405,17 @@
                             <a:srgbClr val="000000"/>
                           </a:solidFill>
                           <a:effectLst/>
-                          <a:latin typeface="宋体"/>
+                          <a:latin typeface="宋体" panose="02010600030101010101" pitchFamily="2" charset="-122"/>
                         </a:rPr>
                         <a:t>4.7</a:t>
                       </a:r>
+                      <a:endParaRPr lang="en-US" altLang="zh-CN" sz="1100" b="0" i="0" u="none" strike="noStrike" dirty="0">
+                        <a:solidFill>
+                          <a:srgbClr val="000000"/>
+                        </a:solidFill>
+                        <a:effectLst/>
+                        <a:latin typeface="宋体" panose="02010600030101010101" pitchFamily="2" charset="-122"/>
+                      </a:endParaRPr>
                     </a:p>
                   </a:txBody>
                   <a:tcPr marL="9525" marR="9525" marT="9525" marB="0" anchor="b"/>
@@ -4345,10 +4432,17 @@
                             <a:srgbClr val="000000"/>
                           </a:solidFill>
                           <a:effectLst/>
-                          <a:latin typeface="宋体"/>
+                          <a:latin typeface="宋体" panose="02010600030101010101" pitchFamily="2" charset="-122"/>
                         </a:rPr>
                         <a:t>3.2</a:t>
                       </a:r>
+                      <a:endParaRPr lang="en-US" altLang="zh-CN" sz="1100" b="0" i="0" u="none" strike="noStrike">
+                        <a:solidFill>
+                          <a:srgbClr val="000000"/>
+                        </a:solidFill>
+                        <a:effectLst/>
+                        <a:latin typeface="宋体" panose="02010600030101010101" pitchFamily="2" charset="-122"/>
+                      </a:endParaRPr>
                     </a:p>
                   </a:txBody>
                   <a:tcPr marL="9525" marR="9525" marT="9525" marB="0" anchor="b"/>
@@ -4365,10 +4459,17 @@
                             <a:srgbClr val="000000"/>
                           </a:solidFill>
                           <a:effectLst/>
-                          <a:latin typeface="宋体"/>
+                          <a:latin typeface="宋体" panose="02010600030101010101" pitchFamily="2" charset="-122"/>
                         </a:rPr>
                         <a:t>1.3</a:t>
                       </a:r>
+                      <a:endParaRPr lang="en-US" altLang="zh-CN" sz="1100" b="0" i="0" u="none" strike="noStrike">
+                        <a:solidFill>
+                          <a:srgbClr val="000000"/>
+                        </a:solidFill>
+                        <a:effectLst/>
+                        <a:latin typeface="宋体" panose="02010600030101010101" pitchFamily="2" charset="-122"/>
+                      </a:endParaRPr>
                     </a:p>
                   </a:txBody>
                   <a:tcPr marL="9525" marR="9525" marT="9525" marB="0" anchor="b"/>
@@ -4385,10 +4486,17 @@
                             <a:srgbClr val="000000"/>
                           </a:solidFill>
                           <a:effectLst/>
-                          <a:latin typeface="宋体"/>
+                          <a:latin typeface="宋体" panose="02010600030101010101" pitchFamily="2" charset="-122"/>
                         </a:rPr>
                         <a:t>0.2</a:t>
                       </a:r>
+                      <a:endParaRPr lang="en-US" altLang="zh-CN" sz="1100" b="0" i="0" u="none" strike="noStrike">
+                        <a:solidFill>
+                          <a:srgbClr val="000000"/>
+                        </a:solidFill>
+                        <a:effectLst/>
+                        <a:latin typeface="宋体" panose="02010600030101010101" pitchFamily="2" charset="-122"/>
+                      </a:endParaRPr>
                     </a:p>
                   </a:txBody>
                   <a:tcPr marL="9525" marR="9525" marT="9525" marB="0" anchor="b"/>
@@ -4405,10 +4513,17 @@
                             <a:srgbClr val="000000"/>
                           </a:solidFill>
                           <a:effectLst/>
-                          <a:latin typeface="宋体"/>
+                          <a:latin typeface="宋体" panose="02010600030101010101" pitchFamily="2" charset="-122"/>
                         </a:rPr>
                         <a:t>Iris-setosa</a:t>
                       </a:r>
+                      <a:endParaRPr lang="en-US" sz="1100" b="0" i="0" u="none" strike="noStrike">
+                        <a:solidFill>
+                          <a:srgbClr val="000000"/>
+                        </a:solidFill>
+                        <a:effectLst/>
+                        <a:latin typeface="宋体" panose="02010600030101010101" pitchFamily="2" charset="-122"/>
+                      </a:endParaRPr>
                     </a:p>
                   </a:txBody>
                   <a:tcPr marL="9525" marR="9525" marT="9525" marB="0" anchor="b"/>
@@ -4427,10 +4542,17 @@
                             <a:srgbClr val="000000"/>
                           </a:solidFill>
                           <a:effectLst/>
-                          <a:latin typeface="宋体"/>
+                          <a:latin typeface="宋体" panose="02010600030101010101" pitchFamily="2" charset="-122"/>
                         </a:rPr>
                         <a:t>4.6</a:t>
                       </a:r>
+                      <a:endParaRPr lang="en-US" altLang="zh-CN" sz="1100" b="0" i="0" u="none" strike="noStrike" dirty="0">
+                        <a:solidFill>
+                          <a:srgbClr val="000000"/>
+                        </a:solidFill>
+                        <a:effectLst/>
+                        <a:latin typeface="宋体" panose="02010600030101010101" pitchFamily="2" charset="-122"/>
+                      </a:endParaRPr>
                     </a:p>
                   </a:txBody>
                   <a:tcPr marL="9525" marR="9525" marT="9525" marB="0" anchor="b"/>
@@ -4447,10 +4569,17 @@
                             <a:srgbClr val="000000"/>
                           </a:solidFill>
                           <a:effectLst/>
-                          <a:latin typeface="宋体"/>
+                          <a:latin typeface="宋体" panose="02010600030101010101" pitchFamily="2" charset="-122"/>
                         </a:rPr>
                         <a:t>3.1</a:t>
                       </a:r>
+                      <a:endParaRPr lang="en-US" altLang="zh-CN" sz="1100" b="0" i="0" u="none" strike="noStrike">
+                        <a:solidFill>
+                          <a:srgbClr val="000000"/>
+                        </a:solidFill>
+                        <a:effectLst/>
+                        <a:latin typeface="宋体" panose="02010600030101010101" pitchFamily="2" charset="-122"/>
+                      </a:endParaRPr>
                     </a:p>
                   </a:txBody>
                   <a:tcPr marL="9525" marR="9525" marT="9525" marB="0" anchor="b"/>
@@ -4467,10 +4596,17 @@
                             <a:srgbClr val="000000"/>
                           </a:solidFill>
                           <a:effectLst/>
-                          <a:latin typeface="宋体"/>
+                          <a:latin typeface="宋体" panose="02010600030101010101" pitchFamily="2" charset="-122"/>
                         </a:rPr>
                         <a:t>1.5</a:t>
                       </a:r>
+                      <a:endParaRPr lang="en-US" altLang="zh-CN" sz="1100" b="0" i="0" u="none" strike="noStrike">
+                        <a:solidFill>
+                          <a:srgbClr val="000000"/>
+                        </a:solidFill>
+                        <a:effectLst/>
+                        <a:latin typeface="宋体" panose="02010600030101010101" pitchFamily="2" charset="-122"/>
+                      </a:endParaRPr>
                     </a:p>
                   </a:txBody>
                   <a:tcPr marL="9525" marR="9525" marT="9525" marB="0" anchor="b"/>
@@ -4487,10 +4623,17 @@
                             <a:srgbClr val="000000"/>
                           </a:solidFill>
                           <a:effectLst/>
-                          <a:latin typeface="宋体"/>
+                          <a:latin typeface="宋体" panose="02010600030101010101" pitchFamily="2" charset="-122"/>
                         </a:rPr>
                         <a:t>0.2</a:t>
                       </a:r>
+                      <a:endParaRPr lang="en-US" altLang="zh-CN" sz="1100" b="0" i="0" u="none" strike="noStrike">
+                        <a:solidFill>
+                          <a:srgbClr val="000000"/>
+                        </a:solidFill>
+                        <a:effectLst/>
+                        <a:latin typeface="宋体" panose="02010600030101010101" pitchFamily="2" charset="-122"/>
+                      </a:endParaRPr>
                     </a:p>
                   </a:txBody>
                   <a:tcPr marL="9525" marR="9525" marT="9525" marB="0" anchor="b"/>
@@ -4507,7 +4650,7 @@
                             <a:srgbClr val="000000"/>
                           </a:solidFill>
                           <a:effectLst/>
-                          <a:latin typeface="宋体"/>
+                          <a:latin typeface="宋体" panose="02010600030101010101" pitchFamily="2" charset="-122"/>
                         </a:rPr>
                         <a:t>Iris-</a:t>
                       </a:r>
@@ -4517,7 +4660,7 @@
                             <a:srgbClr val="000000"/>
                           </a:solidFill>
                           <a:effectLst/>
-                          <a:latin typeface="宋体"/>
+                          <a:latin typeface="宋体" panose="02010600030101010101" pitchFamily="2" charset="-122"/>
                         </a:rPr>
                         <a:t>setosa</a:t>
                       </a:r>
@@ -4526,7 +4669,7 @@
                           <a:srgbClr val="000000"/>
                         </a:solidFill>
                         <a:effectLst/>
-                        <a:latin typeface="宋体"/>
+                        <a:latin typeface="宋体" panose="02010600030101010101" pitchFamily="2" charset="-122"/>
                       </a:endParaRPr>
                     </a:p>
                   </a:txBody>
@@ -4563,6 +4706,7 @@
               <a:rPr lang="en-US" altLang="zh-CN" dirty="0"/>
               <a:t>A(5.1,3.5,1.4,0.2) </a:t>
             </a:r>
+            <a:endParaRPr lang="en-US" altLang="zh-CN" dirty="0"/>
           </a:p>
           <a:p>
             <a:r>
@@ -4727,11 +4871,6 @@
         </p:txBody>
       </p:sp>
     </p:spTree>
-    <p:extLst>
-      <p:ext uri="{BB962C8B-B14F-4D97-AF65-F5344CB8AC3E}">
-        <p14:creationId xmlns:p14="http://schemas.microsoft.com/office/powerpoint/2010/main" val="1238033514"/>
-      </p:ext>
-    </p:extLst>
   </p:cSld>
   <p:clrMapOvr>
     <a:masterClrMapping/>
@@ -4842,6 +4981,7 @@
               <a:rPr lang="en-US" altLang="zh-CN" dirty="0"/>
               <a:t> import datasets</a:t>
             </a:r>
+            <a:endParaRPr lang="en-US" altLang="zh-CN" dirty="0"/>
           </a:p>
           <a:p>
             <a:r>
@@ -4916,6 +5056,7 @@
               <a:rPr lang="en-US" altLang="zh-CN" dirty="0"/>
               <a:t># Only needed if you want to display your plots inline if using Notebook</a:t>
             </a:r>
+            <a:endParaRPr lang="en-US" altLang="zh-CN" dirty="0"/>
           </a:p>
           <a:p>
             <a:r>
@@ -4930,6 +5071,7 @@
               <a:rPr lang="en-US" altLang="zh-CN" dirty="0"/>
               <a:t> installed</a:t>
             </a:r>
+            <a:endParaRPr lang="en-US" altLang="zh-CN" dirty="0"/>
           </a:p>
           <a:p>
             <a:r>
@@ -4973,6 +5115,7 @@
               <a:rPr lang="en-US" altLang="zh-CN" dirty="0"/>
               <a:t># import some data to play with</a:t>
             </a:r>
+            <a:endParaRPr lang="en-US" altLang="zh-CN" dirty="0"/>
           </a:p>
           <a:p>
             <a:r>
@@ -4987,6 +5130,7 @@
               <a:rPr lang="en-US" altLang="zh-CN" dirty="0"/>
               <a:t>()</a:t>
             </a:r>
+            <a:endParaRPr lang="en-US" altLang="zh-CN" dirty="0"/>
           </a:p>
           <a:p>
             <a:r>
@@ -5001,6 +5145,7 @@
               <a:rPr lang="en-US" altLang="zh-CN" dirty="0"/>
               <a:t>)</a:t>
             </a:r>
+            <a:endParaRPr lang="en-US" altLang="zh-CN" dirty="0"/>
           </a:p>
           <a:p>
             <a:r>
@@ -5015,6 +5160,7 @@
               <a:rPr lang="en-US" altLang="zh-CN" dirty="0"/>
               <a:t>)</a:t>
             </a:r>
+            <a:endParaRPr lang="en-US" altLang="zh-CN" dirty="0"/>
           </a:p>
           <a:p>
             <a:r>
@@ -5029,6 +5175,7 @@
               <a:rPr lang="en-US" altLang="zh-CN" dirty="0"/>
               <a:t>)</a:t>
             </a:r>
+            <a:endParaRPr lang="en-US" altLang="zh-CN" dirty="0"/>
           </a:p>
           <a:p>
             <a:r>
@@ -5048,11 +5195,6 @@
         </p:txBody>
       </p:sp>
     </p:spTree>
-    <p:extLst>
-      <p:ext uri="{BB962C8B-B14F-4D97-AF65-F5344CB8AC3E}">
-        <p14:creationId xmlns:p14="http://schemas.microsoft.com/office/powerpoint/2010/main" val="3728060128"/>
-      </p:ext>
-    </p:extLst>
   </p:cSld>
   <p:clrMapOvr>
     <a:masterClrMapping/>
@@ -5107,6 +5249,7 @@
               <a:rPr lang="zh-CN" altLang="en-US" dirty="0"/>
               <a:t>算法实例</a:t>
             </a:r>
+            <a:endParaRPr lang="zh-CN" altLang="en-US" dirty="0"/>
           </a:p>
         </p:txBody>
       </p:sp>
@@ -5143,6 +5286,7 @@
               <a:rPr lang="en-US" altLang="zh-CN" dirty="0"/>
               <a:t> and set the column names</a:t>
             </a:r>
+            <a:endParaRPr lang="en-US" altLang="zh-CN" dirty="0"/>
           </a:p>
           <a:p>
             <a:r>
@@ -5165,6 +5309,7 @@
               <a:rPr lang="en-US" altLang="zh-CN" dirty="0"/>
               <a:t>)</a:t>
             </a:r>
+            <a:endParaRPr lang="en-US" altLang="zh-CN" dirty="0"/>
           </a:p>
           <a:p>
             <a:r>
@@ -5183,12 +5328,14 @@
               <a:rPr lang="en-US" altLang="zh-CN" dirty="0"/>
               <a:t>']</a:t>
             </a:r>
+            <a:endParaRPr lang="en-US" altLang="zh-CN" dirty="0"/>
           </a:p>
           <a:p>
             <a:r>
               <a:rPr lang="en-US" altLang="zh-CN" dirty="0"/>
               <a:t> </a:t>
             </a:r>
+            <a:endParaRPr lang="en-US" altLang="zh-CN" dirty="0"/>
           </a:p>
           <a:p>
             <a:r>
@@ -5211,6 +5358,7 @@
               <a:rPr lang="en-US" altLang="zh-CN" dirty="0"/>
               <a:t>)</a:t>
             </a:r>
+            <a:endParaRPr lang="en-US" altLang="zh-CN" dirty="0"/>
           </a:p>
           <a:p>
             <a:r>
@@ -5226,11 +5374,6 @@
         </p:txBody>
       </p:sp>
     </p:spTree>
-    <p:extLst>
-      <p:ext uri="{BB962C8B-B14F-4D97-AF65-F5344CB8AC3E}">
-        <p14:creationId xmlns:p14="http://schemas.microsoft.com/office/powerpoint/2010/main" val="2941289289"/>
-      </p:ext>
-    </p:extLst>
   </p:cSld>
   <p:clrMapOvr>
     <a:masterClrMapping/>
@@ -5285,6 +5428,7 @@
               <a:rPr lang="zh-CN" altLang="en-US" dirty="0"/>
               <a:t>算法实例</a:t>
             </a:r>
+            <a:endParaRPr lang="zh-CN" altLang="en-US" dirty="0"/>
           </a:p>
         </p:txBody>
       </p:sp>
@@ -5313,6 +5457,7 @@
               <a:rPr lang="en-US" altLang="zh-CN" dirty="0"/>
               <a:t># Set the size of the plot</a:t>
             </a:r>
+            <a:endParaRPr lang="en-US" altLang="zh-CN" dirty="0"/>
           </a:p>
           <a:p>
             <a:r>
@@ -5331,6 +5476,7 @@
               <a:rPr lang="en-US" altLang="zh-CN" dirty="0"/>
               <a:t>=(14,7))</a:t>
             </a:r>
+            <a:endParaRPr lang="en-US" altLang="zh-CN" dirty="0"/>
           </a:p>
           <a:p>
             <a:endParaRPr lang="en-US" altLang="zh-CN" dirty="0"/>
@@ -5363,6 +5509,7 @@
               <a:rPr lang="en-US" altLang="zh-CN" dirty="0"/>
               <a:t>(['red', 'lime', 'black'])</a:t>
             </a:r>
+            <a:endParaRPr lang="en-US" altLang="zh-CN" dirty="0"/>
           </a:p>
           <a:p>
             <a:endParaRPr lang="en-US" altLang="zh-CN" dirty="0"/>
@@ -5372,6 +5519,7 @@
               <a:rPr lang="en-US" altLang="zh-CN" dirty="0"/>
               <a:t># Plot Sepal</a:t>
             </a:r>
+            <a:endParaRPr lang="en-US" altLang="zh-CN" dirty="0"/>
           </a:p>
           <a:p>
             <a:r>
@@ -5382,6 +5530,7 @@
               <a:rPr lang="en-US" altLang="zh-CN" dirty="0"/>
               <a:t>(1, 2, 1)</a:t>
             </a:r>
+            <a:endParaRPr lang="en-US" altLang="zh-CN" dirty="0"/>
           </a:p>
           <a:p>
             <a:r>
@@ -5424,6 +5573,7 @@
               <a:rPr lang="en-US" altLang="zh-CN" dirty="0"/>
               <a:t>], s=40)</a:t>
             </a:r>
+            <a:endParaRPr lang="en-US" altLang="zh-CN" dirty="0"/>
           </a:p>
           <a:p>
             <a:r>
@@ -5434,6 +5584,7 @@
               <a:rPr lang="en-US" altLang="zh-CN" dirty="0"/>
               <a:t>('Sepal')</a:t>
             </a:r>
+            <a:endParaRPr lang="en-US" altLang="zh-CN" dirty="0"/>
           </a:p>
           <a:p>
             <a:endParaRPr lang="en-US" altLang="zh-CN" dirty="0"/>
@@ -5447,6 +5598,7 @@
               <a:rPr lang="en-US" altLang="zh-CN" dirty="0"/>
               <a:t>(1, 2, 2)</a:t>
             </a:r>
+            <a:endParaRPr lang="en-US" altLang="zh-CN" dirty="0"/>
           </a:p>
           <a:p>
             <a:r>
@@ -5489,6 +5641,7 @@
               <a:rPr lang="en-US" altLang="zh-CN" dirty="0"/>
               <a:t>], s=40)</a:t>
             </a:r>
+            <a:endParaRPr lang="en-US" altLang="zh-CN" dirty="0"/>
           </a:p>
           <a:p>
             <a:r>
@@ -5512,7 +5665,7 @@
           <p:nvPr/>
         </p:nvPicPr>
         <p:blipFill>
-          <a:blip r:embed="rId2">
+          <a:blip r:embed="rId1">
             <a:extLst>
               <a:ext uri="{28A0092B-C50C-407E-A947-70E740481C1C}">
                 <a14:useLocalDpi xmlns:a14="http://schemas.microsoft.com/office/drawing/2010/main" val="0"/>
@@ -5568,11 +5721,6 @@
         </p:spPr>
       </p:pic>
     </p:spTree>
-    <p:extLst>
-      <p:ext uri="{BB962C8B-B14F-4D97-AF65-F5344CB8AC3E}">
-        <p14:creationId xmlns:p14="http://schemas.microsoft.com/office/powerpoint/2010/main" val="979255109"/>
-      </p:ext>
-    </p:extLst>
   </p:cSld>
   <p:clrMapOvr>
     <a:masterClrMapping/>
@@ -5627,6 +5775,7 @@
               <a:rPr lang="zh-CN" altLang="en-US" dirty="0"/>
               <a:t>算法实例</a:t>
             </a:r>
+            <a:endParaRPr lang="zh-CN" altLang="en-US" dirty="0"/>
           </a:p>
         </p:txBody>
       </p:sp>
@@ -5655,6 +5804,7 @@
               <a:rPr lang="en-US" altLang="zh-CN" dirty="0"/>
               <a:t># K Means Cluster</a:t>
             </a:r>
+            <a:endParaRPr lang="en-US" altLang="zh-CN" dirty="0"/>
           </a:p>
           <a:p>
             <a:r>
@@ -5677,6 +5827,7 @@
               <a:rPr lang="en-US" altLang="zh-CN" dirty="0"/>
               <a:t>=3)</a:t>
             </a:r>
+            <a:endParaRPr lang="en-US" altLang="zh-CN" dirty="0"/>
           </a:p>
           <a:p>
             <a:r>
@@ -5687,6 +5838,7 @@
               <a:rPr lang="en-US" altLang="zh-CN" dirty="0"/>
               <a:t>(x)</a:t>
             </a:r>
+            <a:endParaRPr lang="en-US" altLang="zh-CN" dirty="0"/>
           </a:p>
           <a:p>
             <a:endParaRPr lang="en-US" altLang="zh-CN" dirty="0"/>
@@ -5696,6 +5848,7 @@
               <a:rPr lang="en-US" altLang="zh-CN" dirty="0"/>
               <a:t># K Means Cluster</a:t>
             </a:r>
+            <a:endParaRPr lang="en-US" altLang="zh-CN" dirty="0"/>
           </a:p>
           <a:p>
             <a:r>
@@ -5718,6 +5871,7 @@
               <a:rPr lang="en-US" altLang="zh-CN" dirty="0"/>
               <a:t>=3)</a:t>
             </a:r>
+            <a:endParaRPr lang="en-US" altLang="zh-CN" dirty="0"/>
           </a:p>
           <a:p>
             <a:r>
@@ -5757,12 +5911,14 @@
               <a:rPr lang="en-US" altLang="zh-CN" dirty="0"/>
               <a:t># View the results</a:t>
             </a:r>
+            <a:endParaRPr lang="en-US" altLang="zh-CN" dirty="0"/>
           </a:p>
           <a:p>
             <a:r>
               <a:rPr lang="en-US" altLang="zh-CN" dirty="0"/>
               <a:t># Set the size of the plot</a:t>
             </a:r>
+            <a:endParaRPr lang="en-US" altLang="zh-CN" dirty="0"/>
           </a:p>
           <a:p>
             <a:r>
@@ -5781,6 +5937,7 @@
               <a:rPr lang="en-US" altLang="zh-CN" dirty="0"/>
               <a:t>=(14,7))</a:t>
             </a:r>
+            <a:endParaRPr lang="en-US" altLang="zh-CN" dirty="0"/>
           </a:p>
           <a:p>
             <a:endParaRPr lang="en-US" altLang="zh-CN" dirty="0"/>
@@ -5813,6 +5970,7 @@
               <a:rPr lang="en-US" altLang="zh-CN" dirty="0"/>
               <a:t>(['red', 'lime', 'black'])</a:t>
             </a:r>
+            <a:endParaRPr lang="en-US" altLang="zh-CN" dirty="0"/>
           </a:p>
           <a:p>
             <a:endParaRPr lang="en-US" altLang="zh-CN" dirty="0"/>
@@ -5822,6 +5980,7 @@
               <a:rPr lang="en-US" altLang="zh-CN" dirty="0"/>
               <a:t># Plot the Original Classifications</a:t>
             </a:r>
+            <a:endParaRPr lang="en-US" altLang="zh-CN" dirty="0"/>
           </a:p>
           <a:p>
             <a:r>
@@ -5832,6 +5991,7 @@
               <a:rPr lang="en-US" altLang="zh-CN" dirty="0"/>
               <a:t>(1, 2, 1)</a:t>
             </a:r>
+            <a:endParaRPr lang="en-US" altLang="zh-CN" dirty="0"/>
           </a:p>
           <a:p>
             <a:r>
@@ -5874,6 +6034,7 @@
               <a:rPr lang="en-US" altLang="zh-CN" dirty="0"/>
               <a:t>], s=40)</a:t>
             </a:r>
+            <a:endParaRPr lang="en-US" altLang="zh-CN" dirty="0"/>
           </a:p>
           <a:p>
             <a:r>
@@ -5884,6 +6045,7 @@
               <a:rPr lang="en-US" altLang="zh-CN" dirty="0"/>
               <a:t>('Real Classification')</a:t>
             </a:r>
+            <a:endParaRPr lang="en-US" altLang="zh-CN" dirty="0"/>
           </a:p>
           <a:p>
             <a:endParaRPr lang="en-US" altLang="zh-CN" dirty="0"/>
@@ -5893,6 +6055,7 @@
               <a:rPr lang="en-US" altLang="zh-CN" dirty="0"/>
               <a:t># Plot the Models Classifications</a:t>
             </a:r>
+            <a:endParaRPr lang="en-US" altLang="zh-CN" dirty="0"/>
           </a:p>
           <a:p>
             <a:r>
@@ -5903,6 +6066,7 @@
               <a:rPr lang="en-US" altLang="zh-CN" dirty="0"/>
               <a:t>(1, 2, 2)</a:t>
             </a:r>
+            <a:endParaRPr lang="en-US" altLang="zh-CN" dirty="0"/>
           </a:p>
           <a:p>
             <a:r>
@@ -5945,6 +6109,7 @@
               <a:rPr lang="en-US" altLang="zh-CN" dirty="0"/>
               <a:t>_], s=40)</a:t>
             </a:r>
+            <a:endParaRPr lang="en-US" altLang="zh-CN" dirty="0"/>
           </a:p>
           <a:p>
             <a:r>
@@ -5968,7 +6133,7 @@
           <p:nvPr/>
         </p:nvPicPr>
         <p:blipFill>
-          <a:blip r:embed="rId2">
+          <a:blip r:embed="rId1">
             <a:extLst>
               <a:ext uri="{28A0092B-C50C-407E-A947-70E740481C1C}">
                 <a14:useLocalDpi xmlns:a14="http://schemas.microsoft.com/office/drawing/2010/main" val="0"/>
@@ -6024,11 +6189,6 @@
         </p:spPr>
       </p:pic>
     </p:spTree>
-    <p:extLst>
-      <p:ext uri="{BB962C8B-B14F-4D97-AF65-F5344CB8AC3E}">
-        <p14:creationId xmlns:p14="http://schemas.microsoft.com/office/powerpoint/2010/main" val="2861922402"/>
-      </p:ext>
-    </p:extLst>
   </p:cSld>
   <p:clrMapOvr>
     <a:masterClrMapping/>
@@ -6092,7 +6252,7 @@
           <p:nvPr/>
         </p:nvPicPr>
         <p:blipFill rotWithShape="1">
-          <a:blip r:embed="rId2">
+          <a:blip r:embed="rId1">
             <a:extLst>
               <a:ext uri="{28A0092B-C50C-407E-A947-70E740481C1C}">
                 <a14:useLocalDpi xmlns:a14="http://schemas.microsoft.com/office/drawing/2010/main" val="0"/>
@@ -6100,7 +6260,9 @@
             </a:extLst>
           </a:blip>
           <a:srcRect t="1489"/>
-          <a:stretch/>
+          <a:stretch>
+            <a:fillRect/>
+          </a:stretch>
         </p:blipFill>
         <p:spPr bwMode="auto">
           <a:xfrm>
@@ -6154,7 +6316,7 @@
           <p:nvPr/>
         </p:nvPicPr>
         <p:blipFill rotWithShape="1">
-          <a:blip r:embed="rId3">
+          <a:blip r:embed="rId2">
             <a:extLst>
               <a:ext uri="{28A0092B-C50C-407E-A947-70E740481C1C}">
                 <a14:useLocalDpi xmlns:a14="http://schemas.microsoft.com/office/drawing/2010/main" val="0"/>
@@ -6162,7 +6324,9 @@
             </a:extLst>
           </a:blip>
           <a:srcRect l="2026"/>
-          <a:stretch/>
+          <a:stretch>
+            <a:fillRect/>
+          </a:stretch>
         </p:blipFill>
         <p:spPr bwMode="auto">
           <a:xfrm>
@@ -6208,11 +6372,6 @@
         </p:spPr>
       </p:pic>
     </p:spTree>
-    <p:extLst>
-      <p:ext uri="{BB962C8B-B14F-4D97-AF65-F5344CB8AC3E}">
-        <p14:creationId xmlns:p14="http://schemas.microsoft.com/office/powerpoint/2010/main" val="3889888875"/>
-      </p:ext>
-    </p:extLst>
   </p:cSld>
   <p:clrMapOvr>
     <a:masterClrMapping/>
@@ -6276,7 +6435,7 @@
           <p:nvPr/>
         </p:nvPicPr>
         <p:blipFill>
-          <a:blip r:embed="rId2">
+          <a:blip r:embed="rId1">
             <a:extLst>
               <a:ext uri="{28A0092B-C50C-407E-A947-70E740481C1C}">
                 <a14:useLocalDpi xmlns:a14="http://schemas.microsoft.com/office/drawing/2010/main" val="0"/>
@@ -6332,11 +6491,6 @@
         </p:spPr>
       </p:pic>
     </p:spTree>
-    <p:extLst>
-      <p:ext uri="{BB962C8B-B14F-4D97-AF65-F5344CB8AC3E}">
-        <p14:creationId xmlns:p14="http://schemas.microsoft.com/office/powerpoint/2010/main" val="3526794966"/>
-      </p:ext>
-    </p:extLst>
   </p:cSld>
   <p:clrMapOvr>
     <a:masterClrMapping/>
@@ -6488,11 +6642,6 @@
         </p:txBody>
       </p:sp>
     </p:spTree>
-    <p:extLst>
-      <p:ext uri="{BB962C8B-B14F-4D97-AF65-F5344CB8AC3E}">
-        <p14:creationId xmlns:p14="http://schemas.microsoft.com/office/powerpoint/2010/main" val="3294531452"/>
-      </p:ext>
-    </p:extLst>
   </p:cSld>
   <p:clrMapOvr>
     <a:masterClrMapping/>
@@ -6560,7 +6709,7 @@
           <p:nvPr/>
         </p:nvPicPr>
         <p:blipFill>
-          <a:blip r:embed="rId2">
+          <a:blip r:embed="rId1">
             <a:extLst>
               <a:ext uri="{28A0092B-C50C-407E-A947-70E740481C1C}">
                 <a14:useLocalDpi xmlns:a14="http://schemas.microsoft.com/office/drawing/2010/main" val="0"/>
@@ -6601,7 +6750,7 @@
           <p:nvPr/>
         </p:nvPicPr>
         <p:blipFill>
-          <a:blip r:embed="rId3">
+          <a:blip r:embed="rId2">
             <a:extLst>
               <a:ext uri="{28A0092B-C50C-407E-A947-70E740481C1C}">
                 <a14:useLocalDpi xmlns:a14="http://schemas.microsoft.com/office/drawing/2010/main" val="0"/>
@@ -6665,7 +6814,7 @@
           <p:nvPr/>
         </p:nvPicPr>
         <p:blipFill>
-          <a:blip r:embed="rId4">
+          <a:blip r:embed="rId3">
             <a:extLst>
               <a:ext uri="{28A0092B-C50C-407E-A947-70E740481C1C}">
                 <a14:useLocalDpi xmlns:a14="http://schemas.microsoft.com/office/drawing/2010/main" val="0"/>
@@ -6729,7 +6878,7 @@
           <p:nvPr/>
         </p:nvPicPr>
         <p:blipFill>
-          <a:blip r:embed="rId5">
+          <a:blip r:embed="rId4">
             <a:extLst>
               <a:ext uri="{28A0092B-C50C-407E-A947-70E740481C1C}">
                 <a14:useLocalDpi xmlns:a14="http://schemas.microsoft.com/office/drawing/2010/main" val="0"/>
@@ -6785,11 +6934,6 @@
         </p:spPr>
       </p:pic>
     </p:spTree>
-    <p:extLst>
-      <p:ext uri="{BB962C8B-B14F-4D97-AF65-F5344CB8AC3E}">
-        <p14:creationId xmlns:p14="http://schemas.microsoft.com/office/powerpoint/2010/main" val="3039212674"/>
-      </p:ext>
-    </p:extLst>
   </p:cSld>
   <p:clrMapOvr>
     <a:masterClrMapping/>
@@ -6853,7 +6997,7 @@
           <p:nvPr/>
         </p:nvPicPr>
         <p:blipFill>
-          <a:blip r:embed="rId3">
+          <a:blip r:embed="rId1">
             <a:extLst>
               <a:ext uri="{28A0092B-C50C-407E-A947-70E740481C1C}">
                 <a14:useLocalDpi xmlns:a14="http://schemas.microsoft.com/office/drawing/2010/main" val="0"/>
@@ -6970,7 +7114,7 @@
           <p:nvPr/>
         </p:nvPicPr>
         <p:blipFill>
-          <a:blip r:embed="rId4">
+          <a:blip r:embed="rId2">
             <a:extLst>
               <a:ext uri="{28A0092B-C50C-407E-A947-70E740481C1C}">
                 <a14:useLocalDpi xmlns:a14="http://schemas.microsoft.com/office/drawing/2010/main" val="0"/>
@@ -7026,11 +7170,6 @@
         </p:spPr>
       </p:pic>
     </p:spTree>
-    <p:extLst>
-      <p:ext uri="{BB962C8B-B14F-4D97-AF65-F5344CB8AC3E}">
-        <p14:creationId xmlns:p14="http://schemas.microsoft.com/office/powerpoint/2010/main" val="2163926521"/>
-      </p:ext>
-    </p:extLst>
   </p:cSld>
   <p:clrMapOvr>
     <a:masterClrMapping/>
@@ -7093,8 +7232,8 @@
         </p:nvSpPr>
         <p:spPr>
           <a:xfrm>
-            <a:off x="1763688" y="1225689"/>
-            <a:ext cx="6534472" cy="5632311"/>
+            <a:off x="1763395" y="1225550"/>
+            <a:ext cx="7327265" cy="5631180"/>
           </a:xfrm>
           <a:prstGeom prst="rect">
             <a:avLst/>
@@ -7175,6 +7314,7 @@
               <a:rPr lang="en-US" altLang="zh-CN" dirty="0"/>
               <a:t> import neighbors, datasets</a:t>
             </a:r>
+            <a:endParaRPr lang="en-US" altLang="zh-CN" dirty="0"/>
           </a:p>
           <a:p>
             <a:endParaRPr lang="en-US" altLang="zh-CN" dirty="0"/>
@@ -7188,6 +7328,7 @@
               <a:rPr lang="en-US" altLang="zh-CN" dirty="0"/>
               <a:t> = 15</a:t>
             </a:r>
+            <a:endParaRPr lang="en-US" altLang="zh-CN" dirty="0"/>
           </a:p>
           <a:p>
             <a:endParaRPr lang="en-US" altLang="zh-CN" dirty="0"/>
@@ -7197,6 +7338,7 @@
               <a:rPr lang="en-US" altLang="zh-CN" dirty="0"/>
               <a:t># import some data to play with</a:t>
             </a:r>
+            <a:endParaRPr lang="en-US" altLang="zh-CN" dirty="0"/>
           </a:p>
           <a:p>
             <a:r>
@@ -7211,6 +7353,7 @@
               <a:rPr lang="en-US" altLang="zh-CN" dirty="0"/>
               <a:t>()</a:t>
             </a:r>
+            <a:endParaRPr lang="en-US" altLang="zh-CN" dirty="0"/>
           </a:p>
           <a:p>
             <a:endParaRPr lang="en-US" altLang="zh-CN" dirty="0"/>
@@ -7220,12 +7363,14 @@
               <a:rPr lang="en-US" altLang="zh-CN" dirty="0"/>
               <a:t># we only take the first two features. We could avoid this ugly</a:t>
             </a:r>
+            <a:endParaRPr lang="en-US" altLang="zh-CN" dirty="0"/>
           </a:p>
           <a:p>
             <a:r>
               <a:rPr lang="en-US" altLang="zh-CN" dirty="0"/>
               <a:t># slicing by using a two-dim dataset</a:t>
             </a:r>
+            <a:endParaRPr lang="en-US" altLang="zh-CN" dirty="0"/>
           </a:p>
           <a:p>
             <a:r>
@@ -7240,6 +7385,7 @@
               <a:rPr lang="en-US" altLang="zh-CN" dirty="0"/>
               <a:t>[:, :2]</a:t>
             </a:r>
+            <a:endParaRPr lang="en-US" altLang="zh-CN" dirty="0"/>
           </a:p>
           <a:p>
             <a:r>
@@ -7260,6 +7406,7 @@
               <a:rPr lang="en-US" altLang="zh-CN" dirty="0"/>
               <a:t>h = .02  # step size in the mesh</a:t>
             </a:r>
+            <a:endParaRPr lang="en-US" altLang="zh-CN" dirty="0"/>
           </a:p>
           <a:p>
             <a:endParaRPr lang="en-US" altLang="zh-CN" dirty="0"/>
@@ -7269,6 +7416,7 @@
               <a:rPr lang="en-US" altLang="zh-CN" dirty="0"/>
               <a:t># Create color maps</a:t>
             </a:r>
+            <a:endParaRPr lang="en-US" altLang="zh-CN" dirty="0"/>
           </a:p>
           <a:p>
             <a:r>
@@ -7287,6 +7435,7 @@
               <a:rPr lang="en-US" altLang="zh-CN" dirty="0"/>
               <a:t>(['#FFAAAA', '#AAFFAA', '#AAAAFF'])</a:t>
             </a:r>
+            <a:endParaRPr lang="en-US" altLang="zh-CN" dirty="0"/>
           </a:p>
           <a:p>
             <a:r>
@@ -7310,11 +7459,6 @@
         </p:txBody>
       </p:sp>
     </p:spTree>
-    <p:extLst>
-      <p:ext uri="{BB962C8B-B14F-4D97-AF65-F5344CB8AC3E}">
-        <p14:creationId xmlns:p14="http://schemas.microsoft.com/office/powerpoint/2010/main" val="3223529990"/>
-      </p:ext>
-    </p:extLst>
   </p:cSld>
   <p:clrMapOvr>
     <a:masterClrMapping/>
@@ -7401,6 +7545,7 @@
               <a:rPr lang="en-US" altLang="zh-CN" dirty="0"/>
               <a:t>for weights in ['uniform', 'distance']:</a:t>
             </a:r>
+            <a:endParaRPr lang="en-US" altLang="zh-CN" dirty="0"/>
           </a:p>
           <a:p>
             <a:r>
@@ -7415,6 +7560,7 @@
               <a:rPr lang="en-US" altLang="zh-CN" dirty="0"/>
               <a:t> Classifier and fit the data.</a:t>
             </a:r>
+            <a:endParaRPr lang="en-US" altLang="zh-CN" dirty="0"/>
           </a:p>
           <a:p>
             <a:r>
@@ -7445,6 +7591,7 @@
               <a:rPr lang="en-US" altLang="zh-CN" dirty="0"/>
               <a:t>, weights=weights)</a:t>
             </a:r>
+            <a:endParaRPr lang="en-US" altLang="zh-CN" dirty="0"/>
           </a:p>
           <a:p>
             <a:r>
@@ -7470,6 +7617,7 @@
               <a:rPr lang="en-US" altLang="zh-CN" dirty="0"/>
               <a:t>    # Plot the decision boundary. For that, we will assign a color to each</a:t>
             </a:r>
+            <a:endParaRPr lang="en-US" altLang="zh-CN" dirty="0"/>
           </a:p>
           <a:p>
             <a:r>
@@ -7508,6 +7656,7 @@
               <a:rPr lang="en-US" altLang="zh-CN" dirty="0"/>
               <a:t>].</a:t>
             </a:r>
+            <a:endParaRPr lang="en-US" altLang="zh-CN" dirty="0"/>
           </a:p>
           <a:p>
             <a:r>
@@ -7530,6 +7679,7 @@
               <a:rPr lang="en-US" altLang="zh-CN" dirty="0"/>
               <a:t> = X[:, 0].min() - 1, X[:, 0].max() + 1</a:t>
             </a:r>
+            <a:endParaRPr lang="en-US" altLang="zh-CN" dirty="0"/>
           </a:p>
           <a:p>
             <a:r>
@@ -7552,6 +7702,7 @@
               <a:rPr lang="en-US" altLang="zh-CN" dirty="0"/>
               <a:t> = X[:, 1].min() - 1, X[:, 1].max() + 1</a:t>
             </a:r>
+            <a:endParaRPr lang="en-US" altLang="zh-CN" dirty="0"/>
           </a:p>
           <a:p>
             <a:r>
@@ -7626,6 +7777,7 @@
               <a:rPr lang="en-US" altLang="zh-CN" dirty="0"/>
               <a:t>, h))</a:t>
             </a:r>
+            <a:endParaRPr lang="en-US" altLang="zh-CN" dirty="0"/>
           </a:p>
           <a:p>
             <a:r>
@@ -7664,6 +7816,7 @@
               <a:rPr lang="en-US" altLang="zh-CN" dirty="0"/>
               <a:t>()])</a:t>
             </a:r>
+            <a:endParaRPr lang="en-US" altLang="zh-CN" dirty="0"/>
           </a:p>
           <a:p>
             <a:endParaRPr lang="en-US" altLang="zh-CN" dirty="0"/>
@@ -7673,6 +7826,7 @@
               <a:rPr lang="en-US" altLang="zh-CN" dirty="0"/>
               <a:t>    # Put the result into a color plot</a:t>
             </a:r>
+            <a:endParaRPr lang="en-US" altLang="zh-CN" dirty="0"/>
           </a:p>
           <a:p>
             <a:r>
@@ -7695,6 +7849,7 @@
               <a:rPr lang="en-US" altLang="zh-CN" dirty="0"/>
               <a:t>)</a:t>
             </a:r>
+            <a:endParaRPr lang="en-US" altLang="zh-CN" dirty="0"/>
           </a:p>
           <a:p>
             <a:r>
@@ -7709,6 +7864,7 @@
               <a:rPr lang="en-US" altLang="zh-CN" dirty="0"/>
               <a:t>()</a:t>
             </a:r>
+            <a:endParaRPr lang="en-US" altLang="zh-CN" dirty="0"/>
           </a:p>
           <a:p>
             <a:r>
@@ -7747,6 +7903,7 @@
               <a:rPr lang="en-US" altLang="zh-CN" dirty="0"/>
               <a:t>)</a:t>
             </a:r>
+            <a:endParaRPr lang="en-US" altLang="zh-CN" dirty="0"/>
           </a:p>
           <a:p>
             <a:endParaRPr lang="en-US" altLang="zh-CN" dirty="0"/>
@@ -7756,6 +7913,7 @@
               <a:rPr lang="en-US" altLang="zh-CN" dirty="0"/>
               <a:t>    # Plot also the training points</a:t>
             </a:r>
+            <a:endParaRPr lang="en-US" altLang="zh-CN" dirty="0"/>
           </a:p>
           <a:p>
             <a:r>
@@ -7786,6 +7944,7 @@
               <a:rPr lang="en-US" altLang="zh-CN" dirty="0"/>
               <a:t>='k', s=20)</a:t>
             </a:r>
+            <a:endParaRPr lang="en-US" altLang="zh-CN" dirty="0"/>
           </a:p>
           <a:p>
             <a:r>
@@ -7816,6 +7975,7 @@
               <a:rPr lang="en-US" altLang="zh-CN" dirty="0"/>
               <a:t>())</a:t>
             </a:r>
+            <a:endParaRPr lang="en-US" altLang="zh-CN" dirty="0"/>
           </a:p>
           <a:p>
             <a:r>
@@ -7846,6 +8006,7 @@
               <a:rPr lang="en-US" altLang="zh-CN" dirty="0"/>
               <a:t>())</a:t>
             </a:r>
+            <a:endParaRPr lang="en-US" altLang="zh-CN" dirty="0"/>
           </a:p>
           <a:p>
             <a:r>
@@ -7904,11 +8065,6 @@
         </p:txBody>
       </p:sp>
     </p:spTree>
-    <p:extLst>
-      <p:ext uri="{BB962C8B-B14F-4D97-AF65-F5344CB8AC3E}">
-        <p14:creationId xmlns:p14="http://schemas.microsoft.com/office/powerpoint/2010/main" val="2475596327"/>
-      </p:ext>
-    </p:extLst>
   </p:cSld>
   <p:clrMapOvr>
     <a:masterClrMapping/>
@@ -7949,7 +8105,7 @@
           <p:nvPr/>
         </p:nvPicPr>
         <p:blipFill>
-          <a:blip r:embed="rId2">
+          <a:blip r:embed="rId1">
             <a:extLst>
               <a:ext uri="{28A0092B-C50C-407E-A947-70E740481C1C}">
                 <a14:useLocalDpi xmlns:a14="http://schemas.microsoft.com/office/drawing/2010/main" val="0"/>
@@ -8013,7 +8169,7 @@
           <p:nvPr/>
         </p:nvPicPr>
         <p:blipFill>
-          <a:blip r:embed="rId3">
+          <a:blip r:embed="rId2">
             <a:extLst>
               <a:ext uri="{28A0092B-C50C-407E-A947-70E740481C1C}">
                 <a14:useLocalDpi xmlns:a14="http://schemas.microsoft.com/office/drawing/2010/main" val="0"/>
@@ -8069,11 +8225,6 @@
         </p:spPr>
       </p:pic>
     </p:spTree>
-    <p:extLst>
-      <p:ext uri="{BB962C8B-B14F-4D97-AF65-F5344CB8AC3E}">
-        <p14:creationId xmlns:p14="http://schemas.microsoft.com/office/powerpoint/2010/main" val="1063678421"/>
-      </p:ext>
-    </p:extLst>
   </p:cSld>
   <p:clrMapOvr>
     <a:masterClrMapping/>
@@ -8366,8 +8517,11 @@
       </a:bgFillStyleLst>
     </a:fmtScheme>
   </a:themeElements>
-  <a:objectDefaults/>
-  <a:extraClrSchemeLst/>
+  <a:extLst>
+    <a:ext uri="{05A4C25C-085E-4340-85A3-A5531E510DB2}">
+      <thm15:themeFamily xmlns:thm15="http://schemas.microsoft.com/office/thememl/2012/main" name="Office Theme" id="{62F939B6-93AF-4DB8-9C6B-D6C7DFDC589F}" vid="{4A3C46E8-61CC-4603-A589-7422A47A8E4A}"/>
+    </a:ext>
+  </a:extLst>
 </a:theme>
 </file>
 
@@ -8651,7 +8805,10 @@
       </a:bgFillStyleLst>
     </a:fmtScheme>
   </a:themeElements>
-  <a:objectDefaults/>
-  <a:extraClrSchemeLst/>
+  <a:extLst>
+    <a:ext uri="{05A4C25C-085E-4340-85A3-A5531E510DB2}">
+      <thm15:themeFamily xmlns:thm15="http://schemas.microsoft.com/office/thememl/2012/main" name="Office Theme" id="{62F939B6-93AF-4DB8-9C6B-D6C7DFDC589F}" vid="{4A3C46E8-61CC-4603-A589-7422A47A8E4A}"/>
+    </a:ext>
+  </a:extLst>
 </a:theme>
 </file>
--- a/cls_23聚类算法.pptx
+++ b/cls_23聚类算法.pptx
@@ -5,25 +5,28 @@
     <p:sldMasterId id="2147483648" r:id="rId1"/>
   </p:sldMasterIdLst>
   <p:notesMasterIdLst>
-    <p:notesMasterId r:id="rId9"/>
+    <p:notesMasterId r:id="rId21"/>
   </p:notesMasterIdLst>
   <p:sldIdLst>
-    <p:sldId id="256" r:id="rId3"/>
-    <p:sldId id="257" r:id="rId4"/>
-    <p:sldId id="258" r:id="rId5"/>
-    <p:sldId id="259" r:id="rId6"/>
-    <p:sldId id="260" r:id="rId7"/>
-    <p:sldId id="261" r:id="rId8"/>
+    <p:sldId id="256" r:id="rId2"/>
+    <p:sldId id="257" r:id="rId3"/>
+    <p:sldId id="259" r:id="rId4"/>
+    <p:sldId id="261" r:id="rId5"/>
+    <p:sldId id="275" r:id="rId6"/>
+    <p:sldId id="276" r:id="rId7"/>
+    <p:sldId id="260" r:id="rId8"/>
+    <p:sldId id="274" r:id="rId9"/>
     <p:sldId id="262" r:id="rId10"/>
     <p:sldId id="270" r:id="rId11"/>
     <p:sldId id="271" r:id="rId12"/>
-    <p:sldId id="263" r:id="rId13"/>
-    <p:sldId id="264" r:id="rId14"/>
-    <p:sldId id="265" r:id="rId15"/>
-    <p:sldId id="266" r:id="rId16"/>
-    <p:sldId id="267" r:id="rId17"/>
-    <p:sldId id="268" r:id="rId18"/>
-    <p:sldId id="269" r:id="rId19"/>
+    <p:sldId id="272" r:id="rId13"/>
+    <p:sldId id="263" r:id="rId14"/>
+    <p:sldId id="264" r:id="rId15"/>
+    <p:sldId id="265" r:id="rId16"/>
+    <p:sldId id="266" r:id="rId17"/>
+    <p:sldId id="267" r:id="rId18"/>
+    <p:sldId id="268" r:id="rId19"/>
+    <p:sldId id="269" r:id="rId20"/>
   </p:sldIdLst>
   <p:sldSz cx="9144000" cy="6858000" type="screen4x3"/>
   <p:notesSz cx="6858000" cy="9144000"/>
@@ -122,6 +125,22 @@
       </a:defRPr>
     </a:lvl9pPr>
   </p:defaultTextStyle>
+  <p:extLst>
+    <p:ext uri="{EFAFB233-063F-42B5-8137-9DF3F51BA10A}">
+      <p15:sldGuideLst xmlns:p15="http://schemas.microsoft.com/office/powerpoint/2012/main">
+        <p15:guide id="1" orient="horz" pos="2160">
+          <p15:clr>
+            <a:srgbClr val="A4A3A4"/>
+          </p15:clr>
+        </p15:guide>
+        <p15:guide id="2" pos="2880">
+          <p15:clr>
+            <a:srgbClr val="A4A3A4"/>
+          </p15:clr>
+        </p15:guide>
+      </p15:sldGuideLst>
+    </p:ext>
+  </p:extLst>
 </p:presentation>
 </file>
 
@@ -207,6 +226,7 @@
           <a:p>
             <a:fld id="{10FF2035-6A36-4BD7-B8AA-FDB78598F742}" type="datetimeFigureOut">
               <a:rPr lang="zh-CN" altLang="en-US" smtClean="0"/>
+              <a:t>2018/6/20</a:t>
             </a:fld>
             <a:endParaRPr lang="zh-CN" altLang="en-US"/>
           </a:p>
@@ -270,42 +290,37 @@
           <a:p>
             <a:pPr lvl="0"/>
             <a:r>
-              <a:rPr lang="zh-CN" altLang="en-US" smtClean="0"/>
+              <a:rPr lang="zh-CN" altLang="en-US"/>
               <a:t>单击此处编辑母版文本样式</a:t>
             </a:r>
-            <a:endParaRPr lang="zh-CN" altLang="en-US" smtClean="0"/>
           </a:p>
           <a:p>
             <a:pPr lvl="1"/>
             <a:r>
-              <a:rPr lang="zh-CN" altLang="en-US" smtClean="0"/>
+              <a:rPr lang="zh-CN" altLang="en-US"/>
               <a:t>第二级</a:t>
             </a:r>
-            <a:endParaRPr lang="zh-CN" altLang="en-US" smtClean="0"/>
           </a:p>
           <a:p>
             <a:pPr lvl="2"/>
             <a:r>
-              <a:rPr lang="zh-CN" altLang="en-US" smtClean="0"/>
+              <a:rPr lang="zh-CN" altLang="en-US"/>
               <a:t>第三级</a:t>
             </a:r>
-            <a:endParaRPr lang="zh-CN" altLang="en-US" smtClean="0"/>
           </a:p>
           <a:p>
             <a:pPr lvl="3"/>
             <a:r>
-              <a:rPr lang="zh-CN" altLang="en-US" smtClean="0"/>
+              <a:rPr lang="zh-CN" altLang="en-US"/>
               <a:t>第四级</a:t>
             </a:r>
-            <a:endParaRPr lang="zh-CN" altLang="en-US" smtClean="0"/>
           </a:p>
           <a:p>
             <a:pPr lvl="4"/>
             <a:r>
-              <a:rPr lang="zh-CN" altLang="en-US" smtClean="0"/>
+              <a:rPr lang="zh-CN" altLang="en-US"/>
               <a:t>第五级</a:t>
             </a:r>
-            <a:endParaRPr lang="zh-CN" altLang="en-US"/>
           </a:p>
         </p:txBody>
       </p:sp>
@@ -369,6 +384,7 @@
           <a:p>
             <a:fld id="{A8D02540-7C12-4082-AFC2-AB5008E55EB4}" type="slidenum">
               <a:rPr lang="zh-CN" altLang="en-US" smtClean="0"/>
+              <a:t>‹#›</a:t>
             </a:fld>
             <a:endParaRPr lang="zh-CN" altLang="en-US"/>
           </a:p>
@@ -537,6 +553,7 @@
           <a:p>
             <a:fld id="{A8D02540-7C12-4082-AFC2-AB5008E55EB4}" type="slidenum">
               <a:rPr lang="zh-CN" altLang="en-US" smtClean="0"/>
+              <a:t>4</a:t>
             </a:fld>
             <a:endParaRPr lang="zh-CN" altLang="en-US"/>
           </a:p>
@@ -559,11 +576,20 @@
         <p:cNvGrpSpPr/>
         <p:nvPr/>
       </p:nvGrpSpPr>
-      <p:grpSpPr/>
+      <p:grpSpPr>
+        <a:xfrm>
+          <a:off x="0" y="0"/>
+          <a:ext cx="0" cy="0"/>
+          <a:chOff x="0" y="0"/>
+          <a:chExt cx="0" cy="0"/>
+        </a:xfrm>
+      </p:grpSpPr>
       <p:sp>
         <p:nvSpPr>
           <p:cNvPr id="2" name="幻灯片图像占位符 1"/>
-          <p:cNvSpPr/>
+          <p:cNvSpPr>
+            <a:spLocks noGrp="1" noRot="1" noChangeAspect="1"/>
+          </p:cNvSpPr>
           <p:nvPr>
             <p:ph type="sldImg" idx="2"/>
           </p:nvPr>
@@ -573,7 +599,9 @@
       <p:sp>
         <p:nvSpPr>
           <p:cNvPr id="3" name="文本占位符 2"/>
-          <p:cNvSpPr/>
+          <p:cNvSpPr>
+            <a:spLocks noGrp="1"/>
+          </p:cNvSpPr>
           <p:nvPr>
             <p:ph type="body" idx="3"/>
           </p:nvPr>
@@ -581,6 +609,7 @@
         <p:spPr/>
         <p:txBody>
           <a:bodyPr/>
+          <a:lstStyle/>
           <a:p>
             <a:endParaRPr lang="zh-CN" altLang="en-US"/>
           </a:p>
@@ -632,10 +661,9 @@
           <a:lstStyle/>
           <a:p>
             <a:r>
-              <a:rPr lang="zh-CN" altLang="en-US" smtClean="0"/>
+              <a:rPr lang="zh-CN" altLang="en-US"/>
               <a:t>单击此处编辑母版标题样式</a:t>
             </a:r>
-            <a:endParaRPr lang="zh-CN" altLang="en-US"/>
           </a:p>
         </p:txBody>
       </p:sp>
@@ -751,10 +779,9 @@
           </a:lstStyle>
           <a:p>
             <a:r>
-              <a:rPr lang="zh-CN" altLang="en-US" smtClean="0"/>
+              <a:rPr lang="zh-CN" altLang="en-US"/>
               <a:t>单击此处编辑母版副标题样式</a:t>
             </a:r>
-            <a:endParaRPr lang="zh-CN" altLang="en-US"/>
           </a:p>
         </p:txBody>
       </p:sp>
@@ -775,6 +802,7 @@
           <a:p>
             <a:fld id="{530820CF-B880-4189-942D-D702A7CBA730}" type="datetimeFigureOut">
               <a:rPr lang="zh-CN" altLang="en-US" smtClean="0"/>
+              <a:t>2018/6/20</a:t>
             </a:fld>
             <a:endParaRPr lang="zh-CN" altLang="en-US"/>
           </a:p>
@@ -816,6 +844,7 @@
           <a:p>
             <a:fld id="{0C913308-F349-4B6D-A68A-DD1791B4A57B}" type="slidenum">
               <a:rPr lang="zh-CN" altLang="en-US" smtClean="0"/>
+              <a:t>‹#›</a:t>
             </a:fld>
             <a:endParaRPr lang="zh-CN" altLang="en-US"/>
           </a:p>
@@ -862,10 +891,9 @@
           <a:lstStyle/>
           <a:p>
             <a:r>
-              <a:rPr lang="zh-CN" altLang="en-US" smtClean="0"/>
+              <a:rPr lang="zh-CN" altLang="en-US"/>
               <a:t>单击此处编辑母版标题样式</a:t>
             </a:r>
-            <a:endParaRPr lang="zh-CN" altLang="en-US"/>
           </a:p>
         </p:txBody>
       </p:sp>
@@ -886,42 +914,37 @@
           <a:p>
             <a:pPr lvl="0"/>
             <a:r>
-              <a:rPr lang="zh-CN" altLang="en-US" smtClean="0"/>
+              <a:rPr lang="zh-CN" altLang="en-US"/>
               <a:t>单击此处编辑母版文本样式</a:t>
             </a:r>
-            <a:endParaRPr lang="zh-CN" altLang="en-US" smtClean="0"/>
           </a:p>
           <a:p>
             <a:pPr lvl="1"/>
             <a:r>
-              <a:rPr lang="zh-CN" altLang="en-US" smtClean="0"/>
+              <a:rPr lang="zh-CN" altLang="en-US"/>
               <a:t>第二级</a:t>
             </a:r>
-            <a:endParaRPr lang="zh-CN" altLang="en-US" smtClean="0"/>
           </a:p>
           <a:p>
             <a:pPr lvl="2"/>
             <a:r>
-              <a:rPr lang="zh-CN" altLang="en-US" smtClean="0"/>
+              <a:rPr lang="zh-CN" altLang="en-US"/>
               <a:t>第三级</a:t>
             </a:r>
-            <a:endParaRPr lang="zh-CN" altLang="en-US" smtClean="0"/>
           </a:p>
           <a:p>
             <a:pPr lvl="3"/>
             <a:r>
-              <a:rPr lang="zh-CN" altLang="en-US" smtClean="0"/>
+              <a:rPr lang="zh-CN" altLang="en-US"/>
               <a:t>第四级</a:t>
             </a:r>
-            <a:endParaRPr lang="zh-CN" altLang="en-US" smtClean="0"/>
           </a:p>
           <a:p>
             <a:pPr lvl="4"/>
             <a:r>
-              <a:rPr lang="zh-CN" altLang="en-US" smtClean="0"/>
+              <a:rPr lang="zh-CN" altLang="en-US"/>
               <a:t>第五级</a:t>
             </a:r>
-            <a:endParaRPr lang="zh-CN" altLang="en-US"/>
           </a:p>
         </p:txBody>
       </p:sp>
@@ -942,6 +965,7 @@
           <a:p>
             <a:fld id="{530820CF-B880-4189-942D-D702A7CBA730}" type="datetimeFigureOut">
               <a:rPr lang="zh-CN" altLang="en-US" smtClean="0"/>
+              <a:t>2018/6/20</a:t>
             </a:fld>
             <a:endParaRPr lang="zh-CN" altLang="en-US"/>
           </a:p>
@@ -983,6 +1007,7 @@
           <a:p>
             <a:fld id="{0C913308-F349-4B6D-A68A-DD1791B4A57B}" type="slidenum">
               <a:rPr lang="zh-CN" altLang="en-US" smtClean="0"/>
+              <a:t>‹#›</a:t>
             </a:fld>
             <a:endParaRPr lang="zh-CN" altLang="en-US"/>
           </a:p>
@@ -1034,10 +1059,9 @@
           <a:lstStyle/>
           <a:p>
             <a:r>
-              <a:rPr lang="zh-CN" altLang="en-US" smtClean="0"/>
+              <a:rPr lang="zh-CN" altLang="en-US"/>
               <a:t>单击此处编辑母版标题样式</a:t>
             </a:r>
-            <a:endParaRPr lang="zh-CN" altLang="en-US"/>
           </a:p>
         </p:txBody>
       </p:sp>
@@ -1063,42 +1087,37 @@
           <a:p>
             <a:pPr lvl="0"/>
             <a:r>
-              <a:rPr lang="zh-CN" altLang="en-US" smtClean="0"/>
+              <a:rPr lang="zh-CN" altLang="en-US"/>
               <a:t>单击此处编辑母版文本样式</a:t>
             </a:r>
-            <a:endParaRPr lang="zh-CN" altLang="en-US" smtClean="0"/>
           </a:p>
           <a:p>
             <a:pPr lvl="1"/>
             <a:r>
-              <a:rPr lang="zh-CN" altLang="en-US" smtClean="0"/>
+              <a:rPr lang="zh-CN" altLang="en-US"/>
               <a:t>第二级</a:t>
             </a:r>
-            <a:endParaRPr lang="zh-CN" altLang="en-US" smtClean="0"/>
           </a:p>
           <a:p>
             <a:pPr lvl="2"/>
             <a:r>
-              <a:rPr lang="zh-CN" altLang="en-US" smtClean="0"/>
+              <a:rPr lang="zh-CN" altLang="en-US"/>
               <a:t>第三级</a:t>
             </a:r>
-            <a:endParaRPr lang="zh-CN" altLang="en-US" smtClean="0"/>
           </a:p>
           <a:p>
             <a:pPr lvl="3"/>
             <a:r>
-              <a:rPr lang="zh-CN" altLang="en-US" smtClean="0"/>
+              <a:rPr lang="zh-CN" altLang="en-US"/>
               <a:t>第四级</a:t>
             </a:r>
-            <a:endParaRPr lang="zh-CN" altLang="en-US" smtClean="0"/>
           </a:p>
           <a:p>
             <a:pPr lvl="4"/>
             <a:r>
-              <a:rPr lang="zh-CN" altLang="en-US" smtClean="0"/>
+              <a:rPr lang="zh-CN" altLang="en-US"/>
               <a:t>第五级</a:t>
             </a:r>
-            <a:endParaRPr lang="zh-CN" altLang="en-US"/>
           </a:p>
         </p:txBody>
       </p:sp>
@@ -1119,6 +1138,7 @@
           <a:p>
             <a:fld id="{530820CF-B880-4189-942D-D702A7CBA730}" type="datetimeFigureOut">
               <a:rPr lang="zh-CN" altLang="en-US" smtClean="0"/>
+              <a:t>2018/6/20</a:t>
             </a:fld>
             <a:endParaRPr lang="zh-CN" altLang="en-US"/>
           </a:p>
@@ -1160,6 +1180,7 @@
           <a:p>
             <a:fld id="{0C913308-F349-4B6D-A68A-DD1791B4A57B}" type="slidenum">
               <a:rPr lang="zh-CN" altLang="en-US" smtClean="0"/>
+              <a:t>‹#›</a:t>
             </a:fld>
             <a:endParaRPr lang="zh-CN" altLang="en-US"/>
           </a:p>
@@ -1206,10 +1227,9 @@
           <a:lstStyle/>
           <a:p>
             <a:r>
-              <a:rPr lang="zh-CN" altLang="en-US" smtClean="0"/>
+              <a:rPr lang="zh-CN" altLang="en-US"/>
               <a:t>单击此处编辑母版标题样式</a:t>
             </a:r>
-            <a:endParaRPr lang="zh-CN" altLang="en-US"/>
           </a:p>
         </p:txBody>
       </p:sp>
@@ -1230,42 +1250,37 @@
           <a:p>
             <a:pPr lvl="0"/>
             <a:r>
-              <a:rPr lang="zh-CN" altLang="en-US" smtClean="0"/>
+              <a:rPr lang="zh-CN" altLang="en-US"/>
               <a:t>单击此处编辑母版文本样式</a:t>
             </a:r>
-            <a:endParaRPr lang="zh-CN" altLang="en-US" smtClean="0"/>
           </a:p>
           <a:p>
             <a:pPr lvl="1"/>
             <a:r>
-              <a:rPr lang="zh-CN" altLang="en-US" smtClean="0"/>
+              <a:rPr lang="zh-CN" altLang="en-US"/>
               <a:t>第二级</a:t>
             </a:r>
-            <a:endParaRPr lang="zh-CN" altLang="en-US" smtClean="0"/>
           </a:p>
           <a:p>
             <a:pPr lvl="2"/>
             <a:r>
-              <a:rPr lang="zh-CN" altLang="en-US" smtClean="0"/>
+              <a:rPr lang="zh-CN" altLang="en-US"/>
               <a:t>第三级</a:t>
             </a:r>
-            <a:endParaRPr lang="zh-CN" altLang="en-US" smtClean="0"/>
           </a:p>
           <a:p>
             <a:pPr lvl="3"/>
             <a:r>
-              <a:rPr lang="zh-CN" altLang="en-US" smtClean="0"/>
+              <a:rPr lang="zh-CN" altLang="en-US"/>
               <a:t>第四级</a:t>
             </a:r>
-            <a:endParaRPr lang="zh-CN" altLang="en-US" smtClean="0"/>
           </a:p>
           <a:p>
             <a:pPr lvl="4"/>
             <a:r>
-              <a:rPr lang="zh-CN" altLang="en-US" smtClean="0"/>
+              <a:rPr lang="zh-CN" altLang="en-US"/>
               <a:t>第五级</a:t>
             </a:r>
-            <a:endParaRPr lang="zh-CN" altLang="en-US"/>
           </a:p>
         </p:txBody>
       </p:sp>
@@ -1286,6 +1301,7 @@
           <a:p>
             <a:fld id="{530820CF-B880-4189-942D-D702A7CBA730}" type="datetimeFigureOut">
               <a:rPr lang="zh-CN" altLang="en-US" smtClean="0"/>
+              <a:t>2018/6/20</a:t>
             </a:fld>
             <a:endParaRPr lang="zh-CN" altLang="en-US"/>
           </a:p>
@@ -1327,6 +1343,7 @@
           <a:p>
             <a:fld id="{0C913308-F349-4B6D-A68A-DD1791B4A57B}" type="slidenum">
               <a:rPr lang="zh-CN" altLang="en-US" smtClean="0"/>
+              <a:t>‹#›</a:t>
             </a:fld>
             <a:endParaRPr lang="zh-CN" altLang="en-US"/>
           </a:p>
@@ -1382,10 +1399,9 @@
           </a:lstStyle>
           <a:p>
             <a:r>
-              <a:rPr lang="zh-CN" altLang="en-US" smtClean="0"/>
+              <a:rPr lang="zh-CN" altLang="en-US"/>
               <a:t>单击此处编辑母版标题样式</a:t>
             </a:r>
-            <a:endParaRPr lang="zh-CN" altLang="en-US"/>
           </a:p>
         </p:txBody>
       </p:sp>
@@ -1502,10 +1518,9 @@
           <a:p>
             <a:pPr lvl="0"/>
             <a:r>
-              <a:rPr lang="zh-CN" altLang="en-US" smtClean="0"/>
+              <a:rPr lang="zh-CN" altLang="en-US"/>
               <a:t>单击此处编辑母版文本样式</a:t>
             </a:r>
-            <a:endParaRPr lang="zh-CN" altLang="en-US" smtClean="0"/>
           </a:p>
         </p:txBody>
       </p:sp>
@@ -1526,6 +1541,7 @@
           <a:p>
             <a:fld id="{530820CF-B880-4189-942D-D702A7CBA730}" type="datetimeFigureOut">
               <a:rPr lang="zh-CN" altLang="en-US" smtClean="0"/>
+              <a:t>2018/6/20</a:t>
             </a:fld>
             <a:endParaRPr lang="zh-CN" altLang="en-US"/>
           </a:p>
@@ -1567,6 +1583,7 @@
           <a:p>
             <a:fld id="{0C913308-F349-4B6D-A68A-DD1791B4A57B}" type="slidenum">
               <a:rPr lang="zh-CN" altLang="en-US" smtClean="0"/>
+              <a:t>‹#›</a:t>
             </a:fld>
             <a:endParaRPr lang="zh-CN" altLang="en-US"/>
           </a:p>
@@ -1613,10 +1630,9 @@
           <a:lstStyle/>
           <a:p>
             <a:r>
-              <a:rPr lang="zh-CN" altLang="en-US" smtClean="0"/>
+              <a:rPr lang="zh-CN" altLang="en-US"/>
               <a:t>单击此处编辑母版标题样式</a:t>
             </a:r>
-            <a:endParaRPr lang="zh-CN" altLang="en-US"/>
           </a:p>
         </p:txBody>
       </p:sp>
@@ -1670,42 +1686,37 @@
           <a:p>
             <a:pPr lvl="0"/>
             <a:r>
-              <a:rPr lang="zh-CN" altLang="en-US" smtClean="0"/>
+              <a:rPr lang="zh-CN" altLang="en-US"/>
               <a:t>单击此处编辑母版文本样式</a:t>
             </a:r>
-            <a:endParaRPr lang="zh-CN" altLang="en-US" smtClean="0"/>
           </a:p>
           <a:p>
             <a:pPr lvl="1"/>
             <a:r>
-              <a:rPr lang="zh-CN" altLang="en-US" smtClean="0"/>
+              <a:rPr lang="zh-CN" altLang="en-US"/>
               <a:t>第二级</a:t>
             </a:r>
-            <a:endParaRPr lang="zh-CN" altLang="en-US" smtClean="0"/>
           </a:p>
           <a:p>
             <a:pPr lvl="2"/>
             <a:r>
-              <a:rPr lang="zh-CN" altLang="en-US" smtClean="0"/>
+              <a:rPr lang="zh-CN" altLang="en-US"/>
               <a:t>第三级</a:t>
             </a:r>
-            <a:endParaRPr lang="zh-CN" altLang="en-US" smtClean="0"/>
           </a:p>
           <a:p>
             <a:pPr lvl="3"/>
             <a:r>
-              <a:rPr lang="zh-CN" altLang="en-US" smtClean="0"/>
+              <a:rPr lang="zh-CN" altLang="en-US"/>
               <a:t>第四级</a:t>
             </a:r>
-            <a:endParaRPr lang="zh-CN" altLang="en-US" smtClean="0"/>
           </a:p>
           <a:p>
             <a:pPr lvl="4"/>
             <a:r>
-              <a:rPr lang="zh-CN" altLang="en-US" smtClean="0"/>
+              <a:rPr lang="zh-CN" altLang="en-US"/>
               <a:t>第五级</a:t>
             </a:r>
-            <a:endParaRPr lang="zh-CN" altLang="en-US"/>
           </a:p>
         </p:txBody>
       </p:sp>
@@ -1759,42 +1770,37 @@
           <a:p>
             <a:pPr lvl="0"/>
             <a:r>
-              <a:rPr lang="zh-CN" altLang="en-US" smtClean="0"/>
+              <a:rPr lang="zh-CN" altLang="en-US"/>
               <a:t>单击此处编辑母版文本样式</a:t>
             </a:r>
-            <a:endParaRPr lang="zh-CN" altLang="en-US" smtClean="0"/>
           </a:p>
           <a:p>
             <a:pPr lvl="1"/>
             <a:r>
-              <a:rPr lang="zh-CN" altLang="en-US" smtClean="0"/>
+              <a:rPr lang="zh-CN" altLang="en-US"/>
               <a:t>第二级</a:t>
             </a:r>
-            <a:endParaRPr lang="zh-CN" altLang="en-US" smtClean="0"/>
           </a:p>
           <a:p>
             <a:pPr lvl="2"/>
             <a:r>
-              <a:rPr lang="zh-CN" altLang="en-US" smtClean="0"/>
+              <a:rPr lang="zh-CN" altLang="en-US"/>
               <a:t>第三级</a:t>
             </a:r>
-            <a:endParaRPr lang="zh-CN" altLang="en-US" smtClean="0"/>
           </a:p>
           <a:p>
             <a:pPr lvl="3"/>
             <a:r>
-              <a:rPr lang="zh-CN" altLang="en-US" smtClean="0"/>
+              <a:rPr lang="zh-CN" altLang="en-US"/>
               <a:t>第四级</a:t>
             </a:r>
-            <a:endParaRPr lang="zh-CN" altLang="en-US" smtClean="0"/>
           </a:p>
           <a:p>
             <a:pPr lvl="4"/>
             <a:r>
-              <a:rPr lang="zh-CN" altLang="en-US" smtClean="0"/>
+              <a:rPr lang="zh-CN" altLang="en-US"/>
               <a:t>第五级</a:t>
             </a:r>
-            <a:endParaRPr lang="zh-CN" altLang="en-US"/>
           </a:p>
         </p:txBody>
       </p:sp>
@@ -1815,6 +1821,7 @@
           <a:p>
             <a:fld id="{530820CF-B880-4189-942D-D702A7CBA730}" type="datetimeFigureOut">
               <a:rPr lang="zh-CN" altLang="en-US" smtClean="0"/>
+              <a:t>2018/6/20</a:t>
             </a:fld>
             <a:endParaRPr lang="zh-CN" altLang="en-US"/>
           </a:p>
@@ -1856,6 +1863,7 @@
           <a:p>
             <a:fld id="{0C913308-F349-4B6D-A68A-DD1791B4A57B}" type="slidenum">
               <a:rPr lang="zh-CN" altLang="en-US" smtClean="0"/>
+              <a:t>‹#›</a:t>
             </a:fld>
             <a:endParaRPr lang="zh-CN" altLang="en-US"/>
           </a:p>
@@ -1906,10 +1914,9 @@
           </a:lstStyle>
           <a:p>
             <a:r>
-              <a:rPr lang="zh-CN" altLang="en-US" smtClean="0"/>
+              <a:rPr lang="zh-CN" altLang="en-US"/>
               <a:t>单击此处编辑母版标题样式</a:t>
             </a:r>
-            <a:endParaRPr lang="zh-CN" altLang="en-US"/>
           </a:p>
         </p:txBody>
       </p:sp>
@@ -1972,10 +1979,9 @@
           <a:p>
             <a:pPr lvl="0"/>
             <a:r>
-              <a:rPr lang="zh-CN" altLang="en-US" smtClean="0"/>
+              <a:rPr lang="zh-CN" altLang="en-US"/>
               <a:t>单击此处编辑母版文本样式</a:t>
             </a:r>
-            <a:endParaRPr lang="zh-CN" altLang="en-US" smtClean="0"/>
           </a:p>
         </p:txBody>
       </p:sp>
@@ -2029,42 +2035,37 @@
           <a:p>
             <a:pPr lvl="0"/>
             <a:r>
-              <a:rPr lang="zh-CN" altLang="en-US" smtClean="0"/>
+              <a:rPr lang="zh-CN" altLang="en-US"/>
               <a:t>单击此处编辑母版文本样式</a:t>
             </a:r>
-            <a:endParaRPr lang="zh-CN" altLang="en-US" smtClean="0"/>
           </a:p>
           <a:p>
             <a:pPr lvl="1"/>
             <a:r>
-              <a:rPr lang="zh-CN" altLang="en-US" smtClean="0"/>
+              <a:rPr lang="zh-CN" altLang="en-US"/>
               <a:t>第二级</a:t>
             </a:r>
-            <a:endParaRPr lang="zh-CN" altLang="en-US" smtClean="0"/>
           </a:p>
           <a:p>
             <a:pPr lvl="2"/>
             <a:r>
-              <a:rPr lang="zh-CN" altLang="en-US" smtClean="0"/>
+              <a:rPr lang="zh-CN" altLang="en-US"/>
               <a:t>第三级</a:t>
             </a:r>
-            <a:endParaRPr lang="zh-CN" altLang="en-US" smtClean="0"/>
           </a:p>
           <a:p>
             <a:pPr lvl="3"/>
             <a:r>
-              <a:rPr lang="zh-CN" altLang="en-US" smtClean="0"/>
+              <a:rPr lang="zh-CN" altLang="en-US"/>
               <a:t>第四级</a:t>
             </a:r>
-            <a:endParaRPr lang="zh-CN" altLang="en-US" smtClean="0"/>
           </a:p>
           <a:p>
             <a:pPr lvl="4"/>
             <a:r>
-              <a:rPr lang="zh-CN" altLang="en-US" smtClean="0"/>
+              <a:rPr lang="zh-CN" altLang="en-US"/>
               <a:t>第五级</a:t>
             </a:r>
-            <a:endParaRPr lang="zh-CN" altLang="en-US"/>
           </a:p>
         </p:txBody>
       </p:sp>
@@ -2127,10 +2128,9 @@
           <a:p>
             <a:pPr lvl="0"/>
             <a:r>
-              <a:rPr lang="zh-CN" altLang="en-US" smtClean="0"/>
+              <a:rPr lang="zh-CN" altLang="en-US"/>
               <a:t>单击此处编辑母版文本样式</a:t>
             </a:r>
-            <a:endParaRPr lang="zh-CN" altLang="en-US" smtClean="0"/>
           </a:p>
         </p:txBody>
       </p:sp>
@@ -2184,42 +2184,37 @@
           <a:p>
             <a:pPr lvl="0"/>
             <a:r>
-              <a:rPr lang="zh-CN" altLang="en-US" smtClean="0"/>
+              <a:rPr lang="zh-CN" altLang="en-US"/>
               <a:t>单击此处编辑母版文本样式</a:t>
             </a:r>
-            <a:endParaRPr lang="zh-CN" altLang="en-US" smtClean="0"/>
           </a:p>
           <a:p>
             <a:pPr lvl="1"/>
             <a:r>
-              <a:rPr lang="zh-CN" altLang="en-US" smtClean="0"/>
+              <a:rPr lang="zh-CN" altLang="en-US"/>
               <a:t>第二级</a:t>
             </a:r>
-            <a:endParaRPr lang="zh-CN" altLang="en-US" smtClean="0"/>
           </a:p>
           <a:p>
             <a:pPr lvl="2"/>
             <a:r>
-              <a:rPr lang="zh-CN" altLang="en-US" smtClean="0"/>
+              <a:rPr lang="zh-CN" altLang="en-US"/>
               <a:t>第三级</a:t>
             </a:r>
-            <a:endParaRPr lang="zh-CN" altLang="en-US" smtClean="0"/>
           </a:p>
           <a:p>
             <a:pPr lvl="3"/>
             <a:r>
-              <a:rPr lang="zh-CN" altLang="en-US" smtClean="0"/>
+              <a:rPr lang="zh-CN" altLang="en-US"/>
               <a:t>第四级</a:t>
             </a:r>
-            <a:endParaRPr lang="zh-CN" altLang="en-US" smtClean="0"/>
           </a:p>
           <a:p>
             <a:pPr lvl="4"/>
             <a:r>
-              <a:rPr lang="zh-CN" altLang="en-US" smtClean="0"/>
+              <a:rPr lang="zh-CN" altLang="en-US"/>
               <a:t>第五级</a:t>
             </a:r>
-            <a:endParaRPr lang="zh-CN" altLang="en-US"/>
           </a:p>
         </p:txBody>
       </p:sp>
@@ -2240,6 +2235,7 @@
           <a:p>
             <a:fld id="{530820CF-B880-4189-942D-D702A7CBA730}" type="datetimeFigureOut">
               <a:rPr lang="zh-CN" altLang="en-US" smtClean="0"/>
+              <a:t>2018/6/20</a:t>
             </a:fld>
             <a:endParaRPr lang="zh-CN" altLang="en-US"/>
           </a:p>
@@ -2281,6 +2277,7 @@
           <a:p>
             <a:fld id="{0C913308-F349-4B6D-A68A-DD1791B4A57B}" type="slidenum">
               <a:rPr lang="zh-CN" altLang="en-US" smtClean="0"/>
+              <a:t>‹#›</a:t>
             </a:fld>
             <a:endParaRPr lang="zh-CN" altLang="en-US"/>
           </a:p>
@@ -2327,10 +2324,9 @@
           <a:lstStyle/>
           <a:p>
             <a:r>
-              <a:rPr lang="zh-CN" altLang="en-US" smtClean="0"/>
+              <a:rPr lang="zh-CN" altLang="en-US"/>
               <a:t>单击此处编辑母版标题样式</a:t>
             </a:r>
-            <a:endParaRPr lang="zh-CN" altLang="en-US"/>
           </a:p>
         </p:txBody>
       </p:sp>
@@ -2351,6 +2347,7 @@
           <a:p>
             <a:fld id="{530820CF-B880-4189-942D-D702A7CBA730}" type="datetimeFigureOut">
               <a:rPr lang="zh-CN" altLang="en-US" smtClean="0"/>
+              <a:t>2018/6/20</a:t>
             </a:fld>
             <a:endParaRPr lang="zh-CN" altLang="en-US"/>
           </a:p>
@@ -2392,6 +2389,7 @@
           <a:p>
             <a:fld id="{0C913308-F349-4B6D-A68A-DD1791B4A57B}" type="slidenum">
               <a:rPr lang="zh-CN" altLang="en-US" smtClean="0"/>
+              <a:t>‹#›</a:t>
             </a:fld>
             <a:endParaRPr lang="zh-CN" altLang="en-US"/>
           </a:p>
@@ -2439,6 +2437,7 @@
           <a:p>
             <a:fld id="{530820CF-B880-4189-942D-D702A7CBA730}" type="datetimeFigureOut">
               <a:rPr lang="zh-CN" altLang="en-US" smtClean="0"/>
+              <a:t>2018/6/20</a:t>
             </a:fld>
             <a:endParaRPr lang="zh-CN" altLang="en-US"/>
           </a:p>
@@ -2480,6 +2479,7 @@
           <a:p>
             <a:fld id="{0C913308-F349-4B6D-A68A-DD1791B4A57B}" type="slidenum">
               <a:rPr lang="zh-CN" altLang="en-US" smtClean="0"/>
+              <a:t>‹#›</a:t>
             </a:fld>
             <a:endParaRPr lang="zh-CN" altLang="en-US"/>
           </a:p>
@@ -2535,10 +2535,9 @@
           </a:lstStyle>
           <a:p>
             <a:r>
-              <a:rPr lang="zh-CN" altLang="en-US" smtClean="0"/>
+              <a:rPr lang="zh-CN" altLang="en-US"/>
               <a:t>单击此处编辑母版标题样式</a:t>
             </a:r>
-            <a:endParaRPr lang="zh-CN" altLang="en-US"/>
           </a:p>
         </p:txBody>
       </p:sp>
@@ -2592,42 +2591,37 @@
           <a:p>
             <a:pPr lvl="0"/>
             <a:r>
-              <a:rPr lang="zh-CN" altLang="en-US" smtClean="0"/>
+              <a:rPr lang="zh-CN" altLang="en-US"/>
               <a:t>单击此处编辑母版文本样式</a:t>
             </a:r>
-            <a:endParaRPr lang="zh-CN" altLang="en-US" smtClean="0"/>
           </a:p>
           <a:p>
             <a:pPr lvl="1"/>
             <a:r>
-              <a:rPr lang="zh-CN" altLang="en-US" smtClean="0"/>
+              <a:rPr lang="zh-CN" altLang="en-US"/>
               <a:t>第二级</a:t>
             </a:r>
-            <a:endParaRPr lang="zh-CN" altLang="en-US" smtClean="0"/>
           </a:p>
           <a:p>
             <a:pPr lvl="2"/>
             <a:r>
-              <a:rPr lang="zh-CN" altLang="en-US" smtClean="0"/>
+              <a:rPr lang="zh-CN" altLang="en-US"/>
               <a:t>第三级</a:t>
             </a:r>
-            <a:endParaRPr lang="zh-CN" altLang="en-US" smtClean="0"/>
           </a:p>
           <a:p>
             <a:pPr lvl="3"/>
             <a:r>
-              <a:rPr lang="zh-CN" altLang="en-US" smtClean="0"/>
+              <a:rPr lang="zh-CN" altLang="en-US"/>
               <a:t>第四级</a:t>
             </a:r>
-            <a:endParaRPr lang="zh-CN" altLang="en-US" smtClean="0"/>
           </a:p>
           <a:p>
             <a:pPr lvl="4"/>
             <a:r>
-              <a:rPr lang="zh-CN" altLang="en-US" smtClean="0"/>
+              <a:rPr lang="zh-CN" altLang="en-US"/>
               <a:t>第五级</a:t>
             </a:r>
-            <a:endParaRPr lang="zh-CN" altLang="en-US"/>
           </a:p>
         </p:txBody>
       </p:sp>
@@ -2690,10 +2684,9 @@
           <a:p>
             <a:pPr lvl="0"/>
             <a:r>
-              <a:rPr lang="zh-CN" altLang="en-US" smtClean="0"/>
+              <a:rPr lang="zh-CN" altLang="en-US"/>
               <a:t>单击此处编辑母版文本样式</a:t>
             </a:r>
-            <a:endParaRPr lang="zh-CN" altLang="en-US" smtClean="0"/>
           </a:p>
         </p:txBody>
       </p:sp>
@@ -2714,6 +2707,7 @@
           <a:p>
             <a:fld id="{530820CF-B880-4189-942D-D702A7CBA730}" type="datetimeFigureOut">
               <a:rPr lang="zh-CN" altLang="en-US" smtClean="0"/>
+              <a:t>2018/6/20</a:t>
             </a:fld>
             <a:endParaRPr lang="zh-CN" altLang="en-US"/>
           </a:p>
@@ -2755,6 +2749,7 @@
           <a:p>
             <a:fld id="{0C913308-F349-4B6D-A68A-DD1791B4A57B}" type="slidenum">
               <a:rPr lang="zh-CN" altLang="en-US" smtClean="0"/>
+              <a:t>‹#›</a:t>
             </a:fld>
             <a:endParaRPr lang="zh-CN" altLang="en-US"/>
           </a:p>
@@ -2810,10 +2805,9 @@
           </a:lstStyle>
           <a:p>
             <a:r>
-              <a:rPr lang="zh-CN" altLang="en-US" smtClean="0"/>
+              <a:rPr lang="zh-CN" altLang="en-US"/>
               <a:t>单击此处编辑母版标题样式</a:t>
             </a:r>
-            <a:endParaRPr lang="zh-CN" altLang="en-US"/>
           </a:p>
         </p:txBody>
       </p:sp>
@@ -2937,10 +2931,9 @@
           <a:p>
             <a:pPr lvl="0"/>
             <a:r>
-              <a:rPr lang="zh-CN" altLang="en-US" smtClean="0"/>
+              <a:rPr lang="zh-CN" altLang="en-US"/>
               <a:t>单击此处编辑母版文本样式</a:t>
             </a:r>
-            <a:endParaRPr lang="zh-CN" altLang="en-US" smtClean="0"/>
           </a:p>
         </p:txBody>
       </p:sp>
@@ -2961,6 +2954,7 @@
           <a:p>
             <a:fld id="{530820CF-B880-4189-942D-D702A7CBA730}" type="datetimeFigureOut">
               <a:rPr lang="zh-CN" altLang="en-US" smtClean="0"/>
+              <a:t>2018/6/20</a:t>
             </a:fld>
             <a:endParaRPr lang="zh-CN" altLang="en-US"/>
           </a:p>
@@ -3002,6 +2996,7 @@
           <a:p>
             <a:fld id="{0C913308-F349-4B6D-A68A-DD1791B4A57B}" type="slidenum">
               <a:rPr lang="zh-CN" altLang="en-US" smtClean="0"/>
+              <a:t>‹#›</a:t>
             </a:fld>
             <a:endParaRPr lang="zh-CN" altLang="en-US"/>
           </a:p>
@@ -3019,9 +3014,30 @@
 <p:sldMaster xmlns:a="http://schemas.openxmlformats.org/drawingml/2006/main" xmlns:r="http://schemas.openxmlformats.org/officeDocument/2006/relationships" xmlns:p="http://schemas.openxmlformats.org/presentationml/2006/main">
   <p:cSld>
     <p:bg>
-      <p:bgRef idx="1001">
-        <a:schemeClr val="bg1"/>
-      </p:bgRef>
+      <p:bgPr>
+        <a:blipFill dpi="0" rotWithShape="1">
+          <a:blip r:embed="rId13">
+            <a:alphaModFix amt="40000"/>
+            <a:lum/>
+            <a:extLst>
+              <a:ext uri="{BEBA8EAE-BF5A-486C-A8C5-ECC9F3942E4B}">
+                <a14:imgProps xmlns:a14="http://schemas.microsoft.com/office/drawing/2010/main">
+                  <a14:imgLayer r:embed="rId14">
+                    <a14:imgEffect>
+                      <a14:brightnessContrast bright="100000"/>
+                    </a14:imgEffect>
+                  </a14:imgLayer>
+                </a14:imgProps>
+              </a:ext>
+            </a:extLst>
+          </a:blip>
+          <a:srcRect/>
+          <a:stretch>
+            <a:fillRect t="-16000" b="-16000"/>
+          </a:stretch>
+        </a:blipFill>
+        <a:effectLst/>
+      </p:bgPr>
     </p:bg>
     <p:spTree>
       <p:nvGrpSpPr>
@@ -3063,10 +3079,9 @@
           <a:lstStyle/>
           <a:p>
             <a:r>
-              <a:rPr lang="zh-CN" altLang="en-US" smtClean="0"/>
+              <a:rPr lang="zh-CN" altLang="en-US"/>
               <a:t>单击此处编辑母版标题样式</a:t>
             </a:r>
-            <a:endParaRPr lang="zh-CN" altLang="en-US"/>
           </a:p>
         </p:txBody>
       </p:sp>
@@ -3097,42 +3112,37 @@
           <a:p>
             <a:pPr lvl="0"/>
             <a:r>
-              <a:rPr lang="zh-CN" altLang="en-US" smtClean="0"/>
+              <a:rPr lang="zh-CN" altLang="en-US"/>
               <a:t>单击此处编辑母版文本样式</a:t>
             </a:r>
-            <a:endParaRPr lang="zh-CN" altLang="en-US" smtClean="0"/>
           </a:p>
           <a:p>
             <a:pPr lvl="1"/>
             <a:r>
-              <a:rPr lang="zh-CN" altLang="en-US" smtClean="0"/>
+              <a:rPr lang="zh-CN" altLang="en-US"/>
               <a:t>第二级</a:t>
             </a:r>
-            <a:endParaRPr lang="zh-CN" altLang="en-US" smtClean="0"/>
           </a:p>
           <a:p>
             <a:pPr lvl="2"/>
             <a:r>
-              <a:rPr lang="zh-CN" altLang="en-US" smtClean="0"/>
+              <a:rPr lang="zh-CN" altLang="en-US"/>
               <a:t>第三级</a:t>
             </a:r>
-            <a:endParaRPr lang="zh-CN" altLang="en-US" smtClean="0"/>
           </a:p>
           <a:p>
             <a:pPr lvl="3"/>
             <a:r>
-              <a:rPr lang="zh-CN" altLang="en-US" smtClean="0"/>
+              <a:rPr lang="zh-CN" altLang="en-US"/>
               <a:t>第四级</a:t>
             </a:r>
-            <a:endParaRPr lang="zh-CN" altLang="en-US" smtClean="0"/>
           </a:p>
           <a:p>
             <a:pPr lvl="4"/>
             <a:r>
-              <a:rPr lang="zh-CN" altLang="en-US" smtClean="0"/>
+              <a:rPr lang="zh-CN" altLang="en-US"/>
               <a:t>第五级</a:t>
             </a:r>
-            <a:endParaRPr lang="zh-CN" altLang="en-US"/>
           </a:p>
         </p:txBody>
       </p:sp>
@@ -3171,6 +3181,7 @@
           <a:p>
             <a:fld id="{530820CF-B880-4189-942D-D702A7CBA730}" type="datetimeFigureOut">
               <a:rPr lang="zh-CN" altLang="en-US" smtClean="0"/>
+              <a:t>2018/6/20</a:t>
             </a:fld>
             <a:endParaRPr lang="zh-CN" altLang="en-US"/>
           </a:p>
@@ -3248,6 +3259,7 @@
           <a:p>
             <a:fld id="{0C913308-F349-4B6D-A68A-DD1791B4A57B}" type="slidenum">
               <a:rPr lang="zh-CN" altLang="en-US" smtClean="0"/>
+              <a:t>‹#›</a:t>
             </a:fld>
             <a:endParaRPr lang="zh-CN" altLang="en-US"/>
           </a:p>
@@ -3555,10 +3567,12 @@
           <a:lstStyle/>
           <a:p>
             <a:r>
-              <a:rPr lang="zh-CN" altLang="en-US" dirty="0"/>
-              <a:t>聚类</a:t>
-            </a:r>
-            <a:endParaRPr lang="zh-CN" altLang="en-US" dirty="0"/>
+              <a:rPr lang="zh-CN" altLang="en-US" dirty="0">
+                <a:latin typeface="微软雅黑" panose="020B0503020204020204" pitchFamily="34" charset="-122"/>
+                <a:ea typeface="微软雅黑" panose="020B0503020204020204" pitchFamily="34" charset="-122"/>
+              </a:rPr>
+              <a:t>分类和聚类算法</a:t>
+            </a:r>
           </a:p>
         </p:txBody>
       </p:sp>
@@ -3578,7 +3592,7 @@
           <a:lstStyle/>
           <a:p>
             <a:r>
-              <a:rPr lang="en-US" altLang="zh-CN" dirty="0" err="1" smtClean="0"/>
+              <a:rPr lang="en-US" altLang="zh-CN" dirty="0" err="1"/>
               <a:t>vipjr</a:t>
             </a:r>
             <a:endParaRPr lang="zh-CN" altLang="en-US" dirty="0"/>
@@ -3620,20 +3634,836 @@
             <p:ph type="title"/>
           </p:nvPr>
         </p:nvSpPr>
+        <p:spPr>
+          <a:xfrm>
+            <a:off x="457200" y="274638"/>
+            <a:ext cx="8229600" cy="706090"/>
+          </a:xfrm>
+        </p:spPr>
+        <p:txBody>
+          <a:bodyPr>
+            <a:normAutofit fontScale="90000"/>
+          </a:bodyPr>
+          <a:lstStyle/>
+          <a:p>
+            <a:r>
+              <a:rPr lang="zh-CN" altLang="en-US" dirty="0"/>
+              <a:t>实例</a:t>
+            </a:r>
+          </a:p>
+        </p:txBody>
+      </p:sp>
+      <p:sp>
+        <p:nvSpPr>
+          <p:cNvPr id="4" name="矩形 3"/>
+          <p:cNvSpPr/>
+          <p:nvPr/>
+        </p:nvSpPr>
+        <p:spPr>
+          <a:xfrm>
+            <a:off x="539552" y="671691"/>
+            <a:ext cx="8262664" cy="6186309"/>
+          </a:xfrm>
+          <a:prstGeom prst="rect">
+            <a:avLst/>
+          </a:prstGeom>
+        </p:spPr>
+        <p:txBody>
+          <a:bodyPr wrap="square">
+            <a:spAutoFit/>
+          </a:bodyPr>
+          <a:lstStyle/>
+          <a:p>
+            <a:r>
+              <a:rPr lang="en-US" altLang="zh-CN" dirty="0"/>
+              <a:t>for weights in ['uniform', 'distance']:</a:t>
+            </a:r>
+          </a:p>
+          <a:p>
+            <a:r>
+              <a:rPr lang="en-US" altLang="zh-CN" dirty="0"/>
+              <a:t>    # we create an instance of </a:t>
+            </a:r>
+            <a:r>
+              <a:rPr lang="en-US" altLang="zh-CN" dirty="0" err="1"/>
+              <a:t>Neighbours</a:t>
+            </a:r>
+            <a:r>
+              <a:rPr lang="en-US" altLang="zh-CN" dirty="0"/>
+              <a:t> Classifier and fit the data.</a:t>
+            </a:r>
+          </a:p>
+          <a:p>
+            <a:r>
+              <a:rPr lang="en-US" altLang="zh-CN" dirty="0"/>
+              <a:t>    </a:t>
+            </a:r>
+            <a:r>
+              <a:rPr lang="en-US" altLang="zh-CN" dirty="0" err="1"/>
+              <a:t>clf</a:t>
+            </a:r>
+            <a:r>
+              <a:rPr lang="en-US" altLang="zh-CN" dirty="0"/>
+              <a:t> = </a:t>
+            </a:r>
+            <a:r>
+              <a:rPr lang="en-US" altLang="zh-CN" dirty="0" err="1"/>
+              <a:t>neighbors.KNeighborsClassifier</a:t>
+            </a:r>
+            <a:r>
+              <a:rPr lang="en-US" altLang="zh-CN" dirty="0"/>
+              <a:t>(</a:t>
+            </a:r>
+            <a:r>
+              <a:rPr lang="en-US" altLang="zh-CN" dirty="0" err="1"/>
+              <a:t>n_neighbors</a:t>
+            </a:r>
+            <a:r>
+              <a:rPr lang="en-US" altLang="zh-CN" dirty="0"/>
+              <a:t>, weights=weights)</a:t>
+            </a:r>
+          </a:p>
+          <a:p>
+            <a:r>
+              <a:rPr lang="en-US" altLang="zh-CN" dirty="0"/>
+              <a:t>    </a:t>
+            </a:r>
+            <a:r>
+              <a:rPr lang="en-US" altLang="zh-CN" dirty="0" err="1"/>
+              <a:t>clf.fit</a:t>
+            </a:r>
+            <a:r>
+              <a:rPr lang="en-US" altLang="zh-CN" dirty="0"/>
+              <a:t>(X, y)</a:t>
+            </a:r>
+          </a:p>
+          <a:p>
+            <a:r>
+              <a:rPr lang="en-US" altLang="zh-CN" dirty="0"/>
+              <a:t>    # Plot the decision boundary. For that, we will assign a color to each</a:t>
+            </a:r>
+          </a:p>
+          <a:p>
+            <a:r>
+              <a:rPr lang="en-US" altLang="zh-CN" dirty="0"/>
+              <a:t>    # point in the mesh [</a:t>
+            </a:r>
+            <a:r>
+              <a:rPr lang="en-US" altLang="zh-CN" dirty="0" err="1"/>
+              <a:t>x_min</a:t>
+            </a:r>
+            <a:r>
+              <a:rPr lang="en-US" altLang="zh-CN" dirty="0"/>
+              <a:t>, </a:t>
+            </a:r>
+            <a:r>
+              <a:rPr lang="en-US" altLang="zh-CN" dirty="0" err="1"/>
+              <a:t>x_max</a:t>
+            </a:r>
+            <a:r>
+              <a:rPr lang="en-US" altLang="zh-CN" dirty="0"/>
+              <a:t>]x[</a:t>
+            </a:r>
+            <a:r>
+              <a:rPr lang="en-US" altLang="zh-CN" dirty="0" err="1"/>
+              <a:t>y_min</a:t>
+            </a:r>
+            <a:r>
+              <a:rPr lang="en-US" altLang="zh-CN" dirty="0"/>
+              <a:t>, </a:t>
+            </a:r>
+            <a:r>
+              <a:rPr lang="en-US" altLang="zh-CN" dirty="0" err="1"/>
+              <a:t>y_max</a:t>
+            </a:r>
+            <a:r>
+              <a:rPr lang="en-US" altLang="zh-CN" dirty="0"/>
+              <a:t>].</a:t>
+            </a:r>
+          </a:p>
+          <a:p>
+            <a:r>
+              <a:rPr lang="en-US" altLang="zh-CN" dirty="0"/>
+              <a:t>    </a:t>
+            </a:r>
+            <a:r>
+              <a:rPr lang="en-US" altLang="zh-CN" dirty="0" err="1"/>
+              <a:t>x_min</a:t>
+            </a:r>
+            <a:r>
+              <a:rPr lang="en-US" altLang="zh-CN" dirty="0"/>
+              <a:t>, </a:t>
+            </a:r>
+            <a:r>
+              <a:rPr lang="en-US" altLang="zh-CN" dirty="0" err="1"/>
+              <a:t>x_max</a:t>
+            </a:r>
+            <a:r>
+              <a:rPr lang="en-US" altLang="zh-CN" dirty="0"/>
+              <a:t> = X[:, 0].min() - 1, X[:, 0].max() + 1</a:t>
+            </a:r>
+          </a:p>
+          <a:p>
+            <a:r>
+              <a:rPr lang="en-US" altLang="zh-CN" dirty="0"/>
+              <a:t>    </a:t>
+            </a:r>
+            <a:r>
+              <a:rPr lang="en-US" altLang="zh-CN" dirty="0" err="1"/>
+              <a:t>y_min</a:t>
+            </a:r>
+            <a:r>
+              <a:rPr lang="en-US" altLang="zh-CN" dirty="0"/>
+              <a:t>, </a:t>
+            </a:r>
+            <a:r>
+              <a:rPr lang="en-US" altLang="zh-CN" dirty="0" err="1"/>
+              <a:t>y_max</a:t>
+            </a:r>
+            <a:r>
+              <a:rPr lang="en-US" altLang="zh-CN" dirty="0"/>
+              <a:t> = X[:, 1].min() - 1, X[:, 1].max() + 1</a:t>
+            </a:r>
+          </a:p>
+          <a:p>
+            <a:r>
+              <a:rPr lang="en-US" altLang="zh-CN" dirty="0"/>
+              <a:t>    xx, </a:t>
+            </a:r>
+            <a:r>
+              <a:rPr lang="en-US" altLang="zh-CN" dirty="0" err="1"/>
+              <a:t>yy</a:t>
+            </a:r>
+            <a:r>
+              <a:rPr lang="en-US" altLang="zh-CN" dirty="0"/>
+              <a:t> = </a:t>
+            </a:r>
+            <a:r>
+              <a:rPr lang="en-US" altLang="zh-CN" dirty="0" err="1"/>
+              <a:t>np.meshgrid</a:t>
+            </a:r>
+            <a:r>
+              <a:rPr lang="en-US" altLang="zh-CN" dirty="0"/>
+              <a:t>(</a:t>
+            </a:r>
+            <a:r>
+              <a:rPr lang="en-US" altLang="zh-CN" dirty="0" err="1"/>
+              <a:t>np.arange</a:t>
+            </a:r>
+            <a:r>
+              <a:rPr lang="en-US" altLang="zh-CN" dirty="0"/>
+              <a:t>(</a:t>
+            </a:r>
+            <a:r>
+              <a:rPr lang="en-US" altLang="zh-CN" dirty="0" err="1"/>
+              <a:t>x_min</a:t>
+            </a:r>
+            <a:r>
+              <a:rPr lang="en-US" altLang="zh-CN" dirty="0"/>
+              <a:t>, </a:t>
+            </a:r>
+            <a:r>
+              <a:rPr lang="en-US" altLang="zh-CN" dirty="0" err="1"/>
+              <a:t>x_max</a:t>
+            </a:r>
+            <a:r>
+              <a:rPr lang="en-US" altLang="zh-CN" dirty="0"/>
+              <a:t>, h),</a:t>
+            </a:r>
+            <a:r>
+              <a:rPr lang="en-US" altLang="zh-CN" dirty="0" err="1"/>
+              <a:t>np.arange</a:t>
+            </a:r>
+            <a:r>
+              <a:rPr lang="en-US" altLang="zh-CN" dirty="0"/>
+              <a:t>(</a:t>
+            </a:r>
+            <a:r>
+              <a:rPr lang="en-US" altLang="zh-CN" dirty="0" err="1"/>
+              <a:t>y_min</a:t>
+            </a:r>
+            <a:r>
+              <a:rPr lang="en-US" altLang="zh-CN" dirty="0"/>
+              <a:t>, </a:t>
+            </a:r>
+            <a:r>
+              <a:rPr lang="en-US" altLang="zh-CN" dirty="0" err="1"/>
+              <a:t>y_max</a:t>
+            </a:r>
+            <a:r>
+              <a:rPr lang="en-US" altLang="zh-CN" dirty="0"/>
+              <a:t>, h))</a:t>
+            </a:r>
+          </a:p>
+          <a:p>
+            <a:r>
+              <a:rPr lang="en-US" altLang="zh-CN" dirty="0"/>
+              <a:t>    Z = </a:t>
+            </a:r>
+            <a:r>
+              <a:rPr lang="en-US" altLang="zh-CN" dirty="0" err="1"/>
+              <a:t>clf.predict</a:t>
+            </a:r>
+            <a:r>
+              <a:rPr lang="en-US" altLang="zh-CN" dirty="0"/>
+              <a:t>(</a:t>
+            </a:r>
+            <a:r>
+              <a:rPr lang="en-US" altLang="zh-CN" dirty="0" err="1"/>
+              <a:t>np.c</a:t>
+            </a:r>
+            <a:r>
+              <a:rPr lang="en-US" altLang="zh-CN" dirty="0"/>
+              <a:t>_[</a:t>
+            </a:r>
+            <a:r>
+              <a:rPr lang="en-US" altLang="zh-CN" dirty="0" err="1"/>
+              <a:t>xx.ravel</a:t>
+            </a:r>
+            <a:r>
+              <a:rPr lang="en-US" altLang="zh-CN" dirty="0"/>
+              <a:t>(), </a:t>
+            </a:r>
+            <a:r>
+              <a:rPr lang="en-US" altLang="zh-CN" dirty="0" err="1"/>
+              <a:t>yy.ravel</a:t>
+            </a:r>
+            <a:r>
+              <a:rPr lang="en-US" altLang="zh-CN" dirty="0"/>
+              <a:t>()])</a:t>
+            </a:r>
+          </a:p>
+          <a:p>
+            <a:endParaRPr lang="en-US" altLang="zh-CN" dirty="0"/>
+          </a:p>
+          <a:p>
+            <a:r>
+              <a:rPr lang="en-US" altLang="zh-CN" dirty="0"/>
+              <a:t>    # Put the result into a color plot</a:t>
+            </a:r>
+          </a:p>
+          <a:p>
+            <a:r>
+              <a:rPr lang="en-US" altLang="zh-CN" dirty="0"/>
+              <a:t>    Z = </a:t>
+            </a:r>
+            <a:r>
+              <a:rPr lang="en-US" altLang="zh-CN" dirty="0" err="1"/>
+              <a:t>Z.reshape</a:t>
+            </a:r>
+            <a:r>
+              <a:rPr lang="en-US" altLang="zh-CN" dirty="0"/>
+              <a:t>(</a:t>
+            </a:r>
+            <a:r>
+              <a:rPr lang="en-US" altLang="zh-CN" dirty="0" err="1"/>
+              <a:t>xx.shape</a:t>
+            </a:r>
+            <a:r>
+              <a:rPr lang="en-US" altLang="zh-CN" dirty="0"/>
+              <a:t>)</a:t>
+            </a:r>
+          </a:p>
+          <a:p>
+            <a:r>
+              <a:rPr lang="en-US" altLang="zh-CN" dirty="0"/>
+              <a:t>    </a:t>
+            </a:r>
+            <a:r>
+              <a:rPr lang="en-US" altLang="zh-CN" dirty="0" err="1"/>
+              <a:t>plt.figure</a:t>
+            </a:r>
+            <a:r>
+              <a:rPr lang="en-US" altLang="zh-CN" dirty="0"/>
+              <a:t>()</a:t>
+            </a:r>
+          </a:p>
+          <a:p>
+            <a:r>
+              <a:rPr lang="en-US" altLang="zh-CN" dirty="0"/>
+              <a:t>    </a:t>
+            </a:r>
+            <a:r>
+              <a:rPr lang="en-US" altLang="zh-CN" dirty="0" err="1"/>
+              <a:t>plt.pcolormesh</a:t>
+            </a:r>
+            <a:r>
+              <a:rPr lang="en-US" altLang="zh-CN" dirty="0"/>
+              <a:t>(xx, </a:t>
+            </a:r>
+            <a:r>
+              <a:rPr lang="en-US" altLang="zh-CN" dirty="0" err="1"/>
+              <a:t>yy</a:t>
+            </a:r>
+            <a:r>
+              <a:rPr lang="en-US" altLang="zh-CN" dirty="0"/>
+              <a:t>, Z, </a:t>
+            </a:r>
+            <a:r>
+              <a:rPr lang="en-US" altLang="zh-CN" dirty="0" err="1"/>
+              <a:t>cmap</a:t>
+            </a:r>
+            <a:r>
+              <a:rPr lang="en-US" altLang="zh-CN" dirty="0"/>
+              <a:t>=</a:t>
+            </a:r>
+            <a:r>
+              <a:rPr lang="en-US" altLang="zh-CN" dirty="0" err="1"/>
+              <a:t>cmap_light</a:t>
+            </a:r>
+            <a:r>
+              <a:rPr lang="en-US" altLang="zh-CN" dirty="0"/>
+              <a:t>)</a:t>
+            </a:r>
+          </a:p>
+          <a:p>
+            <a:endParaRPr lang="en-US" altLang="zh-CN" dirty="0"/>
+          </a:p>
+          <a:p>
+            <a:r>
+              <a:rPr lang="en-US" altLang="zh-CN" dirty="0"/>
+              <a:t>    # Plot also the training points</a:t>
+            </a:r>
+          </a:p>
+          <a:p>
+            <a:r>
+              <a:rPr lang="en-US" altLang="zh-CN" dirty="0"/>
+              <a:t>    </a:t>
+            </a:r>
+            <a:r>
+              <a:rPr lang="en-US" altLang="zh-CN" dirty="0" err="1"/>
+              <a:t>plt.scatter</a:t>
+            </a:r>
+            <a:r>
+              <a:rPr lang="en-US" altLang="zh-CN" dirty="0"/>
+              <a:t>(X[:, 0], X[:, 1], c=y, </a:t>
+            </a:r>
+            <a:r>
+              <a:rPr lang="en-US" altLang="zh-CN" dirty="0" err="1"/>
+              <a:t>cmap</a:t>
+            </a:r>
+            <a:r>
+              <a:rPr lang="en-US" altLang="zh-CN" dirty="0"/>
+              <a:t>=</a:t>
+            </a:r>
+            <a:r>
+              <a:rPr lang="en-US" altLang="zh-CN" dirty="0" err="1"/>
+              <a:t>cmap_bold,edgecolor</a:t>
+            </a:r>
+            <a:r>
+              <a:rPr lang="en-US" altLang="zh-CN" dirty="0"/>
+              <a:t>='k', s=20)</a:t>
+            </a:r>
+          </a:p>
+          <a:p>
+            <a:r>
+              <a:rPr lang="en-US" altLang="zh-CN" dirty="0"/>
+              <a:t>    </a:t>
+            </a:r>
+            <a:r>
+              <a:rPr lang="en-US" altLang="zh-CN" dirty="0" err="1"/>
+              <a:t>plt.xlim</a:t>
+            </a:r>
+            <a:r>
+              <a:rPr lang="en-US" altLang="zh-CN" dirty="0"/>
+              <a:t>(</a:t>
+            </a:r>
+            <a:r>
+              <a:rPr lang="en-US" altLang="zh-CN" dirty="0" err="1"/>
+              <a:t>xx.min</a:t>
+            </a:r>
+            <a:r>
+              <a:rPr lang="en-US" altLang="zh-CN" dirty="0"/>
+              <a:t>(), </a:t>
+            </a:r>
+            <a:r>
+              <a:rPr lang="en-US" altLang="zh-CN" dirty="0" err="1"/>
+              <a:t>xx.max</a:t>
+            </a:r>
+            <a:r>
+              <a:rPr lang="en-US" altLang="zh-CN" dirty="0"/>
+              <a:t>())</a:t>
+            </a:r>
+          </a:p>
+          <a:p>
+            <a:r>
+              <a:rPr lang="en-US" altLang="zh-CN" dirty="0"/>
+              <a:t>    </a:t>
+            </a:r>
+            <a:r>
+              <a:rPr lang="en-US" altLang="zh-CN" dirty="0" err="1"/>
+              <a:t>plt.ylim</a:t>
+            </a:r>
+            <a:r>
+              <a:rPr lang="en-US" altLang="zh-CN" dirty="0"/>
+              <a:t>(</a:t>
+            </a:r>
+            <a:r>
+              <a:rPr lang="en-US" altLang="zh-CN" dirty="0" err="1"/>
+              <a:t>yy.min</a:t>
+            </a:r>
+            <a:r>
+              <a:rPr lang="en-US" altLang="zh-CN" dirty="0"/>
+              <a:t>(), </a:t>
+            </a:r>
+            <a:r>
+              <a:rPr lang="en-US" altLang="zh-CN" dirty="0" err="1"/>
+              <a:t>yy.max</a:t>
+            </a:r>
+            <a:r>
+              <a:rPr lang="en-US" altLang="zh-CN" dirty="0"/>
+              <a:t>())</a:t>
+            </a:r>
+          </a:p>
+          <a:p>
+            <a:r>
+              <a:rPr lang="en-US" altLang="zh-CN" dirty="0"/>
+              <a:t>    </a:t>
+            </a:r>
+            <a:r>
+              <a:rPr lang="en-US" altLang="zh-CN" dirty="0" err="1"/>
+              <a:t>plt.title</a:t>
+            </a:r>
+            <a:r>
+              <a:rPr lang="en-US" altLang="zh-CN" dirty="0"/>
+              <a:t>("3-Class classification (k = %</a:t>
+            </a:r>
+            <a:r>
+              <a:rPr lang="en-US" altLang="zh-CN" dirty="0" err="1"/>
+              <a:t>i</a:t>
+            </a:r>
+            <a:r>
+              <a:rPr lang="en-US" altLang="zh-CN" dirty="0"/>
+              <a:t>, weights = '%s')"% (</a:t>
+            </a:r>
+            <a:r>
+              <a:rPr lang="en-US" altLang="zh-CN" dirty="0" err="1"/>
+              <a:t>n_neighbors</a:t>
+            </a:r>
+            <a:r>
+              <a:rPr lang="en-US" altLang="zh-CN" dirty="0"/>
+              <a:t>, weights))</a:t>
+            </a:r>
+          </a:p>
+          <a:p>
+            <a:r>
+              <a:rPr lang="en-US" altLang="zh-CN" dirty="0" err="1"/>
+              <a:t>plt.show</a:t>
+            </a:r>
+            <a:r>
+              <a:rPr lang="en-US" altLang="zh-CN" dirty="0"/>
+              <a:t>()</a:t>
+            </a:r>
+            <a:endParaRPr lang="zh-CN" altLang="en-US" dirty="0"/>
+          </a:p>
+        </p:txBody>
+      </p:sp>
+    </p:spTree>
+  </p:cSld>
+  <p:clrMapOvr>
+    <a:masterClrMapping/>
+  </p:clrMapOvr>
+</p:sld>
+</file>
+
+<file path=ppt/slides/slide11.xml><?xml version="1.0" encoding="utf-8"?>
+<p:sld xmlns:a="http://schemas.openxmlformats.org/drawingml/2006/main" xmlns:r="http://schemas.openxmlformats.org/officeDocument/2006/relationships" xmlns:p="http://schemas.openxmlformats.org/presentationml/2006/main">
+  <p:cSld>
+    <p:spTree>
+      <p:nvGrpSpPr>
+        <p:cNvPr id="1" name=""/>
+        <p:cNvGrpSpPr/>
+        <p:nvPr/>
+      </p:nvGrpSpPr>
+      <p:grpSpPr>
+        <a:xfrm>
+          <a:off x="0" y="0"/>
+          <a:ext cx="0" cy="0"/>
+          <a:chOff x="0" y="0"/>
+          <a:chExt cx="0" cy="0"/>
+        </a:xfrm>
+      </p:grpSpPr>
+      <p:pic>
+        <p:nvPicPr>
+          <p:cNvPr id="10242" name="Picture 2"/>
+          <p:cNvPicPr>
+            <a:picLocks noChangeAspect="1" noChangeArrowheads="1"/>
+          </p:cNvPicPr>
+          <p:nvPr/>
+        </p:nvPicPr>
+        <p:blipFill>
+          <a:blip r:embed="rId2">
+            <a:extLst>
+              <a:ext uri="{28A0092B-C50C-407E-A947-70E740481C1C}">
+                <a14:useLocalDpi xmlns:a14="http://schemas.microsoft.com/office/drawing/2010/main" val="0"/>
+              </a:ext>
+            </a:extLst>
+          </a:blip>
+          <a:srcRect/>
+          <a:stretch>
+            <a:fillRect/>
+          </a:stretch>
+        </p:blipFill>
+        <p:spPr bwMode="auto">
+          <a:xfrm>
+            <a:off x="323528" y="476672"/>
+            <a:ext cx="4933950" cy="3181350"/>
+          </a:xfrm>
+          <a:prstGeom prst="rect">
+            <a:avLst/>
+          </a:prstGeom>
+          <a:noFill/>
+          <a:ln>
+            <a:noFill/>
+          </a:ln>
+          <a:effectLst/>
+          <a:extLst>
+            <a:ext uri="{909E8E84-426E-40DD-AFC4-6F175D3DCCD1}">
+              <a14:hiddenFill xmlns:a14="http://schemas.microsoft.com/office/drawing/2010/main">
+                <a:solidFill>
+                  <a:schemeClr val="accent1"/>
+                </a:solidFill>
+              </a14:hiddenFill>
+            </a:ext>
+            <a:ext uri="{91240B29-F687-4F45-9708-019B960494DF}">
+              <a14:hiddenLine xmlns:a14="http://schemas.microsoft.com/office/drawing/2010/main" w="9525">
+                <a:solidFill>
+                  <a:schemeClr val="tx1"/>
+                </a:solidFill>
+                <a:miter lim="800000"/>
+                <a:headEnd/>
+                <a:tailEnd/>
+              </a14:hiddenLine>
+            </a:ext>
+            <a:ext uri="{AF507438-7753-43E0-B8FC-AC1667EBCBE1}">
+              <a14:hiddenEffects xmlns:a14="http://schemas.microsoft.com/office/drawing/2010/main">
+                <a:effectLst>
+                  <a:outerShdw dist="35921" dir="2700000" algn="ctr" rotWithShape="0">
+                    <a:schemeClr val="bg2"/>
+                  </a:outerShdw>
+                </a:effectLst>
+              </a14:hiddenEffects>
+            </a:ext>
+          </a:extLst>
+        </p:spPr>
+      </p:pic>
+      <p:pic>
+        <p:nvPicPr>
+          <p:cNvPr id="10243" name="Picture 3"/>
+          <p:cNvPicPr>
+            <a:picLocks noChangeAspect="1" noChangeArrowheads="1"/>
+          </p:cNvPicPr>
+          <p:nvPr/>
+        </p:nvPicPr>
+        <p:blipFill>
+          <a:blip r:embed="rId3">
+            <a:extLst>
+              <a:ext uri="{28A0092B-C50C-407E-A947-70E740481C1C}">
+                <a14:useLocalDpi xmlns:a14="http://schemas.microsoft.com/office/drawing/2010/main" val="0"/>
+              </a:ext>
+            </a:extLst>
+          </a:blip>
+          <a:srcRect/>
+          <a:stretch>
+            <a:fillRect/>
+          </a:stretch>
+        </p:blipFill>
+        <p:spPr bwMode="auto">
+          <a:xfrm>
+            <a:off x="4139952" y="3449547"/>
+            <a:ext cx="4619625" cy="3162300"/>
+          </a:xfrm>
+          <a:prstGeom prst="rect">
+            <a:avLst/>
+          </a:prstGeom>
+          <a:noFill/>
+          <a:ln>
+            <a:noFill/>
+          </a:ln>
+          <a:effectLst/>
+          <a:extLst>
+            <a:ext uri="{909E8E84-426E-40DD-AFC4-6F175D3DCCD1}">
+              <a14:hiddenFill xmlns:a14="http://schemas.microsoft.com/office/drawing/2010/main">
+                <a:solidFill>
+                  <a:schemeClr val="accent1"/>
+                </a:solidFill>
+              </a14:hiddenFill>
+            </a:ext>
+            <a:ext uri="{91240B29-F687-4F45-9708-019B960494DF}">
+              <a14:hiddenLine xmlns:a14="http://schemas.microsoft.com/office/drawing/2010/main" w="9525">
+                <a:solidFill>
+                  <a:schemeClr val="tx1"/>
+                </a:solidFill>
+                <a:miter lim="800000"/>
+                <a:headEnd/>
+                <a:tailEnd/>
+              </a14:hiddenLine>
+            </a:ext>
+            <a:ext uri="{AF507438-7753-43E0-B8FC-AC1667EBCBE1}">
+              <a14:hiddenEffects xmlns:a14="http://schemas.microsoft.com/office/drawing/2010/main">
+                <a:effectLst>
+                  <a:outerShdw dist="35921" dir="2700000" algn="ctr" rotWithShape="0">
+                    <a:schemeClr val="bg2"/>
+                  </a:outerShdw>
+                </a:effectLst>
+              </a14:hiddenEffects>
+            </a:ext>
+          </a:extLst>
+        </p:spPr>
+      </p:pic>
+    </p:spTree>
+  </p:cSld>
+  <p:clrMapOvr>
+    <a:masterClrMapping/>
+  </p:clrMapOvr>
+</p:sld>
+</file>
+
+<file path=ppt/slides/slide12.xml><?xml version="1.0" encoding="utf-8"?>
+<p:sld xmlns:a="http://schemas.openxmlformats.org/drawingml/2006/main" xmlns:r="http://schemas.openxmlformats.org/officeDocument/2006/relationships" xmlns:p="http://schemas.openxmlformats.org/presentationml/2006/main">
+  <p:cSld>
+    <p:spTree>
+      <p:nvGrpSpPr>
+        <p:cNvPr id="1" name=""/>
+        <p:cNvGrpSpPr/>
+        <p:nvPr/>
+      </p:nvGrpSpPr>
+      <p:grpSpPr>
+        <a:xfrm>
+          <a:off x="0" y="0"/>
+          <a:ext cx="0" cy="0"/>
+          <a:chOff x="0" y="0"/>
+          <a:chExt cx="0" cy="0"/>
+        </a:xfrm>
+      </p:grpSpPr>
+      <p:sp>
+        <p:nvSpPr>
+          <p:cNvPr id="2" name="标题 1">
+            <a:extLst>
+              <a:ext uri="{FF2B5EF4-FFF2-40B4-BE49-F238E27FC236}">
+                <a16:creationId xmlns:a16="http://schemas.microsoft.com/office/drawing/2014/main" id="{BF40266F-97CF-4B1C-954C-0873372D280C}"/>
+              </a:ext>
+            </a:extLst>
+          </p:cNvPr>
+          <p:cNvSpPr>
+            <a:spLocks noGrp="1"/>
+          </p:cNvSpPr>
+          <p:nvPr>
+            <p:ph type="title"/>
+          </p:nvPr>
+        </p:nvSpPr>
         <p:spPr/>
         <p:txBody>
           <a:bodyPr/>
           <a:lstStyle/>
           <a:p>
             <a:r>
-              <a:rPr lang="en-US" altLang="zh-CN" dirty="0" smtClean="0"/>
+              <a:rPr lang="en-US" altLang="zh-CN" dirty="0"/>
               <a:t>K-means</a:t>
             </a:r>
             <a:r>
-              <a:rPr lang="zh-CN" altLang="en-US" dirty="0" smtClean="0"/>
+              <a:rPr lang="zh-CN" altLang="en-US" dirty="0"/>
               <a:t>算法</a:t>
             </a:r>
+          </a:p>
+        </p:txBody>
+      </p:sp>
+      <p:sp>
+        <p:nvSpPr>
+          <p:cNvPr id="3" name="内容占位符 2">
+            <a:extLst>
+              <a:ext uri="{FF2B5EF4-FFF2-40B4-BE49-F238E27FC236}">
+                <a16:creationId xmlns:a16="http://schemas.microsoft.com/office/drawing/2014/main" id="{7D73DC31-9778-4A44-B695-EAFFD8055E42}"/>
+              </a:ext>
+            </a:extLst>
+          </p:cNvPr>
+          <p:cNvSpPr>
+            <a:spLocks noGrp="1"/>
+          </p:cNvSpPr>
+          <p:nvPr>
+            <p:ph idx="1"/>
+          </p:nvPr>
+        </p:nvSpPr>
+        <p:spPr/>
+        <p:txBody>
+          <a:bodyPr/>
+          <a:lstStyle/>
+          <a:p>
+            <a:r>
+              <a:rPr lang="en-US" altLang="zh-CN" dirty="0"/>
+              <a:t>K-means</a:t>
+            </a:r>
+            <a:r>
+              <a:rPr lang="zh-CN" altLang="en-US" dirty="0"/>
+              <a:t>：</a:t>
+            </a:r>
+            <a:r>
+              <a:rPr lang="en-US" altLang="zh-CN" dirty="0"/>
+              <a:t>K-</a:t>
+            </a:r>
+            <a:r>
+              <a:rPr lang="zh-CN" altLang="en-US" dirty="0"/>
+              <a:t>均值算法。距离类别中心的距离作为判断依据。</a:t>
+            </a:r>
+          </a:p>
+          <a:p>
             <a:endParaRPr lang="zh-CN" altLang="en-US" dirty="0"/>
+          </a:p>
+        </p:txBody>
+      </p:sp>
+    </p:spTree>
+    <p:extLst>
+      <p:ext uri="{BB962C8B-B14F-4D97-AF65-F5344CB8AC3E}">
+        <p14:creationId xmlns:p14="http://schemas.microsoft.com/office/powerpoint/2010/main" val="2637008520"/>
+      </p:ext>
+    </p:extLst>
+  </p:cSld>
+  <p:clrMapOvr>
+    <a:masterClrMapping/>
+  </p:clrMapOvr>
+</p:sld>
+</file>
+
+<file path=ppt/slides/slide13.xml><?xml version="1.0" encoding="utf-8"?>
+<p:sld xmlns:a="http://schemas.openxmlformats.org/drawingml/2006/main" xmlns:r="http://schemas.openxmlformats.org/officeDocument/2006/relationships" xmlns:p="http://schemas.openxmlformats.org/presentationml/2006/main">
+  <p:cSld>
+    <p:spTree>
+      <p:nvGrpSpPr>
+        <p:cNvPr id="1" name=""/>
+        <p:cNvGrpSpPr/>
+        <p:nvPr/>
+      </p:nvGrpSpPr>
+      <p:grpSpPr>
+        <a:xfrm>
+          <a:off x="0" y="0"/>
+          <a:ext cx="0" cy="0"/>
+          <a:chOff x="0" y="0"/>
+          <a:chExt cx="0" cy="0"/>
+        </a:xfrm>
+      </p:grpSpPr>
+      <p:sp>
+        <p:nvSpPr>
+          <p:cNvPr id="2" name="标题 1"/>
+          <p:cNvSpPr>
+            <a:spLocks noGrp="1"/>
+          </p:cNvSpPr>
+          <p:nvPr>
+            <p:ph type="title"/>
+          </p:nvPr>
+        </p:nvSpPr>
+        <p:spPr/>
+        <p:txBody>
+          <a:bodyPr/>
+          <a:lstStyle/>
+          <a:p>
+            <a:r>
+              <a:rPr lang="en-US" altLang="zh-CN" dirty="0"/>
+              <a:t>K-means</a:t>
+            </a:r>
+            <a:r>
+              <a:rPr lang="zh-CN" altLang="en-US" dirty="0"/>
+              <a:t>算法</a:t>
+            </a:r>
           </a:p>
         </p:txBody>
       </p:sp>
@@ -3646,7 +4476,7 @@
           <p:nvPr/>
         </p:nvPicPr>
         <p:blipFill>
-          <a:blip r:embed="rId1"/>
+          <a:blip r:embed="rId2"/>
           <a:srcRect/>
           <a:stretch>
             <a:fillRect/>
@@ -3681,7 +4511,7 @@
           <p:nvPr/>
         </p:nvPicPr>
         <p:blipFill>
-          <a:blip r:embed="rId2">
+          <a:blip r:embed="rId3">
             <a:extLst>
               <a:ext uri="{28A0092B-C50C-407E-A947-70E740481C1C}">
                 <a14:useLocalDpi xmlns:a14="http://schemas.microsoft.com/office/drawing/2010/main" val="0"/>
@@ -3745,7 +4575,7 @@
           <p:nvPr/>
         </p:nvPicPr>
         <p:blipFill>
-          <a:blip r:embed="rId3">
+          <a:blip r:embed="rId4">
             <a:extLst>
               <a:ext uri="{28A0092B-C50C-407E-A947-70E740481C1C}">
                 <a14:useLocalDpi xmlns:a14="http://schemas.microsoft.com/office/drawing/2010/main" val="0"/>
@@ -3809,7 +4639,7 @@
           <p:nvPr/>
         </p:nvPicPr>
         <p:blipFill>
-          <a:blip r:embed="rId4">
+          <a:blip r:embed="rId5">
             <a:extLst>
               <a:ext uri="{28A0092B-C50C-407E-A947-70E740481C1C}">
                 <a14:useLocalDpi xmlns:a14="http://schemas.microsoft.com/office/drawing/2010/main" val="0"/>
@@ -3869,17 +4699,10 @@
   <p:clrMapOvr>
     <a:masterClrMapping/>
   </p:clrMapOvr>
-  <p:timing>
-    <p:tnLst>
-      <p:par>
-        <p:cTn id="1" dur="indefinite" restart="never" nodeType="tmRoot"/>
-      </p:par>
-    </p:tnLst>
-  </p:timing>
 </p:sld>
 </file>
 
-<file path=ppt/slides/slide11.xml><?xml version="1.0" encoding="utf-8"?>
+<file path=ppt/slides/slide14.xml><?xml version="1.0" encoding="utf-8"?>
 <p:sld xmlns:a="http://schemas.openxmlformats.org/drawingml/2006/main" xmlns:r="http://schemas.openxmlformats.org/officeDocument/2006/relationships" xmlns:p="http://schemas.openxmlformats.org/presentationml/2006/main">
   <p:cSld>
     <p:spTree>
@@ -3912,10 +4735,9 @@
           <a:lstStyle/>
           <a:p>
             <a:r>
-              <a:rPr lang="zh-CN" altLang="en-US" dirty="0" smtClean="0"/>
+              <a:rPr lang="zh-CN" altLang="en-US" dirty="0"/>
               <a:t>如何分类</a:t>
             </a:r>
-            <a:endParaRPr lang="zh-CN" altLang="en-US" dirty="0"/>
           </a:p>
         </p:txBody>
       </p:sp>
@@ -3942,34 +4764,34 @@
           <a:lstStyle/>
           <a:p>
             <a:r>
-              <a:rPr lang="zh-CN" altLang="en-US" dirty="0" smtClean="0"/>
+              <a:rPr lang="zh-CN" altLang="en-US" dirty="0"/>
               <a:t>（</a:t>
             </a:r>
             <a:r>
-              <a:rPr lang="en-US" altLang="zh-CN" dirty="0" smtClean="0"/>
+              <a:rPr lang="en-US" altLang="zh-CN" dirty="0"/>
               <a:t>1</a:t>
             </a:r>
             <a:r>
-              <a:rPr lang="zh-CN" altLang="en-US" dirty="0" smtClean="0"/>
+              <a:rPr lang="zh-CN" altLang="en-US" dirty="0"/>
               <a:t>）根据</a:t>
             </a:r>
             <a:r>
-              <a:rPr lang="en-US" altLang="zh-CN" dirty="0" smtClean="0"/>
+              <a:rPr lang="en-US" altLang="zh-CN" dirty="0"/>
               <a:t>K</a:t>
             </a:r>
             <a:r>
-              <a:rPr lang="zh-CN" altLang="en-US" dirty="0" smtClean="0"/>
+              <a:rPr lang="zh-CN" altLang="en-US" dirty="0"/>
               <a:t>，随机选择</a:t>
             </a:r>
             <a:r>
-              <a:rPr lang="en-US" altLang="zh-CN" dirty="0" smtClean="0"/>
+              <a:rPr lang="en-US" altLang="zh-CN" dirty="0"/>
               <a:t>K</a:t>
             </a:r>
             <a:r>
-              <a:rPr lang="zh-CN" altLang="en-US" dirty="0" smtClean="0"/>
+              <a:rPr lang="zh-CN" altLang="en-US" dirty="0"/>
               <a:t>个点作为中心</a:t>
             </a:r>
-            <a:endParaRPr lang="en-US" altLang="zh-CN" dirty="0" smtClean="0"/>
+            <a:endParaRPr lang="en-US" altLang="zh-CN" dirty="0"/>
           </a:p>
           <a:p>
             <a:r>
@@ -3977,37 +4799,37 @@
               <a:t> </a:t>
             </a:r>
             <a:r>
-              <a:rPr lang="zh-CN" altLang="en-US" dirty="0" smtClean="0"/>
+              <a:rPr lang="zh-CN" altLang="en-US" dirty="0"/>
               <a:t>（</a:t>
             </a:r>
             <a:r>
-              <a:rPr lang="en-US" altLang="zh-CN" dirty="0" smtClean="0"/>
+              <a:rPr lang="en-US" altLang="zh-CN" dirty="0"/>
               <a:t>2</a:t>
             </a:r>
             <a:r>
-              <a:rPr lang="zh-CN" altLang="en-US" dirty="0" smtClean="0"/>
+              <a:rPr lang="zh-CN" altLang="en-US" dirty="0"/>
               <a:t>）计算新目标到中心的距离， 属于距离较近的类别</a:t>
             </a:r>
-            <a:endParaRPr lang="en-US" altLang="zh-CN" dirty="0" smtClean="0"/>
-          </a:p>
-          <a:p>
-            <a:r>
-              <a:rPr lang="zh-CN" altLang="en-US" dirty="0" smtClean="0"/>
+            <a:endParaRPr lang="en-US" altLang="zh-CN" dirty="0"/>
+          </a:p>
+          <a:p>
+            <a:r>
+              <a:rPr lang="zh-CN" altLang="en-US" dirty="0"/>
               <a:t>（</a:t>
             </a:r>
             <a:r>
-              <a:rPr lang="en-US" altLang="zh-CN" dirty="0" smtClean="0"/>
+              <a:rPr lang="en-US" altLang="zh-CN" dirty="0"/>
               <a:t>3</a:t>
             </a:r>
             <a:r>
-              <a:rPr lang="zh-CN" altLang="en-US" dirty="0" smtClean="0"/>
+              <a:rPr lang="zh-CN" altLang="en-US" dirty="0"/>
               <a:t>）每个样本分类后，重新计算中心</a:t>
             </a:r>
-            <a:endParaRPr lang="en-US" altLang="zh-CN" dirty="0" smtClean="0"/>
-          </a:p>
-          <a:p>
-            <a:r>
-              <a:rPr lang="zh-CN" altLang="en-US" dirty="0" smtClean="0"/>
+            <a:endParaRPr lang="en-US" altLang="zh-CN" dirty="0"/>
+          </a:p>
+          <a:p>
+            <a:r>
+              <a:rPr lang="zh-CN" altLang="en-US" dirty="0"/>
               <a:t>（</a:t>
             </a:r>
             <a:r>
@@ -4015,26 +4837,25 @@
               <a:t>4</a:t>
             </a:r>
             <a:r>
-              <a:rPr lang="zh-CN" altLang="en-US" dirty="0" smtClean="0"/>
+              <a:rPr lang="zh-CN" altLang="en-US" dirty="0"/>
               <a:t>）不断重复（</a:t>
             </a:r>
             <a:r>
-              <a:rPr lang="en-US" altLang="zh-CN" dirty="0" smtClean="0"/>
+              <a:rPr lang="en-US" altLang="zh-CN" dirty="0"/>
               <a:t>2</a:t>
             </a:r>
             <a:r>
-              <a:rPr lang="zh-CN" altLang="en-US" dirty="0" smtClean="0"/>
+              <a:rPr lang="zh-CN" altLang="en-US" dirty="0"/>
               <a:t>）（</a:t>
             </a:r>
             <a:r>
-              <a:rPr lang="en-US" altLang="zh-CN" dirty="0" smtClean="0"/>
+              <a:rPr lang="en-US" altLang="zh-CN" dirty="0"/>
               <a:t>3</a:t>
             </a:r>
             <a:r>
-              <a:rPr lang="zh-CN" altLang="en-US" dirty="0" smtClean="0"/>
+              <a:rPr lang="zh-CN" altLang="en-US" dirty="0"/>
               <a:t>）</a:t>
             </a:r>
-            <a:endParaRPr lang="zh-CN" altLang="en-US" dirty="0"/>
           </a:p>
         </p:txBody>
       </p:sp>
@@ -4043,17 +4864,10 @@
   <p:clrMapOvr>
     <a:masterClrMapping/>
   </p:clrMapOvr>
-  <p:timing>
-    <p:tnLst>
-      <p:par>
-        <p:cTn id="1" dur="indefinite" restart="never" nodeType="tmRoot"/>
-      </p:par>
-    </p:tnLst>
-  </p:timing>
 </p:sld>
 </file>
 
-<file path=ppt/slides/slide12.xml><?xml version="1.0" encoding="utf-8"?>
+<file path=ppt/slides/slide15.xml><?xml version="1.0" encoding="utf-8"?>
 <p:sld xmlns:a="http://schemas.openxmlformats.org/drawingml/2006/main" xmlns:r="http://schemas.openxmlformats.org/officeDocument/2006/relationships" xmlns:p="http://schemas.openxmlformats.org/presentationml/2006/main">
   <p:cSld>
     <p:spTree>
@@ -4086,10 +4900,9 @@
           <a:lstStyle/>
           <a:p>
             <a:r>
-              <a:rPr lang="zh-CN" altLang="en-US" dirty="0" smtClean="0"/>
+              <a:rPr lang="zh-CN" altLang="en-US" dirty="0"/>
               <a:t>中心计算</a:t>
             </a:r>
-            <a:endParaRPr lang="zh-CN" altLang="en-US" dirty="0"/>
           </a:p>
         </p:txBody>
       </p:sp>
@@ -4112,11 +4925,41 @@
                 <a:tableStyleId>{F5AB1C69-6EDB-4FF4-983F-18BD219EF322}</a:tableStyleId>
               </a:tblPr>
               <a:tblGrid>
-                <a:gridCol w="1219200"/>
-                <a:gridCol w="1219200"/>
-                <a:gridCol w="1219200"/>
-                <a:gridCol w="1219200"/>
-                <a:gridCol w="1219200"/>
+                <a:gridCol w="1219200">
+                  <a:extLst>
+                    <a:ext uri="{9D8B030D-6E8A-4147-A177-3AD203B41FA5}">
+                      <a16:colId xmlns:a16="http://schemas.microsoft.com/office/drawing/2014/main" val="20000"/>
+                    </a:ext>
+                  </a:extLst>
+                </a:gridCol>
+                <a:gridCol w="1219200">
+                  <a:extLst>
+                    <a:ext uri="{9D8B030D-6E8A-4147-A177-3AD203B41FA5}">
+                      <a16:colId xmlns:a16="http://schemas.microsoft.com/office/drawing/2014/main" val="20001"/>
+                    </a:ext>
+                  </a:extLst>
+                </a:gridCol>
+                <a:gridCol w="1219200">
+                  <a:extLst>
+                    <a:ext uri="{9D8B030D-6E8A-4147-A177-3AD203B41FA5}">
+                      <a16:colId xmlns:a16="http://schemas.microsoft.com/office/drawing/2014/main" val="20002"/>
+                    </a:ext>
+                  </a:extLst>
+                </a:gridCol>
+                <a:gridCol w="1219200">
+                  <a:extLst>
+                    <a:ext uri="{9D8B030D-6E8A-4147-A177-3AD203B41FA5}">
+                      <a16:colId xmlns:a16="http://schemas.microsoft.com/office/drawing/2014/main" val="20003"/>
+                    </a:ext>
+                  </a:extLst>
+                </a:gridCol>
+                <a:gridCol w="1219200">
+                  <a:extLst>
+                    <a:ext uri="{9D8B030D-6E8A-4147-A177-3AD203B41FA5}">
+                      <a16:colId xmlns:a16="http://schemas.microsoft.com/office/drawing/2014/main" val="20004"/>
+                    </a:ext>
+                  </a:extLst>
+                </a:gridCol>
               </a:tblGrid>
               <a:tr h="370840">
                 <a:tc>
@@ -4135,13 +4978,6 @@
                         </a:rPr>
                         <a:t>5.1</a:t>
                       </a:r>
-                      <a:endParaRPr lang="en-US" altLang="zh-CN" sz="1100" b="0" i="0" u="none" strike="noStrike" dirty="0">
-                        <a:solidFill>
-                          <a:srgbClr val="000000"/>
-                        </a:solidFill>
-                        <a:effectLst/>
-                        <a:latin typeface="宋体" panose="02010600030101010101" pitchFamily="2" charset="-122"/>
-                      </a:endParaRPr>
                     </a:p>
                   </a:txBody>
                   <a:tcPr marL="9525" marR="9525" marT="9525" marB="0" anchor="b"/>
@@ -4162,13 +4998,6 @@
                         </a:rPr>
                         <a:t>3.5</a:t>
                       </a:r>
-                      <a:endParaRPr lang="en-US" altLang="zh-CN" sz="1100" b="0" i="0" u="none" strike="noStrike">
-                        <a:solidFill>
-                          <a:srgbClr val="000000"/>
-                        </a:solidFill>
-                        <a:effectLst/>
-                        <a:latin typeface="宋体" panose="02010600030101010101" pitchFamily="2" charset="-122"/>
-                      </a:endParaRPr>
                     </a:p>
                   </a:txBody>
                   <a:tcPr marL="9525" marR="9525" marT="9525" marB="0" anchor="b"/>
@@ -4189,13 +5018,6 @@
                         </a:rPr>
                         <a:t>1.4</a:t>
                       </a:r>
-                      <a:endParaRPr lang="en-US" altLang="zh-CN" sz="1100" b="0" i="0" u="none" strike="noStrike">
-                        <a:solidFill>
-                          <a:srgbClr val="000000"/>
-                        </a:solidFill>
-                        <a:effectLst/>
-                        <a:latin typeface="宋体" panose="02010600030101010101" pitchFamily="2" charset="-122"/>
-                      </a:endParaRPr>
                     </a:p>
                   </a:txBody>
                   <a:tcPr marL="9525" marR="9525" marT="9525" marB="0" anchor="b"/>
@@ -4216,13 +5038,6 @@
                         </a:rPr>
                         <a:t>0.2</a:t>
                       </a:r>
-                      <a:endParaRPr lang="en-US" altLang="zh-CN" sz="1100" b="0" i="0" u="none" strike="noStrike">
-                        <a:solidFill>
-                          <a:srgbClr val="000000"/>
-                        </a:solidFill>
-                        <a:effectLst/>
-                        <a:latin typeface="宋体" panose="02010600030101010101" pitchFamily="2" charset="-122"/>
-                      </a:endParaRPr>
                     </a:p>
                   </a:txBody>
                   <a:tcPr marL="9525" marR="9525" marT="9525" marB="0" anchor="b"/>
@@ -4243,17 +5058,15 @@
                         </a:rPr>
                         <a:t>Iris-setosa</a:t>
                       </a:r>
-                      <a:endParaRPr lang="en-US" sz="1100" b="0" i="0" u="none" strike="noStrike">
-                        <a:solidFill>
-                          <a:srgbClr val="000000"/>
-                        </a:solidFill>
-                        <a:effectLst/>
-                        <a:latin typeface="宋体" panose="02010600030101010101" pitchFamily="2" charset="-122"/>
-                      </a:endParaRPr>
                     </a:p>
                   </a:txBody>
                   <a:tcPr marL="9525" marR="9525" marT="9525" marB="0" anchor="b"/>
                 </a:tc>
+                <a:extLst>
+                  <a:ext uri="{0D108BD9-81ED-4DB2-BD59-A6C34878D82A}">
+                    <a16:rowId xmlns:a16="http://schemas.microsoft.com/office/drawing/2014/main" val="10000"/>
+                  </a:ext>
+                </a:extLst>
               </a:tr>
               <a:tr h="370840">
                 <a:tc>
@@ -4272,13 +5085,6 @@
                         </a:rPr>
                         <a:t>4.9</a:t>
                       </a:r>
-                      <a:endParaRPr lang="en-US" altLang="zh-CN" sz="1100" b="0" i="0" u="none" strike="noStrike" dirty="0">
-                        <a:solidFill>
-                          <a:srgbClr val="000000"/>
-                        </a:solidFill>
-                        <a:effectLst/>
-                        <a:latin typeface="宋体" panose="02010600030101010101" pitchFamily="2" charset="-122"/>
-                      </a:endParaRPr>
                     </a:p>
                   </a:txBody>
                   <a:tcPr marL="9525" marR="9525" marT="9525" marB="0" anchor="b"/>
@@ -4299,13 +5105,6 @@
                         </a:rPr>
                         <a:t>3</a:t>
                       </a:r>
-                      <a:endParaRPr lang="en-US" altLang="zh-CN" sz="1100" b="0" i="0" u="none" strike="noStrike">
-                        <a:solidFill>
-                          <a:srgbClr val="000000"/>
-                        </a:solidFill>
-                        <a:effectLst/>
-                        <a:latin typeface="宋体" panose="02010600030101010101" pitchFamily="2" charset="-122"/>
-                      </a:endParaRPr>
                     </a:p>
                   </a:txBody>
                   <a:tcPr marL="9525" marR="9525" marT="9525" marB="0" anchor="b"/>
@@ -4326,13 +5125,6 @@
                         </a:rPr>
                         <a:t>1.4</a:t>
                       </a:r>
-                      <a:endParaRPr lang="en-US" altLang="zh-CN" sz="1100" b="0" i="0" u="none" strike="noStrike">
-                        <a:solidFill>
-                          <a:srgbClr val="000000"/>
-                        </a:solidFill>
-                        <a:effectLst/>
-                        <a:latin typeface="宋体" panose="02010600030101010101" pitchFamily="2" charset="-122"/>
-                      </a:endParaRPr>
                     </a:p>
                   </a:txBody>
                   <a:tcPr marL="9525" marR="9525" marT="9525" marB="0" anchor="b"/>
@@ -4353,13 +5145,6 @@
                         </a:rPr>
                         <a:t>0.2</a:t>
                       </a:r>
-                      <a:endParaRPr lang="en-US" altLang="zh-CN" sz="1100" b="0" i="0" u="none" strike="noStrike">
-                        <a:solidFill>
-                          <a:srgbClr val="000000"/>
-                        </a:solidFill>
-                        <a:effectLst/>
-                        <a:latin typeface="宋体" panose="02010600030101010101" pitchFamily="2" charset="-122"/>
-                      </a:endParaRPr>
                     </a:p>
                   </a:txBody>
                   <a:tcPr marL="9525" marR="9525" marT="9525" marB="0" anchor="b"/>
@@ -4380,17 +5165,15 @@
                         </a:rPr>
                         <a:t>Iris-setosa</a:t>
                       </a:r>
-                      <a:endParaRPr lang="en-US" sz="1100" b="0" i="0" u="none" strike="noStrike">
-                        <a:solidFill>
-                          <a:srgbClr val="000000"/>
-                        </a:solidFill>
-                        <a:effectLst/>
-                        <a:latin typeface="宋体" panose="02010600030101010101" pitchFamily="2" charset="-122"/>
-                      </a:endParaRPr>
                     </a:p>
                   </a:txBody>
                   <a:tcPr marL="9525" marR="9525" marT="9525" marB="0" anchor="b"/>
                 </a:tc>
+                <a:extLst>
+                  <a:ext uri="{0D108BD9-81ED-4DB2-BD59-A6C34878D82A}">
+                    <a16:rowId xmlns:a16="http://schemas.microsoft.com/office/drawing/2014/main" val="10001"/>
+                  </a:ext>
+                </a:extLst>
               </a:tr>
               <a:tr h="370840">
                 <a:tc>
@@ -4409,13 +5192,6 @@
                         </a:rPr>
                         <a:t>4.7</a:t>
                       </a:r>
-                      <a:endParaRPr lang="en-US" altLang="zh-CN" sz="1100" b="0" i="0" u="none" strike="noStrike" dirty="0">
-                        <a:solidFill>
-                          <a:srgbClr val="000000"/>
-                        </a:solidFill>
-                        <a:effectLst/>
-                        <a:latin typeface="宋体" panose="02010600030101010101" pitchFamily="2" charset="-122"/>
-                      </a:endParaRPr>
                     </a:p>
                   </a:txBody>
                   <a:tcPr marL="9525" marR="9525" marT="9525" marB="0" anchor="b"/>
@@ -4436,13 +5212,6 @@
                         </a:rPr>
                         <a:t>3.2</a:t>
                       </a:r>
-                      <a:endParaRPr lang="en-US" altLang="zh-CN" sz="1100" b="0" i="0" u="none" strike="noStrike">
-                        <a:solidFill>
-                          <a:srgbClr val="000000"/>
-                        </a:solidFill>
-                        <a:effectLst/>
-                        <a:latin typeface="宋体" panose="02010600030101010101" pitchFamily="2" charset="-122"/>
-                      </a:endParaRPr>
                     </a:p>
                   </a:txBody>
                   <a:tcPr marL="9525" marR="9525" marT="9525" marB="0" anchor="b"/>
@@ -4463,13 +5232,6 @@
                         </a:rPr>
                         <a:t>1.3</a:t>
                       </a:r>
-                      <a:endParaRPr lang="en-US" altLang="zh-CN" sz="1100" b="0" i="0" u="none" strike="noStrike">
-                        <a:solidFill>
-                          <a:srgbClr val="000000"/>
-                        </a:solidFill>
-                        <a:effectLst/>
-                        <a:latin typeface="宋体" panose="02010600030101010101" pitchFamily="2" charset="-122"/>
-                      </a:endParaRPr>
                     </a:p>
                   </a:txBody>
                   <a:tcPr marL="9525" marR="9525" marT="9525" marB="0" anchor="b"/>
@@ -4490,13 +5252,6 @@
                         </a:rPr>
                         <a:t>0.2</a:t>
                       </a:r>
-                      <a:endParaRPr lang="en-US" altLang="zh-CN" sz="1100" b="0" i="0" u="none" strike="noStrike">
-                        <a:solidFill>
-                          <a:srgbClr val="000000"/>
-                        </a:solidFill>
-                        <a:effectLst/>
-                        <a:latin typeface="宋体" panose="02010600030101010101" pitchFamily="2" charset="-122"/>
-                      </a:endParaRPr>
                     </a:p>
                   </a:txBody>
                   <a:tcPr marL="9525" marR="9525" marT="9525" marB="0" anchor="b"/>
@@ -4517,17 +5272,15 @@
                         </a:rPr>
                         <a:t>Iris-setosa</a:t>
                       </a:r>
-                      <a:endParaRPr lang="en-US" sz="1100" b="0" i="0" u="none" strike="noStrike">
-                        <a:solidFill>
-                          <a:srgbClr val="000000"/>
-                        </a:solidFill>
-                        <a:effectLst/>
-                        <a:latin typeface="宋体" panose="02010600030101010101" pitchFamily="2" charset="-122"/>
-                      </a:endParaRPr>
                     </a:p>
                   </a:txBody>
                   <a:tcPr marL="9525" marR="9525" marT="9525" marB="0" anchor="b"/>
                 </a:tc>
+                <a:extLst>
+                  <a:ext uri="{0D108BD9-81ED-4DB2-BD59-A6C34878D82A}">
+                    <a16:rowId xmlns:a16="http://schemas.microsoft.com/office/drawing/2014/main" val="10002"/>
+                  </a:ext>
+                </a:extLst>
               </a:tr>
               <a:tr h="370840">
                 <a:tc>
@@ -4546,13 +5299,6 @@
                         </a:rPr>
                         <a:t>4.6</a:t>
                       </a:r>
-                      <a:endParaRPr lang="en-US" altLang="zh-CN" sz="1100" b="0" i="0" u="none" strike="noStrike" dirty="0">
-                        <a:solidFill>
-                          <a:srgbClr val="000000"/>
-                        </a:solidFill>
-                        <a:effectLst/>
-                        <a:latin typeface="宋体" panose="02010600030101010101" pitchFamily="2" charset="-122"/>
-                      </a:endParaRPr>
                     </a:p>
                   </a:txBody>
                   <a:tcPr marL="9525" marR="9525" marT="9525" marB="0" anchor="b"/>
@@ -4573,13 +5319,6 @@
                         </a:rPr>
                         <a:t>3.1</a:t>
                       </a:r>
-                      <a:endParaRPr lang="en-US" altLang="zh-CN" sz="1100" b="0" i="0" u="none" strike="noStrike">
-                        <a:solidFill>
-                          <a:srgbClr val="000000"/>
-                        </a:solidFill>
-                        <a:effectLst/>
-                        <a:latin typeface="宋体" panose="02010600030101010101" pitchFamily="2" charset="-122"/>
-                      </a:endParaRPr>
                     </a:p>
                   </a:txBody>
                   <a:tcPr marL="9525" marR="9525" marT="9525" marB="0" anchor="b"/>
@@ -4600,13 +5339,6 @@
                         </a:rPr>
                         <a:t>1.5</a:t>
                       </a:r>
-                      <a:endParaRPr lang="en-US" altLang="zh-CN" sz="1100" b="0" i="0" u="none" strike="noStrike">
-                        <a:solidFill>
-                          <a:srgbClr val="000000"/>
-                        </a:solidFill>
-                        <a:effectLst/>
-                        <a:latin typeface="宋体" panose="02010600030101010101" pitchFamily="2" charset="-122"/>
-                      </a:endParaRPr>
                     </a:p>
                   </a:txBody>
                   <a:tcPr marL="9525" marR="9525" marT="9525" marB="0" anchor="b"/>
@@ -4627,13 +5359,6 @@
                         </a:rPr>
                         <a:t>0.2</a:t>
                       </a:r>
-                      <a:endParaRPr lang="en-US" altLang="zh-CN" sz="1100" b="0" i="0" u="none" strike="noStrike">
-                        <a:solidFill>
-                          <a:srgbClr val="000000"/>
-                        </a:solidFill>
-                        <a:effectLst/>
-                        <a:latin typeface="宋体" panose="02010600030101010101" pitchFamily="2" charset="-122"/>
-                      </a:endParaRPr>
                     </a:p>
                   </a:txBody>
                   <a:tcPr marL="9525" marR="9525" marT="9525" marB="0" anchor="b"/>
@@ -4675,6 +5400,11 @@
                   </a:txBody>
                   <a:tcPr marL="9525" marR="9525" marT="9525" marB="0" anchor="b"/>
                 </a:tc>
+                <a:extLst>
+                  <a:ext uri="{0D108BD9-81ED-4DB2-BD59-A6C34878D82A}">
+                    <a16:rowId xmlns:a16="http://schemas.microsoft.com/office/drawing/2014/main" val="10003"/>
+                  </a:ext>
+                </a:extLst>
               </a:tr>
             </a:tbl>
           </a:graphicData>
@@ -4706,28 +5436,24 @@
               <a:rPr lang="en-US" altLang="zh-CN" dirty="0"/>
               <a:t>A(5.1,3.5,1.4,0.2) </a:t>
             </a:r>
-            <a:endParaRPr lang="en-US" altLang="zh-CN" dirty="0"/>
           </a:p>
           <a:p>
             <a:r>
               <a:rPr lang="en-US" altLang="zh-CN" dirty="0"/>
               <a:t>B(4.9,3.0,1.4,0.2)</a:t>
             </a:r>
-            <a:endParaRPr lang="en-US" altLang="zh-CN" dirty="0" smtClean="0"/>
           </a:p>
           <a:p>
             <a:r>
               <a:rPr lang="en-US" altLang="zh-CN" dirty="0"/>
               <a:t>C(4.7,3.2,1.3,0.2)</a:t>
             </a:r>
-            <a:endParaRPr lang="en-US" altLang="zh-CN" dirty="0" smtClean="0"/>
           </a:p>
           <a:p>
             <a:r>
               <a:rPr lang="en-US" altLang="zh-CN" dirty="0"/>
               <a:t>D(4.6,3.1,1.5,0.2)</a:t>
             </a:r>
-            <a:endParaRPr lang="en-US" altLang="zh-CN" dirty="0" smtClean="0"/>
           </a:p>
           <a:p>
             <a:endParaRPr lang="zh-CN" altLang="en-US" dirty="0"/>
@@ -4757,10 +5483,9 @@
           <a:lstStyle/>
           <a:p>
             <a:r>
-              <a:rPr lang="zh-CN" altLang="en-US" dirty="0" smtClean="0"/>
+              <a:rPr lang="zh-CN" altLang="en-US" dirty="0"/>
               <a:t>中心计算：</a:t>
             </a:r>
-            <a:endParaRPr lang="zh-CN" altLang="en-US" dirty="0"/>
           </a:p>
         </p:txBody>
       </p:sp>
@@ -4791,13 +5516,8 @@
             </a:r>
             <a:r>
               <a:rPr lang="en-US" altLang="zh-CN" dirty="0"/>
-              <a:t>5.1+4.9+4.7+4.6)/4 = </a:t>
-            </a:r>
-            <a:r>
-              <a:rPr lang="en-US" altLang="zh-CN" dirty="0" smtClean="0"/>
-              <a:t>4.825</a:t>
-            </a:r>
-            <a:endParaRPr lang="en-US" altLang="zh-CN" dirty="0"/>
+              <a:t>5.1+4.9+4.7+4.6)/4 = 4.825</a:t>
+            </a:r>
           </a:p>
           <a:p>
             <a:r>
@@ -4814,13 +5534,8 @@
             </a:r>
             <a:r>
               <a:rPr lang="en-US" altLang="zh-CN" dirty="0"/>
-              <a:t>/4 = </a:t>
-            </a:r>
-            <a:r>
-              <a:rPr lang="en-US" altLang="zh-CN" dirty="0" smtClean="0"/>
-              <a:t>3.2</a:t>
-            </a:r>
-            <a:endParaRPr lang="en-US" altLang="zh-CN" dirty="0"/>
+              <a:t>/4 = 3.2</a:t>
+            </a:r>
           </a:p>
           <a:p>
             <a:r>
@@ -4837,13 +5552,8 @@
             </a:r>
             <a:r>
               <a:rPr lang="en-US" altLang="zh-CN" dirty="0"/>
-              <a:t>/4 = </a:t>
-            </a:r>
-            <a:r>
-              <a:rPr lang="en-US" altLang="zh-CN" dirty="0" smtClean="0"/>
-              <a:t>1.4</a:t>
-            </a:r>
-            <a:endParaRPr lang="en-US" altLang="zh-CN" dirty="0"/>
+              <a:t>/4 = 1.4</a:t>
+            </a:r>
           </a:p>
           <a:p>
             <a:r>
@@ -4860,11 +5570,7 @@
             </a:r>
             <a:r>
               <a:rPr lang="en-US" altLang="zh-CN" dirty="0"/>
-              <a:t>/4 = </a:t>
-            </a:r>
-            <a:r>
-              <a:rPr lang="en-US" altLang="zh-CN" dirty="0" smtClean="0"/>
-              <a:t>0.2</a:t>
+              <a:t>/4 = 0.2</a:t>
             </a:r>
             <a:endParaRPr lang="zh-CN" altLang="en-US" dirty="0"/>
           </a:p>
@@ -4875,17 +5581,10 @@
   <p:clrMapOvr>
     <a:masterClrMapping/>
   </p:clrMapOvr>
-  <p:timing>
-    <p:tnLst>
-      <p:par>
-        <p:cTn id="1" dur="indefinite" restart="never" nodeType="tmRoot"/>
-      </p:par>
-    </p:tnLst>
-  </p:timing>
 </p:sld>
 </file>
 
-<file path=ppt/slides/slide13.xml><?xml version="1.0" encoding="utf-8"?>
+<file path=ppt/slides/slide16.xml><?xml version="1.0" encoding="utf-8"?>
 <p:sld xmlns:a="http://schemas.openxmlformats.org/drawingml/2006/main" xmlns:r="http://schemas.openxmlformats.org/officeDocument/2006/relationships" xmlns:p="http://schemas.openxmlformats.org/presentationml/2006/main">
   <p:cSld>
     <p:spTree>
@@ -4918,14 +5617,13 @@
           <a:lstStyle/>
           <a:p>
             <a:r>
-              <a:rPr lang="en-US" altLang="zh-CN" dirty="0" smtClean="0"/>
+              <a:rPr lang="en-US" altLang="zh-CN" dirty="0"/>
               <a:t>K-means </a:t>
             </a:r>
             <a:r>
-              <a:rPr lang="zh-CN" altLang="en-US" dirty="0" smtClean="0"/>
+              <a:rPr lang="zh-CN" altLang="en-US" dirty="0"/>
               <a:t>算法实例</a:t>
             </a:r>
-            <a:endParaRPr lang="zh-CN" altLang="en-US" dirty="0"/>
           </a:p>
         </p:txBody>
       </p:sp>
@@ -4981,82 +5679,80 @@
               <a:rPr lang="en-US" altLang="zh-CN" dirty="0"/>
               <a:t> import datasets</a:t>
             </a:r>
+          </a:p>
+          <a:p>
+            <a:r>
+              <a:rPr lang="en-US" altLang="zh-CN" dirty="0"/>
+              <a:t>from </a:t>
+            </a:r>
+            <a:r>
+              <a:rPr lang="en-US" altLang="zh-CN" dirty="0" err="1"/>
+              <a:t>sklearn.cluster</a:t>
+            </a:r>
+            <a:r>
+              <a:rPr lang="en-US" altLang="zh-CN" dirty="0"/>
+              <a:t> import </a:t>
+            </a:r>
+            <a:r>
+              <a:rPr lang="en-US" altLang="zh-CN" dirty="0" err="1"/>
+              <a:t>KMeans</a:t>
+            </a:r>
             <a:endParaRPr lang="en-US" altLang="zh-CN" dirty="0"/>
           </a:p>
           <a:p>
             <a:r>
               <a:rPr lang="en-US" altLang="zh-CN" dirty="0"/>
-              <a:t>from </a:t>
-            </a:r>
-            <a:r>
-              <a:rPr lang="en-US" altLang="zh-CN" dirty="0" err="1"/>
-              <a:t>sklearn.cluster</a:t>
-            </a:r>
-            <a:r>
-              <a:rPr lang="en-US" altLang="zh-CN" dirty="0"/>
-              <a:t> import </a:t>
-            </a:r>
-            <a:r>
-              <a:rPr lang="en-US" altLang="zh-CN" dirty="0" err="1"/>
-              <a:t>KMeans</a:t>
+              <a:t>import </a:t>
+            </a:r>
+            <a:r>
+              <a:rPr lang="en-US" altLang="zh-CN" dirty="0" err="1"/>
+              <a:t>sklearn.metrics</a:t>
+            </a:r>
+            <a:r>
+              <a:rPr lang="en-US" altLang="zh-CN" dirty="0"/>
+              <a:t> as </a:t>
+            </a:r>
+            <a:r>
+              <a:rPr lang="en-US" altLang="zh-CN" dirty="0" err="1"/>
+              <a:t>sm</a:t>
             </a:r>
             <a:endParaRPr lang="en-US" altLang="zh-CN" dirty="0"/>
           </a:p>
           <a:p>
             <a:r>
               <a:rPr lang="en-US" altLang="zh-CN" dirty="0"/>
+              <a:t>import pandas as </a:t>
+            </a:r>
+            <a:r>
+              <a:rPr lang="en-US" altLang="zh-CN" dirty="0" err="1"/>
+              <a:t>pd</a:t>
+            </a:r>
+            <a:endParaRPr lang="en-US" altLang="zh-CN" dirty="0"/>
+          </a:p>
+          <a:p>
+            <a:r>
+              <a:rPr lang="en-US" altLang="zh-CN" dirty="0"/>
               <a:t>import </a:t>
             </a:r>
             <a:r>
               <a:rPr lang="en-US" altLang="zh-CN" dirty="0" err="1"/>
-              <a:t>sklearn.metrics</a:t>
+              <a:t>numpy</a:t>
             </a:r>
             <a:r>
               <a:rPr lang="en-US" altLang="zh-CN" dirty="0"/>
               <a:t> as </a:t>
             </a:r>
             <a:r>
-              <a:rPr lang="en-US" altLang="zh-CN" dirty="0" err="1" smtClean="0"/>
-              <a:t>sm</a:t>
+              <a:rPr lang="en-US" altLang="zh-CN" dirty="0" err="1"/>
+              <a:t>np</a:t>
             </a:r>
             <a:endParaRPr lang="en-US" altLang="zh-CN" dirty="0"/>
           </a:p>
           <a:p>
             <a:r>
               <a:rPr lang="en-US" altLang="zh-CN" dirty="0"/>
-              <a:t>import pandas as </a:t>
-            </a:r>
-            <a:r>
-              <a:rPr lang="en-US" altLang="zh-CN" dirty="0" err="1"/>
-              <a:t>pd</a:t>
-            </a:r>
-            <a:endParaRPr lang="en-US" altLang="zh-CN" dirty="0"/>
-          </a:p>
-          <a:p>
-            <a:r>
-              <a:rPr lang="en-US" altLang="zh-CN" dirty="0"/>
-              <a:t>import </a:t>
-            </a:r>
-            <a:r>
-              <a:rPr lang="en-US" altLang="zh-CN" dirty="0" err="1"/>
-              <a:t>numpy</a:t>
-            </a:r>
-            <a:r>
-              <a:rPr lang="en-US" altLang="zh-CN" dirty="0"/>
-              <a:t> as </a:t>
-            </a:r>
-            <a:r>
-              <a:rPr lang="en-US" altLang="zh-CN" dirty="0" err="1" smtClean="0"/>
-              <a:t>np</a:t>
-            </a:r>
-            <a:endParaRPr lang="en-US" altLang="zh-CN" dirty="0"/>
-          </a:p>
-          <a:p>
-            <a:r>
-              <a:rPr lang="en-US" altLang="zh-CN" dirty="0"/>
               <a:t># Only needed if you want to display your plots inline if using Notebook</a:t>
             </a:r>
-            <a:endParaRPr lang="en-US" altLang="zh-CN" dirty="0"/>
           </a:p>
           <a:p>
             <a:r>
@@ -5071,7 +5767,6 @@
               <a:rPr lang="en-US" altLang="zh-CN" dirty="0"/>
               <a:t> installed</a:t>
             </a:r>
-            <a:endParaRPr lang="en-US" altLang="zh-CN" dirty="0"/>
           </a:p>
           <a:p>
             <a:r>
@@ -5115,7 +5810,6 @@
               <a:rPr lang="en-US" altLang="zh-CN" dirty="0"/>
               <a:t># import some data to play with</a:t>
             </a:r>
-            <a:endParaRPr lang="en-US" altLang="zh-CN" dirty="0"/>
           </a:p>
           <a:p>
             <a:r>
@@ -5130,7 +5824,6 @@
               <a:rPr lang="en-US" altLang="zh-CN" dirty="0"/>
               <a:t>()</a:t>
             </a:r>
-            <a:endParaRPr lang="en-US" altLang="zh-CN" dirty="0"/>
           </a:p>
           <a:p>
             <a:r>
@@ -5145,7 +5838,6 @@
               <a:rPr lang="en-US" altLang="zh-CN" dirty="0"/>
               <a:t>)</a:t>
             </a:r>
-            <a:endParaRPr lang="en-US" altLang="zh-CN" dirty="0"/>
           </a:p>
           <a:p>
             <a:r>
@@ -5160,7 +5852,6 @@
               <a:rPr lang="en-US" altLang="zh-CN" dirty="0"/>
               <a:t>)</a:t>
             </a:r>
-            <a:endParaRPr lang="en-US" altLang="zh-CN" dirty="0"/>
           </a:p>
           <a:p>
             <a:r>
@@ -5175,7 +5866,6 @@
               <a:rPr lang="en-US" altLang="zh-CN" dirty="0"/>
               <a:t>)</a:t>
             </a:r>
-            <a:endParaRPr lang="en-US" altLang="zh-CN" dirty="0"/>
           </a:p>
           <a:p>
             <a:r>
@@ -5199,17 +5889,10 @@
   <p:clrMapOvr>
     <a:masterClrMapping/>
   </p:clrMapOvr>
-  <p:timing>
-    <p:tnLst>
-      <p:par>
-        <p:cTn id="1" dur="indefinite" restart="never" nodeType="tmRoot"/>
-      </p:par>
-    </p:tnLst>
-  </p:timing>
 </p:sld>
 </file>
 
-<file path=ppt/slides/slide14.xml><?xml version="1.0" encoding="utf-8"?>
+<file path=ppt/slides/slide17.xml><?xml version="1.0" encoding="utf-8"?>
 <p:sld xmlns:a="http://schemas.openxmlformats.org/drawingml/2006/main" xmlns:r="http://schemas.openxmlformats.org/officeDocument/2006/relationships" xmlns:p="http://schemas.openxmlformats.org/presentationml/2006/main">
   <p:cSld>
     <p:spTree>
@@ -5249,7 +5932,6 @@
               <a:rPr lang="zh-CN" altLang="en-US" dirty="0"/>
               <a:t>算法实例</a:t>
             </a:r>
-            <a:endParaRPr lang="zh-CN" altLang="en-US" dirty="0"/>
           </a:p>
         </p:txBody>
       </p:sp>
@@ -5286,7 +5968,6 @@
               <a:rPr lang="en-US" altLang="zh-CN" dirty="0"/>
               <a:t> and set the column names</a:t>
             </a:r>
-            <a:endParaRPr lang="en-US" altLang="zh-CN" dirty="0"/>
           </a:p>
           <a:p>
             <a:r>
@@ -5309,7 +5990,6 @@
               <a:rPr lang="en-US" altLang="zh-CN" dirty="0"/>
               <a:t>)</a:t>
             </a:r>
-            <a:endParaRPr lang="en-US" altLang="zh-CN" dirty="0"/>
           </a:p>
           <a:p>
             <a:r>
@@ -5328,14 +6008,12 @@
               <a:rPr lang="en-US" altLang="zh-CN" dirty="0"/>
               <a:t>']</a:t>
             </a:r>
-            <a:endParaRPr lang="en-US" altLang="zh-CN" dirty="0"/>
           </a:p>
           <a:p>
             <a:r>
               <a:rPr lang="en-US" altLang="zh-CN" dirty="0"/>
               <a:t> </a:t>
             </a:r>
-            <a:endParaRPr lang="en-US" altLang="zh-CN" dirty="0"/>
           </a:p>
           <a:p>
             <a:r>
@@ -5358,7 +6036,6 @@
               <a:rPr lang="en-US" altLang="zh-CN" dirty="0"/>
               <a:t>)</a:t>
             </a:r>
-            <a:endParaRPr lang="en-US" altLang="zh-CN" dirty="0"/>
           </a:p>
           <a:p>
             <a:r>
@@ -5378,17 +6055,10 @@
   <p:clrMapOvr>
     <a:masterClrMapping/>
   </p:clrMapOvr>
-  <p:timing>
-    <p:tnLst>
-      <p:par>
-        <p:cTn id="1" dur="indefinite" restart="never" nodeType="tmRoot"/>
-      </p:par>
-    </p:tnLst>
-  </p:timing>
 </p:sld>
 </file>
 
-<file path=ppt/slides/slide15.xml><?xml version="1.0" encoding="utf-8"?>
+<file path=ppt/slides/slide18.xml><?xml version="1.0" encoding="utf-8"?>
 <p:sld xmlns:a="http://schemas.openxmlformats.org/drawingml/2006/main" xmlns:r="http://schemas.openxmlformats.org/officeDocument/2006/relationships" xmlns:p="http://schemas.openxmlformats.org/presentationml/2006/main">
   <p:cSld>
     <p:spTree>
@@ -5428,7 +6098,6 @@
               <a:rPr lang="zh-CN" altLang="en-US" dirty="0"/>
               <a:t>算法实例</a:t>
             </a:r>
-            <a:endParaRPr lang="zh-CN" altLang="en-US" dirty="0"/>
           </a:p>
         </p:txBody>
       </p:sp>
@@ -5457,12 +6126,80 @@
               <a:rPr lang="en-US" altLang="zh-CN" dirty="0"/>
               <a:t># Set the size of the plot</a:t>
             </a:r>
+          </a:p>
+          <a:p>
+            <a:r>
+              <a:rPr lang="en-US" altLang="zh-CN" dirty="0" err="1"/>
+              <a:t>plt.figure</a:t>
+            </a:r>
+            <a:r>
+              <a:rPr lang="en-US" altLang="zh-CN" dirty="0"/>
+              <a:t>(</a:t>
+            </a:r>
+            <a:r>
+              <a:rPr lang="en-US" altLang="zh-CN" dirty="0" err="1"/>
+              <a:t>figsize</a:t>
+            </a:r>
+            <a:r>
+              <a:rPr lang="en-US" altLang="zh-CN" dirty="0"/>
+              <a:t>=(14,7))</a:t>
+            </a:r>
+          </a:p>
+          <a:p>
             <a:endParaRPr lang="en-US" altLang="zh-CN" dirty="0"/>
           </a:p>
           <a:p>
             <a:r>
-              <a:rPr lang="en-US" altLang="zh-CN" dirty="0" err="1"/>
-              <a:t>plt.figure</a:t>
+              <a:rPr lang="en-US" altLang="zh-CN" dirty="0"/>
+              <a:t># Create a </a:t>
+            </a:r>
+            <a:r>
+              <a:rPr lang="en-US" altLang="zh-CN" dirty="0" err="1"/>
+              <a:t>colormap</a:t>
+            </a:r>
+            <a:endParaRPr lang="en-US" altLang="zh-CN" dirty="0"/>
+          </a:p>
+          <a:p>
+            <a:r>
+              <a:rPr lang="en-US" altLang="zh-CN" dirty="0" err="1"/>
+              <a:t>colormap</a:t>
+            </a:r>
+            <a:r>
+              <a:rPr lang="en-US" altLang="zh-CN" dirty="0"/>
+              <a:t> = </a:t>
+            </a:r>
+            <a:r>
+              <a:rPr lang="en-US" altLang="zh-CN" dirty="0" err="1"/>
+              <a:t>np.array</a:t>
+            </a:r>
+            <a:r>
+              <a:rPr lang="en-US" altLang="zh-CN" dirty="0"/>
+              <a:t>(['red', 'lime', 'black'])</a:t>
+            </a:r>
+          </a:p>
+          <a:p>
+            <a:endParaRPr lang="en-US" altLang="zh-CN" dirty="0"/>
+          </a:p>
+          <a:p>
+            <a:r>
+              <a:rPr lang="en-US" altLang="zh-CN" dirty="0"/>
+              <a:t># Plot Sepal</a:t>
+            </a:r>
+          </a:p>
+          <a:p>
+            <a:r>
+              <a:rPr lang="en-US" altLang="zh-CN" dirty="0" err="1"/>
+              <a:t>plt.subplot</a:t>
+            </a:r>
+            <a:r>
+              <a:rPr lang="en-US" altLang="zh-CN" dirty="0"/>
+              <a:t>(1, 2, 1)</a:t>
+            </a:r>
+          </a:p>
+          <a:p>
+            <a:r>
+              <a:rPr lang="en-US" altLang="zh-CN" dirty="0" err="1"/>
+              <a:t>plt.scatter</a:t>
             </a:r>
             <a:r>
               <a:rPr lang="en-US" altLang="zh-CN" dirty="0"/>
@@ -5470,97 +6207,89 @@
             </a:r>
             <a:r>
               <a:rPr lang="en-US" altLang="zh-CN" dirty="0" err="1"/>
-              <a:t>figsize</a:t>
-            </a:r>
-            <a:r>
-              <a:rPr lang="en-US" altLang="zh-CN" dirty="0"/>
-              <a:t>=(14,7))</a:t>
-            </a:r>
+              <a:t>x.Sepal_Length</a:t>
+            </a:r>
+            <a:r>
+              <a:rPr lang="en-US" altLang="zh-CN" dirty="0"/>
+              <a:t>, </a:t>
+            </a:r>
+            <a:r>
+              <a:rPr lang="en-US" altLang="zh-CN" dirty="0" err="1"/>
+              <a:t>x.Sepal_Width</a:t>
+            </a:r>
+            <a:r>
+              <a:rPr lang="en-US" altLang="zh-CN" dirty="0"/>
+              <a:t>, c=</a:t>
+            </a:r>
+            <a:r>
+              <a:rPr lang="en-US" altLang="zh-CN" dirty="0" err="1"/>
+              <a:t>colormap</a:t>
+            </a:r>
+            <a:r>
+              <a:rPr lang="en-US" altLang="zh-CN" dirty="0"/>
+              <a:t>[</a:t>
+            </a:r>
+            <a:r>
+              <a:rPr lang="en-US" altLang="zh-CN" dirty="0" err="1"/>
+              <a:t>y.Targets</a:t>
+            </a:r>
+            <a:r>
+              <a:rPr lang="en-US" altLang="zh-CN" dirty="0"/>
+              <a:t>], s=40)</a:t>
+            </a:r>
+          </a:p>
+          <a:p>
+            <a:r>
+              <a:rPr lang="en-US" altLang="zh-CN" dirty="0" err="1"/>
+              <a:t>plt.title</a:t>
+            </a:r>
+            <a:r>
+              <a:rPr lang="en-US" altLang="zh-CN" dirty="0"/>
+              <a:t>('Sepal')</a:t>
+            </a:r>
+          </a:p>
+          <a:p>
             <a:endParaRPr lang="en-US" altLang="zh-CN" dirty="0"/>
           </a:p>
           <a:p>
-            <a:endParaRPr lang="en-US" altLang="zh-CN" dirty="0"/>
-          </a:p>
-          <a:p>
-            <a:r>
-              <a:rPr lang="en-US" altLang="zh-CN" dirty="0"/>
-              <a:t># Create a </a:t>
+            <a:r>
+              <a:rPr lang="en-US" altLang="zh-CN" dirty="0" err="1"/>
+              <a:t>plt.subplot</a:t>
+            </a:r>
+            <a:r>
+              <a:rPr lang="en-US" altLang="zh-CN" dirty="0"/>
+              <a:t>(1, 2, 2)</a:t>
+            </a:r>
+          </a:p>
+          <a:p>
+            <a:r>
+              <a:rPr lang="en-US" altLang="zh-CN" dirty="0" err="1"/>
+              <a:t>plt.scatter</a:t>
+            </a:r>
+            <a:r>
+              <a:rPr lang="en-US" altLang="zh-CN" dirty="0"/>
+              <a:t>(</a:t>
+            </a:r>
+            <a:r>
+              <a:rPr lang="en-US" altLang="zh-CN" dirty="0" err="1"/>
+              <a:t>x.Petal_Length</a:t>
+            </a:r>
+            <a:r>
+              <a:rPr lang="en-US" altLang="zh-CN" dirty="0"/>
+              <a:t>, </a:t>
+            </a:r>
+            <a:r>
+              <a:rPr lang="en-US" altLang="zh-CN" dirty="0" err="1"/>
+              <a:t>x.Petal_Width</a:t>
+            </a:r>
+            <a:r>
+              <a:rPr lang="en-US" altLang="zh-CN" dirty="0"/>
+              <a:t>, c=</a:t>
             </a:r>
             <a:r>
               <a:rPr lang="en-US" altLang="zh-CN" dirty="0" err="1"/>
               <a:t>colormap</a:t>
             </a:r>
-            <a:endParaRPr lang="en-US" altLang="zh-CN" dirty="0"/>
-          </a:p>
-          <a:p>
-            <a:r>
-              <a:rPr lang="en-US" altLang="zh-CN" dirty="0" err="1"/>
-              <a:t>colormap</a:t>
-            </a:r>
-            <a:r>
-              <a:rPr lang="en-US" altLang="zh-CN" dirty="0"/>
-              <a:t> = </a:t>
-            </a:r>
-            <a:r>
-              <a:rPr lang="en-US" altLang="zh-CN" dirty="0" err="1"/>
-              <a:t>np.array</a:t>
-            </a:r>
-            <a:r>
-              <a:rPr lang="en-US" altLang="zh-CN" dirty="0"/>
-              <a:t>(['red', 'lime', 'black'])</a:t>
-            </a:r>
-            <a:endParaRPr lang="en-US" altLang="zh-CN" dirty="0"/>
-          </a:p>
-          <a:p>
-            <a:endParaRPr lang="en-US" altLang="zh-CN" dirty="0"/>
-          </a:p>
-          <a:p>
-            <a:r>
-              <a:rPr lang="en-US" altLang="zh-CN" dirty="0"/>
-              <a:t># Plot Sepal</a:t>
-            </a:r>
-            <a:endParaRPr lang="en-US" altLang="zh-CN" dirty="0"/>
-          </a:p>
-          <a:p>
-            <a:r>
-              <a:rPr lang="en-US" altLang="zh-CN" dirty="0" err="1"/>
-              <a:t>plt.subplot</a:t>
-            </a:r>
-            <a:r>
-              <a:rPr lang="en-US" altLang="zh-CN" dirty="0"/>
-              <a:t>(1, 2, 1)</a:t>
-            </a:r>
-            <a:endParaRPr lang="en-US" altLang="zh-CN" dirty="0"/>
-          </a:p>
-          <a:p>
-            <a:r>
-              <a:rPr lang="en-US" altLang="zh-CN" dirty="0" err="1"/>
-              <a:t>plt.scatter</a:t>
-            </a:r>
-            <a:r>
-              <a:rPr lang="en-US" altLang="zh-CN" dirty="0"/>
-              <a:t>(</a:t>
-            </a:r>
-            <a:r>
-              <a:rPr lang="en-US" altLang="zh-CN" dirty="0" err="1"/>
-              <a:t>x.Sepal_Length</a:t>
-            </a:r>
-            <a:r>
-              <a:rPr lang="en-US" altLang="zh-CN" dirty="0"/>
-              <a:t>, </a:t>
-            </a:r>
-            <a:r>
-              <a:rPr lang="en-US" altLang="zh-CN" dirty="0" err="1"/>
-              <a:t>x.Sepal_Width</a:t>
-            </a:r>
-            <a:r>
-              <a:rPr lang="en-US" altLang="zh-CN" dirty="0"/>
-              <a:t>, c=</a:t>
-            </a:r>
-            <a:r>
-              <a:rPr lang="en-US" altLang="zh-CN" dirty="0" err="1"/>
-              <a:t>colormap</a:t>
-            </a:r>
             <a:r>
               <a:rPr lang="en-US" altLang="zh-CN" dirty="0"/>
               <a:t>[</a:t>
@@ -5573,75 +6302,6 @@
               <a:rPr lang="en-US" altLang="zh-CN" dirty="0"/>
               <a:t>], s=40)</a:t>
             </a:r>
-            <a:endParaRPr lang="en-US" altLang="zh-CN" dirty="0"/>
-          </a:p>
-          <a:p>
-            <a:r>
-              <a:rPr lang="en-US" altLang="zh-CN" dirty="0" err="1"/>
-              <a:t>plt.title</a:t>
-            </a:r>
-            <a:r>
-              <a:rPr lang="en-US" altLang="zh-CN" dirty="0"/>
-              <a:t>('Sepal')</a:t>
-            </a:r>
-            <a:endParaRPr lang="en-US" altLang="zh-CN" dirty="0"/>
-          </a:p>
-          <a:p>
-            <a:endParaRPr lang="en-US" altLang="zh-CN" dirty="0"/>
-          </a:p>
-          <a:p>
-            <a:r>
-              <a:rPr lang="en-US" altLang="zh-CN" dirty="0" err="1"/>
-              <a:t>plt.subplot</a:t>
-            </a:r>
-            <a:r>
-              <a:rPr lang="en-US" altLang="zh-CN" dirty="0"/>
-              <a:t>(1, 2, 2)</a:t>
-            </a:r>
-            <a:endParaRPr lang="en-US" altLang="zh-CN" dirty="0"/>
-          </a:p>
-          <a:p>
-            <a:r>
-              <a:rPr lang="en-US" altLang="zh-CN" dirty="0" err="1"/>
-              <a:t>plt.scatter</a:t>
-            </a:r>
-            <a:r>
-              <a:rPr lang="en-US" altLang="zh-CN" dirty="0"/>
-              <a:t>(</a:t>
-            </a:r>
-            <a:r>
-              <a:rPr lang="en-US" altLang="zh-CN" dirty="0" err="1"/>
-              <a:t>x.Petal_Length</a:t>
-            </a:r>
-            <a:r>
-              <a:rPr lang="en-US" altLang="zh-CN" dirty="0"/>
-              <a:t>, </a:t>
-            </a:r>
-            <a:r>
-              <a:rPr lang="en-US" altLang="zh-CN" dirty="0" err="1"/>
-              <a:t>x.Petal_Width</a:t>
-            </a:r>
-            <a:r>
-              <a:rPr lang="en-US" altLang="zh-CN" dirty="0"/>
-              <a:t>, c=</a:t>
-            </a:r>
-            <a:r>
-              <a:rPr lang="en-US" altLang="zh-CN" dirty="0" err="1"/>
-              <a:t>colormap</a:t>
-            </a:r>
-            <a:r>
-              <a:rPr lang="en-US" altLang="zh-CN" dirty="0"/>
-              <a:t>[</a:t>
-            </a:r>
-            <a:r>
-              <a:rPr lang="en-US" altLang="zh-CN" dirty="0" err="1"/>
-              <a:t>y.Targets</a:t>
-            </a:r>
-            <a:r>
-              <a:rPr lang="en-US" altLang="zh-CN" dirty="0"/>
-              <a:t>], s=40)</a:t>
-            </a:r>
-            <a:endParaRPr lang="en-US" altLang="zh-CN" dirty="0"/>
           </a:p>
           <a:p>
             <a:r>
@@ -5665,7 +6325,7 @@
           <p:nvPr/>
         </p:nvPicPr>
         <p:blipFill>
-          <a:blip r:embed="rId1">
+          <a:blip r:embed="rId2">
             <a:extLst>
               <a:ext uri="{28A0092B-C50C-407E-A947-70E740481C1C}">
                 <a14:useLocalDpi xmlns:a14="http://schemas.microsoft.com/office/drawing/2010/main" val="0"/>
@@ -5725,17 +6385,10 @@
   <p:clrMapOvr>
     <a:masterClrMapping/>
   </p:clrMapOvr>
-  <p:timing>
-    <p:tnLst>
-      <p:par>
-        <p:cTn id="1" dur="indefinite" restart="never" nodeType="tmRoot"/>
-      </p:par>
-    </p:tnLst>
-  </p:timing>
 </p:sld>
 </file>
 
-<file path=ppt/slides/slide16.xml><?xml version="1.0" encoding="utf-8"?>
+<file path=ppt/slides/slide19.xml><?xml version="1.0" encoding="utf-8"?>
 <p:sld xmlns:a="http://schemas.openxmlformats.org/drawingml/2006/main" xmlns:r="http://schemas.openxmlformats.org/officeDocument/2006/relationships" xmlns:p="http://schemas.openxmlformats.org/presentationml/2006/main">
   <p:cSld>
     <p:spTree>
@@ -5775,7 +6428,6 @@
               <a:rPr lang="zh-CN" altLang="en-US" dirty="0"/>
               <a:t>算法实例</a:t>
             </a:r>
-            <a:endParaRPr lang="zh-CN" altLang="en-US" dirty="0"/>
           </a:p>
         </p:txBody>
       </p:sp>
@@ -5804,11 +6456,51 @@
               <a:rPr lang="en-US" altLang="zh-CN" dirty="0"/>
               <a:t># K Means Cluster</a:t>
             </a:r>
+          </a:p>
+          <a:p>
+            <a:r>
+              <a:rPr lang="en-US" altLang="zh-CN" dirty="0"/>
+              <a:t>model = </a:t>
+            </a:r>
+            <a:r>
+              <a:rPr lang="en-US" altLang="zh-CN" dirty="0" err="1"/>
+              <a:t>KMeans</a:t>
+            </a:r>
+            <a:r>
+              <a:rPr lang="en-US" altLang="zh-CN" dirty="0"/>
+              <a:t>(</a:t>
+            </a:r>
+            <a:r>
+              <a:rPr lang="en-US" altLang="zh-CN" dirty="0" err="1"/>
+              <a:t>n_clusters</a:t>
+            </a:r>
+            <a:r>
+              <a:rPr lang="en-US" altLang="zh-CN" dirty="0"/>
+              <a:t>=3)</a:t>
+            </a:r>
+          </a:p>
+          <a:p>
+            <a:r>
+              <a:rPr lang="en-US" altLang="zh-CN" dirty="0" err="1"/>
+              <a:t>model.fit</a:t>
+            </a:r>
+            <a:r>
+              <a:rPr lang="en-US" altLang="zh-CN" dirty="0"/>
+              <a:t>(x)</a:t>
+            </a:r>
+          </a:p>
+          <a:p>
             <a:endParaRPr lang="en-US" altLang="zh-CN" dirty="0"/>
           </a:p>
           <a:p>
             <a:r>
               <a:rPr lang="en-US" altLang="zh-CN" dirty="0"/>
+              <a:t># K Means Cluster</a:t>
+            </a:r>
+          </a:p>
+          <a:p>
+            <a:r>
+              <a:rPr lang="en-US" altLang="zh-CN" dirty="0"/>
               <a:t>model = </a:t>
             </a:r>
             <a:r>
@@ -5827,51 +6519,6 @@
               <a:rPr lang="en-US" altLang="zh-CN" dirty="0"/>
               <a:t>=3)</a:t>
             </a:r>
-            <a:endParaRPr lang="en-US" altLang="zh-CN" dirty="0"/>
-          </a:p>
-          <a:p>
-            <a:r>
-              <a:rPr lang="en-US" altLang="zh-CN" dirty="0" err="1"/>
-              <a:t>model.fit</a:t>
-            </a:r>
-            <a:r>
-              <a:rPr lang="en-US" altLang="zh-CN" dirty="0"/>
-              <a:t>(x)</a:t>
-            </a:r>
-            <a:endParaRPr lang="en-US" altLang="zh-CN" dirty="0"/>
-          </a:p>
-          <a:p>
-            <a:endParaRPr lang="en-US" altLang="zh-CN" dirty="0"/>
-          </a:p>
-          <a:p>
-            <a:r>
-              <a:rPr lang="en-US" altLang="zh-CN" dirty="0"/>
-              <a:t># K Means Cluster</a:t>
-            </a:r>
-            <a:endParaRPr lang="en-US" altLang="zh-CN" dirty="0"/>
-          </a:p>
-          <a:p>
-            <a:r>
-              <a:rPr lang="en-US" altLang="zh-CN" dirty="0"/>
-              <a:t>model = </a:t>
-            </a:r>
-            <a:r>
-              <a:rPr lang="en-US" altLang="zh-CN" dirty="0" err="1"/>
-              <a:t>KMeans</a:t>
-            </a:r>
-            <a:r>
-              <a:rPr lang="en-US" altLang="zh-CN" dirty="0"/>
-              <a:t>(</a:t>
-            </a:r>
-            <a:r>
-              <a:rPr lang="en-US" altLang="zh-CN" dirty="0" err="1"/>
-              <a:t>n_clusters</a:t>
-            </a:r>
-            <a:r>
-              <a:rPr lang="en-US" altLang="zh-CN" dirty="0"/>
-              <a:t>=3)</a:t>
-            </a:r>
-            <a:endParaRPr lang="en-US" altLang="zh-CN" dirty="0"/>
           </a:p>
           <a:p>
             <a:r>
@@ -5911,19 +6558,86 @@
               <a:rPr lang="en-US" altLang="zh-CN" dirty="0"/>
               <a:t># View the results</a:t>
             </a:r>
+          </a:p>
+          <a:p>
+            <a:r>
+              <a:rPr lang="en-US" altLang="zh-CN" dirty="0"/>
+              <a:t># Set the size of the plot</a:t>
+            </a:r>
+          </a:p>
+          <a:p>
+            <a:r>
+              <a:rPr lang="en-US" altLang="zh-CN" dirty="0" err="1"/>
+              <a:t>plt.figure</a:t>
+            </a:r>
+            <a:r>
+              <a:rPr lang="en-US" altLang="zh-CN" dirty="0"/>
+              <a:t>(</a:t>
+            </a:r>
+            <a:r>
+              <a:rPr lang="en-US" altLang="zh-CN" dirty="0" err="1"/>
+              <a:t>figsize</a:t>
+            </a:r>
+            <a:r>
+              <a:rPr lang="en-US" altLang="zh-CN" dirty="0"/>
+              <a:t>=(14,7))</a:t>
+            </a:r>
+          </a:p>
+          <a:p>
             <a:endParaRPr lang="en-US" altLang="zh-CN" dirty="0"/>
           </a:p>
           <a:p>
             <a:r>
               <a:rPr lang="en-US" altLang="zh-CN" dirty="0"/>
-              <a:t># Set the size of the plot</a:t>
+              <a:t># Create a </a:t>
+            </a:r>
+            <a:r>
+              <a:rPr lang="en-US" altLang="zh-CN" dirty="0" err="1"/>
+              <a:t>colormap</a:t>
             </a:r>
             <a:endParaRPr lang="en-US" altLang="zh-CN" dirty="0"/>
           </a:p>
           <a:p>
             <a:r>
               <a:rPr lang="en-US" altLang="zh-CN" dirty="0" err="1"/>
-              <a:t>plt.figure</a:t>
+              <a:t>colormap</a:t>
+            </a:r>
+            <a:r>
+              <a:rPr lang="en-US" altLang="zh-CN" dirty="0"/>
+              <a:t> = </a:t>
+            </a:r>
+            <a:r>
+              <a:rPr lang="en-US" altLang="zh-CN" dirty="0" err="1"/>
+              <a:t>np.array</a:t>
+            </a:r>
+            <a:r>
+              <a:rPr lang="en-US" altLang="zh-CN" dirty="0"/>
+              <a:t>(['red', 'lime', 'black'])</a:t>
+            </a:r>
+          </a:p>
+          <a:p>
+            <a:endParaRPr lang="en-US" altLang="zh-CN" dirty="0"/>
+          </a:p>
+          <a:p>
+            <a:r>
+              <a:rPr lang="en-US" altLang="zh-CN" dirty="0"/>
+              <a:t># Plot the Original Classifications</a:t>
+            </a:r>
+          </a:p>
+          <a:p>
+            <a:r>
+              <a:rPr lang="en-US" altLang="zh-CN" dirty="0" err="1"/>
+              <a:t>plt.subplot</a:t>
+            </a:r>
+            <a:r>
+              <a:rPr lang="en-US" altLang="zh-CN" dirty="0"/>
+              <a:t>(1, 2, 1)</a:t>
+            </a:r>
+          </a:p>
+          <a:p>
+            <a:r>
+              <a:rPr lang="en-US" altLang="zh-CN" dirty="0" err="1"/>
+              <a:t>plt.scatter</a:t>
             </a:r>
             <a:r>
               <a:rPr lang="en-US" altLang="zh-CN" dirty="0"/>
@@ -5931,185 +6645,107 @@
             </a:r>
             <a:r>
               <a:rPr lang="en-US" altLang="zh-CN" dirty="0" err="1"/>
-              <a:t>figsize</a:t>
-            </a:r>
-            <a:r>
-              <a:rPr lang="en-US" altLang="zh-CN" dirty="0"/>
-              <a:t>=(14,7))</a:t>
-            </a:r>
+              <a:t>x.Petal_Length</a:t>
+            </a:r>
+            <a:r>
+              <a:rPr lang="en-US" altLang="zh-CN" dirty="0"/>
+              <a:t>, </a:t>
+            </a:r>
+            <a:r>
+              <a:rPr lang="en-US" altLang="zh-CN" dirty="0" err="1"/>
+              <a:t>x.Petal_Width</a:t>
+            </a:r>
+            <a:r>
+              <a:rPr lang="en-US" altLang="zh-CN" dirty="0"/>
+              <a:t>, c=</a:t>
+            </a:r>
+            <a:r>
+              <a:rPr lang="en-US" altLang="zh-CN" dirty="0" err="1"/>
+              <a:t>colormap</a:t>
+            </a:r>
+            <a:r>
+              <a:rPr lang="en-US" altLang="zh-CN" dirty="0"/>
+              <a:t>[</a:t>
+            </a:r>
+            <a:r>
+              <a:rPr lang="en-US" altLang="zh-CN" dirty="0" err="1"/>
+              <a:t>y.Targets</a:t>
+            </a:r>
+            <a:r>
+              <a:rPr lang="en-US" altLang="zh-CN" dirty="0"/>
+              <a:t>], s=40)</a:t>
+            </a:r>
+          </a:p>
+          <a:p>
+            <a:r>
+              <a:rPr lang="en-US" altLang="zh-CN" dirty="0" err="1"/>
+              <a:t>plt.title</a:t>
+            </a:r>
+            <a:r>
+              <a:rPr lang="en-US" altLang="zh-CN" dirty="0"/>
+              <a:t>('Real Classification')</a:t>
+            </a:r>
+          </a:p>
+          <a:p>
             <a:endParaRPr lang="en-US" altLang="zh-CN" dirty="0"/>
           </a:p>
           <a:p>
-            <a:endParaRPr lang="en-US" altLang="zh-CN" dirty="0"/>
-          </a:p>
-          <a:p>
-            <a:r>
-              <a:rPr lang="en-US" altLang="zh-CN" dirty="0"/>
-              <a:t># Create a </a:t>
+            <a:r>
+              <a:rPr lang="en-US" altLang="zh-CN" dirty="0"/>
+              <a:t># Plot the Models Classifications</a:t>
+            </a:r>
+          </a:p>
+          <a:p>
+            <a:r>
+              <a:rPr lang="en-US" altLang="zh-CN" dirty="0" err="1"/>
+              <a:t>plt.subplot</a:t>
+            </a:r>
+            <a:r>
+              <a:rPr lang="en-US" altLang="zh-CN" dirty="0"/>
+              <a:t>(1, 2, 2)</a:t>
+            </a:r>
+          </a:p>
+          <a:p>
+            <a:r>
+              <a:rPr lang="en-US" altLang="zh-CN" dirty="0" err="1"/>
+              <a:t>plt.scatter</a:t>
+            </a:r>
+            <a:r>
+              <a:rPr lang="en-US" altLang="zh-CN" dirty="0"/>
+              <a:t>(</a:t>
+            </a:r>
+            <a:r>
+              <a:rPr lang="en-US" altLang="zh-CN" dirty="0" err="1"/>
+              <a:t>x.Petal_Length</a:t>
+            </a:r>
+            <a:r>
+              <a:rPr lang="en-US" altLang="zh-CN" dirty="0"/>
+              <a:t>, </a:t>
+            </a:r>
+            <a:r>
+              <a:rPr lang="en-US" altLang="zh-CN" dirty="0" err="1"/>
+              <a:t>x.Petal_Width</a:t>
+            </a:r>
+            <a:r>
+              <a:rPr lang="en-US" altLang="zh-CN" dirty="0"/>
+              <a:t>, c=</a:t>
             </a:r>
             <a:r>
               <a:rPr lang="en-US" altLang="zh-CN" dirty="0" err="1"/>
               <a:t>colormap</a:t>
             </a:r>
-            <a:endParaRPr lang="en-US" altLang="zh-CN" dirty="0"/>
-          </a:p>
-          <a:p>
-            <a:r>
-              <a:rPr lang="en-US" altLang="zh-CN" dirty="0" err="1"/>
-              <a:t>colormap</a:t>
-            </a:r>
-            <a:r>
-              <a:rPr lang="en-US" altLang="zh-CN" dirty="0"/>
-              <a:t> = </a:t>
-            </a:r>
-            <a:r>
-              <a:rPr lang="en-US" altLang="zh-CN" dirty="0" err="1"/>
-              <a:t>np.array</a:t>
-            </a:r>
-            <a:r>
-              <a:rPr lang="en-US" altLang="zh-CN" dirty="0"/>
-              <a:t>(['red', 'lime', 'black'])</a:t>
-            </a:r>
-            <a:endParaRPr lang="en-US" altLang="zh-CN" dirty="0"/>
-          </a:p>
-          <a:p>
-            <a:endParaRPr lang="en-US" altLang="zh-CN" dirty="0"/>
-          </a:p>
-          <a:p>
-            <a:r>
-              <a:rPr lang="en-US" altLang="zh-CN" dirty="0"/>
-              <a:t># Plot the Original Classifications</a:t>
-            </a:r>
-            <a:endParaRPr lang="en-US" altLang="zh-CN" dirty="0"/>
-          </a:p>
-          <a:p>
-            <a:r>
-              <a:rPr lang="en-US" altLang="zh-CN" dirty="0" err="1"/>
-              <a:t>plt.subplot</a:t>
-            </a:r>
-            <a:r>
-              <a:rPr lang="en-US" altLang="zh-CN" dirty="0"/>
-              <a:t>(1, 2, 1)</a:t>
-            </a:r>
-            <a:endParaRPr lang="en-US" altLang="zh-CN" dirty="0"/>
-          </a:p>
-          <a:p>
-            <a:r>
-              <a:rPr lang="en-US" altLang="zh-CN" dirty="0" err="1"/>
-              <a:t>plt.scatter</a:t>
-            </a:r>
-            <a:r>
-              <a:rPr lang="en-US" altLang="zh-CN" dirty="0"/>
-              <a:t>(</a:t>
-            </a:r>
-            <a:r>
-              <a:rPr lang="en-US" altLang="zh-CN" dirty="0" err="1"/>
-              <a:t>x.Petal_Length</a:t>
-            </a:r>
-            <a:r>
-              <a:rPr lang="en-US" altLang="zh-CN" dirty="0"/>
-              <a:t>, </a:t>
-            </a:r>
-            <a:r>
-              <a:rPr lang="en-US" altLang="zh-CN" dirty="0" err="1"/>
-              <a:t>x.Petal_Width</a:t>
-            </a:r>
-            <a:r>
-              <a:rPr lang="en-US" altLang="zh-CN" dirty="0"/>
-              <a:t>, c=</a:t>
-            </a:r>
-            <a:r>
-              <a:rPr lang="en-US" altLang="zh-CN" dirty="0" err="1"/>
-              <a:t>colormap</a:t>
-            </a:r>
             <a:r>
               <a:rPr lang="en-US" altLang="zh-CN" dirty="0"/>
               <a:t>[</a:t>
             </a:r>
             <a:r>
               <a:rPr lang="en-US" altLang="zh-CN" dirty="0" err="1"/>
-              <a:t>y.Targets</a:t>
-            </a:r>
-            <a:r>
-              <a:rPr lang="en-US" altLang="zh-CN" dirty="0"/>
-              <a:t>], s=40)</a:t>
-            </a:r>
-            <a:endParaRPr lang="en-US" altLang="zh-CN" dirty="0"/>
-          </a:p>
-          <a:p>
-            <a:r>
-              <a:rPr lang="en-US" altLang="zh-CN" dirty="0" err="1"/>
-              <a:t>plt.title</a:t>
-            </a:r>
-            <a:r>
-              <a:rPr lang="en-US" altLang="zh-CN" dirty="0"/>
-              <a:t>('Real Classification')</a:t>
-            </a:r>
-            <a:endParaRPr lang="en-US" altLang="zh-CN" dirty="0"/>
-          </a:p>
-          <a:p>
-            <a:endParaRPr lang="en-US" altLang="zh-CN" dirty="0"/>
-          </a:p>
-          <a:p>
-            <a:r>
-              <a:rPr lang="en-US" altLang="zh-CN" dirty="0"/>
-              <a:t># Plot the Models Classifications</a:t>
-            </a:r>
-            <a:endParaRPr lang="en-US" altLang="zh-CN" dirty="0"/>
-          </a:p>
-          <a:p>
-            <a:r>
-              <a:rPr lang="en-US" altLang="zh-CN" dirty="0" err="1"/>
-              <a:t>plt.subplot</a:t>
-            </a:r>
-            <a:r>
-              <a:rPr lang="en-US" altLang="zh-CN" dirty="0"/>
-              <a:t>(1, 2, 2)</a:t>
-            </a:r>
-            <a:endParaRPr lang="en-US" altLang="zh-CN" dirty="0"/>
-          </a:p>
-          <a:p>
-            <a:r>
-              <a:rPr lang="en-US" altLang="zh-CN" dirty="0" err="1"/>
-              <a:t>plt.scatter</a:t>
-            </a:r>
-            <a:r>
-              <a:rPr lang="en-US" altLang="zh-CN" dirty="0"/>
-              <a:t>(</a:t>
-            </a:r>
-            <a:r>
-              <a:rPr lang="en-US" altLang="zh-CN" dirty="0" err="1"/>
-              <a:t>x.Petal_Length</a:t>
-            </a:r>
-            <a:r>
-              <a:rPr lang="en-US" altLang="zh-CN" dirty="0"/>
-              <a:t>, </a:t>
-            </a:r>
-            <a:r>
-              <a:rPr lang="en-US" altLang="zh-CN" dirty="0" err="1"/>
-              <a:t>x.Petal_Width</a:t>
-            </a:r>
-            <a:r>
-              <a:rPr lang="en-US" altLang="zh-CN" dirty="0"/>
-              <a:t>, c=</a:t>
-            </a:r>
-            <a:r>
-              <a:rPr lang="en-US" altLang="zh-CN" dirty="0" err="1"/>
-              <a:t>colormap</a:t>
-            </a:r>
-            <a:r>
-              <a:rPr lang="en-US" altLang="zh-CN" dirty="0"/>
-              <a:t>[</a:t>
-            </a:r>
-            <a:r>
-              <a:rPr lang="en-US" altLang="zh-CN" dirty="0" err="1"/>
               <a:t>model.labels</a:t>
             </a:r>
             <a:r>
               <a:rPr lang="en-US" altLang="zh-CN" dirty="0"/>
               <a:t>_], s=40)</a:t>
             </a:r>
-            <a:endParaRPr lang="en-US" altLang="zh-CN" dirty="0"/>
           </a:p>
           <a:p>
             <a:r>
@@ -6133,7 +6769,7 @@
           <p:nvPr/>
         </p:nvPicPr>
         <p:blipFill>
-          <a:blip r:embed="rId1">
+          <a:blip r:embed="rId2">
             <a:extLst>
               <a:ext uri="{28A0092B-C50C-407E-A947-70E740481C1C}">
                 <a14:useLocalDpi xmlns:a14="http://schemas.microsoft.com/office/drawing/2010/main" val="0"/>
@@ -6193,13 +6829,6 @@
   <p:clrMapOvr>
     <a:masterClrMapping/>
   </p:clrMapOvr>
-  <p:timing>
-    <p:tnLst>
-      <p:par>
-        <p:cTn id="1" dur="indefinite" restart="never" nodeType="tmRoot"/>
-      </p:par>
-    </p:tnLst>
-  </p:timing>
 </p:sld>
 </file>
 
@@ -6236,10 +6865,12 @@
           <a:lstStyle/>
           <a:p>
             <a:r>
-              <a:rPr lang="zh-CN" altLang="en-US" dirty="0" smtClean="0"/>
+              <a:rPr lang="zh-CN" altLang="en-US" dirty="0">
+                <a:latin typeface="微软雅黑" panose="020B0503020204020204" pitchFamily="34" charset="-122"/>
+                <a:ea typeface="微软雅黑" panose="020B0503020204020204" pitchFamily="34" charset="-122"/>
+              </a:rPr>
               <a:t>物以类聚人以群分</a:t>
             </a:r>
-            <a:endParaRPr lang="zh-CN" altLang="en-US" dirty="0"/>
           </a:p>
         </p:txBody>
       </p:sp>
@@ -6252,7 +6883,7 @@
           <p:nvPr/>
         </p:nvPicPr>
         <p:blipFill rotWithShape="1">
-          <a:blip r:embed="rId1">
+          <a:blip r:embed="rId2">
             <a:extLst>
               <a:ext uri="{28A0092B-C50C-407E-A947-70E740481C1C}">
                 <a14:useLocalDpi xmlns:a14="http://schemas.microsoft.com/office/drawing/2010/main" val="0"/>
@@ -6316,7 +6947,7 @@
           <p:nvPr/>
         </p:nvPicPr>
         <p:blipFill rotWithShape="1">
-          <a:blip r:embed="rId2">
+          <a:blip r:embed="rId3">
             <a:extLst>
               <a:ext uri="{28A0092B-C50C-407E-A947-70E740481C1C}">
                 <a14:useLocalDpi xmlns:a14="http://schemas.microsoft.com/office/drawing/2010/main" val="0"/>
@@ -6330,7 +6961,7 @@
         </p:blipFill>
         <p:spPr bwMode="auto">
           <a:xfrm>
-            <a:off x="4962706" y="2424389"/>
+            <a:off x="4977168" y="2424389"/>
             <a:ext cx="3676815" cy="3105150"/>
           </a:xfrm>
           <a:prstGeom prst="rect">
@@ -6376,13 +7007,6 @@
   <p:clrMapOvr>
     <a:masterClrMapping/>
   </p:clrMapOvr>
-  <p:timing>
-    <p:tnLst>
-      <p:par>
-        <p:cTn id="1" dur="indefinite" restart="never" nodeType="tmRoot"/>
-      </p:par>
-    </p:tnLst>
-  </p:timing>
 </p:sld>
 </file>
 
@@ -6403,39 +7027,22 @@
           <a:chExt cx="0" cy="0"/>
         </a:xfrm>
       </p:grpSpPr>
-      <p:sp>
-        <p:nvSpPr>
-          <p:cNvPr id="2" name="标题 1"/>
-          <p:cNvSpPr>
-            <a:spLocks noGrp="1"/>
-          </p:cNvSpPr>
-          <p:nvPr>
-            <p:ph type="title"/>
-          </p:nvPr>
-        </p:nvSpPr>
-        <p:spPr/>
-        <p:txBody>
-          <a:bodyPr/>
-          <a:lstStyle/>
-          <a:p>
-            <a:r>
-              <a:rPr lang="zh-CN" altLang="en-US" dirty="0" smtClean="0"/>
-              <a:t>数据聚类</a:t>
-            </a:r>
-            <a:endParaRPr lang="zh-CN" altLang="en-US" dirty="0"/>
-          </a:p>
-        </p:txBody>
-      </p:sp>
       <p:pic>
         <p:nvPicPr>
-          <p:cNvPr id="2050" name="Picture 2"/>
+          <p:cNvPr id="3074" name="Picture 2" descr="https://timgsa.baidu.com/timg?image&amp;quality=80&amp;size=b9999_10000&amp;sec=1529475047596&amp;di=8d353b3264f30e56d7e55d6cd387af1f&amp;imgtype=0&amp;src=http%3A%2F%2Fimg.shangxueba.cn%2Fjyimg%2F20130306%2Fjzjc%2F2013022110%2Fa521425dcca0dbd428fefa9cb36cd7ad.png">
+            <a:extLst>
+              <a:ext uri="{FF2B5EF4-FFF2-40B4-BE49-F238E27FC236}">
+                <a16:creationId xmlns:a16="http://schemas.microsoft.com/office/drawing/2014/main" id="{B4A78A4C-18C4-4C9C-A848-D5CBBFCADAAE}"/>
+              </a:ext>
+            </a:extLst>
+          </p:cNvPr>
           <p:cNvPicPr>
             <a:picLocks noChangeAspect="1" noChangeArrowheads="1"/>
           </p:cNvPicPr>
           <p:nvPr/>
         </p:nvPicPr>
         <p:blipFill>
-          <a:blip r:embed="rId1">
+          <a:blip r:embed="rId2">
             <a:extLst>
               <a:ext uri="{28A0092B-C50C-407E-A947-70E740481C1C}">
                 <a14:useLocalDpi xmlns:a14="http://schemas.microsoft.com/office/drawing/2010/main" val="0"/>
@@ -6449,8 +7056,907 @@
         </p:blipFill>
         <p:spPr bwMode="auto">
           <a:xfrm>
-            <a:off x="2267744" y="1988840"/>
-            <a:ext cx="4495800" cy="4086225"/>
+            <a:off x="5580112" y="3496699"/>
+            <a:ext cx="3327884" cy="2072456"/>
+          </a:xfrm>
+          <a:prstGeom prst="rect">
+            <a:avLst/>
+          </a:prstGeom>
+          <a:noFill/>
+          <a:extLst>
+            <a:ext uri="{909E8E84-426E-40DD-AFC4-6F175D3DCCD1}">
+              <a14:hiddenFill xmlns:a14="http://schemas.microsoft.com/office/drawing/2010/main">
+                <a:solidFill>
+                  <a:srgbClr val="FFFFFF"/>
+                </a:solidFill>
+              </a14:hiddenFill>
+            </a:ext>
+          </a:extLst>
+        </p:spPr>
+      </p:pic>
+      <p:sp>
+        <p:nvSpPr>
+          <p:cNvPr id="2" name="标题 1"/>
+          <p:cNvSpPr>
+            <a:spLocks noGrp="1"/>
+          </p:cNvSpPr>
+          <p:nvPr>
+            <p:ph type="title"/>
+          </p:nvPr>
+        </p:nvSpPr>
+        <p:spPr>
+          <a:xfrm>
+            <a:off x="2370584" y="384883"/>
+            <a:ext cx="4402832" cy="1143000"/>
+          </a:xfrm>
+        </p:spPr>
+        <p:txBody>
+          <a:bodyPr/>
+          <a:lstStyle/>
+          <a:p>
+            <a:r>
+              <a:rPr lang="en-US" altLang="zh-CN" dirty="0">
+                <a:latin typeface="微软雅黑" panose="020B0503020204020204" pitchFamily="34" charset="-122"/>
+                <a:ea typeface="微软雅黑" panose="020B0503020204020204" pitchFamily="34" charset="-122"/>
+              </a:rPr>
+              <a:t>KNN</a:t>
+            </a:r>
+            <a:r>
+              <a:rPr lang="zh-CN" altLang="en-US" dirty="0">
+                <a:latin typeface="微软雅黑" panose="020B0503020204020204" pitchFamily="34" charset="-122"/>
+                <a:ea typeface="微软雅黑" panose="020B0503020204020204" pitchFamily="34" charset="-122"/>
+              </a:rPr>
+              <a:t>分类算法</a:t>
+            </a:r>
+          </a:p>
+        </p:txBody>
+      </p:sp>
+      <p:sp>
+        <p:nvSpPr>
+          <p:cNvPr id="4" name="TextBox 3"/>
+          <p:cNvSpPr txBox="1"/>
+          <p:nvPr/>
+        </p:nvSpPr>
+        <p:spPr>
+          <a:xfrm>
+            <a:off x="611560" y="1581566"/>
+            <a:ext cx="8424936" cy="1289905"/>
+          </a:xfrm>
+          <a:prstGeom prst="rect">
+            <a:avLst/>
+          </a:prstGeom>
+          <a:noFill/>
+        </p:spPr>
+        <p:txBody>
+          <a:bodyPr wrap="square" rtlCol="0">
+            <a:spAutoFit/>
+          </a:bodyPr>
+          <a:lstStyle/>
+          <a:p>
+            <a:pPr>
+              <a:lnSpc>
+                <a:spcPct val="150000"/>
+              </a:lnSpc>
+            </a:pPr>
+            <a:r>
+              <a:rPr lang="en-US" altLang="zh-CN" dirty="0">
+                <a:latin typeface="微软雅黑" panose="020B0503020204020204" pitchFamily="34" charset="-122"/>
+                <a:ea typeface="微软雅黑" panose="020B0503020204020204" pitchFamily="34" charset="-122"/>
+              </a:rPr>
+              <a:t>1.</a:t>
+            </a:r>
+            <a:r>
+              <a:rPr lang="zh-CN" altLang="en-US" dirty="0">
+                <a:latin typeface="微软雅黑" panose="020B0503020204020204" pitchFamily="34" charset="-122"/>
+                <a:ea typeface="微软雅黑" panose="020B0503020204020204" pitchFamily="34" charset="-122"/>
+              </a:rPr>
+              <a:t>算距离</a:t>
+            </a:r>
+            <a:r>
+              <a:rPr lang="en-US" altLang="zh-CN" dirty="0">
+                <a:latin typeface="微软雅黑" panose="020B0503020204020204" pitchFamily="34" charset="-122"/>
+                <a:ea typeface="微软雅黑" panose="020B0503020204020204" pitchFamily="34" charset="-122"/>
+              </a:rPr>
+              <a:t>(</a:t>
+            </a:r>
+            <a:r>
+              <a:rPr lang="zh-CN" altLang="en-US" dirty="0">
+                <a:latin typeface="微软雅黑" panose="020B0503020204020204" pitchFamily="34" charset="-122"/>
+                <a:ea typeface="微软雅黑" panose="020B0503020204020204" pitchFamily="34" charset="-122"/>
+              </a:rPr>
+              <a:t>相似度</a:t>
+            </a:r>
+            <a:r>
+              <a:rPr lang="en-US" altLang="zh-CN" dirty="0">
+                <a:latin typeface="微软雅黑" panose="020B0503020204020204" pitchFamily="34" charset="-122"/>
+                <a:ea typeface="微软雅黑" panose="020B0503020204020204" pitchFamily="34" charset="-122"/>
+              </a:rPr>
+              <a:t>)</a:t>
+            </a:r>
+            <a:r>
+              <a:rPr lang="zh-CN" altLang="en-US" dirty="0">
+                <a:latin typeface="微软雅黑" panose="020B0503020204020204" pitchFamily="34" charset="-122"/>
+                <a:ea typeface="微软雅黑" panose="020B0503020204020204" pitchFamily="34" charset="-122"/>
+              </a:rPr>
+              <a:t>：给定测试对象，计算它与训练集中的每个对象的距离</a:t>
+            </a:r>
+            <a:endParaRPr lang="en-US" altLang="zh-CN" dirty="0">
+              <a:latin typeface="微软雅黑" panose="020B0503020204020204" pitchFamily="34" charset="-122"/>
+              <a:ea typeface="微软雅黑" panose="020B0503020204020204" pitchFamily="34" charset="-122"/>
+            </a:endParaRPr>
+          </a:p>
+          <a:p>
+            <a:pPr>
+              <a:lnSpc>
+                <a:spcPct val="150000"/>
+              </a:lnSpc>
+            </a:pPr>
+            <a:r>
+              <a:rPr lang="en-US" altLang="zh-CN" dirty="0">
+                <a:latin typeface="微软雅黑" panose="020B0503020204020204" pitchFamily="34" charset="-122"/>
+                <a:ea typeface="微软雅黑" panose="020B0503020204020204" pitchFamily="34" charset="-122"/>
+              </a:rPr>
+              <a:t>2.</a:t>
+            </a:r>
+            <a:r>
+              <a:rPr lang="zh-CN" altLang="en-US" dirty="0">
+                <a:latin typeface="微软雅黑" panose="020B0503020204020204" pitchFamily="34" charset="-122"/>
+                <a:ea typeface="微软雅黑" panose="020B0503020204020204" pitchFamily="34" charset="-122"/>
+              </a:rPr>
+              <a:t>找邻居：圈定距离最近的</a:t>
+            </a:r>
+            <a:r>
+              <a:rPr lang="en-US" altLang="zh-CN" dirty="0">
+                <a:latin typeface="微软雅黑" panose="020B0503020204020204" pitchFamily="34" charset="-122"/>
+                <a:ea typeface="微软雅黑" panose="020B0503020204020204" pitchFamily="34" charset="-122"/>
+              </a:rPr>
+              <a:t>k</a:t>
+            </a:r>
+            <a:r>
+              <a:rPr lang="zh-CN" altLang="en-US" dirty="0">
+                <a:latin typeface="微软雅黑" panose="020B0503020204020204" pitchFamily="34" charset="-122"/>
+                <a:ea typeface="微软雅黑" panose="020B0503020204020204" pitchFamily="34" charset="-122"/>
+              </a:rPr>
+              <a:t>个训练对象，作为测试对象的邻居</a:t>
+            </a:r>
+            <a:endParaRPr lang="en-US" altLang="zh-CN" dirty="0">
+              <a:latin typeface="微软雅黑" panose="020B0503020204020204" pitchFamily="34" charset="-122"/>
+              <a:ea typeface="微软雅黑" panose="020B0503020204020204" pitchFamily="34" charset="-122"/>
+            </a:endParaRPr>
+          </a:p>
+          <a:p>
+            <a:pPr>
+              <a:lnSpc>
+                <a:spcPct val="150000"/>
+              </a:lnSpc>
+            </a:pPr>
+            <a:r>
+              <a:rPr lang="en-US" altLang="zh-CN" dirty="0">
+                <a:latin typeface="微软雅黑" panose="020B0503020204020204" pitchFamily="34" charset="-122"/>
+                <a:ea typeface="微软雅黑" panose="020B0503020204020204" pitchFamily="34" charset="-122"/>
+              </a:rPr>
+              <a:t>3.</a:t>
+            </a:r>
+            <a:r>
+              <a:rPr lang="zh-CN" altLang="en-US" dirty="0">
+                <a:latin typeface="微软雅黑" panose="020B0503020204020204" pitchFamily="34" charset="-122"/>
+                <a:ea typeface="微软雅黑" panose="020B0503020204020204" pitchFamily="34" charset="-122"/>
+              </a:rPr>
+              <a:t>做分类：根据邻居的类别来对测试对象进行投票分类，</a:t>
+            </a:r>
+            <a:r>
+              <a:rPr lang="zh-CN" altLang="en-US" dirty="0">
+                <a:solidFill>
+                  <a:srgbClr val="FF0000"/>
+                </a:solidFill>
+                <a:latin typeface="微软雅黑" panose="020B0503020204020204" pitchFamily="34" charset="-122"/>
+                <a:ea typeface="微软雅黑" panose="020B0503020204020204" pitchFamily="34" charset="-122"/>
+              </a:rPr>
+              <a:t>同票不一定同权</a:t>
+            </a:r>
+          </a:p>
+        </p:txBody>
+      </p:sp>
+      <p:sp>
+        <p:nvSpPr>
+          <p:cNvPr id="6" name="TextBox 3">
+            <a:extLst>
+              <a:ext uri="{FF2B5EF4-FFF2-40B4-BE49-F238E27FC236}">
+                <a16:creationId xmlns:a16="http://schemas.microsoft.com/office/drawing/2014/main" id="{594DE7A4-0A76-4572-A4E6-1FEBD5D534DD}"/>
+              </a:ext>
+            </a:extLst>
+          </p:cNvPr>
+          <p:cNvSpPr txBox="1"/>
+          <p:nvPr/>
+        </p:nvSpPr>
+        <p:spPr>
+          <a:xfrm>
+            <a:off x="618011" y="2981610"/>
+            <a:ext cx="5034109" cy="1705403"/>
+          </a:xfrm>
+          <a:prstGeom prst="rect">
+            <a:avLst/>
+          </a:prstGeom>
+          <a:noFill/>
+        </p:spPr>
+        <p:txBody>
+          <a:bodyPr wrap="square" rtlCol="0">
+            <a:spAutoFit/>
+          </a:bodyPr>
+          <a:lstStyle/>
+          <a:p>
+            <a:pPr latinLnBrk="1">
+              <a:lnSpc>
+                <a:spcPct val="150000"/>
+              </a:lnSpc>
+            </a:pPr>
+            <a:r>
+              <a:rPr lang="zh-CN" altLang="en-US" dirty="0">
+                <a:latin typeface="微软雅黑" panose="020B0503020204020204" pitchFamily="34" charset="-122"/>
+                <a:ea typeface="微软雅黑" panose="020B0503020204020204" pitchFamily="34" charset="-122"/>
+              </a:rPr>
+              <a:t>优点：</a:t>
+            </a:r>
+            <a:endParaRPr lang="en-US" altLang="zh-CN" dirty="0">
+              <a:latin typeface="微软雅黑" panose="020B0503020204020204" pitchFamily="34" charset="-122"/>
+              <a:ea typeface="微软雅黑" panose="020B0503020204020204" pitchFamily="34" charset="-122"/>
+            </a:endParaRPr>
+          </a:p>
+          <a:p>
+            <a:pPr latinLnBrk="1">
+              <a:lnSpc>
+                <a:spcPct val="150000"/>
+              </a:lnSpc>
+            </a:pPr>
+            <a:r>
+              <a:rPr lang="en-US" altLang="zh-CN" dirty="0">
+                <a:latin typeface="微软雅黑" panose="020B0503020204020204" pitchFamily="34" charset="-122"/>
+                <a:ea typeface="微软雅黑" panose="020B0503020204020204" pitchFamily="34" charset="-122"/>
+              </a:rPr>
+              <a:t>    1.</a:t>
+            </a:r>
+            <a:r>
+              <a:rPr lang="zh-CN" altLang="zh-CN" dirty="0">
+                <a:latin typeface="微软雅黑" panose="020B0503020204020204" pitchFamily="34" charset="-122"/>
+                <a:ea typeface="微软雅黑" panose="020B0503020204020204" pitchFamily="34" charset="-122"/>
+              </a:rPr>
+              <a:t>简单，</a:t>
+            </a:r>
+            <a:r>
+              <a:rPr lang="zh-CN" altLang="en-US" dirty="0">
+                <a:latin typeface="微软雅黑" panose="020B0503020204020204" pitchFamily="34" charset="-122"/>
+                <a:ea typeface="微软雅黑" panose="020B0503020204020204" pitchFamily="34" charset="-122"/>
+              </a:rPr>
+              <a:t>有效</a:t>
+            </a:r>
+            <a:endParaRPr lang="en-US" altLang="zh-CN" dirty="0">
+              <a:latin typeface="微软雅黑" panose="020B0503020204020204" pitchFamily="34" charset="-122"/>
+              <a:ea typeface="微软雅黑" panose="020B0503020204020204" pitchFamily="34" charset="-122"/>
+            </a:endParaRPr>
+          </a:p>
+          <a:p>
+            <a:pPr latinLnBrk="1">
+              <a:lnSpc>
+                <a:spcPct val="150000"/>
+              </a:lnSpc>
+            </a:pPr>
+            <a:r>
+              <a:rPr lang="en-US" altLang="zh-CN" dirty="0">
+                <a:latin typeface="微软雅黑" panose="020B0503020204020204" pitchFamily="34" charset="-122"/>
+                <a:ea typeface="微软雅黑" panose="020B0503020204020204" pitchFamily="34" charset="-122"/>
+              </a:rPr>
+              <a:t>    2.</a:t>
+            </a:r>
+            <a:r>
+              <a:rPr lang="zh-CN" altLang="zh-CN" dirty="0">
+                <a:latin typeface="微软雅黑" panose="020B0503020204020204" pitchFamily="34" charset="-122"/>
+                <a:ea typeface="微软雅黑" panose="020B0503020204020204" pitchFamily="34" charset="-122"/>
+              </a:rPr>
+              <a:t>适用于类域的交叉或重叠较多的待分样本集</a:t>
+            </a:r>
+            <a:endParaRPr lang="en-US" altLang="zh-CN" dirty="0">
+              <a:latin typeface="微软雅黑" panose="020B0503020204020204" pitchFamily="34" charset="-122"/>
+              <a:ea typeface="微软雅黑" panose="020B0503020204020204" pitchFamily="34" charset="-122"/>
+            </a:endParaRPr>
+          </a:p>
+          <a:p>
+            <a:pPr latinLnBrk="1">
+              <a:lnSpc>
+                <a:spcPct val="150000"/>
+              </a:lnSpc>
+            </a:pPr>
+            <a:r>
+              <a:rPr lang="en-US" altLang="zh-CN" dirty="0">
+                <a:latin typeface="微软雅黑" panose="020B0503020204020204" pitchFamily="34" charset="-122"/>
+                <a:ea typeface="微软雅黑" panose="020B0503020204020204" pitchFamily="34" charset="-122"/>
+              </a:rPr>
+              <a:t>    3.</a:t>
+            </a:r>
+            <a:r>
+              <a:rPr lang="zh-CN" altLang="zh-CN" dirty="0">
+                <a:latin typeface="微软雅黑" panose="020B0503020204020204" pitchFamily="34" charset="-122"/>
+                <a:ea typeface="微软雅黑" panose="020B0503020204020204" pitchFamily="34" charset="-122"/>
+              </a:rPr>
+              <a:t>适用于样本容量比较大的类域的自动分类</a:t>
+            </a:r>
+            <a:endParaRPr lang="zh-CN" altLang="en-US" dirty="0">
+              <a:latin typeface="微软雅黑" panose="020B0503020204020204" pitchFamily="34" charset="-122"/>
+              <a:ea typeface="微软雅黑" panose="020B0503020204020204" pitchFamily="34" charset="-122"/>
+            </a:endParaRPr>
+          </a:p>
+        </p:txBody>
+      </p:sp>
+      <p:sp>
+        <p:nvSpPr>
+          <p:cNvPr id="8" name="TextBox 3">
+            <a:extLst>
+              <a:ext uri="{FF2B5EF4-FFF2-40B4-BE49-F238E27FC236}">
+                <a16:creationId xmlns:a16="http://schemas.microsoft.com/office/drawing/2014/main" id="{22FF6489-EFBE-48DE-A523-ADAA6382C931}"/>
+              </a:ext>
+            </a:extLst>
+          </p:cNvPr>
+          <p:cNvSpPr txBox="1"/>
+          <p:nvPr/>
+        </p:nvSpPr>
+        <p:spPr>
+          <a:xfrm>
+            <a:off x="618011" y="4797152"/>
+            <a:ext cx="3521941" cy="1705403"/>
+          </a:xfrm>
+          <a:prstGeom prst="rect">
+            <a:avLst/>
+          </a:prstGeom>
+          <a:noFill/>
+        </p:spPr>
+        <p:txBody>
+          <a:bodyPr wrap="square" rtlCol="0">
+            <a:spAutoFit/>
+          </a:bodyPr>
+          <a:lstStyle/>
+          <a:p>
+            <a:pPr latinLnBrk="1">
+              <a:lnSpc>
+                <a:spcPct val="150000"/>
+              </a:lnSpc>
+            </a:pPr>
+            <a:r>
+              <a:rPr lang="zh-CN" altLang="en-US" dirty="0">
+                <a:latin typeface="微软雅黑" panose="020B0503020204020204" pitchFamily="34" charset="-122"/>
+                <a:ea typeface="微软雅黑" panose="020B0503020204020204" pitchFamily="34" charset="-122"/>
+              </a:rPr>
+              <a:t>缺点：</a:t>
+            </a:r>
+            <a:endParaRPr lang="en-US" altLang="zh-CN" dirty="0">
+              <a:latin typeface="微软雅黑" panose="020B0503020204020204" pitchFamily="34" charset="-122"/>
+              <a:ea typeface="微软雅黑" panose="020B0503020204020204" pitchFamily="34" charset="-122"/>
+            </a:endParaRPr>
+          </a:p>
+          <a:p>
+            <a:pPr latinLnBrk="1">
+              <a:lnSpc>
+                <a:spcPct val="150000"/>
+              </a:lnSpc>
+            </a:pPr>
+            <a:r>
+              <a:rPr lang="en-US" altLang="zh-CN" dirty="0">
+                <a:latin typeface="微软雅黑" panose="020B0503020204020204" pitchFamily="34" charset="-122"/>
+                <a:ea typeface="微软雅黑" panose="020B0503020204020204" pitchFamily="34" charset="-122"/>
+              </a:rPr>
+              <a:t>    1.</a:t>
+            </a:r>
+            <a:r>
+              <a:rPr lang="zh-CN" altLang="zh-CN" dirty="0">
+                <a:latin typeface="微软雅黑" panose="020B0503020204020204" pitchFamily="34" charset="-122"/>
+                <a:ea typeface="微软雅黑" panose="020B0503020204020204" pitchFamily="34" charset="-122"/>
+              </a:rPr>
+              <a:t>懒散学习方法</a:t>
+            </a:r>
+            <a:r>
+              <a:rPr lang="zh-CN" altLang="en-US" dirty="0">
+                <a:latin typeface="微软雅黑" panose="020B0503020204020204" pitchFamily="34" charset="-122"/>
+                <a:ea typeface="微软雅黑" panose="020B0503020204020204" pitchFamily="34" charset="-122"/>
+              </a:rPr>
+              <a:t>，速度慢</a:t>
+            </a:r>
+            <a:endParaRPr lang="en-US" altLang="zh-CN" dirty="0">
+              <a:latin typeface="微软雅黑" panose="020B0503020204020204" pitchFamily="34" charset="-122"/>
+              <a:ea typeface="微软雅黑" panose="020B0503020204020204" pitchFamily="34" charset="-122"/>
+            </a:endParaRPr>
+          </a:p>
+          <a:p>
+            <a:pPr latinLnBrk="1">
+              <a:lnSpc>
+                <a:spcPct val="150000"/>
+              </a:lnSpc>
+            </a:pPr>
+            <a:r>
+              <a:rPr lang="en-US" altLang="zh-CN" dirty="0">
+                <a:latin typeface="微软雅黑" panose="020B0503020204020204" pitchFamily="34" charset="-122"/>
+                <a:ea typeface="微软雅黑" panose="020B0503020204020204" pitchFamily="34" charset="-122"/>
+              </a:rPr>
+              <a:t>    2.</a:t>
+            </a:r>
+            <a:r>
+              <a:rPr lang="zh-CN" altLang="zh-CN" dirty="0">
+                <a:latin typeface="微软雅黑" panose="020B0503020204020204" pitchFamily="34" charset="-122"/>
+                <a:ea typeface="微软雅黑" panose="020B0503020204020204" pitchFamily="34" charset="-122"/>
+              </a:rPr>
+              <a:t>数量并不能影响运行结果</a:t>
+            </a:r>
+            <a:endParaRPr lang="en-US" altLang="zh-CN" dirty="0">
+              <a:latin typeface="微软雅黑" panose="020B0503020204020204" pitchFamily="34" charset="-122"/>
+              <a:ea typeface="微软雅黑" panose="020B0503020204020204" pitchFamily="34" charset="-122"/>
+            </a:endParaRPr>
+          </a:p>
+          <a:p>
+            <a:pPr latinLnBrk="1">
+              <a:lnSpc>
+                <a:spcPct val="150000"/>
+              </a:lnSpc>
+            </a:pPr>
+            <a:r>
+              <a:rPr lang="en-US" altLang="zh-CN" dirty="0">
+                <a:latin typeface="微软雅黑" panose="020B0503020204020204" pitchFamily="34" charset="-122"/>
+                <a:ea typeface="微软雅黑" panose="020B0503020204020204" pitchFamily="34" charset="-122"/>
+              </a:rPr>
+              <a:t>    3.</a:t>
+            </a:r>
+            <a:r>
+              <a:rPr lang="zh-CN" altLang="zh-CN" dirty="0">
+                <a:latin typeface="微软雅黑" panose="020B0503020204020204" pitchFamily="34" charset="-122"/>
+                <a:ea typeface="微软雅黑" panose="020B0503020204020204" pitchFamily="34" charset="-122"/>
+              </a:rPr>
+              <a:t>计算量较大</a:t>
+            </a:r>
+            <a:endParaRPr lang="zh-CN" altLang="en-US" dirty="0">
+              <a:latin typeface="微软雅黑" panose="020B0503020204020204" pitchFamily="34" charset="-122"/>
+              <a:ea typeface="微软雅黑" panose="020B0503020204020204" pitchFamily="34" charset="-122"/>
+            </a:endParaRPr>
+          </a:p>
+        </p:txBody>
+      </p:sp>
+    </p:spTree>
+  </p:cSld>
+  <p:clrMapOvr>
+    <a:masterClrMapping/>
+  </p:clrMapOvr>
+</p:sld>
+</file>
+
+<file path=ppt/slides/slide4.xml><?xml version="1.0" encoding="utf-8"?>
+<p:sld xmlns:a="http://schemas.openxmlformats.org/drawingml/2006/main" xmlns:r="http://schemas.openxmlformats.org/officeDocument/2006/relationships" xmlns:p="http://schemas.openxmlformats.org/presentationml/2006/main">
+  <p:cSld>
+    <p:spTree>
+      <p:nvGrpSpPr>
+        <p:cNvPr id="1" name=""/>
+        <p:cNvGrpSpPr/>
+        <p:nvPr/>
+      </p:nvGrpSpPr>
+      <p:grpSpPr>
+        <a:xfrm>
+          <a:off x="0" y="0"/>
+          <a:ext cx="0" cy="0"/>
+          <a:chOff x="0" y="0"/>
+          <a:chExt cx="0" cy="0"/>
+        </a:xfrm>
+      </p:grpSpPr>
+      <p:sp>
+        <p:nvSpPr>
+          <p:cNvPr id="2" name="标题 1"/>
+          <p:cNvSpPr>
+            <a:spLocks noGrp="1"/>
+          </p:cNvSpPr>
+          <p:nvPr>
+            <p:ph type="title"/>
+          </p:nvPr>
+        </p:nvSpPr>
+        <p:spPr/>
+        <p:txBody>
+          <a:bodyPr/>
+          <a:lstStyle/>
+          <a:p>
+            <a:r>
+              <a:rPr lang="zh-CN" altLang="en-US" dirty="0">
+                <a:latin typeface="微软雅黑" panose="020B0503020204020204" pitchFamily="34" charset="-122"/>
+                <a:ea typeface="微软雅黑" panose="020B0503020204020204" pitchFamily="34" charset="-122"/>
+              </a:rPr>
+              <a:t>如何判断距离（相似度）</a:t>
+            </a:r>
+          </a:p>
+        </p:txBody>
+      </p:sp>
+      <p:sp>
+        <p:nvSpPr>
+          <p:cNvPr id="3" name="矩形 2">
+            <a:extLst>
+              <a:ext uri="{FF2B5EF4-FFF2-40B4-BE49-F238E27FC236}">
+                <a16:creationId xmlns:a16="http://schemas.microsoft.com/office/drawing/2014/main" id="{DEB2230A-72F1-4C6D-8849-9EEE99DC4E8E}"/>
+              </a:ext>
+            </a:extLst>
+          </p:cNvPr>
+          <p:cNvSpPr/>
+          <p:nvPr/>
+        </p:nvSpPr>
+        <p:spPr>
+          <a:xfrm>
+            <a:off x="1037819" y="3447810"/>
+            <a:ext cx="6982569" cy="923330"/>
+          </a:xfrm>
+          <a:prstGeom prst="rect">
+            <a:avLst/>
+          </a:prstGeom>
+        </p:spPr>
+        <p:txBody>
+          <a:bodyPr wrap="square">
+            <a:spAutoFit/>
+          </a:bodyPr>
+          <a:lstStyle/>
+          <a:p>
+            <a:r>
+              <a:rPr lang="zh-CN" altLang="en-US" dirty="0">
+                <a:solidFill>
+                  <a:srgbClr val="333333"/>
+                </a:solidFill>
+                <a:ea typeface="微软雅黑" panose="020B0503020204020204" pitchFamily="34" charset="-122"/>
+              </a:rPr>
+              <a:t>余弦相似度用向量空间中两个向量夹角的余弦值作为衡量两个个体间差异的大小。相比距离度量，余弦相似度更加注重两个向量在方向上的差异，而非距离或长度上。公式如下：</a:t>
+            </a:r>
+          </a:p>
+        </p:txBody>
+      </p:sp>
+      <p:pic>
+        <p:nvPicPr>
+          <p:cNvPr id="7" name="图片 6">
+            <a:extLst>
+              <a:ext uri="{FF2B5EF4-FFF2-40B4-BE49-F238E27FC236}">
+                <a16:creationId xmlns:a16="http://schemas.microsoft.com/office/drawing/2014/main" id="{02F7E0EC-262E-4BC7-B7B8-150526E5B944}"/>
+              </a:ext>
+            </a:extLst>
+          </p:cNvPr>
+          <p:cNvPicPr>
+            <a:picLocks noChangeAspect="1"/>
+          </p:cNvPicPr>
+          <p:nvPr/>
+        </p:nvPicPr>
+        <p:blipFill>
+          <a:blip r:embed="rId3" cstate="print">
+            <a:extLst>
+              <a:ext uri="{28A0092B-C50C-407E-A947-70E740481C1C}">
+                <a14:useLocalDpi xmlns:a14="http://schemas.microsoft.com/office/drawing/2010/main" val="0"/>
+              </a:ext>
+            </a:extLst>
+          </a:blip>
+          <a:stretch>
+            <a:fillRect/>
+          </a:stretch>
+        </p:blipFill>
+        <p:spPr>
+          <a:xfrm>
+            <a:off x="1259632" y="4371140"/>
+            <a:ext cx="4884847" cy="1271135"/>
+          </a:xfrm>
+          <a:prstGeom prst="rect">
+            <a:avLst/>
+          </a:prstGeom>
+        </p:spPr>
+      </p:pic>
+      <p:sp>
+        <p:nvSpPr>
+          <p:cNvPr id="8" name="矩形 7">
+            <a:extLst>
+              <a:ext uri="{FF2B5EF4-FFF2-40B4-BE49-F238E27FC236}">
+                <a16:creationId xmlns:a16="http://schemas.microsoft.com/office/drawing/2014/main" id="{28A68C5F-2178-467E-A75B-0C51564BEA6E}"/>
+              </a:ext>
+            </a:extLst>
+          </p:cNvPr>
+          <p:cNvSpPr/>
+          <p:nvPr/>
+        </p:nvSpPr>
+        <p:spPr>
+          <a:xfrm>
+            <a:off x="1043608" y="1625942"/>
+            <a:ext cx="7272808" cy="1477328"/>
+          </a:xfrm>
+          <a:prstGeom prst="rect">
+            <a:avLst/>
+          </a:prstGeom>
+        </p:spPr>
+        <p:txBody>
+          <a:bodyPr wrap="square">
+            <a:spAutoFit/>
+          </a:bodyPr>
+          <a:lstStyle/>
+          <a:p>
+            <a:r>
+              <a:rPr lang="zh-CN" altLang="zh-CN" dirty="0">
+                <a:solidFill>
+                  <a:srgbClr val="333333"/>
+                </a:solidFill>
+                <a:ea typeface="微软雅黑" panose="020B0503020204020204" pitchFamily="34" charset="-122"/>
+                <a:cs typeface="宋体" panose="02010600030101010101" pitchFamily="2" charset="-122"/>
+              </a:rPr>
+              <a:t> 常用的距离度量方法</a:t>
+            </a:r>
+            <a:r>
+              <a:rPr lang="zh-CN" altLang="en-US" dirty="0">
+                <a:solidFill>
+                  <a:srgbClr val="333333"/>
+                </a:solidFill>
+                <a:ea typeface="微软雅黑" panose="020B0503020204020204" pitchFamily="34" charset="-122"/>
+                <a:cs typeface="宋体" panose="02010600030101010101" pitchFamily="2" charset="-122"/>
+              </a:rPr>
+              <a:t>有</a:t>
+            </a:r>
+            <a:r>
+              <a:rPr lang="zh-CN" altLang="zh-CN" dirty="0">
+                <a:solidFill>
+                  <a:srgbClr val="333333"/>
+                </a:solidFill>
+                <a:ea typeface="微软雅黑" panose="020B0503020204020204" pitchFamily="34" charset="-122"/>
+                <a:cs typeface="宋体" panose="02010600030101010101" pitchFamily="2" charset="-122"/>
+              </a:rPr>
+              <a:t>欧几里得距离和余弦相似度。两者都是评定个体间差异的大小的。欧几里得距离度量会受指标不同单位刻度的影响，所以一般需要先进行标准化，同时距离越大，个体间差异越大；空间向量余弦夹角的相似度度量不会受指标刻度的影响，余弦值落于区间</a:t>
+            </a:r>
+            <a:r>
+              <a:rPr lang="en-US" altLang="zh-CN" dirty="0">
+                <a:solidFill>
+                  <a:srgbClr val="333333"/>
+                </a:solidFill>
+                <a:ea typeface="微软雅黑" panose="020B0503020204020204" pitchFamily="34" charset="-122"/>
+                <a:cs typeface="宋体" panose="02010600030101010101" pitchFamily="2" charset="-122"/>
+              </a:rPr>
+              <a:t>[-1,1]</a:t>
+            </a:r>
+            <a:r>
+              <a:rPr lang="zh-CN" altLang="zh-CN" dirty="0">
+                <a:solidFill>
+                  <a:srgbClr val="333333"/>
+                </a:solidFill>
+                <a:ea typeface="微软雅黑" panose="020B0503020204020204" pitchFamily="34" charset="-122"/>
+                <a:cs typeface="宋体" panose="02010600030101010101" pitchFamily="2" charset="-122"/>
+              </a:rPr>
+              <a:t>，值越大，差异越小。</a:t>
+            </a:r>
+            <a:endParaRPr lang="zh-CN" altLang="en-US" dirty="0"/>
+          </a:p>
+        </p:txBody>
+      </p:sp>
+    </p:spTree>
+  </p:cSld>
+  <p:clrMapOvr>
+    <a:masterClrMapping/>
+  </p:clrMapOvr>
+</p:sld>
+</file>
+
+<file path=ppt/slides/slide5.xml><?xml version="1.0" encoding="utf-8"?>
+<p:sld xmlns:a="http://schemas.openxmlformats.org/drawingml/2006/main" xmlns:r="http://schemas.openxmlformats.org/officeDocument/2006/relationships" xmlns:p="http://schemas.openxmlformats.org/presentationml/2006/main">
+  <p:cSld>
+    <p:spTree>
+      <p:nvGrpSpPr>
+        <p:cNvPr id="1" name=""/>
+        <p:cNvGrpSpPr/>
+        <p:nvPr/>
+      </p:nvGrpSpPr>
+      <p:grpSpPr>
+        <a:xfrm>
+          <a:off x="0" y="0"/>
+          <a:ext cx="0" cy="0"/>
+          <a:chOff x="0" y="0"/>
+          <a:chExt cx="0" cy="0"/>
+        </a:xfrm>
+      </p:grpSpPr>
+      <p:sp>
+        <p:nvSpPr>
+          <p:cNvPr id="2" name="标题 1">
+            <a:extLst>
+              <a:ext uri="{FF2B5EF4-FFF2-40B4-BE49-F238E27FC236}">
+                <a16:creationId xmlns:a16="http://schemas.microsoft.com/office/drawing/2014/main" id="{7F81D5A8-110D-4894-BF14-C6940F57ECC3}"/>
+              </a:ext>
+            </a:extLst>
+          </p:cNvPr>
+          <p:cNvSpPr>
+            <a:spLocks noGrp="1"/>
+          </p:cNvSpPr>
+          <p:nvPr>
+            <p:ph type="title"/>
+          </p:nvPr>
+        </p:nvSpPr>
+        <p:spPr/>
+        <p:txBody>
+          <a:bodyPr/>
+          <a:lstStyle/>
+          <a:p>
+            <a:r>
+              <a:rPr lang="zh-CN" altLang="en-US" dirty="0">
+                <a:latin typeface="微软雅黑" panose="020B0503020204020204" pitchFamily="34" charset="-122"/>
+                <a:ea typeface="微软雅黑" panose="020B0503020204020204" pitchFamily="34" charset="-122"/>
+              </a:rPr>
+              <a:t>如何找邻居：</a:t>
+            </a:r>
+            <a:r>
+              <a:rPr lang="en-US" altLang="zh-CN" dirty="0">
+                <a:latin typeface="微软雅黑" panose="020B0503020204020204" pitchFamily="34" charset="-122"/>
+                <a:ea typeface="微软雅黑" panose="020B0503020204020204" pitchFamily="34" charset="-122"/>
+              </a:rPr>
+              <a:t>K</a:t>
+            </a:r>
+            <a:r>
+              <a:rPr lang="zh-CN" altLang="en-US" dirty="0">
+                <a:latin typeface="微软雅黑" panose="020B0503020204020204" pitchFamily="34" charset="-122"/>
+                <a:ea typeface="微软雅黑" panose="020B0503020204020204" pitchFamily="34" charset="-122"/>
+              </a:rPr>
+              <a:t>值的选择</a:t>
+            </a:r>
+          </a:p>
+        </p:txBody>
+      </p:sp>
+      <p:sp>
+        <p:nvSpPr>
+          <p:cNvPr id="3" name="内容占位符 2">
+            <a:extLst>
+              <a:ext uri="{FF2B5EF4-FFF2-40B4-BE49-F238E27FC236}">
+                <a16:creationId xmlns:a16="http://schemas.microsoft.com/office/drawing/2014/main" id="{B076A477-7888-4601-AFA0-D446D842C438}"/>
+              </a:ext>
+            </a:extLst>
+          </p:cNvPr>
+          <p:cNvSpPr>
+            <a:spLocks noGrp="1"/>
+          </p:cNvSpPr>
+          <p:nvPr>
+            <p:ph idx="1"/>
+          </p:nvPr>
+        </p:nvSpPr>
+        <p:spPr/>
+        <p:txBody>
+          <a:bodyPr>
+            <a:normAutofit/>
+          </a:bodyPr>
+          <a:lstStyle/>
+          <a:p>
+            <a:pPr marL="0" indent="0">
+              <a:buNone/>
+            </a:pPr>
+            <a:r>
+              <a:rPr lang="en-US" altLang="zh-CN" sz="2000" dirty="0"/>
+              <a:t>K</a:t>
+            </a:r>
+            <a:r>
+              <a:rPr lang="zh-CN" altLang="en-US" sz="2000" dirty="0"/>
+              <a:t>值越小</a:t>
+            </a:r>
+            <a:endParaRPr lang="en-US" altLang="zh-CN" sz="2000" dirty="0"/>
+          </a:p>
+          <a:p>
+            <a:r>
+              <a:rPr lang="zh-CN" altLang="en-US" sz="2000" dirty="0"/>
+              <a:t>用较小的邻域中的训练实例进行预测</a:t>
+            </a:r>
+            <a:endParaRPr lang="en-US" altLang="zh-CN" sz="2000" dirty="0"/>
+          </a:p>
+          <a:p>
+            <a:r>
+              <a:rPr lang="zh-CN" altLang="en-US" sz="2000" dirty="0"/>
+              <a:t>预测结果会对近邻的实例点非常敏感</a:t>
+            </a:r>
+            <a:endParaRPr lang="en-US" altLang="zh-CN" sz="2000" dirty="0"/>
+          </a:p>
+          <a:p>
+            <a:r>
+              <a:rPr lang="zh-CN" altLang="en-US" sz="2000" dirty="0"/>
+              <a:t>模型复杂</a:t>
+            </a:r>
+            <a:endParaRPr lang="en-US" altLang="zh-CN" sz="2000" dirty="0"/>
+          </a:p>
+          <a:p>
+            <a:pPr marL="0" indent="0">
+              <a:buNone/>
+            </a:pPr>
+            <a:endParaRPr lang="en-US" altLang="zh-CN" sz="2000" dirty="0"/>
+          </a:p>
+          <a:p>
+            <a:pPr marL="0" indent="0">
+              <a:buNone/>
+            </a:pPr>
+            <a:r>
+              <a:rPr lang="en-US" altLang="zh-CN" sz="2000" dirty="0"/>
+              <a:t>K</a:t>
+            </a:r>
+            <a:r>
+              <a:rPr lang="zh-CN" altLang="en-US" sz="2000" dirty="0"/>
+              <a:t>值越大</a:t>
+            </a:r>
+            <a:endParaRPr lang="en-US" altLang="zh-CN" sz="2000" dirty="0"/>
+          </a:p>
+          <a:p>
+            <a:r>
+              <a:rPr lang="zh-CN" altLang="en-US" sz="2000" dirty="0"/>
+              <a:t>用较大的邻域中的训练实例进行预测</a:t>
+            </a:r>
+            <a:endParaRPr lang="en-US" altLang="zh-CN" sz="2000" dirty="0"/>
+          </a:p>
+          <a:p>
+            <a:r>
+              <a:rPr lang="zh-CN" altLang="en-US" sz="2000" dirty="0"/>
+              <a:t>与输入实例较远的训练实例也会对预测期作用</a:t>
+            </a:r>
+            <a:endParaRPr lang="en-US" altLang="zh-CN" sz="2000" dirty="0"/>
+          </a:p>
+          <a:p>
+            <a:r>
+              <a:rPr lang="zh-CN" altLang="en-US" sz="2000" dirty="0"/>
+              <a:t>模型简单</a:t>
+            </a:r>
+            <a:endParaRPr lang="en-US" altLang="zh-CN" sz="2000" dirty="0"/>
+          </a:p>
+          <a:p>
+            <a:pPr marL="0" indent="0">
+              <a:buNone/>
+            </a:pPr>
+            <a:endParaRPr lang="en-US" altLang="zh-CN" sz="2000" dirty="0"/>
+          </a:p>
+          <a:p>
+            <a:pPr marL="0" indent="0">
+              <a:buNone/>
+            </a:pPr>
+            <a:r>
+              <a:rPr lang="en-US" altLang="zh-CN" sz="2000" dirty="0"/>
+              <a:t>K</a:t>
+            </a:r>
+            <a:r>
+              <a:rPr lang="zh-CN" altLang="en-US" sz="2000" dirty="0"/>
+              <a:t>一般是较小，但不为</a:t>
+            </a:r>
+            <a:r>
+              <a:rPr lang="en-US" altLang="zh-CN" sz="2000" dirty="0"/>
+              <a:t>1</a:t>
+            </a:r>
+            <a:r>
+              <a:rPr lang="zh-CN" altLang="en-US" sz="2000" dirty="0"/>
+              <a:t>的数值，通常会使用交叉验证法来选取最优的</a:t>
+            </a:r>
+            <a:r>
+              <a:rPr lang="en-US" altLang="zh-CN" sz="2000" dirty="0"/>
+              <a:t>K</a:t>
+            </a:r>
+            <a:r>
+              <a:rPr lang="zh-CN" altLang="en-US" sz="2000" dirty="0"/>
+              <a:t>值。</a:t>
+            </a:r>
+          </a:p>
+        </p:txBody>
+      </p:sp>
+      <p:pic>
+        <p:nvPicPr>
+          <p:cNvPr id="4" name="Picture 3">
+            <a:extLst>
+              <a:ext uri="{FF2B5EF4-FFF2-40B4-BE49-F238E27FC236}">
+                <a16:creationId xmlns:a16="http://schemas.microsoft.com/office/drawing/2014/main" id="{62910DEC-368E-4C50-8F0D-4154F5E2D515}"/>
+              </a:ext>
+            </a:extLst>
+          </p:cNvPr>
+          <p:cNvPicPr>
+            <a:picLocks noChangeAspect="1" noChangeArrowheads="1"/>
+          </p:cNvPicPr>
+          <p:nvPr/>
+        </p:nvPicPr>
+        <p:blipFill>
+          <a:blip r:embed="rId2">
+            <a:extLst>
+              <a:ext uri="{28A0092B-C50C-407E-A947-70E740481C1C}">
+                <a14:useLocalDpi xmlns:a14="http://schemas.microsoft.com/office/drawing/2010/main" val="0"/>
+              </a:ext>
+            </a:extLst>
+          </a:blip>
+          <a:srcRect/>
+          <a:stretch>
+            <a:fillRect/>
+          </a:stretch>
+        </p:blipFill>
+        <p:spPr bwMode="auto">
+          <a:xfrm>
+            <a:off x="5076056" y="1916832"/>
+            <a:ext cx="3358439" cy="1827783"/>
           </a:xfrm>
           <a:prstGeom prst="rect">
             <a:avLst/>
@@ -6491,21 +7997,19 @@
         </p:spPr>
       </p:pic>
     </p:spTree>
+    <p:extLst>
+      <p:ext uri="{BB962C8B-B14F-4D97-AF65-F5344CB8AC3E}">
+        <p14:creationId xmlns:p14="http://schemas.microsoft.com/office/powerpoint/2010/main" val="3561602571"/>
+      </p:ext>
+    </p:extLst>
   </p:cSld>
   <p:clrMapOvr>
     <a:masterClrMapping/>
   </p:clrMapOvr>
-  <p:timing>
-    <p:tnLst>
-      <p:par>
-        <p:cTn id="1" dur="indefinite" restart="never" nodeType="tmRoot"/>
-      </p:par>
-    </p:tnLst>
-  </p:timing>
 </p:sld>
 </file>
 
-<file path=ppt/slides/slide4.xml><?xml version="1.0" encoding="utf-8"?>
+<file path=ppt/slides/slide6.xml><?xml version="1.0" encoding="utf-8"?>
 <p:sld xmlns:a="http://schemas.openxmlformats.org/drawingml/2006/main" xmlns:r="http://schemas.openxmlformats.org/officeDocument/2006/relationships" xmlns:p="http://schemas.openxmlformats.org/presentationml/2006/main">
   <p:cSld>
     <p:spTree>
@@ -6524,7 +8028,13 @@
       </p:grpSpPr>
       <p:sp>
         <p:nvSpPr>
-          <p:cNvPr id="2" name="标题 1"/>
+          <p:cNvPr id="2" name="标题 1">
+            <a:extLst>
+              <a:ext uri="{FF2B5EF4-FFF2-40B4-BE49-F238E27FC236}">
+                <a16:creationId xmlns:a16="http://schemas.microsoft.com/office/drawing/2014/main" id="{8A5B4614-2773-430C-8E0A-8229B576A712}"/>
+              </a:ext>
+            </a:extLst>
+          </p:cNvPr>
           <p:cNvSpPr>
             <a:spLocks noGrp="1"/>
           </p:cNvSpPr>
@@ -6538,125 +8048,223 @@
           <a:lstStyle/>
           <a:p>
             <a:r>
-              <a:rPr lang="en-US" altLang="zh-CN" dirty="0" smtClean="0"/>
-              <a:t>KNN</a:t>
-            </a:r>
-            <a:r>
-              <a:rPr lang="zh-CN" altLang="en-US" dirty="0" smtClean="0"/>
-              <a:t>与</a:t>
-            </a:r>
-            <a:r>
-              <a:rPr lang="en-US" altLang="zh-CN" dirty="0" smtClean="0"/>
-              <a:t>K-means</a:t>
-            </a:r>
-            <a:r>
-              <a:rPr lang="zh-CN" altLang="en-US" dirty="0" smtClean="0"/>
-              <a:t>聚类</a:t>
-            </a:r>
-            <a:endParaRPr lang="zh-CN" altLang="en-US" dirty="0"/>
-          </a:p>
-        </p:txBody>
-      </p:sp>
-      <p:sp>
-        <p:nvSpPr>
-          <p:cNvPr id="4" name="TextBox 3"/>
-          <p:cNvSpPr txBox="1"/>
-          <p:nvPr/>
-        </p:nvSpPr>
+              <a:rPr lang="zh-CN" altLang="en-US" dirty="0">
+                <a:latin typeface="微软雅黑" panose="020B0503020204020204" pitchFamily="34" charset="-122"/>
+                <a:ea typeface="微软雅黑" panose="020B0503020204020204" pitchFamily="34" charset="-122"/>
+              </a:rPr>
+              <a:t>如何投票分类：同票不一定同权</a:t>
+            </a:r>
+          </a:p>
+        </p:txBody>
+      </p:sp>
+      <p:pic>
+        <p:nvPicPr>
+          <p:cNvPr id="5" name="内容占位符 4">
+            <a:extLst>
+              <a:ext uri="{FF2B5EF4-FFF2-40B4-BE49-F238E27FC236}">
+                <a16:creationId xmlns:a16="http://schemas.microsoft.com/office/drawing/2014/main" id="{605C737B-168D-4E55-925D-5B937FB661A3}"/>
+              </a:ext>
+            </a:extLst>
+          </p:cNvPr>
+          <p:cNvPicPr>
+            <a:picLocks noGrp="1" noChangeAspect="1"/>
+          </p:cNvPicPr>
+          <p:nvPr>
+            <p:ph idx="1"/>
+          </p:nvPr>
+        </p:nvPicPr>
+        <p:blipFill>
+          <a:blip r:embed="rId2"/>
+          <a:stretch>
+            <a:fillRect/>
+          </a:stretch>
+        </p:blipFill>
         <p:spPr>
           <a:xfrm>
-            <a:off x="611560" y="1988840"/>
-            <a:ext cx="6614375" cy="369332"/>
+            <a:off x="5220072" y="4149080"/>
+            <a:ext cx="3139756" cy="2354817"/>
           </a:xfrm>
           <a:prstGeom prst="rect">
             <a:avLst/>
           </a:prstGeom>
-          <a:noFill/>
         </p:spPr>
-        <p:txBody>
-          <a:bodyPr wrap="none" rtlCol="0">
-            <a:spAutoFit/>
-          </a:bodyPr>
-          <a:lstStyle/>
-          <a:p>
-            <a:r>
-              <a:rPr lang="en-US" altLang="zh-CN" dirty="0" smtClean="0"/>
-              <a:t> KNN</a:t>
-            </a:r>
-            <a:r>
-              <a:rPr lang="zh-CN" altLang="en-US" dirty="0" smtClean="0"/>
-              <a:t>：</a:t>
-            </a:r>
-            <a:r>
-              <a:rPr lang="en-US" altLang="zh-CN" dirty="0" smtClean="0"/>
-              <a:t>k-nearest neighbors  K-</a:t>
-            </a:r>
-            <a:r>
-              <a:rPr lang="zh-CN" altLang="en-US" dirty="0" smtClean="0"/>
-              <a:t>最紧邻。找到最近邻居，投票决定  </a:t>
-            </a:r>
-            <a:endParaRPr lang="zh-CN" altLang="en-US" dirty="0"/>
-          </a:p>
-        </p:txBody>
-      </p:sp>
-      <p:sp>
-        <p:nvSpPr>
-          <p:cNvPr id="5" name="TextBox 4"/>
-          <p:cNvSpPr txBox="1"/>
+      </p:pic>
+      <p:pic>
+        <p:nvPicPr>
+          <p:cNvPr id="4" name="图片 3">
+            <a:extLst>
+              <a:ext uri="{FF2B5EF4-FFF2-40B4-BE49-F238E27FC236}">
+                <a16:creationId xmlns:a16="http://schemas.microsoft.com/office/drawing/2014/main" id="{A3EF0E7E-F9FF-41ED-A22F-D6EBFFA16EB3}"/>
+              </a:ext>
+            </a:extLst>
+          </p:cNvPr>
+          <p:cNvPicPr>
+            <a:picLocks noChangeAspect="1"/>
+          </p:cNvPicPr>
           <p:nvPr/>
-        </p:nvSpPr>
+        </p:nvPicPr>
+        <p:blipFill>
+          <a:blip r:embed="rId3"/>
+          <a:stretch>
+            <a:fillRect/>
+          </a:stretch>
+        </p:blipFill>
         <p:spPr>
           <a:xfrm>
-            <a:off x="755576" y="2555941"/>
-            <a:ext cx="6266459" cy="369332"/>
+            <a:off x="5220072" y="1531511"/>
+            <a:ext cx="3139756" cy="2354817"/>
           </a:xfrm>
           <a:prstGeom prst="rect">
             <a:avLst/>
           </a:prstGeom>
-          <a:noFill/>
         </p:spPr>
-        <p:txBody>
-          <a:bodyPr wrap="none" rtlCol="0">
+      </p:pic>
+      <p:sp>
+        <p:nvSpPr>
+          <p:cNvPr id="6" name="矩形 5">
+            <a:extLst>
+              <a:ext uri="{FF2B5EF4-FFF2-40B4-BE49-F238E27FC236}">
+                <a16:creationId xmlns:a16="http://schemas.microsoft.com/office/drawing/2014/main" id="{FA48A919-5E82-4BB2-B823-25F4A8C21BFF}"/>
+              </a:ext>
+            </a:extLst>
+          </p:cNvPr>
+          <p:cNvSpPr/>
+          <p:nvPr/>
+        </p:nvSpPr>
+        <p:spPr>
+          <a:xfrm>
+            <a:off x="683568" y="2276872"/>
+            <a:ext cx="4248472" cy="646331"/>
+          </a:xfrm>
+          <a:prstGeom prst="rect">
+            <a:avLst/>
+          </a:prstGeom>
+        </p:spPr>
+        <p:txBody>
+          <a:bodyPr wrap="square">
             <a:spAutoFit/>
           </a:bodyPr>
           <a:lstStyle/>
           <a:p>
             <a:r>
-              <a:rPr lang="en-US" altLang="zh-CN" dirty="0" smtClean="0"/>
-              <a:t>K-means</a:t>
-            </a:r>
-            <a:r>
-              <a:rPr lang="zh-CN" altLang="en-US" dirty="0" smtClean="0"/>
-              <a:t>：</a:t>
-            </a:r>
-            <a:r>
-              <a:rPr lang="en-US" altLang="zh-CN" dirty="0" smtClean="0"/>
-              <a:t>K-</a:t>
-            </a:r>
-            <a:r>
-              <a:rPr lang="zh-CN" altLang="en-US" dirty="0" smtClean="0"/>
-              <a:t>均值算法。距离类别中心的距离作为判断依据。</a:t>
-            </a:r>
-            <a:endParaRPr lang="zh-CN" altLang="en-US" dirty="0"/>
+              <a:rPr lang="zh-CN" altLang="en-US" dirty="0">
+                <a:solidFill>
+                  <a:srgbClr val="333333"/>
+                </a:solidFill>
+                <a:ea typeface="微软雅黑" panose="020B0503020204020204" pitchFamily="34" charset="-122"/>
+              </a:rPr>
+              <a:t>一般平均</a:t>
+            </a:r>
+            <a:r>
+              <a:rPr lang="en-US" altLang="zh-CN" dirty="0">
+                <a:solidFill>
+                  <a:srgbClr val="333333"/>
+                </a:solidFill>
+                <a:ea typeface="微软雅黑" panose="020B0503020204020204" pitchFamily="34" charset="-122"/>
+              </a:rPr>
+              <a:t>uniform</a:t>
+            </a:r>
+            <a:r>
+              <a:rPr lang="zh-CN" altLang="en-US" dirty="0">
+                <a:solidFill>
+                  <a:srgbClr val="333333"/>
+                </a:solidFill>
+                <a:ea typeface="微软雅黑" panose="020B0503020204020204" pitchFamily="34" charset="-122"/>
+              </a:rPr>
+              <a:t>：只要在距离范围内，那么投票权重都相同。</a:t>
+            </a:r>
+          </a:p>
+        </p:txBody>
+      </p:sp>
+      <p:sp>
+        <p:nvSpPr>
+          <p:cNvPr id="7" name="矩形 6">
+            <a:extLst>
+              <a:ext uri="{FF2B5EF4-FFF2-40B4-BE49-F238E27FC236}">
+                <a16:creationId xmlns:a16="http://schemas.microsoft.com/office/drawing/2014/main" id="{449B5044-3F59-4628-8FA4-BB33D68F6F20}"/>
+              </a:ext>
+            </a:extLst>
+          </p:cNvPr>
+          <p:cNvSpPr/>
+          <p:nvPr/>
+        </p:nvSpPr>
+        <p:spPr>
+          <a:xfrm>
+            <a:off x="683568" y="4140724"/>
+            <a:ext cx="4248472" cy="923330"/>
+          </a:xfrm>
+          <a:prstGeom prst="rect">
+            <a:avLst/>
+          </a:prstGeom>
+        </p:spPr>
+        <p:txBody>
+          <a:bodyPr wrap="square">
+            <a:spAutoFit/>
+          </a:bodyPr>
+          <a:lstStyle/>
+          <a:p>
+            <a:r>
+              <a:rPr lang="zh-CN" altLang="en-US" dirty="0">
+                <a:solidFill>
+                  <a:srgbClr val="333333"/>
+                </a:solidFill>
+                <a:ea typeface="微软雅黑" panose="020B0503020204020204" pitchFamily="34" charset="-122"/>
+              </a:rPr>
+              <a:t>加权平均</a:t>
+            </a:r>
+            <a:r>
+              <a:rPr lang="en-US" altLang="zh-CN" dirty="0">
+                <a:solidFill>
+                  <a:srgbClr val="333333"/>
+                </a:solidFill>
+                <a:ea typeface="微软雅黑" panose="020B0503020204020204" pitchFamily="34" charset="-122"/>
+              </a:rPr>
+              <a:t>distance</a:t>
+            </a:r>
+            <a:r>
+              <a:rPr lang="zh-CN" altLang="en-US" dirty="0">
+                <a:solidFill>
+                  <a:srgbClr val="333333"/>
+                </a:solidFill>
+                <a:ea typeface="微软雅黑" panose="020B0503020204020204" pitchFamily="34" charset="-122"/>
+              </a:rPr>
+              <a:t>：在</a:t>
+            </a:r>
+            <a:r>
+              <a:rPr lang="en-US" altLang="zh-CN" dirty="0">
+                <a:solidFill>
+                  <a:srgbClr val="333333"/>
+                </a:solidFill>
+                <a:ea typeface="微软雅黑" panose="020B0503020204020204" pitchFamily="34" charset="-122"/>
+              </a:rPr>
+              <a:t>K</a:t>
+            </a:r>
+            <a:r>
+              <a:rPr lang="zh-CN" altLang="en-US" dirty="0">
+                <a:solidFill>
+                  <a:srgbClr val="333333"/>
+                </a:solidFill>
+                <a:ea typeface="微软雅黑" panose="020B0503020204020204" pitchFamily="34" charset="-122"/>
+              </a:rPr>
+              <a:t>值范围内，投票权重与距离成反比，距离越近权重越大，距离越远权重越小。</a:t>
+            </a:r>
           </a:p>
         </p:txBody>
       </p:sp>
     </p:spTree>
+    <p:extLst>
+      <p:ext uri="{BB962C8B-B14F-4D97-AF65-F5344CB8AC3E}">
+        <p14:creationId xmlns:p14="http://schemas.microsoft.com/office/powerpoint/2010/main" val="3580670759"/>
+      </p:ext>
+    </p:extLst>
   </p:cSld>
   <p:clrMapOvr>
     <a:masterClrMapping/>
   </p:clrMapOvr>
-  <p:timing>
-    <p:tnLst>
-      <p:par>
-        <p:cTn id="1" dur="indefinite" restart="never" nodeType="tmRoot"/>
-      </p:par>
-    </p:tnLst>
-  </p:timing>
 </p:sld>
 </file>
 
-<file path=ppt/slides/slide5.xml><?xml version="1.0" encoding="utf-8"?>
+<file path=ppt/slides/slide7.xml><?xml version="1.0" encoding="utf-8"?>
 <p:sld xmlns:a="http://schemas.openxmlformats.org/drawingml/2006/main" xmlns:r="http://schemas.openxmlformats.org/officeDocument/2006/relationships" xmlns:p="http://schemas.openxmlformats.org/presentationml/2006/main">
   <p:cSld>
     <p:spTree>
@@ -6689,14 +8297,13 @@
           <a:lstStyle/>
           <a:p>
             <a:r>
-              <a:rPr lang="en-US" altLang="zh-CN" dirty="0" smtClean="0"/>
+              <a:rPr lang="en-US" altLang="zh-CN" dirty="0"/>
               <a:t>KNN</a:t>
             </a:r>
             <a:r>
-              <a:rPr lang="zh-CN" altLang="en-US" dirty="0" smtClean="0"/>
-              <a:t>算法举例</a:t>
-            </a:r>
-            <a:endParaRPr lang="zh-CN" altLang="en-US" dirty="0"/>
+              <a:rPr lang="zh-CN" altLang="en-US" dirty="0"/>
+              <a:t>算法动态示例</a:t>
+            </a:r>
           </a:p>
         </p:txBody>
       </p:sp>
@@ -6709,7 +8316,7 @@
           <p:nvPr/>
         </p:nvPicPr>
         <p:blipFill>
-          <a:blip r:embed="rId1">
+          <a:blip r:embed="rId2">
             <a:extLst>
               <a:ext uri="{28A0092B-C50C-407E-A947-70E740481C1C}">
                 <a14:useLocalDpi xmlns:a14="http://schemas.microsoft.com/office/drawing/2010/main" val="0"/>
@@ -6750,7 +8357,7 @@
           <p:nvPr/>
         </p:nvPicPr>
         <p:blipFill>
-          <a:blip r:embed="rId2">
+          <a:blip r:embed="rId3">
             <a:extLst>
               <a:ext uri="{28A0092B-C50C-407E-A947-70E740481C1C}">
                 <a14:useLocalDpi xmlns:a14="http://schemas.microsoft.com/office/drawing/2010/main" val="0"/>
@@ -6814,7 +8421,7 @@
           <p:nvPr/>
         </p:nvPicPr>
         <p:blipFill>
-          <a:blip r:embed="rId3">
+          <a:blip r:embed="rId4">
             <a:extLst>
               <a:ext uri="{28A0092B-C50C-407E-A947-70E740481C1C}">
                 <a14:useLocalDpi xmlns:a14="http://schemas.microsoft.com/office/drawing/2010/main" val="0"/>
@@ -6878,7 +8485,7 @@
           <p:nvPr/>
         </p:nvPicPr>
         <p:blipFill>
-          <a:blip r:embed="rId4">
+          <a:blip r:embed="rId5">
             <a:extLst>
               <a:ext uri="{28A0092B-C50C-407E-A947-70E740481C1C}">
                 <a14:useLocalDpi xmlns:a14="http://schemas.microsoft.com/office/drawing/2010/main" val="0"/>
@@ -6938,538 +8545,6 @@
   <p:clrMapOvr>
     <a:masterClrMapping/>
   </p:clrMapOvr>
-  <p:timing>
-    <p:tnLst>
-      <p:par>
-        <p:cTn id="1" dur="indefinite" restart="never" nodeType="tmRoot"/>
-      </p:par>
-    </p:tnLst>
-  </p:timing>
-</p:sld>
-</file>
-
-<file path=ppt/slides/slide6.xml><?xml version="1.0" encoding="utf-8"?>
-<p:sld xmlns:a="http://schemas.openxmlformats.org/drawingml/2006/main" xmlns:r="http://schemas.openxmlformats.org/officeDocument/2006/relationships" xmlns:p="http://schemas.openxmlformats.org/presentationml/2006/main">
-  <p:cSld>
-    <p:spTree>
-      <p:nvGrpSpPr>
-        <p:cNvPr id="1" name=""/>
-        <p:cNvGrpSpPr/>
-        <p:nvPr/>
-      </p:nvGrpSpPr>
-      <p:grpSpPr>
-        <a:xfrm>
-          <a:off x="0" y="0"/>
-          <a:ext cx="0" cy="0"/>
-          <a:chOff x="0" y="0"/>
-          <a:chExt cx="0" cy="0"/>
-        </a:xfrm>
-      </p:grpSpPr>
-      <p:sp>
-        <p:nvSpPr>
-          <p:cNvPr id="2" name="标题 1"/>
-          <p:cNvSpPr>
-            <a:spLocks noGrp="1"/>
-          </p:cNvSpPr>
-          <p:nvPr>
-            <p:ph type="title"/>
-          </p:nvPr>
-        </p:nvSpPr>
-        <p:spPr/>
-        <p:txBody>
-          <a:bodyPr/>
-          <a:lstStyle/>
-          <a:p>
-            <a:r>
-              <a:rPr lang="zh-CN" altLang="en-US" dirty="0" smtClean="0"/>
-              <a:t>如何判断远近呢</a:t>
-            </a:r>
-            <a:endParaRPr lang="zh-CN" altLang="en-US" dirty="0"/>
-          </a:p>
-        </p:txBody>
-      </p:sp>
-      <p:pic>
-        <p:nvPicPr>
-          <p:cNvPr id="4098" name="Picture 2" descr="“cos  vector”的图片搜索结果"/>
-          <p:cNvPicPr>
-            <a:picLocks noChangeAspect="1" noChangeArrowheads="1"/>
-          </p:cNvPicPr>
-          <p:nvPr/>
-        </p:nvPicPr>
-        <p:blipFill>
-          <a:blip r:embed="rId1">
-            <a:extLst>
-              <a:ext uri="{28A0092B-C50C-407E-A947-70E740481C1C}">
-                <a14:useLocalDpi xmlns:a14="http://schemas.microsoft.com/office/drawing/2010/main" val="0"/>
-              </a:ext>
-            </a:extLst>
-          </a:blip>
-          <a:srcRect/>
-          <a:stretch>
-            <a:fillRect/>
-          </a:stretch>
-        </p:blipFill>
-        <p:spPr bwMode="auto">
-          <a:xfrm>
-            <a:off x="1403648" y="1988840"/>
-            <a:ext cx="6310731" cy="1642179"/>
-          </a:xfrm>
-          <a:prstGeom prst="rect">
-            <a:avLst/>
-          </a:prstGeom>
-          <a:noFill/>
-          <a:extLst>
-            <a:ext uri="{909E8E84-426E-40DD-AFC4-6F175D3DCCD1}">
-              <a14:hiddenFill xmlns:a14="http://schemas.microsoft.com/office/drawing/2010/main">
-                <a:solidFill>
-                  <a:srgbClr val="FFFFFF"/>
-                </a:solidFill>
-              </a14:hiddenFill>
-            </a:ext>
-          </a:extLst>
-        </p:spPr>
-      </p:pic>
-      <p:sp>
-        <p:nvSpPr>
-          <p:cNvPr id="4" name="TextBox 3"/>
-          <p:cNvSpPr txBox="1"/>
-          <p:nvPr/>
-        </p:nvSpPr>
-        <p:spPr>
-          <a:xfrm>
-            <a:off x="755576" y="2924944"/>
-            <a:ext cx="763351" cy="369332"/>
-          </a:xfrm>
-          <a:prstGeom prst="rect">
-            <a:avLst/>
-          </a:prstGeom>
-          <a:noFill/>
-        </p:spPr>
-        <p:txBody>
-          <a:bodyPr wrap="none" rtlCol="0">
-            <a:spAutoFit/>
-          </a:bodyPr>
-          <a:lstStyle/>
-          <a:p>
-            <a:r>
-              <a:rPr lang="zh-CN" altLang="en-US" dirty="0" smtClean="0"/>
-              <a:t>（</a:t>
-            </a:r>
-            <a:r>
-              <a:rPr lang="en-US" altLang="zh-CN" dirty="0"/>
-              <a:t>1</a:t>
-            </a:r>
-            <a:r>
-              <a:rPr lang="zh-CN" altLang="en-US" dirty="0" smtClean="0"/>
-              <a:t>）</a:t>
-            </a:r>
-            <a:endParaRPr lang="zh-CN" altLang="en-US" dirty="0"/>
-          </a:p>
-        </p:txBody>
-      </p:sp>
-      <p:sp>
-        <p:nvSpPr>
-          <p:cNvPr id="5" name="TextBox 4"/>
-          <p:cNvSpPr txBox="1"/>
-          <p:nvPr/>
-        </p:nvSpPr>
-        <p:spPr>
-          <a:xfrm>
-            <a:off x="827584" y="4590256"/>
-            <a:ext cx="1277914" cy="369332"/>
-          </a:xfrm>
-          <a:prstGeom prst="rect">
-            <a:avLst/>
-          </a:prstGeom>
-          <a:noFill/>
-        </p:spPr>
-        <p:txBody>
-          <a:bodyPr wrap="none" rtlCol="0">
-            <a:spAutoFit/>
-          </a:bodyPr>
-          <a:lstStyle/>
-          <a:p>
-            <a:r>
-              <a:rPr lang="zh-CN" altLang="en-US" dirty="0" smtClean="0"/>
-              <a:t>（</a:t>
-            </a:r>
-            <a:r>
-              <a:rPr lang="en-US" altLang="zh-CN" dirty="0" smtClean="0"/>
-              <a:t>2</a:t>
-            </a:r>
-            <a:r>
-              <a:rPr lang="zh-CN" altLang="en-US" dirty="0" smtClean="0"/>
-              <a:t>） 投票</a:t>
-            </a:r>
-            <a:endParaRPr lang="zh-CN" altLang="en-US" dirty="0"/>
-          </a:p>
-        </p:txBody>
-      </p:sp>
-      <p:pic>
-        <p:nvPicPr>
-          <p:cNvPr id="4099" name="Picture 3"/>
-          <p:cNvPicPr>
-            <a:picLocks noChangeAspect="1" noChangeArrowheads="1"/>
-          </p:cNvPicPr>
-          <p:nvPr/>
-        </p:nvPicPr>
-        <p:blipFill>
-          <a:blip r:embed="rId2">
-            <a:extLst>
-              <a:ext uri="{28A0092B-C50C-407E-A947-70E740481C1C}">
-                <a14:useLocalDpi xmlns:a14="http://schemas.microsoft.com/office/drawing/2010/main" val="0"/>
-              </a:ext>
-            </a:extLst>
-          </a:blip>
-          <a:srcRect/>
-          <a:stretch>
-            <a:fillRect/>
-          </a:stretch>
-        </p:blipFill>
-        <p:spPr bwMode="auto">
-          <a:xfrm>
-            <a:off x="2350552" y="4149080"/>
-            <a:ext cx="4416921" cy="2403847"/>
-          </a:xfrm>
-          <a:prstGeom prst="rect">
-            <a:avLst/>
-          </a:prstGeom>
-          <a:noFill/>
-          <a:ln>
-            <a:noFill/>
-          </a:ln>
-          <a:effectLst/>
-          <a:extLst>
-            <a:ext uri="{909E8E84-426E-40DD-AFC4-6F175D3DCCD1}">
-              <a14:hiddenFill xmlns:a14="http://schemas.microsoft.com/office/drawing/2010/main">
-                <a:solidFill>
-                  <a:schemeClr val="accent1"/>
-                </a:solidFill>
-              </a14:hiddenFill>
-            </a:ext>
-            <a:ext uri="{91240B29-F687-4F45-9708-019B960494DF}">
-              <a14:hiddenLine xmlns:a14="http://schemas.microsoft.com/office/drawing/2010/main" w="9525">
-                <a:solidFill>
-                  <a:schemeClr val="tx1"/>
-                </a:solidFill>
-                <a:miter lim="800000"/>
-                <a:headEnd/>
-                <a:tailEnd/>
-              </a14:hiddenLine>
-            </a:ext>
-            <a:ext uri="{AF507438-7753-43E0-B8FC-AC1667EBCBE1}">
-              <a14:hiddenEffects xmlns:a14="http://schemas.microsoft.com/office/drawing/2010/main">
-                <a:effectLst>
-                  <a:outerShdw dist="35921" dir="2700000" algn="ctr" rotWithShape="0">
-                    <a:schemeClr val="bg2"/>
-                  </a:outerShdw>
-                </a:effectLst>
-              </a14:hiddenEffects>
-            </a:ext>
-          </a:extLst>
-        </p:spPr>
-      </p:pic>
-    </p:spTree>
-  </p:cSld>
-  <p:clrMapOvr>
-    <a:masterClrMapping/>
-  </p:clrMapOvr>
-  <p:timing>
-    <p:tnLst>
-      <p:par>
-        <p:cTn id="1" dur="indefinite" restart="never" nodeType="tmRoot"/>
-      </p:par>
-    </p:tnLst>
-  </p:timing>
-</p:sld>
-</file>
-
-<file path=ppt/slides/slide7.xml><?xml version="1.0" encoding="utf-8"?>
-<p:sld xmlns:a="http://schemas.openxmlformats.org/drawingml/2006/main" xmlns:r="http://schemas.openxmlformats.org/officeDocument/2006/relationships" xmlns:p="http://schemas.openxmlformats.org/presentationml/2006/main">
-  <p:cSld>
-    <p:spTree>
-      <p:nvGrpSpPr>
-        <p:cNvPr id="1" name=""/>
-        <p:cNvGrpSpPr/>
-        <p:nvPr/>
-      </p:nvGrpSpPr>
-      <p:grpSpPr>
-        <a:xfrm>
-          <a:off x="0" y="0"/>
-          <a:ext cx="0" cy="0"/>
-          <a:chOff x="0" y="0"/>
-          <a:chExt cx="0" cy="0"/>
-        </a:xfrm>
-      </p:grpSpPr>
-      <p:sp>
-        <p:nvSpPr>
-          <p:cNvPr id="2" name="标题 1"/>
-          <p:cNvSpPr>
-            <a:spLocks noGrp="1"/>
-          </p:cNvSpPr>
-          <p:nvPr>
-            <p:ph type="title"/>
-          </p:nvPr>
-        </p:nvSpPr>
-        <p:spPr/>
-        <p:txBody>
-          <a:bodyPr/>
-          <a:lstStyle/>
-          <a:p>
-            <a:r>
-              <a:rPr lang="zh-CN" altLang="en-US" dirty="0" smtClean="0"/>
-              <a:t>实例</a:t>
-            </a:r>
-            <a:endParaRPr lang="zh-CN" altLang="en-US" dirty="0"/>
-          </a:p>
-        </p:txBody>
-      </p:sp>
-      <p:sp>
-        <p:nvSpPr>
-          <p:cNvPr id="4" name="矩形 3"/>
-          <p:cNvSpPr/>
-          <p:nvPr/>
-        </p:nvSpPr>
-        <p:spPr>
-          <a:xfrm>
-            <a:off x="1763395" y="1225550"/>
-            <a:ext cx="7327265" cy="5631180"/>
-          </a:xfrm>
-          <a:prstGeom prst="rect">
-            <a:avLst/>
-          </a:prstGeom>
-        </p:spPr>
-        <p:txBody>
-          <a:bodyPr wrap="square">
-            <a:spAutoFit/>
-          </a:bodyPr>
-          <a:lstStyle/>
-          <a:p>
-            <a:r>
-              <a:rPr lang="en-US" altLang="zh-CN" dirty="0"/>
-              <a:t>import </a:t>
-            </a:r>
-            <a:r>
-              <a:rPr lang="en-US" altLang="zh-CN" dirty="0" err="1"/>
-              <a:t>numpy</a:t>
-            </a:r>
-            <a:r>
-              <a:rPr lang="en-US" altLang="zh-CN" dirty="0"/>
-              <a:t> as </a:t>
-            </a:r>
-            <a:r>
-              <a:rPr lang="en-US" altLang="zh-CN" dirty="0" err="1"/>
-              <a:t>np</a:t>
-            </a:r>
-            <a:endParaRPr lang="en-US" altLang="zh-CN" dirty="0"/>
-          </a:p>
-          <a:p>
-            <a:r>
-              <a:rPr lang="en-US" altLang="zh-CN" dirty="0"/>
-              <a:t>import </a:t>
-            </a:r>
-            <a:r>
-              <a:rPr lang="en-US" altLang="zh-CN" dirty="0" err="1"/>
-              <a:t>matplotlib.pyplot</a:t>
-            </a:r>
-            <a:r>
-              <a:rPr lang="en-US" altLang="zh-CN" dirty="0"/>
-              <a:t> as </a:t>
-            </a:r>
-            <a:r>
-              <a:rPr lang="en-US" altLang="zh-CN" dirty="0" err="1"/>
-              <a:t>plt</a:t>
-            </a:r>
-            <a:endParaRPr lang="en-US" altLang="zh-CN" dirty="0"/>
-          </a:p>
-          <a:p>
-            <a:r>
-              <a:rPr lang="en-US" altLang="zh-CN" dirty="0"/>
-              <a:t>from </a:t>
-            </a:r>
-            <a:r>
-              <a:rPr lang="en-US" altLang="zh-CN" dirty="0" err="1"/>
-              <a:t>matplotlib.colors</a:t>
-            </a:r>
-            <a:r>
-              <a:rPr lang="en-US" altLang="zh-CN" dirty="0"/>
-              <a:t> import </a:t>
-            </a:r>
-            <a:r>
-              <a:rPr lang="en-US" altLang="zh-CN" dirty="0" err="1"/>
-              <a:t>ListedColormap</a:t>
-            </a:r>
-            <a:endParaRPr lang="en-US" altLang="zh-CN" dirty="0"/>
-          </a:p>
-          <a:p>
-            <a:r>
-              <a:rPr lang="en-US" altLang="zh-CN" dirty="0"/>
-              <a:t>from </a:t>
-            </a:r>
-            <a:r>
-              <a:rPr lang="en-US" altLang="zh-CN" dirty="0" err="1"/>
-              <a:t>sklearn</a:t>
-            </a:r>
-            <a:r>
-              <a:rPr lang="en-US" altLang="zh-CN" dirty="0"/>
-              <a:t> import neighbors, datasets</a:t>
-            </a:r>
-            <a:endParaRPr lang="en-US" altLang="zh-CN" dirty="0"/>
-          </a:p>
-          <a:p>
-            <a:endParaRPr lang="en-US" altLang="zh-CN" dirty="0"/>
-          </a:p>
-          <a:p>
-            <a:r>
-              <a:rPr lang="en-US" altLang="zh-CN" dirty="0" err="1"/>
-              <a:t>n_neighbors</a:t>
-            </a:r>
-            <a:r>
-              <a:rPr lang="en-US" altLang="zh-CN" dirty="0"/>
-              <a:t> = 15</a:t>
-            </a:r>
-            <a:endParaRPr lang="en-US" altLang="zh-CN" dirty="0"/>
-          </a:p>
-          <a:p>
-            <a:endParaRPr lang="en-US" altLang="zh-CN" dirty="0"/>
-          </a:p>
-          <a:p>
-            <a:r>
-              <a:rPr lang="en-US" altLang="zh-CN" dirty="0"/>
-              <a:t># import some data to play with</a:t>
-            </a:r>
-            <a:endParaRPr lang="en-US" altLang="zh-CN" dirty="0"/>
-          </a:p>
-          <a:p>
-            <a:r>
-              <a:rPr lang="en-US" altLang="zh-CN" dirty="0"/>
-              <a:t>iris = </a:t>
-            </a:r>
-            <a:r>
-              <a:rPr lang="en-US" altLang="zh-CN" dirty="0" err="1"/>
-              <a:t>datasets.load_iris</a:t>
-            </a:r>
-            <a:r>
-              <a:rPr lang="en-US" altLang="zh-CN" dirty="0"/>
-              <a:t>()</a:t>
-            </a:r>
-            <a:endParaRPr lang="en-US" altLang="zh-CN" dirty="0"/>
-          </a:p>
-          <a:p>
-            <a:endParaRPr lang="en-US" altLang="zh-CN" dirty="0"/>
-          </a:p>
-          <a:p>
-            <a:r>
-              <a:rPr lang="en-US" altLang="zh-CN" dirty="0"/>
-              <a:t># we only take the first two features. We could avoid this ugly</a:t>
-            </a:r>
-            <a:endParaRPr lang="en-US" altLang="zh-CN" dirty="0"/>
-          </a:p>
-          <a:p>
-            <a:r>
-              <a:rPr lang="en-US" altLang="zh-CN" dirty="0"/>
-              <a:t># slicing by using a two-dim dataset</a:t>
-            </a:r>
-            <a:endParaRPr lang="en-US" altLang="zh-CN" dirty="0"/>
-          </a:p>
-          <a:p>
-            <a:r>
-              <a:rPr lang="en-US" altLang="zh-CN" dirty="0"/>
-              <a:t>X = </a:t>
-            </a:r>
-            <a:r>
-              <a:rPr lang="en-US" altLang="zh-CN" dirty="0" err="1"/>
-              <a:t>iris.data</a:t>
-            </a:r>
-            <a:r>
-              <a:rPr lang="en-US" altLang="zh-CN" dirty="0"/>
-              <a:t>[:, :2]</a:t>
-            </a:r>
-            <a:endParaRPr lang="en-US" altLang="zh-CN" dirty="0"/>
-          </a:p>
-          <a:p>
-            <a:r>
-              <a:rPr lang="en-US" altLang="zh-CN" dirty="0"/>
-              <a:t>y = </a:t>
-            </a:r>
-            <a:r>
-              <a:rPr lang="en-US" altLang="zh-CN" dirty="0" err="1"/>
-              <a:t>iris.target</a:t>
-            </a:r>
-            <a:endParaRPr lang="en-US" altLang="zh-CN" dirty="0"/>
-          </a:p>
-          <a:p>
-            <a:endParaRPr lang="en-US" altLang="zh-CN" dirty="0"/>
-          </a:p>
-          <a:p>
-            <a:r>
-              <a:rPr lang="en-US" altLang="zh-CN" dirty="0"/>
-              <a:t>h = .02  # step size in the mesh</a:t>
-            </a:r>
-            <a:endParaRPr lang="en-US" altLang="zh-CN" dirty="0"/>
-          </a:p>
-          <a:p>
-            <a:endParaRPr lang="en-US" altLang="zh-CN" dirty="0"/>
-          </a:p>
-          <a:p>
-            <a:r>
-              <a:rPr lang="en-US" altLang="zh-CN" dirty="0"/>
-              <a:t># Create color maps</a:t>
-            </a:r>
-            <a:endParaRPr lang="en-US" altLang="zh-CN" dirty="0"/>
-          </a:p>
-          <a:p>
-            <a:r>
-              <a:rPr lang="en-US" altLang="zh-CN" dirty="0" err="1"/>
-              <a:t>cmap_light</a:t>
-            </a:r>
-            <a:r>
-              <a:rPr lang="en-US" altLang="zh-CN" dirty="0"/>
-              <a:t> = </a:t>
-            </a:r>
-            <a:r>
-              <a:rPr lang="en-US" altLang="zh-CN" dirty="0" err="1"/>
-              <a:t>ListedColormap</a:t>
-            </a:r>
-            <a:r>
-              <a:rPr lang="en-US" altLang="zh-CN" dirty="0"/>
-              <a:t>(['#FFAAAA', '#AAFFAA', '#AAAAFF'])</a:t>
-            </a:r>
-            <a:endParaRPr lang="en-US" altLang="zh-CN" dirty="0"/>
-          </a:p>
-          <a:p>
-            <a:r>
-              <a:rPr lang="en-US" altLang="zh-CN" dirty="0" err="1"/>
-              <a:t>cmap_bold</a:t>
-            </a:r>
-            <a:r>
-              <a:rPr lang="en-US" altLang="zh-CN" dirty="0"/>
-              <a:t> = </a:t>
-            </a:r>
-            <a:r>
-              <a:rPr lang="en-US" altLang="zh-CN" dirty="0" err="1"/>
-              <a:t>ListedColormap</a:t>
-            </a:r>
-            <a:r>
-              <a:rPr lang="en-US" altLang="zh-CN" dirty="0"/>
-              <a:t>(['#FF0000', '#00FF00', '#0000FF'])</a:t>
-            </a:r>
-            <a:endParaRPr lang="zh-CN" altLang="en-US" dirty="0"/>
-          </a:p>
-        </p:txBody>
-      </p:sp>
-    </p:spTree>
-  </p:cSld>
-  <p:clrMapOvr>
-    <a:masterClrMapping/>
-  </p:clrMapOvr>
-  <p:timing>
-    <p:tnLst>
-      <p:par>
-        <p:cTn id="1" dur="indefinite" restart="never" nodeType="tmRoot"/>
-      </p:par>
-    </p:tnLst>
-  </p:timing>
 </p:sld>
 </file>
 
@@ -7492,7 +8567,13 @@
       </p:grpSpPr>
       <p:sp>
         <p:nvSpPr>
-          <p:cNvPr id="2" name="标题 1"/>
+          <p:cNvPr id="2" name="标题 1">
+            <a:extLst>
+              <a:ext uri="{FF2B5EF4-FFF2-40B4-BE49-F238E27FC236}">
+                <a16:creationId xmlns:a16="http://schemas.microsoft.com/office/drawing/2014/main" id="{D0959456-4D3B-42F2-BBA9-F04CE8B0C7C4}"/>
+              </a:ext>
+            </a:extLst>
+          </p:cNvPr>
           <p:cNvSpPr>
             <a:spLocks noGrp="1"/>
           </p:cNvSpPr>
@@ -7500,582 +8581,249 @@
             <p:ph type="title"/>
           </p:nvPr>
         </p:nvSpPr>
+        <p:spPr/>
+        <p:txBody>
+          <a:bodyPr/>
+          <a:lstStyle/>
+          <a:p>
+            <a:r>
+              <a:rPr lang="zh-CN" altLang="en-US" dirty="0">
+                <a:latin typeface="微软雅黑" panose="020B0503020204020204" pitchFamily="34" charset="-122"/>
+                <a:ea typeface="微软雅黑" panose="020B0503020204020204" pitchFamily="34" charset="-122"/>
+              </a:rPr>
+              <a:t>鸢尾花数据集</a:t>
+            </a:r>
+          </a:p>
+        </p:txBody>
+      </p:sp>
+      <p:pic>
+        <p:nvPicPr>
+          <p:cNvPr id="4" name="图片 3">
+            <a:extLst>
+              <a:ext uri="{FF2B5EF4-FFF2-40B4-BE49-F238E27FC236}">
+                <a16:creationId xmlns:a16="http://schemas.microsoft.com/office/drawing/2014/main" id="{7168C95E-98A3-45BA-8A50-F4A5D395AD6C}"/>
+              </a:ext>
+            </a:extLst>
+          </p:cNvPr>
+          <p:cNvPicPr>
+            <a:picLocks noChangeAspect="1"/>
+          </p:cNvPicPr>
+          <p:nvPr/>
+        </p:nvPicPr>
+        <p:blipFill>
+          <a:blip r:embed="rId2"/>
+          <a:stretch>
+            <a:fillRect/>
+          </a:stretch>
+        </p:blipFill>
         <p:spPr>
           <a:xfrm>
-            <a:off x="457200" y="274638"/>
-            <a:ext cx="8229600" cy="706090"/>
-          </a:xfrm>
-        </p:spPr>
-        <p:txBody>
-          <a:bodyPr>
-            <a:normAutofit fontScale="90000"/>
-          </a:bodyPr>
-          <a:lstStyle/>
-          <a:p>
-            <a:r>
-              <a:rPr lang="zh-CN" altLang="en-US" dirty="0" smtClean="0"/>
-              <a:t>实例</a:t>
-            </a:r>
-            <a:endParaRPr lang="zh-CN" altLang="en-US" dirty="0"/>
-          </a:p>
-        </p:txBody>
-      </p:sp>
-      <p:sp>
-        <p:nvSpPr>
-          <p:cNvPr id="4" name="矩形 3"/>
-          <p:cNvSpPr/>
-          <p:nvPr/>
-        </p:nvSpPr>
-        <p:spPr>
-          <a:xfrm>
-            <a:off x="539552" y="671691"/>
-            <a:ext cx="8262664" cy="6186309"/>
+            <a:off x="5724128" y="2204864"/>
+            <a:ext cx="2700343" cy="2913528"/>
           </a:xfrm>
           <a:prstGeom prst="rect">
             <a:avLst/>
           </a:prstGeom>
         </p:spPr>
+      </p:pic>
+      <p:sp>
+        <p:nvSpPr>
+          <p:cNvPr id="5" name="矩形 4">
+            <a:extLst>
+              <a:ext uri="{FF2B5EF4-FFF2-40B4-BE49-F238E27FC236}">
+                <a16:creationId xmlns:a16="http://schemas.microsoft.com/office/drawing/2014/main" id="{5677C3CE-3FF8-4363-A41F-6CD824EA66A3}"/>
+              </a:ext>
+            </a:extLst>
+          </p:cNvPr>
+          <p:cNvSpPr/>
+          <p:nvPr/>
+        </p:nvSpPr>
+        <p:spPr>
+          <a:xfrm>
+            <a:off x="611560" y="2204864"/>
+            <a:ext cx="4968552" cy="2536400"/>
+          </a:xfrm>
+          <a:prstGeom prst="rect">
+            <a:avLst/>
+          </a:prstGeom>
+        </p:spPr>
         <p:txBody>
           <a:bodyPr wrap="square">
             <a:spAutoFit/>
           </a:bodyPr>
           <a:lstStyle/>
           <a:p>
-            <a:r>
-              <a:rPr lang="en-US" altLang="zh-CN" dirty="0"/>
-              <a:t>for weights in ['uniform', 'distance']:</a:t>
-            </a:r>
-            <a:endParaRPr lang="en-US" altLang="zh-CN" dirty="0"/>
-          </a:p>
-          <a:p>
-            <a:r>
-              <a:rPr lang="en-US" altLang="zh-CN" dirty="0"/>
-              <a:t>    # we create an instance of </a:t>
-            </a:r>
-            <a:r>
-              <a:rPr lang="en-US" altLang="zh-CN" dirty="0" err="1"/>
-              <a:t>Neighbours</a:t>
-            </a:r>
-            <a:r>
-              <a:rPr lang="en-US" altLang="zh-CN" dirty="0"/>
-              <a:t> Classifier and fit the data.</a:t>
-            </a:r>
-            <a:endParaRPr lang="en-US" altLang="zh-CN" dirty="0"/>
-          </a:p>
-          <a:p>
-            <a:r>
-              <a:rPr lang="en-US" altLang="zh-CN" dirty="0"/>
-              <a:t>    </a:t>
-            </a:r>
-            <a:r>
-              <a:rPr lang="en-US" altLang="zh-CN" dirty="0" err="1"/>
-              <a:t>clf</a:t>
-            </a:r>
-            <a:r>
-              <a:rPr lang="en-US" altLang="zh-CN" dirty="0"/>
-              <a:t> = </a:t>
-            </a:r>
-            <a:r>
-              <a:rPr lang="en-US" altLang="zh-CN" dirty="0" err="1"/>
-              <a:t>neighbors.KNeighborsClassifier</a:t>
-            </a:r>
-            <a:r>
-              <a:rPr lang="en-US" altLang="zh-CN" dirty="0"/>
-              <a:t>(</a:t>
-            </a:r>
-            <a:r>
-              <a:rPr lang="en-US" altLang="zh-CN" dirty="0" err="1"/>
-              <a:t>n_neighbors</a:t>
-            </a:r>
-            <a:r>
-              <a:rPr lang="en-US" altLang="zh-CN" dirty="0"/>
-              <a:t>, weights=weights)</a:t>
-            </a:r>
-            <a:endParaRPr lang="en-US" altLang="zh-CN" dirty="0"/>
-          </a:p>
-          <a:p>
-            <a:r>
-              <a:rPr lang="en-US" altLang="zh-CN" dirty="0"/>
-              <a:t>    </a:t>
-            </a:r>
-            <a:r>
-              <a:rPr lang="en-US" altLang="zh-CN" dirty="0" err="1"/>
-              <a:t>clf.fit</a:t>
-            </a:r>
-            <a:r>
-              <a:rPr lang="en-US" altLang="zh-CN" dirty="0"/>
-              <a:t>(X, y</a:t>
-            </a:r>
-            <a:r>
-              <a:rPr lang="en-US" altLang="zh-CN" dirty="0" smtClean="0"/>
-              <a:t>)</a:t>
-            </a:r>
-            <a:endParaRPr lang="en-US" altLang="zh-CN" dirty="0"/>
-          </a:p>
-          <a:p>
-            <a:r>
-              <a:rPr lang="en-US" altLang="zh-CN" dirty="0"/>
-              <a:t>    # Plot the decision boundary. For that, we will assign a color to each</a:t>
-            </a:r>
-            <a:endParaRPr lang="en-US" altLang="zh-CN" dirty="0"/>
-          </a:p>
-          <a:p>
-            <a:r>
-              <a:rPr lang="en-US" altLang="zh-CN" dirty="0"/>
-              <a:t>    # point in the mesh [</a:t>
-            </a:r>
-            <a:r>
-              <a:rPr lang="en-US" altLang="zh-CN" dirty="0" err="1"/>
-              <a:t>x_min</a:t>
-            </a:r>
-            <a:r>
-              <a:rPr lang="en-US" altLang="zh-CN" dirty="0"/>
-              <a:t>, </a:t>
-            </a:r>
-            <a:r>
-              <a:rPr lang="en-US" altLang="zh-CN" dirty="0" err="1"/>
-              <a:t>x_max</a:t>
-            </a:r>
-            <a:r>
-              <a:rPr lang="en-US" altLang="zh-CN" dirty="0"/>
-              <a:t>]x[</a:t>
-            </a:r>
-            <a:r>
-              <a:rPr lang="en-US" altLang="zh-CN" dirty="0" err="1"/>
-              <a:t>y_min</a:t>
-            </a:r>
-            <a:r>
-              <a:rPr lang="en-US" altLang="zh-CN" dirty="0"/>
-              <a:t>, </a:t>
-            </a:r>
-            <a:r>
-              <a:rPr lang="en-US" altLang="zh-CN" dirty="0" err="1"/>
-              <a:t>y_max</a:t>
-            </a:r>
-            <a:r>
-              <a:rPr lang="en-US" altLang="zh-CN" dirty="0"/>
-              <a:t>].</a:t>
-            </a:r>
-            <a:endParaRPr lang="en-US" altLang="zh-CN" dirty="0"/>
-          </a:p>
-          <a:p>
-            <a:r>
-              <a:rPr lang="en-US" altLang="zh-CN" dirty="0"/>
-              <a:t>    </a:t>
-            </a:r>
-            <a:r>
-              <a:rPr lang="en-US" altLang="zh-CN" dirty="0" err="1"/>
-              <a:t>x_min</a:t>
-            </a:r>
-            <a:r>
-              <a:rPr lang="en-US" altLang="zh-CN" dirty="0"/>
-              <a:t>, </a:t>
-            </a:r>
-            <a:r>
-              <a:rPr lang="en-US" altLang="zh-CN" dirty="0" err="1"/>
-              <a:t>x_max</a:t>
-            </a:r>
-            <a:r>
-              <a:rPr lang="en-US" altLang="zh-CN" dirty="0"/>
-              <a:t> = X[:, 0].min() - 1, X[:, 0].max() + 1</a:t>
-            </a:r>
-            <a:endParaRPr lang="en-US" altLang="zh-CN" dirty="0"/>
-          </a:p>
-          <a:p>
-            <a:r>
-              <a:rPr lang="en-US" altLang="zh-CN" dirty="0"/>
-              <a:t>    </a:t>
-            </a:r>
-            <a:r>
-              <a:rPr lang="en-US" altLang="zh-CN" dirty="0" err="1"/>
-              <a:t>y_min</a:t>
-            </a:r>
-            <a:r>
-              <a:rPr lang="en-US" altLang="zh-CN" dirty="0"/>
-              <a:t>, </a:t>
-            </a:r>
-            <a:r>
-              <a:rPr lang="en-US" altLang="zh-CN" dirty="0" err="1"/>
-              <a:t>y_max</a:t>
-            </a:r>
-            <a:r>
-              <a:rPr lang="en-US" altLang="zh-CN" dirty="0"/>
-              <a:t> = X[:, 1].min() - 1, X[:, 1].max() + 1</a:t>
-            </a:r>
-            <a:endParaRPr lang="en-US" altLang="zh-CN" dirty="0"/>
-          </a:p>
-          <a:p>
-            <a:r>
-              <a:rPr lang="en-US" altLang="zh-CN" dirty="0"/>
-              <a:t>    xx, </a:t>
-            </a:r>
-            <a:r>
-              <a:rPr lang="en-US" altLang="zh-CN" dirty="0" err="1"/>
-              <a:t>yy</a:t>
-            </a:r>
-            <a:r>
-              <a:rPr lang="en-US" altLang="zh-CN" dirty="0"/>
-              <a:t> = </a:t>
-            </a:r>
-            <a:r>
-              <a:rPr lang="en-US" altLang="zh-CN" dirty="0" err="1"/>
-              <a:t>np.meshgrid</a:t>
-            </a:r>
-            <a:r>
-              <a:rPr lang="en-US" altLang="zh-CN" dirty="0"/>
-              <a:t>(</a:t>
-            </a:r>
-            <a:r>
-              <a:rPr lang="en-US" altLang="zh-CN" dirty="0" err="1"/>
-              <a:t>np.arange</a:t>
-            </a:r>
-            <a:r>
-              <a:rPr lang="en-US" altLang="zh-CN" dirty="0"/>
-              <a:t>(</a:t>
-            </a:r>
-            <a:r>
-              <a:rPr lang="en-US" altLang="zh-CN" dirty="0" err="1"/>
-              <a:t>x_min</a:t>
-            </a:r>
-            <a:r>
-              <a:rPr lang="en-US" altLang="zh-CN" dirty="0"/>
-              <a:t>, </a:t>
-            </a:r>
-            <a:r>
-              <a:rPr lang="en-US" altLang="zh-CN" dirty="0" err="1"/>
-              <a:t>x_max</a:t>
-            </a:r>
-            <a:r>
-              <a:rPr lang="en-US" altLang="zh-CN" dirty="0"/>
-              <a:t>, h</a:t>
-            </a:r>
-            <a:r>
-              <a:rPr lang="en-US" altLang="zh-CN" dirty="0" smtClean="0"/>
-              <a:t>),</a:t>
-            </a:r>
-            <a:r>
-              <a:rPr lang="en-US" altLang="zh-CN" dirty="0" err="1" smtClean="0"/>
-              <a:t>np.arange</a:t>
-            </a:r>
-            <a:r>
-              <a:rPr lang="en-US" altLang="zh-CN" dirty="0" smtClean="0"/>
-              <a:t>(</a:t>
-            </a:r>
-            <a:r>
-              <a:rPr lang="en-US" altLang="zh-CN" dirty="0" err="1" smtClean="0"/>
-              <a:t>y_min</a:t>
-            </a:r>
-            <a:r>
-              <a:rPr lang="en-US" altLang="zh-CN" dirty="0"/>
-              <a:t>, </a:t>
-            </a:r>
-            <a:r>
-              <a:rPr lang="en-US" altLang="zh-CN" dirty="0" err="1"/>
-              <a:t>y_max</a:t>
-            </a:r>
-            <a:r>
-              <a:rPr lang="en-US" altLang="zh-CN" dirty="0"/>
-              <a:t>, h))</a:t>
-            </a:r>
-            <a:endParaRPr lang="en-US" altLang="zh-CN" dirty="0"/>
-          </a:p>
-          <a:p>
-            <a:r>
-              <a:rPr lang="en-US" altLang="zh-CN" dirty="0"/>
-              <a:t>    Z = </a:t>
-            </a:r>
-            <a:r>
-              <a:rPr lang="en-US" altLang="zh-CN" dirty="0" err="1"/>
-              <a:t>clf.predict</a:t>
-            </a:r>
-            <a:r>
-              <a:rPr lang="en-US" altLang="zh-CN" dirty="0"/>
-              <a:t>(</a:t>
-            </a:r>
-            <a:r>
-              <a:rPr lang="en-US" altLang="zh-CN" dirty="0" err="1"/>
-              <a:t>np.c</a:t>
-            </a:r>
-            <a:r>
-              <a:rPr lang="en-US" altLang="zh-CN" dirty="0"/>
-              <a:t>_[</a:t>
-            </a:r>
-            <a:r>
-              <a:rPr lang="en-US" altLang="zh-CN" dirty="0" err="1"/>
-              <a:t>xx.ravel</a:t>
-            </a:r>
-            <a:r>
-              <a:rPr lang="en-US" altLang="zh-CN" dirty="0"/>
-              <a:t>(), </a:t>
-            </a:r>
-            <a:r>
-              <a:rPr lang="en-US" altLang="zh-CN" dirty="0" err="1"/>
-              <a:t>yy.ravel</a:t>
-            </a:r>
-            <a:r>
-              <a:rPr lang="en-US" altLang="zh-CN" dirty="0"/>
-              <a:t>()])</a:t>
-            </a:r>
-            <a:endParaRPr lang="en-US" altLang="zh-CN" dirty="0"/>
-          </a:p>
-          <a:p>
-            <a:endParaRPr lang="en-US" altLang="zh-CN" dirty="0"/>
-          </a:p>
-          <a:p>
-            <a:r>
-              <a:rPr lang="en-US" altLang="zh-CN" dirty="0"/>
-              <a:t>    # Put the result into a color plot</a:t>
-            </a:r>
-            <a:endParaRPr lang="en-US" altLang="zh-CN" dirty="0"/>
-          </a:p>
-          <a:p>
-            <a:r>
-              <a:rPr lang="en-US" altLang="zh-CN" dirty="0"/>
-              <a:t>    Z = </a:t>
-            </a:r>
-            <a:r>
-              <a:rPr lang="en-US" altLang="zh-CN" dirty="0" err="1"/>
-              <a:t>Z.reshape</a:t>
-            </a:r>
-            <a:r>
-              <a:rPr lang="en-US" altLang="zh-CN" dirty="0"/>
-              <a:t>(</a:t>
-            </a:r>
-            <a:r>
-              <a:rPr lang="en-US" altLang="zh-CN" dirty="0" err="1"/>
-              <a:t>xx.shape</a:t>
-            </a:r>
-            <a:r>
-              <a:rPr lang="en-US" altLang="zh-CN" dirty="0"/>
-              <a:t>)</a:t>
-            </a:r>
-            <a:endParaRPr lang="en-US" altLang="zh-CN" dirty="0"/>
-          </a:p>
-          <a:p>
-            <a:r>
-              <a:rPr lang="en-US" altLang="zh-CN" dirty="0"/>
-              <a:t>    </a:t>
-            </a:r>
-            <a:r>
-              <a:rPr lang="en-US" altLang="zh-CN" dirty="0" err="1"/>
-              <a:t>plt.figure</a:t>
-            </a:r>
-            <a:r>
-              <a:rPr lang="en-US" altLang="zh-CN" dirty="0"/>
-              <a:t>()</a:t>
-            </a:r>
-            <a:endParaRPr lang="en-US" altLang="zh-CN" dirty="0"/>
-          </a:p>
-          <a:p>
-            <a:r>
-              <a:rPr lang="en-US" altLang="zh-CN" dirty="0"/>
-              <a:t>    </a:t>
-            </a:r>
-            <a:r>
-              <a:rPr lang="en-US" altLang="zh-CN" dirty="0" err="1"/>
-              <a:t>plt.pcolormesh</a:t>
-            </a:r>
-            <a:r>
-              <a:rPr lang="en-US" altLang="zh-CN" dirty="0"/>
-              <a:t>(xx, </a:t>
-            </a:r>
-            <a:r>
-              <a:rPr lang="en-US" altLang="zh-CN" dirty="0" err="1"/>
-              <a:t>yy</a:t>
-            </a:r>
-            <a:r>
-              <a:rPr lang="en-US" altLang="zh-CN" dirty="0"/>
-              <a:t>, Z, </a:t>
-            </a:r>
-            <a:r>
-              <a:rPr lang="en-US" altLang="zh-CN" dirty="0" err="1"/>
-              <a:t>cmap</a:t>
-            </a:r>
-            <a:r>
-              <a:rPr lang="en-US" altLang="zh-CN" dirty="0"/>
-              <a:t>=</a:t>
-            </a:r>
-            <a:r>
-              <a:rPr lang="en-US" altLang="zh-CN" dirty="0" err="1"/>
-              <a:t>cmap_light</a:t>
-            </a:r>
-            <a:r>
-              <a:rPr lang="en-US" altLang="zh-CN" dirty="0"/>
-              <a:t>)</a:t>
-            </a:r>
-            <a:endParaRPr lang="en-US" altLang="zh-CN" dirty="0"/>
-          </a:p>
-          <a:p>
-            <a:endParaRPr lang="en-US" altLang="zh-CN" dirty="0"/>
-          </a:p>
-          <a:p>
-            <a:r>
-              <a:rPr lang="en-US" altLang="zh-CN" dirty="0"/>
-              <a:t>    # Plot also the training points</a:t>
-            </a:r>
-            <a:endParaRPr lang="en-US" altLang="zh-CN" dirty="0"/>
-          </a:p>
-          <a:p>
-            <a:r>
-              <a:rPr lang="en-US" altLang="zh-CN" dirty="0"/>
-              <a:t>    </a:t>
-            </a:r>
-            <a:r>
-              <a:rPr lang="en-US" altLang="zh-CN" dirty="0" err="1"/>
-              <a:t>plt.scatter</a:t>
-            </a:r>
-            <a:r>
-              <a:rPr lang="en-US" altLang="zh-CN" dirty="0"/>
-              <a:t>(X[:, 0], X[:, 1], c=y, </a:t>
-            </a:r>
-            <a:r>
-              <a:rPr lang="en-US" altLang="zh-CN" dirty="0" err="1" smtClean="0"/>
-              <a:t>cmap</a:t>
-            </a:r>
-            <a:r>
-              <a:rPr lang="en-US" altLang="zh-CN" dirty="0" smtClean="0"/>
-              <a:t>=</a:t>
-            </a:r>
-            <a:r>
-              <a:rPr lang="en-US" altLang="zh-CN" dirty="0" err="1" smtClean="0"/>
-              <a:t>cmap_bold,edgecolor</a:t>
-            </a:r>
-            <a:r>
-              <a:rPr lang="en-US" altLang="zh-CN" dirty="0"/>
-              <a:t>='k', s=20)</a:t>
-            </a:r>
-            <a:endParaRPr lang="en-US" altLang="zh-CN" dirty="0"/>
-          </a:p>
-          <a:p>
-            <a:r>
-              <a:rPr lang="en-US" altLang="zh-CN" dirty="0"/>
-              <a:t>    </a:t>
-            </a:r>
-            <a:r>
-              <a:rPr lang="en-US" altLang="zh-CN" dirty="0" err="1"/>
-              <a:t>plt.xlim</a:t>
-            </a:r>
-            <a:r>
-              <a:rPr lang="en-US" altLang="zh-CN" dirty="0"/>
-              <a:t>(</a:t>
-            </a:r>
-            <a:r>
-              <a:rPr lang="en-US" altLang="zh-CN" dirty="0" err="1"/>
-              <a:t>xx.min</a:t>
-            </a:r>
-            <a:r>
-              <a:rPr lang="en-US" altLang="zh-CN" dirty="0"/>
-              <a:t>(), </a:t>
-            </a:r>
-            <a:r>
-              <a:rPr lang="en-US" altLang="zh-CN" dirty="0" err="1"/>
-              <a:t>xx.max</a:t>
-            </a:r>
-            <a:r>
-              <a:rPr lang="en-US" altLang="zh-CN" dirty="0"/>
-              <a:t>())</a:t>
-            </a:r>
-            <a:endParaRPr lang="en-US" altLang="zh-CN" dirty="0"/>
-          </a:p>
-          <a:p>
-            <a:r>
-              <a:rPr lang="en-US" altLang="zh-CN" dirty="0"/>
-              <a:t>    </a:t>
-            </a:r>
-            <a:r>
-              <a:rPr lang="en-US" altLang="zh-CN" dirty="0" err="1"/>
-              <a:t>plt.ylim</a:t>
-            </a:r>
-            <a:r>
-              <a:rPr lang="en-US" altLang="zh-CN" dirty="0"/>
-              <a:t>(</a:t>
-            </a:r>
-            <a:r>
-              <a:rPr lang="en-US" altLang="zh-CN" dirty="0" err="1"/>
-              <a:t>yy.min</a:t>
-            </a:r>
-            <a:r>
-              <a:rPr lang="en-US" altLang="zh-CN" dirty="0"/>
-              <a:t>(), </a:t>
-            </a:r>
-            <a:r>
-              <a:rPr lang="en-US" altLang="zh-CN" dirty="0" err="1"/>
-              <a:t>yy.max</a:t>
-            </a:r>
-            <a:r>
-              <a:rPr lang="en-US" altLang="zh-CN" dirty="0"/>
-              <a:t>())</a:t>
-            </a:r>
-            <a:endParaRPr lang="en-US" altLang="zh-CN" dirty="0"/>
-          </a:p>
-          <a:p>
-            <a:r>
-              <a:rPr lang="en-US" altLang="zh-CN" dirty="0"/>
-              <a:t>    </a:t>
-            </a:r>
-            <a:r>
-              <a:rPr lang="en-US" altLang="zh-CN" dirty="0" err="1"/>
-              <a:t>plt.title</a:t>
-            </a:r>
-            <a:r>
-              <a:rPr lang="en-US" altLang="zh-CN" dirty="0"/>
-              <a:t>("3-Class classification (k = %</a:t>
-            </a:r>
-            <a:r>
-              <a:rPr lang="en-US" altLang="zh-CN" dirty="0" err="1"/>
-              <a:t>i</a:t>
-            </a:r>
-            <a:r>
-              <a:rPr lang="en-US" altLang="zh-CN" dirty="0"/>
-              <a:t>, weights = '%s</a:t>
-            </a:r>
-            <a:r>
-              <a:rPr lang="en-US" altLang="zh-CN" dirty="0" smtClean="0"/>
-              <a:t>')"% </a:t>
-            </a:r>
-            <a:r>
-              <a:rPr lang="en-US" altLang="zh-CN" dirty="0"/>
-              <a:t>(</a:t>
-            </a:r>
-            <a:r>
-              <a:rPr lang="en-US" altLang="zh-CN" dirty="0" err="1"/>
-              <a:t>n_neighbors</a:t>
-            </a:r>
-            <a:r>
-              <a:rPr lang="en-US" altLang="zh-CN" dirty="0"/>
-              <a:t>, weights</a:t>
-            </a:r>
-            <a:r>
-              <a:rPr lang="en-US" altLang="zh-CN" dirty="0" smtClean="0"/>
-              <a:t>))</a:t>
-            </a:r>
-            <a:endParaRPr lang="en-US" altLang="zh-CN" dirty="0"/>
-          </a:p>
-          <a:p>
-            <a:r>
-              <a:rPr lang="en-US" altLang="zh-CN" dirty="0" err="1"/>
-              <a:t>plt.show</a:t>
-            </a:r>
-            <a:r>
-              <a:rPr lang="en-US" altLang="zh-CN" dirty="0"/>
-              <a:t>()</a:t>
-            </a:r>
-            <a:endParaRPr lang="zh-CN" altLang="en-US" dirty="0"/>
+            <a:pPr>
+              <a:lnSpc>
+                <a:spcPct val="150000"/>
+              </a:lnSpc>
+            </a:pPr>
+            <a:r>
+              <a:rPr lang="zh-CN" altLang="en-US" dirty="0">
+                <a:latin typeface="微软雅黑" panose="020B0503020204020204" pitchFamily="34" charset="-122"/>
+                <a:ea typeface="微软雅黑" panose="020B0503020204020204" pitchFamily="34" charset="-122"/>
+              </a:rPr>
+              <a:t>数据集包含三种鸢尾花，每种</a:t>
+            </a:r>
+            <a:r>
+              <a:rPr lang="en-US" altLang="zh-CN" dirty="0">
+                <a:latin typeface="微软雅黑" panose="020B0503020204020204" pitchFamily="34" charset="-122"/>
+                <a:ea typeface="微软雅黑" panose="020B0503020204020204" pitchFamily="34" charset="-122"/>
+              </a:rPr>
+              <a:t>50</a:t>
+            </a:r>
+            <a:r>
+              <a:rPr lang="zh-CN" altLang="en-US" dirty="0">
+                <a:latin typeface="微软雅黑" panose="020B0503020204020204" pitchFamily="34" charset="-122"/>
+                <a:ea typeface="微软雅黑" panose="020B0503020204020204" pitchFamily="34" charset="-122"/>
+              </a:rPr>
+              <a:t>个样本</a:t>
+            </a:r>
+            <a:endParaRPr lang="en-US" altLang="zh-CN" dirty="0">
+              <a:latin typeface="微软雅黑" panose="020B0503020204020204" pitchFamily="34" charset="-122"/>
+              <a:ea typeface="微软雅黑" panose="020B0503020204020204" pitchFamily="34" charset="-122"/>
+            </a:endParaRPr>
+          </a:p>
+          <a:p>
+            <a:pPr>
+              <a:lnSpc>
+                <a:spcPct val="150000"/>
+              </a:lnSpc>
+            </a:pPr>
+            <a:endParaRPr lang="en-US" altLang="zh-CN" dirty="0">
+              <a:latin typeface="微软雅黑" panose="020B0503020204020204" pitchFamily="34" charset="-122"/>
+              <a:ea typeface="微软雅黑" panose="020B0503020204020204" pitchFamily="34" charset="-122"/>
+            </a:endParaRPr>
+          </a:p>
+          <a:p>
+            <a:pPr>
+              <a:lnSpc>
+                <a:spcPct val="150000"/>
+              </a:lnSpc>
+            </a:pPr>
+            <a:r>
+              <a:rPr lang="zh-CN" altLang="en-US" dirty="0">
+                <a:latin typeface="微软雅黑" panose="020B0503020204020204" pitchFamily="34" charset="-122"/>
+                <a:ea typeface="微软雅黑" panose="020B0503020204020204" pitchFamily="34" charset="-122"/>
+              </a:rPr>
+              <a:t>样本</a:t>
+            </a:r>
+            <a:r>
+              <a:rPr lang="en-US" altLang="zh-CN" dirty="0">
+                <a:latin typeface="微软雅黑" panose="020B0503020204020204" pitchFamily="34" charset="-122"/>
+                <a:ea typeface="微软雅黑" panose="020B0503020204020204" pitchFamily="34" charset="-122"/>
+              </a:rPr>
+              <a:t>data</a:t>
+            </a:r>
+            <a:r>
+              <a:rPr lang="zh-CN" altLang="en-US" dirty="0">
+                <a:latin typeface="微软雅黑" panose="020B0503020204020204" pitchFamily="34" charset="-122"/>
+                <a:ea typeface="微软雅黑" panose="020B0503020204020204" pitchFamily="34" charset="-122"/>
+              </a:rPr>
+              <a:t>：花萼长度、花萼宽度、花瓣长度、花瓣宽度</a:t>
+            </a:r>
+            <a:endParaRPr lang="en-US" altLang="zh-CN" dirty="0">
+              <a:latin typeface="微软雅黑" panose="020B0503020204020204" pitchFamily="34" charset="-122"/>
+              <a:ea typeface="微软雅黑" panose="020B0503020204020204" pitchFamily="34" charset="-122"/>
+            </a:endParaRPr>
+          </a:p>
+          <a:p>
+            <a:pPr>
+              <a:lnSpc>
+                <a:spcPct val="150000"/>
+              </a:lnSpc>
+            </a:pPr>
+            <a:endParaRPr lang="en-US" altLang="zh-CN" dirty="0">
+              <a:latin typeface="微软雅黑" panose="020B0503020204020204" pitchFamily="34" charset="-122"/>
+              <a:ea typeface="微软雅黑" panose="020B0503020204020204" pitchFamily="34" charset="-122"/>
+            </a:endParaRPr>
+          </a:p>
+          <a:p>
+            <a:pPr>
+              <a:lnSpc>
+                <a:spcPct val="150000"/>
+              </a:lnSpc>
+            </a:pPr>
+            <a:r>
+              <a:rPr lang="zh-CN" altLang="en-US" dirty="0">
+                <a:latin typeface="微软雅黑" panose="020B0503020204020204" pitchFamily="34" charset="-122"/>
+                <a:ea typeface="微软雅黑" panose="020B0503020204020204" pitchFamily="34" charset="-122"/>
+              </a:rPr>
+              <a:t>标签</a:t>
+            </a:r>
+            <a:r>
+              <a:rPr lang="en-US" altLang="zh-CN" dirty="0">
+                <a:latin typeface="微软雅黑" panose="020B0503020204020204" pitchFamily="34" charset="-122"/>
+                <a:ea typeface="微软雅黑" panose="020B0503020204020204" pitchFamily="34" charset="-122"/>
+              </a:rPr>
+              <a:t>target</a:t>
+            </a:r>
+            <a:r>
+              <a:rPr lang="zh-CN" altLang="en-US" dirty="0">
+                <a:latin typeface="微软雅黑" panose="020B0503020204020204" pitchFamily="34" charset="-122"/>
+                <a:ea typeface="微软雅黑" panose="020B0503020204020204" pitchFamily="34" charset="-122"/>
+              </a:rPr>
+              <a:t>：</a:t>
+            </a:r>
+            <a:r>
+              <a:rPr lang="en-US" altLang="zh-CN" dirty="0">
+                <a:latin typeface="微软雅黑" panose="020B0503020204020204" pitchFamily="34" charset="-122"/>
+                <a:ea typeface="微软雅黑" panose="020B0503020204020204" pitchFamily="34" charset="-122"/>
+              </a:rPr>
+              <a:t> </a:t>
+            </a:r>
+            <a:r>
+              <a:rPr lang="en-US" altLang="zh-CN" dirty="0" err="1">
+                <a:latin typeface="微软雅黑" panose="020B0503020204020204" pitchFamily="34" charset="-122"/>
+                <a:ea typeface="微软雅黑" panose="020B0503020204020204" pitchFamily="34" charset="-122"/>
+              </a:rPr>
+              <a:t>setosa</a:t>
+            </a:r>
+            <a:r>
+              <a:rPr lang="zh-CN" altLang="en-US" dirty="0">
+                <a:latin typeface="微软雅黑" panose="020B0503020204020204" pitchFamily="34" charset="-122"/>
+                <a:ea typeface="微软雅黑" panose="020B0503020204020204" pitchFamily="34" charset="-122"/>
+              </a:rPr>
+              <a:t>、</a:t>
+            </a:r>
+            <a:r>
+              <a:rPr lang="en-US" altLang="zh-CN" dirty="0">
+                <a:latin typeface="微软雅黑" panose="020B0503020204020204" pitchFamily="34" charset="-122"/>
+                <a:ea typeface="微软雅黑" panose="020B0503020204020204" pitchFamily="34" charset="-122"/>
+              </a:rPr>
+              <a:t> versicolor</a:t>
+            </a:r>
+            <a:r>
+              <a:rPr lang="zh-CN" altLang="en-US" dirty="0">
+                <a:latin typeface="微软雅黑" panose="020B0503020204020204" pitchFamily="34" charset="-122"/>
+                <a:ea typeface="微软雅黑" panose="020B0503020204020204" pitchFamily="34" charset="-122"/>
+              </a:rPr>
+              <a:t>、</a:t>
+            </a:r>
+            <a:r>
+              <a:rPr lang="en-US" altLang="zh-CN" dirty="0">
+                <a:latin typeface="微软雅黑" panose="020B0503020204020204" pitchFamily="34" charset="-122"/>
+                <a:ea typeface="微软雅黑" panose="020B0503020204020204" pitchFamily="34" charset="-122"/>
+              </a:rPr>
+              <a:t> virginica</a:t>
+            </a:r>
+            <a:endParaRPr lang="zh-CN" altLang="en-US" dirty="0">
+              <a:latin typeface="微软雅黑" panose="020B0503020204020204" pitchFamily="34" charset="-122"/>
+              <a:ea typeface="微软雅黑" panose="020B0503020204020204" pitchFamily="34" charset="-122"/>
+            </a:endParaRPr>
           </a:p>
         </p:txBody>
       </p:sp>
     </p:spTree>
+    <p:extLst>
+      <p:ext uri="{BB962C8B-B14F-4D97-AF65-F5344CB8AC3E}">
+        <p14:creationId xmlns:p14="http://schemas.microsoft.com/office/powerpoint/2010/main" val="1572794838"/>
+      </p:ext>
+    </p:extLst>
   </p:cSld>
   <p:clrMapOvr>
     <a:masterClrMapping/>
   </p:clrMapOvr>
-  <p:timing>
-    <p:tnLst>
-      <p:par>
-        <p:cTn id="1" dur="indefinite" restart="never" nodeType="tmRoot"/>
-      </p:par>
-    </p:tnLst>
-  </p:timing>
 </p:sld>
 </file>
 
@@ -8096,146 +8844,257 @@
           <a:chExt cx="0" cy="0"/>
         </a:xfrm>
       </p:grpSpPr>
-      <p:pic>
-        <p:nvPicPr>
-          <p:cNvPr id="10242" name="Picture 2"/>
-          <p:cNvPicPr>
-            <a:picLocks noChangeAspect="1" noChangeArrowheads="1"/>
-          </p:cNvPicPr>
+      <p:sp>
+        <p:nvSpPr>
+          <p:cNvPr id="2" name="标题 1"/>
+          <p:cNvSpPr>
+            <a:spLocks noGrp="1"/>
+          </p:cNvSpPr>
+          <p:nvPr>
+            <p:ph type="title"/>
+          </p:nvPr>
+        </p:nvSpPr>
+        <p:spPr/>
+        <p:txBody>
+          <a:bodyPr/>
+          <a:lstStyle/>
+          <a:p>
+            <a:r>
+              <a:rPr lang="zh-CN" altLang="en-US" dirty="0"/>
+              <a:t>实例</a:t>
+            </a:r>
+          </a:p>
+        </p:txBody>
+      </p:sp>
+      <p:sp>
+        <p:nvSpPr>
+          <p:cNvPr id="4" name="矩形 3"/>
+          <p:cNvSpPr/>
           <p:nvPr/>
-        </p:nvPicPr>
-        <p:blipFill>
-          <a:blip r:embed="rId1">
-            <a:extLst>
-              <a:ext uri="{28A0092B-C50C-407E-A947-70E740481C1C}">
-                <a14:useLocalDpi xmlns:a14="http://schemas.microsoft.com/office/drawing/2010/main" val="0"/>
-              </a:ext>
-            </a:extLst>
-          </a:blip>
-          <a:srcRect/>
-          <a:stretch>
-            <a:fillRect/>
-          </a:stretch>
-        </p:blipFill>
-        <p:spPr bwMode="auto">
+        </p:nvSpPr>
+        <p:spPr>
           <a:xfrm>
-            <a:off x="323528" y="476672"/>
-            <a:ext cx="4933950" cy="3181350"/>
+            <a:off x="1763395" y="1225550"/>
+            <a:ext cx="7327265" cy="5631180"/>
           </a:xfrm>
           <a:prstGeom prst="rect">
             <a:avLst/>
           </a:prstGeom>
-          <a:noFill/>
-          <a:ln>
-            <a:noFill/>
-          </a:ln>
-          <a:effectLst/>
-          <a:extLst>
-            <a:ext uri="{909E8E84-426E-40DD-AFC4-6F175D3DCCD1}">
-              <a14:hiddenFill xmlns:a14="http://schemas.microsoft.com/office/drawing/2010/main">
-                <a:solidFill>
-                  <a:schemeClr val="accent1"/>
-                </a:solidFill>
-              </a14:hiddenFill>
-            </a:ext>
-            <a:ext uri="{91240B29-F687-4F45-9708-019B960494DF}">
-              <a14:hiddenLine xmlns:a14="http://schemas.microsoft.com/office/drawing/2010/main" w="9525">
-                <a:solidFill>
-                  <a:schemeClr val="tx1"/>
-                </a:solidFill>
-                <a:miter lim="800000"/>
-                <a:headEnd/>
-                <a:tailEnd/>
-              </a14:hiddenLine>
-            </a:ext>
-            <a:ext uri="{AF507438-7753-43E0-B8FC-AC1667EBCBE1}">
-              <a14:hiddenEffects xmlns:a14="http://schemas.microsoft.com/office/drawing/2010/main">
-                <a:effectLst>
-                  <a:outerShdw dist="35921" dir="2700000" algn="ctr" rotWithShape="0">
-                    <a:schemeClr val="bg2"/>
-                  </a:outerShdw>
-                </a:effectLst>
-              </a14:hiddenEffects>
-            </a:ext>
-          </a:extLst>
         </p:spPr>
-      </p:pic>
-      <p:pic>
-        <p:nvPicPr>
-          <p:cNvPr id="10243" name="Picture 3"/>
-          <p:cNvPicPr>
-            <a:picLocks noChangeAspect="1" noChangeArrowheads="1"/>
-          </p:cNvPicPr>
-          <p:nvPr/>
-        </p:nvPicPr>
-        <p:blipFill>
-          <a:blip r:embed="rId2">
-            <a:extLst>
-              <a:ext uri="{28A0092B-C50C-407E-A947-70E740481C1C}">
-                <a14:useLocalDpi xmlns:a14="http://schemas.microsoft.com/office/drawing/2010/main" val="0"/>
-              </a:ext>
-            </a:extLst>
-          </a:blip>
-          <a:srcRect/>
-          <a:stretch>
-            <a:fillRect/>
-          </a:stretch>
-        </p:blipFill>
-        <p:spPr bwMode="auto">
-          <a:xfrm>
-            <a:off x="4139952" y="3449547"/>
-            <a:ext cx="4619625" cy="3162300"/>
-          </a:xfrm>
-          <a:prstGeom prst="rect">
-            <a:avLst/>
-          </a:prstGeom>
-          <a:noFill/>
-          <a:ln>
-            <a:noFill/>
-          </a:ln>
-          <a:effectLst/>
-          <a:extLst>
-            <a:ext uri="{909E8E84-426E-40DD-AFC4-6F175D3DCCD1}">
-              <a14:hiddenFill xmlns:a14="http://schemas.microsoft.com/office/drawing/2010/main">
-                <a:solidFill>
-                  <a:schemeClr val="accent1"/>
-                </a:solidFill>
-              </a14:hiddenFill>
-            </a:ext>
-            <a:ext uri="{91240B29-F687-4F45-9708-019B960494DF}">
-              <a14:hiddenLine xmlns:a14="http://schemas.microsoft.com/office/drawing/2010/main" w="9525">
-                <a:solidFill>
-                  <a:schemeClr val="tx1"/>
-                </a:solidFill>
-                <a:miter lim="800000"/>
-                <a:headEnd/>
-                <a:tailEnd/>
-              </a14:hiddenLine>
-            </a:ext>
-            <a:ext uri="{AF507438-7753-43E0-B8FC-AC1667EBCBE1}">
-              <a14:hiddenEffects xmlns:a14="http://schemas.microsoft.com/office/drawing/2010/main">
-                <a:effectLst>
-                  <a:outerShdw dist="35921" dir="2700000" algn="ctr" rotWithShape="0">
-                    <a:schemeClr val="bg2"/>
-                  </a:outerShdw>
-                </a:effectLst>
-              </a14:hiddenEffects>
-            </a:ext>
-          </a:extLst>
-        </p:spPr>
-      </p:pic>
+        <p:txBody>
+          <a:bodyPr wrap="square">
+            <a:spAutoFit/>
+          </a:bodyPr>
+          <a:lstStyle/>
+          <a:p>
+            <a:r>
+              <a:rPr lang="en-US" altLang="zh-CN" dirty="0"/>
+              <a:t>import </a:t>
+            </a:r>
+            <a:r>
+              <a:rPr lang="en-US" altLang="zh-CN" dirty="0" err="1"/>
+              <a:t>numpy</a:t>
+            </a:r>
+            <a:r>
+              <a:rPr lang="en-US" altLang="zh-CN" dirty="0"/>
+              <a:t> as </a:t>
+            </a:r>
+            <a:r>
+              <a:rPr lang="en-US" altLang="zh-CN" dirty="0" err="1"/>
+              <a:t>np</a:t>
+            </a:r>
+            <a:endParaRPr lang="en-US" altLang="zh-CN" dirty="0"/>
+          </a:p>
+          <a:p>
+            <a:r>
+              <a:rPr lang="en-US" altLang="zh-CN" dirty="0"/>
+              <a:t>import </a:t>
+            </a:r>
+            <a:r>
+              <a:rPr lang="en-US" altLang="zh-CN" dirty="0" err="1"/>
+              <a:t>matplotlib.pyplot</a:t>
+            </a:r>
+            <a:r>
+              <a:rPr lang="en-US" altLang="zh-CN" dirty="0"/>
+              <a:t> as </a:t>
+            </a:r>
+            <a:r>
+              <a:rPr lang="en-US" altLang="zh-CN" dirty="0" err="1"/>
+              <a:t>plt</a:t>
+            </a:r>
+            <a:endParaRPr lang="en-US" altLang="zh-CN" dirty="0"/>
+          </a:p>
+          <a:p>
+            <a:r>
+              <a:rPr lang="en-US" altLang="zh-CN" dirty="0"/>
+              <a:t>from </a:t>
+            </a:r>
+            <a:r>
+              <a:rPr lang="en-US" altLang="zh-CN" dirty="0" err="1"/>
+              <a:t>matplotlib.colors</a:t>
+            </a:r>
+            <a:r>
+              <a:rPr lang="en-US" altLang="zh-CN" dirty="0"/>
+              <a:t> import </a:t>
+            </a:r>
+            <a:r>
+              <a:rPr lang="en-US" altLang="zh-CN" dirty="0" err="1"/>
+              <a:t>ListedColormap</a:t>
+            </a:r>
+            <a:endParaRPr lang="en-US" altLang="zh-CN" dirty="0"/>
+          </a:p>
+          <a:p>
+            <a:r>
+              <a:rPr lang="en-US" altLang="zh-CN" dirty="0"/>
+              <a:t>from </a:t>
+            </a:r>
+            <a:r>
+              <a:rPr lang="en-US" altLang="zh-CN" dirty="0" err="1"/>
+              <a:t>sklearn</a:t>
+            </a:r>
+            <a:r>
+              <a:rPr lang="en-US" altLang="zh-CN" dirty="0"/>
+              <a:t> import neighbors, datasets</a:t>
+            </a:r>
+          </a:p>
+          <a:p>
+            <a:endParaRPr lang="en-US" altLang="zh-CN" dirty="0"/>
+          </a:p>
+          <a:p>
+            <a:r>
+              <a:rPr lang="en-US" altLang="zh-CN" dirty="0" err="1"/>
+              <a:t>n_neighbors</a:t>
+            </a:r>
+            <a:r>
+              <a:rPr lang="en-US" altLang="zh-CN" dirty="0"/>
+              <a:t> = 15</a:t>
+            </a:r>
+          </a:p>
+          <a:p>
+            <a:endParaRPr lang="en-US" altLang="zh-CN" dirty="0"/>
+          </a:p>
+          <a:p>
+            <a:r>
+              <a:rPr lang="en-US" altLang="zh-CN" dirty="0"/>
+              <a:t># import some data to play with</a:t>
+            </a:r>
+          </a:p>
+          <a:p>
+            <a:r>
+              <a:rPr lang="en-US" altLang="zh-CN" dirty="0"/>
+              <a:t>iris = </a:t>
+            </a:r>
+            <a:r>
+              <a:rPr lang="en-US" altLang="zh-CN" dirty="0" err="1"/>
+              <a:t>datasets.load_iris</a:t>
+            </a:r>
+            <a:r>
+              <a:rPr lang="en-US" altLang="zh-CN" dirty="0"/>
+              <a:t>()</a:t>
+            </a:r>
+          </a:p>
+          <a:p>
+            <a:endParaRPr lang="en-US" altLang="zh-CN" dirty="0"/>
+          </a:p>
+          <a:p>
+            <a:r>
+              <a:rPr lang="en-US" altLang="zh-CN" dirty="0"/>
+              <a:t># we only take the first two features. We could avoid this ugly</a:t>
+            </a:r>
+          </a:p>
+          <a:p>
+            <a:r>
+              <a:rPr lang="en-US" altLang="zh-CN" dirty="0"/>
+              <a:t># slicing by using a two-dim dataset</a:t>
+            </a:r>
+          </a:p>
+          <a:p>
+            <a:r>
+              <a:rPr lang="en-US" altLang="zh-CN" dirty="0"/>
+              <a:t>X = </a:t>
+            </a:r>
+            <a:r>
+              <a:rPr lang="en-US" altLang="zh-CN" dirty="0" err="1"/>
+              <a:t>iris.data</a:t>
+            </a:r>
+            <a:r>
+              <a:rPr lang="en-US" altLang="zh-CN" dirty="0"/>
+              <a:t>[:, :2]</a:t>
+            </a:r>
+          </a:p>
+          <a:p>
+            <a:r>
+              <a:rPr lang="en-US" altLang="zh-CN" dirty="0"/>
+              <a:t>y = </a:t>
+            </a:r>
+            <a:r>
+              <a:rPr lang="en-US" altLang="zh-CN" dirty="0" err="1"/>
+              <a:t>iris.target</a:t>
+            </a:r>
+            <a:endParaRPr lang="en-US" altLang="zh-CN" dirty="0"/>
+          </a:p>
+          <a:p>
+            <a:endParaRPr lang="en-US" altLang="zh-CN" dirty="0"/>
+          </a:p>
+          <a:p>
+            <a:r>
+              <a:rPr lang="en-US" altLang="zh-CN" dirty="0"/>
+              <a:t>h = .02  # step size in the mesh</a:t>
+            </a:r>
+          </a:p>
+          <a:p>
+            <a:endParaRPr lang="en-US" altLang="zh-CN" dirty="0"/>
+          </a:p>
+          <a:p>
+            <a:r>
+              <a:rPr lang="en-US" altLang="zh-CN" dirty="0"/>
+              <a:t># Create color maps</a:t>
+            </a:r>
+          </a:p>
+          <a:p>
+            <a:r>
+              <a:rPr lang="en-US" altLang="zh-CN" dirty="0" err="1"/>
+              <a:t>cmap_light</a:t>
+            </a:r>
+            <a:r>
+              <a:rPr lang="en-US" altLang="zh-CN" dirty="0"/>
+              <a:t> = </a:t>
+            </a:r>
+            <a:r>
+              <a:rPr lang="en-US" altLang="zh-CN" dirty="0" err="1"/>
+              <a:t>ListedColormap</a:t>
+            </a:r>
+            <a:r>
+              <a:rPr lang="en-US" altLang="zh-CN" dirty="0"/>
+              <a:t>(['#FFAAAA', '#AAFFAA', '#AAAAFF'])</a:t>
+            </a:r>
+          </a:p>
+          <a:p>
+            <a:r>
+              <a:rPr lang="en-US" altLang="zh-CN" dirty="0" err="1"/>
+              <a:t>cmap_bold</a:t>
+            </a:r>
+            <a:r>
+              <a:rPr lang="en-US" altLang="zh-CN" dirty="0"/>
+              <a:t> = </a:t>
+            </a:r>
+            <a:r>
+              <a:rPr lang="en-US" altLang="zh-CN" dirty="0" err="1"/>
+              <a:t>ListedColormap</a:t>
+            </a:r>
+            <a:r>
+              <a:rPr lang="en-US" altLang="zh-CN" dirty="0"/>
+              <a:t>(['#FF0000', '#00FF00', '#0000FF'])</a:t>
+            </a:r>
+            <a:endParaRPr lang="zh-CN" altLang="en-US" dirty="0"/>
+          </a:p>
+        </p:txBody>
+      </p:sp>
     </p:spTree>
   </p:cSld>
   <p:clrMapOvr>
     <a:masterClrMapping/>
   </p:clrMapOvr>
-  <p:timing>
-    <p:tnLst>
-      <p:par>
-        <p:cTn id="1" dur="indefinite" restart="never" nodeType="tmRoot"/>
-      </p:par>
-    </p:tnLst>
-  </p:timing>
 </p:sld>
 </file>
 
@@ -8517,6 +9376,8 @@
       </a:bgFillStyleLst>
     </a:fmtScheme>
   </a:themeElements>
+  <a:objectDefaults/>
+  <a:extraClrSchemeLst/>
   <a:extLst>
     <a:ext uri="{05A4C25C-085E-4340-85A3-A5531E510DB2}">
       <thm15:themeFamily xmlns:thm15="http://schemas.microsoft.com/office/thememl/2012/main" name="Office Theme" id="{62F939B6-93AF-4DB8-9C6B-D6C7DFDC589F}" vid="{4A3C46E8-61CC-4603-A589-7422A47A8E4A}"/>
@@ -8805,6 +9666,8 @@
       </a:bgFillStyleLst>
     </a:fmtScheme>
   </a:themeElements>
+  <a:objectDefaults/>
+  <a:extraClrSchemeLst/>
   <a:extLst>
     <a:ext uri="{05A4C25C-085E-4340-85A3-A5531E510DB2}">
       <thm15:themeFamily xmlns:thm15="http://schemas.microsoft.com/office/thememl/2012/main" name="Office Theme" id="{62F939B6-93AF-4DB8-9C6B-D6C7DFDC589F}" vid="{4A3C46E8-61CC-4603-A589-7422A47A8E4A}"/>

--- a/cls_23聚类算法.pptx
+++ b/cls_23聚类算法.pptx
@@ -5,7 +5,7 @@
     <p:sldMasterId id="2147483648" r:id="rId1"/>
   </p:sldMasterIdLst>
   <p:notesMasterIdLst>
-    <p:notesMasterId r:id="rId22"/>
+    <p:notesMasterId r:id="rId23"/>
   </p:notesMasterIdLst>
   <p:sldIdLst>
     <p:sldId id="256" r:id="rId2"/>
@@ -28,6 +28,7 @@
     <p:sldId id="266" r:id="rId19"/>
     <p:sldId id="268" r:id="rId20"/>
     <p:sldId id="269" r:id="rId21"/>
+    <p:sldId id="283" r:id="rId22"/>
   </p:sldIdLst>
   <p:sldSz cx="9144000" cy="6858000" type="screen4x3"/>
   <p:notesSz cx="6858000" cy="9144000"/>
@@ -3652,7 +3653,7 @@
             </a:r>
             <a:r>
               <a:rPr lang="zh-CN" altLang="en-US" sz="1400" dirty="0"/>
-              <a:t>机器学习库，数据集</a:t>
+              <a:t>机器学习库，包含鸢尾花数据集</a:t>
             </a:r>
           </a:p>
           <a:p>
@@ -4021,13 +4022,9 @@
             </a:r>
             <a:r>
               <a:rPr lang="zh-CN" altLang="en-US" sz="1400" dirty="0"/>
-              <a:t>获得数据集中的最大值和最小值，并放大绝对值，用来设置</a:t>
-            </a:r>
-            <a:r>
-              <a:rPr lang="zh-CN" altLang="en-US" sz="1400" dirty="0" smtClean="0"/>
-              <a:t>坐标系</a:t>
-            </a:r>
-            <a:endParaRPr lang="en-US" altLang="zh-CN" sz="1400" dirty="0" smtClean="0"/>
+              <a:t>获得数据集中的最大值和最小值，并放大差值，用来设置坐标系</a:t>
+            </a:r>
+            <a:endParaRPr lang="en-US" altLang="zh-CN" sz="1400" dirty="0"/>
           </a:p>
           <a:p>
             <a:pPr lvl="0" eaLnBrk="0" fontAlgn="base" hangingPunct="0">
@@ -4043,12 +4040,8 @@
               <a:t>#</a:t>
             </a:r>
             <a:r>
-              <a:rPr lang="zh-CN" altLang="en-US" sz="1400" dirty="0" smtClean="0"/>
-              <a:t>注意</a:t>
-            </a:r>
-            <a:r>
               <a:rPr lang="zh-CN" altLang="en-US" sz="1400" dirty="0"/>
-              <a:t>，</a:t>
+              <a:t>注意，</a:t>
             </a:r>
             <a:r>
               <a:rPr lang="en-US" altLang="zh-CN" sz="1400" dirty="0" err="1"/>
@@ -4059,20 +4052,12 @@
               <a:t>和</a:t>
             </a:r>
             <a:r>
-              <a:rPr lang="en-US" altLang="zh-CN" sz="1400" dirty="0" err="1" smtClean="0"/>
+              <a:rPr lang="en-US" altLang="zh-CN" sz="1400" dirty="0" err="1"/>
               <a:t>y_max</a:t>
             </a:r>
             <a:r>
               <a:rPr lang="zh-CN" altLang="en-US" sz="1400" dirty="0"/>
-              <a:t>代表</a:t>
-            </a:r>
-            <a:r>
-              <a:rPr lang="zh-CN" altLang="en-US" sz="1400" dirty="0" smtClean="0"/>
-              <a:t>的</a:t>
-            </a:r>
-            <a:r>
-              <a:rPr lang="zh-CN" altLang="en-US" sz="1400" dirty="0"/>
-              <a:t>是花萼的宽度，不是鸢尾花的种类</a:t>
+              <a:t>代表的是花萼的宽度，不是鸢尾花的种类</a:t>
             </a:r>
           </a:p>
           <a:p>
@@ -4203,40 +4188,15 @@
                 <a:latin typeface="微软雅黑" panose="020B0503020204020204" pitchFamily="34" charset="-122"/>
                 <a:ea typeface="微软雅黑" panose="020B0503020204020204" pitchFamily="34" charset="-122"/>
               </a:rPr>
-              <a:t>2</a:t>
-            </a:r>
-            <a:r>
-              <a:rPr lang="en-US" altLang="zh-CN" dirty="0" smtClean="0">
-                <a:latin typeface="微软雅黑" panose="020B0503020204020204" pitchFamily="34" charset="-122"/>
-                <a:ea typeface="微软雅黑" panose="020B0503020204020204" pitchFamily="34" charset="-122"/>
-              </a:rPr>
-              <a:t>.</a:t>
-            </a:r>
-            <a:r>
-              <a:rPr lang="zh-CN" altLang="en-US" dirty="0" smtClean="0">
-                <a:latin typeface="微软雅黑" panose="020B0503020204020204" pitchFamily="34" charset="-122"/>
-                <a:ea typeface="微软雅黑" panose="020B0503020204020204" pitchFamily="34" charset="-122"/>
-              </a:rPr>
-              <a:t> 导入数据</a:t>
+              <a:t>2.</a:t>
             </a:r>
             <a:r>
               <a:rPr lang="zh-CN" altLang="en-US" dirty="0">
                 <a:latin typeface="微软雅黑" panose="020B0503020204020204" pitchFamily="34" charset="-122"/>
                 <a:ea typeface="微软雅黑" panose="020B0503020204020204" pitchFamily="34" charset="-122"/>
               </a:rPr>
-              <a:t>，</a:t>
-            </a:r>
-            <a:r>
-              <a:rPr lang="zh-CN" altLang="en-US" dirty="0" smtClean="0">
-                <a:latin typeface="微软雅黑" panose="020B0503020204020204" pitchFamily="34" charset="-122"/>
-                <a:ea typeface="微软雅黑" panose="020B0503020204020204" pitchFamily="34" charset="-122"/>
-              </a:rPr>
-              <a:t>创建数据模型</a:t>
-            </a:r>
-            <a:endParaRPr lang="zh-CN" altLang="en-US" dirty="0">
-              <a:latin typeface="微软雅黑" panose="020B0503020204020204" pitchFamily="34" charset="-122"/>
-              <a:ea typeface="微软雅黑" panose="020B0503020204020204" pitchFamily="34" charset="-122"/>
-            </a:endParaRPr>
+              <a:t> 导入数据，创建数据模型</a:t>
+            </a:r>
           </a:p>
         </p:txBody>
       </p:sp>
@@ -4250,13 +4210,6 @@
   <p:clrMapOvr>
     <a:masterClrMapping/>
   </p:clrMapOvr>
-  <p:timing>
-    <p:tnLst>
-      <p:par>
-        <p:cTn id="1" dur="indefinite" restart="never" nodeType="tmRoot"/>
-      </p:par>
-    </p:tnLst>
-  </p:timing>
 </p:sld>
 </file>
 
@@ -4440,19 +4393,19 @@
               <a:t>, h</a:t>
             </a:r>
             <a:r>
-              <a:rPr lang="en-US" altLang="zh-CN" sz="1400" dirty="0" smtClean="0"/>
+              <a:rPr lang="en-US" altLang="zh-CN" sz="1400" dirty="0"/>
               <a:t>),</a:t>
             </a:r>
             <a:r>
-              <a:rPr lang="en-US" altLang="zh-CN" sz="1400" dirty="0" err="1" smtClean="0"/>
+              <a:rPr lang="en-US" altLang="zh-CN" sz="1400" dirty="0" err="1"/>
               <a:t>np.arange</a:t>
             </a:r>
             <a:r>
-              <a:rPr lang="en-US" altLang="zh-CN" sz="1400" dirty="0" smtClean="0"/>
+              <a:rPr lang="en-US" altLang="zh-CN" sz="1400" dirty="0"/>
               <a:t>(</a:t>
             </a:r>
             <a:r>
-              <a:rPr lang="en-US" altLang="zh-CN" sz="1400" dirty="0" err="1" smtClean="0">
+              <a:rPr lang="en-US" altLang="zh-CN" sz="1400" dirty="0" err="1">
                 <a:solidFill>
                   <a:srgbClr val="FF0000"/>
                 </a:solidFill>
@@ -4460,7 +4413,7 @@
               <a:t>y_min</a:t>
             </a:r>
             <a:r>
-              <a:rPr lang="en-US" altLang="zh-CN" sz="1400" dirty="0" smtClean="0">
+              <a:rPr lang="en-US" altLang="zh-CN" sz="1400" dirty="0">
                 <a:solidFill>
                   <a:srgbClr val="FF0000"/>
                 </a:solidFill>
@@ -4468,7 +4421,7 @@
               <a:t>, </a:t>
             </a:r>
             <a:r>
-              <a:rPr lang="en-US" altLang="zh-CN" sz="1400" dirty="0" err="1" smtClean="0">
+              <a:rPr lang="en-US" altLang="zh-CN" sz="1400" dirty="0" err="1">
                 <a:solidFill>
                   <a:srgbClr val="FF0000"/>
                 </a:solidFill>
@@ -4476,7 +4429,7 @@
               <a:t>y_max</a:t>
             </a:r>
             <a:r>
-              <a:rPr lang="en-US" altLang="zh-CN" sz="1400" dirty="0" smtClean="0">
+              <a:rPr lang="en-US" altLang="zh-CN" sz="1400" dirty="0">
                 <a:solidFill>
                   <a:srgbClr val="FF0000"/>
                 </a:solidFill>
@@ -4497,7 +4450,7 @@
                 <a:spcPct val="0"/>
               </a:spcAft>
             </a:pPr>
-            <a:endParaRPr lang="en-US" altLang="zh-CN" sz="1400" dirty="0" smtClean="0"/>
+            <a:endParaRPr lang="en-US" altLang="zh-CN" sz="1400" dirty="0"/>
           </a:p>
           <a:p>
             <a:pPr lvl="0" eaLnBrk="0" fontAlgn="base" hangingPunct="0">
@@ -4520,7 +4473,7 @@
               </a:spcAft>
             </a:pPr>
             <a:r>
-              <a:rPr lang="en-US" altLang="zh-CN" sz="1400" dirty="0" smtClean="0"/>
+              <a:rPr lang="en-US" altLang="zh-CN" sz="1400" dirty="0"/>
               <a:t>#</a:t>
             </a:r>
             <a:r>
@@ -4577,19 +4530,7 @@
             </a:r>
             <a:r>
               <a:rPr lang="zh-CN" altLang="en-US" sz="1400" dirty="0"/>
-              <a:t>值和投票</a:t>
-            </a:r>
-            <a:r>
-              <a:rPr lang="zh-CN" altLang="en-US" sz="1400" dirty="0" smtClean="0"/>
-              <a:t>方式，</a:t>
-            </a:r>
-            <a:r>
-              <a:rPr lang="en-US" altLang="zh-CN" sz="1400" dirty="0"/>
-              <a:t> uniform</a:t>
-            </a:r>
-            <a:r>
-              <a:rPr lang="zh-CN" altLang="en-US" sz="1400" dirty="0"/>
-              <a:t>一般平均</a:t>
+              <a:t>值和投票方式</a:t>
             </a:r>
           </a:p>
           <a:p>
@@ -4895,7 +4836,7 @@
               <a:t> </a:t>
             </a:r>
             <a:r>
-              <a:rPr lang="en-US" altLang="zh-CN" sz="1400" dirty="0" err="1" smtClean="0">
+              <a:rPr lang="en-US" altLang="zh-CN" sz="1400" dirty="0" err="1">
                 <a:solidFill>
                   <a:srgbClr val="FF0000"/>
                 </a:solidFill>
@@ -4903,7 +4844,7 @@
               <a:t>plt.ylabel</a:t>
             </a:r>
             <a:r>
-              <a:rPr lang="en-US" altLang="zh-CN" sz="1400" dirty="0" smtClean="0">
+              <a:rPr lang="en-US" altLang="zh-CN" sz="1400" dirty="0">
                 <a:solidFill>
                   <a:srgbClr val="FF0000"/>
                 </a:solidFill>
@@ -4911,7 +4852,7 @@
               <a:t>(</a:t>
             </a:r>
             <a:r>
-              <a:rPr lang="en-US" altLang="zh-CN" sz="1400" dirty="0" err="1" smtClean="0">
+              <a:rPr lang="en-US" altLang="zh-CN" sz="1400" dirty="0" err="1">
                 <a:solidFill>
                   <a:srgbClr val="FF0000"/>
                 </a:solidFill>
@@ -4975,13 +4916,6 @@
   <p:clrMapOvr>
     <a:masterClrMapping/>
   </p:clrMapOvr>
-  <p:timing>
-    <p:tnLst>
-      <p:par>
-        <p:cTn id="1" dur="indefinite" restart="never" nodeType="tmRoot"/>
-      </p:par>
-    </p:tnLst>
-  </p:timing>
 </p:sld>
 </file>
 
@@ -5121,22 +5055,42 @@
               </a:spcAft>
             </a:pPr>
             <a:r>
-              <a:rPr lang="en-US" altLang="zh-CN" sz="1400" dirty="0"/>
+              <a:rPr lang="en-US" altLang="zh-CN" sz="1400" dirty="0">
+                <a:solidFill>
+                  <a:srgbClr val="FF0000"/>
+                </a:solidFill>
+              </a:rPr>
               <a:t>from </a:t>
             </a:r>
             <a:r>
-              <a:rPr lang="en-US" altLang="zh-CN" sz="1400" dirty="0" err="1"/>
+              <a:rPr lang="en-US" altLang="zh-CN" sz="1400" dirty="0" err="1">
+                <a:solidFill>
+                  <a:srgbClr val="FF0000"/>
+                </a:solidFill>
+              </a:rPr>
               <a:t>matplotlib.colors</a:t>
             </a:r>
             <a:r>
-              <a:rPr lang="en-US" altLang="zh-CN" sz="1400" dirty="0"/>
+              <a:rPr lang="en-US" altLang="zh-CN" sz="1400" dirty="0">
+                <a:solidFill>
+                  <a:srgbClr val="FF0000"/>
+                </a:solidFill>
+              </a:rPr>
               <a:t> import </a:t>
             </a:r>
             <a:r>
-              <a:rPr lang="en-US" altLang="zh-CN" sz="1400" dirty="0" err="1"/>
+              <a:rPr lang="en-US" altLang="zh-CN" sz="1400" dirty="0" err="1">
+                <a:solidFill>
+                  <a:srgbClr val="FF0000"/>
+                </a:solidFill>
+              </a:rPr>
               <a:t>ListedColormap</a:t>
             </a:r>
-            <a:endParaRPr lang="en-US" altLang="zh-CN" sz="1400" dirty="0"/>
+            <a:endParaRPr lang="en-US" altLang="zh-CN" sz="1400" dirty="0">
+              <a:solidFill>
+                <a:srgbClr val="FF0000"/>
+              </a:solidFill>
+            </a:endParaRPr>
           </a:p>
           <a:p>
             <a:pPr lvl="0" eaLnBrk="0" fontAlgn="base" hangingPunct="0">
@@ -5364,14 +5318,14 @@
               </a:spcAft>
             </a:pPr>
             <a:r>
-              <a:rPr lang="en-US" altLang="zh-CN" sz="1400" dirty="0" smtClean="0"/>
+              <a:rPr lang="en-US" altLang="zh-CN" sz="1400" dirty="0"/>
               <a:t># </a:t>
             </a:r>
             <a:r>
-              <a:rPr lang="zh-CN" altLang="en-US" sz="1400" dirty="0" smtClean="0"/>
+              <a:rPr lang="zh-CN" altLang="en-US" sz="1400" dirty="0"/>
               <a:t>提取数据并处理，构建坐标矩阵</a:t>
             </a:r>
-            <a:endParaRPr lang="en-US" altLang="zh-CN" sz="1400" dirty="0" smtClean="0"/>
+            <a:endParaRPr lang="en-US" altLang="zh-CN" sz="1400" dirty="0"/>
           </a:p>
           <a:p>
             <a:pPr eaLnBrk="0" fontAlgn="base" hangingPunct="0">
@@ -5383,7 +5337,7 @@
               </a:spcAft>
             </a:pPr>
             <a:r>
-              <a:rPr lang="en-US" altLang="zh-CN" sz="1400" dirty="0" smtClean="0"/>
+              <a:rPr lang="en-US" altLang="zh-CN" sz="1400" dirty="0"/>
               <a:t>#</a:t>
             </a:r>
             <a:r>
@@ -5399,26 +5353,14 @@
               <a:t>和</a:t>
             </a:r>
             <a:r>
-              <a:rPr lang="en-US" altLang="zh-CN" sz="1400" dirty="0" err="1" smtClean="0"/>
+              <a:rPr lang="en-US" altLang="zh-CN" sz="1400" dirty="0" err="1"/>
               <a:t>y_max</a:t>
             </a:r>
             <a:r>
               <a:rPr lang="zh-CN" altLang="en-US" sz="1400" dirty="0"/>
-              <a:t>代表</a:t>
-            </a:r>
-            <a:r>
-              <a:rPr lang="zh-CN" altLang="en-US" sz="1400" dirty="0" smtClean="0"/>
-              <a:t>的</a:t>
-            </a:r>
-            <a:r>
-              <a:rPr lang="zh-CN" altLang="en-US" sz="1400" dirty="0"/>
-              <a:t>是花萼的宽度，不是鸢尾花的</a:t>
-            </a:r>
-            <a:r>
-              <a:rPr lang="zh-CN" altLang="en-US" sz="1400" dirty="0" smtClean="0"/>
-              <a:t>种类</a:t>
-            </a:r>
-            <a:endParaRPr lang="zh-CN" altLang="en-US" sz="1400" b="1" dirty="0" smtClean="0"/>
+              <a:t>代表的是花萼的宽度，不是鸢尾花的种类</a:t>
+            </a:r>
+            <a:endParaRPr lang="zh-CN" altLang="en-US" sz="1400" b="1" dirty="0"/>
           </a:p>
           <a:p>
             <a:pPr lvl="0" eaLnBrk="0" fontAlgn="base" hangingPunct="0">
@@ -5430,7 +5372,7 @@
               </a:spcAft>
             </a:pPr>
             <a:r>
-              <a:rPr lang="en-US" altLang="zh-CN" sz="1400" dirty="0" err="1" smtClean="0"/>
+              <a:rPr lang="en-US" altLang="zh-CN" sz="1400" dirty="0" err="1"/>
               <a:t>x_min</a:t>
             </a:r>
             <a:r>
@@ -5594,37 +5536,19 @@
           <a:lstStyle/>
           <a:p>
             <a:r>
-              <a:rPr lang="en-US" altLang="zh-CN" dirty="0" smtClean="0">
+              <a:rPr lang="en-US" altLang="zh-CN" dirty="0">
                 <a:latin typeface="微软雅黑" panose="020B0503020204020204" pitchFamily="34" charset="-122"/>
                 <a:ea typeface="微软雅黑" panose="020B0503020204020204" pitchFamily="34" charset="-122"/>
               </a:rPr>
               <a:t>3.</a:t>
-            </a:r>
-            <a:r>
-              <a:rPr lang="zh-CN" altLang="en-US" dirty="0" smtClean="0">
-                <a:latin typeface="微软雅黑" panose="020B0503020204020204" pitchFamily="34" charset="-122"/>
-                <a:ea typeface="微软雅黑" panose="020B0503020204020204" pitchFamily="34" charset="-122"/>
-              </a:rPr>
-              <a:t> 导入数据</a:t>
             </a:r>
             <a:r>
               <a:rPr lang="zh-CN" altLang="en-US" dirty="0">
                 <a:latin typeface="微软雅黑" panose="020B0503020204020204" pitchFamily="34" charset="-122"/>
                 <a:ea typeface="微软雅黑" panose="020B0503020204020204" pitchFamily="34" charset="-122"/>
               </a:rPr>
-              <a:t>，</a:t>
-            </a:r>
-            <a:r>
-              <a:rPr lang="zh-CN" altLang="en-US" dirty="0" smtClean="0">
-                <a:latin typeface="微软雅黑" panose="020B0503020204020204" pitchFamily="34" charset="-122"/>
-                <a:ea typeface="微软雅黑" panose="020B0503020204020204" pitchFamily="34" charset="-122"/>
-              </a:rPr>
-              <a:t>创建数据模型</a:t>
-            </a:r>
-            <a:endParaRPr lang="zh-CN" altLang="en-US" dirty="0">
-              <a:latin typeface="微软雅黑" panose="020B0503020204020204" pitchFamily="34" charset="-122"/>
-              <a:ea typeface="微软雅黑" panose="020B0503020204020204" pitchFamily="34" charset="-122"/>
-            </a:endParaRPr>
+              <a:t> 导入数据，创建数据模型</a:t>
+            </a:r>
           </a:p>
         </p:txBody>
       </p:sp>
@@ -5638,13 +5562,6 @@
   <p:clrMapOvr>
     <a:masterClrMapping/>
   </p:clrMapOvr>
-  <p:timing>
-    <p:tnLst>
-      <p:par>
-        <p:cTn id="1" dur="indefinite" restart="never" nodeType="tmRoot"/>
-      </p:par>
-    </p:tnLst>
-  </p:timing>
 </p:sld>
 </file>
 
@@ -5695,12 +5612,8 @@
               </a:spcAft>
             </a:pPr>
             <a:r>
-              <a:rPr lang="en-US" altLang="zh-CN" sz="1400" dirty="0" smtClean="0"/>
-              <a:t>#</a:t>
-            </a:r>
-            <a:r>
-              <a:rPr lang="en-US" altLang="zh-CN" sz="1400" dirty="0"/>
-              <a:t>weights </a:t>
+              <a:rPr lang="en-US" altLang="zh-CN" sz="1400" dirty="0"/>
+              <a:t>#weights </a:t>
             </a:r>
             <a:r>
               <a:rPr lang="zh-CN" altLang="en-US" sz="1400" dirty="0"/>
@@ -5763,10 +5676,9 @@
               <a:t>KNN</a:t>
             </a:r>
             <a:r>
-              <a:rPr lang="zh-CN" altLang="en-US" sz="1400" dirty="0" smtClean="0"/>
+              <a:rPr lang="zh-CN" altLang="en-US" sz="1400" dirty="0"/>
               <a:t>分类器，并进行训练</a:t>
             </a:r>
-            <a:endParaRPr lang="zh-CN" altLang="en-US" sz="1400" dirty="0"/>
           </a:p>
           <a:p>
             <a:pPr lvl="0" eaLnBrk="0" fontAlgn="base" hangingPunct="0">
@@ -5834,20 +5746,16 @@
               </a:spcAft>
             </a:pPr>
             <a:r>
-              <a:rPr lang="en-US" altLang="zh-CN" sz="1400" dirty="0" smtClean="0"/>
+              <a:rPr lang="en-US" altLang="zh-CN" sz="1400" dirty="0"/>
               <a:t>    </a:t>
             </a:r>
             <a:r>
-              <a:rPr lang="en-US" altLang="zh-CN" sz="1400" dirty="0" err="1" smtClean="0"/>
+              <a:rPr lang="en-US" altLang="zh-CN" sz="1400" dirty="0" err="1"/>
               <a:t>clf.fit</a:t>
             </a:r>
             <a:r>
-              <a:rPr lang="en-US" altLang="zh-CN" sz="1400" dirty="0" smtClean="0"/>
-              <a:t>(X</a:t>
-            </a:r>
-            <a:r>
-              <a:rPr lang="en-US" altLang="zh-CN" sz="1400" dirty="0"/>
-              <a:t>, y)</a:t>
+              <a:rPr lang="en-US" altLang="zh-CN" sz="1400" dirty="0"/>
+              <a:t>(X, y)</a:t>
             </a:r>
           </a:p>
           <a:p>
@@ -5879,7 +5787,7 @@
             </a:r>
             <a:r>
               <a:rPr lang="zh-CN" altLang="en-US" sz="1400" dirty="0"/>
-              <a:t>函数将多维数组降为一维，仍返回</a:t>
+              <a:t>函数将多维数组降为一维，返回</a:t>
             </a:r>
             <a:r>
               <a:rPr lang="en-US" altLang="zh-CN" sz="1400" dirty="0"/>
@@ -5887,13 +5795,9 @@
             </a:r>
             <a:r>
               <a:rPr lang="zh-CN" altLang="en-US" sz="1400" dirty="0"/>
-              <a:t>数组，元素以列</a:t>
-            </a:r>
-            <a:r>
-              <a:rPr lang="zh-CN" altLang="en-US" sz="1400" dirty="0" smtClean="0"/>
-              <a:t>排列</a:t>
-            </a:r>
-            <a:endParaRPr lang="en-US" altLang="zh-CN" sz="1400" dirty="0" smtClean="0"/>
+              <a:t>数组，元素以列排列</a:t>
+            </a:r>
+            <a:endParaRPr lang="en-US" altLang="zh-CN" sz="1400" dirty="0"/>
           </a:p>
           <a:p>
             <a:pPr lvl="0" eaLnBrk="0" fontAlgn="base" hangingPunct="0">
@@ -5905,12 +5809,8 @@
               </a:spcAft>
             </a:pPr>
             <a:r>
-              <a:rPr lang="en-US" altLang="zh-CN" sz="1400" dirty="0" smtClean="0"/>
-              <a:t>    </a:t>
-            </a:r>
-            <a:r>
-              <a:rPr lang="en-US" altLang="zh-CN" sz="1400" dirty="0"/>
-              <a:t>#</a:t>
+              <a:rPr lang="en-US" altLang="zh-CN" sz="1400" dirty="0"/>
+              <a:t>    #</a:t>
             </a:r>
             <a:r>
               <a:rPr lang="en-US" altLang="zh-CN" sz="1400" dirty="0" err="1"/>
@@ -5934,27 +5834,19 @@
             </a:r>
             <a:r>
               <a:rPr lang="zh-CN" altLang="en-US" sz="1400" dirty="0"/>
-              <a:t>得到的</a:t>
-            </a:r>
-            <a:r>
-              <a:rPr lang="zh-CN" altLang="en-US" sz="1400" dirty="0" smtClean="0"/>
-              <a:t>列与</a:t>
-            </a:r>
-            <a:r>
-              <a:rPr lang="en-US" altLang="zh-CN" sz="1400" dirty="0" err="1" smtClean="0"/>
+              <a:t>得到的列与</a:t>
+            </a:r>
+            <a:r>
+              <a:rPr lang="en-US" altLang="zh-CN" sz="1400" dirty="0" err="1"/>
               <a:t>yy.ravel</a:t>
             </a:r>
             <a:r>
-              <a:rPr lang="en-US" altLang="zh-CN" sz="1400" dirty="0" smtClean="0"/>
+              <a:rPr lang="en-US" altLang="zh-CN" sz="1400" dirty="0"/>
               <a:t>()</a:t>
             </a:r>
             <a:r>
               <a:rPr lang="zh-CN" altLang="en-US" sz="1400" dirty="0"/>
-              <a:t>得到的</a:t>
-            </a:r>
-            <a:r>
-              <a:rPr lang="zh-CN" altLang="en-US" sz="1400" dirty="0" smtClean="0"/>
-              <a:t>列进行拼接</a:t>
+              <a:t>得到的列进行拼接</a:t>
             </a:r>
             <a:endParaRPr lang="en-US" altLang="zh-CN" sz="1400" dirty="0"/>
           </a:p>
@@ -5981,27 +5873,15 @@
             </a:r>
             <a:r>
               <a:rPr lang="zh-CN" altLang="en-US" sz="1400" dirty="0"/>
-              <a:t>用训练</a:t>
-            </a:r>
-            <a:r>
-              <a:rPr lang="zh-CN" altLang="en-US" sz="1400" dirty="0" smtClean="0"/>
-              <a:t>好的</a:t>
-            </a:r>
-            <a:r>
-              <a:rPr lang="en-US" altLang="zh-CN" sz="1400" dirty="0" smtClean="0"/>
+              <a:t>用训练好的</a:t>
+            </a:r>
+            <a:r>
+              <a:rPr lang="en-US" altLang="zh-CN" sz="1400" dirty="0"/>
               <a:t>KNN</a:t>
             </a:r>
             <a:r>
-              <a:rPr lang="zh-CN" altLang="en-US" sz="1400" dirty="0" smtClean="0"/>
-              <a:t>分类器</a:t>
-            </a:r>
-            <a:r>
               <a:rPr lang="zh-CN" altLang="en-US" sz="1400" dirty="0"/>
-              <a:t>去</a:t>
-            </a:r>
-            <a:r>
-              <a:rPr lang="zh-CN" altLang="en-US" sz="1400" dirty="0" smtClean="0"/>
-              <a:t>预测结果</a:t>
+              <a:t>分类器去预测结果</a:t>
             </a:r>
             <a:endParaRPr lang="en-US" altLang="zh-CN" sz="1400" dirty="0"/>
           </a:p>
@@ -6015,11 +5895,11 @@
               </a:spcAft>
             </a:pPr>
             <a:r>
-              <a:rPr lang="en-US" altLang="zh-CN" sz="1400" dirty="0" smtClean="0"/>
+              <a:rPr lang="en-US" altLang="zh-CN" sz="1400" dirty="0"/>
               <a:t>    </a:t>
             </a:r>
             <a:r>
-              <a:rPr lang="en-US" altLang="zh-CN" sz="1400" dirty="0" smtClean="0">
+              <a:rPr lang="en-US" altLang="zh-CN" sz="1400" dirty="0">
                 <a:solidFill>
                   <a:srgbClr val="FF0000"/>
                 </a:solidFill>
@@ -6027,7 +5907,7 @@
               <a:t>Z = </a:t>
             </a:r>
             <a:r>
-              <a:rPr lang="en-US" altLang="zh-CN" sz="1400" dirty="0" err="1" smtClean="0">
+              <a:rPr lang="en-US" altLang="zh-CN" sz="1400" dirty="0" err="1">
                 <a:solidFill>
                   <a:srgbClr val="FF0000"/>
                 </a:solidFill>
@@ -6035,7 +5915,7 @@
               <a:t>clf.predict</a:t>
             </a:r>
             <a:r>
-              <a:rPr lang="en-US" altLang="zh-CN" sz="1400" dirty="0" smtClean="0">
+              <a:rPr lang="en-US" altLang="zh-CN" sz="1400" dirty="0">
                 <a:solidFill>
                   <a:srgbClr val="FF0000"/>
                 </a:solidFill>
@@ -6043,7 +5923,7 @@
               <a:t>(</a:t>
             </a:r>
             <a:r>
-              <a:rPr lang="en-US" altLang="zh-CN" sz="1400" dirty="0" err="1" smtClean="0">
+              <a:rPr lang="en-US" altLang="zh-CN" sz="1400" dirty="0" err="1">
                 <a:solidFill>
                   <a:srgbClr val="FF0000"/>
                 </a:solidFill>
@@ -6051,7 +5931,7 @@
               <a:t>np.c</a:t>
             </a:r>
             <a:r>
-              <a:rPr lang="en-US" altLang="zh-CN" sz="1400" dirty="0" smtClean="0">
+              <a:rPr lang="en-US" altLang="zh-CN" sz="1400" dirty="0">
                 <a:solidFill>
                   <a:srgbClr val="FF0000"/>
                 </a:solidFill>
@@ -6059,7 +5939,7 @@
               <a:t>_[</a:t>
             </a:r>
             <a:r>
-              <a:rPr lang="en-US" altLang="zh-CN" sz="1400" dirty="0" err="1" smtClean="0">
+              <a:rPr lang="en-US" altLang="zh-CN" sz="1400" dirty="0" err="1">
                 <a:solidFill>
                   <a:srgbClr val="FF0000"/>
                 </a:solidFill>
@@ -6067,7 +5947,7 @@
               <a:t>xx.ravel</a:t>
             </a:r>
             <a:r>
-              <a:rPr lang="en-US" altLang="zh-CN" sz="1400" dirty="0" smtClean="0">
+              <a:rPr lang="en-US" altLang="zh-CN" sz="1400" dirty="0">
                 <a:solidFill>
                   <a:srgbClr val="FF0000"/>
                 </a:solidFill>
@@ -6075,7 +5955,7 @@
               <a:t>(), </a:t>
             </a:r>
             <a:r>
-              <a:rPr lang="en-US" altLang="zh-CN" sz="1400" dirty="0" err="1" smtClean="0">
+              <a:rPr lang="en-US" altLang="zh-CN" sz="1400" dirty="0" err="1">
                 <a:solidFill>
                   <a:srgbClr val="FF0000"/>
                 </a:solidFill>
@@ -6083,7 +5963,7 @@
               <a:t>yy.ravel</a:t>
             </a:r>
             <a:r>
-              <a:rPr lang="en-US" altLang="zh-CN" sz="1400" dirty="0" smtClean="0">
+              <a:rPr lang="en-US" altLang="zh-CN" sz="1400" dirty="0">
                 <a:solidFill>
                   <a:srgbClr val="FF0000"/>
                 </a:solidFill>
@@ -6102,19 +5982,11 @@
             </a:pPr>
             <a:r>
               <a:rPr lang="zh-CN" altLang="en-US" sz="1400" dirty="0"/>
-              <a:t> </a:t>
-            </a:r>
-            <a:r>
-              <a:rPr lang="zh-CN" altLang="en-US" sz="1400" dirty="0" smtClean="0"/>
-              <a:t>   </a:t>
-            </a:r>
-            <a:r>
-              <a:rPr lang="en-US" altLang="zh-CN" sz="1400" dirty="0" smtClean="0"/>
-              <a:t># </a:t>
-            </a:r>
-            <a:r>
-              <a:rPr lang="en-US" altLang="zh-CN" sz="1400" dirty="0"/>
-              <a:t>shape</a:t>
+              <a:t>    </a:t>
+            </a:r>
+            <a:r>
+              <a:rPr lang="en-US" altLang="zh-CN" sz="1400" dirty="0"/>
+              <a:t># shape</a:t>
             </a:r>
             <a:r>
               <a:rPr lang="zh-CN" altLang="en-US" sz="1400" dirty="0"/>
@@ -6128,6 +6000,41 @@
               <a:rPr lang="zh-CN" altLang="en-US" sz="1400" dirty="0"/>
               <a:t>的行和列的数量</a:t>
             </a:r>
+            <a:endParaRPr lang="en-US" altLang="zh-CN" sz="1400" dirty="0"/>
+          </a:p>
+          <a:p>
+            <a:pPr eaLnBrk="0" fontAlgn="base" hangingPunct="0">
+              <a:spcBef>
+                <a:spcPct val="0"/>
+              </a:spcBef>
+              <a:spcAft>
+                <a:spcPct val="0"/>
+              </a:spcAft>
+            </a:pPr>
+            <a:r>
+              <a:rPr lang="en-US" altLang="zh-CN" sz="1400" dirty="0"/>
+              <a:t>    #</a:t>
+            </a:r>
+            <a:r>
+              <a:rPr lang="zh-CN" altLang="en-US" sz="1400" dirty="0"/>
+              <a:t>这里需要</a:t>
+            </a:r>
+            <a:r>
+              <a:rPr lang="en-US" altLang="zh-CN" sz="1400" dirty="0"/>
+              <a:t>shape</a:t>
+            </a:r>
+            <a:r>
+              <a:rPr lang="zh-CN" altLang="en-US" sz="1400" dirty="0"/>
+              <a:t>函数为</a:t>
+            </a:r>
+            <a:r>
+              <a:rPr lang="en-US" altLang="zh-CN" sz="1400" dirty="0"/>
+              <a:t>reshape()</a:t>
+            </a:r>
+            <a:r>
+              <a:rPr lang="zh-CN" altLang="en-US" sz="1400" dirty="0"/>
+              <a:t>传递矩阵的行和列的数量</a:t>
+            </a:r>
           </a:p>
           <a:p>
             <a:pPr lvl="0" eaLnBrk="0" fontAlgn="base" hangingPunct="0">
@@ -6156,13 +6063,9 @@
             </a:r>
             <a:r>
               <a:rPr lang="zh-CN" altLang="en-US" sz="1400" dirty="0"/>
-              <a:t>的测试结果转换为两个特征数据（长度和宽度</a:t>
-            </a:r>
-            <a:r>
-              <a:rPr lang="zh-CN" altLang="en-US" sz="1400" dirty="0" smtClean="0"/>
-              <a:t>）</a:t>
-            </a:r>
-            <a:endParaRPr lang="en-US" altLang="zh-CN" sz="1400" dirty="0" smtClean="0"/>
+              <a:t>的测试结果转换为两个特征数据，长度和宽度</a:t>
+            </a:r>
+            <a:endParaRPr lang="en-US" altLang="zh-CN" sz="1400" dirty="0"/>
           </a:p>
           <a:p>
             <a:pPr lvl="0" eaLnBrk="0" fontAlgn="base" hangingPunct="0">
@@ -6174,34 +6077,45 @@
               </a:spcAft>
             </a:pPr>
             <a:r>
-              <a:rPr lang="en-US" altLang="zh-CN" sz="1400" dirty="0"/>
-              <a:t> </a:t>
-            </a:r>
-            <a:r>
-              <a:rPr lang="en-US" altLang="zh-CN" sz="1400" dirty="0" smtClean="0"/>
-              <a:t>   #</a:t>
-            </a:r>
-            <a:r>
-              <a:rPr lang="zh-CN" altLang="en-US" sz="1400" dirty="0" smtClean="0"/>
-              <a:t>这里</a:t>
-            </a:r>
-            <a:r>
-              <a:rPr lang="zh-CN" altLang="en-US" sz="1400" dirty="0"/>
-              <a:t>需要</a:t>
-            </a:r>
-            <a:r>
-              <a:rPr lang="en-US" altLang="zh-CN" sz="1400" dirty="0"/>
-              <a:t>shape</a:t>
-            </a:r>
-            <a:r>
-              <a:rPr lang="zh-CN" altLang="en-US" sz="1400" dirty="0"/>
-              <a:t>函数为其传递矩阵的行和列的</a:t>
-            </a:r>
-            <a:r>
-              <a:rPr lang="zh-CN" altLang="en-US" sz="1400" dirty="0" smtClean="0"/>
-              <a:t>数量</a:t>
-            </a:r>
-            <a:endParaRPr lang="en-US" altLang="zh-CN" sz="1400" dirty="0" smtClean="0"/>
+              <a:rPr lang="en-US" altLang="zh-CN" sz="1400" dirty="0">
+                <a:solidFill>
+                  <a:srgbClr val="FF0000"/>
+                </a:solidFill>
+              </a:rPr>
+              <a:t>    Z = </a:t>
+            </a:r>
+            <a:r>
+              <a:rPr lang="en-US" altLang="zh-CN" sz="1400" dirty="0" err="1">
+                <a:solidFill>
+                  <a:srgbClr val="FF0000"/>
+                </a:solidFill>
+              </a:rPr>
+              <a:t>Z.reshape</a:t>
+            </a:r>
+            <a:r>
+              <a:rPr lang="en-US" altLang="zh-CN" sz="1400" dirty="0">
+                <a:solidFill>
+                  <a:srgbClr val="FF0000"/>
+                </a:solidFill>
+              </a:rPr>
+              <a:t>(</a:t>
+            </a:r>
+            <a:r>
+              <a:rPr lang="en-US" altLang="zh-CN" sz="1400" dirty="0" err="1">
+                <a:solidFill>
+                  <a:srgbClr val="FF0000"/>
+                </a:solidFill>
+              </a:rPr>
+              <a:t>xx.shape</a:t>
+            </a:r>
+            <a:r>
+              <a:rPr lang="en-US" altLang="zh-CN" sz="1400" dirty="0">
+                <a:solidFill>
+                  <a:srgbClr val="FF0000"/>
+                </a:solidFill>
+              </a:rPr>
+              <a:t>)</a:t>
+            </a:r>
           </a:p>
           <a:p>
             <a:pPr lvl="0" eaLnBrk="0" fontAlgn="base" hangingPunct="0">
@@ -6213,60 +6127,12 @@
               </a:spcAft>
             </a:pPr>
             <a:r>
-              <a:rPr lang="en-US" altLang="zh-CN" sz="1400" dirty="0">
-                <a:solidFill>
-                  <a:srgbClr val="FF0000"/>
-                </a:solidFill>
-              </a:rPr>
-              <a:t> </a:t>
-            </a:r>
-            <a:r>
-              <a:rPr lang="en-US" altLang="zh-CN" sz="1400" dirty="0" smtClean="0">
-                <a:solidFill>
-                  <a:srgbClr val="FF0000"/>
-                </a:solidFill>
-              </a:rPr>
-              <a:t>   Z </a:t>
-            </a:r>
-            <a:r>
-              <a:rPr lang="en-US" altLang="zh-CN" sz="1400" dirty="0">
-                <a:solidFill>
-                  <a:srgbClr val="FF0000"/>
-                </a:solidFill>
-              </a:rPr>
-              <a:t>= </a:t>
-            </a:r>
-            <a:r>
-              <a:rPr lang="en-US" altLang="zh-CN" sz="1400" dirty="0" err="1">
-                <a:solidFill>
-                  <a:srgbClr val="FF0000"/>
-                </a:solidFill>
-              </a:rPr>
-              <a:t>Z.reshape</a:t>
-            </a:r>
-            <a:r>
-              <a:rPr lang="en-US" altLang="zh-CN" sz="1400" dirty="0">
-                <a:solidFill>
-                  <a:srgbClr val="FF0000"/>
-                </a:solidFill>
-              </a:rPr>
-              <a:t>(</a:t>
-            </a:r>
-            <a:r>
-              <a:rPr lang="en-US" altLang="zh-CN" sz="1400" dirty="0" err="1">
-                <a:solidFill>
-                  <a:srgbClr val="FF0000"/>
-                </a:solidFill>
-              </a:rPr>
-              <a:t>xx.shape</a:t>
-            </a:r>
-            <a:r>
-              <a:rPr lang="en-US" altLang="zh-CN" sz="1400" dirty="0">
-                <a:solidFill>
-                  <a:srgbClr val="FF0000"/>
-                </a:solidFill>
-              </a:rPr>
-              <a:t>)</a:t>
+              <a:rPr lang="en-US" altLang="zh-CN" sz="1400" dirty="0"/>
+              <a:t>    # </a:t>
+            </a:r>
+            <a:r>
+              <a:rPr lang="zh-CN" altLang="en-US" sz="1400" dirty="0"/>
+              <a:t>声明画板</a:t>
             </a:r>
           </a:p>
           <a:p>
@@ -6279,14 +6145,25 @@
               </a:spcAft>
             </a:pPr>
             <a:r>
-              <a:rPr lang="en-US" altLang="zh-CN" sz="1400" dirty="0"/>
-              <a:t>    # </a:t>
-            </a:r>
-            <a:r>
-              <a:rPr lang="zh-CN" altLang="en-US" sz="1400" dirty="0" smtClean="0"/>
-              <a:t>声明画板</a:t>
-            </a:r>
-            <a:endParaRPr lang="zh-CN" altLang="en-US" sz="1400" dirty="0"/>
+              <a:rPr lang="zh-CN" altLang="en-US" sz="1400" dirty="0"/>
+              <a:t>    </a:t>
+            </a:r>
+            <a:r>
+              <a:rPr lang="en-US" altLang="zh-CN" sz="1400" dirty="0" err="1">
+                <a:solidFill>
+                  <a:srgbClr val="FF0000"/>
+                </a:solidFill>
+              </a:rPr>
+              <a:t>plt.figure</a:t>
+            </a:r>
+            <a:r>
+              <a:rPr lang="en-US" altLang="zh-CN" sz="1400" dirty="0">
+                <a:solidFill>
+                  <a:srgbClr val="FF0000"/>
+                </a:solidFill>
+              </a:rPr>
+              <a:t>()</a:t>
+            </a:r>
           </a:p>
           <a:p>
             <a:pPr lvl="0" eaLnBrk="0" fontAlgn="base" hangingPunct="0">
@@ -6298,24 +6175,278 @@
               </a:spcAft>
             </a:pPr>
             <a:r>
+              <a:rPr lang="en-US" altLang="zh-CN" sz="1400" dirty="0"/>
+              <a:t>    #</a:t>
+            </a:r>
+            <a:r>
+              <a:rPr lang="en-US" altLang="zh-CN" sz="1400" dirty="0" err="1"/>
+              <a:t>pcolormesh</a:t>
+            </a:r>
+            <a:r>
+              <a:rPr lang="zh-CN" altLang="en-US" sz="1400" dirty="0"/>
+              <a:t>函数将</a:t>
+            </a:r>
+            <a:r>
+              <a:rPr lang="en-US" altLang="zh-CN" sz="1400" dirty="0" err="1"/>
+              <a:t>xx,yy</a:t>
+            </a:r>
+            <a:r>
+              <a:rPr lang="zh-CN" altLang="en-US" sz="1400" dirty="0"/>
+              <a:t>两个网格矩阵和对应的预测结果</a:t>
+            </a:r>
+            <a:r>
+              <a:rPr lang="en-US" altLang="zh-CN" sz="1400" dirty="0"/>
+              <a:t>Z</a:t>
+            </a:r>
+            <a:r>
+              <a:rPr lang="zh-CN" altLang="en-US" sz="1400" dirty="0"/>
+              <a:t>绘制在图像上</a:t>
+            </a:r>
+            <a:endParaRPr lang="en-US" altLang="zh-CN" sz="1400" dirty="0"/>
+          </a:p>
+          <a:p>
+            <a:pPr lvl="0" eaLnBrk="0" fontAlgn="base" hangingPunct="0">
+              <a:spcBef>
+                <a:spcPct val="0"/>
+              </a:spcBef>
+              <a:spcAft>
+                <a:spcPct val="0"/>
+              </a:spcAft>
+            </a:pPr>
+            <a:r>
+              <a:rPr lang="en-US" altLang="zh-CN" sz="1400" dirty="0"/>
+              <a:t>    </a:t>
+            </a:r>
+            <a:r>
+              <a:rPr lang="en-US" altLang="zh-CN" sz="1400" dirty="0" err="1">
+                <a:solidFill>
+                  <a:srgbClr val="FF0000"/>
+                </a:solidFill>
+              </a:rPr>
+              <a:t>plt.pcolormesh</a:t>
+            </a:r>
+            <a:r>
+              <a:rPr lang="en-US" altLang="zh-CN" sz="1400" dirty="0">
+                <a:solidFill>
+                  <a:srgbClr val="FF0000"/>
+                </a:solidFill>
+              </a:rPr>
+              <a:t>(xx, </a:t>
+            </a:r>
+            <a:r>
+              <a:rPr lang="en-US" altLang="zh-CN" sz="1400" dirty="0" err="1">
+                <a:solidFill>
+                  <a:srgbClr val="FF0000"/>
+                </a:solidFill>
+              </a:rPr>
+              <a:t>yy</a:t>
+            </a:r>
+            <a:r>
+              <a:rPr lang="en-US" altLang="zh-CN" sz="1400" dirty="0">
+                <a:solidFill>
+                  <a:srgbClr val="FF0000"/>
+                </a:solidFill>
+              </a:rPr>
+              <a:t>, Z, </a:t>
+            </a:r>
+            <a:r>
+              <a:rPr lang="en-US" altLang="zh-CN" sz="1400" dirty="0" err="1">
+                <a:solidFill>
+                  <a:srgbClr val="FF0000"/>
+                </a:solidFill>
+              </a:rPr>
+              <a:t>cmap</a:t>
+            </a:r>
+            <a:r>
+              <a:rPr lang="en-US" altLang="zh-CN" sz="1400" dirty="0">
+                <a:solidFill>
+                  <a:srgbClr val="FF0000"/>
+                </a:solidFill>
+              </a:rPr>
+              <a:t>=</a:t>
+            </a:r>
+            <a:r>
+              <a:rPr lang="en-US" altLang="zh-CN" sz="1400" dirty="0" err="1">
+                <a:solidFill>
+                  <a:srgbClr val="FF0000"/>
+                </a:solidFill>
+              </a:rPr>
+              <a:t>cmap_light</a:t>
+            </a:r>
+            <a:r>
+              <a:rPr lang="en-US" altLang="zh-CN" sz="1400" dirty="0">
+                <a:solidFill>
+                  <a:srgbClr val="FF0000"/>
+                </a:solidFill>
+              </a:rPr>
+              <a:t>)</a:t>
+            </a:r>
+          </a:p>
+          <a:p>
+            <a:pPr lvl="0" eaLnBrk="0" fontAlgn="base" hangingPunct="0">
+              <a:spcBef>
+                <a:spcPct val="0"/>
+              </a:spcBef>
+              <a:spcAft>
+                <a:spcPct val="0"/>
+              </a:spcAft>
+            </a:pPr>
+            <a:r>
+              <a:rPr lang="en-US" altLang="zh-CN" sz="1400" dirty="0"/>
+              <a:t>    # </a:t>
+            </a:r>
+            <a:r>
+              <a:rPr lang="zh-CN" altLang="en-US" sz="1400" dirty="0"/>
+              <a:t>画出训练点</a:t>
+            </a:r>
+          </a:p>
+          <a:p>
+            <a:pPr lvl="0" eaLnBrk="0" fontAlgn="base" hangingPunct="0">
+              <a:spcBef>
+                <a:spcPct val="0"/>
+              </a:spcBef>
+              <a:spcAft>
+                <a:spcPct val="0"/>
+              </a:spcAft>
+            </a:pPr>
+            <a:r>
+              <a:rPr lang="zh-CN" altLang="en-US" sz="1400" dirty="0">
+                <a:solidFill>
+                  <a:srgbClr val="FF0000"/>
+                </a:solidFill>
+              </a:rPr>
+              <a:t>    </a:t>
+            </a:r>
+            <a:r>
+              <a:rPr lang="en-US" altLang="zh-CN" sz="1400" dirty="0" err="1">
+                <a:solidFill>
+                  <a:srgbClr val="FF0000"/>
+                </a:solidFill>
+              </a:rPr>
+              <a:t>plt.scatter</a:t>
+            </a:r>
+            <a:r>
+              <a:rPr lang="en-US" altLang="zh-CN" sz="1400" dirty="0">
+                <a:solidFill>
+                  <a:srgbClr val="FF0000"/>
+                </a:solidFill>
+              </a:rPr>
+              <a:t>(X[:, 0], X[:, 1], c=y, marker='o', </a:t>
+            </a:r>
+            <a:r>
+              <a:rPr lang="en-US" altLang="zh-CN" sz="1400" dirty="0" err="1">
+                <a:solidFill>
+                  <a:srgbClr val="FF0000"/>
+                </a:solidFill>
+              </a:rPr>
+              <a:t>cmap</a:t>
+            </a:r>
+            <a:r>
+              <a:rPr lang="en-US" altLang="zh-CN" sz="1400" dirty="0">
+                <a:solidFill>
+                  <a:srgbClr val="FF0000"/>
+                </a:solidFill>
+              </a:rPr>
+              <a:t>=</a:t>
+            </a:r>
+            <a:r>
+              <a:rPr lang="en-US" altLang="zh-CN" sz="1400" dirty="0" err="1">
+                <a:solidFill>
+                  <a:srgbClr val="FF0000"/>
+                </a:solidFill>
+              </a:rPr>
+              <a:t>cmap_bold</a:t>
+            </a:r>
+            <a:r>
+              <a:rPr lang="en-US" altLang="zh-CN" sz="1400" dirty="0">
+                <a:solidFill>
+                  <a:srgbClr val="FF0000"/>
+                </a:solidFill>
+              </a:rPr>
+              <a:t>, </a:t>
+            </a:r>
+            <a:r>
+              <a:rPr lang="en-US" altLang="zh-CN" sz="1400" dirty="0" err="1">
+                <a:solidFill>
+                  <a:srgbClr val="FF0000"/>
+                </a:solidFill>
+              </a:rPr>
+              <a:t>edgecolor</a:t>
+            </a:r>
+            <a:r>
+              <a:rPr lang="en-US" altLang="zh-CN" sz="1400" dirty="0">
+                <a:solidFill>
+                  <a:srgbClr val="FF0000"/>
+                </a:solidFill>
+              </a:rPr>
+              <a:t>='k', s=40)</a:t>
+            </a:r>
+          </a:p>
+          <a:p>
+            <a:pPr lvl="0" eaLnBrk="0" fontAlgn="base" hangingPunct="0">
+              <a:spcBef>
+                <a:spcPct val="0"/>
+              </a:spcBef>
+              <a:spcAft>
+                <a:spcPct val="0"/>
+              </a:spcAft>
+            </a:pPr>
+            <a:endParaRPr lang="en-US" altLang="zh-CN" sz="1400" dirty="0"/>
+          </a:p>
+          <a:p>
+            <a:pPr lvl="0" eaLnBrk="0" fontAlgn="base" hangingPunct="0">
+              <a:spcBef>
+                <a:spcPct val="0"/>
+              </a:spcBef>
+              <a:spcAft>
+                <a:spcPct val="0"/>
+              </a:spcAft>
+            </a:pPr>
+            <a:r>
+              <a:rPr lang="en-US" altLang="zh-CN" sz="1400" dirty="0"/>
+              <a:t>    # </a:t>
+            </a:r>
+            <a:r>
+              <a:rPr lang="zh-CN" altLang="en-US" sz="1400" dirty="0"/>
+              <a:t>设置坐标轴的取值范围</a:t>
+            </a:r>
+          </a:p>
+          <a:p>
+            <a:pPr lvl="0" eaLnBrk="0" fontAlgn="base" hangingPunct="0">
+              <a:spcBef>
+                <a:spcPct val="0"/>
+              </a:spcBef>
+              <a:spcAft>
+                <a:spcPct val="0"/>
+              </a:spcAft>
+            </a:pPr>
+            <a:r>
               <a:rPr lang="zh-CN" altLang="en-US" sz="1400" dirty="0"/>
               <a:t>    </a:t>
             </a:r>
             <a:r>
-              <a:rPr lang="en-US" altLang="zh-CN" sz="1400" dirty="0" err="1">
-                <a:solidFill>
-                  <a:srgbClr val="FF0000"/>
-                </a:solidFill>
-              </a:rPr>
-              <a:t>plt.figure</a:t>
-            </a:r>
-            <a:r>
-              <a:rPr lang="en-US" altLang="zh-CN" sz="1400" dirty="0">
-                <a:solidFill>
-                  <a:srgbClr val="FF0000"/>
-                </a:solidFill>
-              </a:rPr>
-              <a:t>()</a:t>
+              <a:rPr lang="en-US" altLang="zh-CN" sz="1400" dirty="0" err="1"/>
+              <a:t>plt.xlim</a:t>
+            </a:r>
+            <a:r>
+              <a:rPr lang="en-US" altLang="zh-CN" sz="1400" dirty="0"/>
+              <a:t>(</a:t>
+            </a:r>
+            <a:r>
+              <a:rPr lang="en-US" altLang="zh-CN" sz="1400" dirty="0" err="1"/>
+              <a:t>xx.min</a:t>
+            </a:r>
+            <a:r>
+              <a:rPr lang="en-US" altLang="zh-CN" sz="1400" dirty="0"/>
+              <a:t>(), </a:t>
+            </a:r>
+            <a:r>
+              <a:rPr lang="en-US" altLang="zh-CN" sz="1400" dirty="0" err="1"/>
+              <a:t>xx.max</a:t>
+            </a:r>
+            <a:r>
+              <a:rPr lang="en-US" altLang="zh-CN" sz="1400" dirty="0"/>
+              <a:t>())</a:t>
             </a:r>
           </a:p>
           <a:p>
@@ -6329,45 +6460,32 @@
             </a:pPr>
             <a:r>
               <a:rPr lang="en-US" altLang="zh-CN" sz="1400" dirty="0"/>
-              <a:t>    #</a:t>
+              <a:t>    </a:t>
             </a:r>
             <a:r>
               <a:rPr lang="en-US" altLang="zh-CN" sz="1400" dirty="0" err="1"/>
-              <a:t>pcolormesh</a:t>
-            </a:r>
-            <a:r>
-              <a:rPr lang="zh-CN" altLang="en-US" sz="1400" dirty="0"/>
-              <a:t>函数将</a:t>
+              <a:t>plt.ylim</a:t>
+            </a:r>
+            <a:r>
+              <a:rPr lang="en-US" altLang="zh-CN" sz="1400" dirty="0"/>
+              <a:t>(</a:t>
             </a:r>
             <a:r>
               <a:rPr lang="en-US" altLang="zh-CN" sz="1400" dirty="0" err="1"/>
-              <a:t>xx,yy</a:t>
-            </a:r>
-            <a:r>
-              <a:rPr lang="zh-CN" altLang="en-US" sz="1400" dirty="0"/>
-              <a:t>两个网格矩阵和对应的预测结果</a:t>
-            </a:r>
-            <a:r>
-              <a:rPr lang="en-US" altLang="zh-CN" sz="1400" dirty="0"/>
-              <a:t>Z</a:t>
-            </a:r>
-            <a:r>
-              <a:rPr lang="zh-CN" altLang="en-US" sz="1400" dirty="0"/>
-              <a:t>绘制</a:t>
-            </a:r>
-            <a:r>
-              <a:rPr lang="zh-CN" altLang="en-US" sz="1400" dirty="0" smtClean="0"/>
-              <a:t>在</a:t>
-            </a:r>
-            <a:r>
-              <a:rPr lang="zh-CN" altLang="en-US" sz="1400" dirty="0"/>
-              <a:t>图像</a:t>
-            </a:r>
-            <a:r>
-              <a:rPr lang="zh-CN" altLang="en-US" sz="1400" dirty="0" smtClean="0"/>
-              <a:t>上</a:t>
-            </a:r>
-            <a:endParaRPr lang="en-US" altLang="zh-CN" sz="1400" dirty="0" smtClean="0"/>
+              <a:t>yy.min</a:t>
+            </a:r>
+            <a:r>
+              <a:rPr lang="en-US" altLang="zh-CN" sz="1400" dirty="0"/>
+              <a:t>(), </a:t>
+            </a:r>
+            <a:r>
+              <a:rPr lang="en-US" altLang="zh-CN" sz="1400" dirty="0" err="1"/>
+              <a:t>yy.max</a:t>
+            </a:r>
+            <a:r>
+              <a:rPr lang="en-US" altLang="zh-CN" sz="1400" dirty="0"/>
+              <a:t>())</a:t>
+            </a:r>
           </a:p>
           <a:p>
             <a:pPr lvl="0" eaLnBrk="0" fontAlgn="base" hangingPunct="0">
@@ -6378,78 +6496,7 @@
                 <a:spcPct val="0"/>
               </a:spcAft>
             </a:pPr>
-            <a:r>
-              <a:rPr lang="en-US" altLang="zh-CN" sz="1400" dirty="0"/>
-              <a:t> </a:t>
-            </a:r>
-            <a:r>
-              <a:rPr lang="en-US" altLang="zh-CN" sz="1400" dirty="0" smtClean="0"/>
-              <a:t>   </a:t>
-            </a:r>
-            <a:r>
-              <a:rPr lang="en-US" altLang="zh-CN" sz="1400" dirty="0" err="1" smtClean="0">
-                <a:solidFill>
-                  <a:srgbClr val="FF0000"/>
-                </a:solidFill>
-              </a:rPr>
-              <a:t>plt.pcolormesh</a:t>
-            </a:r>
-            <a:r>
-              <a:rPr lang="en-US" altLang="zh-CN" sz="1400" dirty="0" smtClean="0">
-                <a:solidFill>
-                  <a:srgbClr val="FF0000"/>
-                </a:solidFill>
-              </a:rPr>
-              <a:t>(xx, </a:t>
-            </a:r>
-            <a:r>
-              <a:rPr lang="en-US" altLang="zh-CN" sz="1400" dirty="0" err="1" smtClean="0">
-                <a:solidFill>
-                  <a:srgbClr val="FF0000"/>
-                </a:solidFill>
-              </a:rPr>
-              <a:t>yy</a:t>
-            </a:r>
-            <a:r>
-              <a:rPr lang="en-US" altLang="zh-CN" sz="1400" dirty="0" smtClean="0">
-                <a:solidFill>
-                  <a:srgbClr val="FF0000"/>
-                </a:solidFill>
-              </a:rPr>
-              <a:t>, Z, </a:t>
-            </a:r>
-            <a:r>
-              <a:rPr lang="en-US" altLang="zh-CN" sz="1400" dirty="0" err="1" smtClean="0">
-                <a:solidFill>
-                  <a:srgbClr val="FF0000"/>
-                </a:solidFill>
-              </a:rPr>
-              <a:t>cmap</a:t>
-            </a:r>
-            <a:r>
-              <a:rPr lang="en-US" altLang="zh-CN" sz="1400" dirty="0" smtClean="0">
-                <a:solidFill>
-                  <a:srgbClr val="FF0000"/>
-                </a:solidFill>
-              </a:rPr>
-              <a:t>=</a:t>
-            </a:r>
-            <a:r>
-              <a:rPr lang="en-US" altLang="zh-CN" sz="1400" dirty="0" err="1" smtClean="0">
-                <a:solidFill>
-                  <a:srgbClr val="FF0000"/>
-                </a:solidFill>
-              </a:rPr>
-              <a:t>cmap_light</a:t>
-            </a:r>
-            <a:r>
-              <a:rPr lang="en-US" altLang="zh-CN" sz="1400" dirty="0" smtClean="0">
-                <a:solidFill>
-                  <a:srgbClr val="FF0000"/>
-                </a:solidFill>
-              </a:rPr>
-              <a:t>)</a:t>
-            </a:r>
+            <a:endParaRPr lang="en-US" altLang="zh-CN" sz="1400" dirty="0"/>
           </a:p>
           <a:p>
             <a:pPr lvl="0" eaLnBrk="0" fontAlgn="base" hangingPunct="0">
@@ -6461,16 +6508,12 @@
               </a:spcAft>
             </a:pPr>
             <a:r>
-              <a:rPr lang="en-US" altLang="zh-CN" sz="1400" dirty="0" smtClean="0"/>
-              <a:t>    </a:t>
-            </a:r>
-            <a:r>
-              <a:rPr lang="en-US" altLang="zh-CN" sz="1400" dirty="0"/>
-              <a:t># </a:t>
+              <a:rPr lang="en-US" altLang="zh-CN" sz="1400" dirty="0"/>
+              <a:t>    # </a:t>
             </a:r>
             <a:r>
               <a:rPr lang="zh-CN" altLang="en-US" sz="1400" dirty="0"/>
-              <a:t>画出训练点</a:t>
+              <a:t>设置坐标轴的标识</a:t>
             </a:r>
           </a:p>
           <a:p>
@@ -6483,90 +6526,25 @@
               </a:spcAft>
             </a:pPr>
             <a:r>
-              <a:rPr lang="zh-CN" altLang="en-US" sz="1400" dirty="0">
-                <a:solidFill>
-                  <a:srgbClr val="FF0000"/>
-                </a:solidFill>
-              </a:rPr>
+              <a:rPr lang="en-US" altLang="zh-CN" sz="1400" dirty="0"/>
               <a:t>    </a:t>
             </a:r>
             <a:r>
-              <a:rPr lang="en-US" altLang="zh-CN" sz="1400" dirty="0" err="1">
-                <a:solidFill>
-                  <a:srgbClr val="FF0000"/>
-                </a:solidFill>
-              </a:rPr>
-              <a:t>plt.scatter</a:t>
-            </a:r>
-            <a:r>
-              <a:rPr lang="en-US" altLang="zh-CN" sz="1400" dirty="0">
-                <a:solidFill>
-                  <a:srgbClr val="FF0000"/>
-                </a:solidFill>
-              </a:rPr>
-              <a:t>(X[:, 0], X[:, 1], c=y, marker='o', </a:t>
-            </a:r>
-            <a:r>
-              <a:rPr lang="en-US" altLang="zh-CN" sz="1400" dirty="0" err="1">
-                <a:solidFill>
-                  <a:srgbClr val="FF0000"/>
-                </a:solidFill>
-              </a:rPr>
-              <a:t>cmap</a:t>
-            </a:r>
-            <a:r>
-              <a:rPr lang="en-US" altLang="zh-CN" sz="1400" dirty="0">
-                <a:solidFill>
-                  <a:srgbClr val="FF0000"/>
-                </a:solidFill>
-              </a:rPr>
-              <a:t>=</a:t>
-            </a:r>
-            <a:r>
-              <a:rPr lang="en-US" altLang="zh-CN" sz="1400" dirty="0" err="1">
-                <a:solidFill>
-                  <a:srgbClr val="FF0000"/>
-                </a:solidFill>
-              </a:rPr>
-              <a:t>cmap_bold</a:t>
-            </a:r>
-            <a:r>
-              <a:rPr lang="en-US" altLang="zh-CN" sz="1400" dirty="0">
-                <a:solidFill>
-                  <a:srgbClr val="FF0000"/>
-                </a:solidFill>
-              </a:rPr>
-              <a:t>, </a:t>
-            </a:r>
-            <a:r>
-              <a:rPr lang="en-US" altLang="zh-CN" sz="1400" dirty="0" err="1">
-                <a:solidFill>
-                  <a:srgbClr val="FF0000"/>
-                </a:solidFill>
-              </a:rPr>
-              <a:t>edgecolor</a:t>
-            </a:r>
-            <a:r>
-              <a:rPr lang="en-US" altLang="zh-CN" sz="1400" dirty="0">
-                <a:solidFill>
-                  <a:srgbClr val="FF0000"/>
-                </a:solidFill>
-              </a:rPr>
-              <a:t>='k', s=40</a:t>
-            </a:r>
-            <a:r>
-              <a:rPr lang="en-US" altLang="zh-CN" sz="1400" dirty="0" smtClean="0">
-                <a:solidFill>
-                  <a:srgbClr val="FF0000"/>
-                </a:solidFill>
-              </a:rPr>
-              <a:t>)</a:t>
-            </a:r>
-            <a:endParaRPr lang="en-US" altLang="zh-CN" sz="1400" dirty="0">
-              <a:solidFill>
-                <a:srgbClr val="FF0000"/>
-              </a:solidFill>
-            </a:endParaRPr>
+              <a:rPr lang="en-US" altLang="zh-CN" sz="1400" dirty="0" err="1"/>
+              <a:t>plt.xlabel</a:t>
+            </a:r>
+            <a:r>
+              <a:rPr lang="en-US" altLang="zh-CN" sz="1400" dirty="0"/>
+              <a:t>(</a:t>
+            </a:r>
+            <a:r>
+              <a:rPr lang="en-US" altLang="zh-CN" sz="1400" dirty="0" err="1"/>
+              <a:t>u'Sepal_Length</a:t>
+            </a:r>
+            <a:r>
+              <a:rPr lang="en-US" altLang="zh-CN" sz="1400" dirty="0"/>
+              <a:t>')</a:t>
+            </a:r>
           </a:p>
           <a:p>
             <a:pPr lvl="0" eaLnBrk="0" fontAlgn="base" hangingPunct="0">
@@ -6577,42 +6555,13 @@
                 <a:spcPct val="0"/>
               </a:spcAft>
             </a:pPr>
-            <a:endParaRPr lang="en-US" altLang="zh-CN" sz="1400" dirty="0"/>
-          </a:p>
-          <a:p>
-            <a:pPr lvl="0" eaLnBrk="0" fontAlgn="base" hangingPunct="0">
-              <a:spcBef>
-                <a:spcPct val="0"/>
-              </a:spcBef>
-              <a:spcAft>
-                <a:spcPct val="0"/>
-              </a:spcAft>
-            </a:pPr>
-            <a:r>
-              <a:rPr lang="en-US" altLang="zh-CN" sz="1400" dirty="0"/>
-              <a:t>    # </a:t>
-            </a:r>
-            <a:r>
-              <a:rPr lang="zh-CN" altLang="en-US" sz="1400" dirty="0"/>
-              <a:t>设置坐标轴的取值范围</a:t>
-            </a:r>
-          </a:p>
-          <a:p>
-            <a:pPr lvl="0" eaLnBrk="0" fontAlgn="base" hangingPunct="0">
-              <a:spcBef>
-                <a:spcPct val="0"/>
-              </a:spcBef>
-              <a:spcAft>
-                <a:spcPct val="0"/>
-              </a:spcAft>
-            </a:pPr>
-            <a:r>
-              <a:rPr lang="zh-CN" altLang="en-US" sz="1400" dirty="0"/>
+            <a:r>
+              <a:rPr lang="en-US" altLang="zh-CN" sz="1400" dirty="0"/>
               <a:t>    </a:t>
             </a:r>
             <a:r>
               <a:rPr lang="en-US" altLang="zh-CN" sz="1400" dirty="0" err="1"/>
-              <a:t>plt.xlim</a:t>
+              <a:t>plt.ylabel</a:t>
             </a:r>
             <a:r>
               <a:rPr lang="en-US" altLang="zh-CN" sz="1400" dirty="0"/>
@@ -6620,145 +6569,6 @@
             </a:r>
             <a:r>
               <a:rPr lang="en-US" altLang="zh-CN" sz="1400" dirty="0" err="1"/>
-              <a:t>xx.min</a:t>
-            </a:r>
-            <a:r>
-              <a:rPr lang="en-US" altLang="zh-CN" sz="1400" dirty="0"/>
-              <a:t>(), </a:t>
-            </a:r>
-            <a:r>
-              <a:rPr lang="en-US" altLang="zh-CN" sz="1400" dirty="0" err="1"/>
-              <a:t>xx.max</a:t>
-            </a:r>
-            <a:r>
-              <a:rPr lang="en-US" altLang="zh-CN" sz="1400" dirty="0"/>
-              <a:t>())</a:t>
-            </a:r>
-          </a:p>
-          <a:p>
-            <a:pPr lvl="0" eaLnBrk="0" fontAlgn="base" hangingPunct="0">
-              <a:spcBef>
-                <a:spcPct val="0"/>
-              </a:spcBef>
-              <a:spcAft>
-                <a:spcPct val="0"/>
-              </a:spcAft>
-            </a:pPr>
-            <a:r>
-              <a:rPr lang="en-US" altLang="zh-CN" sz="1400" dirty="0"/>
-              <a:t>    </a:t>
-            </a:r>
-            <a:r>
-              <a:rPr lang="en-US" altLang="zh-CN" sz="1400" dirty="0" err="1"/>
-              <a:t>plt.ylim</a:t>
-            </a:r>
-            <a:r>
-              <a:rPr lang="en-US" altLang="zh-CN" sz="1400" dirty="0"/>
-              <a:t>(</a:t>
-            </a:r>
-            <a:r>
-              <a:rPr lang="en-US" altLang="zh-CN" sz="1400" dirty="0" err="1"/>
-              <a:t>yy.min</a:t>
-            </a:r>
-            <a:r>
-              <a:rPr lang="en-US" altLang="zh-CN" sz="1400" dirty="0"/>
-              <a:t>(), </a:t>
-            </a:r>
-            <a:r>
-              <a:rPr lang="en-US" altLang="zh-CN" sz="1400" dirty="0" err="1"/>
-              <a:t>yy.max</a:t>
-            </a:r>
-            <a:r>
-              <a:rPr lang="en-US" altLang="zh-CN" sz="1400" dirty="0"/>
-              <a:t>())</a:t>
-            </a:r>
-          </a:p>
-          <a:p>
-            <a:pPr lvl="0" eaLnBrk="0" fontAlgn="base" hangingPunct="0">
-              <a:spcBef>
-                <a:spcPct val="0"/>
-              </a:spcBef>
-              <a:spcAft>
-                <a:spcPct val="0"/>
-              </a:spcAft>
-            </a:pPr>
-            <a:endParaRPr lang="en-US" altLang="zh-CN" sz="1400" dirty="0"/>
-          </a:p>
-          <a:p>
-            <a:pPr lvl="0" eaLnBrk="0" fontAlgn="base" hangingPunct="0">
-              <a:spcBef>
-                <a:spcPct val="0"/>
-              </a:spcBef>
-              <a:spcAft>
-                <a:spcPct val="0"/>
-              </a:spcAft>
-            </a:pPr>
-            <a:r>
-              <a:rPr lang="en-US" altLang="zh-CN" sz="1400" dirty="0"/>
-              <a:t>    # </a:t>
-            </a:r>
-            <a:r>
-              <a:rPr lang="zh-CN" altLang="en-US" sz="1400" dirty="0"/>
-              <a:t>设置坐标轴的标识</a:t>
-            </a:r>
-          </a:p>
-          <a:p>
-            <a:pPr lvl="0" eaLnBrk="0" fontAlgn="base" hangingPunct="0">
-              <a:spcBef>
-                <a:spcPct val="0"/>
-              </a:spcBef>
-              <a:spcAft>
-                <a:spcPct val="0"/>
-              </a:spcAft>
-            </a:pPr>
-            <a:r>
-              <a:rPr lang="en-US" altLang="zh-CN" sz="1400" dirty="0"/>
-              <a:t> </a:t>
-            </a:r>
-            <a:r>
-              <a:rPr lang="en-US" altLang="zh-CN" sz="1400" dirty="0" smtClean="0"/>
-              <a:t>   </a:t>
-            </a:r>
-            <a:r>
-              <a:rPr lang="en-US" altLang="zh-CN" sz="1400" dirty="0" err="1" smtClean="0"/>
-              <a:t>plt.xlabel</a:t>
-            </a:r>
-            <a:r>
-              <a:rPr lang="en-US" altLang="zh-CN" sz="1400" dirty="0" smtClean="0"/>
-              <a:t>(</a:t>
-            </a:r>
-            <a:r>
-              <a:rPr lang="en-US" altLang="zh-CN" sz="1400" dirty="0" err="1" smtClean="0"/>
-              <a:t>u'Sepal_Length</a:t>
-            </a:r>
-            <a:r>
-              <a:rPr lang="en-US" altLang="zh-CN" sz="1400" dirty="0"/>
-              <a:t>')</a:t>
-            </a:r>
-          </a:p>
-          <a:p>
-            <a:pPr lvl="0" eaLnBrk="0" fontAlgn="base" hangingPunct="0">
-              <a:spcBef>
-                <a:spcPct val="0"/>
-              </a:spcBef>
-              <a:spcAft>
-                <a:spcPct val="0"/>
-              </a:spcAft>
-            </a:pPr>
-            <a:r>
-              <a:rPr lang="en-US" altLang="zh-CN" sz="1400" dirty="0" smtClean="0"/>
-              <a:t>    </a:t>
-            </a:r>
-            <a:r>
-              <a:rPr lang="en-US" altLang="zh-CN" sz="1400" dirty="0" err="1" smtClean="0"/>
-              <a:t>plt.ylabel</a:t>
-            </a:r>
-            <a:r>
-              <a:rPr lang="en-US" altLang="zh-CN" sz="1400" dirty="0" smtClean="0"/>
-              <a:t>(</a:t>
-            </a:r>
-            <a:r>
-              <a:rPr lang="en-US" altLang="zh-CN" sz="1400" dirty="0" err="1" smtClean="0"/>
               <a:t>u'Sepal_Width</a:t>
             </a:r>
             <a:r>
@@ -6818,13 +6628,6 @@
   <p:clrMapOvr>
     <a:masterClrMapping/>
   </p:clrMapOvr>
-  <p:timing>
-    <p:tnLst>
-      <p:par>
-        <p:cTn id="1" dur="indefinite" restart="never" nodeType="tmRoot"/>
-      </p:par>
-    </p:tnLst>
-  </p:timing>
 </p:sld>
 </file>
 
@@ -6938,23 +6741,19 @@
           </a:lstStyle>
           <a:p>
             <a:r>
-              <a:rPr lang="en-US" altLang="zh-CN" dirty="0" smtClean="0">
+              <a:rPr lang="en-US" altLang="zh-CN" dirty="0">
                 <a:latin typeface="微软雅黑" panose="020B0503020204020204" pitchFamily="34" charset="-122"/>
                 <a:ea typeface="微软雅黑" panose="020B0503020204020204" pitchFamily="34" charset="-122"/>
               </a:rPr>
               <a:t>KNN</a:t>
             </a:r>
             <a:r>
-              <a:rPr lang="zh-CN" altLang="en-US" dirty="0" smtClean="0">
+              <a:rPr lang="zh-CN" altLang="en-US" dirty="0">
                 <a:latin typeface="微软雅黑" panose="020B0503020204020204" pitchFamily="34" charset="-122"/>
                 <a:ea typeface="微软雅黑" panose="020B0503020204020204" pitchFamily="34" charset="-122"/>
               </a:rPr>
               <a:t>分类算法运行结果</a:t>
             </a:r>
-            <a:endParaRPr lang="zh-CN" altLang="en-US" dirty="0">
-              <a:latin typeface="微软雅黑" panose="020B0503020204020204" pitchFamily="34" charset="-122"/>
-              <a:ea typeface="微软雅黑" panose="020B0503020204020204" pitchFamily="34" charset="-122"/>
-            </a:endParaRPr>
           </a:p>
         </p:txBody>
       </p:sp>
@@ -6968,13 +6767,6 @@
   <p:clrMapOvr>
     <a:masterClrMapping/>
   </p:clrMapOvr>
-  <p:timing>
-    <p:tnLst>
-      <p:par>
-        <p:cTn id="1" dur="indefinite" restart="never" nodeType="tmRoot"/>
-      </p:par>
-    </p:tnLst>
-  </p:timing>
 </p:sld>
 </file>
 
@@ -7011,29 +6803,30 @@
             <p:ph type="title"/>
           </p:nvPr>
         </p:nvSpPr>
-        <p:spPr/>
+        <p:spPr>
+          <a:xfrm>
+            <a:off x="486014" y="33569"/>
+            <a:ext cx="8229600" cy="1143000"/>
+          </a:xfrm>
+        </p:spPr>
         <p:txBody>
           <a:bodyPr/>
           <a:lstStyle/>
           <a:p>
             <a:r>
-              <a:rPr lang="en-US" altLang="zh-CN" dirty="0" smtClean="0">
+              <a:rPr lang="en-US" altLang="zh-CN" dirty="0">
                 <a:latin typeface="微软雅黑" panose="020B0503020204020204" pitchFamily="34" charset="-122"/>
                 <a:ea typeface="微软雅黑" panose="020B0503020204020204" pitchFamily="34" charset="-122"/>
               </a:rPr>
               <a:t>K-means</a:t>
             </a:r>
             <a:r>
-              <a:rPr lang="zh-CN" altLang="en-US" dirty="0" smtClean="0">
+              <a:rPr lang="zh-CN" altLang="en-US" dirty="0">
                 <a:latin typeface="微软雅黑" panose="020B0503020204020204" pitchFamily="34" charset="-122"/>
                 <a:ea typeface="微软雅黑" panose="020B0503020204020204" pitchFamily="34" charset="-122"/>
               </a:rPr>
               <a:t>聚类算法</a:t>
             </a:r>
-            <a:endParaRPr lang="zh-CN" altLang="en-US" dirty="0">
-              <a:latin typeface="微软雅黑" panose="020B0503020204020204" pitchFamily="34" charset="-122"/>
-              <a:ea typeface="微软雅黑" panose="020B0503020204020204" pitchFamily="34" charset="-122"/>
-            </a:endParaRPr>
           </a:p>
         </p:txBody>
       </p:sp>
@@ -7055,13 +6848,13 @@
         </p:nvSpPr>
         <p:spPr>
           <a:xfrm>
-            <a:off x="457200" y="1600201"/>
-            <a:ext cx="8229600" cy="2620888"/>
+            <a:off x="457200" y="2204864"/>
+            <a:ext cx="8435280" cy="2620888"/>
           </a:xfrm>
         </p:spPr>
         <p:txBody>
           <a:bodyPr>
-            <a:normAutofit lnSpcReduction="10000"/>
+            <a:normAutofit fontScale="92500"/>
           </a:bodyPr>
           <a:lstStyle/>
           <a:p>
@@ -7111,18 +6904,11 @@
               <a:t>k</a:t>
             </a:r>
             <a:r>
-              <a:rPr lang="zh-CN" altLang="en-US" sz="1800" dirty="0" smtClean="0">
-                <a:latin typeface="微软雅黑" panose="020B0503020204020204" pitchFamily="34" charset="-122"/>
-                <a:ea typeface="微软雅黑" panose="020B0503020204020204" pitchFamily="34" charset="-122"/>
-              </a:rPr>
-              <a:t>个聚类</a:t>
-            </a:r>
-            <a:r>
               <a:rPr lang="zh-CN" altLang="en-US" sz="1800" dirty="0">
                 <a:latin typeface="微软雅黑" panose="020B0503020204020204" pitchFamily="34" charset="-122"/>
                 <a:ea typeface="微软雅黑" panose="020B0503020204020204" pitchFamily="34" charset="-122"/>
               </a:rPr>
-              <a:t>。</a:t>
+              <a:t>个聚类。</a:t>
             </a:r>
             <a:endParaRPr lang="en-US" altLang="zh-CN" sz="1800" dirty="0">
               <a:latin typeface="微软雅黑" panose="020B0503020204020204" pitchFamily="34" charset="-122"/>
@@ -7196,114 +6982,21 @@
                 <a:latin typeface="微软雅黑" panose="020B0503020204020204" pitchFamily="34" charset="-122"/>
                 <a:ea typeface="微软雅黑" panose="020B0503020204020204" pitchFamily="34" charset="-122"/>
               </a:rPr>
-              <a:t>）计算每一</a:t>
-            </a:r>
-            <a:r>
-              <a:rPr lang="zh-CN" altLang="en-US" sz="1800" dirty="0" smtClean="0">
+              <a:t>）计算每一个对象与</a:t>
+            </a:r>
+            <a:r>
+              <a:rPr lang="en-US" altLang="zh-CN" sz="1800" dirty="0">
                 <a:latin typeface="微软雅黑" panose="020B0503020204020204" pitchFamily="34" charset="-122"/>
                 <a:ea typeface="微软雅黑" panose="020B0503020204020204" pitchFamily="34" charset="-122"/>
               </a:rPr>
-              <a:t>个对象与</a:t>
-            </a:r>
-            <a:r>
-              <a:rPr lang="en-US" altLang="zh-CN" sz="1800" dirty="0" smtClean="0">
-                <a:latin typeface="微软雅黑" panose="020B0503020204020204" pitchFamily="34" charset="-122"/>
-                <a:ea typeface="微软雅黑" panose="020B0503020204020204" pitchFamily="34" charset="-122"/>
-              </a:rPr>
               <a:t>k</a:t>
-            </a:r>
-            <a:r>
-              <a:rPr lang="zh-CN" altLang="en-US" sz="1800" dirty="0" smtClean="0">
-                <a:latin typeface="微软雅黑" panose="020B0503020204020204" pitchFamily="34" charset="-122"/>
-                <a:ea typeface="微软雅黑" panose="020B0503020204020204" pitchFamily="34" charset="-122"/>
-              </a:rPr>
-              <a:t>个</a:t>
             </a:r>
             <a:r>
               <a:rPr lang="zh-CN" altLang="en-US" sz="1800" dirty="0">
                 <a:latin typeface="微软雅黑" panose="020B0503020204020204" pitchFamily="34" charset="-122"/>
                 <a:ea typeface="微软雅黑" panose="020B0503020204020204" pitchFamily="34" charset="-122"/>
               </a:rPr>
-              <a:t>质心的距离</a:t>
-            </a:r>
-            <a:r>
-              <a:rPr lang="zh-CN" altLang="en-US" sz="1800" dirty="0" smtClean="0">
-                <a:latin typeface="微软雅黑" panose="020B0503020204020204" pitchFamily="34" charset="-122"/>
-                <a:ea typeface="微软雅黑" panose="020B0503020204020204" pitchFamily="34" charset="-122"/>
-              </a:rPr>
-              <a:t>，并根据最小距离对相应对象进行划分，得到初始聚类</a:t>
-            </a:r>
-            <a:endParaRPr lang="en-US" altLang="zh-CN" sz="1800" dirty="0" smtClean="0">
-              <a:latin typeface="微软雅黑" panose="020B0503020204020204" pitchFamily="34" charset="-122"/>
-              <a:ea typeface="微软雅黑" panose="020B0503020204020204" pitchFamily="34" charset="-122"/>
-            </a:endParaRPr>
-          </a:p>
-          <a:p>
-            <a:pPr marL="0" indent="0">
-              <a:buNone/>
-            </a:pPr>
-            <a:r>
-              <a:rPr lang="zh-CN" altLang="en-US" sz="1800" dirty="0" smtClean="0">
-                <a:latin typeface="微软雅黑" panose="020B0503020204020204" pitchFamily="34" charset="-122"/>
-                <a:ea typeface="微软雅黑" panose="020B0503020204020204" pitchFamily="34" charset="-122"/>
-              </a:rPr>
-              <a:t>（</a:t>
-            </a:r>
-            <a:r>
-              <a:rPr lang="en-US" altLang="zh-CN" sz="1800" dirty="0">
-                <a:latin typeface="微软雅黑" panose="020B0503020204020204" pitchFamily="34" charset="-122"/>
-                <a:ea typeface="微软雅黑" panose="020B0503020204020204" pitchFamily="34" charset="-122"/>
-              </a:rPr>
-              <a:t>4</a:t>
-            </a:r>
-            <a:r>
-              <a:rPr lang="zh-CN" altLang="en-US" sz="1800" dirty="0" smtClean="0">
-                <a:latin typeface="微软雅黑" panose="020B0503020204020204" pitchFamily="34" charset="-122"/>
-                <a:ea typeface="微软雅黑" panose="020B0503020204020204" pitchFamily="34" charset="-122"/>
-              </a:rPr>
-              <a:t>）对</a:t>
-            </a:r>
-            <a:r>
-              <a:rPr lang="zh-CN" altLang="en-US" sz="1800" dirty="0">
-                <a:latin typeface="微软雅黑" panose="020B0503020204020204" pitchFamily="34" charset="-122"/>
-                <a:ea typeface="微软雅黑" panose="020B0503020204020204" pitchFamily="34" charset="-122"/>
-              </a:rPr>
-              <a:t>每一个</a:t>
-            </a:r>
-            <a:r>
-              <a:rPr lang="zh-CN" altLang="en-US" sz="1800" dirty="0" smtClean="0">
-                <a:latin typeface="微软雅黑" panose="020B0503020204020204" pitchFamily="34" charset="-122"/>
-                <a:ea typeface="微软雅黑" panose="020B0503020204020204" pitchFamily="34" charset="-122"/>
-              </a:rPr>
-              <a:t>聚类分别计算其所有</a:t>
-            </a:r>
-            <a:r>
-              <a:rPr lang="zh-CN" altLang="en-US" sz="1800" dirty="0">
-                <a:latin typeface="微软雅黑" panose="020B0503020204020204" pitchFamily="34" charset="-122"/>
-                <a:ea typeface="微软雅黑" panose="020B0503020204020204" pitchFamily="34" charset="-122"/>
-              </a:rPr>
-              <a:t>数据点的</a:t>
-            </a:r>
-            <a:r>
-              <a:rPr lang="zh-CN" altLang="en-US" sz="1800" dirty="0" smtClean="0">
-                <a:latin typeface="微软雅黑" panose="020B0503020204020204" pitchFamily="34" charset="-122"/>
-                <a:ea typeface="微软雅黑" panose="020B0503020204020204" pitchFamily="34" charset="-122"/>
-              </a:rPr>
-              <a:t>均值，</a:t>
-            </a:r>
-            <a:r>
-              <a:rPr lang="zh-CN" altLang="en-US" sz="1800" dirty="0">
-                <a:latin typeface="微软雅黑" panose="020B0503020204020204" pitchFamily="34" charset="-122"/>
-                <a:ea typeface="微软雅黑" panose="020B0503020204020204" pitchFamily="34" charset="-122"/>
-              </a:rPr>
-              <a:t>并将这个均值作为新的聚类</a:t>
-            </a:r>
-            <a:r>
-              <a:rPr lang="zh-CN" altLang="en-US" sz="1800" dirty="0" smtClean="0">
-                <a:latin typeface="微软雅黑" panose="020B0503020204020204" pitchFamily="34" charset="-122"/>
-                <a:ea typeface="微软雅黑" panose="020B0503020204020204" pitchFamily="34" charset="-122"/>
-              </a:rPr>
-              <a:t>的质心</a:t>
+              <a:t>个质心的距离，并根据最小距离对相应对象进行划分，得到初始聚类</a:t>
             </a:r>
             <a:endParaRPr lang="en-US" altLang="zh-CN" sz="1800" dirty="0">
               <a:latin typeface="微软雅黑" panose="020B0503020204020204" pitchFamily="34" charset="-122"/>
@@ -7326,14 +7019,14 @@
                 <a:latin typeface="微软雅黑" panose="020B0503020204020204" pitchFamily="34" charset="-122"/>
                 <a:ea typeface="微软雅黑" panose="020B0503020204020204" pitchFamily="34" charset="-122"/>
               </a:rPr>
-              <a:t>5</a:t>
+              <a:t>4</a:t>
             </a:r>
             <a:r>
               <a:rPr lang="zh-CN" altLang="en-US" sz="1800" dirty="0">
                 <a:latin typeface="微软雅黑" panose="020B0503020204020204" pitchFamily="34" charset="-122"/>
                 <a:ea typeface="微软雅黑" panose="020B0503020204020204" pitchFamily="34" charset="-122"/>
               </a:rPr>
-              <a:t>）如果新质心与旧质心距离差距小于某一个设置的阈值，则说明重新计算的质心的位置变化不大，数据趋于稳定，数据变化收敛</a:t>
+              <a:t>）对每一个聚类分别计算其所有数据点的均值，并将这个均值作为新的聚类的质心</a:t>
             </a:r>
             <a:endParaRPr lang="en-US" altLang="zh-CN" sz="1800" dirty="0">
               <a:latin typeface="微软雅黑" panose="020B0503020204020204" pitchFamily="34" charset="-122"/>
@@ -7356,28 +7049,58 @@
                 <a:latin typeface="微软雅黑" panose="020B0503020204020204" pitchFamily="34" charset="-122"/>
                 <a:ea typeface="微软雅黑" panose="020B0503020204020204" pitchFamily="34" charset="-122"/>
               </a:rPr>
-              <a:t>6</a:t>
+              <a:t>5</a:t>
             </a:r>
             <a:r>
               <a:rPr lang="zh-CN" altLang="en-US" sz="1800" dirty="0">
                 <a:latin typeface="微软雅黑" panose="020B0503020204020204" pitchFamily="34" charset="-122"/>
                 <a:ea typeface="微软雅黑" panose="020B0503020204020204" pitchFamily="34" charset="-122"/>
               </a:rPr>
-              <a:t>）如果新质心与旧质心距离差距变化很大，需要迭代</a:t>
+              <a:t>）如果新质心与旧质心距离差距小于某一个设置的阈值，则说明重新计算的质心的位置变化不大，数据趋于稳定，数据变化收敛</a:t>
+            </a:r>
+            <a:endParaRPr lang="en-US" altLang="zh-CN" sz="1800" dirty="0">
+              <a:latin typeface="微软雅黑" panose="020B0503020204020204" pitchFamily="34" charset="-122"/>
+              <a:ea typeface="微软雅黑" panose="020B0503020204020204" pitchFamily="34" charset="-122"/>
+            </a:endParaRPr>
+          </a:p>
+          <a:p>
+            <a:pPr marL="0" indent="0">
+              <a:buNone/>
+            </a:pPr>
+            <a:r>
+              <a:rPr lang="zh-CN" altLang="en-US" sz="1800" dirty="0">
+                <a:latin typeface="微软雅黑" panose="020B0503020204020204" pitchFamily="34" charset="-122"/>
+                <a:ea typeface="微软雅黑" panose="020B0503020204020204" pitchFamily="34" charset="-122"/>
+              </a:rPr>
+              <a:t>（</a:t>
             </a:r>
             <a:r>
               <a:rPr lang="en-US" altLang="zh-CN" sz="1800" dirty="0">
                 <a:latin typeface="微软雅黑" panose="020B0503020204020204" pitchFamily="34" charset="-122"/>
                 <a:ea typeface="微软雅黑" panose="020B0503020204020204" pitchFamily="34" charset="-122"/>
               </a:rPr>
+              <a:t>6</a:t>
+            </a:r>
+            <a:r>
+              <a:rPr lang="zh-CN" altLang="en-US" sz="1800" dirty="0">
+                <a:latin typeface="微软雅黑" panose="020B0503020204020204" pitchFamily="34" charset="-122"/>
+                <a:ea typeface="微软雅黑" panose="020B0503020204020204" pitchFamily="34" charset="-122"/>
+              </a:rPr>
+              <a:t>）如果新质心与旧质心距离差距变化很大，需要迭代</a:t>
+            </a:r>
+            <a:r>
+              <a:rPr lang="en-US" altLang="zh-CN" sz="1800" dirty="0">
+                <a:latin typeface="微软雅黑" panose="020B0503020204020204" pitchFamily="34" charset="-122"/>
+                <a:ea typeface="微软雅黑" panose="020B0503020204020204" pitchFamily="34" charset="-122"/>
+              </a:rPr>
               <a:t>3~5</a:t>
             </a:r>
             <a:r>
-              <a:rPr lang="zh-CN" altLang="en-US" sz="1800" dirty="0" smtClean="0">
+              <a:rPr lang="zh-CN" altLang="en-US" sz="1800" dirty="0">
                 <a:latin typeface="微软雅黑" panose="020B0503020204020204" pitchFamily="34" charset="-122"/>
                 <a:ea typeface="微软雅黑" panose="020B0503020204020204" pitchFamily="34" charset="-122"/>
               </a:rPr>
-              <a:t>步骤</a:t>
+              <a:t>步骤，直至满足第五步</a:t>
             </a:r>
             <a:endParaRPr lang="en-US" altLang="zh-CN" sz="1800" dirty="0">
               <a:latin typeface="微软雅黑" panose="020B0503020204020204" pitchFamily="34" charset="-122"/>
@@ -7400,7 +7123,7 @@
         </p:nvSpPr>
         <p:spPr>
           <a:xfrm>
-            <a:off x="539552" y="4403652"/>
+            <a:off x="472302" y="4870072"/>
             <a:ext cx="2516823" cy="1713290"/>
           </a:xfrm>
           <a:prstGeom prst="rect">
@@ -7464,18 +7187,7 @@
                 <a:ea typeface="微软雅黑" panose="020B0503020204020204" pitchFamily="34" charset="-122"/>
                 <a:cs typeface="宋体" panose="02010600030101010101" pitchFamily="2" charset="-122"/>
               </a:rPr>
-              <a:t>、 算法快速、</a:t>
-            </a:r>
-            <a:r>
-              <a:rPr lang="zh-CN" altLang="zh-CN" dirty="0" smtClean="0">
-                <a:solidFill>
-                  <a:srgbClr val="000000"/>
-                </a:solidFill>
-                <a:latin typeface="微软雅黑" panose="020B0503020204020204" pitchFamily="34" charset="-122"/>
-                <a:ea typeface="微软雅黑" panose="020B0503020204020204" pitchFamily="34" charset="-122"/>
-                <a:cs typeface="宋体" panose="02010600030101010101" pitchFamily="2" charset="-122"/>
-              </a:rPr>
-              <a:t>简单</a:t>
+              <a:t>、 算法快速、简单</a:t>
             </a:r>
             <a:endParaRPr lang="zh-CN" altLang="zh-CN" sz="2400" dirty="0">
               <a:latin typeface="微软雅黑" panose="020B0503020204020204" pitchFamily="34" charset="-122"/>
@@ -7493,7 +7205,7 @@
               </a:spcAft>
             </a:pPr>
             <a:r>
-              <a:rPr lang="en-US" altLang="zh-CN" dirty="0" smtClean="0">
+              <a:rPr lang="en-US" altLang="zh-CN" dirty="0">
                 <a:solidFill>
                   <a:srgbClr val="000000"/>
                 </a:solidFill>
@@ -7504,7 +7216,7 @@
               <a:t>2</a:t>
             </a:r>
             <a:r>
-              <a:rPr lang="zh-CN" altLang="zh-CN" dirty="0" smtClean="0">
+              <a:rPr lang="zh-CN" altLang="zh-CN" dirty="0">
                 <a:solidFill>
                   <a:srgbClr val="000000"/>
                 </a:solidFill>
@@ -7512,10 +7224,10 @@
                 <a:ea typeface="微软雅黑" panose="020B0503020204020204" pitchFamily="34" charset="-122"/>
                 <a:cs typeface="宋体" panose="02010600030101010101" pitchFamily="2" charset="-122"/>
               </a:rPr>
-              <a:t>、 </a:t>
-            </a:r>
-            <a:r>
-              <a:rPr lang="zh-CN" altLang="zh-CN" dirty="0">
+              <a:t>、 聚类效果中上</a:t>
+            </a:r>
+            <a:r>
+              <a:rPr lang="zh-CN" altLang="en-US" dirty="0">
                 <a:solidFill>
                   <a:srgbClr val="000000"/>
                 </a:solidFill>
@@ -7523,7 +7235,7 @@
                 <a:ea typeface="微软雅黑" panose="020B0503020204020204" pitchFamily="34" charset="-122"/>
                 <a:cs typeface="宋体" panose="02010600030101010101" pitchFamily="2" charset="-122"/>
               </a:rPr>
-              <a:t>聚类效果中上</a:t>
+              <a:t>水平</a:t>
             </a:r>
             <a:endParaRPr lang="zh-CN" altLang="zh-CN" sz="2400" dirty="0">
               <a:latin typeface="微软雅黑" panose="020B0503020204020204" pitchFamily="34" charset="-122"/>
@@ -7541,7 +7253,7 @@
               </a:spcAft>
             </a:pPr>
             <a:r>
-              <a:rPr lang="en-US" altLang="zh-CN" dirty="0" smtClean="0">
+              <a:rPr lang="en-US" altLang="zh-CN" dirty="0">
                 <a:solidFill>
                   <a:srgbClr val="000000"/>
                 </a:solidFill>
@@ -7552,7 +7264,7 @@
               <a:t>3</a:t>
             </a:r>
             <a:r>
-              <a:rPr lang="zh-CN" altLang="zh-CN" dirty="0" smtClean="0">
+              <a:rPr lang="zh-CN" altLang="zh-CN" dirty="0">
                 <a:solidFill>
                   <a:srgbClr val="000000"/>
                 </a:solidFill>
@@ -7560,7 +7272,18 @@
                 <a:ea typeface="微软雅黑" panose="020B0503020204020204" pitchFamily="34" charset="-122"/>
                 <a:cs typeface="宋体" panose="02010600030101010101" pitchFamily="2" charset="-122"/>
               </a:rPr>
-              <a:t>、 </a:t>
+              <a:t>、 适用于</a:t>
+            </a:r>
+            <a:r>
+              <a:rPr lang="zh-CN" altLang="en-US" dirty="0">
+                <a:solidFill>
+                  <a:srgbClr val="000000"/>
+                </a:solidFill>
+                <a:latin typeface="微软雅黑" panose="020B0503020204020204" pitchFamily="34" charset="-122"/>
+                <a:ea typeface="微软雅黑" panose="020B0503020204020204" pitchFamily="34" charset="-122"/>
+                <a:cs typeface="宋体" panose="02010600030101010101" pitchFamily="2" charset="-122"/>
+              </a:rPr>
+              <a:t>多</a:t>
             </a:r>
             <a:r>
               <a:rPr lang="zh-CN" altLang="zh-CN" dirty="0">
@@ -7571,21 +7294,10 @@
                 <a:ea typeface="微软雅黑" panose="020B0503020204020204" pitchFamily="34" charset="-122"/>
                 <a:cs typeface="宋体" panose="02010600030101010101" pitchFamily="2" charset="-122"/>
               </a:rPr>
-              <a:t>适用于高</a:t>
-            </a:r>
-            <a:r>
-              <a:rPr lang="zh-CN" altLang="zh-CN" dirty="0" smtClean="0">
-                <a:solidFill>
-                  <a:srgbClr val="000000"/>
-                </a:solidFill>
-                <a:latin typeface="微软雅黑" panose="020B0503020204020204" pitchFamily="34" charset="-122"/>
-                <a:ea typeface="微软雅黑" panose="020B0503020204020204" pitchFamily="34" charset="-122"/>
-                <a:cs typeface="宋体" panose="02010600030101010101" pitchFamily="2" charset="-122"/>
-              </a:rPr>
               <a:t>维</a:t>
             </a:r>
             <a:r>
-              <a:rPr lang="zh-CN" altLang="en-US" dirty="0" smtClean="0">
+              <a:rPr lang="zh-CN" altLang="en-US" dirty="0">
                 <a:solidFill>
                   <a:srgbClr val="000000"/>
                 </a:solidFill>
@@ -7611,7 +7323,7 @@
         </p:nvSpPr>
         <p:spPr>
           <a:xfrm>
-            <a:off x="3275856" y="4403652"/>
+            <a:off x="3275856" y="4870072"/>
             <a:ext cx="5256584" cy="1508105"/>
           </a:xfrm>
           <a:prstGeom prst="rect">
@@ -7675,18 +7387,7 @@
                 <a:ea typeface="微软雅黑" panose="020B0503020204020204" pitchFamily="34" charset="-122"/>
                 <a:cs typeface="宋体" panose="02010600030101010101" pitchFamily="2" charset="-122"/>
               </a:rPr>
-              <a:t>、 对离群点敏感，对噪声点和孤立点很</a:t>
-            </a:r>
-            <a:r>
-              <a:rPr lang="zh-CN" altLang="zh-CN" dirty="0" smtClean="0">
-                <a:solidFill>
-                  <a:srgbClr val="000000"/>
-                </a:solidFill>
-                <a:latin typeface="微软雅黑" panose="020B0503020204020204" pitchFamily="34" charset="-122"/>
-                <a:ea typeface="微软雅黑" panose="020B0503020204020204" pitchFamily="34" charset="-122"/>
-                <a:cs typeface="宋体" panose="02010600030101010101" pitchFamily="2" charset="-122"/>
-              </a:rPr>
-              <a:t>敏感</a:t>
+              <a:t>、 对离群点敏感，对噪声点和孤立点很敏感</a:t>
             </a:r>
             <a:endParaRPr lang="en-US" altLang="zh-CN" dirty="0">
               <a:solidFill>
@@ -7707,7 +7408,7 @@
               </a:spcAft>
             </a:pPr>
             <a:r>
-              <a:rPr lang="en-US" altLang="zh-CN" dirty="0" smtClean="0">
+              <a:rPr lang="en-US" altLang="zh-CN" dirty="0">
                 <a:solidFill>
                   <a:srgbClr val="000000"/>
                 </a:solidFill>
@@ -7718,7 +7419,7 @@
               <a:t>2</a:t>
             </a:r>
             <a:r>
-              <a:rPr lang="zh-CN" altLang="zh-CN" dirty="0" smtClean="0">
+              <a:rPr lang="zh-CN" altLang="zh-CN" dirty="0">
                 <a:solidFill>
                   <a:srgbClr val="000000"/>
                 </a:solidFill>
@@ -7726,7 +7427,14 @@
                 <a:ea typeface="微软雅黑" panose="020B0503020204020204" pitchFamily="34" charset="-122"/>
                 <a:cs typeface="宋体" panose="02010600030101010101" pitchFamily="2" charset="-122"/>
               </a:rPr>
-              <a:t>、不同</a:t>
+              <a:t>、不同的初始聚类</a:t>
+            </a:r>
+            <a:r>
+              <a:rPr lang="zh-CN" altLang="en-US" dirty="0">
+                <a:latin typeface="微软雅黑" panose="020B0503020204020204" pitchFamily="34" charset="-122"/>
+                <a:ea typeface="微软雅黑" panose="020B0503020204020204" pitchFamily="34" charset="-122"/>
+              </a:rPr>
+              <a:t>质心的</a:t>
             </a:r>
             <a:r>
               <a:rPr lang="zh-CN" altLang="zh-CN" dirty="0">
@@ -7737,10 +7445,10 @@
                 <a:ea typeface="微软雅黑" panose="020B0503020204020204" pitchFamily="34" charset="-122"/>
                 <a:cs typeface="宋体" panose="02010600030101010101" pitchFamily="2" charset="-122"/>
               </a:rPr>
-              <a:t>的</a:t>
-            </a:r>
-            <a:r>
-              <a:rPr lang="zh-CN" altLang="zh-CN" dirty="0" smtClean="0">
+              <a:t>选择</a:t>
+            </a:r>
+            <a:r>
+              <a:rPr lang="zh-CN" altLang="en-US" dirty="0">
                 <a:solidFill>
                   <a:srgbClr val="000000"/>
                 </a:solidFill>
@@ -7748,17 +7456,21 @@
                 <a:ea typeface="微软雅黑" panose="020B0503020204020204" pitchFamily="34" charset="-122"/>
                 <a:cs typeface="宋体" panose="02010600030101010101" pitchFamily="2" charset="-122"/>
               </a:rPr>
-              <a:t>初始聚类</a:t>
-            </a:r>
-            <a:r>
-              <a:rPr lang="zh-CN" altLang="en-US" dirty="0" smtClean="0">
+              <a:t>，</a:t>
+            </a:r>
+            <a:r>
+              <a:rPr lang="zh-CN" altLang="zh-CN" dirty="0">
+                <a:solidFill>
+                  <a:srgbClr val="000000"/>
+                </a:solidFill>
                 <a:latin typeface="微软雅黑" panose="020B0503020204020204" pitchFamily="34" charset="-122"/>
                 <a:ea typeface="微软雅黑" panose="020B0503020204020204" pitchFamily="34" charset="-122"/>
-              </a:rPr>
-              <a:t>质心的</a:t>
-            </a:r>
-            <a:r>
-              <a:rPr lang="zh-CN" altLang="zh-CN" dirty="0" smtClean="0">
+                <a:cs typeface="宋体" panose="02010600030101010101" pitchFamily="2" charset="-122"/>
+              </a:rPr>
+              <a:t>可能</a:t>
+            </a:r>
+            <a:r>
+              <a:rPr lang="zh-CN" altLang="en-US" dirty="0">
                 <a:solidFill>
                   <a:srgbClr val="000000"/>
                 </a:solidFill>
@@ -7766,10 +7478,10 @@
                 <a:ea typeface="微软雅黑" panose="020B0503020204020204" pitchFamily="34" charset="-122"/>
                 <a:cs typeface="宋体" panose="02010600030101010101" pitchFamily="2" charset="-122"/>
               </a:rPr>
-              <a:t>选择</a:t>
-            </a:r>
-            <a:r>
-              <a:rPr lang="zh-CN" altLang="en-US" dirty="0" smtClean="0">
+              <a:t>会</a:t>
+            </a:r>
+            <a:r>
+              <a:rPr lang="zh-CN" altLang="zh-CN" dirty="0">
                 <a:solidFill>
                   <a:srgbClr val="000000"/>
                 </a:solidFill>
@@ -7777,57 +7489,50 @@
                 <a:ea typeface="微软雅黑" panose="020B0503020204020204" pitchFamily="34" charset="-122"/>
                 <a:cs typeface="宋体" panose="02010600030101010101" pitchFamily="2" charset="-122"/>
               </a:rPr>
-              <a:t>，</a:t>
-            </a:r>
-            <a:r>
-              <a:rPr lang="zh-CN" altLang="zh-CN" dirty="0" smtClean="0">
-                <a:solidFill>
-                  <a:srgbClr val="000000"/>
-                </a:solidFill>
-                <a:latin typeface="微软雅黑" panose="020B0503020204020204" pitchFamily="34" charset="-122"/>
-                <a:ea typeface="微软雅黑" panose="020B0503020204020204" pitchFamily="34" charset="-122"/>
-                <a:cs typeface="宋体" panose="02010600030101010101" pitchFamily="2" charset="-122"/>
-              </a:rPr>
-              <a:t>可能</a:t>
-            </a:r>
-            <a:r>
-              <a:rPr lang="zh-CN" altLang="en-US" dirty="0" smtClean="0">
-                <a:solidFill>
-                  <a:srgbClr val="000000"/>
-                </a:solidFill>
-                <a:latin typeface="微软雅黑" panose="020B0503020204020204" pitchFamily="34" charset="-122"/>
-                <a:ea typeface="微软雅黑" panose="020B0503020204020204" pitchFamily="34" charset="-122"/>
-                <a:cs typeface="宋体" panose="02010600030101010101" pitchFamily="2" charset="-122"/>
-              </a:rPr>
-              <a:t>会</a:t>
-            </a:r>
-            <a:r>
-              <a:rPr lang="zh-CN" altLang="zh-CN" dirty="0" smtClean="0">
-                <a:solidFill>
-                  <a:srgbClr val="000000"/>
-                </a:solidFill>
-                <a:latin typeface="微软雅黑" panose="020B0503020204020204" pitchFamily="34" charset="-122"/>
-                <a:ea typeface="微软雅黑" panose="020B0503020204020204" pitchFamily="34" charset="-122"/>
-                <a:cs typeface="宋体" panose="02010600030101010101" pitchFamily="2" charset="-122"/>
-              </a:rPr>
-              <a:t>导致</a:t>
-            </a:r>
-            <a:r>
-              <a:rPr lang="zh-CN" altLang="zh-CN" dirty="0">
-                <a:solidFill>
-                  <a:srgbClr val="000000"/>
-                </a:solidFill>
-                <a:latin typeface="微软雅黑" panose="020B0503020204020204" pitchFamily="34" charset="-122"/>
-                <a:ea typeface="微软雅黑" panose="020B0503020204020204" pitchFamily="34" charset="-122"/>
-                <a:cs typeface="宋体" panose="02010600030101010101" pitchFamily="2" charset="-122"/>
-              </a:rPr>
-              <a:t>完全不同的聚类结果。</a:t>
+              <a:t>导致完全不同的聚类结果。</a:t>
             </a:r>
             <a:endParaRPr lang="zh-CN" altLang="zh-CN" sz="2400" dirty="0">
               <a:latin typeface="微软雅黑" panose="020B0503020204020204" pitchFamily="34" charset="-122"/>
               <a:ea typeface="微软雅黑" panose="020B0503020204020204" pitchFamily="34" charset="-122"/>
               <a:cs typeface="宋体" panose="02010600030101010101" pitchFamily="2" charset="-122"/>
             </a:endParaRPr>
+          </a:p>
+        </p:txBody>
+      </p:sp>
+      <p:sp>
+        <p:nvSpPr>
+          <p:cNvPr id="6" name="矩形 5">
+            <a:extLst>
+              <a:ext uri="{FF2B5EF4-FFF2-40B4-BE49-F238E27FC236}">
+                <a16:creationId xmlns:a16="http://schemas.microsoft.com/office/drawing/2014/main" id="{E05ABEAB-6002-4408-BBE0-71CD847A359A}"/>
+              </a:ext>
+            </a:extLst>
+          </p:cNvPr>
+          <p:cNvSpPr/>
+          <p:nvPr/>
+        </p:nvSpPr>
+        <p:spPr>
+          <a:xfrm>
+            <a:off x="611560" y="1096496"/>
+            <a:ext cx="7920880" cy="923330"/>
+          </a:xfrm>
+          <a:prstGeom prst="rect">
+            <a:avLst/>
+          </a:prstGeom>
+        </p:spPr>
+        <p:txBody>
+          <a:bodyPr wrap="square">
+            <a:spAutoFit/>
+          </a:bodyPr>
+          <a:lstStyle/>
+          <a:p>
+            <a:r>
+              <a:rPr lang="zh-CN" altLang="en-US" dirty="0">
+                <a:latin typeface="微软雅黑" panose="020B0503020204020204" pitchFamily="34" charset="-122"/>
+                <a:ea typeface="微软雅黑" panose="020B0503020204020204" pitchFamily="34" charset="-122"/>
+              </a:rPr>
+              <a:t>K-means算法是很典型的基于距离的聚类算法，采用距离作为相似性的评价指标，即认为两个对象的距离越近，其相似度就越大。该算法认为簇是由距离靠近的对象组成的，因此把得到紧凑且独立的簇作为最终目标。</a:t>
+            </a:r>
           </a:p>
         </p:txBody>
       </p:sp>
@@ -7841,13 +7546,6 @@
   <p:clrMapOvr>
     <a:masterClrMapping/>
   </p:clrMapOvr>
-  <p:timing>
-    <p:tnLst>
-      <p:par>
-        <p:cTn id="1" dur="indefinite" restart="never" nodeType="tmRoot"/>
-      </p:par>
-    </p:tnLst>
-  </p:timing>
 </p:sld>
 </file>
 
@@ -8618,14 +8316,13 @@
           <a:lstStyle/>
           <a:p>
             <a:r>
-              <a:rPr lang="en-US" altLang="zh-CN" dirty="0" smtClean="0"/>
+              <a:rPr lang="en-US" altLang="zh-CN" dirty="0"/>
               <a:t>K-means</a:t>
             </a:r>
             <a:r>
-              <a:rPr lang="zh-CN" altLang="en-US" dirty="0" smtClean="0"/>
-              <a:t>聚类算法</a:t>
-            </a:r>
-            <a:endParaRPr lang="zh-CN" altLang="en-US" dirty="0"/>
+              <a:rPr lang="zh-CN" altLang="en-US" dirty="0"/>
+              <a:t>聚类算法动态示例</a:t>
+            </a:r>
           </a:p>
         </p:txBody>
       </p:sp>
@@ -8861,13 +8558,6 @@
   <p:clrMapOvr>
     <a:masterClrMapping/>
   </p:clrMapOvr>
-  <p:timing>
-    <p:tnLst>
-      <p:par>
-        <p:cTn id="1" dur="indefinite" restart="never" nodeType="tmRoot"/>
-      </p:par>
-    </p:tnLst>
-  </p:timing>
 </p:sld>
 </file>
 
@@ -9027,11 +8717,7 @@
             </a:r>
             <a:r>
               <a:rPr lang="en-US" altLang="zh-CN" dirty="0"/>
-              <a:t> as </a:t>
-            </a:r>
-            <a:r>
-              <a:rPr lang="en-US" altLang="zh-CN" dirty="0" smtClean="0"/>
-              <a:t>np</a:t>
+              <a:t> as np</a:t>
             </a:r>
           </a:p>
           <a:p>
@@ -9043,19 +8729,15 @@
               <a:t># </a:t>
             </a:r>
             <a:r>
-              <a:rPr lang="zh-CN" altLang="en-US" dirty="0" smtClean="0"/>
+              <a:rPr lang="zh-CN" altLang="en-US" dirty="0"/>
               <a:t>导入数据</a:t>
             </a:r>
-            <a:endParaRPr lang="en-US" altLang="zh-CN" dirty="0" smtClean="0"/>
-          </a:p>
-          <a:p>
-            <a:r>
-              <a:rPr lang="en-US" altLang="zh-CN" dirty="0" smtClean="0"/>
-              <a:t>iris </a:t>
-            </a:r>
+            <a:endParaRPr lang="en-US" altLang="zh-CN" dirty="0"/>
+          </a:p>
+          <a:p>
             <a:r>
               <a:rPr lang="en-US" altLang="zh-CN" dirty="0"/>
-              <a:t>= </a:t>
+              <a:t>iris = </a:t>
             </a:r>
             <a:r>
               <a:rPr lang="en-US" altLang="zh-CN" dirty="0" err="1"/>
@@ -9118,7 +8800,7 @@
               <a:t>iris.target_names</a:t>
             </a:r>
             <a:r>
-              <a:rPr lang="en-US" altLang="zh-CN" dirty="0" smtClean="0"/>
+              <a:rPr lang="en-US" altLang="zh-CN" dirty="0"/>
               <a:t>)</a:t>
             </a:r>
           </a:p>
@@ -9181,25 +8863,16 @@
             </a:r>
             <a:r>
               <a:rPr lang="en-US" altLang="zh-CN" dirty="0"/>
-              <a:t> </a:t>
-            </a:r>
-            <a:r>
-              <a:rPr lang="en-US" altLang="zh-CN" dirty="0" smtClean="0"/>
-              <a:t>= [</a:t>
-            </a:r>
-            <a:r>
-              <a:rPr lang="en-US" altLang="zh-CN" dirty="0"/>
-              <a:t>'Sepal_Length','Sepal_Width','Petal_Length','</a:t>
+              <a:t> = ['Sepal_Length','Sepal_Width','Petal_Length','</a:t>
             </a:r>
             <a:r>
               <a:rPr lang="en-US" altLang="zh-CN" dirty="0" err="1"/>
               <a:t>Petal_Width</a:t>
             </a:r>
             <a:r>
-              <a:rPr lang="en-US" altLang="zh-CN" smtClean="0"/>
+              <a:rPr lang="en-US" altLang="zh-CN" dirty="0"/>
               <a:t>']</a:t>
             </a:r>
-            <a:endParaRPr lang="en-US" altLang="zh-CN" dirty="0"/>
           </a:p>
           <a:p>
             <a:r>
@@ -9244,13 +8917,6 @@
   <p:clrMapOvr>
     <a:masterClrMapping/>
   </p:clrMapOvr>
-  <p:timing>
-    <p:tnLst>
-      <p:par>
-        <p:cTn id="1" dur="indefinite" restart="never" nodeType="tmRoot"/>
-      </p:par>
-    </p:tnLst>
-  </p:timing>
 </p:sld>
 </file>
 
@@ -9287,12 +8953,8 @@
           <a:lstStyle/>
           <a:p>
             <a:r>
-              <a:rPr lang="en-US" altLang="zh-CN" dirty="0"/>
-              <a:t>K-means </a:t>
-            </a:r>
-            <a:r>
               <a:rPr lang="zh-CN" altLang="en-US" dirty="0"/>
-              <a:t>算法实例</a:t>
+              <a:t>花萼花瓣图像对比</a:t>
             </a:r>
           </a:p>
         </p:txBody>
@@ -9319,30 +8981,26 @@
           <a:lstStyle/>
           <a:p>
             <a:r>
-              <a:rPr lang="en-US" altLang="zh-CN" sz="1400" dirty="0" smtClean="0"/>
+              <a:rPr lang="en-US" altLang="zh-CN" sz="1400" dirty="0"/>
               <a:t>#</a:t>
             </a:r>
             <a:r>
               <a:rPr lang="zh-CN" altLang="en-US" sz="1400" dirty="0"/>
-              <a:t>设置画板的长</a:t>
-            </a:r>
-            <a:r>
-              <a:rPr lang="zh-CN" altLang="en-US" sz="1400" dirty="0" smtClean="0"/>
-              <a:t>宽</a:t>
-            </a:r>
-            <a:endParaRPr lang="en-US" altLang="zh-CN" sz="1400" dirty="0" smtClean="0"/>
-          </a:p>
-          <a:p>
-            <a:r>
-              <a:rPr lang="en-US" altLang="zh-CN" sz="1400" dirty="0" err="1" smtClean="0"/>
+              <a:t>设置画板的长宽</a:t>
+            </a:r>
+            <a:endParaRPr lang="en-US" altLang="zh-CN" sz="1400" dirty="0"/>
+          </a:p>
+          <a:p>
+            <a:r>
+              <a:rPr lang="en-US" altLang="zh-CN" sz="1400" dirty="0" err="1"/>
               <a:t>plt.figure</a:t>
             </a:r>
             <a:r>
-              <a:rPr lang="en-US" altLang="zh-CN" sz="1400" dirty="0" smtClean="0"/>
+              <a:rPr lang="en-US" altLang="zh-CN" sz="1400" dirty="0"/>
               <a:t>(</a:t>
             </a:r>
             <a:r>
-              <a:rPr lang="en-US" altLang="zh-CN" sz="1400" dirty="0" err="1" smtClean="0"/>
+              <a:rPr lang="en-US" altLang="zh-CN" sz="1400" dirty="0" err="1"/>
               <a:t>figsize</a:t>
             </a:r>
             <a:r>
@@ -9355,31 +9013,23 @@
           </a:p>
           <a:p>
             <a:r>
-              <a:rPr lang="en-US" altLang="zh-CN" sz="1400" dirty="0" smtClean="0"/>
+              <a:rPr lang="en-US" altLang="zh-CN" sz="1400" dirty="0"/>
               <a:t>#</a:t>
             </a:r>
             <a:r>
               <a:rPr lang="zh-CN" altLang="en-US" sz="1400" dirty="0"/>
-              <a:t>创建一个颜色</a:t>
-            </a:r>
-            <a:r>
-              <a:rPr lang="zh-CN" altLang="en-US" sz="1400" dirty="0" smtClean="0"/>
-              <a:t>集合</a:t>
-            </a:r>
-            <a:endParaRPr lang="en-US" altLang="zh-CN" sz="1400" dirty="0" smtClean="0"/>
-          </a:p>
-          <a:p>
-            <a:r>
-              <a:rPr lang="en-US" altLang="zh-CN" sz="1400" dirty="0" err="1" smtClean="0"/>
+              <a:t>创建一个颜色集合</a:t>
+            </a:r>
+            <a:endParaRPr lang="en-US" altLang="zh-CN" sz="1400" dirty="0"/>
+          </a:p>
+          <a:p>
+            <a:r>
+              <a:rPr lang="en-US" altLang="zh-CN" sz="1400" dirty="0" err="1"/>
               <a:t>colormap</a:t>
             </a:r>
             <a:r>
-              <a:rPr lang="en-US" altLang="zh-CN" sz="1400" dirty="0" smtClean="0"/>
-              <a:t> </a:t>
-            </a:r>
-            <a:r>
-              <a:rPr lang="en-US" altLang="zh-CN" sz="1400" dirty="0"/>
-              <a:t>= </a:t>
+              <a:rPr lang="en-US" altLang="zh-CN" sz="1400" dirty="0"/>
+              <a:t> = </a:t>
             </a:r>
             <a:r>
               <a:rPr lang="en-US" altLang="zh-CN" sz="1400" dirty="0" err="1"/>
@@ -9490,26 +9140,18 @@
             </a:r>
             <a:r>
               <a:rPr lang="zh-CN" altLang="en-US" sz="1400" dirty="0"/>
-              <a:t>参数指定创建的对象所在的</a:t>
-            </a:r>
-            <a:r>
-              <a:rPr lang="zh-CN" altLang="en-US" sz="1400" dirty="0" smtClean="0"/>
-              <a:t>区域</a:t>
-            </a:r>
-            <a:endParaRPr lang="en-US" altLang="zh-CN" sz="1400" dirty="0" smtClean="0"/>
-          </a:p>
-          <a:p>
-            <a:r>
-              <a:rPr lang="en-US" altLang="zh-CN" sz="1400" dirty="0" err="1" smtClean="0"/>
+              <a:t>参数指定创建的对象所在的区域</a:t>
+            </a:r>
+            <a:endParaRPr lang="en-US" altLang="zh-CN" sz="1400" dirty="0"/>
+          </a:p>
+          <a:p>
+            <a:r>
+              <a:rPr lang="en-US" altLang="zh-CN" sz="1400" dirty="0" err="1"/>
               <a:t>plt.subplot</a:t>
             </a:r>
             <a:r>
-              <a:rPr lang="en-US" altLang="zh-CN" sz="1400" dirty="0" smtClean="0"/>
-              <a:t>(1</a:t>
-            </a:r>
-            <a:r>
-              <a:rPr lang="en-US" altLang="zh-CN" sz="1400" dirty="0"/>
-              <a:t>, 2, 1)</a:t>
+              <a:rPr lang="en-US" altLang="zh-CN" sz="1400" dirty="0"/>
+              <a:t>(1, 2, 1)</a:t>
             </a:r>
           </a:p>
           <a:p>
@@ -9565,7 +9207,7 @@
             </a:r>
           </a:p>
           <a:p>
-            <a:endParaRPr lang="en-US" altLang="zh-CN" sz="1400" dirty="0" smtClean="0"/>
+            <a:endParaRPr lang="en-US" altLang="zh-CN" sz="1400" dirty="0"/>
           </a:p>
           <a:p>
             <a:r>
@@ -9637,11 +9279,7 @@
             </a:r>
             <a:r>
               <a:rPr lang="en-US" altLang="zh-CN" sz="1400" dirty="0"/>
-              <a:t>('Petal</a:t>
-            </a:r>
-            <a:r>
-              <a:rPr lang="en-US" altLang="zh-CN" sz="1400" dirty="0" smtClean="0"/>
-              <a:t>')</a:t>
+              <a:t>('Petal')</a:t>
             </a:r>
           </a:p>
           <a:p>
@@ -9729,13 +9367,6 @@
   <p:clrMapOvr>
     <a:masterClrMapping/>
   </p:clrMapOvr>
-  <p:timing>
-    <p:tnLst>
-      <p:par>
-        <p:cTn id="1" dur="indefinite" restart="never" nodeType="tmRoot"/>
-      </p:par>
-    </p:tnLst>
-  </p:timing>
 </p:sld>
 </file>
 
@@ -9995,21 +9626,17 @@
             </a:r>
             <a:r>
               <a:rPr lang="zh-CN" altLang="en-US" dirty="0"/>
-              <a:t>算法</a:t>
-            </a:r>
-            <a:r>
-              <a:rPr lang="zh-CN" altLang="en-US" dirty="0" smtClean="0"/>
-              <a:t>实例</a:t>
-            </a:r>
-            <a:endParaRPr lang="en-US" altLang="zh-CN" dirty="0" smtClean="0"/>
-          </a:p>
-          <a:p>
-            <a:r>
-              <a:rPr lang="en-US" altLang="zh-CN" dirty="0" smtClean="0"/>
+              <a:t>算法实例</a:t>
+            </a:r>
+            <a:endParaRPr lang="en-US" altLang="zh-CN" dirty="0"/>
+          </a:p>
+          <a:p>
+            <a:r>
+              <a:rPr lang="en-US" altLang="zh-CN" dirty="0"/>
               <a:t># </a:t>
             </a:r>
             <a:r>
-              <a:rPr lang="en-US" altLang="zh-CN" dirty="0" err="1" smtClean="0"/>
+              <a:rPr lang="en-US" altLang="zh-CN" dirty="0" err="1"/>
               <a:t>n_clusters</a:t>
             </a:r>
             <a:r>
@@ -10046,11 +9673,7 @@
             </a:r>
             <a:r>
               <a:rPr lang="en-US" altLang="zh-CN" dirty="0"/>
-              <a:t>(x</a:t>
-            </a:r>
-            <a:r>
-              <a:rPr lang="en-US" altLang="zh-CN" dirty="0" smtClean="0"/>
-              <a:t>)</a:t>
+              <a:t>(x)</a:t>
             </a:r>
           </a:p>
           <a:p>
@@ -10375,13 +9998,69 @@
   <p:clrMapOvr>
     <a:masterClrMapping/>
   </p:clrMapOvr>
-  <p:timing>
-    <p:tnLst>
-      <p:par>
-        <p:cTn id="1" dur="indefinite" restart="never" nodeType="tmRoot"/>
-      </p:par>
-    </p:tnLst>
-  </p:timing>
+</p:sld>
+</file>
+
+<file path=ppt/slides/slide21.xml><?xml version="1.0" encoding="utf-8"?>
+<p:sld xmlns:a="http://schemas.openxmlformats.org/drawingml/2006/main" xmlns:r="http://schemas.openxmlformats.org/officeDocument/2006/relationships" xmlns:p="http://schemas.openxmlformats.org/presentationml/2006/main">
+  <p:cSld>
+    <p:spTree>
+      <p:nvGrpSpPr>
+        <p:cNvPr id="1" name=""/>
+        <p:cNvGrpSpPr/>
+        <p:nvPr/>
+      </p:nvGrpSpPr>
+      <p:grpSpPr>
+        <a:xfrm>
+          <a:off x="0" y="0"/>
+          <a:ext cx="0" cy="0"/>
+          <a:chOff x="0" y="0"/>
+          <a:chExt cx="0" cy="0"/>
+        </a:xfrm>
+      </p:grpSpPr>
+      <p:sp>
+        <p:nvSpPr>
+          <p:cNvPr id="2" name="标题 1">
+            <a:extLst>
+              <a:ext uri="{FF2B5EF4-FFF2-40B4-BE49-F238E27FC236}">
+                <a16:creationId xmlns:a16="http://schemas.microsoft.com/office/drawing/2014/main" id="{8FDFAD97-82D8-467B-A3AB-42306E667436}"/>
+              </a:ext>
+            </a:extLst>
+          </p:cNvPr>
+          <p:cNvSpPr>
+            <a:spLocks noGrp="1"/>
+          </p:cNvSpPr>
+          <p:nvPr>
+            <p:ph type="title"/>
+          </p:nvPr>
+        </p:nvSpPr>
+        <p:spPr>
+          <a:xfrm>
+            <a:off x="395536" y="2636912"/>
+            <a:ext cx="8229600" cy="1143000"/>
+          </a:xfrm>
+        </p:spPr>
+        <p:txBody>
+          <a:bodyPr/>
+          <a:lstStyle/>
+          <a:p>
+            <a:r>
+              <a:rPr lang="zh-CN" altLang="en-US" dirty="0"/>
+              <a:t>谢谢！</a:t>
+            </a:r>
+          </a:p>
+        </p:txBody>
+      </p:sp>
+    </p:spTree>
+    <p:extLst>
+      <p:ext uri="{BB962C8B-B14F-4D97-AF65-F5344CB8AC3E}">
+        <p14:creationId xmlns:p14="http://schemas.microsoft.com/office/powerpoint/2010/main" val="812597256"/>
+      </p:ext>
+    </p:extLst>
+  </p:cSld>
+  <p:clrMapOvr>
+    <a:masterClrMapping/>
+  </p:clrMapOvr>
 </p:sld>
 </file>
 
@@ -10461,7 +10140,7 @@
         </p:nvSpPr>
         <p:spPr>
           <a:xfrm>
-            <a:off x="2370584" y="384883"/>
+            <a:off x="2370584" y="-10315"/>
             <a:ext cx="4402832" cy="1143000"/>
           </a:xfrm>
         </p:spPr>
@@ -10494,7 +10173,7 @@
         </p:nvSpPr>
         <p:spPr>
           <a:xfrm>
-            <a:off x="611560" y="1581566"/>
+            <a:off x="618011" y="2086466"/>
             <a:ext cx="8424936" cy="1289905"/>
           </a:xfrm>
           <a:prstGeom prst="rect">
@@ -10646,7 +10325,7 @@
         </p:nvSpPr>
         <p:spPr>
           <a:xfrm>
-            <a:off x="618011" y="2981610"/>
+            <a:off x="618011" y="3324722"/>
             <a:ext cx="5034109" cy="1705403"/>
           </a:xfrm>
           <a:prstGeom prst="rect">
@@ -10775,7 +10454,7 @@
         </p:nvSpPr>
         <p:spPr>
           <a:xfrm>
-            <a:off x="618011" y="4797152"/>
+            <a:off x="618011" y="5013176"/>
             <a:ext cx="3521941" cy="1705403"/>
           </a:xfrm>
           <a:prstGeom prst="rect">
@@ -10887,6 +10566,71 @@
               <a:latin typeface="微软雅黑" panose="020B0503020204020204" pitchFamily="34" charset="-122"/>
               <a:ea typeface="微软雅黑" panose="020B0503020204020204" pitchFamily="34" charset="-122"/>
             </a:endParaRPr>
+          </a:p>
+        </p:txBody>
+      </p:sp>
+      <p:sp>
+        <p:nvSpPr>
+          <p:cNvPr id="3" name="矩形 2">
+            <a:extLst>
+              <a:ext uri="{FF2B5EF4-FFF2-40B4-BE49-F238E27FC236}">
+                <a16:creationId xmlns:a16="http://schemas.microsoft.com/office/drawing/2014/main" id="{BBB82344-9683-49D0-87A7-54635C8648D4}"/>
+              </a:ext>
+            </a:extLst>
+          </p:cNvPr>
+          <p:cNvSpPr/>
+          <p:nvPr/>
+        </p:nvSpPr>
+        <p:spPr>
+          <a:xfrm>
+            <a:off x="616380" y="1147910"/>
+            <a:ext cx="7704856" cy="923330"/>
+          </a:xfrm>
+          <a:prstGeom prst="rect">
+            <a:avLst/>
+          </a:prstGeom>
+        </p:spPr>
+        <p:txBody>
+          <a:bodyPr wrap="square">
+            <a:spAutoFit/>
+          </a:bodyPr>
+          <a:lstStyle/>
+          <a:p>
+            <a:r>
+              <a:rPr lang="en-US" altLang="zh-CN" dirty="0" err="1">
+                <a:latin typeface="微软雅黑" panose="020B0503020204020204" pitchFamily="34" charset="-122"/>
+                <a:ea typeface="微软雅黑" panose="020B0503020204020204" pitchFamily="34" charset="-122"/>
+              </a:rPr>
+              <a:t>kNN</a:t>
+            </a:r>
+            <a:r>
+              <a:rPr lang="zh-CN" altLang="en-US" dirty="0">
+                <a:latin typeface="微软雅黑" panose="020B0503020204020204" pitchFamily="34" charset="-122"/>
+                <a:ea typeface="微软雅黑" panose="020B0503020204020204" pitchFamily="34" charset="-122"/>
+              </a:rPr>
+              <a:t>算法的核心思想是，如果一个样本在特征</a:t>
+            </a:r>
+            <a:r>
+              <a:rPr lang="zh-CN" altLang="en-US">
+                <a:latin typeface="微软雅黑" panose="020B0503020204020204" pitchFamily="34" charset="-122"/>
+                <a:ea typeface="微软雅黑" panose="020B0503020204020204" pitchFamily="34" charset="-122"/>
+              </a:rPr>
+              <a:t>空间中，</a:t>
+            </a:r>
+            <a:r>
+              <a:rPr lang="en-US" altLang="zh-CN">
+                <a:latin typeface="微软雅黑" panose="020B0503020204020204" pitchFamily="34" charset="-122"/>
+                <a:ea typeface="微软雅黑" panose="020B0503020204020204" pitchFamily="34" charset="-122"/>
+              </a:rPr>
+              <a:t>k</a:t>
+            </a:r>
+            <a:r>
+              <a:rPr lang="zh-CN" altLang="en-US" dirty="0">
+                <a:latin typeface="微软雅黑" panose="020B0503020204020204" pitchFamily="34" charset="-122"/>
+                <a:ea typeface="微软雅黑" panose="020B0503020204020204" pitchFamily="34" charset="-122"/>
+              </a:rPr>
+              <a:t>个最相邻样本中的大多数属于某一个类别，则该样本也属于这个类别，并具有这个类别上样本的特性。</a:t>
+            </a:r>
           </a:p>
         </p:txBody>
       </p:sp>
@@ -11168,7 +10912,7 @@
           </a:p>
           <a:p>
             <a:r>
-              <a:rPr lang="zh-CN" altLang="en-US" sz="2000" dirty="0" smtClean="0"/>
+              <a:rPr lang="zh-CN" altLang="en-US" sz="2000" dirty="0"/>
               <a:t>用较小的邻域中的训练实例进行预测</a:t>
             </a:r>
             <a:endParaRPr lang="en-US" altLang="zh-CN" sz="2000" dirty="0"/>
@@ -11176,15 +10920,7 @@
           <a:p>
             <a:r>
               <a:rPr lang="zh-CN" altLang="en-US" sz="2000" dirty="0"/>
-              <a:t>预测结果会</a:t>
-            </a:r>
-            <a:r>
-              <a:rPr lang="zh-CN" altLang="en-US" sz="2000" dirty="0" smtClean="0"/>
-              <a:t>对近邻</a:t>
-            </a:r>
-            <a:r>
-              <a:rPr lang="zh-CN" altLang="en-US" sz="2000" dirty="0"/>
-              <a:t>的实例点非常敏感</a:t>
+              <a:t>预测结果会对近邻的实例点非常敏感</a:t>
             </a:r>
             <a:endParaRPr lang="en-US" altLang="zh-CN" sz="2000" dirty="0"/>
           </a:p>
@@ -11225,11 +10961,7 @@
           <a:p>
             <a:r>
               <a:rPr lang="zh-CN" altLang="en-US" sz="2000" dirty="0"/>
-              <a:t>与输入实例较远的训练实例也会对</a:t>
-            </a:r>
-            <a:r>
-              <a:rPr lang="zh-CN" altLang="en-US" sz="2000" dirty="0" smtClean="0"/>
-              <a:t>预测起作用</a:t>
+              <a:t>与输入实例较远的训练实例也会对预测起作用</a:t>
             </a:r>
             <a:endParaRPr lang="en-US" altLang="zh-CN" sz="2000" dirty="0"/>
           </a:p>
@@ -11256,15 +10988,7 @@
             </a:r>
             <a:r>
               <a:rPr lang="zh-CN" altLang="en-US" sz="2000" dirty="0"/>
-              <a:t>一般是</a:t>
-            </a:r>
-            <a:r>
-              <a:rPr lang="zh-CN" altLang="en-US" sz="2000" dirty="0" smtClean="0"/>
-              <a:t>较小但</a:t>
-            </a:r>
-            <a:r>
-              <a:rPr lang="zh-CN" altLang="en-US" sz="2000" dirty="0"/>
-              <a:t>不为</a:t>
+              <a:t>一般是较小但不为</a:t>
             </a:r>
             <a:r>
               <a:rPr lang="en-US" altLang="zh-CN" sz="2000" dirty="0"/>
@@ -11365,13 +11089,6 @@
   <p:clrMapOvr>
     <a:masterClrMapping/>
   </p:clrMapOvr>
-  <p:timing>
-    <p:tnLst>
-      <p:par>
-        <p:cTn id="1" dur="indefinite" restart="never" nodeType="tmRoot"/>
-      </p:par>
-    </p:tnLst>
-  </p:timing>
 </p:sld>
 </file>
 
@@ -11475,25 +11192,7 @@
                 </a:solidFill>
                 <a:ea typeface="微软雅黑" panose="020B0503020204020204" pitchFamily="34" charset="-122"/>
               </a:rPr>
-              <a:t>：</a:t>
-            </a:r>
-            <a:r>
-              <a:rPr lang="zh-CN" altLang="en-US" dirty="0" smtClean="0">
-                <a:solidFill>
-                  <a:srgbClr val="333333"/>
-                </a:solidFill>
-                <a:ea typeface="微软雅黑" panose="020B0503020204020204" pitchFamily="34" charset="-122"/>
-              </a:rPr>
-              <a:t>只要是邻居，</a:t>
-            </a:r>
-            <a:r>
-              <a:rPr lang="zh-CN" altLang="en-US" dirty="0">
-                <a:solidFill>
-                  <a:srgbClr val="333333"/>
-                </a:solidFill>
-                <a:ea typeface="微软雅黑" panose="020B0503020204020204" pitchFamily="34" charset="-122"/>
-              </a:rPr>
-              <a:t>那么投票权重都相同。</a:t>
+              <a:t>：只要是邻居，那么投票权重都相同。</a:t>
             </a:r>
           </a:p>
         </p:txBody>
@@ -11544,40 +11243,13 @@
               <a:t>distance</a:t>
             </a:r>
             <a:r>
-              <a:rPr lang="zh-CN" altLang="en-US" dirty="0" smtClean="0">
+              <a:rPr lang="zh-CN" altLang="en-US" dirty="0">
                 <a:solidFill>
                   <a:srgbClr val="333333"/>
                 </a:solidFill>
                 <a:ea typeface="微软雅黑" panose="020B0503020204020204" pitchFamily="34" charset="-122"/>
               </a:rPr>
-              <a:t>：虽然都是邻居，但是投票</a:t>
-            </a:r>
-            <a:r>
-              <a:rPr lang="zh-CN" altLang="en-US" dirty="0">
-                <a:solidFill>
-                  <a:srgbClr val="333333"/>
-                </a:solidFill>
-                <a:ea typeface="微软雅黑" panose="020B0503020204020204" pitchFamily="34" charset="-122"/>
-              </a:rPr>
-              <a:t>权重与距离成</a:t>
-            </a:r>
-            <a:r>
-              <a:rPr lang="zh-CN" altLang="en-US" dirty="0" smtClean="0">
-                <a:solidFill>
-                  <a:srgbClr val="333333"/>
-                </a:solidFill>
-                <a:ea typeface="微软雅黑" panose="020B0503020204020204" pitchFamily="34" charset="-122"/>
-              </a:rPr>
-              <a:t>反比。即距离</a:t>
-            </a:r>
-            <a:r>
-              <a:rPr lang="zh-CN" altLang="en-US" dirty="0">
-                <a:solidFill>
-                  <a:srgbClr val="333333"/>
-                </a:solidFill>
-                <a:ea typeface="微软雅黑" panose="020B0503020204020204" pitchFamily="34" charset="-122"/>
-              </a:rPr>
-              <a:t>越近权重越大，距离越远权重越小。</a:t>
+              <a:t>：虽然都是邻居，但是投票权重与距离成反比。即距离越近权重越大，距离越远权重越小。</a:t>
             </a:r>
           </a:p>
         </p:txBody>
@@ -11642,13 +11314,6 @@
   <p:clrMapOvr>
     <a:masterClrMapping/>
   </p:clrMapOvr>
-  <p:timing>
-    <p:tnLst>
-      <p:par>
-        <p:cTn id="1" dur="indefinite" restart="never" nodeType="tmRoot"/>
-      </p:par>
-    </p:tnLst>
-  </p:timing>
 </p:sld>
 </file>
 
@@ -11933,13 +11598,6 @@
   <p:clrMapOvr>
     <a:masterClrMapping/>
   </p:clrMapOvr>
-  <p:timing>
-    <p:tnLst>
-      <p:par>
-        <p:cTn id="1" dur="indefinite" restart="never" nodeType="tmRoot"/>
-      </p:par>
-    </p:tnLst>
-  </p:timing>
 </p:sld>
 </file>
 
@@ -12219,13 +11877,6 @@
   <p:clrMapOvr>
     <a:masterClrMapping/>
   </p:clrMapOvr>
-  <p:timing>
-    <p:tnLst>
-      <p:par>
-        <p:cTn id="1" dur="indefinite" restart="never" nodeType="tmRoot"/>
-      </p:par>
-    </p:tnLst>
-  </p:timing>
 </p:sld>
 </file>
 
@@ -12300,53 +11951,25 @@
               </a:spcAft>
             </a:pPr>
             <a:r>
-              <a:rPr lang="zh-CN" altLang="zh-CN" dirty="0" smtClean="0"/>
-              <a:t>#arange</a:t>
-            </a:r>
-            <a:r>
               <a:rPr lang="zh-CN" altLang="zh-CN" dirty="0"/>
-              <a:t>()</a:t>
-            </a:r>
-            <a:r>
-              <a:rPr lang="zh-CN" altLang="zh-CN" dirty="0" smtClean="0"/>
-              <a:t>返回</a:t>
+              <a:t>#arange()返回给定范围内的连续值，默认起始值从0开始，返回值中不包括末尾值</a:t>
+            </a:r>
+            <a:r>
+              <a:rPr lang="zh-CN" altLang="en-US" dirty="0"/>
+              <a:t>。</a:t>
             </a:r>
             <a:r>
               <a:rPr lang="zh-CN" altLang="zh-CN" dirty="0"/>
-              <a:t>给定范围内的连续值，默认起始值从0开始，返回值中不包括末尾</a:t>
-            </a:r>
-            <a:r>
-              <a:rPr lang="zh-CN" altLang="zh-CN" dirty="0" smtClean="0"/>
-              <a:t>值</a:t>
-            </a:r>
-            <a:r>
-              <a:rPr lang="zh-CN" altLang="en-US" dirty="0" smtClean="0"/>
-              <a:t>。</a:t>
-            </a:r>
-            <a:r>
-              <a:rPr lang="zh-CN" altLang="zh-CN" dirty="0"/>
-              <a:t>参数为：起始值，末尾值，间隔</a:t>
-            </a:r>
-            <a:r>
-              <a:rPr lang="zh-CN" altLang="zh-CN" dirty="0" smtClean="0"/>
-              <a:t>大小</a:t>
-            </a:r>
-            <a:r>
-              <a:rPr lang="zh-CN" altLang="zh-CN" dirty="0"/>
-              <a:t/>
+              <a:t>参数为：起始值，末尾值，间隔大小</a:t>
             </a:r>
             <a:br>
               <a:rPr lang="zh-CN" altLang="zh-CN" dirty="0"/>
             </a:br>
             <a:r>
               <a:rPr lang="zh-CN" altLang="zh-CN" dirty="0"/>
-              <a:t>a = np.arange(1, 10, 0.1</a:t>
-            </a:r>
-            <a:r>
-              <a:rPr lang="zh-CN" altLang="zh-CN" dirty="0" smtClean="0"/>
-              <a:t>)</a:t>
-            </a:r>
-            <a:endParaRPr lang="en-US" altLang="zh-CN" dirty="0" smtClean="0"/>
+              <a:t>a = np.arange(1, 10, 0.1)</a:t>
+            </a:r>
+            <a:endParaRPr lang="en-US" altLang="zh-CN" dirty="0"/>
           </a:p>
           <a:p>
             <a:pPr lvl="0" eaLnBrk="0" fontAlgn="base" hangingPunct="0">
@@ -12409,7 +12032,15 @@
             </a:br>
             <a:r>
               <a:rPr lang="zh-CN" altLang="zh-CN" dirty="0"/>
-              <a:t>plt.xlim(xx.min(), yy.max())</a:t>
+              <a:t>plt.xlim(xx.min(), </a:t>
+            </a:r>
+            <a:r>
+              <a:rPr lang="en-US" altLang="zh-CN" dirty="0"/>
+              <a:t>xx</a:t>
+            </a:r>
+            <a:r>
+              <a:rPr lang="zh-CN" altLang="zh-CN" dirty="0"/>
+              <a:t>.max())</a:t>
             </a:r>
             <a:br>
               <a:rPr lang="zh-CN" altLang="zh-CN" dirty="0"/>
@@ -12421,10 +12052,6 @@
             <a:br>
               <a:rPr lang="zh-CN" altLang="zh-CN" dirty="0"/>
             </a:br>
-            <a:r>
-              <a:rPr lang="zh-CN" altLang="zh-CN" dirty="0"/>
-              <a:t/>
-            </a:r>
             <a:br>
               <a:rPr lang="zh-CN" altLang="zh-CN" dirty="0"/>
             </a:br>
@@ -12449,10 +12076,6 @@
             <a:br>
               <a:rPr lang="zh-CN" altLang="zh-CN" dirty="0"/>
             </a:br>
-            <a:r>
-              <a:rPr lang="zh-CN" altLang="zh-CN" dirty="0"/>
-              <a:t/>
-            </a:r>
             <a:br>
               <a:rPr lang="zh-CN" altLang="zh-CN" dirty="0"/>
             </a:br>
@@ -12465,13 +12088,8 @@
             </a:br>
             <a:r>
               <a:rPr lang="zh-CN" altLang="zh-CN" dirty="0"/>
-              <a:t>plt.show</a:t>
-            </a:r>
-            <a:r>
-              <a:rPr lang="zh-CN" altLang="zh-CN" dirty="0" smtClean="0"/>
-              <a:t>()</a:t>
-            </a:r>
-            <a:endParaRPr lang="zh-CN" altLang="zh-CN" dirty="0"/>
+              <a:t>plt.show()</a:t>
+            </a:r>
           </a:p>
         </p:txBody>
       </p:sp>
@@ -12502,23 +12120,19 @@
           <a:lstStyle/>
           <a:p>
             <a:r>
-              <a:rPr lang="en-US" altLang="zh-CN" dirty="0" smtClean="0">
+              <a:rPr lang="en-US" altLang="zh-CN" dirty="0">
                 <a:latin typeface="微软雅黑" panose="020B0503020204020204" pitchFamily="34" charset="-122"/>
                 <a:ea typeface="微软雅黑" panose="020B0503020204020204" pitchFamily="34" charset="-122"/>
               </a:rPr>
               <a:t>1.</a:t>
             </a:r>
             <a:r>
-              <a:rPr lang="zh-CN" altLang="en-US" dirty="0" smtClean="0">
+              <a:rPr lang="zh-CN" altLang="en-US" dirty="0">
                 <a:latin typeface="微软雅黑" panose="020B0503020204020204" pitchFamily="34" charset="-122"/>
                 <a:ea typeface="微软雅黑" panose="020B0503020204020204" pitchFamily="34" charset="-122"/>
               </a:rPr>
               <a:t>构建坐标系</a:t>
             </a:r>
-            <a:endParaRPr lang="zh-CN" altLang="en-US" dirty="0">
-              <a:latin typeface="微软雅黑" panose="020B0503020204020204" pitchFamily="34" charset="-122"/>
-              <a:ea typeface="微软雅黑" panose="020B0503020204020204" pitchFamily="34" charset="-122"/>
-            </a:endParaRPr>
           </a:p>
         </p:txBody>
       </p:sp>
@@ -12556,13 +12170,6 @@
   <p:clrMapOvr>
     <a:masterClrMapping/>
   </p:clrMapOvr>
-  <p:timing>
-    <p:tnLst>
-      <p:par>
-        <p:cTn id="1" dur="indefinite" restart="never" nodeType="tmRoot"/>
-      </p:par>
-    </p:tnLst>
-  </p:timing>
 </p:sld>
 </file>
 

--- a/cls_23聚类算法.pptx
+++ b/cls_23聚类算法.pptx
@@ -5,30 +5,28 @@
     <p:sldMasterId id="2147483648" r:id="rId1"/>
   </p:sldMasterIdLst>
   <p:notesMasterIdLst>
-    <p:notesMasterId r:id="rId23"/>
+    <p:notesMasterId r:id="rId21"/>
   </p:notesMasterIdLst>
   <p:sldIdLst>
     <p:sldId id="256" r:id="rId2"/>
-    <p:sldId id="257" r:id="rId3"/>
-    <p:sldId id="259" r:id="rId4"/>
-    <p:sldId id="261" r:id="rId5"/>
-    <p:sldId id="275" r:id="rId6"/>
-    <p:sldId id="276" r:id="rId7"/>
-    <p:sldId id="260" r:id="rId8"/>
-    <p:sldId id="274" r:id="rId9"/>
-    <p:sldId id="277" r:id="rId10"/>
-    <p:sldId id="278" r:id="rId11"/>
-    <p:sldId id="279" r:id="rId12"/>
-    <p:sldId id="280" r:id="rId13"/>
-    <p:sldId id="281" r:id="rId14"/>
-    <p:sldId id="282" r:id="rId15"/>
-    <p:sldId id="272" r:id="rId16"/>
-    <p:sldId id="265" r:id="rId17"/>
-    <p:sldId id="263" r:id="rId18"/>
-    <p:sldId id="266" r:id="rId19"/>
-    <p:sldId id="268" r:id="rId20"/>
-    <p:sldId id="269" r:id="rId21"/>
-    <p:sldId id="283" r:id="rId22"/>
+    <p:sldId id="284" r:id="rId3"/>
+    <p:sldId id="285" r:id="rId4"/>
+    <p:sldId id="286" r:id="rId5"/>
+    <p:sldId id="287" r:id="rId6"/>
+    <p:sldId id="288" r:id="rId7"/>
+    <p:sldId id="289" r:id="rId8"/>
+    <p:sldId id="290" r:id="rId9"/>
+    <p:sldId id="291" r:id="rId10"/>
+    <p:sldId id="292" r:id="rId11"/>
+    <p:sldId id="282" r:id="rId12"/>
+    <p:sldId id="272" r:id="rId13"/>
+    <p:sldId id="265" r:id="rId14"/>
+    <p:sldId id="274" r:id="rId15"/>
+    <p:sldId id="263" r:id="rId16"/>
+    <p:sldId id="266" r:id="rId17"/>
+    <p:sldId id="268" r:id="rId18"/>
+    <p:sldId id="269" r:id="rId19"/>
+    <p:sldId id="283" r:id="rId20"/>
   </p:sldIdLst>
   <p:sldSz cx="9144000" cy="6858000" type="screen4x3"/>
   <p:notesSz cx="6858000" cy="9144000"/>
@@ -228,7 +226,7 @@
           <a:p>
             <a:fld id="{10FF2035-6A36-4BD7-B8AA-FDB78598F742}" type="datetimeFigureOut">
               <a:rPr lang="zh-CN" altLang="en-US" smtClean="0"/>
-              <a:t>2018/6/22</a:t>
+              <a:t>2018/6/23</a:t>
             </a:fld>
             <a:endParaRPr lang="zh-CN" altLang="en-US"/>
           </a:p>
@@ -490,85 +488,6 @@
 </p:notesMaster>
 </file>
 
-<file path=ppt/notesSlides/notesSlide1.xml><?xml version="1.0" encoding="utf-8"?>
-<p:notes xmlns:a="http://schemas.openxmlformats.org/drawingml/2006/main" xmlns:r="http://schemas.openxmlformats.org/officeDocument/2006/relationships" xmlns:p="http://schemas.openxmlformats.org/presentationml/2006/main">
-  <p:cSld>
-    <p:spTree>
-      <p:nvGrpSpPr>
-        <p:cNvPr id="1" name=""/>
-        <p:cNvGrpSpPr/>
-        <p:nvPr/>
-      </p:nvGrpSpPr>
-      <p:grpSpPr>
-        <a:xfrm>
-          <a:off x="0" y="0"/>
-          <a:ext cx="0" cy="0"/>
-          <a:chOff x="0" y="0"/>
-          <a:chExt cx="0" cy="0"/>
-        </a:xfrm>
-      </p:grpSpPr>
-      <p:sp>
-        <p:nvSpPr>
-          <p:cNvPr id="2" name="幻灯片图像占位符 1"/>
-          <p:cNvSpPr>
-            <a:spLocks noGrp="1" noRot="1" noChangeAspect="1"/>
-          </p:cNvSpPr>
-          <p:nvPr>
-            <p:ph type="sldImg"/>
-          </p:nvPr>
-        </p:nvSpPr>
-        <p:spPr/>
-      </p:sp>
-      <p:sp>
-        <p:nvSpPr>
-          <p:cNvPr id="3" name="备注占位符 2"/>
-          <p:cNvSpPr>
-            <a:spLocks noGrp="1"/>
-          </p:cNvSpPr>
-          <p:nvPr>
-            <p:ph type="body" idx="1"/>
-          </p:nvPr>
-        </p:nvSpPr>
-        <p:spPr/>
-        <p:txBody>
-          <a:bodyPr/>
-          <a:lstStyle/>
-          <a:p>
-            <a:endParaRPr lang="zh-CN" altLang="en-US" dirty="0"/>
-          </a:p>
-        </p:txBody>
-      </p:sp>
-      <p:sp>
-        <p:nvSpPr>
-          <p:cNvPr id="4" name="灯片编号占位符 3"/>
-          <p:cNvSpPr>
-            <a:spLocks noGrp="1"/>
-          </p:cNvSpPr>
-          <p:nvPr>
-            <p:ph type="sldNum" sz="quarter" idx="10"/>
-          </p:nvPr>
-        </p:nvSpPr>
-        <p:spPr/>
-        <p:txBody>
-          <a:bodyPr/>
-          <a:lstStyle/>
-          <a:p>
-            <a:fld id="{A8D02540-7C12-4082-AFC2-AB5008E55EB4}" type="slidenum">
-              <a:rPr lang="zh-CN" altLang="en-US" smtClean="0"/>
-              <a:t>4</a:t>
-            </a:fld>
-            <a:endParaRPr lang="zh-CN" altLang="en-US"/>
-          </a:p>
-        </p:txBody>
-      </p:sp>
-    </p:spTree>
-  </p:cSld>
-  <p:clrMapOvr>
-    <a:masterClrMapping/>
-  </p:clrMapOvr>
-</p:notes>
-</file>
-
 <file path=ppt/slideLayouts/slideLayout1.xml><?xml version="1.0" encoding="utf-8"?>
 <p:sldLayout xmlns:a="http://schemas.openxmlformats.org/drawingml/2006/main" xmlns:r="http://schemas.openxmlformats.org/officeDocument/2006/relationships" xmlns:p="http://schemas.openxmlformats.org/presentationml/2006/main" type="title" preserve="1">
   <p:cSld name="标题幻灯片">
@@ -748,7 +667,7 @@
           <a:p>
             <a:fld id="{530820CF-B880-4189-942D-D702A7CBA730}" type="datetimeFigureOut">
               <a:rPr lang="zh-CN" altLang="en-US" smtClean="0"/>
-              <a:t>2018/6/22</a:t>
+              <a:t>2018/6/23</a:t>
             </a:fld>
             <a:endParaRPr lang="zh-CN" altLang="en-US"/>
           </a:p>
@@ -911,7 +830,7 @@
           <a:p>
             <a:fld id="{530820CF-B880-4189-942D-D702A7CBA730}" type="datetimeFigureOut">
               <a:rPr lang="zh-CN" altLang="en-US" smtClean="0"/>
-              <a:t>2018/6/22</a:t>
+              <a:t>2018/6/23</a:t>
             </a:fld>
             <a:endParaRPr lang="zh-CN" altLang="en-US"/>
           </a:p>
@@ -1084,7 +1003,7 @@
           <a:p>
             <a:fld id="{530820CF-B880-4189-942D-D702A7CBA730}" type="datetimeFigureOut">
               <a:rPr lang="zh-CN" altLang="en-US" smtClean="0"/>
-              <a:t>2018/6/22</a:t>
+              <a:t>2018/6/23</a:t>
             </a:fld>
             <a:endParaRPr lang="zh-CN" altLang="en-US"/>
           </a:p>
@@ -1247,7 +1166,7 @@
           <a:p>
             <a:fld id="{530820CF-B880-4189-942D-D702A7CBA730}" type="datetimeFigureOut">
               <a:rPr lang="zh-CN" altLang="en-US" smtClean="0"/>
-              <a:t>2018/6/22</a:t>
+              <a:t>2018/6/23</a:t>
             </a:fld>
             <a:endParaRPr lang="zh-CN" altLang="en-US"/>
           </a:p>
@@ -1487,7 +1406,7 @@
           <a:p>
             <a:fld id="{530820CF-B880-4189-942D-D702A7CBA730}" type="datetimeFigureOut">
               <a:rPr lang="zh-CN" altLang="en-US" smtClean="0"/>
-              <a:t>2018/6/22</a:t>
+              <a:t>2018/6/23</a:t>
             </a:fld>
             <a:endParaRPr lang="zh-CN" altLang="en-US"/>
           </a:p>
@@ -1767,7 +1686,7 @@
           <a:p>
             <a:fld id="{530820CF-B880-4189-942D-D702A7CBA730}" type="datetimeFigureOut">
               <a:rPr lang="zh-CN" altLang="en-US" smtClean="0"/>
-              <a:t>2018/6/22</a:t>
+              <a:t>2018/6/23</a:t>
             </a:fld>
             <a:endParaRPr lang="zh-CN" altLang="en-US"/>
           </a:p>
@@ -2181,7 +2100,7 @@
           <a:p>
             <a:fld id="{530820CF-B880-4189-942D-D702A7CBA730}" type="datetimeFigureOut">
               <a:rPr lang="zh-CN" altLang="en-US" smtClean="0"/>
-              <a:t>2018/6/22</a:t>
+              <a:t>2018/6/23</a:t>
             </a:fld>
             <a:endParaRPr lang="zh-CN" altLang="en-US"/>
           </a:p>
@@ -2293,7 +2212,7 @@
           <a:p>
             <a:fld id="{530820CF-B880-4189-942D-D702A7CBA730}" type="datetimeFigureOut">
               <a:rPr lang="zh-CN" altLang="en-US" smtClean="0"/>
-              <a:t>2018/6/22</a:t>
+              <a:t>2018/6/23</a:t>
             </a:fld>
             <a:endParaRPr lang="zh-CN" altLang="en-US"/>
           </a:p>
@@ -2383,7 +2302,7 @@
           <a:p>
             <a:fld id="{530820CF-B880-4189-942D-D702A7CBA730}" type="datetimeFigureOut">
               <a:rPr lang="zh-CN" altLang="en-US" smtClean="0"/>
-              <a:t>2018/6/22</a:t>
+              <a:t>2018/6/23</a:t>
             </a:fld>
             <a:endParaRPr lang="zh-CN" altLang="en-US"/>
           </a:p>
@@ -2653,7 +2572,7 @@
           <a:p>
             <a:fld id="{530820CF-B880-4189-942D-D702A7CBA730}" type="datetimeFigureOut">
               <a:rPr lang="zh-CN" altLang="en-US" smtClean="0"/>
-              <a:t>2018/6/22</a:t>
+              <a:t>2018/6/23</a:t>
             </a:fld>
             <a:endParaRPr lang="zh-CN" altLang="en-US"/>
           </a:p>
@@ -2900,7 +2819,7 @@
           <a:p>
             <a:fld id="{530820CF-B880-4189-942D-D702A7CBA730}" type="datetimeFigureOut">
               <a:rPr lang="zh-CN" altLang="en-US" smtClean="0"/>
-              <a:t>2018/6/22</a:t>
+              <a:t>2018/6/23</a:t>
             </a:fld>
             <a:endParaRPr lang="zh-CN" altLang="en-US"/>
           </a:p>
@@ -2963,22 +2882,11 @@
       <p:bgPr>
         <a:blipFill dpi="0" rotWithShape="1">
           <a:blip r:embed="rId13">
-            <a:alphaModFix amt="40000"/>
-            <a:extLst>
-              <a:ext uri="{BEBA8EAE-BF5A-486C-A8C5-ECC9F3942E4B}">
-                <a14:imgProps xmlns:a14="http://schemas.microsoft.com/office/drawing/2010/main">
-                  <a14:imgLayer r:embed="rId14">
-                    <a14:imgEffect>
-                      <a14:brightnessContrast bright="100000"/>
-                    </a14:imgEffect>
-                  </a14:imgLayer>
-                </a14:imgProps>
-              </a:ext>
-            </a:extLst>
+            <a:lum/>
           </a:blip>
           <a:srcRect/>
           <a:stretch>
-            <a:fillRect t="-16000" b="-16000"/>
+            <a:fillRect l="-3000" r="-3000"/>
           </a:stretch>
         </a:blipFill>
         <a:effectLst/>
@@ -3126,7 +3034,7 @@
           <a:p>
             <a:fld id="{530820CF-B880-4189-942D-D702A7CBA730}" type="datetimeFigureOut">
               <a:rPr lang="zh-CN" altLang="en-US" smtClean="0"/>
-              <a:t>2018/6/22</a:t>
+              <a:t>2018/6/23</a:t>
             </a:fld>
             <a:endParaRPr lang="zh-CN" altLang="en-US"/>
           </a:p>
@@ -3577,8 +3485,8 @@
         </p:nvSpPr>
         <p:spPr>
           <a:xfrm>
-            <a:off x="0" y="1225689"/>
-            <a:ext cx="9144000" cy="5047536"/>
+            <a:off x="827584" y="548680"/>
+            <a:ext cx="7920880" cy="4524315"/>
           </a:xfrm>
           <a:prstGeom prst="rect">
             <a:avLst/>
@@ -3599,17 +3507,22 @@
               </a:spcAft>
             </a:pPr>
             <a:r>
-              <a:rPr lang="en-US" altLang="zh-CN" sz="1400" dirty="0"/>
-              <a:t>import </a:t>
-            </a:r>
-            <a:r>
-              <a:rPr lang="en-US" altLang="zh-CN" sz="1400" dirty="0" err="1"/>
-              <a:t>numpy</a:t>
-            </a:r>
-            <a:r>
-              <a:rPr lang="en-US" altLang="zh-CN" sz="1400" dirty="0"/>
-              <a:t> as np</a:t>
-            </a:r>
+              <a:rPr lang="en-US" altLang="zh-CN" dirty="0"/>
+              <a:t>    #</a:t>
+            </a:r>
+            <a:r>
+              <a:rPr lang="zh-CN" altLang="en-US" dirty="0"/>
+              <a:t>函数将预测结果</a:t>
+            </a:r>
+            <a:r>
+              <a:rPr lang="en-US" altLang="zh-CN" dirty="0"/>
+              <a:t>Z</a:t>
+            </a:r>
+            <a:r>
+              <a:rPr lang="zh-CN" altLang="en-US" dirty="0"/>
+              <a:t>绘制在图像上    </a:t>
+            </a:r>
+            <a:endParaRPr lang="en-US" altLang="zh-CN" dirty="0"/>
           </a:p>
           <a:p>
             <a:pPr lvl="0" eaLnBrk="0" fontAlgn="base" hangingPunct="0">
@@ -3621,22 +3534,17 @@
               </a:spcAft>
             </a:pPr>
             <a:r>
-              <a:rPr lang="en-US" altLang="zh-CN" sz="1400" dirty="0"/>
-              <a:t>import </a:t>
-            </a:r>
-            <a:r>
-              <a:rPr lang="en-US" altLang="zh-CN" sz="1400" dirty="0" err="1"/>
-              <a:t>matplotlib.pyplot</a:t>
-            </a:r>
-            <a:r>
-              <a:rPr lang="en-US" altLang="zh-CN" sz="1400" dirty="0"/>
-              <a:t> as </a:t>
-            </a:r>
-            <a:r>
-              <a:rPr lang="en-US" altLang="zh-CN" sz="1400" dirty="0" err="1"/>
-              <a:t>plt</a:t>
-            </a:r>
-            <a:endParaRPr lang="en-US" altLang="zh-CN" sz="1400" dirty="0"/>
+              <a:rPr lang="en-US" altLang="zh-CN" dirty="0"/>
+              <a:t>    </a:t>
+            </a:r>
+            <a:r>
+              <a:rPr lang="en-US" altLang="zh-CN" dirty="0" err="1"/>
+              <a:t>plt.figure</a:t>
+            </a:r>
+            <a:r>
+              <a:rPr lang="en-US" altLang="zh-CN" dirty="0"/>
+              <a:t>()</a:t>
+            </a:r>
           </a:p>
           <a:p>
             <a:pPr lvl="0" eaLnBrk="0" fontAlgn="base" hangingPunct="0">
@@ -3648,12 +3556,40 @@
               </a:spcAft>
             </a:pPr>
             <a:r>
-              <a:rPr lang="en-US" altLang="zh-CN" sz="1400" dirty="0"/>
-              <a:t>#</a:t>
-            </a:r>
-            <a:r>
-              <a:rPr lang="zh-CN" altLang="en-US" sz="1400" dirty="0"/>
-              <a:t>机器学习库，包含鸢尾花数据集</a:t>
+              <a:rPr lang="en-US" altLang="zh-CN" dirty="0"/>
+              <a:t>    </a:t>
+            </a:r>
+            <a:r>
+              <a:rPr lang="en-US" altLang="zh-CN" dirty="0" err="1"/>
+              <a:t>plt.pcolormesh</a:t>
+            </a:r>
+            <a:r>
+              <a:rPr lang="en-US" altLang="zh-CN" dirty="0"/>
+              <a:t>(xx, </a:t>
+            </a:r>
+            <a:r>
+              <a:rPr lang="en-US" altLang="zh-CN" dirty="0" err="1"/>
+              <a:t>yy</a:t>
+            </a:r>
+            <a:r>
+              <a:rPr lang="en-US" altLang="zh-CN" dirty="0"/>
+              <a:t>, Z, </a:t>
+            </a:r>
+            <a:r>
+              <a:rPr lang="en-US" altLang="zh-CN" dirty="0" err="1"/>
+              <a:t>cmap</a:t>
+            </a:r>
+            <a:r>
+              <a:rPr lang="en-US" altLang="zh-CN" dirty="0"/>
+              <a:t>=</a:t>
+            </a:r>
+            <a:r>
+              <a:rPr lang="en-US" altLang="zh-CN" dirty="0" err="1"/>
+              <a:t>cmap_light</a:t>
+            </a:r>
+            <a:r>
+              <a:rPr lang="en-US" altLang="zh-CN" dirty="0"/>
+              <a:t>)</a:t>
             </a:r>
           </a:p>
           <a:p>
@@ -3665,30 +3601,7 @@
                 <a:spcPct val="0"/>
               </a:spcAft>
             </a:pPr>
-            <a:r>
-              <a:rPr lang="en-US" altLang="zh-CN" sz="1400" dirty="0">
-                <a:solidFill>
-                  <a:srgbClr val="FF0000"/>
-                </a:solidFill>
-              </a:rPr>
-              <a:t>from </a:t>
-            </a:r>
-            <a:r>
-              <a:rPr lang="en-US" altLang="zh-CN" sz="1400" dirty="0" err="1">
-                <a:solidFill>
-                  <a:srgbClr val="FF0000"/>
-                </a:solidFill>
-              </a:rPr>
-              <a:t>sklearn</a:t>
-            </a:r>
-            <a:r>
-              <a:rPr lang="en-US" altLang="zh-CN" sz="1400" dirty="0">
-                <a:solidFill>
-                  <a:srgbClr val="FF0000"/>
-                </a:solidFill>
-              </a:rPr>
-              <a:t> import neighbors, datasets</a:t>
-            </a:r>
+            <a:endParaRPr lang="en-US" altLang="zh-CN" dirty="0"/>
           </a:p>
           <a:p>
             <a:pPr lvl="0" eaLnBrk="0" fontAlgn="base" hangingPunct="0">
@@ -3699,7 +3612,14 @@
                 <a:spcPct val="0"/>
               </a:spcAft>
             </a:pPr>
-            <a:endParaRPr lang="en-US" altLang="zh-CN" sz="1400" dirty="0"/>
+            <a:r>
+              <a:rPr lang="en-US" altLang="zh-CN" dirty="0"/>
+              <a:t>    # </a:t>
+            </a:r>
+            <a:r>
+              <a:rPr lang="zh-CN" altLang="en-US" dirty="0"/>
+              <a:t>画出训练点</a:t>
+            </a:r>
           </a:p>
           <a:p>
             <a:pPr lvl="0" eaLnBrk="0" fontAlgn="base" hangingPunct="0">
@@ -3711,28 +3631,40 @@
               </a:spcAft>
             </a:pPr>
             <a:r>
-              <a:rPr lang="en-US" altLang="zh-CN" sz="1400" dirty="0"/>
-              <a:t># </a:t>
-            </a:r>
-            <a:r>
-              <a:rPr lang="zh-CN" altLang="en-US" sz="1400" dirty="0"/>
-              <a:t>导入鸢尾花数据</a:t>
-            </a:r>
-            <a:r>
-              <a:rPr lang="en-US" altLang="zh-CN" sz="1400" dirty="0"/>
-              <a:t>,</a:t>
-            </a:r>
-            <a:r>
-              <a:rPr lang="zh-CN" altLang="en-US" sz="1400" dirty="0"/>
-              <a:t>这里存储了其萼片和花瓣的长和宽，一共</a:t>
-            </a:r>
-            <a:r>
-              <a:rPr lang="en-US" altLang="zh-CN" sz="1400" dirty="0"/>
-              <a:t>4</a:t>
-            </a:r>
-            <a:r>
-              <a:rPr lang="zh-CN" altLang="en-US" sz="1400" dirty="0"/>
-              <a:t>个属性。</a:t>
+              <a:rPr lang="zh-CN" altLang="en-US" dirty="0"/>
+              <a:t>    </a:t>
+            </a:r>
+            <a:r>
+              <a:rPr lang="en-US" altLang="zh-CN" dirty="0" err="1"/>
+              <a:t>plt.scatter</a:t>
+            </a:r>
+            <a:r>
+              <a:rPr lang="en-US" altLang="zh-CN" dirty="0"/>
+              <a:t>(X[:, 0], X[:, 1], c=y, marker='o', </a:t>
+            </a:r>
+            <a:r>
+              <a:rPr lang="en-US" altLang="zh-CN" dirty="0" err="1"/>
+              <a:t>cmap</a:t>
+            </a:r>
+            <a:r>
+              <a:rPr lang="en-US" altLang="zh-CN" dirty="0"/>
+              <a:t>=</a:t>
+            </a:r>
+            <a:r>
+              <a:rPr lang="en-US" altLang="zh-CN" dirty="0" err="1"/>
+              <a:t>cmap_bold</a:t>
+            </a:r>
+            <a:r>
+              <a:rPr lang="en-US" altLang="zh-CN" dirty="0"/>
+              <a:t>, </a:t>
+            </a:r>
+            <a:r>
+              <a:rPr lang="en-US" altLang="zh-CN" dirty="0" err="1"/>
+              <a:t>edgecolor</a:t>
+            </a:r>
+            <a:r>
+              <a:rPr lang="en-US" altLang="zh-CN" dirty="0"/>
+              <a:t>='k', s=40)</a:t>
             </a:r>
           </a:p>
           <a:p>
@@ -3744,14 +3676,7 @@
                 <a:spcPct val="0"/>
               </a:spcAft>
             </a:pPr>
-            <a:r>
-              <a:rPr lang="en-US" altLang="zh-CN" sz="1400" dirty="0"/>
-              <a:t>#</a:t>
-            </a:r>
-            <a:r>
-              <a:rPr lang="zh-CN" altLang="en-US" sz="1400" dirty="0"/>
-              <a:t>其中，鸢尾花又分为三类。</a:t>
-            </a:r>
+            <a:endParaRPr lang="en-US" altLang="zh-CN" dirty="0"/>
           </a:p>
           <a:p>
             <a:pPr lvl="0" eaLnBrk="0" fontAlgn="base" hangingPunct="0">
@@ -3763,26 +3688,13 @@
               </a:spcAft>
             </a:pPr>
             <a:r>
-              <a:rPr lang="en-US" altLang="zh-CN" sz="1400" dirty="0"/>
-              <a:t># iris</a:t>
-            </a:r>
-            <a:r>
-              <a:rPr lang="zh-CN" altLang="en-US" sz="1400" dirty="0"/>
-              <a:t>里有两个属性</a:t>
-            </a:r>
-            <a:r>
-              <a:rPr lang="en-US" altLang="zh-CN" sz="1400" dirty="0" err="1"/>
-              <a:t>iris.data</a:t>
-            </a:r>
-            <a:r>
-              <a:rPr lang="zh-CN" altLang="en-US" sz="1400" dirty="0"/>
-              <a:t>，</a:t>
-            </a:r>
-            <a:r>
-              <a:rPr lang="en-US" altLang="zh-CN" sz="1400" dirty="0" err="1"/>
-              <a:t>iris.target</a:t>
-            </a:r>
-            <a:endParaRPr lang="en-US" altLang="zh-CN" sz="1400" dirty="0"/>
+              <a:rPr lang="en-US" altLang="zh-CN" dirty="0"/>
+              <a:t>    # </a:t>
+            </a:r>
+            <a:r>
+              <a:rPr lang="zh-CN" altLang="en-US" dirty="0"/>
+              <a:t>设置坐标轴的取值范围</a:t>
+            </a:r>
           </a:p>
           <a:p>
             <a:pPr lvl="0" eaLnBrk="0" fontAlgn="base" hangingPunct="0">
@@ -3794,28 +3706,32 @@
               </a:spcAft>
             </a:pPr>
             <a:r>
-              <a:rPr lang="en-US" altLang="zh-CN" sz="1400" dirty="0"/>
-              <a:t># data</a:t>
-            </a:r>
-            <a:r>
-              <a:rPr lang="zh-CN" altLang="en-US" sz="1400" dirty="0"/>
-              <a:t>里是一个矩阵，每一列代表了萼片或花瓣的长或宽，一共</a:t>
-            </a:r>
-            <a:r>
-              <a:rPr lang="en-US" altLang="zh-CN" sz="1400" dirty="0"/>
-              <a:t>4</a:t>
-            </a:r>
-            <a:r>
-              <a:rPr lang="zh-CN" altLang="en-US" sz="1400" dirty="0"/>
-              <a:t>列，每一行记录某个被测量的鸢尾植物，一共采样了</a:t>
-            </a:r>
-            <a:r>
-              <a:rPr lang="en-US" altLang="zh-CN" sz="1400" dirty="0"/>
-              <a:t>150</a:t>
-            </a:r>
-            <a:r>
-              <a:rPr lang="zh-CN" altLang="en-US" sz="1400" dirty="0"/>
-              <a:t>条记录</a:t>
+              <a:rPr lang="zh-CN" altLang="en-US" dirty="0"/>
+              <a:t>    </a:t>
+            </a:r>
+            <a:r>
+              <a:rPr lang="en-US" altLang="zh-CN" dirty="0" err="1"/>
+              <a:t>plt.xlim</a:t>
+            </a:r>
+            <a:r>
+              <a:rPr lang="en-US" altLang="zh-CN" dirty="0"/>
+              <a:t>(</a:t>
+            </a:r>
+            <a:r>
+              <a:rPr lang="en-US" altLang="zh-CN" dirty="0" err="1"/>
+              <a:t>xx.min</a:t>
+            </a:r>
+            <a:r>
+              <a:rPr lang="en-US" altLang="zh-CN" dirty="0"/>
+              <a:t>(), </a:t>
+            </a:r>
+            <a:r>
+              <a:rPr lang="en-US" altLang="zh-CN" dirty="0" err="1"/>
+              <a:t>xx.max</a:t>
+            </a:r>
+            <a:r>
+              <a:rPr lang="en-US" altLang="zh-CN" dirty="0"/>
+              <a:t>())</a:t>
             </a:r>
           </a:p>
           <a:p>
@@ -3828,44 +3744,32 @@
               </a:spcAft>
             </a:pPr>
             <a:r>
-              <a:rPr lang="en-US" altLang="zh-CN" sz="1400" dirty="0"/>
-              <a:t>#target</a:t>
-            </a:r>
-            <a:r>
-              <a:rPr lang="zh-CN" altLang="en-US" sz="1400" dirty="0"/>
-              <a:t>是一个数组，存储了</a:t>
-            </a:r>
-            <a:r>
-              <a:rPr lang="en-US" altLang="zh-CN" sz="1400" dirty="0"/>
-              <a:t>data</a:t>
-            </a:r>
-            <a:r>
-              <a:rPr lang="zh-CN" altLang="en-US" sz="1400" dirty="0"/>
-              <a:t>中每条记录属于哪一类鸢尾植物，长度是</a:t>
-            </a:r>
-            <a:r>
-              <a:rPr lang="en-US" altLang="zh-CN" sz="1400" dirty="0"/>
-              <a:t>150</a:t>
-            </a:r>
-            <a:r>
-              <a:rPr lang="zh-CN" altLang="en-US" sz="1400" dirty="0"/>
-              <a:t>，因为共有</a:t>
-            </a:r>
-            <a:r>
-              <a:rPr lang="en-US" altLang="zh-CN" sz="1400" dirty="0"/>
-              <a:t>3</a:t>
-            </a:r>
-            <a:r>
-              <a:rPr lang="zh-CN" altLang="en-US" sz="1400" dirty="0"/>
-              <a:t>类鸢尾植物，所以数组元素的值为</a:t>
-            </a:r>
-            <a:r>
-              <a:rPr lang="en-US" altLang="zh-CN" sz="1400" dirty="0"/>
-              <a:t>0,1,2</a:t>
-            </a:r>
-            <a:r>
-              <a:rPr lang="zh-CN" altLang="en-US" sz="1400" dirty="0"/>
-              <a:t>。</a:t>
+              <a:rPr lang="en-US" altLang="zh-CN" dirty="0"/>
+              <a:t>    </a:t>
+            </a:r>
+            <a:r>
+              <a:rPr lang="en-US" altLang="zh-CN" dirty="0" err="1"/>
+              <a:t>plt.ylim</a:t>
+            </a:r>
+            <a:r>
+              <a:rPr lang="en-US" altLang="zh-CN" dirty="0"/>
+              <a:t>(</a:t>
+            </a:r>
+            <a:r>
+              <a:rPr lang="en-US" altLang="zh-CN" dirty="0" err="1"/>
+              <a:t>yy.min</a:t>
+            </a:r>
+            <a:r>
+              <a:rPr lang="en-US" altLang="zh-CN" dirty="0"/>
+              <a:t>(), </a:t>
+            </a:r>
+            <a:r>
+              <a:rPr lang="en-US" altLang="zh-CN" dirty="0" err="1"/>
+              <a:t>yy.max</a:t>
+            </a:r>
+            <a:r>
+              <a:rPr lang="en-US" altLang="zh-CN" dirty="0"/>
+              <a:t>())</a:t>
             </a:r>
           </a:p>
           <a:p>
@@ -3877,30 +3781,7 @@
                 <a:spcPct val="0"/>
               </a:spcAft>
             </a:pPr>
-            <a:r>
-              <a:rPr lang="en-US" altLang="zh-CN" sz="1400" dirty="0">
-                <a:solidFill>
-                  <a:srgbClr val="FF0000"/>
-                </a:solidFill>
-              </a:rPr>
-              <a:t>iris = </a:t>
-            </a:r>
-            <a:r>
-              <a:rPr lang="en-US" altLang="zh-CN" sz="1400" dirty="0" err="1">
-                <a:solidFill>
-                  <a:srgbClr val="FF0000"/>
-                </a:solidFill>
-              </a:rPr>
-              <a:t>datasets.load_iris</a:t>
-            </a:r>
-            <a:r>
-              <a:rPr lang="en-US" altLang="zh-CN" sz="1400" dirty="0">
-                <a:solidFill>
-                  <a:srgbClr val="FF0000"/>
-                </a:solidFill>
-              </a:rPr>
-              <a:t>()</a:t>
-            </a:r>
+            <a:endParaRPr lang="en-US" altLang="zh-CN" dirty="0"/>
           </a:p>
           <a:p>
             <a:pPr lvl="0" eaLnBrk="0" fontAlgn="base" hangingPunct="0">
@@ -3911,7 +3792,14 @@
                 <a:spcPct val="0"/>
               </a:spcAft>
             </a:pPr>
-            <a:endParaRPr lang="en-US" altLang="zh-CN" sz="1400" dirty="0"/>
+            <a:r>
+              <a:rPr lang="en-US" altLang="zh-CN" dirty="0"/>
+              <a:t>    # </a:t>
+            </a:r>
+            <a:r>
+              <a:rPr lang="zh-CN" altLang="en-US" dirty="0"/>
+              <a:t>设置坐标轴的标识</a:t>
+            </a:r>
           </a:p>
           <a:p>
             <a:pPr lvl="0" eaLnBrk="0" fontAlgn="base" hangingPunct="0">
@@ -3923,12 +3811,24 @@
               </a:spcAft>
             </a:pPr>
             <a:r>
-              <a:rPr lang="en-US" altLang="zh-CN" sz="1400" dirty="0"/>
-              <a:t>#</a:t>
-            </a:r>
-            <a:r>
-              <a:rPr lang="zh-CN" altLang="en-US" sz="1400" dirty="0"/>
-              <a:t>为了使数据看上去更加简单易懂，我们只取花萼的长和宽。</a:t>
+              <a:rPr lang="en-US" altLang="zh-CN" dirty="0"/>
+              <a:t>    </a:t>
+            </a:r>
+            <a:r>
+              <a:rPr lang="en-US" altLang="zh-CN" dirty="0" err="1"/>
+              <a:t>plt.xlabel</a:t>
+            </a:r>
+            <a:r>
+              <a:rPr lang="en-US" altLang="zh-CN" dirty="0"/>
+              <a:t>(</a:t>
+            </a:r>
+            <a:r>
+              <a:rPr lang="en-US" altLang="zh-CN" dirty="0" err="1"/>
+              <a:t>u'Sepal_Length</a:t>
+            </a:r>
+            <a:r>
+              <a:rPr lang="en-US" altLang="zh-CN" dirty="0"/>
+              <a:t>')</a:t>
             </a:r>
           </a:p>
           <a:p>
@@ -3941,28 +3841,24 @@
               </a:spcAft>
             </a:pPr>
             <a:r>
-              <a:rPr lang="en-US" altLang="zh-CN" sz="1400" dirty="0">
-                <a:solidFill>
-                  <a:srgbClr val="FF0000"/>
-                </a:solidFill>
-              </a:rPr>
-              <a:t>X = </a:t>
-            </a:r>
-            <a:r>
-              <a:rPr lang="en-US" altLang="zh-CN" sz="1400" dirty="0" err="1">
-                <a:solidFill>
-                  <a:srgbClr val="FF0000"/>
-                </a:solidFill>
-              </a:rPr>
-              <a:t>iris.data</a:t>
-            </a:r>
-            <a:r>
-              <a:rPr lang="en-US" altLang="zh-CN" sz="1400" dirty="0">
-                <a:solidFill>
-                  <a:srgbClr val="FF0000"/>
-                </a:solidFill>
-              </a:rPr>
-              <a:t>[:, :2]</a:t>
+              <a:rPr lang="en-US" altLang="zh-CN" dirty="0"/>
+              <a:t>    </a:t>
+            </a:r>
+            <a:r>
+              <a:rPr lang="en-US" altLang="zh-CN" dirty="0" err="1"/>
+              <a:t>plt.ylabel</a:t>
+            </a:r>
+            <a:r>
+              <a:rPr lang="en-US" altLang="zh-CN" dirty="0"/>
+              <a:t>(</a:t>
+            </a:r>
+            <a:r>
+              <a:rPr lang="en-US" altLang="zh-CN" dirty="0" err="1"/>
+              <a:t>u'Sepal_Width</a:t>
+            </a:r>
+            <a:r>
+              <a:rPr lang="en-US" altLang="zh-CN" dirty="0"/>
+              <a:t>')</a:t>
             </a:r>
           </a:p>
           <a:p>
@@ -3975,26 +3871,13 @@
               </a:spcAft>
             </a:pPr>
             <a:r>
-              <a:rPr lang="en-US" altLang="zh-CN" sz="1400" dirty="0">
-                <a:solidFill>
-                  <a:srgbClr val="FF0000"/>
-                </a:solidFill>
-              </a:rPr>
-              <a:t>y = </a:t>
-            </a:r>
-            <a:r>
-              <a:rPr lang="en-US" altLang="zh-CN" sz="1400" dirty="0" err="1">
-                <a:solidFill>
-                  <a:srgbClr val="FF0000"/>
-                </a:solidFill>
-              </a:rPr>
-              <a:t>iris.target</a:t>
-            </a:r>
-            <a:endParaRPr lang="en-US" altLang="zh-CN" sz="1400" dirty="0">
-              <a:solidFill>
-                <a:srgbClr val="FF0000"/>
-              </a:solidFill>
-            </a:endParaRPr>
+              <a:rPr lang="en-US" altLang="zh-CN" dirty="0"/>
+              <a:t>    #</a:t>
+            </a:r>
+            <a:r>
+              <a:rPr lang="zh-CN" altLang="en-US" dirty="0"/>
+              <a:t>生成图片展示</a:t>
+            </a:r>
           </a:p>
           <a:p>
             <a:pPr lvl="0" eaLnBrk="0" fontAlgn="base" hangingPunct="0">
@@ -4005,197 +3888,17 @@
                 <a:spcPct val="0"/>
               </a:spcAft>
             </a:pPr>
-            <a:endParaRPr lang="en-US" altLang="zh-CN" sz="1400" dirty="0"/>
-          </a:p>
-          <a:p>
-            <a:pPr lvl="0" eaLnBrk="0" fontAlgn="base" hangingPunct="0">
-              <a:spcBef>
-                <a:spcPct val="0"/>
-              </a:spcBef>
-              <a:spcAft>
-                <a:spcPct val="0"/>
-              </a:spcAft>
-            </a:pPr>
-            <a:r>
-              <a:rPr lang="en-US" altLang="zh-CN" sz="1400" dirty="0"/>
-              <a:t>#</a:t>
-            </a:r>
-            <a:r>
-              <a:rPr lang="zh-CN" altLang="en-US" sz="1400" dirty="0"/>
-              <a:t>获得数据集中的最大值和最小值，并放大差值，用来设置坐标系</a:t>
-            </a:r>
-            <a:endParaRPr lang="en-US" altLang="zh-CN" sz="1400" dirty="0"/>
-          </a:p>
-          <a:p>
-            <a:pPr lvl="0" eaLnBrk="0" fontAlgn="base" hangingPunct="0">
-              <a:spcBef>
-                <a:spcPct val="0"/>
-              </a:spcBef>
-              <a:spcAft>
-                <a:spcPct val="0"/>
-              </a:spcAft>
-            </a:pPr>
-            <a:r>
-              <a:rPr lang="en-US" altLang="zh-CN" sz="1400" dirty="0"/>
-              <a:t>#</a:t>
-            </a:r>
-            <a:r>
-              <a:rPr lang="zh-CN" altLang="en-US" sz="1400" dirty="0"/>
-              <a:t>注意，</a:t>
-            </a:r>
-            <a:r>
-              <a:rPr lang="en-US" altLang="zh-CN" sz="1400" dirty="0" err="1"/>
-              <a:t>y_min</a:t>
-            </a:r>
-            <a:r>
-              <a:rPr lang="zh-CN" altLang="en-US" sz="1400" dirty="0"/>
-              <a:t>和</a:t>
-            </a:r>
-            <a:r>
-              <a:rPr lang="en-US" altLang="zh-CN" sz="1400" dirty="0" err="1"/>
-              <a:t>y_max</a:t>
-            </a:r>
-            <a:r>
-              <a:rPr lang="zh-CN" altLang="en-US" sz="1400" dirty="0"/>
-              <a:t>代表的是花萼的宽度，不是鸢尾花的种类</a:t>
-            </a:r>
-          </a:p>
-          <a:p>
-            <a:pPr lvl="0" eaLnBrk="0" fontAlgn="base" hangingPunct="0">
-              <a:spcBef>
-                <a:spcPct val="0"/>
-              </a:spcBef>
-              <a:spcAft>
-                <a:spcPct val="0"/>
-              </a:spcAft>
-            </a:pPr>
-            <a:r>
-              <a:rPr lang="en-US" altLang="zh-CN" sz="1400" dirty="0" err="1">
-                <a:solidFill>
-                  <a:srgbClr val="FF0000"/>
-                </a:solidFill>
-              </a:rPr>
-              <a:t>x_min</a:t>
-            </a:r>
-            <a:r>
-              <a:rPr lang="en-US" altLang="zh-CN" sz="1400" dirty="0">
-                <a:solidFill>
-                  <a:srgbClr val="FF0000"/>
-                </a:solidFill>
-              </a:rPr>
-              <a:t>, </a:t>
-            </a:r>
-            <a:r>
-              <a:rPr lang="en-US" altLang="zh-CN" sz="1400" dirty="0" err="1">
-                <a:solidFill>
-                  <a:srgbClr val="FF0000"/>
-                </a:solidFill>
-              </a:rPr>
-              <a:t>x_max</a:t>
-            </a:r>
-            <a:r>
-              <a:rPr lang="en-US" altLang="zh-CN" sz="1400" dirty="0">
-                <a:solidFill>
-                  <a:srgbClr val="FF0000"/>
-                </a:solidFill>
-              </a:rPr>
-              <a:t> = X[:, 0].min() - 1, X[:, 0].max() + 1</a:t>
-            </a:r>
-          </a:p>
-          <a:p>
-            <a:pPr lvl="0" eaLnBrk="0" fontAlgn="base" hangingPunct="0">
-              <a:spcBef>
-                <a:spcPct val="0"/>
-              </a:spcBef>
-              <a:spcAft>
-                <a:spcPct val="0"/>
-              </a:spcAft>
-            </a:pPr>
-            <a:r>
-              <a:rPr lang="en-US" altLang="zh-CN" sz="1400" dirty="0" err="1">
-                <a:solidFill>
-                  <a:srgbClr val="FF0000"/>
-                </a:solidFill>
-              </a:rPr>
-              <a:t>y_min</a:t>
-            </a:r>
-            <a:r>
-              <a:rPr lang="en-US" altLang="zh-CN" sz="1400" dirty="0">
-                <a:solidFill>
-                  <a:srgbClr val="FF0000"/>
-                </a:solidFill>
-              </a:rPr>
-              <a:t>, </a:t>
-            </a:r>
-            <a:r>
-              <a:rPr lang="en-US" altLang="zh-CN" sz="1400" dirty="0" err="1">
-                <a:solidFill>
-                  <a:srgbClr val="FF0000"/>
-                </a:solidFill>
-              </a:rPr>
-              <a:t>y_max</a:t>
-            </a:r>
-            <a:r>
-              <a:rPr lang="en-US" altLang="zh-CN" sz="1400" dirty="0">
-                <a:solidFill>
-                  <a:srgbClr val="FF0000"/>
-                </a:solidFill>
-              </a:rPr>
-              <a:t> = X[:, 1].min() - 1, X[:, 1].max() + 1</a:t>
-            </a:r>
-          </a:p>
-          <a:p>
-            <a:pPr lvl="0" eaLnBrk="0" fontAlgn="base" hangingPunct="0">
-              <a:spcBef>
-                <a:spcPct val="0"/>
-              </a:spcBef>
-              <a:spcAft>
-                <a:spcPct val="0"/>
-              </a:spcAft>
-            </a:pPr>
-            <a:endParaRPr lang="en-US" altLang="zh-CN" sz="1400" dirty="0"/>
-          </a:p>
-        </p:txBody>
-      </p:sp>
-      <p:sp>
-        <p:nvSpPr>
-          <p:cNvPr id="10" name="标题 1">
-            <a:extLst>
-              <a:ext uri="{FF2B5EF4-FFF2-40B4-BE49-F238E27FC236}">
-                <a16:creationId xmlns:a16="http://schemas.microsoft.com/office/drawing/2014/main" id="{D0959456-4D3B-42F2-BBA9-F04CE8B0C7C4}"/>
-              </a:ext>
-            </a:extLst>
-          </p:cNvPr>
-          <p:cNvSpPr>
-            <a:spLocks noGrp="1"/>
-          </p:cNvSpPr>
-          <p:nvPr>
-            <p:ph type="title"/>
-          </p:nvPr>
-        </p:nvSpPr>
-        <p:spPr>
-          <a:xfrm>
-            <a:off x="323528" y="97152"/>
-            <a:ext cx="8229600" cy="1143000"/>
-          </a:xfrm>
-        </p:spPr>
-        <p:txBody>
-          <a:bodyPr/>
-          <a:lstStyle/>
-          <a:p>
-            <a:r>
-              <a:rPr lang="en-US" altLang="zh-CN" dirty="0">
-                <a:latin typeface="微软雅黑" panose="020B0503020204020204" pitchFamily="34" charset="-122"/>
-                <a:ea typeface="微软雅黑" panose="020B0503020204020204" pitchFamily="34" charset="-122"/>
-              </a:rPr>
-              <a:t>2.</a:t>
-            </a:r>
-            <a:r>
-              <a:rPr lang="zh-CN" altLang="en-US" dirty="0">
-                <a:latin typeface="微软雅黑" panose="020B0503020204020204" pitchFamily="34" charset="-122"/>
-                <a:ea typeface="微软雅黑" panose="020B0503020204020204" pitchFamily="34" charset="-122"/>
-              </a:rPr>
-              <a:t> 导入数据，创建数据模型</a:t>
+            <a:r>
+              <a:rPr lang="zh-CN" altLang="en-US" dirty="0"/>
+              <a:t>    </a:t>
+            </a:r>
+            <a:r>
+              <a:rPr lang="en-US" altLang="zh-CN" dirty="0" err="1"/>
+              <a:t>plt.show</a:t>
+            </a:r>
+            <a:r>
+              <a:rPr lang="en-US" altLang="zh-CN" dirty="0"/>
+              <a:t>()</a:t>
             </a:r>
           </a:p>
         </p:txBody>
@@ -4203,7 +3906,7 @@
     </p:spTree>
     <p:extLst>
       <p:ext uri="{BB962C8B-B14F-4D97-AF65-F5344CB8AC3E}">
-        <p14:creationId xmlns:p14="http://schemas.microsoft.com/office/powerpoint/2010/main" val="2110691799"/>
+        <p14:creationId xmlns:p14="http://schemas.microsoft.com/office/powerpoint/2010/main" val="3916533136"/>
       </p:ext>
     </p:extLst>
   </p:cSld>
@@ -4232,14 +3935,141 @@
       </p:grpSpPr>
       <p:sp>
         <p:nvSpPr>
-          <p:cNvPr id="5" name="矩形 4"/>
+          <p:cNvPr id="9" name="标题 1">
+            <a:extLst>
+              <a:ext uri="{FF2B5EF4-FFF2-40B4-BE49-F238E27FC236}">
+                <a16:creationId xmlns:a16="http://schemas.microsoft.com/office/drawing/2014/main" id="{D0959456-4D3B-42F2-BBA9-F04CE8B0C7C4}"/>
+              </a:ext>
+            </a:extLst>
+          </p:cNvPr>
+          <p:cNvSpPr txBox="1">
+            <a:spLocks/>
+          </p:cNvSpPr>
+          <p:nvPr/>
+        </p:nvSpPr>
+        <p:spPr>
+          <a:xfrm>
+            <a:off x="440992" y="260648"/>
+            <a:ext cx="8229600" cy="1143000"/>
+          </a:xfrm>
+          <a:prstGeom prst="rect">
+            <a:avLst/>
+          </a:prstGeom>
+        </p:spPr>
+        <p:txBody>
+          <a:bodyPr vert="horz" lIns="91440" tIns="45720" rIns="91440" bIns="45720" rtlCol="0" anchor="ctr">
+            <a:normAutofit/>
+          </a:bodyPr>
+          <a:lstStyle>
+            <a:lvl1pPr algn="ctr" defTabSz="914400" rtl="0" eaLnBrk="1" latinLnBrk="0" hangingPunct="1">
+              <a:spcBef>
+                <a:spcPct val="0"/>
+              </a:spcBef>
+              <a:buNone/>
+              <a:defRPr sz="4400" kern="1200">
+                <a:solidFill>
+                  <a:schemeClr val="tx1"/>
+                </a:solidFill>
+                <a:latin typeface="+mj-lt"/>
+                <a:ea typeface="+mj-ea"/>
+                <a:cs typeface="+mj-cs"/>
+              </a:defRPr>
+            </a:lvl1pPr>
+          </a:lstStyle>
+          <a:p>
+            <a:r>
+              <a:rPr lang="en-US" altLang="zh-CN" dirty="0">
+                <a:latin typeface="微软雅黑" panose="020B0503020204020204" pitchFamily="34" charset="-122"/>
+                <a:ea typeface="微软雅黑" panose="020B0503020204020204" pitchFamily="34" charset="-122"/>
+              </a:rPr>
+              <a:t>KNN</a:t>
+            </a:r>
+            <a:r>
+              <a:rPr lang="zh-CN" altLang="en-US" dirty="0">
+                <a:latin typeface="微软雅黑" panose="020B0503020204020204" pitchFamily="34" charset="-122"/>
+                <a:ea typeface="微软雅黑" panose="020B0503020204020204" pitchFamily="34" charset="-122"/>
+              </a:rPr>
+              <a:t>分类算法运行结果</a:t>
+            </a:r>
+          </a:p>
+        </p:txBody>
+      </p:sp>
+      <p:pic>
+        <p:nvPicPr>
+          <p:cNvPr id="2" name="图片 1">
+            <a:extLst>
+              <a:ext uri="{FF2B5EF4-FFF2-40B4-BE49-F238E27FC236}">
+                <a16:creationId xmlns:a16="http://schemas.microsoft.com/office/drawing/2014/main" id="{1E6F43E4-CBD0-43E7-8750-0CEBD17B04DE}"/>
+              </a:ext>
+            </a:extLst>
+          </p:cNvPr>
+          <p:cNvPicPr>
+            <a:picLocks noChangeAspect="1"/>
+          </p:cNvPicPr>
+          <p:nvPr/>
+        </p:nvPicPr>
+        <p:blipFill>
+          <a:blip r:embed="rId2"/>
+          <a:stretch>
+            <a:fillRect/>
+          </a:stretch>
+        </p:blipFill>
+        <p:spPr>
+          <a:xfrm>
+            <a:off x="1043608" y="2514526"/>
+            <a:ext cx="3179720" cy="2374942"/>
+          </a:xfrm>
+          <a:prstGeom prst="rect">
+            <a:avLst/>
+          </a:prstGeom>
+        </p:spPr>
+      </p:pic>
+      <p:pic>
+        <p:nvPicPr>
+          <p:cNvPr id="3" name="图片 2">
+            <a:extLst>
+              <a:ext uri="{FF2B5EF4-FFF2-40B4-BE49-F238E27FC236}">
+                <a16:creationId xmlns:a16="http://schemas.microsoft.com/office/drawing/2014/main" id="{6A32AFA5-75AF-409E-B742-C954582C4A81}"/>
+              </a:ext>
+            </a:extLst>
+          </p:cNvPr>
+          <p:cNvPicPr>
+            <a:picLocks noChangeAspect="1"/>
+          </p:cNvPicPr>
+          <p:nvPr/>
+        </p:nvPicPr>
+        <p:blipFill>
+          <a:blip r:embed="rId3"/>
+          <a:stretch>
+            <a:fillRect/>
+          </a:stretch>
+        </p:blipFill>
+        <p:spPr>
+          <a:xfrm>
+            <a:off x="4788024" y="2532111"/>
+            <a:ext cx="3200516" cy="2374942"/>
+          </a:xfrm>
+          <a:prstGeom prst="rect">
+            <a:avLst/>
+          </a:prstGeom>
+        </p:spPr>
+      </p:pic>
+      <p:sp>
+        <p:nvSpPr>
+          <p:cNvPr id="7" name="矩形 6">
+            <a:extLst>
+              <a:ext uri="{FF2B5EF4-FFF2-40B4-BE49-F238E27FC236}">
+                <a16:creationId xmlns:a16="http://schemas.microsoft.com/office/drawing/2014/main" id="{BAC8DE1B-CEC3-437E-A845-AEA74833C1A4}"/>
+              </a:ext>
+            </a:extLst>
+          </p:cNvPr>
           <p:cNvSpPr/>
           <p:nvPr/>
         </p:nvSpPr>
         <p:spPr>
           <a:xfrm>
-            <a:off x="395536" y="998"/>
-            <a:ext cx="6048672" cy="5262979"/>
+            <a:off x="899592" y="1644714"/>
+            <a:ext cx="7560840" cy="646331"/>
           </a:xfrm>
           <a:prstGeom prst="rect">
             <a:avLst/>
@@ -4259,657 +4089,38 @@
                 <a:spcPct val="0"/>
               </a:spcAft>
             </a:pPr>
-            <a:endParaRPr lang="zh-CN" altLang="en-US" sz="1400" dirty="0"/>
-          </a:p>
-          <a:p>
-            <a:pPr lvl="0" eaLnBrk="0" fontAlgn="base" hangingPunct="0">
-              <a:spcBef>
-                <a:spcPct val="0"/>
-              </a:spcBef>
-              <a:spcAft>
-                <a:spcPct val="0"/>
-              </a:spcAft>
-            </a:pPr>
-            <a:r>
-              <a:rPr lang="en-US" altLang="zh-CN" sz="1400" dirty="0"/>
-              <a:t># </a:t>
-            </a:r>
-            <a:r>
-              <a:rPr lang="zh-CN" altLang="en-US" sz="1400" dirty="0"/>
-              <a:t>网格中的步长</a:t>
-            </a:r>
-          </a:p>
-          <a:p>
-            <a:pPr lvl="0" eaLnBrk="0" fontAlgn="base" hangingPunct="0">
-              <a:spcBef>
-                <a:spcPct val="0"/>
-              </a:spcBef>
-              <a:spcAft>
-                <a:spcPct val="0"/>
-              </a:spcAft>
-            </a:pPr>
-            <a:r>
-              <a:rPr lang="en-US" altLang="zh-CN" sz="1400" dirty="0">
-                <a:solidFill>
-                  <a:srgbClr val="FF0000"/>
-                </a:solidFill>
+            <a:r>
+              <a:rPr lang="zh-CN" altLang="en-US" dirty="0">
+                <a:latin typeface="微软雅黑" panose="020B0503020204020204" pitchFamily="34" charset="-122"/>
+                <a:ea typeface="微软雅黑" panose="020B0503020204020204" pitchFamily="34" charset="-122"/>
               </a:rPr>
-              <a:t>h = .02</a:t>
-            </a:r>
-          </a:p>
-          <a:p>
-            <a:pPr lvl="0" eaLnBrk="0" fontAlgn="base" hangingPunct="0">
-              <a:spcBef>
-                <a:spcPct val="0"/>
-              </a:spcBef>
-              <a:spcAft>
-                <a:spcPct val="0"/>
-              </a:spcAft>
-            </a:pPr>
-            <a:r>
-              <a:rPr lang="en-US" altLang="zh-CN" sz="1400" dirty="0"/>
-              <a:t># </a:t>
-            </a:r>
-            <a:r>
-              <a:rPr lang="en-US" altLang="zh-CN" sz="1400" dirty="0" err="1"/>
-              <a:t>meshgrid</a:t>
-            </a:r>
-            <a:r>
-              <a:rPr lang="en-US" altLang="zh-CN" sz="1400" dirty="0"/>
-              <a:t>()</a:t>
-            </a:r>
-            <a:r>
-              <a:rPr lang="zh-CN" altLang="en-US" sz="1400" dirty="0"/>
-              <a:t>创建坐标矩阵，需要为其传递两个一维数字数组</a:t>
-            </a:r>
-          </a:p>
-          <a:p>
-            <a:pPr lvl="0" eaLnBrk="0" fontAlgn="base" hangingPunct="0">
-              <a:spcBef>
-                <a:spcPct val="0"/>
-              </a:spcBef>
-              <a:spcAft>
-                <a:spcPct val="0"/>
-              </a:spcAft>
-            </a:pPr>
-            <a:r>
-              <a:rPr lang="en-US" altLang="zh-CN" sz="1400" dirty="0"/>
-              <a:t>xx, </a:t>
-            </a:r>
-            <a:r>
-              <a:rPr lang="en-US" altLang="zh-CN" sz="1400" dirty="0" err="1"/>
-              <a:t>yy</a:t>
-            </a:r>
-            <a:r>
-              <a:rPr lang="en-US" altLang="zh-CN" sz="1400" dirty="0"/>
-              <a:t> = </a:t>
-            </a:r>
-            <a:r>
-              <a:rPr lang="en-US" altLang="zh-CN" sz="1400" dirty="0" err="1"/>
-              <a:t>np.meshgrid</a:t>
-            </a:r>
-            <a:r>
-              <a:rPr lang="en-US" altLang="zh-CN" sz="1400" dirty="0"/>
-              <a:t>(</a:t>
-            </a:r>
-            <a:r>
-              <a:rPr lang="en-US" altLang="zh-CN" sz="1400" dirty="0" err="1"/>
-              <a:t>np.arange</a:t>
-            </a:r>
-            <a:r>
-              <a:rPr lang="en-US" altLang="zh-CN" sz="1400" dirty="0"/>
-              <a:t>(</a:t>
-            </a:r>
-            <a:r>
-              <a:rPr lang="en-US" altLang="zh-CN" sz="1400" dirty="0" err="1">
-                <a:solidFill>
-                  <a:srgbClr val="FF0000"/>
-                </a:solidFill>
+              <a:t>在这个例子当中我们把邻居数量设置为</a:t>
+            </a:r>
+            <a:r>
+              <a:rPr lang="en-US" altLang="zh-CN" dirty="0">
+                <a:latin typeface="微软雅黑" panose="020B0503020204020204" pitchFamily="34" charset="-122"/>
+                <a:ea typeface="微软雅黑" panose="020B0503020204020204" pitchFamily="34" charset="-122"/>
               </a:rPr>
-              <a:t>x_min</a:t>
-            </a:r>
-            <a:r>
-              <a:rPr lang="en-US" altLang="zh-CN" sz="1400" dirty="0">
-                <a:solidFill>
-                  <a:srgbClr val="FF0000"/>
-                </a:solidFill>
+              <a:t>15</a:t>
+            </a:r>
+            <a:r>
+              <a:rPr lang="zh-CN" altLang="en-US" dirty="0">
+                <a:latin typeface="微软雅黑" panose="020B0503020204020204" pitchFamily="34" charset="-122"/>
+                <a:ea typeface="微软雅黑" panose="020B0503020204020204" pitchFamily="34" charset="-122"/>
               </a:rPr>
-              <a:t>, </a:t>
-            </a:r>
-            <a:r>
-              <a:rPr lang="en-US" altLang="zh-CN" sz="1400" dirty="0" err="1">
-                <a:solidFill>
-                  <a:srgbClr val="FF0000"/>
-                </a:solidFill>
-              </a:rPr>
-              <a:t>x_max</a:t>
-            </a:r>
-            <a:r>
-              <a:rPr lang="en-US" altLang="zh-CN" sz="1400" dirty="0">
-                <a:solidFill>
-                  <a:srgbClr val="FF0000"/>
-                </a:solidFill>
-              </a:rPr>
-              <a:t>, h</a:t>
-            </a:r>
-            <a:r>
-              <a:rPr lang="en-US" altLang="zh-CN" sz="1400" dirty="0"/>
-              <a:t>),</a:t>
-            </a:r>
-            <a:r>
-              <a:rPr lang="en-US" altLang="zh-CN" sz="1400" dirty="0" err="1"/>
-              <a:t>np.arange</a:t>
-            </a:r>
-            <a:r>
-              <a:rPr lang="en-US" altLang="zh-CN" sz="1400" dirty="0"/>
-              <a:t>(</a:t>
-            </a:r>
-            <a:r>
-              <a:rPr lang="en-US" altLang="zh-CN" sz="1400" dirty="0" err="1">
-                <a:solidFill>
-                  <a:srgbClr val="FF0000"/>
-                </a:solidFill>
-              </a:rPr>
-              <a:t>y_min</a:t>
-            </a:r>
-            <a:r>
-              <a:rPr lang="en-US" altLang="zh-CN" sz="1400" dirty="0">
-                <a:solidFill>
-                  <a:srgbClr val="FF0000"/>
-                </a:solidFill>
-              </a:rPr>
-              <a:t>, </a:t>
-            </a:r>
-            <a:r>
-              <a:rPr lang="en-US" altLang="zh-CN" sz="1400" dirty="0" err="1">
-                <a:solidFill>
-                  <a:srgbClr val="FF0000"/>
-                </a:solidFill>
-              </a:rPr>
-              <a:t>y_max</a:t>
-            </a:r>
-            <a:r>
-              <a:rPr lang="en-US" altLang="zh-CN" sz="1400" dirty="0">
-                <a:solidFill>
-                  <a:srgbClr val="FF0000"/>
-                </a:solidFill>
-              </a:rPr>
-              <a:t>, h</a:t>
-            </a:r>
-            <a:r>
-              <a:rPr lang="en-US" altLang="zh-CN" sz="1400" dirty="0"/>
-              <a:t>))</a:t>
-            </a:r>
-          </a:p>
-          <a:p>
-            <a:pPr lvl="0" eaLnBrk="0" fontAlgn="base" hangingPunct="0">
-              <a:spcBef>
-                <a:spcPct val="0"/>
-              </a:spcBef>
-              <a:spcAft>
-                <a:spcPct val="0"/>
-              </a:spcAft>
-            </a:pPr>
-            <a:endParaRPr lang="en-US" altLang="zh-CN" sz="1400" dirty="0"/>
-          </a:p>
-          <a:p>
-            <a:pPr lvl="0" eaLnBrk="0" fontAlgn="base" hangingPunct="0">
-              <a:spcBef>
-                <a:spcPct val="0"/>
-              </a:spcBef>
-              <a:spcAft>
-                <a:spcPct val="0"/>
-              </a:spcAft>
-            </a:pPr>
-            <a:endParaRPr lang="en-US" altLang="zh-CN" sz="1400" dirty="0"/>
-          </a:p>
-          <a:p>
-            <a:pPr lvl="0" eaLnBrk="0" fontAlgn="base" hangingPunct="0">
-              <a:spcBef>
-                <a:spcPct val="0"/>
-              </a:spcBef>
-              <a:spcAft>
-                <a:spcPct val="0"/>
-              </a:spcAft>
-            </a:pPr>
-            <a:r>
-              <a:rPr lang="en-US" altLang="zh-CN" sz="1400" dirty="0"/>
-              <a:t>#</a:t>
-            </a:r>
-            <a:r>
-              <a:rPr lang="zh-CN" altLang="en-US" sz="1400" dirty="0"/>
-              <a:t>实例点个数</a:t>
-            </a:r>
-          </a:p>
-          <a:p>
-            <a:pPr lvl="0" eaLnBrk="0" fontAlgn="base" hangingPunct="0">
-              <a:spcBef>
-                <a:spcPct val="0"/>
-              </a:spcBef>
-              <a:spcAft>
-                <a:spcPct val="0"/>
-              </a:spcAft>
-            </a:pPr>
-            <a:r>
-              <a:rPr lang="en-US" altLang="zh-CN" sz="1400" dirty="0">
-                <a:solidFill>
-                  <a:srgbClr val="FF0000"/>
-                </a:solidFill>
-              </a:rPr>
-              <a:t>k = 15</a:t>
-            </a:r>
-          </a:p>
-          <a:p>
-            <a:pPr lvl="0" eaLnBrk="0" fontAlgn="base" hangingPunct="0">
-              <a:spcBef>
-                <a:spcPct val="0"/>
-              </a:spcBef>
-              <a:spcAft>
-                <a:spcPct val="0"/>
-              </a:spcAft>
-            </a:pPr>
-            <a:r>
-              <a:rPr lang="en-US" altLang="zh-CN" sz="1400" dirty="0"/>
-              <a:t># </a:t>
-            </a:r>
-            <a:r>
-              <a:rPr lang="zh-CN" altLang="en-US" sz="1400" dirty="0"/>
-              <a:t>创建一个</a:t>
-            </a:r>
-            <a:r>
-              <a:rPr lang="en-US" altLang="zh-CN" sz="1400" dirty="0"/>
-              <a:t>KNN</a:t>
-            </a:r>
-            <a:r>
-              <a:rPr lang="zh-CN" altLang="en-US" sz="1400" dirty="0"/>
-              <a:t>分类器，需要设置</a:t>
-            </a:r>
-            <a:r>
-              <a:rPr lang="en-US" altLang="zh-CN" sz="1400" dirty="0"/>
-              <a:t>k</a:t>
-            </a:r>
-            <a:r>
-              <a:rPr lang="zh-CN" altLang="en-US" sz="1400" dirty="0"/>
-              <a:t>值和投票方式</a:t>
-            </a:r>
-          </a:p>
-          <a:p>
-            <a:pPr lvl="0" eaLnBrk="0" fontAlgn="base" hangingPunct="0">
-              <a:spcBef>
-                <a:spcPct val="0"/>
-              </a:spcBef>
-              <a:spcAft>
-                <a:spcPct val="0"/>
-              </a:spcAft>
-            </a:pPr>
-            <a:r>
-              <a:rPr lang="en-US" altLang="zh-CN" sz="1400" dirty="0" err="1">
-                <a:solidFill>
-                  <a:srgbClr val="FF0000"/>
-                </a:solidFill>
-              </a:rPr>
-              <a:t>clf</a:t>
-            </a:r>
-            <a:r>
-              <a:rPr lang="en-US" altLang="zh-CN" sz="1400" dirty="0">
-                <a:solidFill>
-                  <a:srgbClr val="FF0000"/>
-                </a:solidFill>
-              </a:rPr>
-              <a:t> = </a:t>
-            </a:r>
-            <a:r>
-              <a:rPr lang="en-US" altLang="zh-CN" sz="1400" dirty="0" err="1">
-                <a:solidFill>
-                  <a:srgbClr val="FF0000"/>
-                </a:solidFill>
-              </a:rPr>
-              <a:t>neighbors.KNeighborsClassifier</a:t>
-            </a:r>
-            <a:r>
-              <a:rPr lang="en-US" altLang="zh-CN" sz="1400" dirty="0">
-                <a:solidFill>
-                  <a:srgbClr val="FF0000"/>
-                </a:solidFill>
-              </a:rPr>
-              <a:t>(</a:t>
-            </a:r>
-            <a:r>
-              <a:rPr lang="en-US" altLang="zh-CN" sz="1400" dirty="0" err="1">
-                <a:solidFill>
-                  <a:srgbClr val="FF0000"/>
-                </a:solidFill>
-              </a:rPr>
-              <a:t>n_neighbors</a:t>
-            </a:r>
-            <a:r>
-              <a:rPr lang="en-US" altLang="zh-CN" sz="1400" dirty="0">
-                <a:solidFill>
-                  <a:srgbClr val="FF0000"/>
-                </a:solidFill>
-              </a:rPr>
-              <a:t>=k, weights='uniform')</a:t>
-            </a:r>
-          </a:p>
-          <a:p>
-            <a:pPr lvl="0" eaLnBrk="0" fontAlgn="base" hangingPunct="0">
-              <a:spcBef>
-                <a:spcPct val="0"/>
-              </a:spcBef>
-              <a:spcAft>
-                <a:spcPct val="0"/>
-              </a:spcAft>
-            </a:pPr>
-            <a:r>
-              <a:rPr lang="en-US" altLang="zh-CN" sz="1400" dirty="0"/>
-              <a:t>#</a:t>
-            </a:r>
-            <a:r>
-              <a:rPr lang="zh-CN" altLang="en-US" sz="1400" dirty="0"/>
-              <a:t>用训练数据拟合分类器</a:t>
-            </a:r>
-          </a:p>
-          <a:p>
-            <a:pPr lvl="0" eaLnBrk="0" fontAlgn="base" hangingPunct="0">
-              <a:spcBef>
-                <a:spcPct val="0"/>
-              </a:spcBef>
-              <a:spcAft>
-                <a:spcPct val="0"/>
-              </a:spcAft>
-            </a:pPr>
-            <a:r>
-              <a:rPr lang="en-US" altLang="zh-CN" sz="1400" dirty="0" err="1">
-                <a:solidFill>
-                  <a:srgbClr val="FF0000"/>
-                </a:solidFill>
-              </a:rPr>
-              <a:t>clf.fit</a:t>
-            </a:r>
-            <a:r>
-              <a:rPr lang="en-US" altLang="zh-CN" sz="1400" dirty="0">
-                <a:solidFill>
-                  <a:srgbClr val="FF0000"/>
-                </a:solidFill>
-              </a:rPr>
-              <a:t>(X, y)</a:t>
-            </a:r>
-          </a:p>
-          <a:p>
-            <a:pPr lvl="0" eaLnBrk="0" fontAlgn="base" hangingPunct="0">
-              <a:spcBef>
-                <a:spcPct val="0"/>
-              </a:spcBef>
-              <a:spcAft>
-                <a:spcPct val="0"/>
-              </a:spcAft>
-            </a:pPr>
-            <a:endParaRPr lang="en-US" altLang="zh-CN" sz="1400" dirty="0"/>
-          </a:p>
-          <a:p>
-            <a:pPr lvl="0" eaLnBrk="0" fontAlgn="base" hangingPunct="0">
-              <a:spcBef>
-                <a:spcPct val="0"/>
-              </a:spcBef>
-              <a:spcAft>
-                <a:spcPct val="0"/>
-              </a:spcAft>
-            </a:pPr>
-            <a:endParaRPr lang="en-US" altLang="zh-CN" sz="1400" dirty="0"/>
-          </a:p>
-          <a:p>
-            <a:pPr lvl="0" eaLnBrk="0" fontAlgn="base" hangingPunct="0">
-              <a:spcBef>
-                <a:spcPct val="0"/>
-              </a:spcBef>
-              <a:spcAft>
-                <a:spcPct val="0"/>
-              </a:spcAft>
-            </a:pPr>
-            <a:r>
-              <a:rPr lang="en-US" altLang="zh-CN" sz="1400" dirty="0"/>
-              <a:t># </a:t>
-            </a:r>
-            <a:r>
-              <a:rPr lang="zh-CN" altLang="en-US" sz="1400" dirty="0"/>
-              <a:t>设置坐标轴的取值范围</a:t>
-            </a:r>
-          </a:p>
-          <a:p>
-            <a:pPr lvl="0" eaLnBrk="0" fontAlgn="base" hangingPunct="0">
-              <a:spcBef>
-                <a:spcPct val="0"/>
-              </a:spcBef>
-              <a:spcAft>
-                <a:spcPct val="0"/>
-              </a:spcAft>
-            </a:pPr>
-            <a:r>
-              <a:rPr lang="en-US" altLang="zh-CN" sz="1400" dirty="0" err="1"/>
-              <a:t>plt.xlim</a:t>
-            </a:r>
-            <a:r>
-              <a:rPr lang="en-US" altLang="zh-CN" sz="1400" dirty="0"/>
-              <a:t>(</a:t>
-            </a:r>
-            <a:r>
-              <a:rPr lang="en-US" altLang="zh-CN" sz="1400" dirty="0" err="1"/>
-              <a:t>xx.min</a:t>
-            </a:r>
-            <a:r>
-              <a:rPr lang="en-US" altLang="zh-CN" sz="1400" dirty="0"/>
-              <a:t>(), </a:t>
-            </a:r>
-            <a:r>
-              <a:rPr lang="en-US" altLang="zh-CN" sz="1400" dirty="0" err="1"/>
-              <a:t>xx.max</a:t>
-            </a:r>
-            <a:r>
-              <a:rPr lang="en-US" altLang="zh-CN" sz="1400" dirty="0"/>
-              <a:t>())</a:t>
-            </a:r>
-          </a:p>
-          <a:p>
-            <a:pPr lvl="0" eaLnBrk="0" fontAlgn="base" hangingPunct="0">
-              <a:spcBef>
-                <a:spcPct val="0"/>
-              </a:spcBef>
-              <a:spcAft>
-                <a:spcPct val="0"/>
-              </a:spcAft>
-            </a:pPr>
-            <a:r>
-              <a:rPr lang="en-US" altLang="zh-CN" sz="1400" dirty="0" err="1"/>
-              <a:t>plt.ylim</a:t>
-            </a:r>
-            <a:r>
-              <a:rPr lang="en-US" altLang="zh-CN" sz="1400" dirty="0"/>
-              <a:t>(</a:t>
-            </a:r>
-            <a:r>
-              <a:rPr lang="en-US" altLang="zh-CN" sz="1400" dirty="0" err="1"/>
-              <a:t>yy.min</a:t>
-            </a:r>
-            <a:r>
-              <a:rPr lang="en-US" altLang="zh-CN" sz="1400" dirty="0"/>
-              <a:t>(), </a:t>
-            </a:r>
-            <a:r>
-              <a:rPr lang="en-US" altLang="zh-CN" sz="1400" dirty="0" err="1"/>
-              <a:t>yy.max</a:t>
-            </a:r>
-            <a:r>
-              <a:rPr lang="en-US" altLang="zh-CN" sz="1400" dirty="0"/>
-              <a:t>())</a:t>
-            </a:r>
-          </a:p>
-          <a:p>
-            <a:pPr lvl="0" eaLnBrk="0" fontAlgn="base" hangingPunct="0">
-              <a:spcBef>
-                <a:spcPct val="0"/>
-              </a:spcBef>
-              <a:spcAft>
-                <a:spcPct val="0"/>
-              </a:spcAft>
-            </a:pPr>
-            <a:endParaRPr lang="en-US" altLang="zh-CN" sz="1400" dirty="0"/>
-          </a:p>
-          <a:p>
-            <a:pPr lvl="0" eaLnBrk="0" fontAlgn="base" hangingPunct="0">
-              <a:spcBef>
-                <a:spcPct val="0"/>
-              </a:spcBef>
-              <a:spcAft>
-                <a:spcPct val="0"/>
-              </a:spcAft>
-            </a:pPr>
-            <a:r>
-              <a:rPr lang="en-US" altLang="zh-CN" sz="1400" dirty="0"/>
-              <a:t># </a:t>
-            </a:r>
-            <a:r>
-              <a:rPr lang="zh-CN" altLang="en-US" sz="1400" dirty="0"/>
-              <a:t>设置坐标轴的标识</a:t>
-            </a:r>
-          </a:p>
-          <a:p>
-            <a:pPr lvl="0" eaLnBrk="0" fontAlgn="base" hangingPunct="0">
-              <a:spcBef>
-                <a:spcPct val="0"/>
-              </a:spcBef>
-              <a:spcAft>
-                <a:spcPct val="0"/>
-              </a:spcAft>
-            </a:pPr>
-            <a:r>
-              <a:rPr lang="en-US" altLang="zh-CN" sz="1400" dirty="0"/>
-              <a:t> </a:t>
-            </a:r>
-            <a:r>
-              <a:rPr lang="en-US" altLang="zh-CN" sz="1400" dirty="0" err="1">
-                <a:solidFill>
-                  <a:srgbClr val="FF0000"/>
-                </a:solidFill>
-              </a:rPr>
-              <a:t>plt.xlabel</a:t>
-            </a:r>
-            <a:r>
-              <a:rPr lang="en-US" altLang="zh-CN" sz="1400" dirty="0">
-                <a:solidFill>
-                  <a:srgbClr val="FF0000"/>
-                </a:solidFill>
-              </a:rPr>
-              <a:t>(</a:t>
-            </a:r>
-            <a:r>
-              <a:rPr lang="en-US" altLang="zh-CN" sz="1400" dirty="0" err="1">
-                <a:solidFill>
-                  <a:srgbClr val="FF0000"/>
-                </a:solidFill>
-              </a:rPr>
-              <a:t>u'Sepal_Length</a:t>
-            </a:r>
-            <a:r>
-              <a:rPr lang="en-US" altLang="zh-CN" sz="1400" dirty="0">
-                <a:solidFill>
-                  <a:srgbClr val="FF0000"/>
-                </a:solidFill>
-              </a:rPr>
-              <a:t>')</a:t>
-            </a:r>
-          </a:p>
-          <a:p>
-            <a:pPr lvl="0" eaLnBrk="0" fontAlgn="base" hangingPunct="0">
-              <a:spcBef>
-                <a:spcPct val="0"/>
-              </a:spcBef>
-              <a:spcAft>
-                <a:spcPct val="0"/>
-              </a:spcAft>
-            </a:pPr>
-            <a:r>
-              <a:rPr lang="en-US" altLang="zh-CN" sz="1400" dirty="0">
-                <a:solidFill>
-                  <a:srgbClr val="FF0000"/>
-                </a:solidFill>
-              </a:rPr>
-              <a:t> </a:t>
-            </a:r>
-            <a:r>
-              <a:rPr lang="en-US" altLang="zh-CN" sz="1400" dirty="0" err="1">
-                <a:solidFill>
-                  <a:srgbClr val="FF0000"/>
-                </a:solidFill>
-              </a:rPr>
-              <a:t>plt.ylabel</a:t>
-            </a:r>
-            <a:r>
-              <a:rPr lang="en-US" altLang="zh-CN" sz="1400" dirty="0">
-                <a:solidFill>
-                  <a:srgbClr val="FF0000"/>
-                </a:solidFill>
-              </a:rPr>
-              <a:t>(</a:t>
-            </a:r>
-            <a:r>
-              <a:rPr lang="en-US" altLang="zh-CN" sz="1400" dirty="0" err="1">
-                <a:solidFill>
-                  <a:srgbClr val="FF0000"/>
-                </a:solidFill>
-              </a:rPr>
-              <a:t>u'Sepal_Width</a:t>
-            </a:r>
-            <a:r>
-              <a:rPr lang="en-US" altLang="zh-CN" sz="1400" dirty="0">
-                <a:solidFill>
-                  <a:srgbClr val="FF0000"/>
-                </a:solidFill>
-              </a:rPr>
-              <a:t>')</a:t>
-            </a:r>
-          </a:p>
-          <a:p>
-            <a:pPr lvl="0" eaLnBrk="0" fontAlgn="base" hangingPunct="0">
-              <a:spcBef>
-                <a:spcPct val="0"/>
-              </a:spcBef>
-              <a:spcAft>
-                <a:spcPct val="0"/>
-              </a:spcAft>
-            </a:pPr>
-            <a:r>
-              <a:rPr lang="en-US" altLang="zh-CN" sz="1400" dirty="0"/>
-              <a:t>#</a:t>
-            </a:r>
-            <a:r>
-              <a:rPr lang="zh-CN" altLang="en-US" sz="1400" dirty="0"/>
-              <a:t>生成图片展示</a:t>
-            </a:r>
-          </a:p>
-          <a:p>
-            <a:pPr lvl="0" eaLnBrk="0" fontAlgn="base" hangingPunct="0">
-              <a:spcBef>
-                <a:spcPct val="0"/>
-              </a:spcBef>
-              <a:spcAft>
-                <a:spcPct val="0"/>
-              </a:spcAft>
-            </a:pPr>
-            <a:r>
-              <a:rPr lang="en-US" altLang="zh-CN" sz="1400" dirty="0" err="1"/>
-              <a:t>plt.show</a:t>
-            </a:r>
-            <a:r>
-              <a:rPr lang="en-US" altLang="zh-CN" sz="1400" dirty="0"/>
-              <a:t>()</a:t>
-            </a:r>
+              <a:t>个，展示了三种花的分布情况，并以此推断其他区域花的分布情况。</a:t>
+            </a:r>
+            <a:endParaRPr lang="en-US" altLang="zh-CN" dirty="0">
+              <a:latin typeface="微软雅黑" panose="020B0503020204020204" pitchFamily="34" charset="-122"/>
+              <a:ea typeface="微软雅黑" panose="020B0503020204020204" pitchFamily="34" charset="-122"/>
+            </a:endParaRPr>
           </a:p>
         </p:txBody>
       </p:sp>
     </p:spTree>
     <p:extLst>
       <p:ext uri="{BB962C8B-B14F-4D97-AF65-F5344CB8AC3E}">
-        <p14:creationId xmlns:p14="http://schemas.microsoft.com/office/powerpoint/2010/main" val="1572631285"/>
+        <p14:creationId xmlns:p14="http://schemas.microsoft.com/office/powerpoint/2010/main" val="2046254639"/>
       </p:ext>
     </p:extLst>
   </p:cSld>
@@ -4938,1857 +4149,6 @@
       </p:grpSpPr>
       <p:sp>
         <p:nvSpPr>
-          <p:cNvPr id="5" name="矩形 4"/>
-          <p:cNvSpPr/>
-          <p:nvPr/>
-        </p:nvSpPr>
-        <p:spPr>
-          <a:xfrm>
-            <a:off x="0" y="1225689"/>
-            <a:ext cx="6012160" cy="4616648"/>
-          </a:xfrm>
-          <a:prstGeom prst="rect">
-            <a:avLst/>
-          </a:prstGeom>
-        </p:spPr>
-        <p:txBody>
-          <a:bodyPr wrap="square">
-            <a:spAutoFit/>
-          </a:bodyPr>
-          <a:lstStyle/>
-          <a:p>
-            <a:pPr lvl="0" eaLnBrk="0" fontAlgn="base" hangingPunct="0">
-              <a:spcBef>
-                <a:spcPct val="0"/>
-              </a:spcBef>
-              <a:spcAft>
-                <a:spcPct val="0"/>
-              </a:spcAft>
-            </a:pPr>
-            <a:r>
-              <a:rPr lang="en-US" altLang="zh-CN" sz="1400" dirty="0"/>
-              <a:t>import </a:t>
-            </a:r>
-            <a:r>
-              <a:rPr lang="en-US" altLang="zh-CN" sz="1400" dirty="0" err="1"/>
-              <a:t>numpy</a:t>
-            </a:r>
-            <a:r>
-              <a:rPr lang="en-US" altLang="zh-CN" sz="1400" dirty="0"/>
-              <a:t> as np</a:t>
-            </a:r>
-          </a:p>
-          <a:p>
-            <a:pPr lvl="0" eaLnBrk="0" fontAlgn="base" hangingPunct="0">
-              <a:spcBef>
-                <a:spcPct val="0"/>
-              </a:spcBef>
-              <a:spcAft>
-                <a:spcPct val="0"/>
-              </a:spcAft>
-            </a:pPr>
-            <a:r>
-              <a:rPr lang="en-US" altLang="zh-CN" sz="1400" dirty="0"/>
-              <a:t>import </a:t>
-            </a:r>
-            <a:r>
-              <a:rPr lang="en-US" altLang="zh-CN" sz="1400" dirty="0" err="1"/>
-              <a:t>matplotlib.pyplot</a:t>
-            </a:r>
-            <a:r>
-              <a:rPr lang="en-US" altLang="zh-CN" sz="1400" dirty="0"/>
-              <a:t> as </a:t>
-            </a:r>
-            <a:r>
-              <a:rPr lang="en-US" altLang="zh-CN" sz="1400" dirty="0" err="1"/>
-              <a:t>plt</a:t>
-            </a:r>
-            <a:endParaRPr lang="en-US" altLang="zh-CN" sz="1400" dirty="0"/>
-          </a:p>
-          <a:p>
-            <a:pPr lvl="0" eaLnBrk="0" fontAlgn="base" hangingPunct="0">
-              <a:spcBef>
-                <a:spcPct val="0"/>
-              </a:spcBef>
-              <a:spcAft>
-                <a:spcPct val="0"/>
-              </a:spcAft>
-            </a:pPr>
-            <a:r>
-              <a:rPr lang="en-US" altLang="zh-CN" sz="1400" dirty="0"/>
-              <a:t>from </a:t>
-            </a:r>
-            <a:r>
-              <a:rPr lang="en-US" altLang="zh-CN" sz="1400" dirty="0" err="1"/>
-              <a:t>sklearn</a:t>
-            </a:r>
-            <a:r>
-              <a:rPr lang="en-US" altLang="zh-CN" sz="1400" dirty="0"/>
-              <a:t> import neighbors, datasets</a:t>
-            </a:r>
-          </a:p>
-          <a:p>
-            <a:pPr lvl="0" eaLnBrk="0" fontAlgn="base" hangingPunct="0">
-              <a:spcBef>
-                <a:spcPct val="0"/>
-              </a:spcBef>
-              <a:spcAft>
-                <a:spcPct val="0"/>
-              </a:spcAft>
-            </a:pPr>
-            <a:r>
-              <a:rPr lang="en-US" altLang="zh-CN" sz="1400" dirty="0"/>
-              <a:t>#</a:t>
-            </a:r>
-            <a:r>
-              <a:rPr lang="zh-CN" altLang="en-US" sz="1400" dirty="0"/>
-              <a:t>颜色库</a:t>
-            </a:r>
-          </a:p>
-          <a:p>
-            <a:pPr lvl="0" eaLnBrk="0" fontAlgn="base" hangingPunct="0">
-              <a:spcBef>
-                <a:spcPct val="0"/>
-              </a:spcBef>
-              <a:spcAft>
-                <a:spcPct val="0"/>
-              </a:spcAft>
-            </a:pPr>
-            <a:r>
-              <a:rPr lang="en-US" altLang="zh-CN" sz="1400" dirty="0">
-                <a:solidFill>
-                  <a:srgbClr val="FF0000"/>
-                </a:solidFill>
-              </a:rPr>
-              <a:t>from </a:t>
-            </a:r>
-            <a:r>
-              <a:rPr lang="en-US" altLang="zh-CN" sz="1400" dirty="0" err="1">
-                <a:solidFill>
-                  <a:srgbClr val="FF0000"/>
-                </a:solidFill>
-              </a:rPr>
-              <a:t>matplotlib.colors</a:t>
-            </a:r>
-            <a:r>
-              <a:rPr lang="en-US" altLang="zh-CN" sz="1400" dirty="0">
-                <a:solidFill>
-                  <a:srgbClr val="FF0000"/>
-                </a:solidFill>
-              </a:rPr>
-              <a:t> import </a:t>
-            </a:r>
-            <a:r>
-              <a:rPr lang="en-US" altLang="zh-CN" sz="1400" dirty="0" err="1">
-                <a:solidFill>
-                  <a:srgbClr val="FF0000"/>
-                </a:solidFill>
-              </a:rPr>
-              <a:t>ListedColormap</a:t>
-            </a:r>
-            <a:endParaRPr lang="en-US" altLang="zh-CN" sz="1400" dirty="0">
-              <a:solidFill>
-                <a:srgbClr val="FF0000"/>
-              </a:solidFill>
-            </a:endParaRPr>
-          </a:p>
-          <a:p>
-            <a:pPr lvl="0" eaLnBrk="0" fontAlgn="base" hangingPunct="0">
-              <a:spcBef>
-                <a:spcPct val="0"/>
-              </a:spcBef>
-              <a:spcAft>
-                <a:spcPct val="0"/>
-              </a:spcAft>
-            </a:pPr>
-            <a:endParaRPr lang="en-US" altLang="zh-CN" sz="1400" dirty="0"/>
-          </a:p>
-          <a:p>
-            <a:pPr lvl="0" eaLnBrk="0" fontAlgn="base" hangingPunct="0">
-              <a:spcBef>
-                <a:spcPct val="0"/>
-              </a:spcBef>
-              <a:spcAft>
-                <a:spcPct val="0"/>
-              </a:spcAft>
-            </a:pPr>
-            <a:r>
-              <a:rPr lang="en-US" altLang="zh-CN" sz="1400" dirty="0"/>
-              <a:t># </a:t>
-            </a:r>
-            <a:r>
-              <a:rPr lang="zh-CN" altLang="en-US" sz="1400" dirty="0"/>
-              <a:t>创建颜色集</a:t>
-            </a:r>
-          </a:p>
-          <a:p>
-            <a:pPr lvl="0" eaLnBrk="0" fontAlgn="base" hangingPunct="0">
-              <a:spcBef>
-                <a:spcPct val="0"/>
-              </a:spcBef>
-              <a:spcAft>
-                <a:spcPct val="0"/>
-              </a:spcAft>
-            </a:pPr>
-            <a:r>
-              <a:rPr lang="en-US" altLang="zh-CN" sz="1400" dirty="0" err="1">
-                <a:solidFill>
-                  <a:srgbClr val="FF0000"/>
-                </a:solidFill>
-              </a:rPr>
-              <a:t>cmap_light</a:t>
-            </a:r>
-            <a:r>
-              <a:rPr lang="en-US" altLang="zh-CN" sz="1400" dirty="0">
-                <a:solidFill>
-                  <a:srgbClr val="FF0000"/>
-                </a:solidFill>
-              </a:rPr>
-              <a:t> = </a:t>
-            </a:r>
-            <a:r>
-              <a:rPr lang="en-US" altLang="zh-CN" sz="1400" dirty="0" err="1">
-                <a:solidFill>
-                  <a:srgbClr val="FF0000"/>
-                </a:solidFill>
-              </a:rPr>
-              <a:t>ListedColormap</a:t>
-            </a:r>
-            <a:r>
-              <a:rPr lang="en-US" altLang="zh-CN" sz="1400" dirty="0">
-                <a:solidFill>
-                  <a:srgbClr val="FF0000"/>
-                </a:solidFill>
-              </a:rPr>
-              <a:t>(['#FFAAAA', '#AAFFAA', '#AAAAFF'])</a:t>
-            </a:r>
-          </a:p>
-          <a:p>
-            <a:pPr lvl="0" eaLnBrk="0" fontAlgn="base" hangingPunct="0">
-              <a:spcBef>
-                <a:spcPct val="0"/>
-              </a:spcBef>
-              <a:spcAft>
-                <a:spcPct val="0"/>
-              </a:spcAft>
-            </a:pPr>
-            <a:r>
-              <a:rPr lang="en-US" altLang="zh-CN" sz="1400" dirty="0" err="1">
-                <a:solidFill>
-                  <a:srgbClr val="FF0000"/>
-                </a:solidFill>
-              </a:rPr>
-              <a:t>cmap_bold</a:t>
-            </a:r>
-            <a:r>
-              <a:rPr lang="en-US" altLang="zh-CN" sz="1400" dirty="0">
-                <a:solidFill>
-                  <a:srgbClr val="FF0000"/>
-                </a:solidFill>
-              </a:rPr>
-              <a:t> = </a:t>
-            </a:r>
-            <a:r>
-              <a:rPr lang="en-US" altLang="zh-CN" sz="1400" dirty="0" err="1">
-                <a:solidFill>
-                  <a:srgbClr val="FF0000"/>
-                </a:solidFill>
-              </a:rPr>
-              <a:t>ListedColormap</a:t>
-            </a:r>
-            <a:r>
-              <a:rPr lang="en-US" altLang="zh-CN" sz="1400" dirty="0">
-                <a:solidFill>
-                  <a:srgbClr val="FF0000"/>
-                </a:solidFill>
-              </a:rPr>
-              <a:t>(['#FF0000', '#00FF00', '#0000FF'])</a:t>
-            </a:r>
-          </a:p>
-          <a:p>
-            <a:pPr lvl="0" eaLnBrk="0" fontAlgn="base" hangingPunct="0">
-              <a:spcBef>
-                <a:spcPct val="0"/>
-              </a:spcBef>
-              <a:spcAft>
-                <a:spcPct val="0"/>
-              </a:spcAft>
-            </a:pPr>
-            <a:endParaRPr lang="en-US" altLang="zh-CN" sz="1400" dirty="0"/>
-          </a:p>
-          <a:p>
-            <a:pPr lvl="0" eaLnBrk="0" fontAlgn="base" hangingPunct="0">
-              <a:spcBef>
-                <a:spcPct val="0"/>
-              </a:spcBef>
-              <a:spcAft>
-                <a:spcPct val="0"/>
-              </a:spcAft>
-            </a:pPr>
-            <a:r>
-              <a:rPr lang="en-US" altLang="zh-CN" sz="1400" dirty="0"/>
-              <a:t># </a:t>
-            </a:r>
-            <a:r>
-              <a:rPr lang="zh-CN" altLang="en-US" sz="1400" dirty="0"/>
-              <a:t>导入鸢尾花数据</a:t>
-            </a:r>
-          </a:p>
-          <a:p>
-            <a:pPr lvl="0" eaLnBrk="0" fontAlgn="base" hangingPunct="0">
-              <a:spcBef>
-                <a:spcPct val="0"/>
-              </a:spcBef>
-              <a:spcAft>
-                <a:spcPct val="0"/>
-              </a:spcAft>
-            </a:pPr>
-            <a:r>
-              <a:rPr lang="en-US" altLang="zh-CN" sz="1400" dirty="0"/>
-              <a:t>iris = </a:t>
-            </a:r>
-            <a:r>
-              <a:rPr lang="en-US" altLang="zh-CN" sz="1400" dirty="0" err="1"/>
-              <a:t>datasets.load_iris</a:t>
-            </a:r>
-            <a:r>
-              <a:rPr lang="en-US" altLang="zh-CN" sz="1400" dirty="0"/>
-              <a:t>()</a:t>
-            </a:r>
-          </a:p>
-          <a:p>
-            <a:pPr lvl="0" eaLnBrk="0" fontAlgn="base" hangingPunct="0">
-              <a:spcBef>
-                <a:spcPct val="0"/>
-              </a:spcBef>
-              <a:spcAft>
-                <a:spcPct val="0"/>
-              </a:spcAft>
-            </a:pPr>
-            <a:r>
-              <a:rPr lang="en-US" altLang="zh-CN" sz="1400" dirty="0"/>
-              <a:t>X = </a:t>
-            </a:r>
-            <a:r>
-              <a:rPr lang="en-US" altLang="zh-CN" sz="1400" dirty="0" err="1"/>
-              <a:t>iris.data</a:t>
-            </a:r>
-            <a:r>
-              <a:rPr lang="en-US" altLang="zh-CN" sz="1400" dirty="0"/>
-              <a:t>[:, :2]</a:t>
-            </a:r>
-          </a:p>
-          <a:p>
-            <a:pPr lvl="0" eaLnBrk="0" fontAlgn="base" hangingPunct="0">
-              <a:spcBef>
-                <a:spcPct val="0"/>
-              </a:spcBef>
-              <a:spcAft>
-                <a:spcPct val="0"/>
-              </a:spcAft>
-            </a:pPr>
-            <a:r>
-              <a:rPr lang="en-US" altLang="zh-CN" sz="1400" dirty="0"/>
-              <a:t>y = </a:t>
-            </a:r>
-            <a:r>
-              <a:rPr lang="en-US" altLang="zh-CN" sz="1400" dirty="0" err="1"/>
-              <a:t>iris.target</a:t>
-            </a:r>
-            <a:endParaRPr lang="en-US" altLang="zh-CN" sz="1400" dirty="0"/>
-          </a:p>
-          <a:p>
-            <a:pPr lvl="0" eaLnBrk="0" fontAlgn="base" hangingPunct="0">
-              <a:spcBef>
-                <a:spcPct val="0"/>
-              </a:spcBef>
-              <a:spcAft>
-                <a:spcPct val="0"/>
-              </a:spcAft>
-            </a:pPr>
-            <a:endParaRPr lang="en-US" altLang="zh-CN" sz="1400" dirty="0"/>
-          </a:p>
-          <a:p>
-            <a:pPr lvl="0" eaLnBrk="0" fontAlgn="base" hangingPunct="0">
-              <a:spcBef>
-                <a:spcPct val="0"/>
-              </a:spcBef>
-              <a:spcAft>
-                <a:spcPct val="0"/>
-              </a:spcAft>
-            </a:pPr>
-            <a:r>
-              <a:rPr lang="en-US" altLang="zh-CN" sz="1400" dirty="0"/>
-              <a:t># </a:t>
-            </a:r>
-            <a:r>
-              <a:rPr lang="zh-CN" altLang="en-US" sz="1400" dirty="0"/>
-              <a:t>提取数据并处理，构建坐标矩阵</a:t>
-            </a:r>
-            <a:endParaRPr lang="en-US" altLang="zh-CN" sz="1400" dirty="0"/>
-          </a:p>
-          <a:p>
-            <a:pPr eaLnBrk="0" fontAlgn="base" hangingPunct="0">
-              <a:spcBef>
-                <a:spcPct val="0"/>
-              </a:spcBef>
-              <a:spcAft>
-                <a:spcPct val="0"/>
-              </a:spcAft>
-            </a:pPr>
-            <a:r>
-              <a:rPr lang="en-US" altLang="zh-CN" sz="1400" dirty="0"/>
-              <a:t>#</a:t>
-            </a:r>
-            <a:r>
-              <a:rPr lang="zh-CN" altLang="en-US" sz="1400" dirty="0"/>
-              <a:t>注意，</a:t>
-            </a:r>
-            <a:r>
-              <a:rPr lang="en-US" altLang="zh-CN" sz="1400" dirty="0" err="1"/>
-              <a:t>y_min</a:t>
-            </a:r>
-            <a:r>
-              <a:rPr lang="zh-CN" altLang="en-US" sz="1400" dirty="0"/>
-              <a:t>和</a:t>
-            </a:r>
-            <a:r>
-              <a:rPr lang="en-US" altLang="zh-CN" sz="1400" dirty="0" err="1"/>
-              <a:t>y_max</a:t>
-            </a:r>
-            <a:r>
-              <a:rPr lang="zh-CN" altLang="en-US" sz="1400" dirty="0"/>
-              <a:t>代表的是花萼的宽度，不是鸢尾花的种类</a:t>
-            </a:r>
-            <a:endParaRPr lang="zh-CN" altLang="en-US" sz="1400" b="1" dirty="0"/>
-          </a:p>
-          <a:p>
-            <a:pPr lvl="0" eaLnBrk="0" fontAlgn="base" hangingPunct="0">
-              <a:spcBef>
-                <a:spcPct val="0"/>
-              </a:spcBef>
-              <a:spcAft>
-                <a:spcPct val="0"/>
-              </a:spcAft>
-            </a:pPr>
-            <a:r>
-              <a:rPr lang="en-US" altLang="zh-CN" sz="1400" dirty="0" err="1"/>
-              <a:t>x_min</a:t>
-            </a:r>
-            <a:r>
-              <a:rPr lang="en-US" altLang="zh-CN" sz="1400" dirty="0"/>
-              <a:t>, </a:t>
-            </a:r>
-            <a:r>
-              <a:rPr lang="en-US" altLang="zh-CN" sz="1400" dirty="0" err="1"/>
-              <a:t>x_max</a:t>
-            </a:r>
-            <a:r>
-              <a:rPr lang="en-US" altLang="zh-CN" sz="1400" dirty="0"/>
-              <a:t> = X[:, 0].min() - 1, X[:, 0].max() + 1</a:t>
-            </a:r>
-          </a:p>
-          <a:p>
-            <a:pPr lvl="0" eaLnBrk="0" fontAlgn="base" hangingPunct="0">
-              <a:spcBef>
-                <a:spcPct val="0"/>
-              </a:spcBef>
-              <a:spcAft>
-                <a:spcPct val="0"/>
-              </a:spcAft>
-            </a:pPr>
-            <a:r>
-              <a:rPr lang="en-US" altLang="zh-CN" sz="1400" dirty="0" err="1"/>
-              <a:t>y_min</a:t>
-            </a:r>
-            <a:r>
-              <a:rPr lang="en-US" altLang="zh-CN" sz="1400" dirty="0"/>
-              <a:t>, </a:t>
-            </a:r>
-            <a:r>
-              <a:rPr lang="en-US" altLang="zh-CN" sz="1400" dirty="0" err="1"/>
-              <a:t>y_max</a:t>
-            </a:r>
-            <a:r>
-              <a:rPr lang="en-US" altLang="zh-CN" sz="1400" dirty="0"/>
-              <a:t> = X[:, 1].min() - 1, X[:, 1].max() + 1</a:t>
-            </a:r>
-          </a:p>
-          <a:p>
-            <a:pPr lvl="0" eaLnBrk="0" fontAlgn="base" hangingPunct="0">
-              <a:spcBef>
-                <a:spcPct val="0"/>
-              </a:spcBef>
-              <a:spcAft>
-                <a:spcPct val="0"/>
-              </a:spcAft>
-            </a:pPr>
-            <a:r>
-              <a:rPr lang="en-US" altLang="zh-CN" sz="1400" dirty="0"/>
-              <a:t>h = .02</a:t>
-            </a:r>
-          </a:p>
-          <a:p>
-            <a:pPr lvl="0" eaLnBrk="0" fontAlgn="base" hangingPunct="0">
-              <a:spcBef>
-                <a:spcPct val="0"/>
-              </a:spcBef>
-              <a:spcAft>
-                <a:spcPct val="0"/>
-              </a:spcAft>
-            </a:pPr>
-            <a:r>
-              <a:rPr lang="en-US" altLang="zh-CN" sz="1400" dirty="0"/>
-              <a:t>xx, </a:t>
-            </a:r>
-            <a:r>
-              <a:rPr lang="en-US" altLang="zh-CN" sz="1400" dirty="0" err="1"/>
-              <a:t>yy</a:t>
-            </a:r>
-            <a:r>
-              <a:rPr lang="en-US" altLang="zh-CN" sz="1400" dirty="0"/>
-              <a:t> = </a:t>
-            </a:r>
-            <a:r>
-              <a:rPr lang="en-US" altLang="zh-CN" sz="1400" dirty="0" err="1"/>
-              <a:t>np.meshgrid</a:t>
-            </a:r>
-            <a:r>
-              <a:rPr lang="en-US" altLang="zh-CN" sz="1400" dirty="0"/>
-              <a:t>(</a:t>
-            </a:r>
-            <a:r>
-              <a:rPr lang="en-US" altLang="zh-CN" sz="1400" dirty="0" err="1"/>
-              <a:t>np.arange</a:t>
-            </a:r>
-            <a:r>
-              <a:rPr lang="en-US" altLang="zh-CN" sz="1400" dirty="0"/>
-              <a:t>(</a:t>
-            </a:r>
-            <a:r>
-              <a:rPr lang="en-US" altLang="zh-CN" sz="1400" dirty="0" err="1"/>
-              <a:t>x_min</a:t>
-            </a:r>
-            <a:r>
-              <a:rPr lang="en-US" altLang="zh-CN" sz="1400" dirty="0"/>
-              <a:t>, </a:t>
-            </a:r>
-            <a:r>
-              <a:rPr lang="en-US" altLang="zh-CN" sz="1400" dirty="0" err="1"/>
-              <a:t>x_max</a:t>
-            </a:r>
-            <a:r>
-              <a:rPr lang="en-US" altLang="zh-CN" sz="1400" dirty="0"/>
-              <a:t>, h), </a:t>
-            </a:r>
-            <a:r>
-              <a:rPr lang="en-US" altLang="zh-CN" sz="1400" dirty="0" err="1"/>
-              <a:t>np.arange</a:t>
-            </a:r>
-            <a:r>
-              <a:rPr lang="en-US" altLang="zh-CN" sz="1400" dirty="0"/>
-              <a:t>(</a:t>
-            </a:r>
-            <a:r>
-              <a:rPr lang="en-US" altLang="zh-CN" sz="1400" dirty="0" err="1"/>
-              <a:t>y_min</a:t>
-            </a:r>
-            <a:r>
-              <a:rPr lang="en-US" altLang="zh-CN" sz="1400" dirty="0"/>
-              <a:t>, </a:t>
-            </a:r>
-            <a:r>
-              <a:rPr lang="en-US" altLang="zh-CN" sz="1400" dirty="0" err="1"/>
-              <a:t>y_max</a:t>
-            </a:r>
-            <a:r>
-              <a:rPr lang="en-US" altLang="zh-CN" sz="1400" dirty="0"/>
-              <a:t>, h))</a:t>
-            </a:r>
-            <a:endParaRPr lang="zh-CN" altLang="zh-CN" sz="1400" dirty="0"/>
-          </a:p>
-        </p:txBody>
-      </p:sp>
-      <p:sp>
-        <p:nvSpPr>
-          <p:cNvPr id="10" name="标题 1">
-            <a:extLst>
-              <a:ext uri="{FF2B5EF4-FFF2-40B4-BE49-F238E27FC236}">
-                <a16:creationId xmlns:a16="http://schemas.microsoft.com/office/drawing/2014/main" id="{D0959456-4D3B-42F2-BBA9-F04CE8B0C7C4}"/>
-              </a:ext>
-            </a:extLst>
-          </p:cNvPr>
-          <p:cNvSpPr>
-            <a:spLocks noGrp="1"/>
-          </p:cNvSpPr>
-          <p:nvPr>
-            <p:ph type="title"/>
-          </p:nvPr>
-        </p:nvSpPr>
-        <p:spPr>
-          <a:xfrm>
-            <a:off x="323528" y="97152"/>
-            <a:ext cx="8229600" cy="1143000"/>
-          </a:xfrm>
-        </p:spPr>
-        <p:txBody>
-          <a:bodyPr/>
-          <a:lstStyle/>
-          <a:p>
-            <a:r>
-              <a:rPr lang="en-US" altLang="zh-CN" dirty="0">
-                <a:latin typeface="微软雅黑" panose="020B0503020204020204" pitchFamily="34" charset="-122"/>
-                <a:ea typeface="微软雅黑" panose="020B0503020204020204" pitchFamily="34" charset="-122"/>
-              </a:rPr>
-              <a:t>3.</a:t>
-            </a:r>
-            <a:r>
-              <a:rPr lang="zh-CN" altLang="en-US" dirty="0">
-                <a:latin typeface="微软雅黑" panose="020B0503020204020204" pitchFamily="34" charset="-122"/>
-                <a:ea typeface="微软雅黑" panose="020B0503020204020204" pitchFamily="34" charset="-122"/>
-              </a:rPr>
-              <a:t> 导入数据，创建数据模型</a:t>
-            </a:r>
-          </a:p>
-        </p:txBody>
-      </p:sp>
-    </p:spTree>
-    <p:extLst>
-      <p:ext uri="{BB962C8B-B14F-4D97-AF65-F5344CB8AC3E}">
-        <p14:creationId xmlns:p14="http://schemas.microsoft.com/office/powerpoint/2010/main" val="3906399888"/>
-      </p:ext>
-    </p:extLst>
-  </p:cSld>
-  <p:clrMapOvr>
-    <a:masterClrMapping/>
-  </p:clrMapOvr>
-</p:sld>
-</file>
-
-<file path=ppt/slides/slide13.xml><?xml version="1.0" encoding="utf-8"?>
-<p:sld xmlns:a="http://schemas.openxmlformats.org/drawingml/2006/main" xmlns:r="http://schemas.openxmlformats.org/officeDocument/2006/relationships" xmlns:p="http://schemas.openxmlformats.org/presentationml/2006/main">
-  <p:cSld>
-    <p:spTree>
-      <p:nvGrpSpPr>
-        <p:cNvPr id="1" name=""/>
-        <p:cNvGrpSpPr/>
-        <p:nvPr/>
-      </p:nvGrpSpPr>
-      <p:grpSpPr>
-        <a:xfrm>
-          <a:off x="0" y="0"/>
-          <a:ext cx="0" cy="0"/>
-          <a:chOff x="0" y="0"/>
-          <a:chExt cx="0" cy="0"/>
-        </a:xfrm>
-      </p:grpSpPr>
-      <p:sp>
-        <p:nvSpPr>
-          <p:cNvPr id="5" name="矩形 4"/>
-          <p:cNvSpPr/>
-          <p:nvPr/>
-        </p:nvSpPr>
-        <p:spPr>
-          <a:xfrm>
-            <a:off x="395536" y="998"/>
-            <a:ext cx="7056784" cy="6986528"/>
-          </a:xfrm>
-          <a:prstGeom prst="rect">
-            <a:avLst/>
-          </a:prstGeom>
-        </p:spPr>
-        <p:txBody>
-          <a:bodyPr wrap="square">
-            <a:spAutoFit/>
-          </a:bodyPr>
-          <a:lstStyle/>
-          <a:p>
-            <a:pPr lvl="0" eaLnBrk="0" fontAlgn="base" hangingPunct="0">
-              <a:spcBef>
-                <a:spcPct val="0"/>
-              </a:spcBef>
-              <a:spcAft>
-                <a:spcPct val="0"/>
-              </a:spcAft>
-            </a:pPr>
-            <a:r>
-              <a:rPr lang="en-US" altLang="zh-CN" sz="1400" dirty="0"/>
-              <a:t>#weights </a:t>
-            </a:r>
-            <a:r>
-              <a:rPr lang="zh-CN" altLang="en-US" sz="1400" dirty="0"/>
-              <a:t>平均权重，</a:t>
-            </a:r>
-            <a:r>
-              <a:rPr lang="en-US" altLang="zh-CN" sz="1400" dirty="0"/>
-              <a:t>uniform</a:t>
-            </a:r>
-            <a:r>
-              <a:rPr lang="zh-CN" altLang="en-US" sz="1400" dirty="0"/>
-              <a:t>一般平均，  </a:t>
-            </a:r>
-            <a:r>
-              <a:rPr lang="en-US" altLang="zh-CN" sz="1400" dirty="0"/>
-              <a:t>distance</a:t>
-            </a:r>
-            <a:r>
-              <a:rPr lang="zh-CN" altLang="en-US" sz="1400" dirty="0"/>
-              <a:t>与距离成反比</a:t>
-            </a:r>
-          </a:p>
-          <a:p>
-            <a:pPr lvl="0" eaLnBrk="0" fontAlgn="base" hangingPunct="0">
-              <a:spcBef>
-                <a:spcPct val="0"/>
-              </a:spcBef>
-              <a:spcAft>
-                <a:spcPct val="0"/>
-              </a:spcAft>
-            </a:pPr>
-            <a:r>
-              <a:rPr lang="en-US" altLang="zh-CN" sz="1400" dirty="0">
-                <a:solidFill>
-                  <a:srgbClr val="FF0000"/>
-                </a:solidFill>
-              </a:rPr>
-              <a:t>for weights in ['uniform', 'distance']:</a:t>
-            </a:r>
-          </a:p>
-          <a:p>
-            <a:pPr lvl="0" eaLnBrk="0" fontAlgn="base" hangingPunct="0">
-              <a:spcBef>
-                <a:spcPct val="0"/>
-              </a:spcBef>
-              <a:spcAft>
-                <a:spcPct val="0"/>
-              </a:spcAft>
-            </a:pPr>
-            <a:r>
-              <a:rPr lang="en-US" altLang="zh-CN" sz="1400" dirty="0"/>
-              <a:t>    # </a:t>
-            </a:r>
-            <a:r>
-              <a:rPr lang="zh-CN" altLang="en-US" sz="1400" dirty="0"/>
-              <a:t>创建一个</a:t>
-            </a:r>
-            <a:r>
-              <a:rPr lang="en-US" altLang="zh-CN" sz="1400" dirty="0"/>
-              <a:t>KNN</a:t>
-            </a:r>
-            <a:r>
-              <a:rPr lang="zh-CN" altLang="en-US" sz="1400" dirty="0"/>
-              <a:t>分类器，并进行训练</a:t>
-            </a:r>
-          </a:p>
-          <a:p>
-            <a:pPr lvl="0" eaLnBrk="0" fontAlgn="base" hangingPunct="0">
-              <a:spcBef>
-                <a:spcPct val="0"/>
-              </a:spcBef>
-              <a:spcAft>
-                <a:spcPct val="0"/>
-              </a:spcAft>
-            </a:pPr>
-            <a:r>
-              <a:rPr lang="zh-CN" altLang="en-US" sz="1400" dirty="0"/>
-              <a:t>    </a:t>
-            </a:r>
-            <a:r>
-              <a:rPr lang="en-US" altLang="zh-CN" sz="1400" dirty="0"/>
-              <a:t>k = 15</a:t>
-            </a:r>
-          </a:p>
-          <a:p>
-            <a:pPr lvl="0" eaLnBrk="0" fontAlgn="base" hangingPunct="0">
-              <a:spcBef>
-                <a:spcPct val="0"/>
-              </a:spcBef>
-              <a:spcAft>
-                <a:spcPct val="0"/>
-              </a:spcAft>
-            </a:pPr>
-            <a:r>
-              <a:rPr lang="en-US" altLang="zh-CN" sz="1400" dirty="0"/>
-              <a:t>    </a:t>
-            </a:r>
-            <a:r>
-              <a:rPr lang="en-US" altLang="zh-CN" sz="1400" dirty="0" err="1"/>
-              <a:t>clf</a:t>
-            </a:r>
-            <a:r>
-              <a:rPr lang="en-US" altLang="zh-CN" sz="1400" dirty="0"/>
-              <a:t> = </a:t>
-            </a:r>
-            <a:r>
-              <a:rPr lang="en-US" altLang="zh-CN" sz="1400" dirty="0" err="1"/>
-              <a:t>neighbors.KNeighborsClassifier</a:t>
-            </a:r>
-            <a:r>
-              <a:rPr lang="en-US" altLang="zh-CN" sz="1400" dirty="0"/>
-              <a:t>(</a:t>
-            </a:r>
-            <a:r>
-              <a:rPr lang="en-US" altLang="zh-CN" sz="1400" dirty="0" err="1"/>
-              <a:t>n_neighbors</a:t>
-            </a:r>
-            <a:r>
-              <a:rPr lang="en-US" altLang="zh-CN" sz="1400" dirty="0"/>
-              <a:t>=k, weights=weights)</a:t>
-            </a:r>
-          </a:p>
-          <a:p>
-            <a:pPr lvl="0" eaLnBrk="0" fontAlgn="base" hangingPunct="0">
-              <a:spcBef>
-                <a:spcPct val="0"/>
-              </a:spcBef>
-              <a:spcAft>
-                <a:spcPct val="0"/>
-              </a:spcAft>
-            </a:pPr>
-            <a:r>
-              <a:rPr lang="en-US" altLang="zh-CN" sz="1400" dirty="0"/>
-              <a:t>    </a:t>
-            </a:r>
-            <a:r>
-              <a:rPr lang="en-US" altLang="zh-CN" sz="1400" dirty="0" err="1"/>
-              <a:t>clf.fit</a:t>
-            </a:r>
-            <a:r>
-              <a:rPr lang="en-US" altLang="zh-CN" sz="1400" dirty="0"/>
-              <a:t>(X, y)</a:t>
-            </a:r>
-          </a:p>
-          <a:p>
-            <a:pPr lvl="0" eaLnBrk="0" fontAlgn="base" hangingPunct="0">
-              <a:spcBef>
-                <a:spcPct val="0"/>
-              </a:spcBef>
-              <a:spcAft>
-                <a:spcPct val="0"/>
-              </a:spcAft>
-            </a:pPr>
-            <a:r>
-              <a:rPr lang="en-US" altLang="zh-CN" sz="1400" dirty="0"/>
-              <a:t>    </a:t>
-            </a:r>
-          </a:p>
-          <a:p>
-            <a:pPr lvl="0" eaLnBrk="0" fontAlgn="base" hangingPunct="0">
-              <a:spcBef>
-                <a:spcPct val="0"/>
-              </a:spcBef>
-              <a:spcAft>
-                <a:spcPct val="0"/>
-              </a:spcAft>
-            </a:pPr>
-            <a:r>
-              <a:rPr lang="en-US" altLang="zh-CN" sz="1400" dirty="0"/>
-              <a:t>    # ravel</a:t>
-            </a:r>
-            <a:r>
-              <a:rPr lang="zh-CN" altLang="en-US" sz="1400" dirty="0"/>
-              <a:t>函数将多维数组降为一维，返回</a:t>
-            </a:r>
-            <a:r>
-              <a:rPr lang="en-US" altLang="zh-CN" sz="1400" dirty="0"/>
-              <a:t>array</a:t>
-            </a:r>
-            <a:r>
-              <a:rPr lang="zh-CN" altLang="en-US" sz="1400" dirty="0"/>
-              <a:t>数组，元素以列排列</a:t>
-            </a:r>
-            <a:endParaRPr lang="en-US" altLang="zh-CN" sz="1400" dirty="0"/>
-          </a:p>
-          <a:p>
-            <a:pPr lvl="0" eaLnBrk="0" fontAlgn="base" hangingPunct="0">
-              <a:spcBef>
-                <a:spcPct val="0"/>
-              </a:spcBef>
-              <a:spcAft>
-                <a:spcPct val="0"/>
-              </a:spcAft>
-            </a:pPr>
-            <a:r>
-              <a:rPr lang="en-US" altLang="zh-CN" sz="1400" dirty="0"/>
-              <a:t>    #</a:t>
-            </a:r>
-            <a:r>
-              <a:rPr lang="en-US" altLang="zh-CN" sz="1400" dirty="0" err="1"/>
-              <a:t>np.c</a:t>
-            </a:r>
-            <a:r>
-              <a:rPr lang="en-US" altLang="zh-CN" sz="1400" dirty="0"/>
-              <a:t>_[]</a:t>
-            </a:r>
-            <a:r>
-              <a:rPr lang="zh-CN" altLang="en-US" sz="1400" dirty="0"/>
-              <a:t>将</a:t>
-            </a:r>
-            <a:r>
-              <a:rPr lang="en-US" altLang="zh-CN" sz="1400" dirty="0" err="1"/>
-              <a:t>xx.ravel</a:t>
-            </a:r>
-            <a:r>
-              <a:rPr lang="en-US" altLang="zh-CN" sz="1400" dirty="0"/>
-              <a:t>()</a:t>
-            </a:r>
-            <a:r>
-              <a:rPr lang="zh-CN" altLang="en-US" sz="1400" dirty="0"/>
-              <a:t>得到的列与</a:t>
-            </a:r>
-            <a:r>
-              <a:rPr lang="en-US" altLang="zh-CN" sz="1400" dirty="0" err="1"/>
-              <a:t>yy.ravel</a:t>
-            </a:r>
-            <a:r>
-              <a:rPr lang="en-US" altLang="zh-CN" sz="1400" dirty="0"/>
-              <a:t>()</a:t>
-            </a:r>
-            <a:r>
-              <a:rPr lang="zh-CN" altLang="en-US" sz="1400" dirty="0"/>
-              <a:t>得到的列进行拼接</a:t>
-            </a:r>
-            <a:endParaRPr lang="en-US" altLang="zh-CN" sz="1400" dirty="0"/>
-          </a:p>
-          <a:p>
-            <a:pPr lvl="0" eaLnBrk="0" fontAlgn="base" hangingPunct="0">
-              <a:spcBef>
-                <a:spcPct val="0"/>
-              </a:spcBef>
-              <a:spcAft>
-                <a:spcPct val="0"/>
-              </a:spcAft>
-            </a:pPr>
-            <a:r>
-              <a:rPr lang="en-US" altLang="zh-CN" sz="1400" dirty="0"/>
-              <a:t>    #</a:t>
-            </a:r>
-            <a:r>
-              <a:rPr lang="en-US" altLang="zh-CN" sz="1400" dirty="0" err="1"/>
-              <a:t>clf.predict</a:t>
-            </a:r>
-            <a:r>
-              <a:rPr lang="en-US" altLang="zh-CN" sz="1400" dirty="0"/>
-              <a:t>()</a:t>
-            </a:r>
-            <a:r>
-              <a:rPr lang="zh-CN" altLang="en-US" sz="1400" dirty="0"/>
-              <a:t>用训练好的</a:t>
-            </a:r>
-            <a:r>
-              <a:rPr lang="en-US" altLang="zh-CN" sz="1400" dirty="0"/>
-              <a:t>KNN</a:t>
-            </a:r>
-            <a:r>
-              <a:rPr lang="zh-CN" altLang="en-US" sz="1400" dirty="0"/>
-              <a:t>分类器去预测结果</a:t>
-            </a:r>
-            <a:endParaRPr lang="en-US" altLang="zh-CN" sz="1400" dirty="0"/>
-          </a:p>
-          <a:p>
-            <a:pPr lvl="0" eaLnBrk="0" fontAlgn="base" hangingPunct="0">
-              <a:spcBef>
-                <a:spcPct val="0"/>
-              </a:spcBef>
-              <a:spcAft>
-                <a:spcPct val="0"/>
-              </a:spcAft>
-            </a:pPr>
-            <a:r>
-              <a:rPr lang="en-US" altLang="zh-CN" sz="1400" dirty="0"/>
-              <a:t>    </a:t>
-            </a:r>
-            <a:r>
-              <a:rPr lang="en-US" altLang="zh-CN" sz="1400" dirty="0">
-                <a:solidFill>
-                  <a:srgbClr val="FF0000"/>
-                </a:solidFill>
-              </a:rPr>
-              <a:t>Z = </a:t>
-            </a:r>
-            <a:r>
-              <a:rPr lang="en-US" altLang="zh-CN" sz="1400" dirty="0" err="1">
-                <a:solidFill>
-                  <a:srgbClr val="FF0000"/>
-                </a:solidFill>
-              </a:rPr>
-              <a:t>clf.predict</a:t>
-            </a:r>
-            <a:r>
-              <a:rPr lang="en-US" altLang="zh-CN" sz="1400" dirty="0">
-                <a:solidFill>
-                  <a:srgbClr val="FF0000"/>
-                </a:solidFill>
-              </a:rPr>
-              <a:t>(</a:t>
-            </a:r>
-            <a:r>
-              <a:rPr lang="en-US" altLang="zh-CN" sz="1400" dirty="0" err="1">
-                <a:solidFill>
-                  <a:srgbClr val="FF0000"/>
-                </a:solidFill>
-              </a:rPr>
-              <a:t>np.c</a:t>
-            </a:r>
-            <a:r>
-              <a:rPr lang="en-US" altLang="zh-CN" sz="1400" dirty="0">
-                <a:solidFill>
-                  <a:srgbClr val="FF0000"/>
-                </a:solidFill>
-              </a:rPr>
-              <a:t>_[</a:t>
-            </a:r>
-            <a:r>
-              <a:rPr lang="en-US" altLang="zh-CN" sz="1400" dirty="0" err="1">
-                <a:solidFill>
-                  <a:srgbClr val="FF0000"/>
-                </a:solidFill>
-              </a:rPr>
-              <a:t>xx.ravel</a:t>
-            </a:r>
-            <a:r>
-              <a:rPr lang="en-US" altLang="zh-CN" sz="1400" dirty="0">
-                <a:solidFill>
-                  <a:srgbClr val="FF0000"/>
-                </a:solidFill>
-              </a:rPr>
-              <a:t>(), </a:t>
-            </a:r>
-            <a:r>
-              <a:rPr lang="en-US" altLang="zh-CN" sz="1400" dirty="0" err="1">
-                <a:solidFill>
-                  <a:srgbClr val="FF0000"/>
-                </a:solidFill>
-              </a:rPr>
-              <a:t>yy.ravel</a:t>
-            </a:r>
-            <a:r>
-              <a:rPr lang="en-US" altLang="zh-CN" sz="1400" dirty="0">
-                <a:solidFill>
-                  <a:srgbClr val="FF0000"/>
-                </a:solidFill>
-              </a:rPr>
-              <a:t>()])</a:t>
-            </a:r>
-          </a:p>
-          <a:p>
-            <a:pPr lvl="0" eaLnBrk="0" fontAlgn="base" hangingPunct="0">
-              <a:spcBef>
-                <a:spcPct val="0"/>
-              </a:spcBef>
-              <a:spcAft>
-                <a:spcPct val="0"/>
-              </a:spcAft>
-            </a:pPr>
-            <a:r>
-              <a:rPr lang="zh-CN" altLang="en-US" sz="1400" dirty="0"/>
-              <a:t>    </a:t>
-            </a:r>
-            <a:r>
-              <a:rPr lang="en-US" altLang="zh-CN" sz="1400" dirty="0"/>
-              <a:t># shape</a:t>
-            </a:r>
-            <a:r>
-              <a:rPr lang="zh-CN" altLang="en-US" sz="1400" dirty="0"/>
-              <a:t>函数返回一个整型数字的元组，包含</a:t>
-            </a:r>
-            <a:r>
-              <a:rPr lang="en-US" altLang="zh-CN" sz="1400" dirty="0"/>
-              <a:t>xx</a:t>
-            </a:r>
-            <a:r>
-              <a:rPr lang="zh-CN" altLang="en-US" sz="1400" dirty="0"/>
-              <a:t>的行和列的数量</a:t>
-            </a:r>
-            <a:endParaRPr lang="en-US" altLang="zh-CN" sz="1400" dirty="0"/>
-          </a:p>
-          <a:p>
-            <a:pPr eaLnBrk="0" fontAlgn="base" hangingPunct="0">
-              <a:spcBef>
-                <a:spcPct val="0"/>
-              </a:spcBef>
-              <a:spcAft>
-                <a:spcPct val="0"/>
-              </a:spcAft>
-            </a:pPr>
-            <a:r>
-              <a:rPr lang="en-US" altLang="zh-CN" sz="1400" dirty="0"/>
-              <a:t>    #</a:t>
-            </a:r>
-            <a:r>
-              <a:rPr lang="zh-CN" altLang="en-US" sz="1400" dirty="0"/>
-              <a:t>这里需要</a:t>
-            </a:r>
-            <a:r>
-              <a:rPr lang="en-US" altLang="zh-CN" sz="1400" dirty="0"/>
-              <a:t>shape</a:t>
-            </a:r>
-            <a:r>
-              <a:rPr lang="zh-CN" altLang="en-US" sz="1400" dirty="0"/>
-              <a:t>函数为</a:t>
-            </a:r>
-            <a:r>
-              <a:rPr lang="en-US" altLang="zh-CN" sz="1400" dirty="0"/>
-              <a:t>reshape()</a:t>
-            </a:r>
-            <a:r>
-              <a:rPr lang="zh-CN" altLang="en-US" sz="1400" dirty="0"/>
-              <a:t>传递矩阵的行和列的数量</a:t>
-            </a:r>
-          </a:p>
-          <a:p>
-            <a:pPr lvl="0" eaLnBrk="0" fontAlgn="base" hangingPunct="0">
-              <a:spcBef>
-                <a:spcPct val="0"/>
-              </a:spcBef>
-              <a:spcAft>
-                <a:spcPct val="0"/>
-              </a:spcAft>
-            </a:pPr>
-            <a:r>
-              <a:rPr lang="zh-CN" altLang="en-US" sz="1400" dirty="0"/>
-              <a:t>    </a:t>
-            </a:r>
-            <a:r>
-              <a:rPr lang="en-US" altLang="zh-CN" sz="1400" dirty="0"/>
-              <a:t>#reshape()</a:t>
-            </a:r>
-            <a:r>
-              <a:rPr lang="zh-CN" altLang="en-US" sz="1400" dirty="0"/>
-              <a:t>函数将</a:t>
-            </a:r>
-            <a:r>
-              <a:rPr lang="en-US" altLang="zh-CN" sz="1400" dirty="0"/>
-              <a:t>Z</a:t>
-            </a:r>
-            <a:r>
-              <a:rPr lang="zh-CN" altLang="en-US" sz="1400" dirty="0"/>
-              <a:t>的测试结果转换为两个特征数据，长度和宽度</a:t>
-            </a:r>
-            <a:endParaRPr lang="en-US" altLang="zh-CN" sz="1400" dirty="0"/>
-          </a:p>
-          <a:p>
-            <a:pPr lvl="0" eaLnBrk="0" fontAlgn="base" hangingPunct="0">
-              <a:spcBef>
-                <a:spcPct val="0"/>
-              </a:spcBef>
-              <a:spcAft>
-                <a:spcPct val="0"/>
-              </a:spcAft>
-            </a:pPr>
-            <a:r>
-              <a:rPr lang="en-US" altLang="zh-CN" sz="1400" dirty="0">
-                <a:solidFill>
-                  <a:srgbClr val="FF0000"/>
-                </a:solidFill>
-              </a:rPr>
-              <a:t>    Z = </a:t>
-            </a:r>
-            <a:r>
-              <a:rPr lang="en-US" altLang="zh-CN" sz="1400" dirty="0" err="1">
-                <a:solidFill>
-                  <a:srgbClr val="FF0000"/>
-                </a:solidFill>
-              </a:rPr>
-              <a:t>Z.reshape</a:t>
-            </a:r>
-            <a:r>
-              <a:rPr lang="en-US" altLang="zh-CN" sz="1400" dirty="0">
-                <a:solidFill>
-                  <a:srgbClr val="FF0000"/>
-                </a:solidFill>
-              </a:rPr>
-              <a:t>(</a:t>
-            </a:r>
-            <a:r>
-              <a:rPr lang="en-US" altLang="zh-CN" sz="1400" dirty="0" err="1">
-                <a:solidFill>
-                  <a:srgbClr val="FF0000"/>
-                </a:solidFill>
-              </a:rPr>
-              <a:t>xx.shape</a:t>
-            </a:r>
-            <a:r>
-              <a:rPr lang="en-US" altLang="zh-CN" sz="1400" dirty="0">
-                <a:solidFill>
-                  <a:srgbClr val="FF0000"/>
-                </a:solidFill>
-              </a:rPr>
-              <a:t>)</a:t>
-            </a:r>
-          </a:p>
-          <a:p>
-            <a:pPr lvl="0" eaLnBrk="0" fontAlgn="base" hangingPunct="0">
-              <a:spcBef>
-                <a:spcPct val="0"/>
-              </a:spcBef>
-              <a:spcAft>
-                <a:spcPct val="0"/>
-              </a:spcAft>
-            </a:pPr>
-            <a:r>
-              <a:rPr lang="en-US" altLang="zh-CN" sz="1400" dirty="0"/>
-              <a:t>    # </a:t>
-            </a:r>
-            <a:r>
-              <a:rPr lang="zh-CN" altLang="en-US" sz="1400" dirty="0"/>
-              <a:t>声明画板</a:t>
-            </a:r>
-          </a:p>
-          <a:p>
-            <a:pPr lvl="0" eaLnBrk="0" fontAlgn="base" hangingPunct="0">
-              <a:spcBef>
-                <a:spcPct val="0"/>
-              </a:spcBef>
-              <a:spcAft>
-                <a:spcPct val="0"/>
-              </a:spcAft>
-            </a:pPr>
-            <a:r>
-              <a:rPr lang="zh-CN" altLang="en-US" sz="1400" dirty="0"/>
-              <a:t>    </a:t>
-            </a:r>
-            <a:r>
-              <a:rPr lang="en-US" altLang="zh-CN" sz="1400" dirty="0" err="1">
-                <a:solidFill>
-                  <a:srgbClr val="FF0000"/>
-                </a:solidFill>
-              </a:rPr>
-              <a:t>plt.figure</a:t>
-            </a:r>
-            <a:r>
-              <a:rPr lang="en-US" altLang="zh-CN" sz="1400" dirty="0">
-                <a:solidFill>
-                  <a:srgbClr val="FF0000"/>
-                </a:solidFill>
-              </a:rPr>
-              <a:t>()</a:t>
-            </a:r>
-          </a:p>
-          <a:p>
-            <a:pPr lvl="0" eaLnBrk="0" fontAlgn="base" hangingPunct="0">
-              <a:spcBef>
-                <a:spcPct val="0"/>
-              </a:spcBef>
-              <a:spcAft>
-                <a:spcPct val="0"/>
-              </a:spcAft>
-            </a:pPr>
-            <a:r>
-              <a:rPr lang="en-US" altLang="zh-CN" sz="1400" dirty="0"/>
-              <a:t>    #</a:t>
-            </a:r>
-            <a:r>
-              <a:rPr lang="en-US" altLang="zh-CN" sz="1400" dirty="0" err="1"/>
-              <a:t>pcolormesh</a:t>
-            </a:r>
-            <a:r>
-              <a:rPr lang="zh-CN" altLang="en-US" sz="1400" dirty="0"/>
-              <a:t>函数将</a:t>
-            </a:r>
-            <a:r>
-              <a:rPr lang="en-US" altLang="zh-CN" sz="1400" dirty="0" err="1"/>
-              <a:t>xx,yy</a:t>
-            </a:r>
-            <a:r>
-              <a:rPr lang="zh-CN" altLang="en-US" sz="1400" dirty="0"/>
-              <a:t>两个网格矩阵和对应的预测结果</a:t>
-            </a:r>
-            <a:r>
-              <a:rPr lang="en-US" altLang="zh-CN" sz="1400" dirty="0"/>
-              <a:t>Z</a:t>
-            </a:r>
-            <a:r>
-              <a:rPr lang="zh-CN" altLang="en-US" sz="1400" dirty="0"/>
-              <a:t>绘制在图像上</a:t>
-            </a:r>
-            <a:endParaRPr lang="en-US" altLang="zh-CN" sz="1400" dirty="0"/>
-          </a:p>
-          <a:p>
-            <a:pPr lvl="0" eaLnBrk="0" fontAlgn="base" hangingPunct="0">
-              <a:spcBef>
-                <a:spcPct val="0"/>
-              </a:spcBef>
-              <a:spcAft>
-                <a:spcPct val="0"/>
-              </a:spcAft>
-            </a:pPr>
-            <a:r>
-              <a:rPr lang="en-US" altLang="zh-CN" sz="1400" dirty="0"/>
-              <a:t>    </a:t>
-            </a:r>
-            <a:r>
-              <a:rPr lang="en-US" altLang="zh-CN" sz="1400" dirty="0" err="1">
-                <a:solidFill>
-                  <a:srgbClr val="FF0000"/>
-                </a:solidFill>
-              </a:rPr>
-              <a:t>plt.pcolormesh</a:t>
-            </a:r>
-            <a:r>
-              <a:rPr lang="en-US" altLang="zh-CN" sz="1400" dirty="0">
-                <a:solidFill>
-                  <a:srgbClr val="FF0000"/>
-                </a:solidFill>
-              </a:rPr>
-              <a:t>(xx, </a:t>
-            </a:r>
-            <a:r>
-              <a:rPr lang="en-US" altLang="zh-CN" sz="1400" dirty="0" err="1">
-                <a:solidFill>
-                  <a:srgbClr val="FF0000"/>
-                </a:solidFill>
-              </a:rPr>
-              <a:t>yy</a:t>
-            </a:r>
-            <a:r>
-              <a:rPr lang="en-US" altLang="zh-CN" sz="1400" dirty="0">
-                <a:solidFill>
-                  <a:srgbClr val="FF0000"/>
-                </a:solidFill>
-              </a:rPr>
-              <a:t>, Z, </a:t>
-            </a:r>
-            <a:r>
-              <a:rPr lang="en-US" altLang="zh-CN" sz="1400" dirty="0" err="1">
-                <a:solidFill>
-                  <a:srgbClr val="FF0000"/>
-                </a:solidFill>
-              </a:rPr>
-              <a:t>cmap</a:t>
-            </a:r>
-            <a:r>
-              <a:rPr lang="en-US" altLang="zh-CN" sz="1400" dirty="0">
-                <a:solidFill>
-                  <a:srgbClr val="FF0000"/>
-                </a:solidFill>
-              </a:rPr>
-              <a:t>=</a:t>
-            </a:r>
-            <a:r>
-              <a:rPr lang="en-US" altLang="zh-CN" sz="1400" dirty="0" err="1">
-                <a:solidFill>
-                  <a:srgbClr val="FF0000"/>
-                </a:solidFill>
-              </a:rPr>
-              <a:t>cmap_light</a:t>
-            </a:r>
-            <a:r>
-              <a:rPr lang="en-US" altLang="zh-CN" sz="1400" dirty="0">
-                <a:solidFill>
-                  <a:srgbClr val="FF0000"/>
-                </a:solidFill>
-              </a:rPr>
-              <a:t>)</a:t>
-            </a:r>
-          </a:p>
-          <a:p>
-            <a:pPr lvl="0" eaLnBrk="0" fontAlgn="base" hangingPunct="0">
-              <a:spcBef>
-                <a:spcPct val="0"/>
-              </a:spcBef>
-              <a:spcAft>
-                <a:spcPct val="0"/>
-              </a:spcAft>
-            </a:pPr>
-            <a:r>
-              <a:rPr lang="en-US" altLang="zh-CN" sz="1400" dirty="0"/>
-              <a:t>    # </a:t>
-            </a:r>
-            <a:r>
-              <a:rPr lang="zh-CN" altLang="en-US" sz="1400" dirty="0"/>
-              <a:t>画出训练点</a:t>
-            </a:r>
-          </a:p>
-          <a:p>
-            <a:pPr lvl="0" eaLnBrk="0" fontAlgn="base" hangingPunct="0">
-              <a:spcBef>
-                <a:spcPct val="0"/>
-              </a:spcBef>
-              <a:spcAft>
-                <a:spcPct val="0"/>
-              </a:spcAft>
-            </a:pPr>
-            <a:r>
-              <a:rPr lang="zh-CN" altLang="en-US" sz="1400" dirty="0">
-                <a:solidFill>
-                  <a:srgbClr val="FF0000"/>
-                </a:solidFill>
-              </a:rPr>
-              <a:t>    </a:t>
-            </a:r>
-            <a:r>
-              <a:rPr lang="en-US" altLang="zh-CN" sz="1400" dirty="0" err="1">
-                <a:solidFill>
-                  <a:srgbClr val="FF0000"/>
-                </a:solidFill>
-              </a:rPr>
-              <a:t>plt.scatter</a:t>
-            </a:r>
-            <a:r>
-              <a:rPr lang="en-US" altLang="zh-CN" sz="1400" dirty="0">
-                <a:solidFill>
-                  <a:srgbClr val="FF0000"/>
-                </a:solidFill>
-              </a:rPr>
-              <a:t>(X[:, 0], X[:, 1], c=y, marker='o', </a:t>
-            </a:r>
-            <a:r>
-              <a:rPr lang="en-US" altLang="zh-CN" sz="1400" dirty="0" err="1">
-                <a:solidFill>
-                  <a:srgbClr val="FF0000"/>
-                </a:solidFill>
-              </a:rPr>
-              <a:t>cmap</a:t>
-            </a:r>
-            <a:r>
-              <a:rPr lang="en-US" altLang="zh-CN" sz="1400" dirty="0">
-                <a:solidFill>
-                  <a:srgbClr val="FF0000"/>
-                </a:solidFill>
-              </a:rPr>
-              <a:t>=</a:t>
-            </a:r>
-            <a:r>
-              <a:rPr lang="en-US" altLang="zh-CN" sz="1400" dirty="0" err="1">
-                <a:solidFill>
-                  <a:srgbClr val="FF0000"/>
-                </a:solidFill>
-              </a:rPr>
-              <a:t>cmap_bold</a:t>
-            </a:r>
-            <a:r>
-              <a:rPr lang="en-US" altLang="zh-CN" sz="1400" dirty="0">
-                <a:solidFill>
-                  <a:srgbClr val="FF0000"/>
-                </a:solidFill>
-              </a:rPr>
-              <a:t>, </a:t>
-            </a:r>
-            <a:r>
-              <a:rPr lang="en-US" altLang="zh-CN" sz="1400" dirty="0" err="1">
-                <a:solidFill>
-                  <a:srgbClr val="FF0000"/>
-                </a:solidFill>
-              </a:rPr>
-              <a:t>edgecolor</a:t>
-            </a:r>
-            <a:r>
-              <a:rPr lang="en-US" altLang="zh-CN" sz="1400" dirty="0">
-                <a:solidFill>
-                  <a:srgbClr val="FF0000"/>
-                </a:solidFill>
-              </a:rPr>
-              <a:t>='k', s=40)</a:t>
-            </a:r>
-          </a:p>
-          <a:p>
-            <a:pPr lvl="0" eaLnBrk="0" fontAlgn="base" hangingPunct="0">
-              <a:spcBef>
-                <a:spcPct val="0"/>
-              </a:spcBef>
-              <a:spcAft>
-                <a:spcPct val="0"/>
-              </a:spcAft>
-            </a:pPr>
-            <a:endParaRPr lang="en-US" altLang="zh-CN" sz="1400" dirty="0"/>
-          </a:p>
-          <a:p>
-            <a:pPr lvl="0" eaLnBrk="0" fontAlgn="base" hangingPunct="0">
-              <a:spcBef>
-                <a:spcPct val="0"/>
-              </a:spcBef>
-              <a:spcAft>
-                <a:spcPct val="0"/>
-              </a:spcAft>
-            </a:pPr>
-            <a:r>
-              <a:rPr lang="en-US" altLang="zh-CN" sz="1400" dirty="0"/>
-              <a:t>    # </a:t>
-            </a:r>
-            <a:r>
-              <a:rPr lang="zh-CN" altLang="en-US" sz="1400" dirty="0"/>
-              <a:t>设置坐标轴的取值范围</a:t>
-            </a:r>
-          </a:p>
-          <a:p>
-            <a:pPr lvl="0" eaLnBrk="0" fontAlgn="base" hangingPunct="0">
-              <a:spcBef>
-                <a:spcPct val="0"/>
-              </a:spcBef>
-              <a:spcAft>
-                <a:spcPct val="0"/>
-              </a:spcAft>
-            </a:pPr>
-            <a:r>
-              <a:rPr lang="zh-CN" altLang="en-US" sz="1400" dirty="0"/>
-              <a:t>    </a:t>
-            </a:r>
-            <a:r>
-              <a:rPr lang="en-US" altLang="zh-CN" sz="1400" dirty="0" err="1"/>
-              <a:t>plt.xlim</a:t>
-            </a:r>
-            <a:r>
-              <a:rPr lang="en-US" altLang="zh-CN" sz="1400" dirty="0"/>
-              <a:t>(</a:t>
-            </a:r>
-            <a:r>
-              <a:rPr lang="en-US" altLang="zh-CN" sz="1400" dirty="0" err="1"/>
-              <a:t>xx.min</a:t>
-            </a:r>
-            <a:r>
-              <a:rPr lang="en-US" altLang="zh-CN" sz="1400" dirty="0"/>
-              <a:t>(), </a:t>
-            </a:r>
-            <a:r>
-              <a:rPr lang="en-US" altLang="zh-CN" sz="1400" dirty="0" err="1"/>
-              <a:t>xx.max</a:t>
-            </a:r>
-            <a:r>
-              <a:rPr lang="en-US" altLang="zh-CN" sz="1400" dirty="0"/>
-              <a:t>())</a:t>
-            </a:r>
-          </a:p>
-          <a:p>
-            <a:pPr lvl="0" eaLnBrk="0" fontAlgn="base" hangingPunct="0">
-              <a:spcBef>
-                <a:spcPct val="0"/>
-              </a:spcBef>
-              <a:spcAft>
-                <a:spcPct val="0"/>
-              </a:spcAft>
-            </a:pPr>
-            <a:r>
-              <a:rPr lang="en-US" altLang="zh-CN" sz="1400" dirty="0"/>
-              <a:t>    </a:t>
-            </a:r>
-            <a:r>
-              <a:rPr lang="en-US" altLang="zh-CN" sz="1400" dirty="0" err="1"/>
-              <a:t>plt.ylim</a:t>
-            </a:r>
-            <a:r>
-              <a:rPr lang="en-US" altLang="zh-CN" sz="1400" dirty="0"/>
-              <a:t>(</a:t>
-            </a:r>
-            <a:r>
-              <a:rPr lang="en-US" altLang="zh-CN" sz="1400" dirty="0" err="1"/>
-              <a:t>yy.min</a:t>
-            </a:r>
-            <a:r>
-              <a:rPr lang="en-US" altLang="zh-CN" sz="1400" dirty="0"/>
-              <a:t>(), </a:t>
-            </a:r>
-            <a:r>
-              <a:rPr lang="en-US" altLang="zh-CN" sz="1400" dirty="0" err="1"/>
-              <a:t>yy.max</a:t>
-            </a:r>
-            <a:r>
-              <a:rPr lang="en-US" altLang="zh-CN" sz="1400" dirty="0"/>
-              <a:t>())</a:t>
-            </a:r>
-          </a:p>
-          <a:p>
-            <a:pPr lvl="0" eaLnBrk="0" fontAlgn="base" hangingPunct="0">
-              <a:spcBef>
-                <a:spcPct val="0"/>
-              </a:spcBef>
-              <a:spcAft>
-                <a:spcPct val="0"/>
-              </a:spcAft>
-            </a:pPr>
-            <a:endParaRPr lang="en-US" altLang="zh-CN" sz="1400" dirty="0"/>
-          </a:p>
-          <a:p>
-            <a:pPr lvl="0" eaLnBrk="0" fontAlgn="base" hangingPunct="0">
-              <a:spcBef>
-                <a:spcPct val="0"/>
-              </a:spcBef>
-              <a:spcAft>
-                <a:spcPct val="0"/>
-              </a:spcAft>
-            </a:pPr>
-            <a:r>
-              <a:rPr lang="en-US" altLang="zh-CN" sz="1400" dirty="0"/>
-              <a:t>    # </a:t>
-            </a:r>
-            <a:r>
-              <a:rPr lang="zh-CN" altLang="en-US" sz="1400" dirty="0"/>
-              <a:t>设置坐标轴的标识</a:t>
-            </a:r>
-          </a:p>
-          <a:p>
-            <a:pPr lvl="0" eaLnBrk="0" fontAlgn="base" hangingPunct="0">
-              <a:spcBef>
-                <a:spcPct val="0"/>
-              </a:spcBef>
-              <a:spcAft>
-                <a:spcPct val="0"/>
-              </a:spcAft>
-            </a:pPr>
-            <a:r>
-              <a:rPr lang="en-US" altLang="zh-CN" sz="1400" dirty="0"/>
-              <a:t>    </a:t>
-            </a:r>
-            <a:r>
-              <a:rPr lang="en-US" altLang="zh-CN" sz="1400" dirty="0" err="1"/>
-              <a:t>plt.xlabel</a:t>
-            </a:r>
-            <a:r>
-              <a:rPr lang="en-US" altLang="zh-CN" sz="1400" dirty="0"/>
-              <a:t>(</a:t>
-            </a:r>
-            <a:r>
-              <a:rPr lang="en-US" altLang="zh-CN" sz="1400" dirty="0" err="1"/>
-              <a:t>u'Sepal_Length</a:t>
-            </a:r>
-            <a:r>
-              <a:rPr lang="en-US" altLang="zh-CN" sz="1400" dirty="0"/>
-              <a:t>')</a:t>
-            </a:r>
-          </a:p>
-          <a:p>
-            <a:pPr lvl="0" eaLnBrk="0" fontAlgn="base" hangingPunct="0">
-              <a:spcBef>
-                <a:spcPct val="0"/>
-              </a:spcBef>
-              <a:spcAft>
-                <a:spcPct val="0"/>
-              </a:spcAft>
-            </a:pPr>
-            <a:r>
-              <a:rPr lang="en-US" altLang="zh-CN" sz="1400" dirty="0"/>
-              <a:t>    </a:t>
-            </a:r>
-            <a:r>
-              <a:rPr lang="en-US" altLang="zh-CN" sz="1400" dirty="0" err="1"/>
-              <a:t>plt.ylabel</a:t>
-            </a:r>
-            <a:r>
-              <a:rPr lang="en-US" altLang="zh-CN" sz="1400" dirty="0"/>
-              <a:t>(</a:t>
-            </a:r>
-            <a:r>
-              <a:rPr lang="en-US" altLang="zh-CN" sz="1400" dirty="0" err="1"/>
-              <a:t>u'Sepal_Width</a:t>
-            </a:r>
-            <a:r>
-              <a:rPr lang="en-US" altLang="zh-CN" sz="1400" dirty="0"/>
-              <a:t>')</a:t>
-            </a:r>
-          </a:p>
-          <a:p>
-            <a:pPr lvl="0" eaLnBrk="0" fontAlgn="base" hangingPunct="0">
-              <a:spcBef>
-                <a:spcPct val="0"/>
-              </a:spcBef>
-              <a:spcAft>
-                <a:spcPct val="0"/>
-              </a:spcAft>
-            </a:pPr>
-            <a:r>
-              <a:rPr lang="en-US" altLang="zh-CN" sz="1400" dirty="0"/>
-              <a:t>    #</a:t>
-            </a:r>
-            <a:r>
-              <a:rPr lang="zh-CN" altLang="en-US" sz="1400" dirty="0"/>
-              <a:t>生成图片展示</a:t>
-            </a:r>
-          </a:p>
-          <a:p>
-            <a:pPr lvl="0" eaLnBrk="0" fontAlgn="base" hangingPunct="0">
-              <a:spcBef>
-                <a:spcPct val="0"/>
-              </a:spcBef>
-              <a:spcAft>
-                <a:spcPct val="0"/>
-              </a:spcAft>
-            </a:pPr>
-            <a:r>
-              <a:rPr lang="zh-CN" altLang="en-US" sz="1400" dirty="0"/>
-              <a:t>    </a:t>
-            </a:r>
-            <a:r>
-              <a:rPr lang="en-US" altLang="zh-CN" sz="1400" dirty="0" err="1"/>
-              <a:t>plt.show</a:t>
-            </a:r>
-            <a:r>
-              <a:rPr lang="en-US" altLang="zh-CN" sz="1400" dirty="0"/>
-              <a:t>()</a:t>
-            </a:r>
-          </a:p>
-        </p:txBody>
-      </p:sp>
-    </p:spTree>
-    <p:extLst>
-      <p:ext uri="{BB962C8B-B14F-4D97-AF65-F5344CB8AC3E}">
-        <p14:creationId xmlns:p14="http://schemas.microsoft.com/office/powerpoint/2010/main" val="193484630"/>
-      </p:ext>
-    </p:extLst>
-  </p:cSld>
-  <p:clrMapOvr>
-    <a:masterClrMapping/>
-  </p:clrMapOvr>
-</p:sld>
-</file>
-
-<file path=ppt/slides/slide14.xml><?xml version="1.0" encoding="utf-8"?>
-<p:sld xmlns:a="http://schemas.openxmlformats.org/drawingml/2006/main" xmlns:r="http://schemas.openxmlformats.org/officeDocument/2006/relationships" xmlns:p="http://schemas.openxmlformats.org/presentationml/2006/main">
-  <p:cSld>
-    <p:spTree>
-      <p:nvGrpSpPr>
-        <p:cNvPr id="1" name=""/>
-        <p:cNvGrpSpPr/>
-        <p:nvPr/>
-      </p:nvGrpSpPr>
-      <p:grpSpPr>
-        <a:xfrm>
-          <a:off x="0" y="0"/>
-          <a:ext cx="0" cy="0"/>
-          <a:chOff x="0" y="0"/>
-          <a:chExt cx="0" cy="0"/>
-        </a:xfrm>
-      </p:grpSpPr>
-      <p:pic>
-        <p:nvPicPr>
-          <p:cNvPr id="5" name="图片 4"/>
-          <p:cNvPicPr>
-            <a:picLocks noChangeAspect="1"/>
-          </p:cNvPicPr>
-          <p:nvPr/>
-        </p:nvPicPr>
-        <p:blipFill>
-          <a:blip r:embed="rId2"/>
-          <a:stretch>
-            <a:fillRect/>
-          </a:stretch>
-        </p:blipFill>
-        <p:spPr>
-          <a:xfrm>
-            <a:off x="4813913" y="1916832"/>
-            <a:ext cx="3990394" cy="3193689"/>
-          </a:xfrm>
-          <a:prstGeom prst="rect">
-            <a:avLst/>
-          </a:prstGeom>
-        </p:spPr>
-      </p:pic>
-      <p:pic>
-        <p:nvPicPr>
-          <p:cNvPr id="6" name="图片 5"/>
-          <p:cNvPicPr>
-            <a:picLocks noChangeAspect="1"/>
-          </p:cNvPicPr>
-          <p:nvPr/>
-        </p:nvPicPr>
-        <p:blipFill>
-          <a:blip r:embed="rId3"/>
-          <a:stretch>
-            <a:fillRect/>
-          </a:stretch>
-        </p:blipFill>
-        <p:spPr>
-          <a:xfrm>
-            <a:off x="457243" y="1916832"/>
-            <a:ext cx="4050366" cy="3193689"/>
-          </a:xfrm>
-          <a:prstGeom prst="rect">
-            <a:avLst/>
-          </a:prstGeom>
-        </p:spPr>
-      </p:pic>
-      <p:sp>
-        <p:nvSpPr>
-          <p:cNvPr id="9" name="标题 1">
-            <a:extLst>
-              <a:ext uri="{FF2B5EF4-FFF2-40B4-BE49-F238E27FC236}">
-                <a16:creationId xmlns:a16="http://schemas.microsoft.com/office/drawing/2014/main" id="{D0959456-4D3B-42F2-BBA9-F04CE8B0C7C4}"/>
-              </a:ext>
-            </a:extLst>
-          </p:cNvPr>
-          <p:cNvSpPr txBox="1">
-            <a:spLocks/>
-          </p:cNvSpPr>
-          <p:nvPr/>
-        </p:nvSpPr>
-        <p:spPr>
-          <a:xfrm>
-            <a:off x="440992" y="260648"/>
-            <a:ext cx="8229600" cy="1143000"/>
-          </a:xfrm>
-          <a:prstGeom prst="rect">
-            <a:avLst/>
-          </a:prstGeom>
-        </p:spPr>
-        <p:txBody>
-          <a:bodyPr vert="horz" lIns="91440" tIns="45720" rIns="91440" bIns="45720" rtlCol="0" anchor="ctr">
-            <a:normAutofit/>
-          </a:bodyPr>
-          <a:lstStyle>
-            <a:lvl1pPr algn="ctr" defTabSz="914400" rtl="0" eaLnBrk="1" latinLnBrk="0" hangingPunct="1">
-              <a:spcBef>
-                <a:spcPct val="0"/>
-              </a:spcBef>
-              <a:buNone/>
-              <a:defRPr sz="4400" kern="1200">
-                <a:solidFill>
-                  <a:schemeClr val="tx1"/>
-                </a:solidFill>
-                <a:latin typeface="+mj-lt"/>
-                <a:ea typeface="+mj-ea"/>
-                <a:cs typeface="+mj-cs"/>
-              </a:defRPr>
-            </a:lvl1pPr>
-          </a:lstStyle>
-          <a:p>
-            <a:r>
-              <a:rPr lang="en-US" altLang="zh-CN" dirty="0">
-                <a:latin typeface="微软雅黑" panose="020B0503020204020204" pitchFamily="34" charset="-122"/>
-                <a:ea typeface="微软雅黑" panose="020B0503020204020204" pitchFamily="34" charset="-122"/>
-              </a:rPr>
-              <a:t>KNN</a:t>
-            </a:r>
-            <a:r>
-              <a:rPr lang="zh-CN" altLang="en-US" dirty="0">
-                <a:latin typeface="微软雅黑" panose="020B0503020204020204" pitchFamily="34" charset="-122"/>
-                <a:ea typeface="微软雅黑" panose="020B0503020204020204" pitchFamily="34" charset="-122"/>
-              </a:rPr>
-              <a:t>分类算法运行结果</a:t>
-            </a:r>
-          </a:p>
-        </p:txBody>
-      </p:sp>
-    </p:spTree>
-    <p:extLst>
-      <p:ext uri="{BB962C8B-B14F-4D97-AF65-F5344CB8AC3E}">
-        <p14:creationId xmlns:p14="http://schemas.microsoft.com/office/powerpoint/2010/main" val="2046254639"/>
-      </p:ext>
-    </p:extLst>
-  </p:cSld>
-  <p:clrMapOvr>
-    <a:masterClrMapping/>
-  </p:clrMapOvr>
-</p:sld>
-</file>
-
-<file path=ppt/slides/slide15.xml><?xml version="1.0" encoding="utf-8"?>
-<p:sld xmlns:a="http://schemas.openxmlformats.org/drawingml/2006/main" xmlns:r="http://schemas.openxmlformats.org/officeDocument/2006/relationships" xmlns:p="http://schemas.openxmlformats.org/presentationml/2006/main">
-  <p:cSld>
-    <p:spTree>
-      <p:nvGrpSpPr>
-        <p:cNvPr id="1" name=""/>
-        <p:cNvGrpSpPr/>
-        <p:nvPr/>
-      </p:nvGrpSpPr>
-      <p:grpSpPr>
-        <a:xfrm>
-          <a:off x="0" y="0"/>
-          <a:ext cx="0" cy="0"/>
-          <a:chOff x="0" y="0"/>
-          <a:chExt cx="0" cy="0"/>
-        </a:xfrm>
-      </p:grpSpPr>
-      <p:sp>
-        <p:nvSpPr>
           <p:cNvPr id="2" name="标题 1">
             <a:extLst>
               <a:ext uri="{FF2B5EF4-FFF2-40B4-BE49-F238E27FC236}">
@@ -7117,390 +4477,6 @@
       </p:sp>
       <p:sp>
         <p:nvSpPr>
-          <p:cNvPr id="4" name="矩形 3"/>
-          <p:cNvSpPr/>
-          <p:nvPr/>
-        </p:nvSpPr>
-        <p:spPr>
-          <a:xfrm>
-            <a:off x="472302" y="4870072"/>
-            <a:ext cx="2516823" cy="1713290"/>
-          </a:xfrm>
-          <a:prstGeom prst="rect">
-            <a:avLst/>
-          </a:prstGeom>
-        </p:spPr>
-        <p:txBody>
-          <a:bodyPr wrap="square">
-            <a:spAutoFit/>
-          </a:bodyPr>
-          <a:lstStyle/>
-          <a:p>
-            <a:pPr>
-              <a:spcAft>
-                <a:spcPts val="0"/>
-              </a:spcAft>
-            </a:pPr>
-            <a:r>
-              <a:rPr lang="zh-CN" altLang="zh-CN" b="1" dirty="0">
-                <a:solidFill>
-                  <a:srgbClr val="000000"/>
-                </a:solidFill>
-                <a:latin typeface="微软雅黑" panose="020B0503020204020204" pitchFamily="34" charset="-122"/>
-                <a:ea typeface="微软雅黑" panose="020B0503020204020204" pitchFamily="34" charset="-122"/>
-                <a:cs typeface="宋体" panose="02010600030101010101" pitchFamily="2" charset="-122"/>
-              </a:rPr>
-              <a:t>优点：</a:t>
-            </a:r>
-            <a:endParaRPr lang="zh-CN" altLang="zh-CN" sz="2400" dirty="0">
-              <a:latin typeface="微软雅黑" panose="020B0503020204020204" pitchFamily="34" charset="-122"/>
-              <a:ea typeface="微软雅黑" panose="020B0503020204020204" pitchFamily="34" charset="-122"/>
-              <a:cs typeface="宋体" panose="02010600030101010101" pitchFamily="2" charset="-122"/>
-            </a:endParaRPr>
-          </a:p>
-          <a:p>
-            <a:pPr>
-              <a:spcBef>
-                <a:spcPts val="750"/>
-              </a:spcBef>
-              <a:spcAft>
-                <a:spcPts val="750"/>
-              </a:spcAft>
-            </a:pPr>
-            <a:r>
-              <a:rPr lang="en-US" altLang="zh-CN" dirty="0">
-                <a:solidFill>
-                  <a:srgbClr val="000000"/>
-                </a:solidFill>
-                <a:latin typeface="微软雅黑" panose="020B0503020204020204" pitchFamily="34" charset="-122"/>
-                <a:ea typeface="微软雅黑" panose="020B0503020204020204" pitchFamily="34" charset="-122"/>
-                <a:cs typeface="宋体" panose="02010600030101010101" pitchFamily="2" charset="-122"/>
-              </a:rPr>
-              <a:t>1</a:t>
-            </a:r>
-            <a:r>
-              <a:rPr lang="zh-CN" altLang="zh-CN" dirty="0">
-                <a:solidFill>
-                  <a:srgbClr val="000000"/>
-                </a:solidFill>
-                <a:latin typeface="微软雅黑" panose="020B0503020204020204" pitchFamily="34" charset="-122"/>
-                <a:ea typeface="微软雅黑" panose="020B0503020204020204" pitchFamily="34" charset="-122"/>
-                <a:cs typeface="宋体" panose="02010600030101010101" pitchFamily="2" charset="-122"/>
-              </a:rPr>
-              <a:t>、 算法快速、简单</a:t>
-            </a:r>
-            <a:endParaRPr lang="zh-CN" altLang="zh-CN" sz="2400" dirty="0">
-              <a:latin typeface="微软雅黑" panose="020B0503020204020204" pitchFamily="34" charset="-122"/>
-              <a:ea typeface="微软雅黑" panose="020B0503020204020204" pitchFamily="34" charset="-122"/>
-              <a:cs typeface="宋体" panose="02010600030101010101" pitchFamily="2" charset="-122"/>
-            </a:endParaRPr>
-          </a:p>
-          <a:p>
-            <a:pPr>
-              <a:spcBef>
-                <a:spcPts val="750"/>
-              </a:spcBef>
-              <a:spcAft>
-                <a:spcPts val="750"/>
-              </a:spcAft>
-            </a:pPr>
-            <a:r>
-              <a:rPr lang="en-US" altLang="zh-CN" dirty="0">
-                <a:solidFill>
-                  <a:srgbClr val="000000"/>
-                </a:solidFill>
-                <a:latin typeface="微软雅黑" panose="020B0503020204020204" pitchFamily="34" charset="-122"/>
-                <a:ea typeface="微软雅黑" panose="020B0503020204020204" pitchFamily="34" charset="-122"/>
-                <a:cs typeface="宋体" panose="02010600030101010101" pitchFamily="2" charset="-122"/>
-              </a:rPr>
-              <a:t>2</a:t>
-            </a:r>
-            <a:r>
-              <a:rPr lang="zh-CN" altLang="zh-CN" dirty="0">
-                <a:solidFill>
-                  <a:srgbClr val="000000"/>
-                </a:solidFill>
-                <a:latin typeface="微软雅黑" panose="020B0503020204020204" pitchFamily="34" charset="-122"/>
-                <a:ea typeface="微软雅黑" panose="020B0503020204020204" pitchFamily="34" charset="-122"/>
-                <a:cs typeface="宋体" panose="02010600030101010101" pitchFamily="2" charset="-122"/>
-              </a:rPr>
-              <a:t>、 聚类效果中上</a:t>
-            </a:r>
-            <a:r>
-              <a:rPr lang="zh-CN" altLang="en-US" dirty="0">
-                <a:solidFill>
-                  <a:srgbClr val="000000"/>
-                </a:solidFill>
-                <a:latin typeface="微软雅黑" panose="020B0503020204020204" pitchFamily="34" charset="-122"/>
-                <a:ea typeface="微软雅黑" panose="020B0503020204020204" pitchFamily="34" charset="-122"/>
-                <a:cs typeface="宋体" panose="02010600030101010101" pitchFamily="2" charset="-122"/>
-              </a:rPr>
-              <a:t>水平</a:t>
-            </a:r>
-            <a:endParaRPr lang="zh-CN" altLang="zh-CN" sz="2400" dirty="0">
-              <a:latin typeface="微软雅黑" panose="020B0503020204020204" pitchFamily="34" charset="-122"/>
-              <a:ea typeface="微软雅黑" panose="020B0503020204020204" pitchFamily="34" charset="-122"/>
-              <a:cs typeface="宋体" panose="02010600030101010101" pitchFamily="2" charset="-122"/>
-            </a:endParaRPr>
-          </a:p>
-          <a:p>
-            <a:pPr>
-              <a:spcBef>
-                <a:spcPts val="750"/>
-              </a:spcBef>
-              <a:spcAft>
-                <a:spcPts val="750"/>
-              </a:spcAft>
-            </a:pPr>
-            <a:r>
-              <a:rPr lang="en-US" altLang="zh-CN" dirty="0">
-                <a:solidFill>
-                  <a:srgbClr val="000000"/>
-                </a:solidFill>
-                <a:latin typeface="微软雅黑" panose="020B0503020204020204" pitchFamily="34" charset="-122"/>
-                <a:ea typeface="微软雅黑" panose="020B0503020204020204" pitchFamily="34" charset="-122"/>
-                <a:cs typeface="宋体" panose="02010600030101010101" pitchFamily="2" charset="-122"/>
-              </a:rPr>
-              <a:t>3</a:t>
-            </a:r>
-            <a:r>
-              <a:rPr lang="zh-CN" altLang="zh-CN" dirty="0">
-                <a:solidFill>
-                  <a:srgbClr val="000000"/>
-                </a:solidFill>
-                <a:latin typeface="微软雅黑" panose="020B0503020204020204" pitchFamily="34" charset="-122"/>
-                <a:ea typeface="微软雅黑" panose="020B0503020204020204" pitchFamily="34" charset="-122"/>
-                <a:cs typeface="宋体" panose="02010600030101010101" pitchFamily="2" charset="-122"/>
-              </a:rPr>
-              <a:t>、 适用于</a:t>
-            </a:r>
-            <a:r>
-              <a:rPr lang="zh-CN" altLang="en-US" dirty="0">
-                <a:solidFill>
-                  <a:srgbClr val="000000"/>
-                </a:solidFill>
-                <a:latin typeface="微软雅黑" panose="020B0503020204020204" pitchFamily="34" charset="-122"/>
-                <a:ea typeface="微软雅黑" panose="020B0503020204020204" pitchFamily="34" charset="-122"/>
-                <a:cs typeface="宋体" panose="02010600030101010101" pitchFamily="2" charset="-122"/>
-              </a:rPr>
-              <a:t>多</a:t>
-            </a:r>
-            <a:r>
-              <a:rPr lang="zh-CN" altLang="zh-CN" dirty="0">
-                <a:solidFill>
-                  <a:srgbClr val="000000"/>
-                </a:solidFill>
-                <a:latin typeface="微软雅黑" panose="020B0503020204020204" pitchFamily="34" charset="-122"/>
-                <a:ea typeface="微软雅黑" panose="020B0503020204020204" pitchFamily="34" charset="-122"/>
-                <a:cs typeface="宋体" panose="02010600030101010101" pitchFamily="2" charset="-122"/>
-              </a:rPr>
-              <a:t>维</a:t>
-            </a:r>
-            <a:r>
-              <a:rPr lang="zh-CN" altLang="en-US" dirty="0">
-                <a:solidFill>
-                  <a:srgbClr val="000000"/>
-                </a:solidFill>
-                <a:latin typeface="微软雅黑" panose="020B0503020204020204" pitchFamily="34" charset="-122"/>
-                <a:ea typeface="微软雅黑" panose="020B0503020204020204" pitchFamily="34" charset="-122"/>
-                <a:cs typeface="宋体" panose="02010600030101010101" pitchFamily="2" charset="-122"/>
-              </a:rPr>
-              <a:t>数据</a:t>
-            </a:r>
-            <a:endParaRPr lang="zh-CN" altLang="zh-CN" sz="2400" dirty="0">
-              <a:latin typeface="微软雅黑" panose="020B0503020204020204" pitchFamily="34" charset="-122"/>
-              <a:ea typeface="微软雅黑" panose="020B0503020204020204" pitchFamily="34" charset="-122"/>
-              <a:cs typeface="宋体" panose="02010600030101010101" pitchFamily="2" charset="-122"/>
-            </a:endParaRPr>
-          </a:p>
-        </p:txBody>
-      </p:sp>
-      <p:sp>
-        <p:nvSpPr>
-          <p:cNvPr id="5" name="矩形 4"/>
-          <p:cNvSpPr/>
-          <p:nvPr/>
-        </p:nvSpPr>
-        <p:spPr>
-          <a:xfrm>
-            <a:off x="3275856" y="4870072"/>
-            <a:ext cx="5256584" cy="1508105"/>
-          </a:xfrm>
-          <a:prstGeom prst="rect">
-            <a:avLst/>
-          </a:prstGeom>
-        </p:spPr>
-        <p:txBody>
-          <a:bodyPr wrap="square">
-            <a:spAutoFit/>
-          </a:bodyPr>
-          <a:lstStyle/>
-          <a:p>
-            <a:pPr>
-              <a:spcAft>
-                <a:spcPts val="0"/>
-              </a:spcAft>
-            </a:pPr>
-            <a:r>
-              <a:rPr lang="zh-CN" altLang="zh-CN" b="1" dirty="0">
-                <a:solidFill>
-                  <a:srgbClr val="000000"/>
-                </a:solidFill>
-                <a:latin typeface="微软雅黑" panose="020B0503020204020204" pitchFamily="34" charset="-122"/>
-                <a:ea typeface="微软雅黑" panose="020B0503020204020204" pitchFamily="34" charset="-122"/>
-                <a:cs typeface="宋体" panose="02010600030101010101" pitchFamily="2" charset="-122"/>
-              </a:rPr>
-              <a:t>缺陷：</a:t>
-            </a:r>
-            <a:endParaRPr lang="zh-CN" altLang="zh-CN" sz="2400" dirty="0">
-              <a:latin typeface="微软雅黑" panose="020B0503020204020204" pitchFamily="34" charset="-122"/>
-              <a:ea typeface="微软雅黑" panose="020B0503020204020204" pitchFamily="34" charset="-122"/>
-              <a:cs typeface="宋体" panose="02010600030101010101" pitchFamily="2" charset="-122"/>
-            </a:endParaRPr>
-          </a:p>
-          <a:p>
-            <a:pPr>
-              <a:spcBef>
-                <a:spcPts val="750"/>
-              </a:spcBef>
-              <a:spcAft>
-                <a:spcPts val="750"/>
-              </a:spcAft>
-            </a:pPr>
-            <a:r>
-              <a:rPr lang="en-US" altLang="zh-CN" dirty="0">
-                <a:solidFill>
-                  <a:srgbClr val="000000"/>
-                </a:solidFill>
-                <a:latin typeface="微软雅黑" panose="020B0503020204020204" pitchFamily="34" charset="-122"/>
-                <a:ea typeface="微软雅黑" panose="020B0503020204020204" pitchFamily="34" charset="-122"/>
-                <a:cs typeface="宋体" panose="02010600030101010101" pitchFamily="2" charset="-122"/>
-              </a:rPr>
-              <a:t>1</a:t>
-            </a:r>
-            <a:r>
-              <a:rPr lang="zh-CN" altLang="zh-CN" dirty="0">
-                <a:solidFill>
-                  <a:srgbClr val="000000"/>
-                </a:solidFill>
-                <a:latin typeface="微软雅黑" panose="020B0503020204020204" pitchFamily="34" charset="-122"/>
-                <a:ea typeface="微软雅黑" panose="020B0503020204020204" pitchFamily="34" charset="-122"/>
-                <a:cs typeface="宋体" panose="02010600030101010101" pitchFamily="2" charset="-122"/>
-              </a:rPr>
-              <a:t>、 对离群点敏感，对噪声点和孤立点很敏感</a:t>
-            </a:r>
-            <a:endParaRPr lang="en-US" altLang="zh-CN" dirty="0">
-              <a:solidFill>
-                <a:srgbClr val="000000"/>
-              </a:solidFill>
-              <a:latin typeface="微软雅黑" panose="020B0503020204020204" pitchFamily="34" charset="-122"/>
-              <a:ea typeface="微软雅黑" panose="020B0503020204020204" pitchFamily="34" charset="-122"/>
-              <a:cs typeface="宋体" panose="02010600030101010101" pitchFamily="2" charset="-122"/>
-            </a:endParaRPr>
-          </a:p>
-          <a:p>
-            <a:pPr>
-              <a:spcBef>
-                <a:spcPts val="750"/>
-              </a:spcBef>
-              <a:spcAft>
-                <a:spcPts val="750"/>
-              </a:spcAft>
-            </a:pPr>
-            <a:r>
-              <a:rPr lang="en-US" altLang="zh-CN" dirty="0">
-                <a:solidFill>
-                  <a:srgbClr val="000000"/>
-                </a:solidFill>
-                <a:latin typeface="微软雅黑" panose="020B0503020204020204" pitchFamily="34" charset="-122"/>
-                <a:ea typeface="微软雅黑" panose="020B0503020204020204" pitchFamily="34" charset="-122"/>
-                <a:cs typeface="宋体" panose="02010600030101010101" pitchFamily="2" charset="-122"/>
-              </a:rPr>
-              <a:t>2</a:t>
-            </a:r>
-            <a:r>
-              <a:rPr lang="zh-CN" altLang="zh-CN" dirty="0">
-                <a:solidFill>
-                  <a:srgbClr val="000000"/>
-                </a:solidFill>
-                <a:latin typeface="微软雅黑" panose="020B0503020204020204" pitchFamily="34" charset="-122"/>
-                <a:ea typeface="微软雅黑" panose="020B0503020204020204" pitchFamily="34" charset="-122"/>
-                <a:cs typeface="宋体" panose="02010600030101010101" pitchFamily="2" charset="-122"/>
-              </a:rPr>
-              <a:t>、不同的初始聚类</a:t>
-            </a:r>
-            <a:r>
-              <a:rPr lang="zh-CN" altLang="en-US" dirty="0">
-                <a:latin typeface="微软雅黑" panose="020B0503020204020204" pitchFamily="34" charset="-122"/>
-                <a:ea typeface="微软雅黑" panose="020B0503020204020204" pitchFamily="34" charset="-122"/>
-              </a:rPr>
-              <a:t>质心的</a:t>
-            </a:r>
-            <a:r>
-              <a:rPr lang="zh-CN" altLang="zh-CN" dirty="0">
-                <a:solidFill>
-                  <a:srgbClr val="000000"/>
-                </a:solidFill>
-                <a:latin typeface="微软雅黑" panose="020B0503020204020204" pitchFamily="34" charset="-122"/>
-                <a:ea typeface="微软雅黑" panose="020B0503020204020204" pitchFamily="34" charset="-122"/>
-                <a:cs typeface="宋体" panose="02010600030101010101" pitchFamily="2" charset="-122"/>
-              </a:rPr>
-              <a:t>选择</a:t>
-            </a:r>
-            <a:r>
-              <a:rPr lang="zh-CN" altLang="en-US" dirty="0">
-                <a:solidFill>
-                  <a:srgbClr val="000000"/>
-                </a:solidFill>
-                <a:latin typeface="微软雅黑" panose="020B0503020204020204" pitchFamily="34" charset="-122"/>
-                <a:ea typeface="微软雅黑" panose="020B0503020204020204" pitchFamily="34" charset="-122"/>
-                <a:cs typeface="宋体" panose="02010600030101010101" pitchFamily="2" charset="-122"/>
-              </a:rPr>
-              <a:t>，</a:t>
-            </a:r>
-            <a:r>
-              <a:rPr lang="zh-CN" altLang="zh-CN" dirty="0">
-                <a:solidFill>
-                  <a:srgbClr val="000000"/>
-                </a:solidFill>
-                <a:latin typeface="微软雅黑" panose="020B0503020204020204" pitchFamily="34" charset="-122"/>
-                <a:ea typeface="微软雅黑" panose="020B0503020204020204" pitchFamily="34" charset="-122"/>
-                <a:cs typeface="宋体" panose="02010600030101010101" pitchFamily="2" charset="-122"/>
-              </a:rPr>
-              <a:t>可能</a:t>
-            </a:r>
-            <a:r>
-              <a:rPr lang="zh-CN" altLang="en-US" dirty="0">
-                <a:solidFill>
-                  <a:srgbClr val="000000"/>
-                </a:solidFill>
-                <a:latin typeface="微软雅黑" panose="020B0503020204020204" pitchFamily="34" charset="-122"/>
-                <a:ea typeface="微软雅黑" panose="020B0503020204020204" pitchFamily="34" charset="-122"/>
-                <a:cs typeface="宋体" panose="02010600030101010101" pitchFamily="2" charset="-122"/>
-              </a:rPr>
-              <a:t>会</a:t>
-            </a:r>
-            <a:r>
-              <a:rPr lang="zh-CN" altLang="zh-CN" dirty="0">
-                <a:solidFill>
-                  <a:srgbClr val="000000"/>
-                </a:solidFill>
-                <a:latin typeface="微软雅黑" panose="020B0503020204020204" pitchFamily="34" charset="-122"/>
-                <a:ea typeface="微软雅黑" panose="020B0503020204020204" pitchFamily="34" charset="-122"/>
-                <a:cs typeface="宋体" panose="02010600030101010101" pitchFamily="2" charset="-122"/>
-              </a:rPr>
-              <a:t>导致完全不同的聚类结果。</a:t>
-            </a:r>
-            <a:endParaRPr lang="zh-CN" altLang="zh-CN" sz="2400" dirty="0">
-              <a:latin typeface="微软雅黑" panose="020B0503020204020204" pitchFamily="34" charset="-122"/>
-              <a:ea typeface="微软雅黑" panose="020B0503020204020204" pitchFamily="34" charset="-122"/>
-              <a:cs typeface="宋体" panose="02010600030101010101" pitchFamily="2" charset="-122"/>
-            </a:endParaRPr>
-          </a:p>
-        </p:txBody>
-      </p:sp>
-      <p:sp>
-        <p:nvSpPr>
           <p:cNvPr id="6" name="矩形 5">
             <a:extLst>
               <a:ext uri="{FF2B5EF4-FFF2-40B4-BE49-F238E27FC236}">
@@ -7549,7 +4525,7 @@
 </p:sld>
 </file>
 
-<file path=ppt/slides/slide16.xml><?xml version="1.0" encoding="utf-8"?>
+<file path=ppt/slides/slide13.xml><?xml version="1.0" encoding="utf-8"?>
 <p:sld xmlns:a="http://schemas.openxmlformats.org/drawingml/2006/main" xmlns:r="http://schemas.openxmlformats.org/officeDocument/2006/relationships" xmlns:p="http://schemas.openxmlformats.org/presentationml/2006/main">
   <p:cSld>
     <p:spTree>
@@ -8283,7 +5259,286 @@
 </p:sld>
 </file>
 
-<file path=ppt/slides/slide17.xml><?xml version="1.0" encoding="utf-8"?>
+<file path=ppt/slides/slide14.xml><?xml version="1.0" encoding="utf-8"?>
+<p:sld xmlns:a="http://schemas.openxmlformats.org/drawingml/2006/main" xmlns:r="http://schemas.openxmlformats.org/officeDocument/2006/relationships" xmlns:p="http://schemas.openxmlformats.org/presentationml/2006/main">
+  <p:cSld>
+    <p:spTree>
+      <p:nvGrpSpPr>
+        <p:cNvPr id="1" name=""/>
+        <p:cNvGrpSpPr/>
+        <p:nvPr/>
+      </p:nvGrpSpPr>
+      <p:grpSpPr>
+        <a:xfrm>
+          <a:off x="0" y="0"/>
+          <a:ext cx="0" cy="0"/>
+          <a:chOff x="0" y="0"/>
+          <a:chExt cx="0" cy="0"/>
+        </a:xfrm>
+      </p:grpSpPr>
+      <p:sp>
+        <p:nvSpPr>
+          <p:cNvPr id="2" name="标题 1">
+            <a:extLst>
+              <a:ext uri="{FF2B5EF4-FFF2-40B4-BE49-F238E27FC236}">
+                <a16:creationId xmlns:a16="http://schemas.microsoft.com/office/drawing/2014/main" id="{D0959456-4D3B-42F2-BBA9-F04CE8B0C7C4}"/>
+              </a:ext>
+            </a:extLst>
+          </p:cNvPr>
+          <p:cNvSpPr>
+            <a:spLocks noGrp="1"/>
+          </p:cNvSpPr>
+          <p:nvPr>
+            <p:ph type="title"/>
+          </p:nvPr>
+        </p:nvSpPr>
+        <p:spPr/>
+        <p:txBody>
+          <a:bodyPr/>
+          <a:lstStyle/>
+          <a:p>
+            <a:r>
+              <a:rPr lang="zh-CN" altLang="en-US" dirty="0">
+                <a:latin typeface="微软雅黑" panose="020B0503020204020204" pitchFamily="34" charset="-122"/>
+                <a:ea typeface="微软雅黑" panose="020B0503020204020204" pitchFamily="34" charset="-122"/>
+              </a:rPr>
+              <a:t>鸢尾花数据集</a:t>
+            </a:r>
+          </a:p>
+        </p:txBody>
+      </p:sp>
+      <p:pic>
+        <p:nvPicPr>
+          <p:cNvPr id="4" name="图片 3">
+            <a:extLst>
+              <a:ext uri="{FF2B5EF4-FFF2-40B4-BE49-F238E27FC236}">
+                <a16:creationId xmlns:a16="http://schemas.microsoft.com/office/drawing/2014/main" id="{7168C95E-98A3-45BA-8A50-F4A5D395AD6C}"/>
+              </a:ext>
+            </a:extLst>
+          </p:cNvPr>
+          <p:cNvPicPr>
+            <a:picLocks noChangeAspect="1"/>
+          </p:cNvPicPr>
+          <p:nvPr/>
+        </p:nvPicPr>
+        <p:blipFill>
+          <a:blip r:embed="rId2"/>
+          <a:stretch>
+            <a:fillRect/>
+          </a:stretch>
+        </p:blipFill>
+        <p:spPr>
+          <a:xfrm>
+            <a:off x="5724128" y="2204864"/>
+            <a:ext cx="2700343" cy="2913528"/>
+          </a:xfrm>
+          <a:prstGeom prst="rect">
+            <a:avLst/>
+          </a:prstGeom>
+        </p:spPr>
+      </p:pic>
+      <p:sp>
+        <p:nvSpPr>
+          <p:cNvPr id="5" name="矩形 4">
+            <a:extLst>
+              <a:ext uri="{FF2B5EF4-FFF2-40B4-BE49-F238E27FC236}">
+                <a16:creationId xmlns:a16="http://schemas.microsoft.com/office/drawing/2014/main" id="{5677C3CE-3FF8-4363-A41F-6CD824EA66A3}"/>
+              </a:ext>
+            </a:extLst>
+          </p:cNvPr>
+          <p:cNvSpPr/>
+          <p:nvPr/>
+        </p:nvSpPr>
+        <p:spPr>
+          <a:xfrm>
+            <a:off x="611560" y="2204864"/>
+            <a:ext cx="4968552" cy="2536400"/>
+          </a:xfrm>
+          <a:prstGeom prst="rect">
+            <a:avLst/>
+          </a:prstGeom>
+        </p:spPr>
+        <p:txBody>
+          <a:bodyPr wrap="square">
+            <a:spAutoFit/>
+          </a:bodyPr>
+          <a:lstStyle/>
+          <a:p>
+            <a:pPr>
+              <a:lnSpc>
+                <a:spcPct val="150000"/>
+              </a:lnSpc>
+            </a:pPr>
+            <a:r>
+              <a:rPr lang="zh-CN" altLang="en-US" dirty="0">
+                <a:latin typeface="微软雅黑" panose="020B0503020204020204" pitchFamily="34" charset="-122"/>
+                <a:ea typeface="微软雅黑" panose="020B0503020204020204" pitchFamily="34" charset="-122"/>
+              </a:rPr>
+              <a:t>数据集包含三种鸢尾花，每种</a:t>
+            </a:r>
+            <a:r>
+              <a:rPr lang="en-US" altLang="zh-CN" dirty="0">
+                <a:latin typeface="微软雅黑" panose="020B0503020204020204" pitchFamily="34" charset="-122"/>
+                <a:ea typeface="微软雅黑" panose="020B0503020204020204" pitchFamily="34" charset="-122"/>
+              </a:rPr>
+              <a:t>50</a:t>
+            </a:r>
+            <a:r>
+              <a:rPr lang="zh-CN" altLang="en-US" dirty="0">
+                <a:latin typeface="微软雅黑" panose="020B0503020204020204" pitchFamily="34" charset="-122"/>
+                <a:ea typeface="微软雅黑" panose="020B0503020204020204" pitchFamily="34" charset="-122"/>
+              </a:rPr>
+              <a:t>个样本</a:t>
+            </a:r>
+            <a:endParaRPr lang="en-US" altLang="zh-CN" dirty="0">
+              <a:latin typeface="微软雅黑" panose="020B0503020204020204" pitchFamily="34" charset="-122"/>
+              <a:ea typeface="微软雅黑" panose="020B0503020204020204" pitchFamily="34" charset="-122"/>
+            </a:endParaRPr>
+          </a:p>
+          <a:p>
+            <a:pPr>
+              <a:lnSpc>
+                <a:spcPct val="150000"/>
+              </a:lnSpc>
+            </a:pPr>
+            <a:endParaRPr lang="en-US" altLang="zh-CN" dirty="0">
+              <a:latin typeface="微软雅黑" panose="020B0503020204020204" pitchFamily="34" charset="-122"/>
+              <a:ea typeface="微软雅黑" panose="020B0503020204020204" pitchFamily="34" charset="-122"/>
+            </a:endParaRPr>
+          </a:p>
+          <a:p>
+            <a:pPr>
+              <a:lnSpc>
+                <a:spcPct val="150000"/>
+              </a:lnSpc>
+            </a:pPr>
+            <a:r>
+              <a:rPr lang="zh-CN" altLang="en-US" dirty="0">
+                <a:latin typeface="微软雅黑" panose="020B0503020204020204" pitchFamily="34" charset="-122"/>
+                <a:ea typeface="微软雅黑" panose="020B0503020204020204" pitchFamily="34" charset="-122"/>
+              </a:rPr>
+              <a:t>样本</a:t>
+            </a:r>
+            <a:r>
+              <a:rPr lang="en-US" altLang="zh-CN" dirty="0">
+                <a:latin typeface="微软雅黑" panose="020B0503020204020204" pitchFamily="34" charset="-122"/>
+                <a:ea typeface="微软雅黑" panose="020B0503020204020204" pitchFamily="34" charset="-122"/>
+              </a:rPr>
+              <a:t>data</a:t>
+            </a:r>
+            <a:r>
+              <a:rPr lang="zh-CN" altLang="en-US" dirty="0">
+                <a:latin typeface="微软雅黑" panose="020B0503020204020204" pitchFamily="34" charset="-122"/>
+                <a:ea typeface="微软雅黑" panose="020B0503020204020204" pitchFamily="34" charset="-122"/>
+              </a:rPr>
+              <a:t>：花萼长度、花萼宽度、花瓣长度、花瓣宽度</a:t>
+            </a:r>
+            <a:endParaRPr lang="en-US" altLang="zh-CN" dirty="0">
+              <a:latin typeface="微软雅黑" panose="020B0503020204020204" pitchFamily="34" charset="-122"/>
+              <a:ea typeface="微软雅黑" panose="020B0503020204020204" pitchFamily="34" charset="-122"/>
+            </a:endParaRPr>
+          </a:p>
+          <a:p>
+            <a:pPr>
+              <a:lnSpc>
+                <a:spcPct val="150000"/>
+              </a:lnSpc>
+            </a:pPr>
+            <a:endParaRPr lang="en-US" altLang="zh-CN" dirty="0">
+              <a:latin typeface="微软雅黑" panose="020B0503020204020204" pitchFamily="34" charset="-122"/>
+              <a:ea typeface="微软雅黑" panose="020B0503020204020204" pitchFamily="34" charset="-122"/>
+            </a:endParaRPr>
+          </a:p>
+          <a:p>
+            <a:pPr>
+              <a:lnSpc>
+                <a:spcPct val="150000"/>
+              </a:lnSpc>
+            </a:pPr>
+            <a:r>
+              <a:rPr lang="zh-CN" altLang="en-US" dirty="0">
+                <a:latin typeface="微软雅黑" panose="020B0503020204020204" pitchFamily="34" charset="-122"/>
+                <a:ea typeface="微软雅黑" panose="020B0503020204020204" pitchFamily="34" charset="-122"/>
+              </a:rPr>
+              <a:t>标签</a:t>
+            </a:r>
+            <a:r>
+              <a:rPr lang="en-US" altLang="zh-CN" dirty="0">
+                <a:latin typeface="微软雅黑" panose="020B0503020204020204" pitchFamily="34" charset="-122"/>
+                <a:ea typeface="微软雅黑" panose="020B0503020204020204" pitchFamily="34" charset="-122"/>
+              </a:rPr>
+              <a:t>target</a:t>
+            </a:r>
+            <a:r>
+              <a:rPr lang="zh-CN" altLang="en-US" dirty="0">
+                <a:latin typeface="微软雅黑" panose="020B0503020204020204" pitchFamily="34" charset="-122"/>
+                <a:ea typeface="微软雅黑" panose="020B0503020204020204" pitchFamily="34" charset="-122"/>
+              </a:rPr>
+              <a:t>：</a:t>
+            </a:r>
+            <a:r>
+              <a:rPr lang="en-US" altLang="zh-CN" dirty="0">
+                <a:latin typeface="微软雅黑" panose="020B0503020204020204" pitchFamily="34" charset="-122"/>
+                <a:ea typeface="微软雅黑" panose="020B0503020204020204" pitchFamily="34" charset="-122"/>
+              </a:rPr>
+              <a:t> </a:t>
+            </a:r>
+            <a:r>
+              <a:rPr lang="en-US" altLang="zh-CN" dirty="0" err="1">
+                <a:latin typeface="微软雅黑" panose="020B0503020204020204" pitchFamily="34" charset="-122"/>
+                <a:ea typeface="微软雅黑" panose="020B0503020204020204" pitchFamily="34" charset="-122"/>
+              </a:rPr>
+              <a:t>setosa</a:t>
+            </a:r>
+            <a:r>
+              <a:rPr lang="zh-CN" altLang="en-US" dirty="0">
+                <a:latin typeface="微软雅黑" panose="020B0503020204020204" pitchFamily="34" charset="-122"/>
+                <a:ea typeface="微软雅黑" panose="020B0503020204020204" pitchFamily="34" charset="-122"/>
+              </a:rPr>
+              <a:t>、</a:t>
+            </a:r>
+            <a:r>
+              <a:rPr lang="en-US" altLang="zh-CN" dirty="0">
+                <a:latin typeface="微软雅黑" panose="020B0503020204020204" pitchFamily="34" charset="-122"/>
+                <a:ea typeface="微软雅黑" panose="020B0503020204020204" pitchFamily="34" charset="-122"/>
+              </a:rPr>
+              <a:t> versicolor</a:t>
+            </a:r>
+            <a:r>
+              <a:rPr lang="zh-CN" altLang="en-US" dirty="0">
+                <a:latin typeface="微软雅黑" panose="020B0503020204020204" pitchFamily="34" charset="-122"/>
+                <a:ea typeface="微软雅黑" panose="020B0503020204020204" pitchFamily="34" charset="-122"/>
+              </a:rPr>
+              <a:t>、</a:t>
+            </a:r>
+            <a:r>
+              <a:rPr lang="en-US" altLang="zh-CN" dirty="0">
+                <a:latin typeface="微软雅黑" panose="020B0503020204020204" pitchFamily="34" charset="-122"/>
+                <a:ea typeface="微软雅黑" panose="020B0503020204020204" pitchFamily="34" charset="-122"/>
+              </a:rPr>
+              <a:t> virginica</a:t>
+            </a:r>
+            <a:endParaRPr lang="zh-CN" altLang="en-US" dirty="0">
+              <a:latin typeface="微软雅黑" panose="020B0503020204020204" pitchFamily="34" charset="-122"/>
+              <a:ea typeface="微软雅黑" panose="020B0503020204020204" pitchFamily="34" charset="-122"/>
+            </a:endParaRPr>
+          </a:p>
+        </p:txBody>
+      </p:sp>
+    </p:spTree>
+    <p:extLst>
+      <p:ext uri="{BB962C8B-B14F-4D97-AF65-F5344CB8AC3E}">
+        <p14:creationId xmlns:p14="http://schemas.microsoft.com/office/powerpoint/2010/main" val="1572794838"/>
+      </p:ext>
+    </p:extLst>
+  </p:cSld>
+  <p:clrMapOvr>
+    <a:masterClrMapping/>
+  </p:clrMapOvr>
+</p:sld>
+</file>
+
+<file path=ppt/slides/slide15.xml><?xml version="1.0" encoding="utf-8"?>
 <p:sld xmlns:a="http://schemas.openxmlformats.org/drawingml/2006/main" xmlns:r="http://schemas.openxmlformats.org/officeDocument/2006/relationships" xmlns:p="http://schemas.openxmlformats.org/presentationml/2006/main">
   <p:cSld>
     <p:spTree>
@@ -8561,7 +5816,7 @@
 </p:sld>
 </file>
 
-<file path=ppt/slides/slide18.xml><?xml version="1.0" encoding="utf-8"?>
+<file path=ppt/slides/slide16.xml><?xml version="1.0" encoding="utf-8"?>
 <p:sld xmlns:a="http://schemas.openxmlformats.org/drawingml/2006/main" xmlns:r="http://schemas.openxmlformats.org/officeDocument/2006/relationships" xmlns:p="http://schemas.openxmlformats.org/presentationml/2006/main">
   <p:cSld>
     <p:spTree>
@@ -8920,7 +6175,7 @@
 </p:sld>
 </file>
 
-<file path=ppt/slides/slide19.xml><?xml version="1.0" encoding="utf-8"?>
+<file path=ppt/slides/slide17.xml><?xml version="1.0" encoding="utf-8"?>
 <p:sld xmlns:a="http://schemas.openxmlformats.org/drawingml/2006/main" xmlns:r="http://schemas.openxmlformats.org/officeDocument/2006/relationships" xmlns:p="http://schemas.openxmlformats.org/presentationml/2006/main">
   <p:cSld>
     <p:spTree>
@@ -9370,185 +6625,7 @@
 </p:sld>
 </file>
 
-<file path=ppt/slides/slide2.xml><?xml version="1.0" encoding="utf-8"?>
-<p:sld xmlns:a="http://schemas.openxmlformats.org/drawingml/2006/main" xmlns:r="http://schemas.openxmlformats.org/officeDocument/2006/relationships" xmlns:p="http://schemas.openxmlformats.org/presentationml/2006/main">
-  <p:cSld>
-    <p:spTree>
-      <p:nvGrpSpPr>
-        <p:cNvPr id="1" name=""/>
-        <p:cNvGrpSpPr/>
-        <p:nvPr/>
-      </p:nvGrpSpPr>
-      <p:grpSpPr>
-        <a:xfrm>
-          <a:off x="0" y="0"/>
-          <a:ext cx="0" cy="0"/>
-          <a:chOff x="0" y="0"/>
-          <a:chExt cx="0" cy="0"/>
-        </a:xfrm>
-      </p:grpSpPr>
-      <p:sp>
-        <p:nvSpPr>
-          <p:cNvPr id="2" name="标题 1"/>
-          <p:cNvSpPr>
-            <a:spLocks noGrp="1"/>
-          </p:cNvSpPr>
-          <p:nvPr>
-            <p:ph type="title"/>
-          </p:nvPr>
-        </p:nvSpPr>
-        <p:spPr/>
-        <p:txBody>
-          <a:bodyPr/>
-          <a:lstStyle/>
-          <a:p>
-            <a:r>
-              <a:rPr lang="zh-CN" altLang="en-US" dirty="0">
-                <a:latin typeface="微软雅黑" panose="020B0503020204020204" pitchFamily="34" charset="-122"/>
-                <a:ea typeface="微软雅黑" panose="020B0503020204020204" pitchFamily="34" charset="-122"/>
-              </a:rPr>
-              <a:t>物以类聚人以群分</a:t>
-            </a:r>
-          </a:p>
-        </p:txBody>
-      </p:sp>
-      <p:pic>
-        <p:nvPicPr>
-          <p:cNvPr id="1026" name="Picture 2"/>
-          <p:cNvPicPr>
-            <a:picLocks noChangeAspect="1" noChangeArrowheads="1"/>
-          </p:cNvPicPr>
-          <p:nvPr/>
-        </p:nvPicPr>
-        <p:blipFill rotWithShape="1">
-          <a:blip r:embed="rId2">
-            <a:extLst>
-              <a:ext uri="{28A0092B-C50C-407E-A947-70E740481C1C}">
-                <a14:useLocalDpi xmlns:a14="http://schemas.microsoft.com/office/drawing/2010/main" val="0"/>
-              </a:ext>
-            </a:extLst>
-          </a:blip>
-          <a:srcRect t="1489"/>
-          <a:stretch>
-            <a:fillRect/>
-          </a:stretch>
-        </p:blipFill>
-        <p:spPr bwMode="auto">
-          <a:xfrm>
-            <a:off x="432496" y="2204864"/>
-            <a:ext cx="4177945" cy="3324675"/>
-          </a:xfrm>
-          <a:prstGeom prst="rect">
-            <a:avLst/>
-          </a:prstGeom>
-          <a:noFill/>
-          <a:ln>
-            <a:noFill/>
-          </a:ln>
-          <a:effectLst/>
-          <a:extLst>
-            <a:ext uri="{909E8E84-426E-40DD-AFC4-6F175D3DCCD1}">
-              <a14:hiddenFill xmlns:a14="http://schemas.microsoft.com/office/drawing/2010/main">
-                <a:solidFill>
-                  <a:schemeClr val="accent1"/>
-                </a:solidFill>
-              </a14:hiddenFill>
-            </a:ext>
-            <a:ext uri="{91240B29-F687-4F45-9708-019B960494DF}">
-              <a14:hiddenLine xmlns:a14="http://schemas.microsoft.com/office/drawing/2010/main" w="9525">
-                <a:solidFill>
-                  <a:schemeClr val="tx1"/>
-                </a:solidFill>
-                <a:miter lim="800000"/>
-                <a:headEnd/>
-                <a:tailEnd/>
-              </a14:hiddenLine>
-            </a:ext>
-            <a:ext uri="{AF507438-7753-43E0-B8FC-AC1667EBCBE1}">
-              <a14:hiddenEffects xmlns:a14="http://schemas.microsoft.com/office/drawing/2010/main">
-                <a:effectLst>
-                  <a:outerShdw dist="35921" dir="2700000" algn="ctr" rotWithShape="0">
-                    <a:schemeClr val="bg2"/>
-                  </a:outerShdw>
-                </a:effectLst>
-              </a14:hiddenEffects>
-            </a:ext>
-          </a:extLst>
-        </p:spPr>
-      </p:pic>
-      <p:pic>
-        <p:nvPicPr>
-          <p:cNvPr id="1027" name="Picture 3"/>
-          <p:cNvPicPr>
-            <a:picLocks noChangeAspect="1" noChangeArrowheads="1"/>
-          </p:cNvPicPr>
-          <p:nvPr/>
-        </p:nvPicPr>
-        <p:blipFill rotWithShape="1">
-          <a:blip r:embed="rId3">
-            <a:extLst>
-              <a:ext uri="{28A0092B-C50C-407E-A947-70E740481C1C}">
-                <a14:useLocalDpi xmlns:a14="http://schemas.microsoft.com/office/drawing/2010/main" val="0"/>
-              </a:ext>
-            </a:extLst>
-          </a:blip>
-          <a:srcRect l="2026"/>
-          <a:stretch>
-            <a:fillRect/>
-          </a:stretch>
-        </p:blipFill>
-        <p:spPr bwMode="auto">
-          <a:xfrm>
-            <a:off x="4977168" y="2424389"/>
-            <a:ext cx="3676815" cy="3105150"/>
-          </a:xfrm>
-          <a:prstGeom prst="rect">
-            <a:avLst/>
-          </a:prstGeom>
-          <a:noFill/>
-          <a:ln>
-            <a:noFill/>
-          </a:ln>
-          <a:effectLst/>
-          <a:extLst>
-            <a:ext uri="{909E8E84-426E-40DD-AFC4-6F175D3DCCD1}">
-              <a14:hiddenFill xmlns:a14="http://schemas.microsoft.com/office/drawing/2010/main">
-                <a:solidFill>
-                  <a:schemeClr val="accent1"/>
-                </a:solidFill>
-              </a14:hiddenFill>
-            </a:ext>
-            <a:ext uri="{91240B29-F687-4F45-9708-019B960494DF}">
-              <a14:hiddenLine xmlns:a14="http://schemas.microsoft.com/office/drawing/2010/main" w="9525">
-                <a:solidFill>
-                  <a:schemeClr val="tx1"/>
-                </a:solidFill>
-                <a:miter lim="800000"/>
-                <a:headEnd/>
-                <a:tailEnd/>
-              </a14:hiddenLine>
-            </a:ext>
-            <a:ext uri="{AF507438-7753-43E0-B8FC-AC1667EBCBE1}">
-              <a14:hiddenEffects xmlns:a14="http://schemas.microsoft.com/office/drawing/2010/main">
-                <a:effectLst>
-                  <a:outerShdw dist="35921" dir="2700000" algn="ctr" rotWithShape="0">
-                    <a:schemeClr val="bg2"/>
-                  </a:outerShdw>
-                </a:effectLst>
-              </a14:hiddenEffects>
-            </a:ext>
-          </a:extLst>
-        </p:spPr>
-      </p:pic>
-    </p:spTree>
-  </p:cSld>
-  <p:clrMapOvr>
-    <a:masterClrMapping/>
-  </p:clrMapOvr>
-</p:sld>
-</file>
-
-<file path=ppt/slides/slide20.xml><?xml version="1.0" encoding="utf-8"?>
+<file path=ppt/slides/slide18.xml><?xml version="1.0" encoding="utf-8"?>
 <p:sld xmlns:a="http://schemas.openxmlformats.org/drawingml/2006/main" xmlns:r="http://schemas.openxmlformats.org/officeDocument/2006/relationships" xmlns:p="http://schemas.openxmlformats.org/presentationml/2006/main">
   <p:cSld>
     <p:spTree>
@@ -10001,7 +7078,7 @@
 </p:sld>
 </file>
 
-<file path=ppt/slides/slide21.xml><?xml version="1.0" encoding="utf-8"?>
+<file path=ppt/slides/slide19.xml><?xml version="1.0" encoding="utf-8"?>
 <p:sld xmlns:a="http://schemas.openxmlformats.org/drawingml/2006/main" xmlns:r="http://schemas.openxmlformats.org/officeDocument/2006/relationships" xmlns:p="http://schemas.openxmlformats.org/presentationml/2006/main">
   <p:cSld>
     <p:spTree>
@@ -10055,6 +7132,160 @@
     <p:extLst>
       <p:ext uri="{BB962C8B-B14F-4D97-AF65-F5344CB8AC3E}">
         <p14:creationId xmlns:p14="http://schemas.microsoft.com/office/powerpoint/2010/main" val="812597256"/>
+      </p:ext>
+    </p:extLst>
+  </p:cSld>
+  <p:clrMapOvr>
+    <a:masterClrMapping/>
+  </p:clrMapOvr>
+</p:sld>
+</file>
+
+<file path=ppt/slides/slide2.xml><?xml version="1.0" encoding="utf-8"?>
+<p:sld xmlns:a="http://schemas.openxmlformats.org/drawingml/2006/main" xmlns:r="http://schemas.openxmlformats.org/officeDocument/2006/relationships" xmlns:p="http://schemas.openxmlformats.org/presentationml/2006/main">
+  <p:cSld>
+    <p:spTree>
+      <p:nvGrpSpPr>
+        <p:cNvPr id="1" name=""/>
+        <p:cNvGrpSpPr/>
+        <p:nvPr/>
+      </p:nvGrpSpPr>
+      <p:grpSpPr>
+        <a:xfrm>
+          <a:off x="0" y="0"/>
+          <a:ext cx="0" cy="0"/>
+          <a:chOff x="0" y="0"/>
+          <a:chExt cx="0" cy="0"/>
+        </a:xfrm>
+      </p:grpSpPr>
+      <p:sp>
+        <p:nvSpPr>
+          <p:cNvPr id="2" name="标题 1">
+            <a:extLst>
+              <a:ext uri="{FF2B5EF4-FFF2-40B4-BE49-F238E27FC236}">
+                <a16:creationId xmlns:a16="http://schemas.microsoft.com/office/drawing/2014/main" id="{1FC07F54-01DF-4EAB-8DA9-0A0A04158726}"/>
+              </a:ext>
+            </a:extLst>
+          </p:cNvPr>
+          <p:cNvSpPr>
+            <a:spLocks noGrp="1"/>
+          </p:cNvSpPr>
+          <p:nvPr>
+            <p:ph type="title"/>
+          </p:nvPr>
+        </p:nvSpPr>
+        <p:spPr>
+          <a:xfrm>
+            <a:off x="457200" y="260648"/>
+            <a:ext cx="8229600" cy="1143000"/>
+          </a:xfrm>
+        </p:spPr>
+        <p:txBody>
+          <a:bodyPr/>
+          <a:lstStyle/>
+          <a:p>
+            <a:r>
+              <a:rPr lang="zh-CN" altLang="en-US" dirty="0">
+                <a:latin typeface="微软雅黑" panose="020B0503020204020204" pitchFamily="34" charset="-122"/>
+                <a:ea typeface="微软雅黑" panose="020B0503020204020204" pitchFamily="34" charset="-122"/>
+              </a:rPr>
+              <a:t>猜猜花的颜色</a:t>
+            </a:r>
+          </a:p>
+        </p:txBody>
+      </p:sp>
+      <p:sp>
+        <p:nvSpPr>
+          <p:cNvPr id="6" name="矩形 5">
+            <a:extLst>
+              <a:ext uri="{FF2B5EF4-FFF2-40B4-BE49-F238E27FC236}">
+                <a16:creationId xmlns:a16="http://schemas.microsoft.com/office/drawing/2014/main" id="{5C14338E-7EA5-4218-BD06-C22E7911D151}"/>
+              </a:ext>
+            </a:extLst>
+          </p:cNvPr>
+          <p:cNvSpPr/>
+          <p:nvPr/>
+        </p:nvSpPr>
+        <p:spPr>
+          <a:xfrm>
+            <a:off x="618312" y="2204864"/>
+            <a:ext cx="3918837" cy="1710084"/>
+          </a:xfrm>
+          <a:prstGeom prst="rect">
+            <a:avLst/>
+          </a:prstGeom>
+        </p:spPr>
+        <p:txBody>
+          <a:bodyPr wrap="square">
+            <a:spAutoFit/>
+          </a:bodyPr>
+          <a:lstStyle/>
+          <a:p>
+            <a:pPr>
+              <a:lnSpc>
+                <a:spcPct val="150000"/>
+              </a:lnSpc>
+            </a:pPr>
+            <a:r>
+              <a:rPr lang="zh-CN" altLang="en-US" dirty="0">
+                <a:ea typeface="微软雅黑" panose="020B0503020204020204" pitchFamily="34" charset="-122"/>
+              </a:rPr>
+              <a:t>        公园里的花开了，有粉红的，鲜红的，红的发紫的，还有没有开的花骨朵儿，怎么样不破坏花骨朵就知道它是什么颜色的花呢？</a:t>
+            </a:r>
+          </a:p>
+        </p:txBody>
+      </p:sp>
+      <p:pic>
+        <p:nvPicPr>
+          <p:cNvPr id="5" name="Picture 2" descr="è±ä¸ä¸­çå°å¥³å­©å¿å¾ç">
+            <a:extLst>
+              <a:ext uri="{FF2B5EF4-FFF2-40B4-BE49-F238E27FC236}">
+                <a16:creationId xmlns:a16="http://schemas.microsoft.com/office/drawing/2014/main" id="{DB4E2741-D737-430E-A2EF-256BC7AF8A10}"/>
+              </a:ext>
+            </a:extLst>
+          </p:cNvPr>
+          <p:cNvPicPr>
+            <a:picLocks noChangeAspect="1" noChangeArrowheads="1"/>
+          </p:cNvPicPr>
+          <p:nvPr/>
+        </p:nvPicPr>
+        <p:blipFill>
+          <a:blip r:embed="rId2">
+            <a:extLst>
+              <a:ext uri="{28A0092B-C50C-407E-A947-70E740481C1C}">
+                <a14:useLocalDpi xmlns:a14="http://schemas.microsoft.com/office/drawing/2010/main" val="0"/>
+              </a:ext>
+            </a:extLst>
+          </a:blip>
+          <a:srcRect/>
+          <a:stretch>
+            <a:fillRect/>
+          </a:stretch>
+        </p:blipFill>
+        <p:spPr bwMode="auto">
+          <a:xfrm>
+            <a:off x="4537149" y="1916832"/>
+            <a:ext cx="4382362" cy="2736304"/>
+          </a:xfrm>
+          <a:prstGeom prst="rect">
+            <a:avLst/>
+          </a:prstGeom>
+          <a:noFill/>
+          <a:extLst>
+            <a:ext uri="{909E8E84-426E-40DD-AFC4-6F175D3DCCD1}">
+              <a14:hiddenFill xmlns:a14="http://schemas.microsoft.com/office/drawing/2010/main">
+                <a:solidFill>
+                  <a:srgbClr val="FFFFFF"/>
+                </a:solidFill>
+              </a14:hiddenFill>
+            </a:ext>
+          </a:extLst>
+        </p:spPr>
+      </p:pic>
+    </p:spTree>
+    <p:extLst>
+      <p:ext uri="{BB962C8B-B14F-4D97-AF65-F5344CB8AC3E}">
+        <p14:creationId xmlns:p14="http://schemas.microsoft.com/office/powerpoint/2010/main" val="3517811791"/>
       </p:ext>
     </p:extLst>
   </p:cSld>
@@ -10081,12 +7312,131 @@
           <a:chExt cx="0" cy="0"/>
         </a:xfrm>
       </p:grpSpPr>
+      <p:sp>
+        <p:nvSpPr>
+          <p:cNvPr id="2" name="标题 1">
+            <a:extLst>
+              <a:ext uri="{FF2B5EF4-FFF2-40B4-BE49-F238E27FC236}">
+                <a16:creationId xmlns:a16="http://schemas.microsoft.com/office/drawing/2014/main" id="{6566C775-DDA7-49B0-866B-3DC727A47B30}"/>
+              </a:ext>
+            </a:extLst>
+          </p:cNvPr>
+          <p:cNvSpPr>
+            <a:spLocks noGrp="1"/>
+          </p:cNvSpPr>
+          <p:nvPr>
+            <p:ph type="title"/>
+          </p:nvPr>
+        </p:nvSpPr>
+        <p:spPr/>
+        <p:txBody>
+          <a:bodyPr/>
+          <a:lstStyle/>
+          <a:p>
+            <a:r>
+              <a:rPr lang="zh-CN" altLang="en-US" dirty="0">
+                <a:latin typeface="微软雅黑" panose="020B0503020204020204" pitchFamily="34" charset="-122"/>
+                <a:ea typeface="微软雅黑" panose="020B0503020204020204" pitchFamily="34" charset="-122"/>
+              </a:rPr>
+              <a:t>物以类聚：</a:t>
+            </a:r>
+            <a:r>
+              <a:rPr lang="en-US" altLang="zh-CN" dirty="0">
+                <a:latin typeface="微软雅黑" panose="020B0503020204020204" pitchFamily="34" charset="-122"/>
+                <a:ea typeface="微软雅黑" panose="020B0503020204020204" pitchFamily="34" charset="-122"/>
+              </a:rPr>
+              <a:t>KNN</a:t>
+            </a:r>
+            <a:r>
+              <a:rPr lang="zh-CN" altLang="en-US" dirty="0">
+                <a:latin typeface="微软雅黑" panose="020B0503020204020204" pitchFamily="34" charset="-122"/>
+                <a:ea typeface="微软雅黑" panose="020B0503020204020204" pitchFamily="34" charset="-122"/>
+              </a:rPr>
+              <a:t>算法</a:t>
+            </a:r>
+            <a:endParaRPr lang="zh-CN" altLang="en-US" dirty="0"/>
+          </a:p>
+        </p:txBody>
+      </p:sp>
+      <p:sp>
+        <p:nvSpPr>
+          <p:cNvPr id="4" name="矩形 3">
+            <a:extLst>
+              <a:ext uri="{FF2B5EF4-FFF2-40B4-BE49-F238E27FC236}">
+                <a16:creationId xmlns:a16="http://schemas.microsoft.com/office/drawing/2014/main" id="{5B875EA2-3D88-4054-B094-C7BE60132690}"/>
+              </a:ext>
+            </a:extLst>
+          </p:cNvPr>
+          <p:cNvSpPr/>
+          <p:nvPr/>
+        </p:nvSpPr>
+        <p:spPr>
+          <a:xfrm>
+            <a:off x="1187624" y="2204864"/>
+            <a:ext cx="3672408" cy="2542363"/>
+          </a:xfrm>
+          <a:prstGeom prst="rect">
+            <a:avLst/>
+          </a:prstGeom>
+        </p:spPr>
+        <p:txBody>
+          <a:bodyPr wrap="square">
+            <a:spAutoFit/>
+          </a:bodyPr>
+          <a:lstStyle/>
+          <a:p>
+            <a:pPr>
+              <a:lnSpc>
+                <a:spcPct val="150000"/>
+              </a:lnSpc>
+            </a:pPr>
+            <a:r>
+              <a:rPr lang="zh-CN" altLang="en-US" dirty="0">
+                <a:ea typeface="微软雅黑" panose="020B0503020204020204" pitchFamily="34" charset="-122"/>
+              </a:rPr>
+              <a:t>        鱼鸟成群，蚂蚁成堆，蜂蜜成窝，我们发现，往往同类都是聚集在一起的！</a:t>
+            </a:r>
+            <a:endParaRPr lang="en-US" altLang="zh-CN" dirty="0">
+              <a:ea typeface="微软雅黑" panose="020B0503020204020204" pitchFamily="34" charset="-122"/>
+            </a:endParaRPr>
+          </a:p>
+          <a:p>
+            <a:pPr>
+              <a:lnSpc>
+                <a:spcPct val="150000"/>
+              </a:lnSpc>
+            </a:pPr>
+            <a:r>
+              <a:rPr lang="zh-CN" altLang="en-US" dirty="0">
+                <a:ea typeface="微软雅黑" panose="020B0503020204020204" pitchFamily="34" charset="-122"/>
+              </a:rPr>
+              <a:t>        那么我们就可以用花骨朵周围其他花的颜色来推断花骨朵的颜色！</a:t>
+            </a:r>
+            <a:endParaRPr lang="en-US" altLang="zh-CN" dirty="0">
+              <a:ea typeface="微软雅黑" panose="020B0503020204020204" pitchFamily="34" charset="-122"/>
+            </a:endParaRPr>
+          </a:p>
+          <a:p>
+            <a:pPr>
+              <a:lnSpc>
+                <a:spcPct val="150000"/>
+              </a:lnSpc>
+            </a:pPr>
+            <a:r>
+              <a:rPr lang="zh-CN" altLang="en-US" dirty="0">
+                <a:ea typeface="微软雅黑" panose="020B0503020204020204" pitchFamily="34" charset="-122"/>
+              </a:rPr>
+              <a:t>         </a:t>
+            </a:r>
+          </a:p>
+        </p:txBody>
+      </p:sp>
       <p:pic>
         <p:nvPicPr>
-          <p:cNvPr id="3074" name="Picture 2" descr="https://timgsa.baidu.com/timg?image&amp;quality=80&amp;size=b9999_10000&amp;sec=1529475047596&amp;di=8d353b3264f30e56d7e55d6cd387af1f&amp;imgtype=0&amp;src=http%3A%2F%2Fimg.shangxueba.cn%2Fjyimg%2F20130306%2Fjzjc%2F2013022110%2Fa521425dcca0dbd428fefa9cb36cd7ad.png">
+          <p:cNvPr id="6" name="Picture 2" descr="ãè±ãçåçæå°çµæ">
             <a:extLst>
               <a:ext uri="{FF2B5EF4-FFF2-40B4-BE49-F238E27FC236}">
-                <a16:creationId xmlns:a16="http://schemas.microsoft.com/office/drawing/2014/main" id="{B4A78A4C-18C4-4C9C-A848-D5CBBFCADAAE}"/>
+                <a16:creationId xmlns:a16="http://schemas.microsoft.com/office/drawing/2014/main" id="{2881B95B-4360-4E1F-9835-D4713A140547}"/>
               </a:ext>
             </a:extLst>
           </p:cNvPr>
@@ -10096,7 +7446,7 @@
           <p:nvPr/>
         </p:nvPicPr>
         <p:blipFill>
-          <a:blip r:embed="rId2">
+          <a:blip r:embed="rId2" cstate="print">
             <a:extLst>
               <a:ext uri="{28A0092B-C50C-407E-A947-70E740481C1C}">
                 <a14:useLocalDpi xmlns:a14="http://schemas.microsoft.com/office/drawing/2010/main" val="0"/>
@@ -10110,8 +7460,8 @@
         </p:blipFill>
         <p:spPr bwMode="auto">
           <a:xfrm>
-            <a:off x="5580112" y="3496699"/>
-            <a:ext cx="3327884" cy="2072456"/>
+            <a:off x="5148064" y="1690867"/>
+            <a:ext cx="3311534" cy="2206309"/>
           </a:xfrm>
           <a:prstGeom prst="rect">
             <a:avLst/>
@@ -10128,513 +7478,59 @@
           </a:extLst>
         </p:spPr>
       </p:pic>
-      <p:sp>
-        <p:nvSpPr>
-          <p:cNvPr id="2" name="标题 1"/>
-          <p:cNvSpPr>
-            <a:spLocks noGrp="1"/>
-          </p:cNvSpPr>
-          <p:nvPr>
-            <p:ph type="title"/>
-          </p:nvPr>
-        </p:nvSpPr>
-        <p:spPr>
+      <p:pic>
+        <p:nvPicPr>
+          <p:cNvPr id="2052" name="Picture 4" descr="ãè±ãçåçæå°çµæ">
+            <a:extLst>
+              <a:ext uri="{FF2B5EF4-FFF2-40B4-BE49-F238E27FC236}">
+                <a16:creationId xmlns:a16="http://schemas.microsoft.com/office/drawing/2014/main" id="{9EACEE57-6D18-4337-A2D6-52E207FF10DB}"/>
+              </a:ext>
+            </a:extLst>
+          </p:cNvPr>
+          <p:cNvPicPr>
+            <a:picLocks noChangeAspect="1" noChangeArrowheads="1"/>
+          </p:cNvPicPr>
+          <p:nvPr/>
+        </p:nvPicPr>
+        <p:blipFill>
+          <a:blip r:embed="rId3" cstate="print">
+            <a:extLst>
+              <a:ext uri="{28A0092B-C50C-407E-A947-70E740481C1C}">
+                <a14:useLocalDpi xmlns:a14="http://schemas.microsoft.com/office/drawing/2010/main" val="0"/>
+              </a:ext>
+            </a:extLst>
+          </a:blip>
+          <a:srcRect/>
+          <a:stretch>
+            <a:fillRect/>
+          </a:stretch>
+        </p:blipFill>
+        <p:spPr bwMode="auto">
           <a:xfrm>
-            <a:off x="2370584" y="-10315"/>
-            <a:ext cx="4402832" cy="1143000"/>
-          </a:xfrm>
-        </p:spPr>
-        <p:txBody>
-          <a:bodyPr/>
-          <a:lstStyle/>
-          <a:p>
-            <a:r>
-              <a:rPr lang="en-US" altLang="zh-CN" dirty="0">
-                <a:latin typeface="微软雅黑" panose="020B0503020204020204" pitchFamily="34" charset="-122"/>
-                <a:ea typeface="微软雅黑" panose="020B0503020204020204" pitchFamily="34" charset="-122"/>
-              </a:rPr>
-              <a:t>KNN</a:t>
-            </a:r>
-            <a:r>
-              <a:rPr lang="zh-CN" altLang="en-US" dirty="0">
-                <a:latin typeface="微软雅黑" panose="020B0503020204020204" pitchFamily="34" charset="-122"/>
-                <a:ea typeface="微软雅黑" panose="020B0503020204020204" pitchFamily="34" charset="-122"/>
-              </a:rPr>
-              <a:t>分类算法</a:t>
-            </a:r>
-          </a:p>
-        </p:txBody>
-      </p:sp>
-      <p:sp>
-        <p:nvSpPr>
-          <p:cNvPr id="4" name="TextBox 3"/>
-          <p:cNvSpPr txBox="1"/>
-          <p:nvPr/>
-        </p:nvSpPr>
-        <p:spPr>
-          <a:xfrm>
-            <a:off x="618011" y="2086466"/>
-            <a:ext cx="8424936" cy="1289905"/>
+            <a:off x="5148063" y="4053059"/>
+            <a:ext cx="3311534" cy="1877686"/>
           </a:xfrm>
           <a:prstGeom prst="rect">
             <a:avLst/>
           </a:prstGeom>
           <a:noFill/>
+          <a:extLst>
+            <a:ext uri="{909E8E84-426E-40DD-AFC4-6F175D3DCCD1}">
+              <a14:hiddenFill xmlns:a14="http://schemas.microsoft.com/office/drawing/2010/main">
+                <a:solidFill>
+                  <a:srgbClr val="FFFFFF"/>
+                </a:solidFill>
+              </a14:hiddenFill>
+            </a:ext>
+          </a:extLst>
         </p:spPr>
-        <p:txBody>
-          <a:bodyPr wrap="square" rtlCol="0">
-            <a:spAutoFit/>
-          </a:bodyPr>
-          <a:lstStyle/>
-          <a:p>
-            <a:pPr>
-              <a:lnSpc>
-                <a:spcPct val="150000"/>
-              </a:lnSpc>
-            </a:pPr>
-            <a:r>
-              <a:rPr lang="en-US" altLang="zh-CN" dirty="0">
-                <a:latin typeface="微软雅黑" panose="020B0503020204020204" pitchFamily="34" charset="-122"/>
-                <a:ea typeface="微软雅黑" panose="020B0503020204020204" pitchFamily="34" charset="-122"/>
-              </a:rPr>
-              <a:t>1.</a:t>
-            </a:r>
-            <a:r>
-              <a:rPr lang="zh-CN" altLang="en-US" dirty="0">
-                <a:latin typeface="微软雅黑" panose="020B0503020204020204" pitchFamily="34" charset="-122"/>
-                <a:ea typeface="微软雅黑" panose="020B0503020204020204" pitchFamily="34" charset="-122"/>
-              </a:rPr>
-              <a:t>算距离</a:t>
-            </a:r>
-            <a:r>
-              <a:rPr lang="en-US" altLang="zh-CN" dirty="0">
-                <a:latin typeface="微软雅黑" panose="020B0503020204020204" pitchFamily="34" charset="-122"/>
-                <a:ea typeface="微软雅黑" panose="020B0503020204020204" pitchFamily="34" charset="-122"/>
-              </a:rPr>
-              <a:t>(</a:t>
-            </a:r>
-            <a:r>
-              <a:rPr lang="zh-CN" altLang="en-US" dirty="0">
-                <a:latin typeface="微软雅黑" panose="020B0503020204020204" pitchFamily="34" charset="-122"/>
-                <a:ea typeface="微软雅黑" panose="020B0503020204020204" pitchFamily="34" charset="-122"/>
-              </a:rPr>
-              <a:t>相似度</a:t>
-            </a:r>
-            <a:r>
-              <a:rPr lang="en-US" altLang="zh-CN" dirty="0">
-                <a:latin typeface="微软雅黑" panose="020B0503020204020204" pitchFamily="34" charset="-122"/>
-                <a:ea typeface="微软雅黑" panose="020B0503020204020204" pitchFamily="34" charset="-122"/>
-              </a:rPr>
-              <a:t>)</a:t>
-            </a:r>
-            <a:r>
-              <a:rPr lang="zh-CN" altLang="en-US" dirty="0">
-                <a:latin typeface="微软雅黑" panose="020B0503020204020204" pitchFamily="34" charset="-122"/>
-                <a:ea typeface="微软雅黑" panose="020B0503020204020204" pitchFamily="34" charset="-122"/>
-              </a:rPr>
-              <a:t>：给定测试对象，计算它与训练集中的每个对象的距离</a:t>
-            </a:r>
-            <a:endParaRPr lang="en-US" altLang="zh-CN" dirty="0">
-              <a:latin typeface="微软雅黑" panose="020B0503020204020204" pitchFamily="34" charset="-122"/>
-              <a:ea typeface="微软雅黑" panose="020B0503020204020204" pitchFamily="34" charset="-122"/>
-            </a:endParaRPr>
-          </a:p>
-          <a:p>
-            <a:pPr>
-              <a:lnSpc>
-                <a:spcPct val="150000"/>
-              </a:lnSpc>
-            </a:pPr>
-            <a:r>
-              <a:rPr lang="en-US" altLang="zh-CN" dirty="0">
-                <a:latin typeface="微软雅黑" panose="020B0503020204020204" pitchFamily="34" charset="-122"/>
-                <a:ea typeface="微软雅黑" panose="020B0503020204020204" pitchFamily="34" charset="-122"/>
-              </a:rPr>
-              <a:t>2.</a:t>
-            </a:r>
-            <a:r>
-              <a:rPr lang="zh-CN" altLang="en-US" dirty="0">
-                <a:latin typeface="微软雅黑" panose="020B0503020204020204" pitchFamily="34" charset="-122"/>
-                <a:ea typeface="微软雅黑" panose="020B0503020204020204" pitchFamily="34" charset="-122"/>
-              </a:rPr>
-              <a:t>找邻居：圈定距离最近的</a:t>
-            </a:r>
-            <a:r>
-              <a:rPr lang="en-US" altLang="zh-CN" dirty="0">
-                <a:latin typeface="微软雅黑" panose="020B0503020204020204" pitchFamily="34" charset="-122"/>
-                <a:ea typeface="微软雅黑" panose="020B0503020204020204" pitchFamily="34" charset="-122"/>
-              </a:rPr>
-              <a:t>k</a:t>
-            </a:r>
-            <a:r>
-              <a:rPr lang="zh-CN" altLang="en-US" dirty="0">
-                <a:latin typeface="微软雅黑" panose="020B0503020204020204" pitchFamily="34" charset="-122"/>
-                <a:ea typeface="微软雅黑" panose="020B0503020204020204" pitchFamily="34" charset="-122"/>
-              </a:rPr>
-              <a:t>个训练对象，作为测试对象的邻居</a:t>
-            </a:r>
-            <a:endParaRPr lang="en-US" altLang="zh-CN" dirty="0">
-              <a:latin typeface="微软雅黑" panose="020B0503020204020204" pitchFamily="34" charset="-122"/>
-              <a:ea typeface="微软雅黑" panose="020B0503020204020204" pitchFamily="34" charset="-122"/>
-            </a:endParaRPr>
-          </a:p>
-          <a:p>
-            <a:pPr>
-              <a:lnSpc>
-                <a:spcPct val="150000"/>
-              </a:lnSpc>
-            </a:pPr>
-            <a:r>
-              <a:rPr lang="en-US" altLang="zh-CN" dirty="0">
-                <a:latin typeface="微软雅黑" panose="020B0503020204020204" pitchFamily="34" charset="-122"/>
-                <a:ea typeface="微软雅黑" panose="020B0503020204020204" pitchFamily="34" charset="-122"/>
-              </a:rPr>
-              <a:t>3.</a:t>
-            </a:r>
-            <a:r>
-              <a:rPr lang="zh-CN" altLang="en-US" dirty="0">
-                <a:latin typeface="微软雅黑" panose="020B0503020204020204" pitchFamily="34" charset="-122"/>
-                <a:ea typeface="微软雅黑" panose="020B0503020204020204" pitchFamily="34" charset="-122"/>
-              </a:rPr>
-              <a:t>做分类：根据邻居的类别来对测试对象进行投票分类，</a:t>
-            </a:r>
-            <a:r>
-              <a:rPr lang="zh-CN" altLang="en-US" dirty="0">
-                <a:solidFill>
-                  <a:srgbClr val="FF0000"/>
-                </a:solidFill>
-                <a:latin typeface="微软雅黑" panose="020B0503020204020204" pitchFamily="34" charset="-122"/>
-                <a:ea typeface="微软雅黑" panose="020B0503020204020204" pitchFamily="34" charset="-122"/>
-              </a:rPr>
-              <a:t>同票不一定同权</a:t>
-            </a:r>
-          </a:p>
-        </p:txBody>
-      </p:sp>
-      <p:sp>
-        <p:nvSpPr>
-          <p:cNvPr id="6" name="TextBox 3">
-            <a:extLst>
-              <a:ext uri="{FF2B5EF4-FFF2-40B4-BE49-F238E27FC236}">
-                <a16:creationId xmlns:a16="http://schemas.microsoft.com/office/drawing/2014/main" id="{594DE7A4-0A76-4572-A4E6-1FEBD5D534DD}"/>
-              </a:ext>
-            </a:extLst>
-          </p:cNvPr>
-          <p:cNvSpPr txBox="1"/>
-          <p:nvPr/>
-        </p:nvSpPr>
-        <p:spPr>
-          <a:xfrm>
-            <a:off x="618011" y="3324722"/>
-            <a:ext cx="5034109" cy="1705403"/>
-          </a:xfrm>
-          <a:prstGeom prst="rect">
-            <a:avLst/>
-          </a:prstGeom>
-          <a:noFill/>
-        </p:spPr>
-        <p:txBody>
-          <a:bodyPr wrap="square" rtlCol="0">
-            <a:spAutoFit/>
-          </a:bodyPr>
-          <a:lstStyle/>
-          <a:p>
-            <a:pPr latinLnBrk="1">
-              <a:lnSpc>
-                <a:spcPct val="150000"/>
-              </a:lnSpc>
-            </a:pPr>
-            <a:r>
-              <a:rPr lang="zh-CN" altLang="en-US" dirty="0">
-                <a:latin typeface="微软雅黑" panose="020B0503020204020204" pitchFamily="34" charset="-122"/>
-                <a:ea typeface="微软雅黑" panose="020B0503020204020204" pitchFamily="34" charset="-122"/>
-              </a:rPr>
-              <a:t>优点：</a:t>
-            </a:r>
-            <a:endParaRPr lang="en-US" altLang="zh-CN" dirty="0">
-              <a:latin typeface="微软雅黑" panose="020B0503020204020204" pitchFamily="34" charset="-122"/>
-              <a:ea typeface="微软雅黑" panose="020B0503020204020204" pitchFamily="34" charset="-122"/>
-            </a:endParaRPr>
-          </a:p>
-          <a:p>
-            <a:pPr latinLnBrk="1">
-              <a:lnSpc>
-                <a:spcPct val="150000"/>
-              </a:lnSpc>
-            </a:pPr>
-            <a:r>
-              <a:rPr lang="en-US" altLang="zh-CN" dirty="0">
-                <a:latin typeface="微软雅黑" panose="020B0503020204020204" pitchFamily="34" charset="-122"/>
-                <a:ea typeface="微软雅黑" panose="020B0503020204020204" pitchFamily="34" charset="-122"/>
-              </a:rPr>
-              <a:t>    1.</a:t>
-            </a:r>
-            <a:r>
-              <a:rPr lang="zh-CN" altLang="zh-CN" dirty="0">
-                <a:latin typeface="微软雅黑" panose="020B0503020204020204" pitchFamily="34" charset="-122"/>
-                <a:ea typeface="微软雅黑" panose="020B0503020204020204" pitchFamily="34" charset="-122"/>
-              </a:rPr>
-              <a:t>简单，</a:t>
-            </a:r>
-            <a:r>
-              <a:rPr lang="zh-CN" altLang="en-US" dirty="0">
-                <a:latin typeface="微软雅黑" panose="020B0503020204020204" pitchFamily="34" charset="-122"/>
-                <a:ea typeface="微软雅黑" panose="020B0503020204020204" pitchFamily="34" charset="-122"/>
-              </a:rPr>
-              <a:t>有效</a:t>
-            </a:r>
-            <a:endParaRPr lang="en-US" altLang="zh-CN" dirty="0">
-              <a:latin typeface="微软雅黑" panose="020B0503020204020204" pitchFamily="34" charset="-122"/>
-              <a:ea typeface="微软雅黑" panose="020B0503020204020204" pitchFamily="34" charset="-122"/>
-            </a:endParaRPr>
-          </a:p>
-          <a:p>
-            <a:pPr latinLnBrk="1">
-              <a:lnSpc>
-                <a:spcPct val="150000"/>
-              </a:lnSpc>
-            </a:pPr>
-            <a:r>
-              <a:rPr lang="en-US" altLang="zh-CN" dirty="0">
-                <a:latin typeface="微软雅黑" panose="020B0503020204020204" pitchFamily="34" charset="-122"/>
-                <a:ea typeface="微软雅黑" panose="020B0503020204020204" pitchFamily="34" charset="-122"/>
-              </a:rPr>
-              <a:t>    2.</a:t>
-            </a:r>
-            <a:r>
-              <a:rPr lang="zh-CN" altLang="zh-CN" dirty="0">
-                <a:latin typeface="微软雅黑" panose="020B0503020204020204" pitchFamily="34" charset="-122"/>
-                <a:ea typeface="微软雅黑" panose="020B0503020204020204" pitchFamily="34" charset="-122"/>
-              </a:rPr>
-              <a:t>适用于类域的交叉或重叠较多的待分样本集</a:t>
-            </a:r>
-            <a:endParaRPr lang="en-US" altLang="zh-CN" dirty="0">
-              <a:latin typeface="微软雅黑" panose="020B0503020204020204" pitchFamily="34" charset="-122"/>
-              <a:ea typeface="微软雅黑" panose="020B0503020204020204" pitchFamily="34" charset="-122"/>
-            </a:endParaRPr>
-          </a:p>
-          <a:p>
-            <a:pPr latinLnBrk="1">
-              <a:lnSpc>
-                <a:spcPct val="150000"/>
-              </a:lnSpc>
-            </a:pPr>
-            <a:r>
-              <a:rPr lang="en-US" altLang="zh-CN" dirty="0">
-                <a:latin typeface="微软雅黑" panose="020B0503020204020204" pitchFamily="34" charset="-122"/>
-                <a:ea typeface="微软雅黑" panose="020B0503020204020204" pitchFamily="34" charset="-122"/>
-              </a:rPr>
-              <a:t>    3.</a:t>
-            </a:r>
-            <a:r>
-              <a:rPr lang="zh-CN" altLang="zh-CN" dirty="0">
-                <a:latin typeface="微软雅黑" panose="020B0503020204020204" pitchFamily="34" charset="-122"/>
-                <a:ea typeface="微软雅黑" panose="020B0503020204020204" pitchFamily="34" charset="-122"/>
-              </a:rPr>
-              <a:t>适用于样本容量比较大的类域的自动分类</a:t>
-            </a:r>
-            <a:endParaRPr lang="zh-CN" altLang="en-US" dirty="0">
-              <a:latin typeface="微软雅黑" panose="020B0503020204020204" pitchFamily="34" charset="-122"/>
-              <a:ea typeface="微软雅黑" panose="020B0503020204020204" pitchFamily="34" charset="-122"/>
-            </a:endParaRPr>
-          </a:p>
-        </p:txBody>
-      </p:sp>
-      <p:sp>
-        <p:nvSpPr>
-          <p:cNvPr id="8" name="TextBox 3">
-            <a:extLst>
-              <a:ext uri="{FF2B5EF4-FFF2-40B4-BE49-F238E27FC236}">
-                <a16:creationId xmlns:a16="http://schemas.microsoft.com/office/drawing/2014/main" id="{22FF6489-EFBE-48DE-A523-ADAA6382C931}"/>
-              </a:ext>
-            </a:extLst>
-          </p:cNvPr>
-          <p:cNvSpPr txBox="1"/>
-          <p:nvPr/>
-        </p:nvSpPr>
-        <p:spPr>
-          <a:xfrm>
-            <a:off x="618011" y="5013176"/>
-            <a:ext cx="3521941" cy="1705403"/>
-          </a:xfrm>
-          <a:prstGeom prst="rect">
-            <a:avLst/>
-          </a:prstGeom>
-          <a:noFill/>
-        </p:spPr>
-        <p:txBody>
-          <a:bodyPr wrap="square" rtlCol="0">
-            <a:spAutoFit/>
-          </a:bodyPr>
-          <a:lstStyle/>
-          <a:p>
-            <a:pPr latinLnBrk="1">
-              <a:lnSpc>
-                <a:spcPct val="150000"/>
-              </a:lnSpc>
-            </a:pPr>
-            <a:r>
-              <a:rPr lang="zh-CN" altLang="en-US" dirty="0">
-                <a:latin typeface="微软雅黑" panose="020B0503020204020204" pitchFamily="34" charset="-122"/>
-                <a:ea typeface="微软雅黑" panose="020B0503020204020204" pitchFamily="34" charset="-122"/>
-              </a:rPr>
-              <a:t>缺点：</a:t>
-            </a:r>
-            <a:endParaRPr lang="en-US" altLang="zh-CN" dirty="0">
-              <a:latin typeface="微软雅黑" panose="020B0503020204020204" pitchFamily="34" charset="-122"/>
-              <a:ea typeface="微软雅黑" panose="020B0503020204020204" pitchFamily="34" charset="-122"/>
-            </a:endParaRPr>
-          </a:p>
-          <a:p>
-            <a:pPr latinLnBrk="1">
-              <a:lnSpc>
-                <a:spcPct val="150000"/>
-              </a:lnSpc>
-            </a:pPr>
-            <a:r>
-              <a:rPr lang="en-US" altLang="zh-CN" dirty="0">
-                <a:latin typeface="微软雅黑" panose="020B0503020204020204" pitchFamily="34" charset="-122"/>
-                <a:ea typeface="微软雅黑" panose="020B0503020204020204" pitchFamily="34" charset="-122"/>
-              </a:rPr>
-              <a:t>    1.</a:t>
-            </a:r>
-            <a:r>
-              <a:rPr lang="zh-CN" altLang="zh-CN" dirty="0">
-                <a:latin typeface="微软雅黑" panose="020B0503020204020204" pitchFamily="34" charset="-122"/>
-                <a:ea typeface="微软雅黑" panose="020B0503020204020204" pitchFamily="34" charset="-122"/>
-              </a:rPr>
-              <a:t>懒散学习方法</a:t>
-            </a:r>
-            <a:r>
-              <a:rPr lang="zh-CN" altLang="en-US" dirty="0">
-                <a:latin typeface="微软雅黑" panose="020B0503020204020204" pitchFamily="34" charset="-122"/>
-                <a:ea typeface="微软雅黑" panose="020B0503020204020204" pitchFamily="34" charset="-122"/>
-              </a:rPr>
-              <a:t>，速度慢</a:t>
-            </a:r>
-            <a:endParaRPr lang="en-US" altLang="zh-CN" dirty="0">
-              <a:latin typeface="微软雅黑" panose="020B0503020204020204" pitchFamily="34" charset="-122"/>
-              <a:ea typeface="微软雅黑" panose="020B0503020204020204" pitchFamily="34" charset="-122"/>
-            </a:endParaRPr>
-          </a:p>
-          <a:p>
-            <a:pPr latinLnBrk="1">
-              <a:lnSpc>
-                <a:spcPct val="150000"/>
-              </a:lnSpc>
-            </a:pPr>
-            <a:r>
-              <a:rPr lang="en-US" altLang="zh-CN" dirty="0">
-                <a:latin typeface="微软雅黑" panose="020B0503020204020204" pitchFamily="34" charset="-122"/>
-                <a:ea typeface="微软雅黑" panose="020B0503020204020204" pitchFamily="34" charset="-122"/>
-              </a:rPr>
-              <a:t>    2.</a:t>
-            </a:r>
-            <a:r>
-              <a:rPr lang="zh-CN" altLang="zh-CN" dirty="0">
-                <a:latin typeface="微软雅黑" panose="020B0503020204020204" pitchFamily="34" charset="-122"/>
-                <a:ea typeface="微软雅黑" panose="020B0503020204020204" pitchFamily="34" charset="-122"/>
-              </a:rPr>
-              <a:t>数量并不能影响运行结果</a:t>
-            </a:r>
-            <a:endParaRPr lang="en-US" altLang="zh-CN" dirty="0">
-              <a:latin typeface="微软雅黑" panose="020B0503020204020204" pitchFamily="34" charset="-122"/>
-              <a:ea typeface="微软雅黑" panose="020B0503020204020204" pitchFamily="34" charset="-122"/>
-            </a:endParaRPr>
-          </a:p>
-          <a:p>
-            <a:pPr latinLnBrk="1">
-              <a:lnSpc>
-                <a:spcPct val="150000"/>
-              </a:lnSpc>
-            </a:pPr>
-            <a:r>
-              <a:rPr lang="en-US" altLang="zh-CN" dirty="0">
-                <a:latin typeface="微软雅黑" panose="020B0503020204020204" pitchFamily="34" charset="-122"/>
-                <a:ea typeface="微软雅黑" panose="020B0503020204020204" pitchFamily="34" charset="-122"/>
-              </a:rPr>
-              <a:t>    3.</a:t>
-            </a:r>
-            <a:r>
-              <a:rPr lang="zh-CN" altLang="zh-CN" dirty="0">
-                <a:latin typeface="微软雅黑" panose="020B0503020204020204" pitchFamily="34" charset="-122"/>
-                <a:ea typeface="微软雅黑" panose="020B0503020204020204" pitchFamily="34" charset="-122"/>
-              </a:rPr>
-              <a:t>计算量较大</a:t>
-            </a:r>
-            <a:endParaRPr lang="zh-CN" altLang="en-US" dirty="0">
-              <a:latin typeface="微软雅黑" panose="020B0503020204020204" pitchFamily="34" charset="-122"/>
-              <a:ea typeface="微软雅黑" panose="020B0503020204020204" pitchFamily="34" charset="-122"/>
-            </a:endParaRPr>
-          </a:p>
-        </p:txBody>
-      </p:sp>
-      <p:sp>
-        <p:nvSpPr>
-          <p:cNvPr id="3" name="矩形 2">
-            <a:extLst>
-              <a:ext uri="{FF2B5EF4-FFF2-40B4-BE49-F238E27FC236}">
-                <a16:creationId xmlns:a16="http://schemas.microsoft.com/office/drawing/2014/main" id="{BBB82344-9683-49D0-87A7-54635C8648D4}"/>
-              </a:ext>
-            </a:extLst>
-          </p:cNvPr>
-          <p:cNvSpPr/>
-          <p:nvPr/>
-        </p:nvSpPr>
-        <p:spPr>
-          <a:xfrm>
-            <a:off x="616380" y="1147910"/>
-            <a:ext cx="7704856" cy="923330"/>
-          </a:xfrm>
-          <a:prstGeom prst="rect">
-            <a:avLst/>
-          </a:prstGeom>
-        </p:spPr>
-        <p:txBody>
-          <a:bodyPr wrap="square">
-            <a:spAutoFit/>
-          </a:bodyPr>
-          <a:lstStyle/>
-          <a:p>
-            <a:r>
-              <a:rPr lang="en-US" altLang="zh-CN" dirty="0" err="1">
-                <a:latin typeface="微软雅黑" panose="020B0503020204020204" pitchFamily="34" charset="-122"/>
-                <a:ea typeface="微软雅黑" panose="020B0503020204020204" pitchFamily="34" charset="-122"/>
-              </a:rPr>
-              <a:t>kNN</a:t>
-            </a:r>
-            <a:r>
-              <a:rPr lang="zh-CN" altLang="en-US" dirty="0">
-                <a:latin typeface="微软雅黑" panose="020B0503020204020204" pitchFamily="34" charset="-122"/>
-                <a:ea typeface="微软雅黑" panose="020B0503020204020204" pitchFamily="34" charset="-122"/>
-              </a:rPr>
-              <a:t>算法的核心思想是，如果一个样本在特征</a:t>
-            </a:r>
-            <a:r>
-              <a:rPr lang="zh-CN" altLang="en-US">
-                <a:latin typeface="微软雅黑" panose="020B0503020204020204" pitchFamily="34" charset="-122"/>
-                <a:ea typeface="微软雅黑" panose="020B0503020204020204" pitchFamily="34" charset="-122"/>
-              </a:rPr>
-              <a:t>空间中，</a:t>
-            </a:r>
-            <a:r>
-              <a:rPr lang="en-US" altLang="zh-CN">
-                <a:latin typeface="微软雅黑" panose="020B0503020204020204" pitchFamily="34" charset="-122"/>
-                <a:ea typeface="微软雅黑" panose="020B0503020204020204" pitchFamily="34" charset="-122"/>
-              </a:rPr>
-              <a:t>k</a:t>
-            </a:r>
-            <a:r>
-              <a:rPr lang="zh-CN" altLang="en-US" dirty="0">
-                <a:latin typeface="微软雅黑" panose="020B0503020204020204" pitchFamily="34" charset="-122"/>
-                <a:ea typeface="微软雅黑" panose="020B0503020204020204" pitchFamily="34" charset="-122"/>
-              </a:rPr>
-              <a:t>个最相邻样本中的大多数属于某一个类别，则该样本也属于这个类别，并具有这个类别上样本的特性。</a:t>
-            </a:r>
-          </a:p>
-        </p:txBody>
-      </p:sp>
+      </p:pic>
     </p:spTree>
+    <p:extLst>
+      <p:ext uri="{BB962C8B-B14F-4D97-AF65-F5344CB8AC3E}">
+        <p14:creationId xmlns:p14="http://schemas.microsoft.com/office/powerpoint/2010/main" val="646099243"/>
+      </p:ext>
+    </p:extLst>
   </p:cSld>
   <p:clrMapOvr>
     <a:masterClrMapping/>
@@ -10661,7 +7557,13 @@
       </p:grpSpPr>
       <p:sp>
         <p:nvSpPr>
-          <p:cNvPr id="2" name="标题 1"/>
+          <p:cNvPr id="2" name="标题 1">
+            <a:extLst>
+              <a:ext uri="{FF2B5EF4-FFF2-40B4-BE49-F238E27FC236}">
+                <a16:creationId xmlns:a16="http://schemas.microsoft.com/office/drawing/2014/main" id="{6566C775-DDA7-49B0-866B-3DC727A47B30}"/>
+              </a:ext>
+            </a:extLst>
+          </p:cNvPr>
           <p:cNvSpPr>
             <a:spLocks noGrp="1"/>
           </p:cNvSpPr>
@@ -10679,17 +7581,18 @@
                 <a:latin typeface="微软雅黑" panose="020B0503020204020204" pitchFamily="34" charset="-122"/>
                 <a:ea typeface="微软雅黑" panose="020B0503020204020204" pitchFamily="34" charset="-122"/>
               </a:rPr>
-              <a:t>如何判断距离（相似度）</a:t>
-            </a:r>
-          </a:p>
-        </p:txBody>
-      </p:sp>
-      <p:sp>
-        <p:nvSpPr>
-          <p:cNvPr id="3" name="矩形 2">
+              <a:t>如何推断花骨朵的颜色</a:t>
+            </a:r>
+            <a:endParaRPr lang="zh-CN" altLang="en-US" dirty="0"/>
+          </a:p>
+        </p:txBody>
+      </p:sp>
+      <p:sp>
+        <p:nvSpPr>
+          <p:cNvPr id="4" name="矩形 3">
             <a:extLst>
               <a:ext uri="{FF2B5EF4-FFF2-40B4-BE49-F238E27FC236}">
-                <a16:creationId xmlns:a16="http://schemas.microsoft.com/office/drawing/2014/main" id="{DEB2230A-72F1-4C6D-8849-9EEE99DC4E8E}"/>
+                <a16:creationId xmlns:a16="http://schemas.microsoft.com/office/drawing/2014/main" id="{5B875EA2-3D88-4054-B094-C7BE60132690}"/>
               </a:ext>
             </a:extLst>
           </p:cNvPr>
@@ -10698,8 +7601,8 @@
         </p:nvSpPr>
         <p:spPr>
           <a:xfrm>
-            <a:off x="1619672" y="2420888"/>
-            <a:ext cx="5688632" cy="1200329"/>
+            <a:off x="683568" y="2204864"/>
+            <a:ext cx="3888432" cy="2541080"/>
           </a:xfrm>
           <a:prstGeom prst="rect">
             <a:avLst/>
@@ -10711,100 +7614,73 @@
           </a:bodyPr>
           <a:lstStyle/>
           <a:p>
+            <a:pPr>
+              <a:lnSpc>
+                <a:spcPct val="150000"/>
+              </a:lnSpc>
+            </a:pPr>
             <a:r>
               <a:rPr lang="zh-CN" altLang="en-US" dirty="0">
-                <a:solidFill>
-                  <a:srgbClr val="333333"/>
-                </a:solidFill>
                 <a:ea typeface="微软雅黑" panose="020B0503020204020204" pitchFamily="34" charset="-122"/>
               </a:rPr>
-              <a:t>余弦相似度用向量空间中两个向量夹角的余弦值作为衡量两个个体间差异的大小。</a:t>
-            </a:r>
-            <a:r>
-              <a:rPr lang="zh-CN" altLang="zh-CN" dirty="0">
-                <a:solidFill>
-                  <a:srgbClr val="333333"/>
-                </a:solidFill>
-                <a:ea typeface="微软雅黑" panose="020B0503020204020204" pitchFamily="34" charset="-122"/>
-              </a:rPr>
-              <a:t>余弦值区间</a:t>
-            </a:r>
-            <a:r>
-              <a:rPr lang="zh-CN" altLang="en-US" dirty="0">
-                <a:solidFill>
-                  <a:srgbClr val="333333"/>
-                </a:solidFill>
-                <a:ea typeface="微软雅黑" panose="020B0503020204020204" pitchFamily="34" charset="-122"/>
-              </a:rPr>
-              <a:t>是</a:t>
-            </a:r>
-            <a:r>
-              <a:rPr lang="en-US" altLang="zh-CN" dirty="0">
-                <a:solidFill>
-                  <a:srgbClr val="333333"/>
-                </a:solidFill>
-                <a:ea typeface="微软雅黑" panose="020B0503020204020204" pitchFamily="34" charset="-122"/>
-              </a:rPr>
-              <a:t>[-1,1]</a:t>
-            </a:r>
-            <a:r>
-              <a:rPr lang="zh-CN" altLang="zh-CN" dirty="0">
-                <a:solidFill>
-                  <a:srgbClr val="333333"/>
-                </a:solidFill>
-                <a:ea typeface="微软雅黑" panose="020B0503020204020204" pitchFamily="34" charset="-122"/>
-              </a:rPr>
-              <a:t>，值越大，差异越小</a:t>
-            </a:r>
-            <a:r>
-              <a:rPr lang="zh-CN" altLang="en-US" dirty="0">
-                <a:solidFill>
-                  <a:srgbClr val="333333"/>
-                </a:solidFill>
-                <a:ea typeface="微软雅黑" panose="020B0503020204020204" pitchFamily="34" charset="-122"/>
-              </a:rPr>
-              <a:t>。相比距离度量，余弦相似度更加注重两个向量在方向上的差异，而非距离或长度上。公式如下：</a:t>
+              <a:t>        花骨朵周围有好多花，数都数不过来，所以我们应该选择几个邻居，比如说先找到花骨朵最近的十五朵花当做邻居，然后看看邻居们的颜色和相应数量，继而对花骨朵的颜色进行推断。</a:t>
             </a:r>
           </a:p>
         </p:txBody>
       </p:sp>
       <p:pic>
         <p:nvPicPr>
-          <p:cNvPr id="7" name="图片 6">
+          <p:cNvPr id="3074" name="Picture 2" descr="ãè±æµãçåçæå°çµæ">
             <a:extLst>
               <a:ext uri="{FF2B5EF4-FFF2-40B4-BE49-F238E27FC236}">
-                <a16:creationId xmlns:a16="http://schemas.microsoft.com/office/drawing/2014/main" id="{02F7E0EC-262E-4BC7-B7B8-150526E5B944}"/>
+                <a16:creationId xmlns:a16="http://schemas.microsoft.com/office/drawing/2014/main" id="{B339F0E6-70DE-4489-A5C8-4363FFE27E41}"/>
               </a:ext>
             </a:extLst>
           </p:cNvPr>
           <p:cNvPicPr>
-            <a:picLocks noChangeAspect="1"/>
+            <a:picLocks noChangeAspect="1" noChangeArrowheads="1"/>
           </p:cNvPicPr>
           <p:nvPr/>
         </p:nvPicPr>
         <p:blipFill>
-          <a:blip r:embed="rId3" cstate="print">
+          <a:blip r:embed="rId2">
             <a:extLst>
               <a:ext uri="{28A0092B-C50C-407E-A947-70E740481C1C}">
                 <a14:useLocalDpi xmlns:a14="http://schemas.microsoft.com/office/drawing/2010/main" val="0"/>
               </a:ext>
             </a:extLst>
           </a:blip>
+          <a:srcRect/>
           <a:stretch>
             <a:fillRect/>
           </a:stretch>
         </p:blipFill>
-        <p:spPr>
+        <p:spPr bwMode="auto">
           <a:xfrm>
-            <a:off x="1691680" y="3789040"/>
-            <a:ext cx="4884847" cy="1271135"/>
+            <a:off x="4572000" y="1844824"/>
+            <a:ext cx="4251149" cy="2815183"/>
           </a:xfrm>
           <a:prstGeom prst="rect">
             <a:avLst/>
           </a:prstGeom>
+          <a:noFill/>
+          <a:extLst>
+            <a:ext uri="{909E8E84-426E-40DD-AFC4-6F175D3DCCD1}">
+              <a14:hiddenFill xmlns:a14="http://schemas.microsoft.com/office/drawing/2010/main">
+                <a:solidFill>
+                  <a:srgbClr val="FFFFFF"/>
+                </a:solidFill>
+              </a14:hiddenFill>
+            </a:ext>
+          </a:extLst>
         </p:spPr>
       </p:pic>
     </p:spTree>
+    <p:extLst>
+      <p:ext uri="{BB962C8B-B14F-4D97-AF65-F5344CB8AC3E}">
+        <p14:creationId xmlns:p14="http://schemas.microsoft.com/office/powerpoint/2010/main" val="1319693939"/>
+      </p:ext>
+    </p:extLst>
   </p:cSld>
   <p:clrMapOvr>
     <a:masterClrMapping/>
@@ -10834,7 +7710,7 @@
           <p:cNvPr id="2" name="标题 1">
             <a:extLst>
               <a:ext uri="{FF2B5EF4-FFF2-40B4-BE49-F238E27FC236}">
-                <a16:creationId xmlns:a16="http://schemas.microsoft.com/office/drawing/2014/main" id="{7F81D5A8-110D-4894-BF14-C6940F57ECC3}"/>
+                <a16:creationId xmlns:a16="http://schemas.microsoft.com/office/drawing/2014/main" id="{6566C775-DDA7-49B0-866B-3DC727A47B30}"/>
               </a:ext>
             </a:extLst>
           </p:cNvPr>
@@ -10855,234 +7731,177 @@
                 <a:latin typeface="微软雅黑" panose="020B0503020204020204" pitchFamily="34" charset="-122"/>
                 <a:ea typeface="微软雅黑" panose="020B0503020204020204" pitchFamily="34" charset="-122"/>
               </a:rPr>
-              <a:t>如何找邻居：</a:t>
-            </a:r>
+              <a:t>如何计算距离</a:t>
+            </a:r>
+            <a:endParaRPr lang="zh-CN" altLang="en-US" dirty="0"/>
+          </a:p>
+        </p:txBody>
+      </p:sp>
+      <p:sp>
+        <p:nvSpPr>
+          <p:cNvPr id="4" name="矩形 3">
+            <a:extLst>
+              <a:ext uri="{FF2B5EF4-FFF2-40B4-BE49-F238E27FC236}">
+                <a16:creationId xmlns:a16="http://schemas.microsoft.com/office/drawing/2014/main" id="{5B875EA2-3D88-4054-B094-C7BE60132690}"/>
+              </a:ext>
+            </a:extLst>
+          </p:cNvPr>
+          <p:cNvSpPr/>
+          <p:nvPr/>
+        </p:nvSpPr>
+        <p:spPr>
+          <a:xfrm>
+            <a:off x="2204120" y="2396697"/>
+            <a:ext cx="5040560" cy="463588"/>
+          </a:xfrm>
+          <a:prstGeom prst="rect">
+            <a:avLst/>
+          </a:prstGeom>
+        </p:spPr>
+        <p:txBody>
+          <a:bodyPr wrap="square">
+            <a:spAutoFit/>
+          </a:bodyPr>
+          <a:lstStyle/>
+          <a:p>
+            <a:pPr>
+              <a:lnSpc>
+                <a:spcPct val="150000"/>
+              </a:lnSpc>
+            </a:pPr>
             <a:r>
               <a:rPr lang="en-US" altLang="zh-CN" dirty="0">
                 <a:latin typeface="微软雅黑" panose="020B0503020204020204" pitchFamily="34" charset="-122"/>
                 <a:ea typeface="微软雅黑" panose="020B0503020204020204" pitchFamily="34" charset="-122"/>
               </a:rPr>
-              <a:t>K</a:t>
+              <a:t>KNN</a:t>
             </a:r>
             <a:r>
               <a:rPr lang="zh-CN" altLang="en-US" dirty="0">
                 <a:latin typeface="微软雅黑" panose="020B0503020204020204" pitchFamily="34" charset="-122"/>
                 <a:ea typeface="微软雅黑" panose="020B0503020204020204" pitchFamily="34" charset="-122"/>
               </a:rPr>
-              <a:t>值的选择</a:t>
-            </a:r>
-          </a:p>
-        </p:txBody>
-      </p:sp>
-      <p:sp>
-        <p:nvSpPr>
-          <p:cNvPr id="3" name="内容占位符 2">
+              <a:t>算法中计算距离的原理：余弦相似度</a:t>
+            </a:r>
+            <a:endParaRPr lang="zh-CN" altLang="en-US" b="1" dirty="0">
+              <a:ea typeface="微软雅黑" panose="020B0503020204020204" pitchFamily="34" charset="-122"/>
+            </a:endParaRPr>
+          </a:p>
+        </p:txBody>
+      </p:sp>
+      <p:pic>
+        <p:nvPicPr>
+          <p:cNvPr id="6" name="图片 5">
             <a:extLst>
               <a:ext uri="{FF2B5EF4-FFF2-40B4-BE49-F238E27FC236}">
-                <a16:creationId xmlns:a16="http://schemas.microsoft.com/office/drawing/2014/main" id="{B076A477-7888-4601-AFA0-D446D842C438}"/>
-              </a:ext>
-            </a:extLst>
-          </p:cNvPr>
-          <p:cNvSpPr>
-            <a:spLocks noGrp="1"/>
-          </p:cNvSpPr>
-          <p:nvPr>
-            <p:ph idx="1"/>
-          </p:nvPr>
-        </p:nvSpPr>
-        <p:spPr/>
-        <p:txBody>
-          <a:bodyPr>
-            <a:normAutofit/>
-          </a:bodyPr>
-          <a:lstStyle/>
-          <a:p>
-            <a:pPr marL="0" indent="0">
-              <a:buNone/>
-            </a:pPr>
-            <a:r>
-              <a:rPr lang="en-US" altLang="zh-CN" sz="2000" dirty="0"/>
-              <a:t>K</a:t>
-            </a:r>
-            <a:r>
-              <a:rPr lang="zh-CN" altLang="en-US" sz="2000" dirty="0"/>
-              <a:t>值越小</a:t>
-            </a:r>
-            <a:endParaRPr lang="en-US" altLang="zh-CN" sz="2000" dirty="0"/>
-          </a:p>
-          <a:p>
-            <a:r>
-              <a:rPr lang="zh-CN" altLang="en-US" sz="2000" dirty="0"/>
-              <a:t>用较小的邻域中的训练实例进行预测</a:t>
-            </a:r>
-            <a:endParaRPr lang="en-US" altLang="zh-CN" sz="2000" dirty="0"/>
-          </a:p>
-          <a:p>
-            <a:r>
-              <a:rPr lang="zh-CN" altLang="en-US" sz="2000" dirty="0"/>
-              <a:t>预测结果会对近邻的实例点非常敏感</a:t>
-            </a:r>
-            <a:endParaRPr lang="en-US" altLang="zh-CN" sz="2000" dirty="0"/>
-          </a:p>
-          <a:p>
-            <a:r>
-              <a:rPr lang="zh-CN" altLang="en-US" sz="2000" dirty="0"/>
-              <a:t>模型复杂</a:t>
-            </a:r>
-            <a:endParaRPr lang="en-US" altLang="zh-CN" sz="2000" dirty="0"/>
-          </a:p>
-          <a:p>
-            <a:pPr marL="0" indent="0">
-              <a:buNone/>
-            </a:pPr>
-            <a:endParaRPr lang="en-US" altLang="zh-CN" sz="2000" dirty="0"/>
-          </a:p>
-          <a:p>
-            <a:pPr marL="0" indent="0">
-              <a:buNone/>
-            </a:pPr>
-            <a:r>
-              <a:rPr lang="en-US" altLang="zh-CN" sz="2000" dirty="0"/>
-              <a:t>K</a:t>
-            </a:r>
-            <a:r>
-              <a:rPr lang="zh-CN" altLang="en-US" sz="2000" dirty="0"/>
-              <a:t>值越大</a:t>
-            </a:r>
-            <a:endParaRPr lang="en-US" altLang="zh-CN" sz="2000" dirty="0"/>
-          </a:p>
-          <a:p>
-            <a:r>
-              <a:rPr lang="zh-CN" altLang="en-US" sz="2000" dirty="0"/>
-              <a:t>用较大的邻域中的训练实例进行预测</a:t>
-            </a:r>
-            <a:endParaRPr lang="en-US" altLang="zh-CN" sz="2000" dirty="0"/>
-          </a:p>
-          <a:p>
-            <a:r>
-              <a:rPr lang="zh-CN" altLang="en-US" sz="2000" dirty="0"/>
-              <a:t>与输入实例较远的训练实例也会对预测起作用</a:t>
-            </a:r>
-            <a:endParaRPr lang="en-US" altLang="zh-CN" sz="2000" dirty="0"/>
-          </a:p>
-          <a:p>
-            <a:r>
-              <a:rPr lang="zh-CN" altLang="en-US" sz="2000" dirty="0"/>
-              <a:t>模型简单</a:t>
-            </a:r>
-            <a:endParaRPr lang="en-US" altLang="zh-CN" sz="2000" dirty="0"/>
-          </a:p>
-          <a:p>
-            <a:pPr marL="0" indent="0">
-              <a:buNone/>
-            </a:pPr>
-            <a:endParaRPr lang="en-US" altLang="zh-CN" sz="2000" dirty="0"/>
-          </a:p>
-          <a:p>
-            <a:pPr marL="0" indent="0">
-              <a:buNone/>
-            </a:pPr>
-            <a:r>
-              <a:rPr lang="en-US" altLang="zh-CN" sz="2000" dirty="0"/>
-              <a:t>K</a:t>
-            </a:r>
-            <a:r>
-              <a:rPr lang="zh-CN" altLang="en-US" sz="2000" dirty="0"/>
-              <a:t>一般是较小但不为</a:t>
-            </a:r>
-            <a:r>
-              <a:rPr lang="en-US" altLang="zh-CN" sz="2000" dirty="0"/>
-              <a:t>1</a:t>
-            </a:r>
-            <a:r>
-              <a:rPr lang="zh-CN" altLang="en-US" sz="2000" dirty="0"/>
-              <a:t>的数值，通常会使用交叉验证法来选取最优的</a:t>
-            </a:r>
-            <a:r>
-              <a:rPr lang="en-US" altLang="zh-CN" sz="2000" dirty="0"/>
-              <a:t>K</a:t>
-            </a:r>
-            <a:r>
-              <a:rPr lang="zh-CN" altLang="en-US" sz="2000" dirty="0"/>
-              <a:t>值。</a:t>
-            </a:r>
-          </a:p>
-        </p:txBody>
-      </p:sp>
-      <p:pic>
-        <p:nvPicPr>
-          <p:cNvPr id="4" name="Picture 3">
-            <a:extLst>
-              <a:ext uri="{FF2B5EF4-FFF2-40B4-BE49-F238E27FC236}">
-                <a16:creationId xmlns:a16="http://schemas.microsoft.com/office/drawing/2014/main" id="{62910DEC-368E-4C50-8F0D-4154F5E2D515}"/>
+                <a16:creationId xmlns:a16="http://schemas.microsoft.com/office/drawing/2014/main" id="{651594A2-E68C-4E93-BB5A-5B04622F6CA6}"/>
               </a:ext>
             </a:extLst>
           </p:cNvPr>
           <p:cNvPicPr>
-            <a:picLocks noChangeAspect="1" noChangeArrowheads="1"/>
+            <a:picLocks noChangeAspect="1"/>
           </p:cNvPicPr>
           <p:nvPr/>
         </p:nvPicPr>
         <p:blipFill>
-          <a:blip r:embed="rId2">
+          <a:blip r:embed="rId2" cstate="print">
             <a:extLst>
               <a:ext uri="{28A0092B-C50C-407E-A947-70E740481C1C}">
                 <a14:useLocalDpi xmlns:a14="http://schemas.microsoft.com/office/drawing/2010/main" val="0"/>
               </a:ext>
             </a:extLst>
           </a:blip>
-          <a:srcRect/>
           <a:stretch>
             <a:fillRect/>
           </a:stretch>
         </p:blipFill>
-        <p:spPr bwMode="auto">
+        <p:spPr>
           <a:xfrm>
-            <a:off x="5076056" y="1916832"/>
-            <a:ext cx="3358439" cy="1827783"/>
+            <a:off x="2232947" y="3354699"/>
+            <a:ext cx="5257674" cy="1368152"/>
           </a:xfrm>
           <a:prstGeom prst="rect">
             <a:avLst/>
           </a:prstGeom>
-          <a:noFill/>
-          <a:ln>
-            <a:noFill/>
-          </a:ln>
-          <a:effectLst/>
-          <a:extLst>
-            <a:ext uri="{909E8E84-426E-40DD-AFC4-6F175D3DCCD1}">
-              <a14:hiddenFill xmlns:a14="http://schemas.microsoft.com/office/drawing/2010/main">
-                <a:solidFill>
-                  <a:schemeClr val="accent1"/>
-                </a:solidFill>
-              </a14:hiddenFill>
-            </a:ext>
-            <a:ext uri="{91240B29-F687-4F45-9708-019B960494DF}">
-              <a14:hiddenLine xmlns:a14="http://schemas.microsoft.com/office/drawing/2010/main" w="9525">
-                <a:solidFill>
-                  <a:schemeClr val="tx1"/>
-                </a:solidFill>
-                <a:miter lim="800000"/>
-                <a:headEnd/>
-                <a:tailEnd/>
-              </a14:hiddenLine>
-            </a:ext>
-            <a:ext uri="{AF507438-7753-43E0-B8FC-AC1667EBCBE1}">
-              <a14:hiddenEffects xmlns:a14="http://schemas.microsoft.com/office/drawing/2010/main">
-                <a:effectLst>
-                  <a:outerShdw dist="35921" dir="2700000" algn="ctr" rotWithShape="0">
-                    <a:schemeClr val="bg2"/>
-                  </a:outerShdw>
-                </a:effectLst>
-              </a14:hiddenEffects>
-            </a:ext>
-          </a:extLst>
         </p:spPr>
       </p:pic>
+      <p:sp>
+        <p:nvSpPr>
+          <p:cNvPr id="8" name="矩形 7">
+            <a:extLst>
+              <a:ext uri="{FF2B5EF4-FFF2-40B4-BE49-F238E27FC236}">
+                <a16:creationId xmlns:a16="http://schemas.microsoft.com/office/drawing/2014/main" id="{EE154EB7-A510-49BD-A60D-E2274DB4B911}"/>
+              </a:ext>
+            </a:extLst>
+          </p:cNvPr>
+          <p:cNvSpPr/>
+          <p:nvPr/>
+        </p:nvSpPr>
+        <p:spPr>
+          <a:xfrm>
+            <a:off x="2204120" y="3097862"/>
+            <a:ext cx="5040560" cy="463588"/>
+          </a:xfrm>
+          <a:prstGeom prst="rect">
+            <a:avLst/>
+          </a:prstGeom>
+        </p:spPr>
+        <p:txBody>
+          <a:bodyPr wrap="square">
+            <a:spAutoFit/>
+          </a:bodyPr>
+          <a:lstStyle/>
+          <a:p>
+            <a:pPr>
+              <a:lnSpc>
+                <a:spcPct val="150000"/>
+              </a:lnSpc>
+            </a:pPr>
+            <a:r>
+              <a:rPr lang="zh-CN" altLang="zh-CN" dirty="0">
+                <a:latin typeface="微软雅黑" panose="020B0503020204020204" pitchFamily="34" charset="-122"/>
+                <a:ea typeface="微软雅黑" panose="020B0503020204020204" pitchFamily="34" charset="-122"/>
+              </a:rPr>
+              <a:t>余弦</a:t>
+            </a:r>
+            <a:r>
+              <a:rPr lang="zh-CN" altLang="en-US" dirty="0">
+                <a:latin typeface="微软雅黑" panose="020B0503020204020204" pitchFamily="34" charset="-122"/>
+                <a:ea typeface="微软雅黑" panose="020B0503020204020204" pitchFamily="34" charset="-122"/>
+              </a:rPr>
+              <a:t>取值范围是</a:t>
+            </a:r>
+            <a:r>
+              <a:rPr lang="en-US" altLang="zh-CN" dirty="0">
+                <a:latin typeface="微软雅黑" panose="020B0503020204020204" pitchFamily="34" charset="-122"/>
+                <a:ea typeface="微软雅黑" panose="020B0503020204020204" pitchFamily="34" charset="-122"/>
+              </a:rPr>
+              <a:t>[-1,1]</a:t>
+            </a:r>
+            <a:r>
+              <a:rPr lang="zh-CN" altLang="zh-CN" dirty="0">
+                <a:latin typeface="微软雅黑" panose="020B0503020204020204" pitchFamily="34" charset="-122"/>
+                <a:ea typeface="微软雅黑" panose="020B0503020204020204" pitchFamily="34" charset="-122"/>
+              </a:rPr>
+              <a:t>，值越大，</a:t>
+            </a:r>
+            <a:r>
+              <a:rPr lang="zh-CN" altLang="en-US" dirty="0">
+                <a:latin typeface="微软雅黑" panose="020B0503020204020204" pitchFamily="34" charset="-122"/>
+                <a:ea typeface="微软雅黑" panose="020B0503020204020204" pitchFamily="34" charset="-122"/>
+              </a:rPr>
+              <a:t>越相似。</a:t>
+            </a:r>
+            <a:endParaRPr lang="zh-CN" altLang="en-US" b="1" dirty="0">
+              <a:ea typeface="微软雅黑" panose="020B0503020204020204" pitchFamily="34" charset="-122"/>
+            </a:endParaRPr>
+          </a:p>
+        </p:txBody>
+      </p:sp>
     </p:spTree>
     <p:extLst>
       <p:ext uri="{BB962C8B-B14F-4D97-AF65-F5344CB8AC3E}">
-        <p14:creationId xmlns:p14="http://schemas.microsoft.com/office/powerpoint/2010/main" val="3561602571"/>
+        <p14:creationId xmlns:p14="http://schemas.microsoft.com/office/powerpoint/2010/main" val="3298059458"/>
       </p:ext>
     </p:extLst>
   </p:cSld>
@@ -11114,7 +7933,7 @@
           <p:cNvPr id="2" name="标题 1">
             <a:extLst>
               <a:ext uri="{FF2B5EF4-FFF2-40B4-BE49-F238E27FC236}">
-                <a16:creationId xmlns:a16="http://schemas.microsoft.com/office/drawing/2014/main" id="{8A5B4614-2773-430C-8E0A-8229B576A712}"/>
+                <a16:creationId xmlns:a16="http://schemas.microsoft.com/office/drawing/2014/main" id="{6566C775-DDA7-49B0-866B-3DC727A47B30}"/>
               </a:ext>
             </a:extLst>
           </p:cNvPr>
@@ -11135,17 +7954,18 @@
                 <a:latin typeface="微软雅黑" panose="020B0503020204020204" pitchFamily="34" charset="-122"/>
                 <a:ea typeface="微软雅黑" panose="020B0503020204020204" pitchFamily="34" charset="-122"/>
               </a:rPr>
-              <a:t>如何投票分类：同票不一定同权</a:t>
-            </a:r>
-          </a:p>
-        </p:txBody>
-      </p:sp>
-      <p:sp>
-        <p:nvSpPr>
-          <p:cNvPr id="6" name="矩形 5">
+              <a:t>如何选择邻居个数</a:t>
+            </a:r>
+            <a:endParaRPr lang="zh-CN" altLang="en-US" dirty="0"/>
+          </a:p>
+        </p:txBody>
+      </p:sp>
+      <p:sp>
+        <p:nvSpPr>
+          <p:cNvPr id="7" name="矩形 6">
             <a:extLst>
               <a:ext uri="{FF2B5EF4-FFF2-40B4-BE49-F238E27FC236}">
-                <a16:creationId xmlns:a16="http://schemas.microsoft.com/office/drawing/2014/main" id="{FA48A919-5E82-4BB2-B823-25F4A8C21BFF}"/>
+                <a16:creationId xmlns:a16="http://schemas.microsoft.com/office/drawing/2014/main" id="{CA2DB0CD-8999-47E4-9B74-959673477CA7}"/>
               </a:ext>
             </a:extLst>
           </p:cNvPr>
@@ -11154,8 +7974,8 @@
         </p:nvSpPr>
         <p:spPr>
           <a:xfrm>
-            <a:off x="685346" y="2670763"/>
-            <a:ext cx="4248472" cy="646331"/>
+            <a:off x="1115616" y="1723432"/>
+            <a:ext cx="3816424" cy="3139321"/>
           </a:xfrm>
           <a:prstGeom prst="rect">
             <a:avLst/>
@@ -11169,135 +7989,208 @@
           <a:p>
             <a:r>
               <a:rPr lang="zh-CN" altLang="en-US" dirty="0">
-                <a:solidFill>
-                  <a:srgbClr val="333333"/>
-                </a:solidFill>
                 <a:ea typeface="微软雅黑" panose="020B0503020204020204" pitchFamily="34" charset="-122"/>
               </a:rPr>
-              <a:t>一般平均</a:t>
+              <a:t>花骨朵的邻居个数在</a:t>
+            </a:r>
+            <a:r>
+              <a:rPr lang="en-US" altLang="zh-CN" dirty="0">
+                <a:ea typeface="微软雅黑" panose="020B0503020204020204" pitchFamily="34" charset="-122"/>
+              </a:rPr>
+              <a:t>KNN</a:t>
+            </a:r>
+            <a:r>
+              <a:rPr lang="zh-CN" altLang="en-US" dirty="0">
+                <a:ea typeface="微软雅黑" panose="020B0503020204020204" pitchFamily="34" charset="-122"/>
+              </a:rPr>
+              <a:t>算法中被称之为</a:t>
+            </a:r>
+            <a:r>
+              <a:rPr lang="en-US" altLang="zh-CN" dirty="0">
+                <a:ea typeface="微软雅黑" panose="020B0503020204020204" pitchFamily="34" charset="-122"/>
+              </a:rPr>
+              <a:t>K</a:t>
+            </a:r>
+            <a:r>
+              <a:rPr lang="zh-CN" altLang="en-US" dirty="0">
+                <a:ea typeface="微软雅黑" panose="020B0503020204020204" pitchFamily="34" charset="-122"/>
+              </a:rPr>
+              <a:t>值。</a:t>
+            </a:r>
+            <a:endParaRPr lang="en-US" altLang="zh-CN" dirty="0">
+              <a:ea typeface="微软雅黑" panose="020B0503020204020204" pitchFamily="34" charset="-122"/>
+            </a:endParaRPr>
+          </a:p>
+          <a:p>
+            <a:r>
+              <a:rPr lang="en-US" altLang="zh-CN" dirty="0">
+                <a:ea typeface="微软雅黑" panose="020B0503020204020204" pitchFamily="34" charset="-122"/>
+              </a:rPr>
+              <a:t>K</a:t>
+            </a:r>
+            <a:r>
+              <a:rPr lang="zh-CN" altLang="en-US" dirty="0">
+                <a:ea typeface="微软雅黑" panose="020B0503020204020204" pitchFamily="34" charset="-122"/>
+              </a:rPr>
+              <a:t>用来存储要选取的邻居个数。</a:t>
+            </a:r>
+            <a:endParaRPr lang="en-US" altLang="zh-CN" dirty="0">
+              <a:ea typeface="微软雅黑" panose="020B0503020204020204" pitchFamily="34" charset="-122"/>
+            </a:endParaRPr>
+          </a:p>
+          <a:p>
+            <a:endParaRPr lang="zh-CN" altLang="en-US" dirty="0">
+              <a:ea typeface="微软雅黑" panose="020B0503020204020204" pitchFamily="34" charset="-122"/>
+            </a:endParaRPr>
+          </a:p>
+          <a:p>
+            <a:r>
+              <a:rPr lang="zh-CN" altLang="en-US" dirty="0">
+                <a:ea typeface="微软雅黑" panose="020B0503020204020204" pitchFamily="34" charset="-122"/>
+              </a:rPr>
+              <a:t>当</a:t>
+            </a:r>
+            <a:r>
+              <a:rPr lang="en-US" altLang="zh-CN" dirty="0">
+                <a:ea typeface="微软雅黑" panose="020B0503020204020204" pitchFamily="34" charset="-122"/>
+              </a:rPr>
+              <a:t>K</a:t>
+            </a:r>
+            <a:r>
+              <a:rPr lang="zh-CN" altLang="en-US" dirty="0">
+                <a:ea typeface="微软雅黑" panose="020B0503020204020204" pitchFamily="34" charset="-122"/>
+              </a:rPr>
+              <a:t>值太小时</a:t>
+            </a:r>
+            <a:endParaRPr lang="en-US" altLang="zh-CN" dirty="0">
+              <a:ea typeface="微软雅黑" panose="020B0503020204020204" pitchFamily="34" charset="-122"/>
+            </a:endParaRPr>
+          </a:p>
+          <a:p>
+            <a:r>
+              <a:rPr lang="zh-CN" altLang="en-US" dirty="0">
+                <a:ea typeface="微软雅黑" panose="020B0503020204020204" pitchFamily="34" charset="-122"/>
+              </a:rPr>
+              <a:t>得出的结果太过于敏感</a:t>
+            </a:r>
+            <a:endParaRPr lang="en-US" altLang="zh-CN" dirty="0">
+              <a:ea typeface="微软雅黑" panose="020B0503020204020204" pitchFamily="34" charset="-122"/>
+            </a:endParaRPr>
+          </a:p>
+          <a:p>
+            <a:endParaRPr lang="en-US" altLang="zh-CN" dirty="0">
+              <a:ea typeface="微软雅黑" panose="020B0503020204020204" pitchFamily="34" charset="-122"/>
+            </a:endParaRPr>
+          </a:p>
+          <a:p>
+            <a:r>
+              <a:rPr lang="zh-CN" altLang="en-US" dirty="0">
+                <a:ea typeface="微软雅黑" panose="020B0503020204020204" pitchFamily="34" charset="-122"/>
+              </a:rPr>
+              <a:t>当</a:t>
+            </a:r>
+            <a:r>
+              <a:rPr lang="en-US" altLang="zh-CN" dirty="0">
+                <a:ea typeface="微软雅黑" panose="020B0503020204020204" pitchFamily="34" charset="-122"/>
+              </a:rPr>
+              <a:t>K</a:t>
+            </a:r>
+            <a:r>
+              <a:rPr lang="zh-CN" altLang="en-US" dirty="0">
+                <a:ea typeface="微软雅黑" panose="020B0503020204020204" pitchFamily="34" charset="-122"/>
+              </a:rPr>
+              <a:t>值太大时</a:t>
+            </a:r>
+            <a:endParaRPr lang="en-US" altLang="zh-CN" dirty="0">
+              <a:ea typeface="微软雅黑" panose="020B0503020204020204" pitchFamily="34" charset="-122"/>
+            </a:endParaRPr>
+          </a:p>
+          <a:p>
+            <a:r>
+              <a:rPr lang="zh-CN" altLang="en-US" dirty="0">
+                <a:ea typeface="微软雅黑" panose="020B0503020204020204" pitchFamily="34" charset="-122"/>
+              </a:rPr>
+              <a:t>远处的不相关数据也会被考虑在内</a:t>
+            </a:r>
+            <a:endParaRPr lang="en-US" altLang="zh-CN" dirty="0">
+              <a:ea typeface="微软雅黑" panose="020B0503020204020204" pitchFamily="34" charset="-122"/>
+            </a:endParaRPr>
+          </a:p>
+          <a:p>
+            <a:endParaRPr lang="en-US" altLang="zh-CN" dirty="0">
+              <a:ea typeface="微软雅黑" panose="020B0503020204020204" pitchFamily="34" charset="-122"/>
+            </a:endParaRPr>
+          </a:p>
+          <a:p>
+            <a:r>
+              <a:rPr lang="zh-CN" altLang="en-US" dirty="0">
+                <a:solidFill>
+                  <a:srgbClr val="FF0000"/>
+                </a:solidFill>
+                <a:latin typeface="微软雅黑" panose="020B0503020204020204" pitchFamily="34" charset="-122"/>
+                <a:ea typeface="微软雅黑" panose="020B0503020204020204" pitchFamily="34" charset="-122"/>
+              </a:rPr>
+              <a:t>这个范围通常是较小但大于</a:t>
             </a:r>
             <a:r>
               <a:rPr lang="en-US" altLang="zh-CN" dirty="0">
                 <a:solidFill>
-                  <a:srgbClr val="333333"/>
+                  <a:srgbClr val="FF0000"/>
                 </a:solidFill>
+                <a:latin typeface="微软雅黑" panose="020B0503020204020204" pitchFamily="34" charset="-122"/>
                 <a:ea typeface="微软雅黑" panose="020B0503020204020204" pitchFamily="34" charset="-122"/>
               </a:rPr>
-              <a:t>uniform</a:t>
+              <a:t>1</a:t>
             </a:r>
             <a:r>
               <a:rPr lang="zh-CN" altLang="en-US" dirty="0">
                 <a:solidFill>
-                  <a:srgbClr val="333333"/>
+                  <a:srgbClr val="FF0000"/>
                 </a:solidFill>
+                <a:latin typeface="微软雅黑" panose="020B0503020204020204" pitchFamily="34" charset="-122"/>
                 <a:ea typeface="微软雅黑" panose="020B0503020204020204" pitchFamily="34" charset="-122"/>
               </a:rPr>
-              <a:t>：只要是邻居，那么投票权重都相同。</a:t>
-            </a:r>
-          </a:p>
-        </p:txBody>
-      </p:sp>
-      <p:sp>
-        <p:nvSpPr>
-          <p:cNvPr id="7" name="矩形 6">
+              <a:t>的数值</a:t>
+            </a:r>
+            <a:endParaRPr lang="en-US" altLang="zh-CN" dirty="0">
+              <a:solidFill>
+                <a:srgbClr val="FF0000"/>
+              </a:solidFill>
+              <a:ea typeface="微软雅黑" panose="020B0503020204020204" pitchFamily="34" charset="-122"/>
+            </a:endParaRPr>
+          </a:p>
+        </p:txBody>
+      </p:sp>
+      <p:pic>
+        <p:nvPicPr>
+          <p:cNvPr id="4" name="图片 3">
             <a:extLst>
               <a:ext uri="{FF2B5EF4-FFF2-40B4-BE49-F238E27FC236}">
-                <a16:creationId xmlns:a16="http://schemas.microsoft.com/office/drawing/2014/main" id="{449B5044-3F59-4628-8FA4-BB33D68F6F20}"/>
+                <a16:creationId xmlns:a16="http://schemas.microsoft.com/office/drawing/2014/main" id="{4C227ACE-AC99-43F7-9BC5-3767FB4A671F}"/>
               </a:ext>
             </a:extLst>
           </p:cNvPr>
-          <p:cNvSpPr/>
-          <p:nvPr/>
-        </p:nvSpPr>
-        <p:spPr>
-          <a:xfrm>
-            <a:off x="827584" y="4864823"/>
-            <a:ext cx="4248472" cy="923330"/>
-          </a:xfrm>
-          <a:prstGeom prst="rect">
-            <a:avLst/>
-          </a:prstGeom>
-        </p:spPr>
-        <p:txBody>
-          <a:bodyPr wrap="square">
-            <a:spAutoFit/>
-          </a:bodyPr>
-          <a:lstStyle/>
-          <a:p>
-            <a:r>
-              <a:rPr lang="zh-CN" altLang="en-US" dirty="0">
-                <a:solidFill>
-                  <a:srgbClr val="333333"/>
-                </a:solidFill>
-                <a:ea typeface="微软雅黑" panose="020B0503020204020204" pitchFamily="34" charset="-122"/>
-              </a:rPr>
-              <a:t>加权平均</a:t>
-            </a:r>
-            <a:r>
-              <a:rPr lang="en-US" altLang="zh-CN" dirty="0">
-                <a:solidFill>
-                  <a:srgbClr val="333333"/>
-                </a:solidFill>
-                <a:ea typeface="微软雅黑" panose="020B0503020204020204" pitchFamily="34" charset="-122"/>
-              </a:rPr>
-              <a:t>distance</a:t>
-            </a:r>
-            <a:r>
-              <a:rPr lang="zh-CN" altLang="en-US" dirty="0">
-                <a:solidFill>
-                  <a:srgbClr val="333333"/>
-                </a:solidFill>
-                <a:ea typeface="微软雅黑" panose="020B0503020204020204" pitchFamily="34" charset="-122"/>
-              </a:rPr>
-              <a:t>：虽然都是邻居，但是投票权重与距离成反比。即距离越近权重越大，距离越远权重越小。</a:t>
-            </a:r>
-          </a:p>
-        </p:txBody>
-      </p:sp>
-      <p:pic>
-        <p:nvPicPr>
-          <p:cNvPr id="9" name="图片 8"/>
           <p:cNvPicPr>
             <a:picLocks noChangeAspect="1"/>
           </p:cNvPicPr>
           <p:nvPr/>
         </p:nvPicPr>
         <p:blipFill>
-          <a:blip r:embed="rId2"/>
+          <a:blip r:embed="rId2">
+            <a:extLst>
+              <a:ext uri="{28A0092B-C50C-407E-A947-70E740481C1C}">
+                <a14:useLocalDpi xmlns:a14="http://schemas.microsoft.com/office/drawing/2010/main" val="0"/>
+              </a:ext>
+            </a:extLst>
+          </a:blip>
           <a:stretch>
             <a:fillRect/>
           </a:stretch>
         </p:blipFill>
         <p:spPr>
           <a:xfrm>
-            <a:off x="5148064" y="1432328"/>
-            <a:ext cx="3287645" cy="2592288"/>
-          </a:xfrm>
-          <a:prstGeom prst="rect">
-            <a:avLst/>
-          </a:prstGeom>
-        </p:spPr>
-      </p:pic>
-      <p:pic>
-        <p:nvPicPr>
-          <p:cNvPr id="10" name="内容占位符 9"/>
-          <p:cNvPicPr>
-            <a:picLocks noGrp="1" noChangeAspect="1"/>
-          </p:cNvPicPr>
-          <p:nvPr>
-            <p:ph idx="1"/>
-          </p:nvPr>
-        </p:nvPicPr>
-        <p:blipFill>
-          <a:blip r:embed="rId3"/>
-          <a:stretch>
-            <a:fillRect/>
-          </a:stretch>
-        </p:blipFill>
-        <p:spPr>
-          <a:xfrm>
-            <a:off x="5148064" y="4007813"/>
-            <a:ext cx="3287646" cy="2631248"/>
+            <a:off x="4944881" y="2132856"/>
+            <a:ext cx="3752381" cy="2038095"/>
           </a:xfrm>
           <a:prstGeom prst="rect">
             <a:avLst/>
@@ -11307,7 +8200,7 @@
     </p:spTree>
     <p:extLst>
       <p:ext uri="{BB962C8B-B14F-4D97-AF65-F5344CB8AC3E}">
-        <p14:creationId xmlns:p14="http://schemas.microsoft.com/office/powerpoint/2010/main" val="3580670759"/>
+        <p14:creationId xmlns:p14="http://schemas.microsoft.com/office/powerpoint/2010/main" val="912658823"/>
       </p:ext>
     </p:extLst>
   </p:cSld>
@@ -11336,7 +8229,13 @@
       </p:grpSpPr>
       <p:sp>
         <p:nvSpPr>
-          <p:cNvPr id="2" name="标题 1"/>
+          <p:cNvPr id="2" name="标题 1">
+            <a:extLst>
+              <a:ext uri="{FF2B5EF4-FFF2-40B4-BE49-F238E27FC236}">
+                <a16:creationId xmlns:a16="http://schemas.microsoft.com/office/drawing/2014/main" id="{8A5B4614-2773-430C-8E0A-8229B576A712}"/>
+              </a:ext>
+            </a:extLst>
+          </p:cNvPr>
           <p:cNvSpPr>
             <a:spLocks noGrp="1"/>
           </p:cNvSpPr>
@@ -11350,23 +8249,162 @@
           <a:lstStyle/>
           <a:p>
             <a:r>
-              <a:rPr lang="en-US" altLang="zh-CN" dirty="0"/>
-              <a:t>KNN</a:t>
-            </a:r>
-            <a:r>
-              <a:rPr lang="zh-CN" altLang="en-US" dirty="0"/>
-              <a:t>算法动态示例</a:t>
+              <a:rPr lang="zh-CN" altLang="en-US" dirty="0">
+                <a:latin typeface="微软雅黑" panose="020B0503020204020204" pitchFamily="34" charset="-122"/>
+                <a:ea typeface="微软雅黑" panose="020B0503020204020204" pitchFamily="34" charset="-122"/>
+              </a:rPr>
+              <a:t>如何投票分类</a:t>
+            </a:r>
+          </a:p>
+        </p:txBody>
+      </p:sp>
+      <p:sp>
+        <p:nvSpPr>
+          <p:cNvPr id="6" name="矩形 5">
+            <a:extLst>
+              <a:ext uri="{FF2B5EF4-FFF2-40B4-BE49-F238E27FC236}">
+                <a16:creationId xmlns:a16="http://schemas.microsoft.com/office/drawing/2014/main" id="{FA48A919-5E82-4BB2-B823-25F4A8C21BFF}"/>
+              </a:ext>
+            </a:extLst>
+          </p:cNvPr>
+          <p:cNvSpPr/>
+          <p:nvPr/>
+        </p:nvSpPr>
+        <p:spPr>
+          <a:xfrm>
+            <a:off x="1256670" y="2945568"/>
+            <a:ext cx="4248472" cy="646331"/>
+          </a:xfrm>
+          <a:prstGeom prst="rect">
+            <a:avLst/>
+          </a:prstGeom>
+        </p:spPr>
+        <p:txBody>
+          <a:bodyPr wrap="square">
+            <a:spAutoFit/>
+          </a:bodyPr>
+          <a:lstStyle/>
+          <a:p>
+            <a:r>
+              <a:rPr lang="zh-CN" altLang="en-US" dirty="0">
+                <a:ea typeface="微软雅黑" panose="020B0503020204020204" pitchFamily="34" charset="-122"/>
+              </a:rPr>
+              <a:t>一般平均</a:t>
+            </a:r>
+            <a:r>
+              <a:rPr lang="en-US" altLang="zh-CN" dirty="0">
+                <a:ea typeface="微软雅黑" panose="020B0503020204020204" pitchFamily="34" charset="-122"/>
+              </a:rPr>
+              <a:t>uniform</a:t>
+            </a:r>
+            <a:r>
+              <a:rPr lang="zh-CN" altLang="en-US" dirty="0">
+                <a:ea typeface="微软雅黑" panose="020B0503020204020204" pitchFamily="34" charset="-122"/>
+              </a:rPr>
+              <a:t>：只要是邻居，那么投票权重都相同。</a:t>
+            </a:r>
+          </a:p>
+        </p:txBody>
+      </p:sp>
+      <p:sp>
+        <p:nvSpPr>
+          <p:cNvPr id="7" name="矩形 6">
+            <a:extLst>
+              <a:ext uri="{FF2B5EF4-FFF2-40B4-BE49-F238E27FC236}">
+                <a16:creationId xmlns:a16="http://schemas.microsoft.com/office/drawing/2014/main" id="{449B5044-3F59-4628-8FA4-BB33D68F6F20}"/>
+              </a:ext>
+            </a:extLst>
+          </p:cNvPr>
+          <p:cNvSpPr/>
+          <p:nvPr/>
+        </p:nvSpPr>
+        <p:spPr>
+          <a:xfrm>
+            <a:off x="1286277" y="4221088"/>
+            <a:ext cx="4248472" cy="646331"/>
+          </a:xfrm>
+          <a:prstGeom prst="rect">
+            <a:avLst/>
+          </a:prstGeom>
+        </p:spPr>
+        <p:txBody>
+          <a:bodyPr wrap="square">
+            <a:spAutoFit/>
+          </a:bodyPr>
+          <a:lstStyle/>
+          <a:p>
+            <a:r>
+              <a:rPr lang="zh-CN" altLang="en-US" dirty="0">
+                <a:ea typeface="微软雅黑" panose="020B0503020204020204" pitchFamily="34" charset="-122"/>
+              </a:rPr>
+              <a:t>加权平均</a:t>
+            </a:r>
+            <a:r>
+              <a:rPr lang="en-US" altLang="zh-CN" dirty="0">
+                <a:ea typeface="微软雅黑" panose="020B0503020204020204" pitchFamily="34" charset="-122"/>
+              </a:rPr>
+              <a:t>distance</a:t>
+            </a:r>
+            <a:r>
+              <a:rPr lang="zh-CN" altLang="en-US" dirty="0">
+                <a:ea typeface="微软雅黑" panose="020B0503020204020204" pitchFamily="34" charset="-122"/>
+              </a:rPr>
+              <a:t>：虽然都是邻居，距离越近权重越大，距离越远权重越小。</a:t>
+            </a:r>
+          </a:p>
+        </p:txBody>
+      </p:sp>
+      <p:sp>
+        <p:nvSpPr>
+          <p:cNvPr id="8" name="矩形 7">
+            <a:extLst>
+              <a:ext uri="{FF2B5EF4-FFF2-40B4-BE49-F238E27FC236}">
+                <a16:creationId xmlns:a16="http://schemas.microsoft.com/office/drawing/2014/main" id="{22EC495B-3647-492B-B07E-2A07108711FE}"/>
+              </a:ext>
+            </a:extLst>
+          </p:cNvPr>
+          <p:cNvSpPr/>
+          <p:nvPr/>
+        </p:nvSpPr>
+        <p:spPr>
+          <a:xfrm>
+            <a:off x="1286277" y="1670049"/>
+            <a:ext cx="4248472" cy="646331"/>
+          </a:xfrm>
+          <a:prstGeom prst="rect">
+            <a:avLst/>
+          </a:prstGeom>
+        </p:spPr>
+        <p:txBody>
+          <a:bodyPr wrap="square">
+            <a:spAutoFit/>
+          </a:bodyPr>
+          <a:lstStyle/>
+          <a:p>
+            <a:r>
+              <a:rPr lang="zh-CN" altLang="en-US" dirty="0">
+                <a:ea typeface="微软雅黑" panose="020B0503020204020204" pitchFamily="34" charset="-122"/>
+              </a:rPr>
+              <a:t>根据花骨朵周围邻居的颜色来对其进行投票分类，但是投票又分为两种方式</a:t>
             </a:r>
           </a:p>
         </p:txBody>
       </p:sp>
       <p:pic>
         <p:nvPicPr>
-          <p:cNvPr id="3074" name="Picture 2" descr="http://www.cim.mcgill.ca/~philg/rss2008/KnnAnimation.gif"/>
+          <p:cNvPr id="21" name="内容占位符 20">
+            <a:extLst>
+              <a:ext uri="{FF2B5EF4-FFF2-40B4-BE49-F238E27FC236}">
+                <a16:creationId xmlns:a16="http://schemas.microsoft.com/office/drawing/2014/main" id="{21E4F09F-44CD-4610-9C82-D24284A1F12A}"/>
+              </a:ext>
+            </a:extLst>
+          </p:cNvPr>
           <p:cNvPicPr>
-            <a:picLocks noChangeAspect="1" noChangeArrowheads="1"/>
+            <a:picLocks noGrp="1" noChangeAspect="1"/>
           </p:cNvPicPr>
-          <p:nvPr/>
+          <p:nvPr>
+            <p:ph idx="1"/>
+          </p:nvPr>
         </p:nvPicPr>
         <p:blipFill>
           <a:blip r:embed="rId2">
@@ -11376,36 +8414,28 @@
               </a:ext>
             </a:extLst>
           </a:blip>
-          <a:srcRect/>
           <a:stretch>
             <a:fillRect/>
           </a:stretch>
         </p:blipFill>
-        <p:spPr bwMode="auto">
+        <p:spPr>
           <a:xfrm>
-            <a:off x="2411760" y="1196752"/>
-            <a:ext cx="4143375" cy="3267075"/>
+            <a:off x="5588060" y="1783005"/>
+            <a:ext cx="2752381" cy="2174479"/>
           </a:xfrm>
-          <a:prstGeom prst="rect">
-            <a:avLst/>
-          </a:prstGeom>
-          <a:noFill/>
-          <a:extLst>
-            <a:ext uri="{909E8E84-426E-40DD-AFC4-6F175D3DCCD1}">
-              <a14:hiddenFill xmlns:a14="http://schemas.microsoft.com/office/drawing/2010/main">
-                <a:solidFill>
-                  <a:srgbClr val="FFFFFF"/>
-                </a:solidFill>
-              </a14:hiddenFill>
-            </a:ext>
-          </a:extLst>
         </p:spPr>
       </p:pic>
       <p:pic>
         <p:nvPicPr>
-          <p:cNvPr id="3076" name="Picture 4"/>
+          <p:cNvPr id="23" name="图片 22">
+            <a:extLst>
+              <a:ext uri="{FF2B5EF4-FFF2-40B4-BE49-F238E27FC236}">
+                <a16:creationId xmlns:a16="http://schemas.microsoft.com/office/drawing/2014/main" id="{F8829DFF-452C-474C-814A-6E291DAED61A}"/>
+              </a:ext>
+            </a:extLst>
+          </p:cNvPr>
           <p:cNvPicPr>
-            <a:picLocks noChangeAspect="1" noChangeArrowheads="1"/>
+            <a:picLocks noChangeAspect="1"/>
           </p:cNvPicPr>
           <p:nvPr/>
         </p:nvPicPr>
@@ -11417,183 +8447,26 @@
               </a:ext>
             </a:extLst>
           </a:blip>
-          <a:srcRect/>
           <a:stretch>
             <a:fillRect/>
           </a:stretch>
         </p:blipFill>
-        <p:spPr bwMode="auto">
+        <p:spPr>
           <a:xfrm>
-            <a:off x="6300191" y="4581128"/>
-            <a:ext cx="2180109" cy="1829136"/>
+            <a:off x="5588059" y="3957484"/>
+            <a:ext cx="2752381" cy="2200000"/>
           </a:xfrm>
           <a:prstGeom prst="rect">
             <a:avLst/>
           </a:prstGeom>
-          <a:noFill/>
-          <a:ln>
-            <a:noFill/>
-          </a:ln>
-          <a:effectLst/>
-          <a:extLst>
-            <a:ext uri="{909E8E84-426E-40DD-AFC4-6F175D3DCCD1}">
-              <a14:hiddenFill xmlns:a14="http://schemas.microsoft.com/office/drawing/2010/main">
-                <a:solidFill>
-                  <a:schemeClr val="accent1"/>
-                </a:solidFill>
-              </a14:hiddenFill>
-            </a:ext>
-            <a:ext uri="{91240B29-F687-4F45-9708-019B960494DF}">
-              <a14:hiddenLine xmlns:a14="http://schemas.microsoft.com/office/drawing/2010/main" w="9525">
-                <a:solidFill>
-                  <a:schemeClr val="tx1"/>
-                </a:solidFill>
-                <a:miter lim="800000"/>
-                <a:headEnd/>
-                <a:tailEnd/>
-              </a14:hiddenLine>
-            </a:ext>
-            <a:ext uri="{AF507438-7753-43E0-B8FC-AC1667EBCBE1}">
-              <a14:hiddenEffects xmlns:a14="http://schemas.microsoft.com/office/drawing/2010/main">
-                <a:effectLst>
-                  <a:outerShdw dist="35921" dir="2700000" algn="ctr" rotWithShape="0">
-                    <a:schemeClr val="bg2"/>
-                  </a:outerShdw>
-                </a:effectLst>
-              </a14:hiddenEffects>
-            </a:ext>
-          </a:extLst>
-        </p:spPr>
-      </p:pic>
-      <p:pic>
-        <p:nvPicPr>
-          <p:cNvPr id="3077" name="Picture 5"/>
-          <p:cNvPicPr>
-            <a:picLocks noChangeAspect="1" noChangeArrowheads="1"/>
-          </p:cNvPicPr>
-          <p:nvPr/>
-        </p:nvPicPr>
-        <p:blipFill>
-          <a:blip r:embed="rId4">
-            <a:extLst>
-              <a:ext uri="{28A0092B-C50C-407E-A947-70E740481C1C}">
-                <a14:useLocalDpi xmlns:a14="http://schemas.microsoft.com/office/drawing/2010/main" val="0"/>
-              </a:ext>
-            </a:extLst>
-          </a:blip>
-          <a:srcRect/>
-          <a:stretch>
-            <a:fillRect/>
-          </a:stretch>
-        </p:blipFill>
-        <p:spPr bwMode="auto">
-          <a:xfrm>
-            <a:off x="3563888" y="4581128"/>
-            <a:ext cx="2282949" cy="1829136"/>
-          </a:xfrm>
-          <a:prstGeom prst="rect">
-            <a:avLst/>
-          </a:prstGeom>
-          <a:noFill/>
-          <a:ln>
-            <a:noFill/>
-          </a:ln>
-          <a:effectLst/>
-          <a:extLst>
-            <a:ext uri="{909E8E84-426E-40DD-AFC4-6F175D3DCCD1}">
-              <a14:hiddenFill xmlns:a14="http://schemas.microsoft.com/office/drawing/2010/main">
-                <a:solidFill>
-                  <a:schemeClr val="accent1"/>
-                </a:solidFill>
-              </a14:hiddenFill>
-            </a:ext>
-            <a:ext uri="{91240B29-F687-4F45-9708-019B960494DF}">
-              <a14:hiddenLine xmlns:a14="http://schemas.microsoft.com/office/drawing/2010/main" w="9525">
-                <a:solidFill>
-                  <a:schemeClr val="tx1"/>
-                </a:solidFill>
-                <a:miter lim="800000"/>
-                <a:headEnd/>
-                <a:tailEnd/>
-              </a14:hiddenLine>
-            </a:ext>
-            <a:ext uri="{AF507438-7753-43E0-B8FC-AC1667EBCBE1}">
-              <a14:hiddenEffects xmlns:a14="http://schemas.microsoft.com/office/drawing/2010/main">
-                <a:effectLst>
-                  <a:outerShdw dist="35921" dir="2700000" algn="ctr" rotWithShape="0">
-                    <a:schemeClr val="bg2"/>
-                  </a:outerShdw>
-                </a:effectLst>
-              </a14:hiddenEffects>
-            </a:ext>
-          </a:extLst>
-        </p:spPr>
-      </p:pic>
-      <p:pic>
-        <p:nvPicPr>
-          <p:cNvPr id="3078" name="Picture 6"/>
-          <p:cNvPicPr>
-            <a:picLocks noChangeAspect="1" noChangeArrowheads="1"/>
-          </p:cNvPicPr>
-          <p:nvPr/>
-        </p:nvPicPr>
-        <p:blipFill>
-          <a:blip r:embed="rId5">
-            <a:extLst>
-              <a:ext uri="{28A0092B-C50C-407E-A947-70E740481C1C}">
-                <a14:useLocalDpi xmlns:a14="http://schemas.microsoft.com/office/drawing/2010/main" val="0"/>
-              </a:ext>
-            </a:extLst>
-          </a:blip>
-          <a:srcRect/>
-          <a:stretch>
-            <a:fillRect/>
-          </a:stretch>
-        </p:blipFill>
-        <p:spPr bwMode="auto">
-          <a:xfrm>
-            <a:off x="769623" y="4581128"/>
-            <a:ext cx="2350195" cy="1829136"/>
-          </a:xfrm>
-          <a:prstGeom prst="rect">
-            <a:avLst/>
-          </a:prstGeom>
-          <a:noFill/>
-          <a:ln>
-            <a:noFill/>
-          </a:ln>
-          <a:effectLst/>
-          <a:extLst>
-            <a:ext uri="{909E8E84-426E-40DD-AFC4-6F175D3DCCD1}">
-              <a14:hiddenFill xmlns:a14="http://schemas.microsoft.com/office/drawing/2010/main">
-                <a:solidFill>
-                  <a:schemeClr val="accent1"/>
-                </a:solidFill>
-              </a14:hiddenFill>
-            </a:ext>
-            <a:ext uri="{91240B29-F687-4F45-9708-019B960494DF}">
-              <a14:hiddenLine xmlns:a14="http://schemas.microsoft.com/office/drawing/2010/main" w="9525">
-                <a:solidFill>
-                  <a:schemeClr val="tx1"/>
-                </a:solidFill>
-                <a:miter lim="800000"/>
-                <a:headEnd/>
-                <a:tailEnd/>
-              </a14:hiddenLine>
-            </a:ext>
-            <a:ext uri="{AF507438-7753-43E0-B8FC-AC1667EBCBE1}">
-              <a14:hiddenEffects xmlns:a14="http://schemas.microsoft.com/office/drawing/2010/main">
-                <a:effectLst>
-                  <a:outerShdw dist="35921" dir="2700000" algn="ctr" rotWithShape="0">
-                    <a:schemeClr val="bg2"/>
-                  </a:outerShdw>
-                </a:effectLst>
-              </a14:hiddenEffects>
-            </a:ext>
-          </a:extLst>
         </p:spPr>
       </p:pic>
     </p:spTree>
+    <p:extLst>
+      <p:ext uri="{BB962C8B-B14F-4D97-AF65-F5344CB8AC3E}">
+        <p14:creationId xmlns:p14="http://schemas.microsoft.com/office/powerpoint/2010/main" val="430726696"/>
+      </p:ext>
+    </p:extLst>
   </p:cSld>
   <p:clrMapOvr>
     <a:masterClrMapping/>
@@ -11620,7 +8493,300 @@
       </p:grpSpPr>
       <p:sp>
         <p:nvSpPr>
-          <p:cNvPr id="2" name="标题 1">
+          <p:cNvPr id="5" name="矩形 4"/>
+          <p:cNvSpPr/>
+          <p:nvPr/>
+        </p:nvSpPr>
+        <p:spPr>
+          <a:xfrm>
+            <a:off x="1115616" y="1052736"/>
+            <a:ext cx="7200800" cy="3693319"/>
+          </a:xfrm>
+          <a:prstGeom prst="rect">
+            <a:avLst/>
+          </a:prstGeom>
+        </p:spPr>
+        <p:txBody>
+          <a:bodyPr wrap="square">
+            <a:spAutoFit/>
+          </a:bodyPr>
+          <a:lstStyle/>
+          <a:p>
+            <a:pPr lvl="0" eaLnBrk="0" fontAlgn="base" hangingPunct="0">
+              <a:spcBef>
+                <a:spcPct val="0"/>
+              </a:spcBef>
+              <a:spcAft>
+                <a:spcPct val="0"/>
+              </a:spcAft>
+            </a:pPr>
+            <a:r>
+              <a:rPr lang="en-US" altLang="zh-CN" dirty="0"/>
+              <a:t>import </a:t>
+            </a:r>
+            <a:r>
+              <a:rPr lang="en-US" altLang="zh-CN" dirty="0" err="1"/>
+              <a:t>numpy</a:t>
+            </a:r>
+            <a:r>
+              <a:rPr lang="en-US" altLang="zh-CN" dirty="0"/>
+              <a:t> as np</a:t>
+            </a:r>
+          </a:p>
+          <a:p>
+            <a:pPr lvl="0" eaLnBrk="0" fontAlgn="base" hangingPunct="0">
+              <a:spcBef>
+                <a:spcPct val="0"/>
+              </a:spcBef>
+              <a:spcAft>
+                <a:spcPct val="0"/>
+              </a:spcAft>
+            </a:pPr>
+            <a:r>
+              <a:rPr lang="en-US" altLang="zh-CN" dirty="0"/>
+              <a:t>import </a:t>
+            </a:r>
+            <a:r>
+              <a:rPr lang="en-US" altLang="zh-CN" dirty="0" err="1"/>
+              <a:t>matplotlib.pyplot</a:t>
+            </a:r>
+            <a:r>
+              <a:rPr lang="en-US" altLang="zh-CN" dirty="0"/>
+              <a:t> as </a:t>
+            </a:r>
+            <a:r>
+              <a:rPr lang="en-US" altLang="zh-CN" dirty="0" err="1"/>
+              <a:t>plt</a:t>
+            </a:r>
+            <a:endParaRPr lang="en-US" altLang="zh-CN" dirty="0"/>
+          </a:p>
+          <a:p>
+            <a:pPr lvl="0" eaLnBrk="0" fontAlgn="base" hangingPunct="0">
+              <a:spcBef>
+                <a:spcPct val="0"/>
+              </a:spcBef>
+              <a:spcAft>
+                <a:spcPct val="0"/>
+              </a:spcAft>
+            </a:pPr>
+            <a:r>
+              <a:rPr lang="en-US" altLang="zh-CN" dirty="0"/>
+              <a:t>from </a:t>
+            </a:r>
+            <a:r>
+              <a:rPr lang="en-US" altLang="zh-CN" dirty="0" err="1"/>
+              <a:t>sklearn</a:t>
+            </a:r>
+            <a:r>
+              <a:rPr lang="en-US" altLang="zh-CN" dirty="0"/>
+              <a:t> import neighbors, datasets</a:t>
+            </a:r>
+          </a:p>
+          <a:p>
+            <a:pPr lvl="0" eaLnBrk="0" fontAlgn="base" hangingPunct="0">
+              <a:spcBef>
+                <a:spcPct val="0"/>
+              </a:spcBef>
+              <a:spcAft>
+                <a:spcPct val="0"/>
+              </a:spcAft>
+            </a:pPr>
+            <a:r>
+              <a:rPr lang="en-US" altLang="zh-CN" dirty="0"/>
+              <a:t>from </a:t>
+            </a:r>
+            <a:r>
+              <a:rPr lang="en-US" altLang="zh-CN" dirty="0" err="1"/>
+              <a:t>matplotlib.colors</a:t>
+            </a:r>
+            <a:r>
+              <a:rPr lang="en-US" altLang="zh-CN" dirty="0"/>
+              <a:t> import </a:t>
+            </a:r>
+            <a:r>
+              <a:rPr lang="en-US" altLang="zh-CN" dirty="0" err="1"/>
+              <a:t>ListedColormap</a:t>
+            </a:r>
+            <a:endParaRPr lang="en-US" altLang="zh-CN" dirty="0"/>
+          </a:p>
+          <a:p>
+            <a:pPr lvl="0" eaLnBrk="0" fontAlgn="base" hangingPunct="0">
+              <a:spcBef>
+                <a:spcPct val="0"/>
+              </a:spcBef>
+              <a:spcAft>
+                <a:spcPct val="0"/>
+              </a:spcAft>
+            </a:pPr>
+            <a:endParaRPr lang="en-US" altLang="zh-CN" dirty="0"/>
+          </a:p>
+          <a:p>
+            <a:pPr lvl="0" eaLnBrk="0" fontAlgn="base" hangingPunct="0">
+              <a:spcBef>
+                <a:spcPct val="0"/>
+              </a:spcBef>
+              <a:spcAft>
+                <a:spcPct val="0"/>
+              </a:spcAft>
+            </a:pPr>
+            <a:r>
+              <a:rPr lang="en-US" altLang="zh-CN" dirty="0"/>
+              <a:t># </a:t>
+            </a:r>
+            <a:r>
+              <a:rPr lang="zh-CN" altLang="en-US" dirty="0"/>
+              <a:t>创建颜色集</a:t>
+            </a:r>
+          </a:p>
+          <a:p>
+            <a:pPr lvl="0" eaLnBrk="0" fontAlgn="base" hangingPunct="0">
+              <a:spcBef>
+                <a:spcPct val="0"/>
+              </a:spcBef>
+              <a:spcAft>
+                <a:spcPct val="0"/>
+              </a:spcAft>
+            </a:pPr>
+            <a:r>
+              <a:rPr lang="en-US" altLang="zh-CN" dirty="0" err="1"/>
+              <a:t>cmap_light</a:t>
+            </a:r>
+            <a:r>
+              <a:rPr lang="en-US" altLang="zh-CN" dirty="0"/>
+              <a:t> = </a:t>
+            </a:r>
+            <a:r>
+              <a:rPr lang="en-US" altLang="zh-CN" dirty="0" err="1"/>
+              <a:t>ListedColormap</a:t>
+            </a:r>
+            <a:r>
+              <a:rPr lang="en-US" altLang="zh-CN" dirty="0"/>
+              <a:t>(['#FFAAAA', '#AAFFAA', '#AAAAFF'])</a:t>
+            </a:r>
+          </a:p>
+          <a:p>
+            <a:pPr lvl="0" eaLnBrk="0" fontAlgn="base" hangingPunct="0">
+              <a:spcBef>
+                <a:spcPct val="0"/>
+              </a:spcBef>
+              <a:spcAft>
+                <a:spcPct val="0"/>
+              </a:spcAft>
+            </a:pPr>
+            <a:r>
+              <a:rPr lang="en-US" altLang="zh-CN" dirty="0" err="1"/>
+              <a:t>cmap_bold</a:t>
+            </a:r>
+            <a:r>
+              <a:rPr lang="en-US" altLang="zh-CN" dirty="0"/>
+              <a:t> = </a:t>
+            </a:r>
+            <a:r>
+              <a:rPr lang="en-US" altLang="zh-CN" dirty="0" err="1"/>
+              <a:t>ListedColormap</a:t>
+            </a:r>
+            <a:r>
+              <a:rPr lang="en-US" altLang="zh-CN" dirty="0"/>
+              <a:t>(['#FF0000', '#00FF00', '#0000FF'])</a:t>
+            </a:r>
+          </a:p>
+          <a:p>
+            <a:pPr lvl="0" eaLnBrk="0" fontAlgn="base" hangingPunct="0">
+              <a:spcBef>
+                <a:spcPct val="0"/>
+              </a:spcBef>
+              <a:spcAft>
+                <a:spcPct val="0"/>
+              </a:spcAft>
+            </a:pPr>
+            <a:endParaRPr lang="en-US" altLang="zh-CN" dirty="0"/>
+          </a:p>
+          <a:p>
+            <a:pPr lvl="0" eaLnBrk="0" fontAlgn="base" hangingPunct="0">
+              <a:spcBef>
+                <a:spcPct val="0"/>
+              </a:spcBef>
+              <a:spcAft>
+                <a:spcPct val="0"/>
+              </a:spcAft>
+            </a:pPr>
+            <a:r>
+              <a:rPr lang="en-US" altLang="zh-CN" dirty="0"/>
+              <a:t># </a:t>
+            </a:r>
+            <a:r>
+              <a:rPr lang="zh-CN" altLang="en-US" dirty="0"/>
+              <a:t>导入鸢尾花数据</a:t>
+            </a:r>
+          </a:p>
+          <a:p>
+            <a:pPr lvl="0" eaLnBrk="0" fontAlgn="base" hangingPunct="0">
+              <a:spcBef>
+                <a:spcPct val="0"/>
+              </a:spcBef>
+              <a:spcAft>
+                <a:spcPct val="0"/>
+              </a:spcAft>
+            </a:pPr>
+            <a:r>
+              <a:rPr lang="en-US" altLang="zh-CN" dirty="0"/>
+              <a:t>iris = </a:t>
+            </a:r>
+            <a:r>
+              <a:rPr lang="en-US" altLang="zh-CN" dirty="0" err="1"/>
+              <a:t>datasets.load_iris</a:t>
+            </a:r>
+            <a:r>
+              <a:rPr lang="en-US" altLang="zh-CN" dirty="0"/>
+              <a:t>()</a:t>
+            </a:r>
+          </a:p>
+          <a:p>
+            <a:pPr lvl="0" eaLnBrk="0" fontAlgn="base" hangingPunct="0">
+              <a:spcBef>
+                <a:spcPct val="0"/>
+              </a:spcBef>
+              <a:spcAft>
+                <a:spcPct val="0"/>
+              </a:spcAft>
+            </a:pPr>
+            <a:r>
+              <a:rPr lang="en-US" altLang="zh-CN" dirty="0"/>
+              <a:t>X = </a:t>
+            </a:r>
+            <a:r>
+              <a:rPr lang="en-US" altLang="zh-CN" dirty="0" err="1"/>
+              <a:t>iris.data</a:t>
+            </a:r>
+            <a:r>
+              <a:rPr lang="en-US" altLang="zh-CN" dirty="0"/>
+              <a:t>[:, :2]</a:t>
+            </a:r>
+          </a:p>
+          <a:p>
+            <a:pPr lvl="0" eaLnBrk="0" fontAlgn="base" hangingPunct="0">
+              <a:spcBef>
+                <a:spcPct val="0"/>
+              </a:spcBef>
+              <a:spcAft>
+                <a:spcPct val="0"/>
+              </a:spcAft>
+            </a:pPr>
+            <a:r>
+              <a:rPr lang="en-US" altLang="zh-CN" dirty="0"/>
+              <a:t>y = </a:t>
+            </a:r>
+            <a:r>
+              <a:rPr lang="en-US" altLang="zh-CN" dirty="0" err="1"/>
+              <a:t>iris.target</a:t>
+            </a:r>
+            <a:endParaRPr lang="en-US" altLang="zh-CN" dirty="0"/>
+          </a:p>
+        </p:txBody>
+      </p:sp>
+      <p:sp>
+        <p:nvSpPr>
+          <p:cNvPr id="10" name="标题 1">
             <a:extLst>
               <a:ext uri="{FF2B5EF4-FFF2-40B4-BE49-F238E27FC236}">
                 <a16:creationId xmlns:a16="http://schemas.microsoft.com/office/drawing/2014/main" id="{D0959456-4D3B-42F2-BBA9-F04CE8B0C7C4}"/>
@@ -11634,243 +8800,37 @@
             <p:ph type="title"/>
           </p:nvPr>
         </p:nvSpPr>
-        <p:spPr/>
+        <p:spPr>
+          <a:xfrm>
+            <a:off x="323528" y="97152"/>
+            <a:ext cx="8229600" cy="1143000"/>
+          </a:xfrm>
+        </p:spPr>
         <p:txBody>
           <a:bodyPr/>
           <a:lstStyle/>
           <a:p>
+            <a:r>
+              <a:rPr lang="en-US" altLang="zh-CN" dirty="0">
+                <a:latin typeface="微软雅黑" panose="020B0503020204020204" pitchFamily="34" charset="-122"/>
+                <a:ea typeface="微软雅黑" panose="020B0503020204020204" pitchFamily="34" charset="-122"/>
+              </a:rPr>
+              <a:t>KNN</a:t>
+            </a:r>
             <a:r>
               <a:rPr lang="zh-CN" altLang="en-US" dirty="0">
                 <a:latin typeface="微软雅黑" panose="020B0503020204020204" pitchFamily="34" charset="-122"/>
                 <a:ea typeface="微软雅黑" panose="020B0503020204020204" pitchFamily="34" charset="-122"/>
               </a:rPr>
-              <a:t>鸢尾花数据集</a:t>
-            </a:r>
-          </a:p>
-        </p:txBody>
-      </p:sp>
-      <p:pic>
-        <p:nvPicPr>
-          <p:cNvPr id="4" name="图片 3">
-            <a:extLst>
-              <a:ext uri="{FF2B5EF4-FFF2-40B4-BE49-F238E27FC236}">
-                <a16:creationId xmlns:a16="http://schemas.microsoft.com/office/drawing/2014/main" id="{7168C95E-98A3-45BA-8A50-F4A5D395AD6C}"/>
-              </a:ext>
-            </a:extLst>
-          </p:cNvPr>
-          <p:cNvPicPr>
-            <a:picLocks noChangeAspect="1"/>
-          </p:cNvPicPr>
-          <p:nvPr/>
-        </p:nvPicPr>
-        <p:blipFill>
-          <a:blip r:embed="rId2"/>
-          <a:stretch>
-            <a:fillRect/>
-          </a:stretch>
-        </p:blipFill>
-        <p:spPr>
-          <a:xfrm>
-            <a:off x="5724128" y="2204864"/>
-            <a:ext cx="2700343" cy="2913528"/>
-          </a:xfrm>
-          <a:prstGeom prst="rect">
-            <a:avLst/>
-          </a:prstGeom>
-        </p:spPr>
-      </p:pic>
-      <p:sp>
-        <p:nvSpPr>
-          <p:cNvPr id="5" name="矩形 4">
-            <a:extLst>
-              <a:ext uri="{FF2B5EF4-FFF2-40B4-BE49-F238E27FC236}">
-                <a16:creationId xmlns:a16="http://schemas.microsoft.com/office/drawing/2014/main" id="{5677C3CE-3FF8-4363-A41F-6CD824EA66A3}"/>
-              </a:ext>
-            </a:extLst>
-          </p:cNvPr>
-          <p:cNvSpPr/>
-          <p:nvPr/>
-        </p:nvSpPr>
-        <p:spPr>
-          <a:xfrm>
-            <a:off x="611560" y="2204864"/>
-            <a:ext cx="4968552" cy="2536400"/>
-          </a:xfrm>
-          <a:prstGeom prst="rect">
-            <a:avLst/>
-          </a:prstGeom>
-        </p:spPr>
-        <p:txBody>
-          <a:bodyPr wrap="square">
-            <a:spAutoFit/>
-          </a:bodyPr>
-          <a:lstStyle/>
-          <a:p>
-            <a:pPr>
-              <a:lnSpc>
-                <a:spcPct val="150000"/>
-              </a:lnSpc>
-            </a:pPr>
-            <a:r>
-              <a:rPr lang="zh-CN" altLang="en-US" dirty="0">
-                <a:latin typeface="微软雅黑" panose="020B0503020204020204" pitchFamily="34" charset="-122"/>
-                <a:ea typeface="微软雅黑" panose="020B0503020204020204" pitchFamily="34" charset="-122"/>
-              </a:rPr>
-              <a:t>数据集包含三种鸢尾花，每种</a:t>
-            </a:r>
-            <a:r>
-              <a:rPr lang="en-US" altLang="zh-CN" dirty="0">
-                <a:latin typeface="微软雅黑" panose="020B0503020204020204" pitchFamily="34" charset="-122"/>
-                <a:ea typeface="微软雅黑" panose="020B0503020204020204" pitchFamily="34" charset="-122"/>
-              </a:rPr>
-              <a:t>50</a:t>
-            </a:r>
-            <a:r>
-              <a:rPr lang="zh-CN" altLang="en-US" dirty="0">
-                <a:latin typeface="微软雅黑" panose="020B0503020204020204" pitchFamily="34" charset="-122"/>
-                <a:ea typeface="微软雅黑" panose="020B0503020204020204" pitchFamily="34" charset="-122"/>
-              </a:rPr>
-              <a:t>个样本</a:t>
-            </a:r>
-            <a:endParaRPr lang="en-US" altLang="zh-CN" dirty="0">
-              <a:latin typeface="微软雅黑" panose="020B0503020204020204" pitchFamily="34" charset="-122"/>
-              <a:ea typeface="微软雅黑" panose="020B0503020204020204" pitchFamily="34" charset="-122"/>
-            </a:endParaRPr>
-          </a:p>
-          <a:p>
-            <a:pPr>
-              <a:lnSpc>
-                <a:spcPct val="150000"/>
-              </a:lnSpc>
-            </a:pPr>
-            <a:endParaRPr lang="en-US" altLang="zh-CN" dirty="0">
-              <a:latin typeface="微软雅黑" panose="020B0503020204020204" pitchFamily="34" charset="-122"/>
-              <a:ea typeface="微软雅黑" panose="020B0503020204020204" pitchFamily="34" charset="-122"/>
-            </a:endParaRPr>
-          </a:p>
-          <a:p>
-            <a:pPr>
-              <a:lnSpc>
-                <a:spcPct val="150000"/>
-              </a:lnSpc>
-            </a:pPr>
-            <a:r>
-              <a:rPr lang="zh-CN" altLang="en-US" dirty="0">
-                <a:latin typeface="微软雅黑" panose="020B0503020204020204" pitchFamily="34" charset="-122"/>
-                <a:ea typeface="微软雅黑" panose="020B0503020204020204" pitchFamily="34" charset="-122"/>
-              </a:rPr>
-              <a:t>样本</a:t>
-            </a:r>
-            <a:r>
-              <a:rPr lang="en-US" altLang="zh-CN" dirty="0">
-                <a:latin typeface="微软雅黑" panose="020B0503020204020204" pitchFamily="34" charset="-122"/>
-                <a:ea typeface="微软雅黑" panose="020B0503020204020204" pitchFamily="34" charset="-122"/>
-              </a:rPr>
-              <a:t>data</a:t>
-            </a:r>
-            <a:r>
-              <a:rPr lang="zh-CN" altLang="en-US" dirty="0">
-                <a:latin typeface="微软雅黑" panose="020B0503020204020204" pitchFamily="34" charset="-122"/>
-                <a:ea typeface="微软雅黑" panose="020B0503020204020204" pitchFamily="34" charset="-122"/>
-              </a:rPr>
-              <a:t>：花萼长度、花萼宽度、花瓣长度、花瓣宽度</a:t>
-            </a:r>
-            <a:endParaRPr lang="en-US" altLang="zh-CN" dirty="0">
-              <a:latin typeface="微软雅黑" panose="020B0503020204020204" pitchFamily="34" charset="-122"/>
-              <a:ea typeface="微软雅黑" panose="020B0503020204020204" pitchFamily="34" charset="-122"/>
-            </a:endParaRPr>
-          </a:p>
-          <a:p>
-            <a:pPr>
-              <a:lnSpc>
-                <a:spcPct val="150000"/>
-              </a:lnSpc>
-            </a:pPr>
-            <a:endParaRPr lang="en-US" altLang="zh-CN" dirty="0">
-              <a:latin typeface="微软雅黑" panose="020B0503020204020204" pitchFamily="34" charset="-122"/>
-              <a:ea typeface="微软雅黑" panose="020B0503020204020204" pitchFamily="34" charset="-122"/>
-            </a:endParaRPr>
-          </a:p>
-          <a:p>
-            <a:pPr>
-              <a:lnSpc>
-                <a:spcPct val="150000"/>
-              </a:lnSpc>
-            </a:pPr>
-            <a:r>
-              <a:rPr lang="zh-CN" altLang="en-US" dirty="0">
-                <a:latin typeface="微软雅黑" panose="020B0503020204020204" pitchFamily="34" charset="-122"/>
-                <a:ea typeface="微软雅黑" panose="020B0503020204020204" pitchFamily="34" charset="-122"/>
-              </a:rPr>
-              <a:t>标签</a:t>
-            </a:r>
-            <a:r>
-              <a:rPr lang="en-US" altLang="zh-CN" dirty="0">
-                <a:latin typeface="微软雅黑" panose="020B0503020204020204" pitchFamily="34" charset="-122"/>
-                <a:ea typeface="微软雅黑" panose="020B0503020204020204" pitchFamily="34" charset="-122"/>
-              </a:rPr>
-              <a:t>target</a:t>
-            </a:r>
-            <a:r>
-              <a:rPr lang="zh-CN" altLang="en-US" dirty="0">
-                <a:latin typeface="微软雅黑" panose="020B0503020204020204" pitchFamily="34" charset="-122"/>
-                <a:ea typeface="微软雅黑" panose="020B0503020204020204" pitchFamily="34" charset="-122"/>
-              </a:rPr>
-              <a:t>：</a:t>
-            </a:r>
-            <a:r>
-              <a:rPr lang="en-US" altLang="zh-CN" dirty="0">
-                <a:latin typeface="微软雅黑" panose="020B0503020204020204" pitchFamily="34" charset="-122"/>
-                <a:ea typeface="微软雅黑" panose="020B0503020204020204" pitchFamily="34" charset="-122"/>
-              </a:rPr>
-              <a:t> </a:t>
-            </a:r>
-            <a:r>
-              <a:rPr lang="en-US" altLang="zh-CN" dirty="0" err="1">
-                <a:latin typeface="微软雅黑" panose="020B0503020204020204" pitchFamily="34" charset="-122"/>
-                <a:ea typeface="微软雅黑" panose="020B0503020204020204" pitchFamily="34" charset="-122"/>
-              </a:rPr>
-              <a:t>setosa</a:t>
-            </a:r>
-            <a:r>
-              <a:rPr lang="zh-CN" altLang="en-US" dirty="0">
-                <a:latin typeface="微软雅黑" panose="020B0503020204020204" pitchFamily="34" charset="-122"/>
-                <a:ea typeface="微软雅黑" panose="020B0503020204020204" pitchFamily="34" charset="-122"/>
-              </a:rPr>
-              <a:t>、</a:t>
-            </a:r>
-            <a:r>
-              <a:rPr lang="en-US" altLang="zh-CN" dirty="0">
-                <a:latin typeface="微软雅黑" panose="020B0503020204020204" pitchFamily="34" charset="-122"/>
-                <a:ea typeface="微软雅黑" panose="020B0503020204020204" pitchFamily="34" charset="-122"/>
-              </a:rPr>
-              <a:t> versicolor</a:t>
-            </a:r>
-            <a:r>
-              <a:rPr lang="zh-CN" altLang="en-US" dirty="0">
-                <a:latin typeface="微软雅黑" panose="020B0503020204020204" pitchFamily="34" charset="-122"/>
-                <a:ea typeface="微软雅黑" panose="020B0503020204020204" pitchFamily="34" charset="-122"/>
-              </a:rPr>
-              <a:t>、</a:t>
-            </a:r>
-            <a:r>
-              <a:rPr lang="en-US" altLang="zh-CN" dirty="0">
-                <a:latin typeface="微软雅黑" panose="020B0503020204020204" pitchFamily="34" charset="-122"/>
-                <a:ea typeface="微软雅黑" panose="020B0503020204020204" pitchFamily="34" charset="-122"/>
-              </a:rPr>
-              <a:t> virginica</a:t>
-            </a:r>
-            <a:endParaRPr lang="zh-CN" altLang="en-US" dirty="0">
-              <a:latin typeface="微软雅黑" panose="020B0503020204020204" pitchFamily="34" charset="-122"/>
-              <a:ea typeface="微软雅黑" panose="020B0503020204020204" pitchFamily="34" charset="-122"/>
-            </a:endParaRPr>
+              <a:t>算法的代码实现</a:t>
+            </a:r>
           </a:p>
         </p:txBody>
       </p:sp>
     </p:spTree>
     <p:extLst>
       <p:ext uri="{BB962C8B-B14F-4D97-AF65-F5344CB8AC3E}">
-        <p14:creationId xmlns:p14="http://schemas.microsoft.com/office/powerpoint/2010/main" val="1572794838"/>
+        <p14:creationId xmlns:p14="http://schemas.microsoft.com/office/powerpoint/2010/main" val="1238649506"/>
       </p:ext>
     </p:extLst>
   </p:cSld>
@@ -11905,8 +8865,8 @@
         </p:nvSpPr>
         <p:spPr>
           <a:xfrm>
-            <a:off x="323528" y="1225689"/>
-            <a:ext cx="8532440" cy="5632311"/>
+            <a:off x="1043608" y="260648"/>
+            <a:ext cx="7776864" cy="5355312"/>
           </a:xfrm>
           <a:prstGeom prst="rect">
             <a:avLst/>
@@ -11917,60 +8877,6 @@
             <a:spAutoFit/>
           </a:bodyPr>
           <a:lstStyle/>
-          <a:p>
-            <a:pPr lvl="0" eaLnBrk="0" fontAlgn="base" hangingPunct="0">
-              <a:spcBef>
-                <a:spcPct val="0"/>
-              </a:spcBef>
-              <a:spcAft>
-                <a:spcPct val="0"/>
-              </a:spcAft>
-            </a:pPr>
-            <a:r>
-              <a:rPr lang="zh-CN" altLang="zh-CN" dirty="0"/>
-              <a:t>import numpy as np</a:t>
-            </a:r>
-            <a:br>
-              <a:rPr lang="zh-CN" altLang="zh-CN" dirty="0"/>
-            </a:br>
-            <a:r>
-              <a:rPr lang="zh-CN" altLang="zh-CN" dirty="0"/>
-              <a:t>import matplotlib.pyplot as plt</a:t>
-            </a:r>
-          </a:p>
-          <a:p>
-            <a:endParaRPr lang="en-US" altLang="zh-CN" dirty="0"/>
-          </a:p>
-          <a:p>
-            <a:pPr lvl="0" eaLnBrk="0" fontAlgn="base" hangingPunct="0">
-              <a:spcBef>
-                <a:spcPct val="0"/>
-              </a:spcBef>
-              <a:spcAft>
-                <a:spcPct val="0"/>
-              </a:spcAft>
-            </a:pPr>
-            <a:r>
-              <a:rPr lang="zh-CN" altLang="zh-CN" dirty="0"/>
-              <a:t>#arange()返回给定范围内的连续值，默认起始值从0开始，返回值中不包括末尾值</a:t>
-            </a:r>
-            <a:r>
-              <a:rPr lang="zh-CN" altLang="en-US" dirty="0"/>
-              <a:t>。</a:t>
-            </a:r>
-            <a:r>
-              <a:rPr lang="zh-CN" altLang="zh-CN" dirty="0"/>
-              <a:t>参数为：起始值，末尾值，间隔大小</a:t>
-            </a:r>
-            <a:br>
-              <a:rPr lang="zh-CN" altLang="zh-CN" dirty="0"/>
-            </a:br>
-            <a:r>
-              <a:rPr lang="zh-CN" altLang="zh-CN" dirty="0"/>
-              <a:t>a = np.arange(1, 10, 0.1)</a:t>
-            </a:r>
-            <a:endParaRPr lang="en-US" altLang="zh-CN" dirty="0"/>
-          </a:p>
           <a:p>
             <a:pPr lvl="0" eaLnBrk="0" fontAlgn="base" hangingPunct="0">
               <a:spcBef>
@@ -11983,7 +8889,7 @@
             <a:endParaRPr lang="en-US" altLang="zh-CN" dirty="0"/>
           </a:p>
           <a:p>
-            <a:pPr eaLnBrk="0" fontAlgn="base" hangingPunct="0">
+            <a:pPr lvl="0" eaLnBrk="0" fontAlgn="base" hangingPunct="0">
               <a:spcBef>
                 <a:spcPct val="0"/>
               </a:spcBef>
@@ -11992,16 +8898,159 @@
               </a:spcAft>
             </a:pPr>
             <a:r>
-              <a:rPr lang="zh-CN" altLang="zh-CN" dirty="0"/>
-              <a:t># meshgrid()创建坐标矩阵，需要为其传递两个一维数字数组</a:t>
-            </a:r>
-            <a:br>
-              <a:rPr lang="zh-CN" altLang="zh-CN" dirty="0"/>
-            </a:br>
-            <a:r>
-              <a:rPr lang="zh-CN" altLang="zh-CN" dirty="0"/>
-              <a:t>xx, yy = np.meshgrid(np.arange(0,10, 1), np.arange(0, 10,1))</a:t>
-            </a:r>
+              <a:rPr lang="en-US" altLang="zh-CN" dirty="0"/>
+              <a:t># </a:t>
+            </a:r>
+            <a:r>
+              <a:rPr lang="zh-CN" altLang="en-US" dirty="0"/>
+              <a:t>提取数据并处理，构建坐标矩阵</a:t>
+            </a:r>
+            <a:endParaRPr lang="en-US" altLang="zh-CN" dirty="0"/>
+          </a:p>
+          <a:p>
+            <a:pPr lvl="0" eaLnBrk="0" fontAlgn="base" hangingPunct="0">
+              <a:spcBef>
+                <a:spcPct val="0"/>
+              </a:spcBef>
+              <a:spcAft>
+                <a:spcPct val="0"/>
+              </a:spcAft>
+            </a:pPr>
+            <a:r>
+              <a:rPr lang="en-US" altLang="zh-CN" dirty="0" err="1"/>
+              <a:t>x_min</a:t>
+            </a:r>
+            <a:r>
+              <a:rPr lang="en-US" altLang="zh-CN" dirty="0"/>
+              <a:t>, </a:t>
+            </a:r>
+            <a:r>
+              <a:rPr lang="en-US" altLang="zh-CN" dirty="0" err="1"/>
+              <a:t>x_max</a:t>
+            </a:r>
+            <a:r>
+              <a:rPr lang="en-US" altLang="zh-CN" dirty="0"/>
+              <a:t> = X[:, 0].min() - 1, X[:, 0].max() + 1</a:t>
+            </a:r>
+          </a:p>
+          <a:p>
+            <a:pPr lvl="0" eaLnBrk="0" fontAlgn="base" hangingPunct="0">
+              <a:spcBef>
+                <a:spcPct val="0"/>
+              </a:spcBef>
+              <a:spcAft>
+                <a:spcPct val="0"/>
+              </a:spcAft>
+            </a:pPr>
+            <a:r>
+              <a:rPr lang="en-US" altLang="zh-CN" dirty="0" err="1"/>
+              <a:t>y_min</a:t>
+            </a:r>
+            <a:r>
+              <a:rPr lang="en-US" altLang="zh-CN" dirty="0"/>
+              <a:t>, </a:t>
+            </a:r>
+            <a:r>
+              <a:rPr lang="en-US" altLang="zh-CN" dirty="0" err="1"/>
+              <a:t>y_max</a:t>
+            </a:r>
+            <a:r>
+              <a:rPr lang="en-US" altLang="zh-CN" dirty="0"/>
+              <a:t> = X[:, 1].min() - 1, X[:, 1].max() + 1</a:t>
+            </a:r>
+          </a:p>
+          <a:p>
+            <a:pPr lvl="0" eaLnBrk="0" fontAlgn="base" hangingPunct="0">
+              <a:spcBef>
+                <a:spcPct val="0"/>
+              </a:spcBef>
+              <a:spcAft>
+                <a:spcPct val="0"/>
+              </a:spcAft>
+            </a:pPr>
+            <a:r>
+              <a:rPr lang="en-US" altLang="zh-CN" dirty="0"/>
+              <a:t>h = .02</a:t>
+            </a:r>
+          </a:p>
+          <a:p>
+            <a:pPr lvl="0" eaLnBrk="0" fontAlgn="base" hangingPunct="0">
+              <a:spcBef>
+                <a:spcPct val="0"/>
+              </a:spcBef>
+              <a:spcAft>
+                <a:spcPct val="0"/>
+              </a:spcAft>
+            </a:pPr>
+            <a:r>
+              <a:rPr lang="en-US" altLang="zh-CN" dirty="0"/>
+              <a:t>xx, </a:t>
+            </a:r>
+            <a:r>
+              <a:rPr lang="en-US" altLang="zh-CN" dirty="0" err="1"/>
+              <a:t>yy</a:t>
+            </a:r>
+            <a:r>
+              <a:rPr lang="en-US" altLang="zh-CN" dirty="0"/>
+              <a:t> = </a:t>
+            </a:r>
+            <a:r>
+              <a:rPr lang="en-US" altLang="zh-CN" dirty="0" err="1"/>
+              <a:t>np.meshgrid</a:t>
+            </a:r>
+            <a:r>
+              <a:rPr lang="en-US" altLang="zh-CN" dirty="0"/>
+              <a:t>(</a:t>
+            </a:r>
+            <a:r>
+              <a:rPr lang="en-US" altLang="zh-CN" dirty="0" err="1"/>
+              <a:t>np.arange</a:t>
+            </a:r>
+            <a:r>
+              <a:rPr lang="en-US" altLang="zh-CN" dirty="0"/>
+              <a:t>(</a:t>
+            </a:r>
+            <a:r>
+              <a:rPr lang="en-US" altLang="zh-CN" dirty="0" err="1"/>
+              <a:t>x_min</a:t>
+            </a:r>
+            <a:r>
+              <a:rPr lang="en-US" altLang="zh-CN" dirty="0"/>
+              <a:t>, </a:t>
+            </a:r>
+            <a:r>
+              <a:rPr lang="en-US" altLang="zh-CN" dirty="0" err="1"/>
+              <a:t>x_max</a:t>
+            </a:r>
+            <a:r>
+              <a:rPr lang="en-US" altLang="zh-CN" dirty="0"/>
+              <a:t>, h), </a:t>
+            </a:r>
+            <a:r>
+              <a:rPr lang="en-US" altLang="zh-CN" dirty="0" err="1"/>
+              <a:t>np.arange</a:t>
+            </a:r>
+            <a:r>
+              <a:rPr lang="en-US" altLang="zh-CN" dirty="0"/>
+              <a:t>(</a:t>
+            </a:r>
+            <a:r>
+              <a:rPr lang="en-US" altLang="zh-CN" dirty="0" err="1"/>
+              <a:t>y_min</a:t>
+            </a:r>
+            <a:r>
+              <a:rPr lang="en-US" altLang="zh-CN" dirty="0"/>
+              <a:t>, </a:t>
+            </a:r>
+            <a:r>
+              <a:rPr lang="en-US" altLang="zh-CN" dirty="0" err="1"/>
+              <a:t>y_max</a:t>
+            </a:r>
+            <a:r>
+              <a:rPr lang="en-US" altLang="zh-CN" dirty="0"/>
+              <a:t>, h))</a:t>
+            </a:r>
+            <a:endParaRPr lang="zh-CN" altLang="zh-CN" dirty="0"/>
           </a:p>
           <a:p>
             <a:pPr lvl="0" eaLnBrk="0" fontAlgn="base" hangingPunct="0">
@@ -12015,7 +9064,7 @@
             <a:endParaRPr lang="en-US" altLang="zh-CN" dirty="0"/>
           </a:p>
           <a:p>
-            <a:pPr eaLnBrk="0" fontAlgn="base" hangingPunct="0">
+            <a:pPr lvl="0" eaLnBrk="0" fontAlgn="base" hangingPunct="0">
               <a:spcBef>
                 <a:spcPct val="0"/>
               </a:spcBef>
@@ -12024,146 +9073,309 @@
               </a:spcAft>
             </a:pPr>
             <a:r>
-              <a:rPr lang="zh-CN" altLang="zh-CN" dirty="0"/>
-              <a:t># 设置坐标轴的取值范围</a:t>
-            </a:r>
-            <a:br>
-              <a:rPr lang="zh-CN" altLang="zh-CN" dirty="0"/>
-            </a:br>
-            <a:r>
-              <a:rPr lang="zh-CN" altLang="zh-CN" dirty="0"/>
-              <a:t>plt.xlim(xx.min(), </a:t>
-            </a:r>
-            <a:r>
-              <a:rPr lang="en-US" altLang="zh-CN" dirty="0"/>
-              <a:t>xx</a:t>
-            </a:r>
-            <a:r>
-              <a:rPr lang="zh-CN" altLang="zh-CN" dirty="0"/>
-              <a:t>.max())</a:t>
-            </a:r>
-            <a:br>
-              <a:rPr lang="zh-CN" altLang="zh-CN" dirty="0"/>
-            </a:br>
-            <a:r>
-              <a:rPr lang="zh-CN" altLang="zh-CN" dirty="0"/>
-              <a:t>plt.ylim(yy.min(), yy.max())</a:t>
-            </a:r>
-            <a:br>
-              <a:rPr lang="zh-CN" altLang="zh-CN" dirty="0"/>
-            </a:br>
-            <a:br>
-              <a:rPr lang="zh-CN" altLang="zh-CN" dirty="0"/>
-            </a:br>
-            <a:r>
-              <a:rPr lang="zh-CN" altLang="zh-CN" dirty="0"/>
-              <a:t># 设置坐标轴的标识</a:t>
-            </a:r>
-            <a:br>
-              <a:rPr lang="zh-CN" altLang="zh-CN" dirty="0"/>
-            </a:br>
-            <a:r>
-              <a:rPr lang="zh-CN" altLang="zh-CN" dirty="0"/>
-              <a:t>plt.xlabel(u'X')</a:t>
-            </a:r>
-            <a:br>
-              <a:rPr lang="zh-CN" altLang="zh-CN" dirty="0"/>
-            </a:br>
-            <a:r>
-              <a:rPr lang="zh-CN" altLang="zh-CN" dirty="0"/>
-              <a:t>plt.ylabel(u'Y')</a:t>
-            </a:r>
-            <a:br>
-              <a:rPr lang="zh-CN" altLang="zh-CN" dirty="0"/>
-            </a:br>
-            <a:br>
-              <a:rPr lang="zh-CN" altLang="zh-CN" dirty="0"/>
-            </a:br>
-            <a:r>
-              <a:rPr lang="zh-CN" altLang="zh-CN" dirty="0"/>
-              <a:t>#生成图片展示</a:t>
-            </a:r>
-            <a:br>
-              <a:rPr lang="zh-CN" altLang="zh-CN" dirty="0"/>
-            </a:br>
-            <a:r>
-              <a:rPr lang="zh-CN" altLang="zh-CN" dirty="0"/>
-              <a:t>plt.show()</a:t>
-            </a:r>
-          </a:p>
-        </p:txBody>
-      </p:sp>
-      <p:sp>
-        <p:nvSpPr>
-          <p:cNvPr id="10" name="标题 1">
-            <a:extLst>
-              <a:ext uri="{FF2B5EF4-FFF2-40B4-BE49-F238E27FC236}">
-                <a16:creationId xmlns:a16="http://schemas.microsoft.com/office/drawing/2014/main" id="{D0959456-4D3B-42F2-BBA9-F04CE8B0C7C4}"/>
-              </a:ext>
-            </a:extLst>
-          </p:cNvPr>
-          <p:cNvSpPr>
-            <a:spLocks noGrp="1"/>
-          </p:cNvSpPr>
-          <p:nvPr>
-            <p:ph type="title"/>
-          </p:nvPr>
-        </p:nvSpPr>
-        <p:spPr>
-          <a:xfrm>
-            <a:off x="323528" y="97152"/>
-            <a:ext cx="8229600" cy="1143000"/>
-          </a:xfrm>
-        </p:spPr>
-        <p:txBody>
-          <a:bodyPr/>
-          <a:lstStyle/>
-          <a:p>
-            <a:r>
-              <a:rPr lang="en-US" altLang="zh-CN" dirty="0">
-                <a:latin typeface="微软雅黑" panose="020B0503020204020204" pitchFamily="34" charset="-122"/>
-                <a:ea typeface="微软雅黑" panose="020B0503020204020204" pitchFamily="34" charset="-122"/>
-              </a:rPr>
-              <a:t>1.</a:t>
-            </a:r>
-            <a:r>
-              <a:rPr lang="zh-CN" altLang="en-US" dirty="0">
-                <a:latin typeface="微软雅黑" panose="020B0503020204020204" pitchFamily="34" charset="-122"/>
-                <a:ea typeface="微软雅黑" panose="020B0503020204020204" pitchFamily="34" charset="-122"/>
-              </a:rPr>
-              <a:t>构建坐标系</a:t>
-            </a:r>
-          </a:p>
-        </p:txBody>
-      </p:sp>
-      <p:pic>
-        <p:nvPicPr>
-          <p:cNvPr id="11" name="图片 10"/>
-          <p:cNvPicPr>
-            <a:picLocks noChangeAspect="1"/>
-          </p:cNvPicPr>
-          <p:nvPr/>
-        </p:nvPicPr>
-        <p:blipFill>
-          <a:blip r:embed="rId2"/>
-          <a:stretch>
-            <a:fillRect/>
-          </a:stretch>
-        </p:blipFill>
-        <p:spPr>
-          <a:xfrm>
-            <a:off x="4788024" y="4041844"/>
-            <a:ext cx="3123809" cy="2633333"/>
-          </a:xfrm>
-          <a:prstGeom prst="rect">
-            <a:avLst/>
-          </a:prstGeom>
-        </p:spPr>
-      </p:pic>
+              <a:rPr lang="en-US" altLang="zh-CN" dirty="0"/>
+              <a:t>#weights </a:t>
+            </a:r>
+            <a:r>
+              <a:rPr lang="zh-CN" altLang="en-US" dirty="0"/>
+              <a:t>权重，</a:t>
+            </a:r>
+            <a:r>
+              <a:rPr lang="en-US" altLang="zh-CN" dirty="0"/>
+              <a:t>uniform</a:t>
+            </a:r>
+            <a:r>
+              <a:rPr lang="zh-CN" altLang="en-US" dirty="0"/>
+              <a:t>一般平均，  </a:t>
+            </a:r>
+            <a:r>
+              <a:rPr lang="en-US" altLang="zh-CN" dirty="0"/>
+              <a:t>distance</a:t>
+            </a:r>
+            <a:r>
+              <a:rPr lang="zh-CN" altLang="en-US" dirty="0"/>
+              <a:t>与距离成反比</a:t>
+            </a:r>
+          </a:p>
+          <a:p>
+            <a:pPr lvl="0" eaLnBrk="0" fontAlgn="base" hangingPunct="0">
+              <a:spcBef>
+                <a:spcPct val="0"/>
+              </a:spcBef>
+              <a:spcAft>
+                <a:spcPct val="0"/>
+              </a:spcAft>
+            </a:pPr>
+            <a:r>
+              <a:rPr lang="en-US" altLang="zh-CN" dirty="0"/>
+              <a:t>for weights in ['uniform', 'distance']:</a:t>
+            </a:r>
+          </a:p>
+          <a:p>
+            <a:pPr lvl="0" eaLnBrk="0" fontAlgn="base" hangingPunct="0">
+              <a:spcBef>
+                <a:spcPct val="0"/>
+              </a:spcBef>
+              <a:spcAft>
+                <a:spcPct val="0"/>
+              </a:spcAft>
+            </a:pPr>
+            <a:r>
+              <a:rPr lang="en-US" altLang="zh-CN" dirty="0"/>
+              <a:t>    # </a:t>
+            </a:r>
+            <a:r>
+              <a:rPr lang="zh-CN" altLang="en-US" dirty="0"/>
+              <a:t>创建一个</a:t>
+            </a:r>
+            <a:r>
+              <a:rPr lang="en-US" altLang="zh-CN" dirty="0"/>
+              <a:t>KNN</a:t>
+            </a:r>
+            <a:r>
+              <a:rPr lang="zh-CN" altLang="en-US" dirty="0"/>
+              <a:t>分类器，设置</a:t>
+            </a:r>
+            <a:r>
+              <a:rPr lang="en-US" altLang="zh-CN" dirty="0"/>
+              <a:t>K</a:t>
+            </a:r>
+            <a:r>
+              <a:rPr lang="zh-CN" altLang="en-US" dirty="0"/>
+              <a:t>值和投票方式，并进行训练</a:t>
+            </a:r>
+          </a:p>
+          <a:p>
+            <a:pPr lvl="0" eaLnBrk="0" fontAlgn="base" hangingPunct="0">
+              <a:spcBef>
+                <a:spcPct val="0"/>
+              </a:spcBef>
+              <a:spcAft>
+                <a:spcPct val="0"/>
+              </a:spcAft>
+            </a:pPr>
+            <a:r>
+              <a:rPr lang="zh-CN" altLang="en-US" dirty="0"/>
+              <a:t>    </a:t>
+            </a:r>
+            <a:r>
+              <a:rPr lang="en-US" altLang="zh-CN" dirty="0"/>
+              <a:t>k = 15</a:t>
+            </a:r>
+          </a:p>
+          <a:p>
+            <a:pPr lvl="0" eaLnBrk="0" fontAlgn="base" hangingPunct="0">
+              <a:spcBef>
+                <a:spcPct val="0"/>
+              </a:spcBef>
+              <a:spcAft>
+                <a:spcPct val="0"/>
+              </a:spcAft>
+            </a:pPr>
+            <a:r>
+              <a:rPr lang="en-US" altLang="zh-CN" dirty="0"/>
+              <a:t>    </a:t>
+            </a:r>
+            <a:r>
+              <a:rPr lang="en-US" altLang="zh-CN" dirty="0" err="1"/>
+              <a:t>clf</a:t>
+            </a:r>
+            <a:r>
+              <a:rPr lang="en-US" altLang="zh-CN" dirty="0"/>
+              <a:t> = </a:t>
+            </a:r>
+            <a:r>
+              <a:rPr lang="en-US" altLang="zh-CN" dirty="0" err="1"/>
+              <a:t>neighbors.KNeighborsClassifier</a:t>
+            </a:r>
+            <a:r>
+              <a:rPr lang="en-US" altLang="zh-CN" dirty="0"/>
+              <a:t>(</a:t>
+            </a:r>
+            <a:r>
+              <a:rPr lang="en-US" altLang="zh-CN" dirty="0" err="1"/>
+              <a:t>n_neighbors</a:t>
+            </a:r>
+            <a:r>
+              <a:rPr lang="en-US" altLang="zh-CN" dirty="0"/>
+              <a:t>=k, weights=weights)</a:t>
+            </a:r>
+          </a:p>
+          <a:p>
+            <a:pPr lvl="0" eaLnBrk="0" fontAlgn="base" hangingPunct="0">
+              <a:spcBef>
+                <a:spcPct val="0"/>
+              </a:spcBef>
+              <a:spcAft>
+                <a:spcPct val="0"/>
+              </a:spcAft>
+            </a:pPr>
+            <a:r>
+              <a:rPr lang="en-US" altLang="zh-CN" dirty="0"/>
+              <a:t>    </a:t>
+            </a:r>
+            <a:r>
+              <a:rPr lang="en-US" altLang="zh-CN" dirty="0" err="1"/>
+              <a:t>clf.fit</a:t>
+            </a:r>
+            <a:r>
+              <a:rPr lang="en-US" altLang="zh-CN" dirty="0"/>
+              <a:t>(X, y)</a:t>
+            </a:r>
+          </a:p>
+          <a:p>
+            <a:pPr lvl="0" eaLnBrk="0" fontAlgn="base" hangingPunct="0">
+              <a:spcBef>
+                <a:spcPct val="0"/>
+              </a:spcBef>
+              <a:spcAft>
+                <a:spcPct val="0"/>
+              </a:spcAft>
+            </a:pPr>
+            <a:r>
+              <a:rPr lang="en-US" altLang="zh-CN" dirty="0"/>
+              <a:t>    </a:t>
+            </a:r>
+          </a:p>
+          <a:p>
+            <a:pPr lvl="0" eaLnBrk="0" fontAlgn="base" hangingPunct="0">
+              <a:spcBef>
+                <a:spcPct val="0"/>
+              </a:spcBef>
+              <a:spcAft>
+                <a:spcPct val="0"/>
+              </a:spcAft>
+            </a:pPr>
+            <a:r>
+              <a:rPr lang="en-US" altLang="zh-CN" dirty="0"/>
+              <a:t>    #</a:t>
+            </a:r>
+            <a:r>
+              <a:rPr lang="zh-CN" altLang="en-US" dirty="0"/>
+              <a:t>用训练好的</a:t>
+            </a:r>
+            <a:r>
+              <a:rPr lang="en-US" altLang="zh-CN" dirty="0"/>
+              <a:t>KNN</a:t>
+            </a:r>
+            <a:r>
+              <a:rPr lang="zh-CN" altLang="en-US" dirty="0"/>
+              <a:t>分类器去预测结果</a:t>
+            </a:r>
+            <a:endParaRPr lang="en-US" altLang="zh-CN" dirty="0"/>
+          </a:p>
+          <a:p>
+            <a:pPr lvl="0" eaLnBrk="0" fontAlgn="base" hangingPunct="0">
+              <a:spcBef>
+                <a:spcPct val="0"/>
+              </a:spcBef>
+              <a:spcAft>
+                <a:spcPct val="0"/>
+              </a:spcAft>
+            </a:pPr>
+            <a:r>
+              <a:rPr lang="en-US" altLang="zh-CN" dirty="0"/>
+              <a:t>    Z = </a:t>
+            </a:r>
+            <a:r>
+              <a:rPr lang="en-US" altLang="zh-CN" dirty="0" err="1"/>
+              <a:t>clf.predict</a:t>
+            </a:r>
+            <a:r>
+              <a:rPr lang="en-US" altLang="zh-CN" dirty="0"/>
+              <a:t>(</a:t>
+            </a:r>
+            <a:r>
+              <a:rPr lang="en-US" altLang="zh-CN" dirty="0" err="1"/>
+              <a:t>np.c</a:t>
+            </a:r>
+            <a:r>
+              <a:rPr lang="en-US" altLang="zh-CN" dirty="0"/>
+              <a:t>_[</a:t>
+            </a:r>
+            <a:r>
+              <a:rPr lang="en-US" altLang="zh-CN" dirty="0" err="1"/>
+              <a:t>xx.ravel</a:t>
+            </a:r>
+            <a:r>
+              <a:rPr lang="en-US" altLang="zh-CN" dirty="0"/>
+              <a:t>(), </a:t>
+            </a:r>
+            <a:r>
+              <a:rPr lang="en-US" altLang="zh-CN" dirty="0" err="1"/>
+              <a:t>yy.ravel</a:t>
+            </a:r>
+            <a:r>
+              <a:rPr lang="en-US" altLang="zh-CN" dirty="0"/>
+              <a:t>()])</a:t>
+            </a:r>
+          </a:p>
+          <a:p>
+            <a:pPr lvl="0" eaLnBrk="0" fontAlgn="base" hangingPunct="0">
+              <a:spcBef>
+                <a:spcPct val="0"/>
+              </a:spcBef>
+              <a:spcAft>
+                <a:spcPct val="0"/>
+              </a:spcAft>
+            </a:pPr>
+            <a:r>
+              <a:rPr lang="en-US" altLang="zh-CN" dirty="0"/>
+              <a:t>    #</a:t>
+            </a:r>
+            <a:r>
+              <a:rPr lang="zh-CN" altLang="en-US" dirty="0"/>
+              <a:t>将测试结果转换为两个特征数据，长度和宽度</a:t>
+            </a:r>
+            <a:endParaRPr lang="en-US" altLang="zh-CN" dirty="0"/>
+          </a:p>
+          <a:p>
+            <a:pPr lvl="0" eaLnBrk="0" fontAlgn="base" hangingPunct="0">
+              <a:spcBef>
+                <a:spcPct val="0"/>
+              </a:spcBef>
+              <a:spcAft>
+                <a:spcPct val="0"/>
+              </a:spcAft>
+            </a:pPr>
+            <a:r>
+              <a:rPr lang="en-US" altLang="zh-CN" dirty="0"/>
+              <a:t>    Z = </a:t>
+            </a:r>
+            <a:r>
+              <a:rPr lang="en-US" altLang="zh-CN" dirty="0" err="1"/>
+              <a:t>Z.reshape</a:t>
+            </a:r>
+            <a:r>
+              <a:rPr lang="en-US" altLang="zh-CN" dirty="0"/>
+              <a:t>(</a:t>
+            </a:r>
+            <a:r>
+              <a:rPr lang="en-US" altLang="zh-CN" dirty="0" err="1"/>
+              <a:t>xx.shape</a:t>
+            </a:r>
+            <a:r>
+              <a:rPr lang="en-US" altLang="zh-CN" dirty="0"/>
+              <a:t>)</a:t>
+            </a:r>
+          </a:p>
+          <a:p>
+            <a:pPr lvl="0" eaLnBrk="0" fontAlgn="base" hangingPunct="0">
+              <a:spcBef>
+                <a:spcPct val="0"/>
+              </a:spcBef>
+              <a:spcAft>
+                <a:spcPct val="0"/>
+              </a:spcAft>
+            </a:pPr>
+            <a:endParaRPr lang="en-US" altLang="zh-CN" dirty="0"/>
+          </a:p>
+        </p:txBody>
+      </p:sp>
     </p:spTree>
     <p:extLst>
       <p:ext uri="{BB962C8B-B14F-4D97-AF65-F5344CB8AC3E}">
-        <p14:creationId xmlns:p14="http://schemas.microsoft.com/office/powerpoint/2010/main" val="757603731"/>
+        <p14:creationId xmlns:p14="http://schemas.microsoft.com/office/powerpoint/2010/main" val="1253533249"/>
       </p:ext>
     </p:extLst>
   </p:cSld>

--- a/cls_23聚类算法.pptx
+++ b/cls_23聚类算法.pptx
@@ -5,7 +5,7 @@
     <p:sldMasterId id="2147483648" r:id="rId1"/>
   </p:sldMasterIdLst>
   <p:notesMasterIdLst>
-    <p:notesMasterId r:id="rId21"/>
+    <p:notesMasterId r:id="rId23"/>
   </p:notesMasterIdLst>
   <p:sldIdLst>
     <p:sldId id="256" r:id="rId2"/>
@@ -19,14 +19,16 @@
     <p:sldId id="291" r:id="rId10"/>
     <p:sldId id="292" r:id="rId11"/>
     <p:sldId id="282" r:id="rId12"/>
-    <p:sldId id="272" r:id="rId13"/>
-    <p:sldId id="265" r:id="rId14"/>
-    <p:sldId id="274" r:id="rId15"/>
-    <p:sldId id="263" r:id="rId16"/>
-    <p:sldId id="266" r:id="rId17"/>
-    <p:sldId id="268" r:id="rId18"/>
-    <p:sldId id="269" r:id="rId19"/>
-    <p:sldId id="283" r:id="rId20"/>
+    <p:sldId id="293" r:id="rId13"/>
+    <p:sldId id="294" r:id="rId14"/>
+    <p:sldId id="295" r:id="rId15"/>
+    <p:sldId id="296" r:id="rId16"/>
+    <p:sldId id="297" r:id="rId17"/>
+    <p:sldId id="265" r:id="rId18"/>
+    <p:sldId id="263" r:id="rId19"/>
+    <p:sldId id="298" r:id="rId20"/>
+    <p:sldId id="269" r:id="rId21"/>
+    <p:sldId id="283" r:id="rId22"/>
   </p:sldIdLst>
   <p:sldSz cx="9144000" cy="6858000" type="screen4x3"/>
   <p:notesSz cx="6858000" cy="9144000"/>
@@ -226,7 +228,7 @@
           <a:p>
             <a:fld id="{10FF2035-6A36-4BD7-B8AA-FDB78598F742}" type="datetimeFigureOut">
               <a:rPr lang="zh-CN" altLang="en-US" smtClean="0"/>
-              <a:t>2018/6/23</a:t>
+              <a:t>2018/6/24</a:t>
             </a:fld>
             <a:endParaRPr lang="zh-CN" altLang="en-US"/>
           </a:p>
@@ -667,7 +669,7 @@
           <a:p>
             <a:fld id="{530820CF-B880-4189-942D-D702A7CBA730}" type="datetimeFigureOut">
               <a:rPr lang="zh-CN" altLang="en-US" smtClean="0"/>
-              <a:t>2018/6/23</a:t>
+              <a:t>2018/6/24</a:t>
             </a:fld>
             <a:endParaRPr lang="zh-CN" altLang="en-US"/>
           </a:p>
@@ -830,7 +832,7 @@
           <a:p>
             <a:fld id="{530820CF-B880-4189-942D-D702A7CBA730}" type="datetimeFigureOut">
               <a:rPr lang="zh-CN" altLang="en-US" smtClean="0"/>
-              <a:t>2018/6/23</a:t>
+              <a:t>2018/6/24</a:t>
             </a:fld>
             <a:endParaRPr lang="zh-CN" altLang="en-US"/>
           </a:p>
@@ -1003,7 +1005,7 @@
           <a:p>
             <a:fld id="{530820CF-B880-4189-942D-D702A7CBA730}" type="datetimeFigureOut">
               <a:rPr lang="zh-CN" altLang="en-US" smtClean="0"/>
-              <a:t>2018/6/23</a:t>
+              <a:t>2018/6/24</a:t>
             </a:fld>
             <a:endParaRPr lang="zh-CN" altLang="en-US"/>
           </a:p>
@@ -1166,7 +1168,7 @@
           <a:p>
             <a:fld id="{530820CF-B880-4189-942D-D702A7CBA730}" type="datetimeFigureOut">
               <a:rPr lang="zh-CN" altLang="en-US" smtClean="0"/>
-              <a:t>2018/6/23</a:t>
+              <a:t>2018/6/24</a:t>
             </a:fld>
             <a:endParaRPr lang="zh-CN" altLang="en-US"/>
           </a:p>
@@ -1406,7 +1408,7 @@
           <a:p>
             <a:fld id="{530820CF-B880-4189-942D-D702A7CBA730}" type="datetimeFigureOut">
               <a:rPr lang="zh-CN" altLang="en-US" smtClean="0"/>
-              <a:t>2018/6/23</a:t>
+              <a:t>2018/6/24</a:t>
             </a:fld>
             <a:endParaRPr lang="zh-CN" altLang="en-US"/>
           </a:p>
@@ -1686,7 +1688,7 @@
           <a:p>
             <a:fld id="{530820CF-B880-4189-942D-D702A7CBA730}" type="datetimeFigureOut">
               <a:rPr lang="zh-CN" altLang="en-US" smtClean="0"/>
-              <a:t>2018/6/23</a:t>
+              <a:t>2018/6/24</a:t>
             </a:fld>
             <a:endParaRPr lang="zh-CN" altLang="en-US"/>
           </a:p>
@@ -2100,7 +2102,7 @@
           <a:p>
             <a:fld id="{530820CF-B880-4189-942D-D702A7CBA730}" type="datetimeFigureOut">
               <a:rPr lang="zh-CN" altLang="en-US" smtClean="0"/>
-              <a:t>2018/6/23</a:t>
+              <a:t>2018/6/24</a:t>
             </a:fld>
             <a:endParaRPr lang="zh-CN" altLang="en-US"/>
           </a:p>
@@ -2212,7 +2214,7 @@
           <a:p>
             <a:fld id="{530820CF-B880-4189-942D-D702A7CBA730}" type="datetimeFigureOut">
               <a:rPr lang="zh-CN" altLang="en-US" smtClean="0"/>
-              <a:t>2018/6/23</a:t>
+              <a:t>2018/6/24</a:t>
             </a:fld>
             <a:endParaRPr lang="zh-CN" altLang="en-US"/>
           </a:p>
@@ -2302,7 +2304,7 @@
           <a:p>
             <a:fld id="{530820CF-B880-4189-942D-D702A7CBA730}" type="datetimeFigureOut">
               <a:rPr lang="zh-CN" altLang="en-US" smtClean="0"/>
-              <a:t>2018/6/23</a:t>
+              <a:t>2018/6/24</a:t>
             </a:fld>
             <a:endParaRPr lang="zh-CN" altLang="en-US"/>
           </a:p>
@@ -2572,7 +2574,7 @@
           <a:p>
             <a:fld id="{530820CF-B880-4189-942D-D702A7CBA730}" type="datetimeFigureOut">
               <a:rPr lang="zh-CN" altLang="en-US" smtClean="0"/>
-              <a:t>2018/6/23</a:t>
+              <a:t>2018/6/24</a:t>
             </a:fld>
             <a:endParaRPr lang="zh-CN" altLang="en-US"/>
           </a:p>
@@ -2819,7 +2821,7 @@
           <a:p>
             <a:fld id="{530820CF-B880-4189-942D-D702A7CBA730}" type="datetimeFigureOut">
               <a:rPr lang="zh-CN" altLang="en-US" smtClean="0"/>
-              <a:t>2018/6/23</a:t>
+              <a:t>2018/6/24</a:t>
             </a:fld>
             <a:endParaRPr lang="zh-CN" altLang="en-US"/>
           </a:p>
@@ -3034,7 +3036,7 @@
           <a:p>
             <a:fld id="{530820CF-B880-4189-942D-D702A7CBA730}" type="datetimeFigureOut">
               <a:rPr lang="zh-CN" altLang="en-US" smtClean="0"/>
-              <a:t>2018/6/23</a:t>
+              <a:t>2018/6/24</a:t>
             </a:fld>
             <a:endParaRPr lang="zh-CN" altLang="en-US"/>
           </a:p>
@@ -3485,8 +3487,8 @@
         </p:nvSpPr>
         <p:spPr>
           <a:xfrm>
-            <a:off x="827584" y="548680"/>
-            <a:ext cx="7920880" cy="4524315"/>
+            <a:off x="827584" y="1052736"/>
+            <a:ext cx="7920880" cy="3416320"/>
           </a:xfrm>
           <a:prstGeom prst="rect">
             <a:avLst/>
@@ -3497,101 +3499,6 @@
             <a:spAutoFit/>
           </a:bodyPr>
           <a:lstStyle/>
-          <a:p>
-            <a:pPr lvl="0" eaLnBrk="0" fontAlgn="base" hangingPunct="0">
-              <a:spcBef>
-                <a:spcPct val="0"/>
-              </a:spcBef>
-              <a:spcAft>
-                <a:spcPct val="0"/>
-              </a:spcAft>
-            </a:pPr>
-            <a:r>
-              <a:rPr lang="en-US" altLang="zh-CN" dirty="0"/>
-              <a:t>    #</a:t>
-            </a:r>
-            <a:r>
-              <a:rPr lang="zh-CN" altLang="en-US" dirty="0"/>
-              <a:t>函数将预测结果</a:t>
-            </a:r>
-            <a:r>
-              <a:rPr lang="en-US" altLang="zh-CN" dirty="0"/>
-              <a:t>Z</a:t>
-            </a:r>
-            <a:r>
-              <a:rPr lang="zh-CN" altLang="en-US" dirty="0"/>
-              <a:t>绘制在图像上    </a:t>
-            </a:r>
-            <a:endParaRPr lang="en-US" altLang="zh-CN" dirty="0"/>
-          </a:p>
-          <a:p>
-            <a:pPr lvl="0" eaLnBrk="0" fontAlgn="base" hangingPunct="0">
-              <a:spcBef>
-                <a:spcPct val="0"/>
-              </a:spcBef>
-              <a:spcAft>
-                <a:spcPct val="0"/>
-              </a:spcAft>
-            </a:pPr>
-            <a:r>
-              <a:rPr lang="en-US" altLang="zh-CN" dirty="0"/>
-              <a:t>    </a:t>
-            </a:r>
-            <a:r>
-              <a:rPr lang="en-US" altLang="zh-CN" dirty="0" err="1"/>
-              <a:t>plt.figure</a:t>
-            </a:r>
-            <a:r>
-              <a:rPr lang="en-US" altLang="zh-CN" dirty="0"/>
-              <a:t>()</a:t>
-            </a:r>
-          </a:p>
-          <a:p>
-            <a:pPr lvl="0" eaLnBrk="0" fontAlgn="base" hangingPunct="0">
-              <a:spcBef>
-                <a:spcPct val="0"/>
-              </a:spcBef>
-              <a:spcAft>
-                <a:spcPct val="0"/>
-              </a:spcAft>
-            </a:pPr>
-            <a:r>
-              <a:rPr lang="en-US" altLang="zh-CN" dirty="0"/>
-              <a:t>    </a:t>
-            </a:r>
-            <a:r>
-              <a:rPr lang="en-US" altLang="zh-CN" dirty="0" err="1"/>
-              <a:t>plt.pcolormesh</a:t>
-            </a:r>
-            <a:r>
-              <a:rPr lang="en-US" altLang="zh-CN" dirty="0"/>
-              <a:t>(xx, </a:t>
-            </a:r>
-            <a:r>
-              <a:rPr lang="en-US" altLang="zh-CN" dirty="0" err="1"/>
-              <a:t>yy</a:t>
-            </a:r>
-            <a:r>
-              <a:rPr lang="en-US" altLang="zh-CN" dirty="0"/>
-              <a:t>, Z, </a:t>
-            </a:r>
-            <a:r>
-              <a:rPr lang="en-US" altLang="zh-CN" dirty="0" err="1"/>
-              <a:t>cmap</a:t>
-            </a:r>
-            <a:r>
-              <a:rPr lang="en-US" altLang="zh-CN" dirty="0"/>
-              <a:t>=</a:t>
-            </a:r>
-            <a:r>
-              <a:rPr lang="en-US" altLang="zh-CN" dirty="0" err="1"/>
-              <a:t>cmap_light</a:t>
-            </a:r>
-            <a:r>
-              <a:rPr lang="en-US" altLang="zh-CN" dirty="0"/>
-              <a:t>)</a:t>
-            </a:r>
-          </a:p>
           <a:p>
             <a:pPr lvl="0" eaLnBrk="0" fontAlgn="base" hangingPunct="0">
               <a:spcBef>
@@ -3693,8 +3600,9 @@
             </a:r>
             <a:r>
               <a:rPr lang="zh-CN" altLang="en-US" dirty="0"/>
-              <a:t>设置坐标轴的取值范围</a:t>
-            </a:r>
+              <a:t>设置坐标轴</a:t>
+            </a:r>
+            <a:endParaRPr lang="en-US" altLang="zh-CN" dirty="0"/>
           </a:p>
           <a:p>
             <a:pPr lvl="0" eaLnBrk="0" fontAlgn="base" hangingPunct="0">
@@ -3770,6 +3678,66 @@
             <a:r>
               <a:rPr lang="en-US" altLang="zh-CN" dirty="0"/>
               <a:t>())</a:t>
+            </a:r>
+          </a:p>
+          <a:p>
+            <a:pPr lvl="0" eaLnBrk="0" fontAlgn="base" hangingPunct="0">
+              <a:spcBef>
+                <a:spcPct val="0"/>
+              </a:spcBef>
+              <a:spcAft>
+                <a:spcPct val="0"/>
+              </a:spcAft>
+            </a:pPr>
+            <a:r>
+              <a:rPr lang="en-US" altLang="zh-CN" dirty="0"/>
+              <a:t>    </a:t>
+            </a:r>
+            <a:r>
+              <a:rPr lang="en-US" altLang="zh-CN" dirty="0" err="1"/>
+              <a:t>plt.xlabel</a:t>
+            </a:r>
+            <a:r>
+              <a:rPr lang="en-US" altLang="zh-CN" dirty="0"/>
+              <a:t>(</a:t>
+            </a:r>
+            <a:r>
+              <a:rPr lang="en-US" altLang="zh-CN" dirty="0" err="1"/>
+              <a:t>u'Sepal_Length</a:t>
+            </a:r>
+            <a:r>
+              <a:rPr lang="en-US" altLang="zh-CN" dirty="0"/>
+              <a:t>')</a:t>
+            </a:r>
+          </a:p>
+          <a:p>
+            <a:pPr lvl="0" eaLnBrk="0" fontAlgn="base" hangingPunct="0">
+              <a:spcBef>
+                <a:spcPct val="0"/>
+              </a:spcBef>
+              <a:spcAft>
+                <a:spcPct val="0"/>
+              </a:spcAft>
+            </a:pPr>
+            <a:r>
+              <a:rPr lang="en-US" altLang="zh-CN" dirty="0"/>
+              <a:t>    </a:t>
+            </a:r>
+            <a:r>
+              <a:rPr lang="en-US" altLang="zh-CN" dirty="0" err="1"/>
+              <a:t>plt.ylabel</a:t>
+            </a:r>
+            <a:r>
+              <a:rPr lang="en-US" altLang="zh-CN" dirty="0"/>
+              <a:t>(</a:t>
+            </a:r>
+            <a:r>
+              <a:rPr lang="en-US" altLang="zh-CN" dirty="0" err="1"/>
+              <a:t>u'Sepal_Width</a:t>
+            </a:r>
+            <a:r>
+              <a:rPr lang="en-US" altLang="zh-CN" dirty="0"/>
+              <a:t>’)</a:t>
             </a:r>
           </a:p>
           <a:p>
@@ -3782,84 +3750,6 @@
               </a:spcAft>
             </a:pPr>
             <a:endParaRPr lang="en-US" altLang="zh-CN" dirty="0"/>
-          </a:p>
-          <a:p>
-            <a:pPr lvl="0" eaLnBrk="0" fontAlgn="base" hangingPunct="0">
-              <a:spcBef>
-                <a:spcPct val="0"/>
-              </a:spcBef>
-              <a:spcAft>
-                <a:spcPct val="0"/>
-              </a:spcAft>
-            </a:pPr>
-            <a:r>
-              <a:rPr lang="en-US" altLang="zh-CN" dirty="0"/>
-              <a:t>    # </a:t>
-            </a:r>
-            <a:r>
-              <a:rPr lang="zh-CN" altLang="en-US" dirty="0"/>
-              <a:t>设置坐标轴的标识</a:t>
-            </a:r>
-          </a:p>
-          <a:p>
-            <a:pPr lvl="0" eaLnBrk="0" fontAlgn="base" hangingPunct="0">
-              <a:spcBef>
-                <a:spcPct val="0"/>
-              </a:spcBef>
-              <a:spcAft>
-                <a:spcPct val="0"/>
-              </a:spcAft>
-            </a:pPr>
-            <a:r>
-              <a:rPr lang="en-US" altLang="zh-CN" dirty="0"/>
-              <a:t>    </a:t>
-            </a:r>
-            <a:r>
-              <a:rPr lang="en-US" altLang="zh-CN" dirty="0" err="1"/>
-              <a:t>plt.xlabel</a:t>
-            </a:r>
-            <a:r>
-              <a:rPr lang="en-US" altLang="zh-CN" dirty="0"/>
-              <a:t>(</a:t>
-            </a:r>
-            <a:r>
-              <a:rPr lang="en-US" altLang="zh-CN" dirty="0" err="1"/>
-              <a:t>u'Sepal_Length</a:t>
-            </a:r>
-            <a:r>
-              <a:rPr lang="en-US" altLang="zh-CN" dirty="0"/>
-              <a:t>')</a:t>
-            </a:r>
-          </a:p>
-          <a:p>
-            <a:pPr lvl="0" eaLnBrk="0" fontAlgn="base" hangingPunct="0">
-              <a:spcBef>
-                <a:spcPct val="0"/>
-              </a:spcBef>
-              <a:spcAft>
-                <a:spcPct val="0"/>
-              </a:spcAft>
-            </a:pPr>
-            <a:r>
-              <a:rPr lang="en-US" altLang="zh-CN" dirty="0"/>
-              <a:t>    </a:t>
-            </a:r>
-            <a:r>
-              <a:rPr lang="en-US" altLang="zh-CN" dirty="0" err="1"/>
-              <a:t>plt.ylabel</a:t>
-            </a:r>
-            <a:r>
-              <a:rPr lang="en-US" altLang="zh-CN" dirty="0"/>
-              <a:t>(</a:t>
-            </a:r>
-            <a:r>
-              <a:rPr lang="en-US" altLang="zh-CN" dirty="0" err="1"/>
-              <a:t>u'Sepal_Width</a:t>
-            </a:r>
-            <a:r>
-              <a:rPr lang="en-US" altLang="zh-CN" dirty="0"/>
-              <a:t>')</a:t>
-            </a:r>
           </a:p>
           <a:p>
             <a:pPr lvl="0" eaLnBrk="0" fontAlgn="base" hangingPunct="0">
@@ -4016,8 +3906,8 @@
         </p:blipFill>
         <p:spPr>
           <a:xfrm>
-            <a:off x="1043608" y="2514526"/>
-            <a:ext cx="3179720" cy="2374942"/>
+            <a:off x="1043607" y="2514526"/>
+            <a:ext cx="3441757" cy="2570658"/>
           </a:xfrm>
           <a:prstGeom prst="rect">
             <a:avLst/>
@@ -4046,8 +3936,8 @@
         </p:blipFill>
         <p:spPr>
           <a:xfrm>
-            <a:off x="4788024" y="2532111"/>
-            <a:ext cx="3200516" cy="2374942"/>
+            <a:off x="4788024" y="2514525"/>
+            <a:ext cx="3464267" cy="2570658"/>
           </a:xfrm>
           <a:prstGeom prst="rect">
             <a:avLst/>
@@ -4152,7 +4042,7 @@
           <p:cNvPr id="2" name="标题 1">
             <a:extLst>
               <a:ext uri="{FF2B5EF4-FFF2-40B4-BE49-F238E27FC236}">
-                <a16:creationId xmlns:a16="http://schemas.microsoft.com/office/drawing/2014/main" id="{BF40266F-97CF-4B1C-954C-0873372D280C}"/>
+                <a16:creationId xmlns:a16="http://schemas.microsoft.com/office/drawing/2014/main" id="{1FC07F54-01DF-4EAB-8DA9-0A0A04158726}"/>
               </a:ext>
             </a:extLst>
           </p:cNvPr>
@@ -4165,313 +4055,44 @@
         </p:nvSpPr>
         <p:spPr>
           <a:xfrm>
-            <a:off x="486014" y="33569"/>
+            <a:off x="457200" y="260648"/>
             <a:ext cx="8229600" cy="1143000"/>
           </a:xfrm>
         </p:spPr>
         <p:txBody>
-          <a:bodyPr/>
+          <a:bodyPr>
+            <a:normAutofit/>
+          </a:bodyPr>
           <a:lstStyle/>
           <a:p>
+            <a:r>
+              <a:rPr lang="zh-CN" altLang="en-US" dirty="0">
+                <a:latin typeface="微软雅黑" panose="020B0503020204020204" pitchFamily="34" charset="-122"/>
+                <a:ea typeface="微软雅黑" panose="020B0503020204020204" pitchFamily="34" charset="-122"/>
+              </a:rPr>
+              <a:t>猜猜花的种类：</a:t>
+            </a:r>
             <a:r>
               <a:rPr lang="en-US" altLang="zh-CN" dirty="0">
                 <a:latin typeface="微软雅黑" panose="020B0503020204020204" pitchFamily="34" charset="-122"/>
                 <a:ea typeface="微软雅黑" panose="020B0503020204020204" pitchFamily="34" charset="-122"/>
               </a:rPr>
-              <a:t>K-means</a:t>
+              <a:t> </a:t>
+            </a:r>
+            <a:r>
+              <a:rPr lang="en-US" altLang="zh-CN" dirty="0" err="1">
+                <a:latin typeface="微软雅黑" panose="020B0503020204020204" pitchFamily="34" charset="-122"/>
+                <a:ea typeface="微软雅黑" panose="020B0503020204020204" pitchFamily="34" charset="-122"/>
+              </a:rPr>
+              <a:t>Kmeans</a:t>
             </a:r>
             <a:r>
               <a:rPr lang="zh-CN" altLang="en-US" dirty="0">
                 <a:latin typeface="微软雅黑" panose="020B0503020204020204" pitchFamily="34" charset="-122"/>
                 <a:ea typeface="微软雅黑" panose="020B0503020204020204" pitchFamily="34" charset="-122"/>
               </a:rPr>
-              <a:t>聚类算法</a:t>
-            </a:r>
-          </a:p>
-        </p:txBody>
-      </p:sp>
-      <p:sp>
-        <p:nvSpPr>
-          <p:cNvPr id="3" name="内容占位符 2">
-            <a:extLst>
-              <a:ext uri="{FF2B5EF4-FFF2-40B4-BE49-F238E27FC236}">
-                <a16:creationId xmlns:a16="http://schemas.microsoft.com/office/drawing/2014/main" id="{7D73DC31-9778-4A44-B695-EAFFD8055E42}"/>
-              </a:ext>
-            </a:extLst>
-          </p:cNvPr>
-          <p:cNvSpPr>
-            <a:spLocks noGrp="1"/>
-          </p:cNvSpPr>
-          <p:nvPr>
-            <p:ph idx="1"/>
-          </p:nvPr>
-        </p:nvSpPr>
-        <p:spPr>
-          <a:xfrm>
-            <a:off x="457200" y="2204864"/>
-            <a:ext cx="8435280" cy="2620888"/>
-          </a:xfrm>
-        </p:spPr>
-        <p:txBody>
-          <a:bodyPr>
-            <a:normAutofit fontScale="92500"/>
-          </a:bodyPr>
-          <a:lstStyle/>
-          <a:p>
-            <a:pPr marL="0" indent="0">
-              <a:buNone/>
-            </a:pPr>
-            <a:r>
-              <a:rPr lang="zh-CN" altLang="en-US" sz="1800" dirty="0">
-                <a:latin typeface="微软雅黑" panose="020B0503020204020204" pitchFamily="34" charset="-122"/>
-                <a:ea typeface="微软雅黑" panose="020B0503020204020204" pitchFamily="34" charset="-122"/>
-              </a:rPr>
-              <a:t>（</a:t>
-            </a:r>
-            <a:r>
-              <a:rPr lang="en-US" altLang="zh-CN" sz="1800" dirty="0">
-                <a:latin typeface="微软雅黑" panose="020B0503020204020204" pitchFamily="34" charset="-122"/>
-                <a:ea typeface="微软雅黑" panose="020B0503020204020204" pitchFamily="34" charset="-122"/>
-              </a:rPr>
-              <a:t>1</a:t>
-            </a:r>
-            <a:r>
-              <a:rPr lang="zh-CN" altLang="en-US" sz="1800" dirty="0">
-                <a:latin typeface="微软雅黑" panose="020B0503020204020204" pitchFamily="34" charset="-122"/>
-                <a:ea typeface="微软雅黑" panose="020B0503020204020204" pitchFamily="34" charset="-122"/>
-              </a:rPr>
-              <a:t>）首先输入</a:t>
-            </a:r>
-            <a:r>
-              <a:rPr lang="en-US" altLang="zh-CN" sz="1800" dirty="0">
-                <a:latin typeface="微软雅黑" panose="020B0503020204020204" pitchFamily="34" charset="-122"/>
-                <a:ea typeface="微软雅黑" panose="020B0503020204020204" pitchFamily="34" charset="-122"/>
-              </a:rPr>
-              <a:t>k</a:t>
-            </a:r>
-            <a:r>
-              <a:rPr lang="zh-CN" altLang="en-US" sz="1800" dirty="0">
-                <a:latin typeface="微软雅黑" panose="020B0503020204020204" pitchFamily="34" charset="-122"/>
-                <a:ea typeface="微软雅黑" panose="020B0503020204020204" pitchFamily="34" charset="-122"/>
-              </a:rPr>
-              <a:t>的值，即我们希望将数据集经过聚类得到</a:t>
-            </a:r>
-            <a:r>
-              <a:rPr lang="en-US" altLang="zh-CN" sz="1800" dirty="0">
-                <a:latin typeface="微软雅黑" panose="020B0503020204020204" pitchFamily="34" charset="-122"/>
-                <a:ea typeface="微软雅黑" panose="020B0503020204020204" pitchFamily="34" charset="-122"/>
-              </a:rPr>
-              <a:t>k</a:t>
-            </a:r>
-            <a:r>
-              <a:rPr lang="zh-CN" altLang="en-US" sz="1800" dirty="0">
-                <a:latin typeface="微软雅黑" panose="020B0503020204020204" pitchFamily="34" charset="-122"/>
-                <a:ea typeface="微软雅黑" panose="020B0503020204020204" pitchFamily="34" charset="-122"/>
-              </a:rPr>
-              <a:t>个聚类。</a:t>
-            </a:r>
-            <a:endParaRPr lang="en-US" altLang="zh-CN" sz="1800" dirty="0">
-              <a:latin typeface="微软雅黑" panose="020B0503020204020204" pitchFamily="34" charset="-122"/>
-              <a:ea typeface="微软雅黑" panose="020B0503020204020204" pitchFamily="34" charset="-122"/>
-            </a:endParaRPr>
-          </a:p>
-          <a:p>
-            <a:pPr marL="0" indent="0">
-              <a:buNone/>
-            </a:pPr>
-            <a:r>
-              <a:rPr lang="zh-CN" altLang="en-US" sz="1800" dirty="0">
-                <a:latin typeface="微软雅黑" panose="020B0503020204020204" pitchFamily="34" charset="-122"/>
-                <a:ea typeface="微软雅黑" panose="020B0503020204020204" pitchFamily="34" charset="-122"/>
-              </a:rPr>
-              <a:t>（</a:t>
-            </a:r>
-            <a:r>
-              <a:rPr lang="en-US" altLang="zh-CN" sz="1800" dirty="0">
-                <a:latin typeface="微软雅黑" panose="020B0503020204020204" pitchFamily="34" charset="-122"/>
-                <a:ea typeface="微软雅黑" panose="020B0503020204020204" pitchFamily="34" charset="-122"/>
-              </a:rPr>
-              <a:t>2</a:t>
-            </a:r>
-            <a:r>
-              <a:rPr lang="zh-CN" altLang="en-US" sz="1800" dirty="0">
-                <a:latin typeface="微软雅黑" panose="020B0503020204020204" pitchFamily="34" charset="-122"/>
-                <a:ea typeface="微软雅黑" panose="020B0503020204020204" pitchFamily="34" charset="-122"/>
-              </a:rPr>
-              <a:t>）从数据集中随机选择</a:t>
-            </a:r>
-            <a:r>
-              <a:rPr lang="en-US" altLang="zh-CN" sz="1800" dirty="0">
-                <a:latin typeface="微软雅黑" panose="020B0503020204020204" pitchFamily="34" charset="-122"/>
-                <a:ea typeface="微软雅黑" panose="020B0503020204020204" pitchFamily="34" charset="-122"/>
-              </a:rPr>
-              <a:t>k</a:t>
-            </a:r>
-            <a:r>
-              <a:rPr lang="zh-CN" altLang="en-US" sz="1800" dirty="0">
-                <a:latin typeface="微软雅黑" panose="020B0503020204020204" pitchFamily="34" charset="-122"/>
-                <a:ea typeface="微软雅黑" panose="020B0503020204020204" pitchFamily="34" charset="-122"/>
-              </a:rPr>
-              <a:t>个数据点作为质心</a:t>
-            </a:r>
-            <a:endParaRPr lang="en-US" altLang="zh-CN" sz="1800" dirty="0">
-              <a:latin typeface="微软雅黑" panose="020B0503020204020204" pitchFamily="34" charset="-122"/>
-              <a:ea typeface="微软雅黑" panose="020B0503020204020204" pitchFamily="34" charset="-122"/>
-            </a:endParaRPr>
-          </a:p>
-          <a:p>
-            <a:pPr marL="0" indent="0">
-              <a:buNone/>
-            </a:pPr>
-            <a:r>
-              <a:rPr lang="zh-CN" altLang="en-US" sz="1800" dirty="0">
-                <a:latin typeface="微软雅黑" panose="020B0503020204020204" pitchFamily="34" charset="-122"/>
-                <a:ea typeface="微软雅黑" panose="020B0503020204020204" pitchFamily="34" charset="-122"/>
-              </a:rPr>
-              <a:t>（</a:t>
-            </a:r>
-            <a:r>
-              <a:rPr lang="en-US" altLang="zh-CN" sz="1800" dirty="0">
-                <a:latin typeface="微软雅黑" panose="020B0503020204020204" pitchFamily="34" charset="-122"/>
-                <a:ea typeface="微软雅黑" panose="020B0503020204020204" pitchFamily="34" charset="-122"/>
-              </a:rPr>
-              <a:t>3</a:t>
-            </a:r>
-            <a:r>
-              <a:rPr lang="zh-CN" altLang="en-US" sz="1800" dirty="0">
-                <a:latin typeface="微软雅黑" panose="020B0503020204020204" pitchFamily="34" charset="-122"/>
-                <a:ea typeface="微软雅黑" panose="020B0503020204020204" pitchFamily="34" charset="-122"/>
-              </a:rPr>
-              <a:t>）计算每一个对象与</a:t>
-            </a:r>
-            <a:r>
-              <a:rPr lang="en-US" altLang="zh-CN" sz="1800" dirty="0">
-                <a:latin typeface="微软雅黑" panose="020B0503020204020204" pitchFamily="34" charset="-122"/>
-                <a:ea typeface="微软雅黑" panose="020B0503020204020204" pitchFamily="34" charset="-122"/>
-              </a:rPr>
-              <a:t>k</a:t>
-            </a:r>
-            <a:r>
-              <a:rPr lang="zh-CN" altLang="en-US" sz="1800" dirty="0">
-                <a:latin typeface="微软雅黑" panose="020B0503020204020204" pitchFamily="34" charset="-122"/>
-                <a:ea typeface="微软雅黑" panose="020B0503020204020204" pitchFamily="34" charset="-122"/>
-              </a:rPr>
-              <a:t>个质心的距离，并根据最小距离对相应对象进行划分，得到初始聚类</a:t>
-            </a:r>
-            <a:endParaRPr lang="en-US" altLang="zh-CN" sz="1800" dirty="0">
-              <a:latin typeface="微软雅黑" panose="020B0503020204020204" pitchFamily="34" charset="-122"/>
-              <a:ea typeface="微软雅黑" panose="020B0503020204020204" pitchFamily="34" charset="-122"/>
-            </a:endParaRPr>
-          </a:p>
-          <a:p>
-            <a:pPr marL="0" indent="0">
-              <a:buNone/>
-            </a:pPr>
-            <a:r>
-              <a:rPr lang="zh-CN" altLang="en-US" sz="1800" dirty="0">
-                <a:latin typeface="微软雅黑" panose="020B0503020204020204" pitchFamily="34" charset="-122"/>
-                <a:ea typeface="微软雅黑" panose="020B0503020204020204" pitchFamily="34" charset="-122"/>
-              </a:rPr>
-              <a:t>（</a:t>
-            </a:r>
-            <a:r>
-              <a:rPr lang="en-US" altLang="zh-CN" sz="1800" dirty="0">
-                <a:latin typeface="微软雅黑" panose="020B0503020204020204" pitchFamily="34" charset="-122"/>
-                <a:ea typeface="微软雅黑" panose="020B0503020204020204" pitchFamily="34" charset="-122"/>
-              </a:rPr>
-              <a:t>4</a:t>
-            </a:r>
-            <a:r>
-              <a:rPr lang="zh-CN" altLang="en-US" sz="1800" dirty="0">
-                <a:latin typeface="微软雅黑" panose="020B0503020204020204" pitchFamily="34" charset="-122"/>
-                <a:ea typeface="微软雅黑" panose="020B0503020204020204" pitchFamily="34" charset="-122"/>
-              </a:rPr>
-              <a:t>）对每一个聚类分别计算其所有数据点的均值，并将这个均值作为新的聚类的质心</a:t>
-            </a:r>
-            <a:endParaRPr lang="en-US" altLang="zh-CN" sz="1800" dirty="0">
-              <a:latin typeface="微软雅黑" panose="020B0503020204020204" pitchFamily="34" charset="-122"/>
-              <a:ea typeface="微软雅黑" panose="020B0503020204020204" pitchFamily="34" charset="-122"/>
-            </a:endParaRPr>
-          </a:p>
-          <a:p>
-            <a:pPr marL="0" indent="0">
-              <a:buNone/>
-            </a:pPr>
-            <a:r>
-              <a:rPr lang="zh-CN" altLang="en-US" sz="1800" dirty="0">
-                <a:latin typeface="微软雅黑" panose="020B0503020204020204" pitchFamily="34" charset="-122"/>
-                <a:ea typeface="微软雅黑" panose="020B0503020204020204" pitchFamily="34" charset="-122"/>
-              </a:rPr>
-              <a:t>（</a:t>
-            </a:r>
-            <a:r>
-              <a:rPr lang="en-US" altLang="zh-CN" sz="1800" dirty="0">
-                <a:latin typeface="微软雅黑" panose="020B0503020204020204" pitchFamily="34" charset="-122"/>
-                <a:ea typeface="微软雅黑" panose="020B0503020204020204" pitchFamily="34" charset="-122"/>
-              </a:rPr>
-              <a:t>5</a:t>
-            </a:r>
-            <a:r>
-              <a:rPr lang="zh-CN" altLang="en-US" sz="1800" dirty="0">
-                <a:latin typeface="微软雅黑" panose="020B0503020204020204" pitchFamily="34" charset="-122"/>
-                <a:ea typeface="微软雅黑" panose="020B0503020204020204" pitchFamily="34" charset="-122"/>
-              </a:rPr>
-              <a:t>）如果新质心与旧质心距离差距小于某一个设置的阈值，则说明重新计算的质心的位置变化不大，数据趋于稳定，数据变化收敛</a:t>
-            </a:r>
-            <a:endParaRPr lang="en-US" altLang="zh-CN" sz="1800" dirty="0">
-              <a:latin typeface="微软雅黑" panose="020B0503020204020204" pitchFamily="34" charset="-122"/>
-              <a:ea typeface="微软雅黑" panose="020B0503020204020204" pitchFamily="34" charset="-122"/>
-            </a:endParaRPr>
-          </a:p>
-          <a:p>
-            <a:pPr marL="0" indent="0">
-              <a:buNone/>
-            </a:pPr>
-            <a:r>
-              <a:rPr lang="zh-CN" altLang="en-US" sz="1800" dirty="0">
-                <a:latin typeface="微软雅黑" panose="020B0503020204020204" pitchFamily="34" charset="-122"/>
-                <a:ea typeface="微软雅黑" panose="020B0503020204020204" pitchFamily="34" charset="-122"/>
-              </a:rPr>
-              <a:t>（</a:t>
-            </a:r>
-            <a:r>
-              <a:rPr lang="en-US" altLang="zh-CN" sz="1800" dirty="0">
-                <a:latin typeface="微软雅黑" panose="020B0503020204020204" pitchFamily="34" charset="-122"/>
-                <a:ea typeface="微软雅黑" panose="020B0503020204020204" pitchFamily="34" charset="-122"/>
-              </a:rPr>
-              <a:t>6</a:t>
-            </a:r>
-            <a:r>
-              <a:rPr lang="zh-CN" altLang="en-US" sz="1800" dirty="0">
-                <a:latin typeface="微软雅黑" panose="020B0503020204020204" pitchFamily="34" charset="-122"/>
-                <a:ea typeface="微软雅黑" panose="020B0503020204020204" pitchFamily="34" charset="-122"/>
-              </a:rPr>
-              <a:t>）如果新质心与旧质心距离差距变化很大，需要迭代</a:t>
-            </a:r>
-            <a:r>
-              <a:rPr lang="en-US" altLang="zh-CN" sz="1800" dirty="0">
-                <a:latin typeface="微软雅黑" panose="020B0503020204020204" pitchFamily="34" charset="-122"/>
-                <a:ea typeface="微软雅黑" panose="020B0503020204020204" pitchFamily="34" charset="-122"/>
-              </a:rPr>
-              <a:t>3~5</a:t>
-            </a:r>
-            <a:r>
-              <a:rPr lang="zh-CN" altLang="en-US" sz="1800" dirty="0">
-                <a:latin typeface="微软雅黑" panose="020B0503020204020204" pitchFamily="34" charset="-122"/>
-                <a:ea typeface="微软雅黑" panose="020B0503020204020204" pitchFamily="34" charset="-122"/>
-              </a:rPr>
-              <a:t>步骤，直至满足第五步</a:t>
-            </a:r>
-            <a:endParaRPr lang="en-US" altLang="zh-CN" sz="1800" dirty="0">
-              <a:latin typeface="微软雅黑" panose="020B0503020204020204" pitchFamily="34" charset="-122"/>
-              <a:ea typeface="微软雅黑" panose="020B0503020204020204" pitchFamily="34" charset="-122"/>
-            </a:endParaRPr>
-          </a:p>
-          <a:p>
-            <a:endParaRPr lang="zh-CN" altLang="en-US" sz="1800" dirty="0">
-              <a:latin typeface="微软雅黑" panose="020B0503020204020204" pitchFamily="34" charset="-122"/>
-              <a:ea typeface="微软雅黑" panose="020B0503020204020204" pitchFamily="34" charset="-122"/>
-            </a:endParaRPr>
+              <a:t>算法</a:t>
+            </a:r>
           </a:p>
         </p:txBody>
       </p:sp>
@@ -4480,7 +4101,7 @@
           <p:cNvPr id="6" name="矩形 5">
             <a:extLst>
               <a:ext uri="{FF2B5EF4-FFF2-40B4-BE49-F238E27FC236}">
-                <a16:creationId xmlns:a16="http://schemas.microsoft.com/office/drawing/2014/main" id="{E05ABEAB-6002-4408-BBE0-71CD847A359A}"/>
+                <a16:creationId xmlns:a16="http://schemas.microsoft.com/office/drawing/2014/main" id="{5C14338E-7EA5-4218-BD06-C22E7911D151}"/>
               </a:ext>
             </a:extLst>
           </p:cNvPr>
@@ -4489,8 +4110,8 @@
         </p:nvSpPr>
         <p:spPr>
           <a:xfrm>
-            <a:off x="611560" y="1096496"/>
-            <a:ext cx="7920880" cy="923330"/>
+            <a:off x="611560" y="1941088"/>
+            <a:ext cx="3809671" cy="2956579"/>
           </a:xfrm>
           <a:prstGeom prst="rect">
             <a:avLst/>
@@ -4502,20 +4123,87 @@
           </a:bodyPr>
           <a:lstStyle/>
           <a:p>
+            <a:pPr>
+              <a:lnSpc>
+                <a:spcPct val="150000"/>
+              </a:lnSpc>
+            </a:pPr>
             <a:r>
               <a:rPr lang="zh-CN" altLang="en-US" dirty="0">
-                <a:latin typeface="微软雅黑" panose="020B0503020204020204" pitchFamily="34" charset="-122"/>
-                <a:ea typeface="微软雅黑" panose="020B0503020204020204" pitchFamily="34" charset="-122"/>
-              </a:rPr>
-              <a:t>K-means算法是很典型的基于距离的聚类算法，采用距离作为相似性的评价指标，即认为两个对象的距离越近，其相似度就越大。该算法认为簇是由距离靠近的对象组成的，因此把得到紧凑且独立的簇作为最终目标。</a:t>
-            </a:r>
-          </a:p>
-        </p:txBody>
-      </p:sp>
+                <a:ea typeface="微软雅黑" panose="020B0503020204020204" pitchFamily="34" charset="-122"/>
+              </a:rPr>
+              <a:t>        桌子上散落了一片片美丽的花瓣，</a:t>
+            </a:r>
+            <a:endParaRPr lang="en-US" altLang="zh-CN" dirty="0">
+              <a:ea typeface="微软雅黑" panose="020B0503020204020204" pitchFamily="34" charset="-122"/>
+            </a:endParaRPr>
+          </a:p>
+          <a:p>
+            <a:pPr>
+              <a:lnSpc>
+                <a:spcPct val="150000"/>
+              </a:lnSpc>
+            </a:pPr>
+            <a:r>
+              <a:rPr lang="zh-CN" altLang="en-US" dirty="0">
+                <a:ea typeface="微软雅黑" panose="020B0503020204020204" pitchFamily="34" charset="-122"/>
+              </a:rPr>
+              <a:t>有嫩白色，粉红色，红色，我想把这些花瓣的种类区分出来。已知花的种类与颜色没有必然关系，而是与花瓣的长度和宽度有关，相似长宽的花瓣很有可能是同一个品种，那么应该怎么做呢？</a:t>
+            </a:r>
+          </a:p>
+        </p:txBody>
+      </p:sp>
+      <p:pic>
+        <p:nvPicPr>
+          <p:cNvPr id="2050" name="Picture 2" descr="ç«ç°è±ç£æ£è½">
+            <a:extLst>
+              <a:ext uri="{FF2B5EF4-FFF2-40B4-BE49-F238E27FC236}">
+                <a16:creationId xmlns:a16="http://schemas.microsoft.com/office/drawing/2014/main" id="{0051F534-4089-4CCC-90BC-A949AB3A7730}"/>
+              </a:ext>
+            </a:extLst>
+          </p:cNvPr>
+          <p:cNvPicPr>
+            <a:picLocks noChangeAspect="1" noChangeArrowheads="1"/>
+          </p:cNvPicPr>
+          <p:nvPr/>
+        </p:nvPicPr>
+        <p:blipFill>
+          <a:blip r:embed="rId2">
+            <a:extLst>
+              <a:ext uri="{28A0092B-C50C-407E-A947-70E740481C1C}">
+                <a14:useLocalDpi xmlns:a14="http://schemas.microsoft.com/office/drawing/2010/main" val="0"/>
+              </a:ext>
+            </a:extLst>
+          </a:blip>
+          <a:srcRect/>
+          <a:stretch>
+            <a:fillRect/>
+          </a:stretch>
+        </p:blipFill>
+        <p:spPr bwMode="auto">
+          <a:xfrm>
+            <a:off x="4572000" y="1772816"/>
+            <a:ext cx="4319761" cy="2877625"/>
+          </a:xfrm>
+          <a:prstGeom prst="rect">
+            <a:avLst/>
+          </a:prstGeom>
+          <a:noFill/>
+          <a:extLst>
+            <a:ext uri="{909E8E84-426E-40DD-AFC4-6F175D3DCCD1}">
+              <a14:hiddenFill xmlns:a14="http://schemas.microsoft.com/office/drawing/2010/main">
+                <a:solidFill>
+                  <a:srgbClr val="FFFFFF"/>
+                </a:solidFill>
+              </a14:hiddenFill>
+            </a:ext>
+          </a:extLst>
+        </p:spPr>
+      </p:pic>
     </p:spTree>
     <p:extLst>
       <p:ext uri="{BB962C8B-B14F-4D97-AF65-F5344CB8AC3E}">
-        <p14:creationId xmlns:p14="http://schemas.microsoft.com/office/powerpoint/2010/main" val="2637008520"/>
+        <p14:creationId xmlns:p14="http://schemas.microsoft.com/office/powerpoint/2010/main" val="3610255058"/>
       </p:ext>
     </p:extLst>
   </p:cSld>
@@ -4544,6 +4232,1315 @@
       </p:grpSpPr>
       <p:sp>
         <p:nvSpPr>
+          <p:cNvPr id="2" name="标题 1">
+            <a:extLst>
+              <a:ext uri="{FF2B5EF4-FFF2-40B4-BE49-F238E27FC236}">
+                <a16:creationId xmlns:a16="http://schemas.microsoft.com/office/drawing/2014/main" id="{1FC07F54-01DF-4EAB-8DA9-0A0A04158726}"/>
+              </a:ext>
+            </a:extLst>
+          </p:cNvPr>
+          <p:cNvSpPr>
+            <a:spLocks noGrp="1"/>
+          </p:cNvSpPr>
+          <p:nvPr>
+            <p:ph type="title"/>
+          </p:nvPr>
+        </p:nvSpPr>
+        <p:spPr>
+          <a:xfrm>
+            <a:off x="457200" y="260648"/>
+            <a:ext cx="8229600" cy="1143000"/>
+          </a:xfrm>
+        </p:spPr>
+        <p:txBody>
+          <a:bodyPr/>
+          <a:lstStyle/>
+          <a:p>
+            <a:r>
+              <a:rPr lang="zh-CN" altLang="en-US" dirty="0">
+                <a:latin typeface="微软雅黑" panose="020B0503020204020204" pitchFamily="34" charset="-122"/>
+                <a:ea typeface="微软雅黑" panose="020B0503020204020204" pitchFamily="34" charset="-122"/>
+              </a:rPr>
+              <a:t>如何直观的观察分布情况</a:t>
+            </a:r>
+          </a:p>
+        </p:txBody>
+      </p:sp>
+      <p:sp>
+        <p:nvSpPr>
+          <p:cNvPr id="6" name="矩形 5">
+            <a:extLst>
+              <a:ext uri="{FF2B5EF4-FFF2-40B4-BE49-F238E27FC236}">
+                <a16:creationId xmlns:a16="http://schemas.microsoft.com/office/drawing/2014/main" id="{5C14338E-7EA5-4218-BD06-C22E7911D151}"/>
+              </a:ext>
+            </a:extLst>
+          </p:cNvPr>
+          <p:cNvSpPr/>
+          <p:nvPr/>
+        </p:nvSpPr>
+        <p:spPr>
+          <a:xfrm>
+            <a:off x="611560" y="1772816"/>
+            <a:ext cx="3960440" cy="2956579"/>
+          </a:xfrm>
+          <a:prstGeom prst="rect">
+            <a:avLst/>
+          </a:prstGeom>
+        </p:spPr>
+        <p:txBody>
+          <a:bodyPr wrap="square">
+            <a:spAutoFit/>
+          </a:bodyPr>
+          <a:lstStyle/>
+          <a:p>
+            <a:pPr>
+              <a:lnSpc>
+                <a:spcPct val="150000"/>
+              </a:lnSpc>
+            </a:pPr>
+            <a:r>
+              <a:rPr lang="zh-CN" altLang="en-US" dirty="0">
+                <a:ea typeface="微软雅黑" panose="020B0503020204020204" pitchFamily="34" charset="-122"/>
+              </a:rPr>
+              <a:t>        既然相似长宽的花瓣很有可能是同一个品种，那么，为了更好地观察花瓣的分布情况，我们需要将花瓣按照一定规则进行摆放。</a:t>
+            </a:r>
+            <a:endParaRPr lang="en-US" altLang="zh-CN" dirty="0">
+              <a:ea typeface="微软雅黑" panose="020B0503020204020204" pitchFamily="34" charset="-122"/>
+            </a:endParaRPr>
+          </a:p>
+          <a:p>
+            <a:pPr>
+              <a:lnSpc>
+                <a:spcPct val="150000"/>
+              </a:lnSpc>
+            </a:pPr>
+            <a:r>
+              <a:rPr lang="en-US" altLang="zh-CN" dirty="0">
+                <a:ea typeface="微软雅黑" panose="020B0503020204020204" pitchFamily="34" charset="-122"/>
+              </a:rPr>
+              <a:t>        </a:t>
+            </a:r>
+            <a:r>
+              <a:rPr lang="zh-CN" altLang="en-US" dirty="0">
+                <a:ea typeface="微软雅黑" panose="020B0503020204020204" pitchFamily="34" charset="-122"/>
+              </a:rPr>
+              <a:t>首先测量下每片花瓣的长和宽，然后按照直角坐标系的方式进行摆放，花瓣的长为</a:t>
+            </a:r>
+            <a:r>
+              <a:rPr lang="en-US" altLang="zh-CN" dirty="0">
+                <a:ea typeface="微软雅黑" panose="020B0503020204020204" pitchFamily="34" charset="-122"/>
+              </a:rPr>
+              <a:t>X</a:t>
+            </a:r>
+            <a:r>
+              <a:rPr lang="zh-CN" altLang="en-US" dirty="0">
+                <a:ea typeface="微软雅黑" panose="020B0503020204020204" pitchFamily="34" charset="-122"/>
+              </a:rPr>
+              <a:t>轴，花瓣的宽为</a:t>
+            </a:r>
+            <a:r>
+              <a:rPr lang="en-US" altLang="zh-CN" dirty="0">
+                <a:ea typeface="微软雅黑" panose="020B0503020204020204" pitchFamily="34" charset="-122"/>
+              </a:rPr>
+              <a:t>Y</a:t>
+            </a:r>
+            <a:r>
+              <a:rPr lang="zh-CN" altLang="en-US" dirty="0">
+                <a:ea typeface="微软雅黑" panose="020B0503020204020204" pitchFamily="34" charset="-122"/>
+              </a:rPr>
+              <a:t>轴。</a:t>
+            </a:r>
+          </a:p>
+        </p:txBody>
+      </p:sp>
+      <p:pic>
+        <p:nvPicPr>
+          <p:cNvPr id="4" name="图片 3">
+            <a:extLst>
+              <a:ext uri="{FF2B5EF4-FFF2-40B4-BE49-F238E27FC236}">
+                <a16:creationId xmlns:a16="http://schemas.microsoft.com/office/drawing/2014/main" id="{1120AAF9-9462-4C93-9B5C-3AA33316289B}"/>
+              </a:ext>
+            </a:extLst>
+          </p:cNvPr>
+          <p:cNvPicPr>
+            <a:picLocks noChangeAspect="1"/>
+          </p:cNvPicPr>
+          <p:nvPr/>
+        </p:nvPicPr>
+        <p:blipFill>
+          <a:blip r:embed="rId2"/>
+          <a:stretch>
+            <a:fillRect/>
+          </a:stretch>
+        </p:blipFill>
+        <p:spPr>
+          <a:xfrm>
+            <a:off x="4579992" y="1484784"/>
+            <a:ext cx="4086925" cy="4075215"/>
+          </a:xfrm>
+          <a:prstGeom prst="rect">
+            <a:avLst/>
+          </a:prstGeom>
+        </p:spPr>
+      </p:pic>
+    </p:spTree>
+    <p:extLst>
+      <p:ext uri="{BB962C8B-B14F-4D97-AF65-F5344CB8AC3E}">
+        <p14:creationId xmlns:p14="http://schemas.microsoft.com/office/powerpoint/2010/main" val="2645220468"/>
+      </p:ext>
+    </p:extLst>
+  </p:cSld>
+  <p:clrMapOvr>
+    <a:masterClrMapping/>
+  </p:clrMapOvr>
+</p:sld>
+</file>
+
+<file path=ppt/slides/slide14.xml><?xml version="1.0" encoding="utf-8"?>
+<p:sld xmlns:a="http://schemas.openxmlformats.org/drawingml/2006/main" xmlns:r="http://schemas.openxmlformats.org/officeDocument/2006/relationships" xmlns:p="http://schemas.openxmlformats.org/presentationml/2006/main">
+  <p:cSld>
+    <p:spTree>
+      <p:nvGrpSpPr>
+        <p:cNvPr id="1" name=""/>
+        <p:cNvGrpSpPr/>
+        <p:nvPr/>
+      </p:nvGrpSpPr>
+      <p:grpSpPr>
+        <a:xfrm>
+          <a:off x="0" y="0"/>
+          <a:ext cx="0" cy="0"/>
+          <a:chOff x="0" y="0"/>
+          <a:chExt cx="0" cy="0"/>
+        </a:xfrm>
+      </p:grpSpPr>
+      <p:sp>
+        <p:nvSpPr>
+          <p:cNvPr id="2" name="标题 1">
+            <a:extLst>
+              <a:ext uri="{FF2B5EF4-FFF2-40B4-BE49-F238E27FC236}">
+                <a16:creationId xmlns:a16="http://schemas.microsoft.com/office/drawing/2014/main" id="{1FC07F54-01DF-4EAB-8DA9-0A0A04158726}"/>
+              </a:ext>
+            </a:extLst>
+          </p:cNvPr>
+          <p:cNvSpPr>
+            <a:spLocks noGrp="1"/>
+          </p:cNvSpPr>
+          <p:nvPr>
+            <p:ph type="title"/>
+          </p:nvPr>
+        </p:nvSpPr>
+        <p:spPr>
+          <a:xfrm>
+            <a:off x="457200" y="260648"/>
+            <a:ext cx="8229600" cy="1143000"/>
+          </a:xfrm>
+        </p:spPr>
+        <p:txBody>
+          <a:bodyPr/>
+          <a:lstStyle/>
+          <a:p>
+            <a:r>
+              <a:rPr lang="zh-CN" altLang="en-US" dirty="0">
+                <a:latin typeface="微软雅黑" panose="020B0503020204020204" pitchFamily="34" charset="-122"/>
+                <a:ea typeface="微软雅黑" panose="020B0503020204020204" pitchFamily="34" charset="-122"/>
+              </a:rPr>
+              <a:t>代码实例</a:t>
+            </a:r>
+          </a:p>
+        </p:txBody>
+      </p:sp>
+      <p:sp>
+        <p:nvSpPr>
+          <p:cNvPr id="6" name="矩形 5">
+            <a:extLst>
+              <a:ext uri="{FF2B5EF4-FFF2-40B4-BE49-F238E27FC236}">
+                <a16:creationId xmlns:a16="http://schemas.microsoft.com/office/drawing/2014/main" id="{5C14338E-7EA5-4218-BD06-C22E7911D151}"/>
+              </a:ext>
+            </a:extLst>
+          </p:cNvPr>
+          <p:cNvSpPr/>
+          <p:nvPr/>
+        </p:nvSpPr>
+        <p:spPr>
+          <a:xfrm>
+            <a:off x="2987824" y="1196752"/>
+            <a:ext cx="3960440" cy="4855432"/>
+          </a:xfrm>
+          <a:prstGeom prst="rect">
+            <a:avLst/>
+          </a:prstGeom>
+        </p:spPr>
+        <p:txBody>
+          <a:bodyPr wrap="square">
+            <a:spAutoFit/>
+          </a:bodyPr>
+          <a:lstStyle/>
+          <a:p>
+            <a:pPr>
+              <a:lnSpc>
+                <a:spcPct val="150000"/>
+              </a:lnSpc>
+            </a:pPr>
+            <a:r>
+              <a:rPr lang="en-US" altLang="zh-CN" sz="1600" dirty="0">
+                <a:ea typeface="微软雅黑" panose="020B0503020204020204" pitchFamily="34" charset="-122"/>
+              </a:rPr>
+              <a:t>import </a:t>
+            </a:r>
+            <a:r>
+              <a:rPr lang="en-US" altLang="zh-CN" sz="1600" dirty="0" err="1">
+                <a:ea typeface="微软雅黑" panose="020B0503020204020204" pitchFamily="34" charset="-122"/>
+              </a:rPr>
+              <a:t>matplotlib.pyplot</a:t>
+            </a:r>
+            <a:r>
+              <a:rPr lang="en-US" altLang="zh-CN" sz="1600" dirty="0">
+                <a:ea typeface="微软雅黑" panose="020B0503020204020204" pitchFamily="34" charset="-122"/>
+              </a:rPr>
+              <a:t> as </a:t>
+            </a:r>
+            <a:r>
+              <a:rPr lang="en-US" altLang="zh-CN" sz="1600" dirty="0" err="1">
+                <a:ea typeface="微软雅黑" panose="020B0503020204020204" pitchFamily="34" charset="-122"/>
+              </a:rPr>
+              <a:t>plt</a:t>
+            </a:r>
+            <a:endParaRPr lang="en-US" altLang="zh-CN" sz="1600" dirty="0">
+              <a:ea typeface="微软雅黑" panose="020B0503020204020204" pitchFamily="34" charset="-122"/>
+            </a:endParaRPr>
+          </a:p>
+          <a:p>
+            <a:pPr>
+              <a:lnSpc>
+                <a:spcPct val="150000"/>
+              </a:lnSpc>
+            </a:pPr>
+            <a:r>
+              <a:rPr lang="en-US" altLang="zh-CN" sz="1600" dirty="0">
+                <a:ea typeface="微软雅黑" panose="020B0503020204020204" pitchFamily="34" charset="-122"/>
+              </a:rPr>
+              <a:t>from </a:t>
+            </a:r>
+            <a:r>
+              <a:rPr lang="en-US" altLang="zh-CN" sz="1600" dirty="0" err="1">
+                <a:ea typeface="微软雅黑" panose="020B0503020204020204" pitchFamily="34" charset="-122"/>
+              </a:rPr>
+              <a:t>sklearn</a:t>
+            </a:r>
+            <a:r>
+              <a:rPr lang="en-US" altLang="zh-CN" sz="1600" dirty="0">
+                <a:ea typeface="微软雅黑" panose="020B0503020204020204" pitchFamily="34" charset="-122"/>
+              </a:rPr>
+              <a:t> import datasets</a:t>
+            </a:r>
+          </a:p>
+          <a:p>
+            <a:pPr>
+              <a:lnSpc>
+                <a:spcPct val="150000"/>
+              </a:lnSpc>
+            </a:pPr>
+            <a:r>
+              <a:rPr lang="en-US" altLang="zh-CN" sz="1600" dirty="0">
+                <a:ea typeface="微软雅黑" panose="020B0503020204020204" pitchFamily="34" charset="-122"/>
+              </a:rPr>
+              <a:t>from </a:t>
+            </a:r>
+            <a:r>
+              <a:rPr lang="en-US" altLang="zh-CN" sz="1600" dirty="0" err="1">
+                <a:ea typeface="微软雅黑" panose="020B0503020204020204" pitchFamily="34" charset="-122"/>
+              </a:rPr>
+              <a:t>sklearn.cluster</a:t>
+            </a:r>
+            <a:r>
+              <a:rPr lang="en-US" altLang="zh-CN" sz="1600" dirty="0">
+                <a:ea typeface="微软雅黑" panose="020B0503020204020204" pitchFamily="34" charset="-122"/>
+              </a:rPr>
+              <a:t> import </a:t>
+            </a:r>
+            <a:r>
+              <a:rPr lang="en-US" altLang="zh-CN" sz="1600" dirty="0" err="1">
+                <a:ea typeface="微软雅黑" panose="020B0503020204020204" pitchFamily="34" charset="-122"/>
+              </a:rPr>
+              <a:t>KMeans</a:t>
+            </a:r>
+            <a:endParaRPr lang="en-US" altLang="zh-CN" sz="1600" dirty="0">
+              <a:ea typeface="微软雅黑" panose="020B0503020204020204" pitchFamily="34" charset="-122"/>
+            </a:endParaRPr>
+          </a:p>
+          <a:p>
+            <a:pPr>
+              <a:lnSpc>
+                <a:spcPct val="150000"/>
+              </a:lnSpc>
+            </a:pPr>
+            <a:r>
+              <a:rPr lang="en-US" altLang="zh-CN" sz="1600" dirty="0">
+                <a:ea typeface="微软雅黑" panose="020B0503020204020204" pitchFamily="34" charset="-122"/>
+              </a:rPr>
+              <a:t>import </a:t>
+            </a:r>
+            <a:r>
+              <a:rPr lang="en-US" altLang="zh-CN" sz="1600" dirty="0" err="1">
+                <a:ea typeface="微软雅黑" panose="020B0503020204020204" pitchFamily="34" charset="-122"/>
+              </a:rPr>
+              <a:t>sklearn.metrics</a:t>
+            </a:r>
+            <a:r>
+              <a:rPr lang="en-US" altLang="zh-CN" sz="1600" dirty="0">
+                <a:ea typeface="微软雅黑" panose="020B0503020204020204" pitchFamily="34" charset="-122"/>
+              </a:rPr>
+              <a:t> as </a:t>
+            </a:r>
+            <a:r>
+              <a:rPr lang="en-US" altLang="zh-CN" sz="1600" dirty="0" err="1">
+                <a:ea typeface="微软雅黑" panose="020B0503020204020204" pitchFamily="34" charset="-122"/>
+              </a:rPr>
+              <a:t>sm</a:t>
+            </a:r>
+            <a:endParaRPr lang="en-US" altLang="zh-CN" sz="1600" dirty="0">
+              <a:ea typeface="微软雅黑" panose="020B0503020204020204" pitchFamily="34" charset="-122"/>
+            </a:endParaRPr>
+          </a:p>
+          <a:p>
+            <a:pPr>
+              <a:lnSpc>
+                <a:spcPct val="150000"/>
+              </a:lnSpc>
+            </a:pPr>
+            <a:r>
+              <a:rPr lang="en-US" altLang="zh-CN" sz="1600" dirty="0">
+                <a:ea typeface="微软雅黑" panose="020B0503020204020204" pitchFamily="34" charset="-122"/>
+              </a:rPr>
+              <a:t>import pandas as pd</a:t>
+            </a:r>
+          </a:p>
+          <a:p>
+            <a:pPr>
+              <a:lnSpc>
+                <a:spcPct val="150000"/>
+              </a:lnSpc>
+            </a:pPr>
+            <a:r>
+              <a:rPr lang="en-US" altLang="zh-CN" sz="1600" dirty="0">
+                <a:ea typeface="微软雅黑" panose="020B0503020204020204" pitchFamily="34" charset="-122"/>
+              </a:rPr>
+              <a:t>import </a:t>
+            </a:r>
+            <a:r>
+              <a:rPr lang="en-US" altLang="zh-CN" sz="1600" dirty="0" err="1">
+                <a:ea typeface="微软雅黑" panose="020B0503020204020204" pitchFamily="34" charset="-122"/>
+              </a:rPr>
+              <a:t>numpy</a:t>
+            </a:r>
+            <a:r>
+              <a:rPr lang="en-US" altLang="zh-CN" sz="1600" dirty="0">
+                <a:ea typeface="微软雅黑" panose="020B0503020204020204" pitchFamily="34" charset="-122"/>
+              </a:rPr>
+              <a:t> as np</a:t>
+            </a:r>
+          </a:p>
+          <a:p>
+            <a:pPr>
+              <a:lnSpc>
+                <a:spcPct val="150000"/>
+              </a:lnSpc>
+            </a:pPr>
+            <a:r>
+              <a:rPr lang="en-US" altLang="zh-CN" sz="1600" dirty="0">
+                <a:ea typeface="微软雅黑" panose="020B0503020204020204" pitchFamily="34" charset="-122"/>
+              </a:rPr>
+              <a:t>#</a:t>
+            </a:r>
+            <a:r>
+              <a:rPr lang="zh-CN" altLang="en-US" sz="1600" dirty="0">
+                <a:ea typeface="微软雅黑" panose="020B0503020204020204" pitchFamily="34" charset="-122"/>
+              </a:rPr>
+              <a:t>导入鸢尾花数据集，并打印</a:t>
+            </a:r>
+            <a:endParaRPr lang="en-US" altLang="zh-CN" sz="1600" dirty="0">
+              <a:ea typeface="微软雅黑" panose="020B0503020204020204" pitchFamily="34" charset="-122"/>
+            </a:endParaRPr>
+          </a:p>
+          <a:p>
+            <a:pPr>
+              <a:lnSpc>
+                <a:spcPct val="150000"/>
+              </a:lnSpc>
+            </a:pPr>
+            <a:r>
+              <a:rPr lang="en-US" altLang="zh-CN" sz="1600" dirty="0">
+                <a:ea typeface="微软雅黑" panose="020B0503020204020204" pitchFamily="34" charset="-122"/>
+              </a:rPr>
+              <a:t>iris = </a:t>
+            </a:r>
+            <a:r>
+              <a:rPr lang="en-US" altLang="zh-CN" sz="1600" dirty="0" err="1">
+                <a:ea typeface="微软雅黑" panose="020B0503020204020204" pitchFamily="34" charset="-122"/>
+              </a:rPr>
+              <a:t>datasets.load_iris</a:t>
+            </a:r>
+            <a:r>
+              <a:rPr lang="en-US" altLang="zh-CN" sz="1600" dirty="0">
+                <a:ea typeface="微软雅黑" panose="020B0503020204020204" pitchFamily="34" charset="-122"/>
+              </a:rPr>
+              <a:t>()</a:t>
+            </a:r>
+          </a:p>
+          <a:p>
+            <a:pPr>
+              <a:lnSpc>
+                <a:spcPct val="150000"/>
+              </a:lnSpc>
+            </a:pPr>
+            <a:r>
+              <a:rPr lang="en-US" altLang="zh-CN" sz="1600" dirty="0">
+                <a:ea typeface="微软雅黑" panose="020B0503020204020204" pitchFamily="34" charset="-122"/>
+              </a:rPr>
+              <a:t>print(</a:t>
+            </a:r>
+            <a:r>
+              <a:rPr lang="en-US" altLang="zh-CN" sz="1600" dirty="0" err="1">
+                <a:ea typeface="微软雅黑" panose="020B0503020204020204" pitchFamily="34" charset="-122"/>
+              </a:rPr>
+              <a:t>iris.data</a:t>
+            </a:r>
+            <a:r>
+              <a:rPr lang="en-US" altLang="zh-CN" sz="1600" dirty="0">
+                <a:ea typeface="微软雅黑" panose="020B0503020204020204" pitchFamily="34" charset="-122"/>
+              </a:rPr>
+              <a:t>)</a:t>
+            </a:r>
+          </a:p>
+          <a:p>
+            <a:pPr>
+              <a:lnSpc>
+                <a:spcPct val="150000"/>
+              </a:lnSpc>
+            </a:pPr>
+            <a:r>
+              <a:rPr lang="en-US" altLang="zh-CN" sz="1600" dirty="0">
+                <a:ea typeface="微软雅黑" panose="020B0503020204020204" pitchFamily="34" charset="-122"/>
+              </a:rPr>
+              <a:t>print(</a:t>
+            </a:r>
+            <a:r>
+              <a:rPr lang="en-US" altLang="zh-CN" sz="1600" dirty="0" err="1">
+                <a:ea typeface="微软雅黑" panose="020B0503020204020204" pitchFamily="34" charset="-122"/>
+              </a:rPr>
+              <a:t>iris.feature_names</a:t>
+            </a:r>
+            <a:r>
+              <a:rPr lang="en-US" altLang="zh-CN" sz="1600" dirty="0">
+                <a:ea typeface="微软雅黑" panose="020B0503020204020204" pitchFamily="34" charset="-122"/>
+              </a:rPr>
+              <a:t>)</a:t>
+            </a:r>
+          </a:p>
+          <a:p>
+            <a:pPr>
+              <a:lnSpc>
+                <a:spcPct val="150000"/>
+              </a:lnSpc>
+            </a:pPr>
+            <a:r>
+              <a:rPr lang="en-US" altLang="zh-CN" sz="1600" dirty="0">
+                <a:ea typeface="微软雅黑" panose="020B0503020204020204" pitchFamily="34" charset="-122"/>
+              </a:rPr>
+              <a:t>print(</a:t>
+            </a:r>
+            <a:r>
+              <a:rPr lang="en-US" altLang="zh-CN" sz="1600" dirty="0" err="1">
+                <a:ea typeface="微软雅黑" panose="020B0503020204020204" pitchFamily="34" charset="-122"/>
+              </a:rPr>
+              <a:t>iris.target</a:t>
+            </a:r>
+            <a:r>
+              <a:rPr lang="en-US" altLang="zh-CN" sz="1600" dirty="0">
+                <a:ea typeface="微软雅黑" panose="020B0503020204020204" pitchFamily="34" charset="-122"/>
+              </a:rPr>
+              <a:t>)</a:t>
+            </a:r>
+          </a:p>
+          <a:p>
+            <a:pPr>
+              <a:lnSpc>
+                <a:spcPct val="150000"/>
+              </a:lnSpc>
+            </a:pPr>
+            <a:r>
+              <a:rPr lang="en-US" altLang="zh-CN" sz="1600" dirty="0">
+                <a:ea typeface="微软雅黑" panose="020B0503020204020204" pitchFamily="34" charset="-122"/>
+              </a:rPr>
+              <a:t>print(</a:t>
+            </a:r>
+            <a:r>
+              <a:rPr lang="en-US" altLang="zh-CN" sz="1600" dirty="0" err="1">
+                <a:ea typeface="微软雅黑" panose="020B0503020204020204" pitchFamily="34" charset="-122"/>
+              </a:rPr>
+              <a:t>iris.target_names</a:t>
+            </a:r>
+            <a:r>
+              <a:rPr lang="en-US" altLang="zh-CN" sz="1600" dirty="0">
+                <a:ea typeface="微软雅黑" panose="020B0503020204020204" pitchFamily="34" charset="-122"/>
+              </a:rPr>
+              <a:t>)</a:t>
+            </a:r>
+          </a:p>
+          <a:p>
+            <a:pPr>
+              <a:lnSpc>
+                <a:spcPct val="150000"/>
+              </a:lnSpc>
+            </a:pPr>
+            <a:endParaRPr lang="en-US" altLang="zh-CN" sz="1600" dirty="0">
+              <a:ea typeface="微软雅黑" panose="020B0503020204020204" pitchFamily="34" charset="-122"/>
+            </a:endParaRPr>
+          </a:p>
+        </p:txBody>
+      </p:sp>
+    </p:spTree>
+    <p:extLst>
+      <p:ext uri="{BB962C8B-B14F-4D97-AF65-F5344CB8AC3E}">
+        <p14:creationId xmlns:p14="http://schemas.microsoft.com/office/powerpoint/2010/main" val="3104500228"/>
+      </p:ext>
+    </p:extLst>
+  </p:cSld>
+  <p:clrMapOvr>
+    <a:masterClrMapping/>
+  </p:clrMapOvr>
+</p:sld>
+</file>
+
+<file path=ppt/slides/slide15.xml><?xml version="1.0" encoding="utf-8"?>
+<p:sld xmlns:a="http://schemas.openxmlformats.org/drawingml/2006/main" xmlns:r="http://schemas.openxmlformats.org/officeDocument/2006/relationships" xmlns:p="http://schemas.openxmlformats.org/presentationml/2006/main">
+  <p:cSld>
+    <p:spTree>
+      <p:nvGrpSpPr>
+        <p:cNvPr id="1" name=""/>
+        <p:cNvGrpSpPr/>
+        <p:nvPr/>
+      </p:nvGrpSpPr>
+      <p:grpSpPr>
+        <a:xfrm>
+          <a:off x="0" y="0"/>
+          <a:ext cx="0" cy="0"/>
+          <a:chOff x="0" y="0"/>
+          <a:chExt cx="0" cy="0"/>
+        </a:xfrm>
+      </p:grpSpPr>
+      <p:sp>
+        <p:nvSpPr>
+          <p:cNvPr id="6" name="矩形 5">
+            <a:extLst>
+              <a:ext uri="{FF2B5EF4-FFF2-40B4-BE49-F238E27FC236}">
+                <a16:creationId xmlns:a16="http://schemas.microsoft.com/office/drawing/2014/main" id="{5C14338E-7EA5-4218-BD06-C22E7911D151}"/>
+              </a:ext>
+            </a:extLst>
+          </p:cNvPr>
+          <p:cNvSpPr/>
+          <p:nvPr/>
+        </p:nvSpPr>
+        <p:spPr>
+          <a:xfrm>
+            <a:off x="2699792" y="332656"/>
+            <a:ext cx="6336704" cy="5963427"/>
+          </a:xfrm>
+          <a:prstGeom prst="rect">
+            <a:avLst/>
+          </a:prstGeom>
+        </p:spPr>
+        <p:txBody>
+          <a:bodyPr wrap="square">
+            <a:spAutoFit/>
+          </a:bodyPr>
+          <a:lstStyle/>
+          <a:p>
+            <a:pPr>
+              <a:lnSpc>
+                <a:spcPct val="150000"/>
+              </a:lnSpc>
+            </a:pPr>
+            <a:r>
+              <a:rPr lang="en-US" altLang="zh-CN" sz="1600" dirty="0">
+                <a:ea typeface="微软雅黑" panose="020B0503020204020204" pitchFamily="34" charset="-122"/>
+              </a:rPr>
+              <a:t>#</a:t>
+            </a:r>
+            <a:r>
+              <a:rPr lang="zh-CN" altLang="en-US" sz="1600" dirty="0">
+                <a:ea typeface="微软雅黑" panose="020B0503020204020204" pitchFamily="34" charset="-122"/>
+              </a:rPr>
+              <a:t>将数据存储到</a:t>
+            </a:r>
+            <a:r>
+              <a:rPr lang="en-US" altLang="zh-CN" sz="1600" dirty="0">
+                <a:ea typeface="微软雅黑" panose="020B0503020204020204" pitchFamily="34" charset="-122"/>
+              </a:rPr>
+              <a:t>X</a:t>
+            </a:r>
+            <a:r>
+              <a:rPr lang="zh-CN" altLang="en-US" sz="1600" dirty="0">
+                <a:ea typeface="微软雅黑" panose="020B0503020204020204" pitchFamily="34" charset="-122"/>
+              </a:rPr>
+              <a:t>和</a:t>
+            </a:r>
+            <a:r>
+              <a:rPr lang="en-US" altLang="zh-CN" sz="1600" dirty="0">
+                <a:ea typeface="微软雅黑" panose="020B0503020204020204" pitchFamily="34" charset="-122"/>
+              </a:rPr>
+              <a:t>Y</a:t>
+            </a:r>
+            <a:r>
+              <a:rPr lang="zh-CN" altLang="en-US" sz="1600" dirty="0">
+                <a:ea typeface="微软雅黑" panose="020B0503020204020204" pitchFamily="34" charset="-122"/>
+              </a:rPr>
+              <a:t>中，为了方便调用和观察，对数据进行重命名</a:t>
+            </a:r>
+          </a:p>
+          <a:p>
+            <a:pPr>
+              <a:lnSpc>
+                <a:spcPct val="150000"/>
+              </a:lnSpc>
+            </a:pPr>
+            <a:r>
+              <a:rPr lang="en-US" altLang="zh-CN" sz="1600" dirty="0">
+                <a:ea typeface="微软雅黑" panose="020B0503020204020204" pitchFamily="34" charset="-122"/>
+              </a:rPr>
+              <a:t>x = </a:t>
+            </a:r>
+            <a:r>
+              <a:rPr lang="en-US" altLang="zh-CN" sz="1600" dirty="0" err="1">
+                <a:ea typeface="微软雅黑" panose="020B0503020204020204" pitchFamily="34" charset="-122"/>
+              </a:rPr>
+              <a:t>pd.DataFrame</a:t>
+            </a:r>
+            <a:r>
+              <a:rPr lang="en-US" altLang="zh-CN" sz="1600" dirty="0">
+                <a:ea typeface="微软雅黑" panose="020B0503020204020204" pitchFamily="34" charset="-122"/>
+              </a:rPr>
+              <a:t>(</a:t>
+            </a:r>
+            <a:r>
+              <a:rPr lang="en-US" altLang="zh-CN" sz="1600" dirty="0" err="1">
+                <a:ea typeface="微软雅黑" panose="020B0503020204020204" pitchFamily="34" charset="-122"/>
+              </a:rPr>
+              <a:t>iris.data</a:t>
+            </a:r>
+            <a:r>
+              <a:rPr lang="en-US" altLang="zh-CN" sz="1600" dirty="0">
+                <a:ea typeface="微软雅黑" panose="020B0503020204020204" pitchFamily="34" charset="-122"/>
+              </a:rPr>
+              <a:t>)</a:t>
+            </a:r>
+          </a:p>
+          <a:p>
+            <a:pPr>
+              <a:lnSpc>
+                <a:spcPct val="150000"/>
+              </a:lnSpc>
+            </a:pPr>
+            <a:r>
+              <a:rPr lang="en-US" altLang="zh-CN" sz="1600" dirty="0" err="1">
+                <a:ea typeface="微软雅黑" panose="020B0503020204020204" pitchFamily="34" charset="-122"/>
+              </a:rPr>
+              <a:t>x.columns</a:t>
+            </a:r>
+            <a:r>
+              <a:rPr lang="en-US" altLang="zh-CN" sz="1600" dirty="0">
+                <a:ea typeface="微软雅黑" panose="020B0503020204020204" pitchFamily="34" charset="-122"/>
+              </a:rPr>
+              <a:t> = ['</a:t>
+            </a:r>
+            <a:r>
+              <a:rPr lang="en-US" altLang="zh-CN" sz="1600" dirty="0" err="1">
+                <a:ea typeface="微软雅黑" panose="020B0503020204020204" pitchFamily="34" charset="-122"/>
+              </a:rPr>
+              <a:t>Sepal_Length</a:t>
+            </a:r>
+            <a:r>
+              <a:rPr lang="en-US" altLang="zh-CN" sz="1600" dirty="0">
+                <a:ea typeface="微软雅黑" panose="020B0503020204020204" pitchFamily="34" charset="-122"/>
+              </a:rPr>
+              <a:t>', '</a:t>
+            </a:r>
+            <a:r>
+              <a:rPr lang="en-US" altLang="zh-CN" sz="1600" dirty="0" err="1">
+                <a:ea typeface="微软雅黑" panose="020B0503020204020204" pitchFamily="34" charset="-122"/>
+              </a:rPr>
+              <a:t>Sepal_Width</a:t>
+            </a:r>
+            <a:r>
+              <a:rPr lang="en-US" altLang="zh-CN" sz="1600" dirty="0">
+                <a:ea typeface="微软雅黑" panose="020B0503020204020204" pitchFamily="34" charset="-122"/>
+              </a:rPr>
+              <a:t>', '</a:t>
+            </a:r>
+            <a:r>
+              <a:rPr lang="en-US" altLang="zh-CN" sz="1600" dirty="0" err="1">
+                <a:ea typeface="微软雅黑" panose="020B0503020204020204" pitchFamily="34" charset="-122"/>
+              </a:rPr>
+              <a:t>Petal_Length</a:t>
+            </a:r>
+            <a:r>
+              <a:rPr lang="en-US" altLang="zh-CN" sz="1600" dirty="0">
+                <a:ea typeface="微软雅黑" panose="020B0503020204020204" pitchFamily="34" charset="-122"/>
+              </a:rPr>
+              <a:t>', '</a:t>
+            </a:r>
+            <a:r>
+              <a:rPr lang="en-US" altLang="zh-CN" sz="1600" dirty="0" err="1">
+                <a:ea typeface="微软雅黑" panose="020B0503020204020204" pitchFamily="34" charset="-122"/>
+              </a:rPr>
+              <a:t>Petal_Width</a:t>
+            </a:r>
+            <a:r>
+              <a:rPr lang="en-US" altLang="zh-CN" sz="1600" dirty="0">
+                <a:ea typeface="微软雅黑" panose="020B0503020204020204" pitchFamily="34" charset="-122"/>
+              </a:rPr>
+              <a:t>']</a:t>
+            </a:r>
+          </a:p>
+          <a:p>
+            <a:pPr>
+              <a:lnSpc>
+                <a:spcPct val="150000"/>
+              </a:lnSpc>
+            </a:pPr>
+            <a:r>
+              <a:rPr lang="en-US" altLang="zh-CN" sz="1600" dirty="0">
+                <a:ea typeface="微软雅黑" panose="020B0503020204020204" pitchFamily="34" charset="-122"/>
+              </a:rPr>
+              <a:t>y = </a:t>
+            </a:r>
+            <a:r>
+              <a:rPr lang="en-US" altLang="zh-CN" sz="1600" dirty="0" err="1">
+                <a:ea typeface="微软雅黑" panose="020B0503020204020204" pitchFamily="34" charset="-122"/>
+              </a:rPr>
+              <a:t>pd.DataFrame</a:t>
+            </a:r>
+            <a:r>
+              <a:rPr lang="en-US" altLang="zh-CN" sz="1600" dirty="0">
+                <a:ea typeface="微软雅黑" panose="020B0503020204020204" pitchFamily="34" charset="-122"/>
+              </a:rPr>
+              <a:t>(</a:t>
+            </a:r>
+            <a:r>
+              <a:rPr lang="en-US" altLang="zh-CN" sz="1600" dirty="0" err="1">
+                <a:ea typeface="微软雅黑" panose="020B0503020204020204" pitchFamily="34" charset="-122"/>
+              </a:rPr>
+              <a:t>iris.target</a:t>
+            </a:r>
+            <a:r>
+              <a:rPr lang="en-US" altLang="zh-CN" sz="1600" dirty="0">
+                <a:ea typeface="微软雅黑" panose="020B0503020204020204" pitchFamily="34" charset="-122"/>
+              </a:rPr>
+              <a:t>)</a:t>
+            </a:r>
+          </a:p>
+          <a:p>
+            <a:pPr>
+              <a:lnSpc>
+                <a:spcPct val="150000"/>
+              </a:lnSpc>
+            </a:pPr>
+            <a:r>
+              <a:rPr lang="en-US" altLang="zh-CN" sz="1600" dirty="0" err="1">
+                <a:ea typeface="微软雅黑" panose="020B0503020204020204" pitchFamily="34" charset="-122"/>
+              </a:rPr>
+              <a:t>y.columns</a:t>
+            </a:r>
+            <a:r>
+              <a:rPr lang="en-US" altLang="zh-CN" sz="1600" dirty="0">
+                <a:ea typeface="微软雅黑" panose="020B0503020204020204" pitchFamily="34" charset="-122"/>
+              </a:rPr>
+              <a:t> = ['Targets']</a:t>
+            </a:r>
+          </a:p>
+          <a:p>
+            <a:pPr>
+              <a:lnSpc>
+                <a:spcPct val="150000"/>
+              </a:lnSpc>
+            </a:pPr>
+            <a:r>
+              <a:rPr lang="en-US" altLang="zh-CN" sz="1600" dirty="0">
+                <a:ea typeface="微软雅黑" panose="020B0503020204020204" pitchFamily="34" charset="-122"/>
+              </a:rPr>
+              <a:t># </a:t>
+            </a:r>
+            <a:r>
+              <a:rPr lang="zh-CN" altLang="en-US" sz="1600" dirty="0">
+                <a:ea typeface="微软雅黑" panose="020B0503020204020204" pitchFamily="34" charset="-122"/>
+              </a:rPr>
+              <a:t>设置画板的长宽</a:t>
+            </a:r>
+          </a:p>
+          <a:p>
+            <a:pPr>
+              <a:lnSpc>
+                <a:spcPct val="150000"/>
+              </a:lnSpc>
+            </a:pPr>
+            <a:r>
+              <a:rPr lang="en-US" altLang="zh-CN" sz="1600" dirty="0" err="1">
+                <a:ea typeface="微软雅黑" panose="020B0503020204020204" pitchFamily="34" charset="-122"/>
+              </a:rPr>
+              <a:t>plt.figure</a:t>
+            </a:r>
+            <a:r>
+              <a:rPr lang="en-US" altLang="zh-CN" sz="1600" dirty="0">
+                <a:ea typeface="微软雅黑" panose="020B0503020204020204" pitchFamily="34" charset="-122"/>
+              </a:rPr>
+              <a:t>(</a:t>
+            </a:r>
+            <a:r>
+              <a:rPr lang="en-US" altLang="zh-CN" sz="1600" dirty="0" err="1">
+                <a:ea typeface="微软雅黑" panose="020B0503020204020204" pitchFamily="34" charset="-122"/>
+              </a:rPr>
+              <a:t>figsize</a:t>
+            </a:r>
+            <a:r>
+              <a:rPr lang="en-US" altLang="zh-CN" sz="1600" dirty="0">
+                <a:ea typeface="微软雅黑" panose="020B0503020204020204" pitchFamily="34" charset="-122"/>
+              </a:rPr>
+              <a:t>=(7,7))</a:t>
+            </a:r>
+          </a:p>
+          <a:p>
+            <a:pPr>
+              <a:lnSpc>
+                <a:spcPct val="150000"/>
+              </a:lnSpc>
+            </a:pPr>
+            <a:r>
+              <a:rPr lang="en-US" altLang="zh-CN" sz="1600" dirty="0">
+                <a:ea typeface="微软雅黑" panose="020B0503020204020204" pitchFamily="34" charset="-122"/>
+              </a:rPr>
+              <a:t># </a:t>
+            </a:r>
+            <a:r>
+              <a:rPr lang="zh-CN" altLang="en-US" sz="1600" dirty="0">
+                <a:ea typeface="微软雅黑" panose="020B0503020204020204" pitchFamily="34" charset="-122"/>
+              </a:rPr>
+              <a:t>创建一个颜色集合</a:t>
+            </a:r>
+          </a:p>
+          <a:p>
+            <a:pPr>
+              <a:lnSpc>
+                <a:spcPct val="150000"/>
+              </a:lnSpc>
+            </a:pPr>
+            <a:r>
+              <a:rPr lang="en-US" altLang="zh-CN" sz="1600" dirty="0">
+                <a:ea typeface="微软雅黑" panose="020B0503020204020204" pitchFamily="34" charset="-122"/>
+              </a:rPr>
+              <a:t>colormap = </a:t>
+            </a:r>
+            <a:r>
+              <a:rPr lang="en-US" altLang="zh-CN" sz="1600" dirty="0" err="1">
+                <a:ea typeface="微软雅黑" panose="020B0503020204020204" pitchFamily="34" charset="-122"/>
+              </a:rPr>
+              <a:t>np.array</a:t>
+            </a:r>
+            <a:r>
+              <a:rPr lang="en-US" altLang="zh-CN" sz="1600" dirty="0">
+                <a:ea typeface="微软雅黑" panose="020B0503020204020204" pitchFamily="34" charset="-122"/>
+              </a:rPr>
+              <a:t>(['pink', 'pink', 'pink'])</a:t>
+            </a:r>
+          </a:p>
+          <a:p>
+            <a:pPr>
+              <a:lnSpc>
+                <a:spcPct val="150000"/>
+              </a:lnSpc>
+            </a:pPr>
+            <a:r>
+              <a:rPr lang="en-US" altLang="zh-CN" sz="1600" dirty="0">
+                <a:ea typeface="微软雅黑" panose="020B0503020204020204" pitchFamily="34" charset="-122"/>
+              </a:rPr>
+              <a:t>#</a:t>
+            </a:r>
+            <a:r>
+              <a:rPr lang="zh-CN" altLang="en-US" sz="1600" dirty="0">
+                <a:ea typeface="微软雅黑" panose="020B0503020204020204" pitchFamily="34" charset="-122"/>
+              </a:rPr>
+              <a:t>绘图</a:t>
+            </a:r>
+          </a:p>
+          <a:p>
+            <a:pPr>
+              <a:lnSpc>
+                <a:spcPct val="150000"/>
+              </a:lnSpc>
+            </a:pPr>
+            <a:r>
+              <a:rPr lang="en-US" altLang="zh-CN" sz="1600" dirty="0" err="1">
+                <a:ea typeface="微软雅黑" panose="020B0503020204020204" pitchFamily="34" charset="-122"/>
+              </a:rPr>
+              <a:t>plt.scatter</a:t>
+            </a:r>
+            <a:r>
+              <a:rPr lang="en-US" altLang="zh-CN" sz="1600" dirty="0">
+                <a:ea typeface="微软雅黑" panose="020B0503020204020204" pitchFamily="34" charset="-122"/>
+              </a:rPr>
+              <a:t>(</a:t>
+            </a:r>
+            <a:r>
+              <a:rPr lang="en-US" altLang="zh-CN" sz="1600" dirty="0" err="1">
+                <a:ea typeface="微软雅黑" panose="020B0503020204020204" pitchFamily="34" charset="-122"/>
+              </a:rPr>
+              <a:t>x.Petal_Length</a:t>
+            </a:r>
+            <a:r>
+              <a:rPr lang="en-US" altLang="zh-CN" sz="1600" dirty="0">
+                <a:ea typeface="微软雅黑" panose="020B0503020204020204" pitchFamily="34" charset="-122"/>
+              </a:rPr>
+              <a:t>, </a:t>
+            </a:r>
+            <a:r>
+              <a:rPr lang="en-US" altLang="zh-CN" sz="1600" dirty="0" err="1">
+                <a:ea typeface="微软雅黑" panose="020B0503020204020204" pitchFamily="34" charset="-122"/>
+              </a:rPr>
+              <a:t>x.Petal_Width</a:t>
+            </a:r>
+            <a:r>
+              <a:rPr lang="en-US" altLang="zh-CN" sz="1600" dirty="0">
+                <a:ea typeface="微软雅黑" panose="020B0503020204020204" pitchFamily="34" charset="-122"/>
+              </a:rPr>
+              <a:t>, c=colormap[</a:t>
+            </a:r>
+            <a:r>
+              <a:rPr lang="en-US" altLang="zh-CN" sz="1600" dirty="0" err="1">
+                <a:ea typeface="微软雅黑" panose="020B0503020204020204" pitchFamily="34" charset="-122"/>
+              </a:rPr>
+              <a:t>y.Targets</a:t>
+            </a:r>
+            <a:r>
+              <a:rPr lang="en-US" altLang="zh-CN" sz="1600" dirty="0">
+                <a:ea typeface="微软雅黑" panose="020B0503020204020204" pitchFamily="34" charset="-122"/>
+              </a:rPr>
+              <a:t>], s=40)</a:t>
+            </a:r>
+          </a:p>
+          <a:p>
+            <a:pPr>
+              <a:lnSpc>
+                <a:spcPct val="150000"/>
+              </a:lnSpc>
+            </a:pPr>
+            <a:r>
+              <a:rPr lang="en-US" altLang="zh-CN" sz="1600" dirty="0" err="1">
+                <a:ea typeface="微软雅黑" panose="020B0503020204020204" pitchFamily="34" charset="-122"/>
+              </a:rPr>
+              <a:t>plt.xlabel</a:t>
+            </a:r>
+            <a:r>
+              <a:rPr lang="en-US" altLang="zh-CN" sz="1600" dirty="0">
+                <a:ea typeface="微软雅黑" panose="020B0503020204020204" pitchFamily="34" charset="-122"/>
+              </a:rPr>
+              <a:t>(</a:t>
+            </a:r>
+            <a:r>
+              <a:rPr lang="en-US" altLang="zh-CN" sz="1600" dirty="0" err="1">
+                <a:ea typeface="微软雅黑" panose="020B0503020204020204" pitchFamily="34" charset="-122"/>
+              </a:rPr>
+              <a:t>u'Petal_Length</a:t>
+            </a:r>
+            <a:r>
+              <a:rPr lang="en-US" altLang="zh-CN" sz="1600" dirty="0">
+                <a:ea typeface="微软雅黑" panose="020B0503020204020204" pitchFamily="34" charset="-122"/>
+              </a:rPr>
+              <a:t>')</a:t>
+            </a:r>
+          </a:p>
+          <a:p>
+            <a:pPr>
+              <a:lnSpc>
+                <a:spcPct val="150000"/>
+              </a:lnSpc>
+            </a:pPr>
+            <a:r>
+              <a:rPr lang="en-US" altLang="zh-CN" sz="1600" dirty="0" err="1">
+                <a:ea typeface="微软雅黑" panose="020B0503020204020204" pitchFamily="34" charset="-122"/>
+              </a:rPr>
+              <a:t>plt.ylabel</a:t>
+            </a:r>
+            <a:r>
+              <a:rPr lang="en-US" altLang="zh-CN" sz="1600" dirty="0">
+                <a:ea typeface="微软雅黑" panose="020B0503020204020204" pitchFamily="34" charset="-122"/>
+              </a:rPr>
+              <a:t>(</a:t>
+            </a:r>
+            <a:r>
+              <a:rPr lang="en-US" altLang="zh-CN" sz="1600" dirty="0" err="1">
+                <a:ea typeface="微软雅黑" panose="020B0503020204020204" pitchFamily="34" charset="-122"/>
+              </a:rPr>
+              <a:t>u'Petal_Width</a:t>
+            </a:r>
+            <a:r>
+              <a:rPr lang="en-US" altLang="zh-CN" sz="1600" dirty="0">
+                <a:ea typeface="微软雅黑" panose="020B0503020204020204" pitchFamily="34" charset="-122"/>
+              </a:rPr>
+              <a:t>')</a:t>
+            </a:r>
+          </a:p>
+          <a:p>
+            <a:pPr>
+              <a:lnSpc>
+                <a:spcPct val="150000"/>
+              </a:lnSpc>
+            </a:pPr>
+            <a:r>
+              <a:rPr lang="en-US" altLang="zh-CN" sz="1600" dirty="0" err="1">
+                <a:ea typeface="微软雅黑" panose="020B0503020204020204" pitchFamily="34" charset="-122"/>
+              </a:rPr>
+              <a:t>plt.title</a:t>
+            </a:r>
+            <a:r>
+              <a:rPr lang="en-US" altLang="zh-CN" sz="1600" dirty="0">
+                <a:ea typeface="微软雅黑" panose="020B0503020204020204" pitchFamily="34" charset="-122"/>
+              </a:rPr>
+              <a:t>('Petal')</a:t>
+            </a:r>
+          </a:p>
+          <a:p>
+            <a:pPr>
+              <a:lnSpc>
+                <a:spcPct val="150000"/>
+              </a:lnSpc>
+            </a:pPr>
+            <a:r>
+              <a:rPr lang="en-US" altLang="zh-CN" sz="1600" dirty="0">
+                <a:ea typeface="微软雅黑" panose="020B0503020204020204" pitchFamily="34" charset="-122"/>
+              </a:rPr>
+              <a:t>#</a:t>
+            </a:r>
+            <a:r>
+              <a:rPr lang="zh-CN" altLang="en-US" sz="1600" dirty="0">
+                <a:ea typeface="微软雅黑" panose="020B0503020204020204" pitchFamily="34" charset="-122"/>
+              </a:rPr>
+              <a:t>展示</a:t>
+            </a:r>
+          </a:p>
+          <a:p>
+            <a:pPr>
+              <a:lnSpc>
+                <a:spcPct val="150000"/>
+              </a:lnSpc>
+            </a:pPr>
+            <a:r>
+              <a:rPr lang="en-US" altLang="zh-CN" sz="1600" dirty="0" err="1">
+                <a:ea typeface="微软雅黑" panose="020B0503020204020204" pitchFamily="34" charset="-122"/>
+              </a:rPr>
+              <a:t>plt.show</a:t>
+            </a:r>
+            <a:r>
+              <a:rPr lang="en-US" altLang="zh-CN" sz="1600" dirty="0">
+                <a:ea typeface="微软雅黑" panose="020B0503020204020204" pitchFamily="34" charset="-122"/>
+              </a:rPr>
+              <a:t>()</a:t>
+            </a:r>
+            <a:endParaRPr lang="zh-CN" altLang="en-US" sz="1600" dirty="0">
+              <a:ea typeface="微软雅黑" panose="020B0503020204020204" pitchFamily="34" charset="-122"/>
+            </a:endParaRPr>
+          </a:p>
+        </p:txBody>
+      </p:sp>
+    </p:spTree>
+    <p:extLst>
+      <p:ext uri="{BB962C8B-B14F-4D97-AF65-F5344CB8AC3E}">
+        <p14:creationId xmlns:p14="http://schemas.microsoft.com/office/powerpoint/2010/main" val="1474947365"/>
+      </p:ext>
+    </p:extLst>
+  </p:cSld>
+  <p:clrMapOvr>
+    <a:masterClrMapping/>
+  </p:clrMapOvr>
+</p:sld>
+</file>
+
+<file path=ppt/slides/slide16.xml><?xml version="1.0" encoding="utf-8"?>
+<p:sld xmlns:a="http://schemas.openxmlformats.org/drawingml/2006/main" xmlns:r="http://schemas.openxmlformats.org/officeDocument/2006/relationships" xmlns:p="http://schemas.openxmlformats.org/presentationml/2006/main">
+  <p:cSld>
+    <p:spTree>
+      <p:nvGrpSpPr>
+        <p:cNvPr id="1" name=""/>
+        <p:cNvGrpSpPr/>
+        <p:nvPr/>
+      </p:nvGrpSpPr>
+      <p:grpSpPr>
+        <a:xfrm>
+          <a:off x="0" y="0"/>
+          <a:ext cx="0" cy="0"/>
+          <a:chOff x="0" y="0"/>
+          <a:chExt cx="0" cy="0"/>
+        </a:xfrm>
+      </p:grpSpPr>
+      <p:sp>
+        <p:nvSpPr>
+          <p:cNvPr id="2" name="标题 1">
+            <a:extLst>
+              <a:ext uri="{FF2B5EF4-FFF2-40B4-BE49-F238E27FC236}">
+                <a16:creationId xmlns:a16="http://schemas.microsoft.com/office/drawing/2014/main" id="{1FC07F54-01DF-4EAB-8DA9-0A0A04158726}"/>
+              </a:ext>
+            </a:extLst>
+          </p:cNvPr>
+          <p:cNvSpPr>
+            <a:spLocks noGrp="1"/>
+          </p:cNvSpPr>
+          <p:nvPr>
+            <p:ph type="title"/>
+          </p:nvPr>
+        </p:nvSpPr>
+        <p:spPr>
+          <a:xfrm>
+            <a:off x="457200" y="260648"/>
+            <a:ext cx="8229600" cy="1143000"/>
+          </a:xfrm>
+        </p:spPr>
+        <p:txBody>
+          <a:bodyPr/>
+          <a:lstStyle/>
+          <a:p>
+            <a:r>
+              <a:rPr lang="zh-CN" altLang="en-US" dirty="0">
+                <a:latin typeface="微软雅黑" panose="020B0503020204020204" pitchFamily="34" charset="-122"/>
+                <a:ea typeface="微软雅黑" panose="020B0503020204020204" pitchFamily="34" charset="-122"/>
+              </a:rPr>
+              <a:t>如何聚类</a:t>
+            </a:r>
+          </a:p>
+        </p:txBody>
+      </p:sp>
+      <p:sp>
+        <p:nvSpPr>
+          <p:cNvPr id="6" name="矩形 5">
+            <a:extLst>
+              <a:ext uri="{FF2B5EF4-FFF2-40B4-BE49-F238E27FC236}">
+                <a16:creationId xmlns:a16="http://schemas.microsoft.com/office/drawing/2014/main" id="{5C14338E-7EA5-4218-BD06-C22E7911D151}"/>
+              </a:ext>
+            </a:extLst>
+          </p:cNvPr>
+          <p:cNvSpPr/>
+          <p:nvPr/>
+        </p:nvSpPr>
+        <p:spPr>
+          <a:xfrm>
+            <a:off x="619552" y="1520240"/>
+            <a:ext cx="3960440" cy="3372077"/>
+          </a:xfrm>
+          <a:prstGeom prst="rect">
+            <a:avLst/>
+          </a:prstGeom>
+        </p:spPr>
+        <p:txBody>
+          <a:bodyPr wrap="square">
+            <a:spAutoFit/>
+          </a:bodyPr>
+          <a:lstStyle/>
+          <a:p>
+            <a:pPr>
+              <a:lnSpc>
+                <a:spcPct val="150000"/>
+              </a:lnSpc>
+            </a:pPr>
+            <a:r>
+              <a:rPr lang="zh-CN" altLang="en-US" dirty="0">
+                <a:ea typeface="微软雅黑" panose="020B0503020204020204" pitchFamily="34" charset="-122"/>
+              </a:rPr>
+              <a:t>        相似长宽的花瓣很有可能是同一个品种，而花瓣长宽的分布情况常常会连续的，很少会出现断层，不能单纯地根据断层来分类。</a:t>
+            </a:r>
+            <a:endParaRPr lang="en-US" altLang="zh-CN" dirty="0">
+              <a:ea typeface="微软雅黑" panose="020B0503020204020204" pitchFamily="34" charset="-122"/>
+            </a:endParaRPr>
+          </a:p>
+          <a:p>
+            <a:pPr>
+              <a:lnSpc>
+                <a:spcPct val="150000"/>
+              </a:lnSpc>
+            </a:pPr>
+            <a:r>
+              <a:rPr lang="en-US" altLang="zh-CN" dirty="0">
+                <a:ea typeface="微软雅黑" panose="020B0503020204020204" pitchFamily="34" charset="-122"/>
+              </a:rPr>
+              <a:t>        </a:t>
+            </a:r>
+            <a:r>
+              <a:rPr lang="zh-CN" altLang="en-US" dirty="0">
+                <a:ea typeface="微软雅黑" panose="020B0503020204020204" pitchFamily="34" charset="-122"/>
+              </a:rPr>
+              <a:t>花的颜色有三种，我们猜测一共有三种花，然后根据长宽的相似度找到三个中心点，此时根据距离的远近我们就可以对花瓣进行聚类了。</a:t>
+            </a:r>
+          </a:p>
+        </p:txBody>
+      </p:sp>
+      <p:pic>
+        <p:nvPicPr>
+          <p:cNvPr id="4" name="图片 3">
+            <a:extLst>
+              <a:ext uri="{FF2B5EF4-FFF2-40B4-BE49-F238E27FC236}">
+                <a16:creationId xmlns:a16="http://schemas.microsoft.com/office/drawing/2014/main" id="{1120AAF9-9462-4C93-9B5C-3AA33316289B}"/>
+              </a:ext>
+            </a:extLst>
+          </p:cNvPr>
+          <p:cNvPicPr>
+            <a:picLocks noChangeAspect="1"/>
+          </p:cNvPicPr>
+          <p:nvPr/>
+        </p:nvPicPr>
+        <p:blipFill>
+          <a:blip r:embed="rId2"/>
+          <a:stretch>
+            <a:fillRect/>
+          </a:stretch>
+        </p:blipFill>
+        <p:spPr>
+          <a:xfrm>
+            <a:off x="4579992" y="1484784"/>
+            <a:ext cx="4086925" cy="4075215"/>
+          </a:xfrm>
+          <a:prstGeom prst="rect">
+            <a:avLst/>
+          </a:prstGeom>
+        </p:spPr>
+      </p:pic>
+    </p:spTree>
+    <p:extLst>
+      <p:ext uri="{BB962C8B-B14F-4D97-AF65-F5344CB8AC3E}">
+        <p14:creationId xmlns:p14="http://schemas.microsoft.com/office/powerpoint/2010/main" val="1449677635"/>
+      </p:ext>
+    </p:extLst>
+  </p:cSld>
+  <p:clrMapOvr>
+    <a:masterClrMapping/>
+  </p:clrMapOvr>
+</p:sld>
+</file>
+
+<file path=ppt/slides/slide17.xml><?xml version="1.0" encoding="utf-8"?>
+<p:sld xmlns:a="http://schemas.openxmlformats.org/drawingml/2006/main" xmlns:r="http://schemas.openxmlformats.org/officeDocument/2006/relationships" xmlns:p="http://schemas.openxmlformats.org/presentationml/2006/main">
+  <p:cSld>
+    <p:spTree>
+      <p:nvGrpSpPr>
+        <p:cNvPr id="1" name=""/>
+        <p:cNvGrpSpPr/>
+        <p:nvPr/>
+      </p:nvGrpSpPr>
+      <p:grpSpPr>
+        <a:xfrm>
+          <a:off x="0" y="0"/>
+          <a:ext cx="0" cy="0"/>
+          <a:chOff x="0" y="0"/>
+          <a:chExt cx="0" cy="0"/>
+        </a:xfrm>
+      </p:grpSpPr>
+      <p:sp>
+        <p:nvSpPr>
           <p:cNvPr id="2" name="标题 1"/>
           <p:cNvSpPr>
             <a:spLocks noGrp="1"/>
@@ -4558,8 +5555,11 @@
           <a:lstStyle/>
           <a:p>
             <a:r>
-              <a:rPr lang="zh-CN" altLang="en-US" dirty="0"/>
-              <a:t>中心计算</a:t>
+              <a:rPr lang="zh-CN" altLang="en-US" dirty="0">
+                <a:latin typeface="微软雅黑" panose="020B0503020204020204" pitchFamily="34" charset="-122"/>
+                <a:ea typeface="微软雅黑" panose="020B0503020204020204" pitchFamily="34" charset="-122"/>
+              </a:rPr>
+              <a:t>如何计算中心点</a:t>
             </a:r>
           </a:p>
         </p:txBody>
@@ -5094,7 +6094,7 @@
         <p:spPr>
           <a:xfrm>
             <a:off x="3491880" y="3212976"/>
-            <a:ext cx="1851789" cy="1477328"/>
+            <a:ext cx="2039341" cy="1477328"/>
           </a:xfrm>
           <a:prstGeom prst="rect">
             <a:avLst/>
@@ -5108,30 +6108,45 @@
           <a:lstStyle/>
           <a:p>
             <a:r>
-              <a:rPr lang="en-US" altLang="zh-CN" dirty="0"/>
+              <a:rPr lang="en-US" altLang="zh-CN" dirty="0">
+                <a:latin typeface="微软雅黑" panose="020B0503020204020204" pitchFamily="34" charset="-122"/>
+                <a:ea typeface="微软雅黑" panose="020B0503020204020204" pitchFamily="34" charset="-122"/>
+              </a:rPr>
               <a:t>A(5.1,3.5,1.4,0.2) </a:t>
             </a:r>
           </a:p>
           <a:p>
             <a:r>
-              <a:rPr lang="en-US" altLang="zh-CN" dirty="0"/>
+              <a:rPr lang="en-US" altLang="zh-CN" dirty="0">
+                <a:latin typeface="微软雅黑" panose="020B0503020204020204" pitchFamily="34" charset="-122"/>
+                <a:ea typeface="微软雅黑" panose="020B0503020204020204" pitchFamily="34" charset="-122"/>
+              </a:rPr>
               <a:t>B(4.9,3.0,1.4,0.2)</a:t>
             </a:r>
           </a:p>
           <a:p>
             <a:r>
-              <a:rPr lang="en-US" altLang="zh-CN" dirty="0"/>
+              <a:rPr lang="en-US" altLang="zh-CN" dirty="0">
+                <a:latin typeface="微软雅黑" panose="020B0503020204020204" pitchFamily="34" charset="-122"/>
+                <a:ea typeface="微软雅黑" panose="020B0503020204020204" pitchFamily="34" charset="-122"/>
+              </a:rPr>
               <a:t>C(4.7,3.2,1.3,0.2)</a:t>
             </a:r>
           </a:p>
           <a:p>
             <a:r>
-              <a:rPr lang="en-US" altLang="zh-CN" dirty="0"/>
+              <a:rPr lang="en-US" altLang="zh-CN" dirty="0">
+                <a:latin typeface="微软雅黑" panose="020B0503020204020204" pitchFamily="34" charset="-122"/>
+                <a:ea typeface="微软雅黑" panose="020B0503020204020204" pitchFamily="34" charset="-122"/>
+              </a:rPr>
               <a:t>D(4.6,3.1,1.5,0.2)</a:t>
             </a:r>
           </a:p>
           <a:p>
-            <a:endParaRPr lang="zh-CN" altLang="en-US" dirty="0"/>
+            <a:endParaRPr lang="zh-CN" altLang="en-US" dirty="0">
+              <a:latin typeface="微软雅黑" panose="020B0503020204020204" pitchFamily="34" charset="-122"/>
+              <a:ea typeface="微软雅黑" panose="020B0503020204020204" pitchFamily="34" charset="-122"/>
+            </a:endParaRPr>
           </a:p>
         </p:txBody>
       </p:sp>
@@ -5158,7 +6173,10 @@
           <a:lstStyle/>
           <a:p>
             <a:r>
-              <a:rPr lang="zh-CN" altLang="en-US" dirty="0"/>
+              <a:rPr lang="zh-CN" altLang="en-US" dirty="0">
+                <a:latin typeface="微软雅黑" panose="020B0503020204020204" pitchFamily="34" charset="-122"/>
+                <a:ea typeface="微软雅黑" panose="020B0503020204020204" pitchFamily="34" charset="-122"/>
+              </a:rPr>
               <a:t>中心计算：</a:t>
             </a:r>
           </a:p>
@@ -5186,68 +6204,113 @@
           <a:lstStyle/>
           <a:p>
             <a:r>
-              <a:rPr lang="zh-CN" altLang="en-US" dirty="0"/>
+              <a:rPr lang="zh-CN" altLang="en-US" dirty="0">
+                <a:latin typeface="微软雅黑" panose="020B0503020204020204" pitchFamily="34" charset="-122"/>
+                <a:ea typeface="微软雅黑" panose="020B0503020204020204" pitchFamily="34" charset="-122"/>
+              </a:rPr>
               <a:t>（</a:t>
             </a:r>
             <a:r>
-              <a:rPr lang="en-US" altLang="zh-CN" dirty="0"/>
+              <a:rPr lang="en-US" altLang="zh-CN" dirty="0">
+                <a:latin typeface="微软雅黑" panose="020B0503020204020204" pitchFamily="34" charset="-122"/>
+                <a:ea typeface="微软雅黑" panose="020B0503020204020204" pitchFamily="34" charset="-122"/>
+              </a:rPr>
               <a:t>5.1+4.9+4.7+4.6)/4 = 4.825</a:t>
             </a:r>
           </a:p>
           <a:p>
             <a:r>
-              <a:rPr lang="zh-CN" altLang="en-US" dirty="0"/>
+              <a:rPr lang="zh-CN" altLang="en-US" dirty="0">
+                <a:latin typeface="微软雅黑" panose="020B0503020204020204" pitchFamily="34" charset="-122"/>
+                <a:ea typeface="微软雅黑" panose="020B0503020204020204" pitchFamily="34" charset="-122"/>
+              </a:rPr>
               <a:t>（</a:t>
             </a:r>
             <a:r>
-              <a:rPr lang="en-US" altLang="zh-CN" dirty="0"/>
+              <a:rPr lang="en-US" altLang="zh-CN" dirty="0">
+                <a:latin typeface="微软雅黑" panose="020B0503020204020204" pitchFamily="34" charset="-122"/>
+                <a:ea typeface="微软雅黑" panose="020B0503020204020204" pitchFamily="34" charset="-122"/>
+              </a:rPr>
               <a:t>3.5+3+3.2+3.1</a:t>
             </a:r>
             <a:r>
-              <a:rPr lang="zh-CN" altLang="en-US" dirty="0"/>
+              <a:rPr lang="zh-CN" altLang="en-US" dirty="0">
+                <a:latin typeface="微软雅黑" panose="020B0503020204020204" pitchFamily="34" charset="-122"/>
+                <a:ea typeface="微软雅黑" panose="020B0503020204020204" pitchFamily="34" charset="-122"/>
+              </a:rPr>
               <a:t>）</a:t>
             </a:r>
             <a:r>
-              <a:rPr lang="en-US" altLang="zh-CN" dirty="0"/>
+              <a:rPr lang="en-US" altLang="zh-CN" dirty="0">
+                <a:latin typeface="微软雅黑" panose="020B0503020204020204" pitchFamily="34" charset="-122"/>
+                <a:ea typeface="微软雅黑" panose="020B0503020204020204" pitchFamily="34" charset="-122"/>
+              </a:rPr>
               <a:t>/4 = 3.2</a:t>
             </a:r>
           </a:p>
           <a:p>
             <a:r>
-              <a:rPr lang="zh-CN" altLang="en-US" dirty="0"/>
+              <a:rPr lang="zh-CN" altLang="en-US" dirty="0">
+                <a:latin typeface="微软雅黑" panose="020B0503020204020204" pitchFamily="34" charset="-122"/>
+                <a:ea typeface="微软雅黑" panose="020B0503020204020204" pitchFamily="34" charset="-122"/>
+              </a:rPr>
               <a:t>（</a:t>
             </a:r>
             <a:r>
-              <a:rPr lang="en-US" altLang="zh-CN" dirty="0"/>
+              <a:rPr lang="en-US" altLang="zh-CN" dirty="0">
+                <a:latin typeface="微软雅黑" panose="020B0503020204020204" pitchFamily="34" charset="-122"/>
+                <a:ea typeface="微软雅黑" panose="020B0503020204020204" pitchFamily="34" charset="-122"/>
+              </a:rPr>
               <a:t>1.4+1.4+1.3+1.5</a:t>
             </a:r>
             <a:r>
-              <a:rPr lang="zh-CN" altLang="en-US" dirty="0"/>
+              <a:rPr lang="zh-CN" altLang="en-US" dirty="0">
+                <a:latin typeface="微软雅黑" panose="020B0503020204020204" pitchFamily="34" charset="-122"/>
+                <a:ea typeface="微软雅黑" panose="020B0503020204020204" pitchFamily="34" charset="-122"/>
+              </a:rPr>
               <a:t>）</a:t>
             </a:r>
             <a:r>
-              <a:rPr lang="en-US" altLang="zh-CN" dirty="0"/>
+              <a:rPr lang="en-US" altLang="zh-CN" dirty="0">
+                <a:latin typeface="微软雅黑" panose="020B0503020204020204" pitchFamily="34" charset="-122"/>
+                <a:ea typeface="微软雅黑" panose="020B0503020204020204" pitchFamily="34" charset="-122"/>
+              </a:rPr>
               <a:t>/4 = 1.4</a:t>
             </a:r>
           </a:p>
           <a:p>
             <a:r>
-              <a:rPr lang="zh-CN" altLang="en-US" dirty="0"/>
+              <a:rPr lang="zh-CN" altLang="en-US" dirty="0">
+                <a:latin typeface="微软雅黑" panose="020B0503020204020204" pitchFamily="34" charset="-122"/>
+                <a:ea typeface="微软雅黑" panose="020B0503020204020204" pitchFamily="34" charset="-122"/>
+              </a:rPr>
               <a:t>（</a:t>
             </a:r>
             <a:r>
-              <a:rPr lang="en-US" altLang="zh-CN" dirty="0"/>
+              <a:rPr lang="en-US" altLang="zh-CN" dirty="0">
+                <a:latin typeface="微软雅黑" panose="020B0503020204020204" pitchFamily="34" charset="-122"/>
+                <a:ea typeface="微软雅黑" panose="020B0503020204020204" pitchFamily="34" charset="-122"/>
+              </a:rPr>
               <a:t>0.2+0.2+0.2+0.2</a:t>
             </a:r>
             <a:r>
-              <a:rPr lang="zh-CN" altLang="en-US" dirty="0"/>
+              <a:rPr lang="zh-CN" altLang="en-US" dirty="0">
+                <a:latin typeface="微软雅黑" panose="020B0503020204020204" pitchFamily="34" charset="-122"/>
+                <a:ea typeface="微软雅黑" panose="020B0503020204020204" pitchFamily="34" charset="-122"/>
+              </a:rPr>
               <a:t>）</a:t>
             </a:r>
             <a:r>
-              <a:rPr lang="en-US" altLang="zh-CN" dirty="0"/>
+              <a:rPr lang="en-US" altLang="zh-CN" dirty="0">
+                <a:latin typeface="微软雅黑" panose="020B0503020204020204" pitchFamily="34" charset="-122"/>
+                <a:ea typeface="微软雅黑" panose="020B0503020204020204" pitchFamily="34" charset="-122"/>
+              </a:rPr>
               <a:t>/4 = 0.2</a:t>
             </a:r>
-            <a:endParaRPr lang="zh-CN" altLang="en-US" dirty="0"/>
+            <a:endParaRPr lang="zh-CN" altLang="en-US" dirty="0">
+              <a:latin typeface="微软雅黑" panose="020B0503020204020204" pitchFamily="34" charset="-122"/>
+              <a:ea typeface="微软雅黑" panose="020B0503020204020204" pitchFamily="34" charset="-122"/>
+            </a:endParaRPr>
           </a:p>
         </p:txBody>
       </p:sp>
@@ -5259,286 +6322,7 @@
 </p:sld>
 </file>
 
-<file path=ppt/slides/slide14.xml><?xml version="1.0" encoding="utf-8"?>
-<p:sld xmlns:a="http://schemas.openxmlformats.org/drawingml/2006/main" xmlns:r="http://schemas.openxmlformats.org/officeDocument/2006/relationships" xmlns:p="http://schemas.openxmlformats.org/presentationml/2006/main">
-  <p:cSld>
-    <p:spTree>
-      <p:nvGrpSpPr>
-        <p:cNvPr id="1" name=""/>
-        <p:cNvGrpSpPr/>
-        <p:nvPr/>
-      </p:nvGrpSpPr>
-      <p:grpSpPr>
-        <a:xfrm>
-          <a:off x="0" y="0"/>
-          <a:ext cx="0" cy="0"/>
-          <a:chOff x="0" y="0"/>
-          <a:chExt cx="0" cy="0"/>
-        </a:xfrm>
-      </p:grpSpPr>
-      <p:sp>
-        <p:nvSpPr>
-          <p:cNvPr id="2" name="标题 1">
-            <a:extLst>
-              <a:ext uri="{FF2B5EF4-FFF2-40B4-BE49-F238E27FC236}">
-                <a16:creationId xmlns:a16="http://schemas.microsoft.com/office/drawing/2014/main" id="{D0959456-4D3B-42F2-BBA9-F04CE8B0C7C4}"/>
-              </a:ext>
-            </a:extLst>
-          </p:cNvPr>
-          <p:cNvSpPr>
-            <a:spLocks noGrp="1"/>
-          </p:cNvSpPr>
-          <p:nvPr>
-            <p:ph type="title"/>
-          </p:nvPr>
-        </p:nvSpPr>
-        <p:spPr/>
-        <p:txBody>
-          <a:bodyPr/>
-          <a:lstStyle/>
-          <a:p>
-            <a:r>
-              <a:rPr lang="zh-CN" altLang="en-US" dirty="0">
-                <a:latin typeface="微软雅黑" panose="020B0503020204020204" pitchFamily="34" charset="-122"/>
-                <a:ea typeface="微软雅黑" panose="020B0503020204020204" pitchFamily="34" charset="-122"/>
-              </a:rPr>
-              <a:t>鸢尾花数据集</a:t>
-            </a:r>
-          </a:p>
-        </p:txBody>
-      </p:sp>
-      <p:pic>
-        <p:nvPicPr>
-          <p:cNvPr id="4" name="图片 3">
-            <a:extLst>
-              <a:ext uri="{FF2B5EF4-FFF2-40B4-BE49-F238E27FC236}">
-                <a16:creationId xmlns:a16="http://schemas.microsoft.com/office/drawing/2014/main" id="{7168C95E-98A3-45BA-8A50-F4A5D395AD6C}"/>
-              </a:ext>
-            </a:extLst>
-          </p:cNvPr>
-          <p:cNvPicPr>
-            <a:picLocks noChangeAspect="1"/>
-          </p:cNvPicPr>
-          <p:nvPr/>
-        </p:nvPicPr>
-        <p:blipFill>
-          <a:blip r:embed="rId2"/>
-          <a:stretch>
-            <a:fillRect/>
-          </a:stretch>
-        </p:blipFill>
-        <p:spPr>
-          <a:xfrm>
-            <a:off x="5724128" y="2204864"/>
-            <a:ext cx="2700343" cy="2913528"/>
-          </a:xfrm>
-          <a:prstGeom prst="rect">
-            <a:avLst/>
-          </a:prstGeom>
-        </p:spPr>
-      </p:pic>
-      <p:sp>
-        <p:nvSpPr>
-          <p:cNvPr id="5" name="矩形 4">
-            <a:extLst>
-              <a:ext uri="{FF2B5EF4-FFF2-40B4-BE49-F238E27FC236}">
-                <a16:creationId xmlns:a16="http://schemas.microsoft.com/office/drawing/2014/main" id="{5677C3CE-3FF8-4363-A41F-6CD824EA66A3}"/>
-              </a:ext>
-            </a:extLst>
-          </p:cNvPr>
-          <p:cNvSpPr/>
-          <p:nvPr/>
-        </p:nvSpPr>
-        <p:spPr>
-          <a:xfrm>
-            <a:off x="611560" y="2204864"/>
-            <a:ext cx="4968552" cy="2536400"/>
-          </a:xfrm>
-          <a:prstGeom prst="rect">
-            <a:avLst/>
-          </a:prstGeom>
-        </p:spPr>
-        <p:txBody>
-          <a:bodyPr wrap="square">
-            <a:spAutoFit/>
-          </a:bodyPr>
-          <a:lstStyle/>
-          <a:p>
-            <a:pPr>
-              <a:lnSpc>
-                <a:spcPct val="150000"/>
-              </a:lnSpc>
-            </a:pPr>
-            <a:r>
-              <a:rPr lang="zh-CN" altLang="en-US" dirty="0">
-                <a:latin typeface="微软雅黑" panose="020B0503020204020204" pitchFamily="34" charset="-122"/>
-                <a:ea typeface="微软雅黑" panose="020B0503020204020204" pitchFamily="34" charset="-122"/>
-              </a:rPr>
-              <a:t>数据集包含三种鸢尾花，每种</a:t>
-            </a:r>
-            <a:r>
-              <a:rPr lang="en-US" altLang="zh-CN" dirty="0">
-                <a:latin typeface="微软雅黑" panose="020B0503020204020204" pitchFamily="34" charset="-122"/>
-                <a:ea typeface="微软雅黑" panose="020B0503020204020204" pitchFamily="34" charset="-122"/>
-              </a:rPr>
-              <a:t>50</a:t>
-            </a:r>
-            <a:r>
-              <a:rPr lang="zh-CN" altLang="en-US" dirty="0">
-                <a:latin typeface="微软雅黑" panose="020B0503020204020204" pitchFamily="34" charset="-122"/>
-                <a:ea typeface="微软雅黑" panose="020B0503020204020204" pitchFamily="34" charset="-122"/>
-              </a:rPr>
-              <a:t>个样本</a:t>
-            </a:r>
-            <a:endParaRPr lang="en-US" altLang="zh-CN" dirty="0">
-              <a:latin typeface="微软雅黑" panose="020B0503020204020204" pitchFamily="34" charset="-122"/>
-              <a:ea typeface="微软雅黑" panose="020B0503020204020204" pitchFamily="34" charset="-122"/>
-            </a:endParaRPr>
-          </a:p>
-          <a:p>
-            <a:pPr>
-              <a:lnSpc>
-                <a:spcPct val="150000"/>
-              </a:lnSpc>
-            </a:pPr>
-            <a:endParaRPr lang="en-US" altLang="zh-CN" dirty="0">
-              <a:latin typeface="微软雅黑" panose="020B0503020204020204" pitchFamily="34" charset="-122"/>
-              <a:ea typeface="微软雅黑" panose="020B0503020204020204" pitchFamily="34" charset="-122"/>
-            </a:endParaRPr>
-          </a:p>
-          <a:p>
-            <a:pPr>
-              <a:lnSpc>
-                <a:spcPct val="150000"/>
-              </a:lnSpc>
-            </a:pPr>
-            <a:r>
-              <a:rPr lang="zh-CN" altLang="en-US" dirty="0">
-                <a:latin typeface="微软雅黑" panose="020B0503020204020204" pitchFamily="34" charset="-122"/>
-                <a:ea typeface="微软雅黑" panose="020B0503020204020204" pitchFamily="34" charset="-122"/>
-              </a:rPr>
-              <a:t>样本</a:t>
-            </a:r>
-            <a:r>
-              <a:rPr lang="en-US" altLang="zh-CN" dirty="0">
-                <a:latin typeface="微软雅黑" panose="020B0503020204020204" pitchFamily="34" charset="-122"/>
-                <a:ea typeface="微软雅黑" panose="020B0503020204020204" pitchFamily="34" charset="-122"/>
-              </a:rPr>
-              <a:t>data</a:t>
-            </a:r>
-            <a:r>
-              <a:rPr lang="zh-CN" altLang="en-US" dirty="0">
-                <a:latin typeface="微软雅黑" panose="020B0503020204020204" pitchFamily="34" charset="-122"/>
-                <a:ea typeface="微软雅黑" panose="020B0503020204020204" pitchFamily="34" charset="-122"/>
-              </a:rPr>
-              <a:t>：花萼长度、花萼宽度、花瓣长度、花瓣宽度</a:t>
-            </a:r>
-            <a:endParaRPr lang="en-US" altLang="zh-CN" dirty="0">
-              <a:latin typeface="微软雅黑" panose="020B0503020204020204" pitchFamily="34" charset="-122"/>
-              <a:ea typeface="微软雅黑" panose="020B0503020204020204" pitchFamily="34" charset="-122"/>
-            </a:endParaRPr>
-          </a:p>
-          <a:p>
-            <a:pPr>
-              <a:lnSpc>
-                <a:spcPct val="150000"/>
-              </a:lnSpc>
-            </a:pPr>
-            <a:endParaRPr lang="en-US" altLang="zh-CN" dirty="0">
-              <a:latin typeface="微软雅黑" panose="020B0503020204020204" pitchFamily="34" charset="-122"/>
-              <a:ea typeface="微软雅黑" panose="020B0503020204020204" pitchFamily="34" charset="-122"/>
-            </a:endParaRPr>
-          </a:p>
-          <a:p>
-            <a:pPr>
-              <a:lnSpc>
-                <a:spcPct val="150000"/>
-              </a:lnSpc>
-            </a:pPr>
-            <a:r>
-              <a:rPr lang="zh-CN" altLang="en-US" dirty="0">
-                <a:latin typeface="微软雅黑" panose="020B0503020204020204" pitchFamily="34" charset="-122"/>
-                <a:ea typeface="微软雅黑" panose="020B0503020204020204" pitchFamily="34" charset="-122"/>
-              </a:rPr>
-              <a:t>标签</a:t>
-            </a:r>
-            <a:r>
-              <a:rPr lang="en-US" altLang="zh-CN" dirty="0">
-                <a:latin typeface="微软雅黑" panose="020B0503020204020204" pitchFamily="34" charset="-122"/>
-                <a:ea typeface="微软雅黑" panose="020B0503020204020204" pitchFamily="34" charset="-122"/>
-              </a:rPr>
-              <a:t>target</a:t>
-            </a:r>
-            <a:r>
-              <a:rPr lang="zh-CN" altLang="en-US" dirty="0">
-                <a:latin typeface="微软雅黑" panose="020B0503020204020204" pitchFamily="34" charset="-122"/>
-                <a:ea typeface="微软雅黑" panose="020B0503020204020204" pitchFamily="34" charset="-122"/>
-              </a:rPr>
-              <a:t>：</a:t>
-            </a:r>
-            <a:r>
-              <a:rPr lang="en-US" altLang="zh-CN" dirty="0">
-                <a:latin typeface="微软雅黑" panose="020B0503020204020204" pitchFamily="34" charset="-122"/>
-                <a:ea typeface="微软雅黑" panose="020B0503020204020204" pitchFamily="34" charset="-122"/>
-              </a:rPr>
-              <a:t> </a:t>
-            </a:r>
-            <a:r>
-              <a:rPr lang="en-US" altLang="zh-CN" dirty="0" err="1">
-                <a:latin typeface="微软雅黑" panose="020B0503020204020204" pitchFamily="34" charset="-122"/>
-                <a:ea typeface="微软雅黑" panose="020B0503020204020204" pitchFamily="34" charset="-122"/>
-              </a:rPr>
-              <a:t>setosa</a:t>
-            </a:r>
-            <a:r>
-              <a:rPr lang="zh-CN" altLang="en-US" dirty="0">
-                <a:latin typeface="微软雅黑" panose="020B0503020204020204" pitchFamily="34" charset="-122"/>
-                <a:ea typeface="微软雅黑" panose="020B0503020204020204" pitchFamily="34" charset="-122"/>
-              </a:rPr>
-              <a:t>、</a:t>
-            </a:r>
-            <a:r>
-              <a:rPr lang="en-US" altLang="zh-CN" dirty="0">
-                <a:latin typeface="微软雅黑" panose="020B0503020204020204" pitchFamily="34" charset="-122"/>
-                <a:ea typeface="微软雅黑" panose="020B0503020204020204" pitchFamily="34" charset="-122"/>
-              </a:rPr>
-              <a:t> versicolor</a:t>
-            </a:r>
-            <a:r>
-              <a:rPr lang="zh-CN" altLang="en-US" dirty="0">
-                <a:latin typeface="微软雅黑" panose="020B0503020204020204" pitchFamily="34" charset="-122"/>
-                <a:ea typeface="微软雅黑" panose="020B0503020204020204" pitchFamily="34" charset="-122"/>
-              </a:rPr>
-              <a:t>、</a:t>
-            </a:r>
-            <a:r>
-              <a:rPr lang="en-US" altLang="zh-CN" dirty="0">
-                <a:latin typeface="微软雅黑" panose="020B0503020204020204" pitchFamily="34" charset="-122"/>
-                <a:ea typeface="微软雅黑" panose="020B0503020204020204" pitchFamily="34" charset="-122"/>
-              </a:rPr>
-              <a:t> virginica</a:t>
-            </a:r>
-            <a:endParaRPr lang="zh-CN" altLang="en-US" dirty="0">
-              <a:latin typeface="微软雅黑" panose="020B0503020204020204" pitchFamily="34" charset="-122"/>
-              <a:ea typeface="微软雅黑" panose="020B0503020204020204" pitchFamily="34" charset="-122"/>
-            </a:endParaRPr>
-          </a:p>
-        </p:txBody>
-      </p:sp>
-    </p:spTree>
-    <p:extLst>
-      <p:ext uri="{BB962C8B-B14F-4D97-AF65-F5344CB8AC3E}">
-        <p14:creationId xmlns:p14="http://schemas.microsoft.com/office/powerpoint/2010/main" val="1572794838"/>
-      </p:ext>
-    </p:extLst>
-  </p:cSld>
-  <p:clrMapOvr>
-    <a:masterClrMapping/>
-  </p:clrMapOvr>
-</p:sld>
-</file>
-
-<file path=ppt/slides/slide15.xml><?xml version="1.0" encoding="utf-8"?>
+<file path=ppt/slides/slide18.xml><?xml version="1.0" encoding="utf-8"?>
 <p:sld xmlns:a="http://schemas.openxmlformats.org/drawingml/2006/main" xmlns:r="http://schemas.openxmlformats.org/officeDocument/2006/relationships" xmlns:p="http://schemas.openxmlformats.org/presentationml/2006/main">
   <p:cSld>
     <p:spTree>
@@ -5598,8 +6382,8 @@
         </p:blipFill>
         <p:spPr bwMode="auto">
           <a:xfrm>
-            <a:off x="2479659" y="1114854"/>
-            <a:ext cx="3888432" cy="3093762"/>
+            <a:off x="2715968" y="1268760"/>
+            <a:ext cx="3423481" cy="2723832"/>
           </a:xfrm>
           <a:prstGeom prst="rect">
             <a:avLst/>
@@ -5639,8 +6423,8 @@
         </p:blipFill>
         <p:spPr bwMode="auto">
           <a:xfrm>
-            <a:off x="5940152" y="4221088"/>
-            <a:ext cx="2414130" cy="2510454"/>
+            <a:off x="6139449" y="4077072"/>
+            <a:ext cx="2078359" cy="2161286"/>
           </a:xfrm>
           <a:prstGeom prst="rect">
             <a:avLst/>
@@ -5703,8 +6487,8 @@
         </p:blipFill>
         <p:spPr bwMode="auto">
           <a:xfrm>
-            <a:off x="323528" y="4273233"/>
-            <a:ext cx="2304256" cy="2406164"/>
+            <a:off x="561698" y="4077072"/>
+            <a:ext cx="2078359" cy="2170277"/>
           </a:xfrm>
           <a:prstGeom prst="rect">
             <a:avLst/>
@@ -5767,1270 +6551,8 @@
         </p:blipFill>
         <p:spPr bwMode="auto">
           <a:xfrm>
-            <a:off x="3131840" y="4174584"/>
-            <a:ext cx="2418581" cy="2556958"/>
-          </a:xfrm>
-          <a:prstGeom prst="rect">
-            <a:avLst/>
-          </a:prstGeom>
-          <a:noFill/>
-          <a:ln>
-            <a:noFill/>
-          </a:ln>
-          <a:effectLst/>
-          <a:extLst>
-            <a:ext uri="{909E8E84-426E-40DD-AFC4-6F175D3DCCD1}">
-              <a14:hiddenFill xmlns:a14="http://schemas.microsoft.com/office/drawing/2010/main">
-                <a:solidFill>
-                  <a:schemeClr val="accent1"/>
-                </a:solidFill>
-              </a14:hiddenFill>
-            </a:ext>
-            <a:ext uri="{91240B29-F687-4F45-9708-019B960494DF}">
-              <a14:hiddenLine xmlns:a14="http://schemas.microsoft.com/office/drawing/2010/main" w="9525">
-                <a:solidFill>
-                  <a:schemeClr val="tx1"/>
-                </a:solidFill>
-                <a:miter lim="800000"/>
-                <a:headEnd/>
-                <a:tailEnd/>
-              </a14:hiddenLine>
-            </a:ext>
-            <a:ext uri="{AF507438-7753-43E0-B8FC-AC1667EBCBE1}">
-              <a14:hiddenEffects xmlns:a14="http://schemas.microsoft.com/office/drawing/2010/main">
-                <a:effectLst>
-                  <a:outerShdw dist="35921" dir="2700000" algn="ctr" rotWithShape="0">
-                    <a:schemeClr val="bg2"/>
-                  </a:outerShdw>
-                </a:effectLst>
-              </a14:hiddenEffects>
-            </a:ext>
-          </a:extLst>
-        </p:spPr>
-      </p:pic>
-    </p:spTree>
-  </p:cSld>
-  <p:clrMapOvr>
-    <a:masterClrMapping/>
-  </p:clrMapOvr>
-</p:sld>
-</file>
-
-<file path=ppt/slides/slide16.xml><?xml version="1.0" encoding="utf-8"?>
-<p:sld xmlns:a="http://schemas.openxmlformats.org/drawingml/2006/main" xmlns:r="http://schemas.openxmlformats.org/officeDocument/2006/relationships" xmlns:p="http://schemas.openxmlformats.org/presentationml/2006/main">
-  <p:cSld>
-    <p:spTree>
-      <p:nvGrpSpPr>
-        <p:cNvPr id="1" name=""/>
-        <p:cNvGrpSpPr/>
-        <p:nvPr/>
-      </p:nvGrpSpPr>
-      <p:grpSpPr>
-        <a:xfrm>
-          <a:off x="0" y="0"/>
-          <a:ext cx="0" cy="0"/>
-          <a:chOff x="0" y="0"/>
-          <a:chExt cx="0" cy="0"/>
-        </a:xfrm>
-      </p:grpSpPr>
-      <p:sp>
-        <p:nvSpPr>
-          <p:cNvPr id="2" name="标题 1"/>
-          <p:cNvSpPr>
-            <a:spLocks noGrp="1"/>
-          </p:cNvSpPr>
-          <p:nvPr>
-            <p:ph type="title"/>
-          </p:nvPr>
-        </p:nvSpPr>
-        <p:spPr/>
-        <p:txBody>
-          <a:bodyPr/>
-          <a:lstStyle/>
-          <a:p>
-            <a:r>
-              <a:rPr lang="en-US" altLang="zh-CN" dirty="0"/>
-              <a:t>K-means </a:t>
-            </a:r>
-            <a:r>
-              <a:rPr lang="zh-CN" altLang="en-US" dirty="0"/>
-              <a:t>算法实例</a:t>
-            </a:r>
-          </a:p>
-        </p:txBody>
-      </p:sp>
-      <p:sp>
-        <p:nvSpPr>
-          <p:cNvPr id="4" name="矩形 3"/>
-          <p:cNvSpPr/>
-          <p:nvPr/>
-        </p:nvSpPr>
-        <p:spPr>
-          <a:xfrm>
-            <a:off x="1619672" y="1124744"/>
-            <a:ext cx="7272808" cy="5632311"/>
-          </a:xfrm>
-          <a:prstGeom prst="rect">
-            <a:avLst/>
-          </a:prstGeom>
-        </p:spPr>
-        <p:txBody>
-          <a:bodyPr wrap="square">
-            <a:spAutoFit/>
-          </a:bodyPr>
-          <a:lstStyle/>
-          <a:p>
-            <a:r>
-              <a:rPr lang="en-US" altLang="zh-CN" dirty="0"/>
-              <a:t>import </a:t>
-            </a:r>
-            <a:r>
-              <a:rPr lang="en-US" altLang="zh-CN" dirty="0" err="1"/>
-              <a:t>matplotlib.pyplot</a:t>
-            </a:r>
-            <a:r>
-              <a:rPr lang="en-US" altLang="zh-CN" dirty="0"/>
-              <a:t> as </a:t>
-            </a:r>
-            <a:r>
-              <a:rPr lang="en-US" altLang="zh-CN" dirty="0" err="1"/>
-              <a:t>plt</a:t>
-            </a:r>
-            <a:endParaRPr lang="en-US" altLang="zh-CN" dirty="0"/>
-          </a:p>
-          <a:p>
-            <a:r>
-              <a:rPr lang="en-US" altLang="zh-CN" dirty="0"/>
-              <a:t>from </a:t>
-            </a:r>
-            <a:r>
-              <a:rPr lang="en-US" altLang="zh-CN" dirty="0" err="1"/>
-              <a:t>sklearn</a:t>
-            </a:r>
-            <a:r>
-              <a:rPr lang="en-US" altLang="zh-CN" dirty="0"/>
-              <a:t> import datasets</a:t>
-            </a:r>
-          </a:p>
-          <a:p>
-            <a:r>
-              <a:rPr lang="en-US" altLang="zh-CN" dirty="0"/>
-              <a:t>from </a:t>
-            </a:r>
-            <a:r>
-              <a:rPr lang="en-US" altLang="zh-CN" dirty="0" err="1"/>
-              <a:t>sklearn.cluster</a:t>
-            </a:r>
-            <a:r>
-              <a:rPr lang="en-US" altLang="zh-CN" dirty="0"/>
-              <a:t> import </a:t>
-            </a:r>
-            <a:r>
-              <a:rPr lang="en-US" altLang="zh-CN" dirty="0" err="1"/>
-              <a:t>KMeans</a:t>
-            </a:r>
-            <a:endParaRPr lang="en-US" altLang="zh-CN" dirty="0"/>
-          </a:p>
-          <a:p>
-            <a:r>
-              <a:rPr lang="en-US" altLang="zh-CN" dirty="0"/>
-              <a:t>import </a:t>
-            </a:r>
-            <a:r>
-              <a:rPr lang="en-US" altLang="zh-CN" dirty="0" err="1"/>
-              <a:t>sklearn.metrics</a:t>
-            </a:r>
-            <a:r>
-              <a:rPr lang="en-US" altLang="zh-CN" dirty="0"/>
-              <a:t> as </a:t>
-            </a:r>
-            <a:r>
-              <a:rPr lang="en-US" altLang="zh-CN" dirty="0" err="1"/>
-              <a:t>sm</a:t>
-            </a:r>
-            <a:endParaRPr lang="en-US" altLang="zh-CN" dirty="0"/>
-          </a:p>
-          <a:p>
-            <a:r>
-              <a:rPr lang="en-US" altLang="zh-CN" dirty="0"/>
-              <a:t>import pandas as </a:t>
-            </a:r>
-            <a:r>
-              <a:rPr lang="en-US" altLang="zh-CN" dirty="0" err="1"/>
-              <a:t>pd</a:t>
-            </a:r>
-            <a:endParaRPr lang="en-US" altLang="zh-CN" dirty="0"/>
-          </a:p>
-          <a:p>
-            <a:r>
-              <a:rPr lang="en-US" altLang="zh-CN" dirty="0"/>
-              <a:t>import </a:t>
-            </a:r>
-            <a:r>
-              <a:rPr lang="en-US" altLang="zh-CN" dirty="0" err="1"/>
-              <a:t>numpy</a:t>
-            </a:r>
-            <a:r>
-              <a:rPr lang="en-US" altLang="zh-CN" dirty="0"/>
-              <a:t> as np</a:t>
-            </a:r>
-          </a:p>
-          <a:p>
-            <a:endParaRPr lang="en-US" altLang="zh-CN" dirty="0"/>
-          </a:p>
-          <a:p>
-            <a:r>
-              <a:rPr lang="en-US" altLang="zh-CN" dirty="0"/>
-              <a:t># </a:t>
-            </a:r>
-            <a:r>
-              <a:rPr lang="zh-CN" altLang="en-US" dirty="0"/>
-              <a:t>导入数据</a:t>
-            </a:r>
-            <a:endParaRPr lang="en-US" altLang="zh-CN" dirty="0"/>
-          </a:p>
-          <a:p>
-            <a:r>
-              <a:rPr lang="en-US" altLang="zh-CN" dirty="0"/>
-              <a:t>iris = </a:t>
-            </a:r>
-            <a:r>
-              <a:rPr lang="en-US" altLang="zh-CN" dirty="0" err="1"/>
-              <a:t>datasets.load_iris</a:t>
-            </a:r>
-            <a:r>
-              <a:rPr lang="en-US" altLang="zh-CN" dirty="0"/>
-              <a:t>()</a:t>
-            </a:r>
-          </a:p>
-          <a:p>
-            <a:r>
-              <a:rPr lang="en-US" altLang="zh-CN" dirty="0"/>
-              <a:t>print(</a:t>
-            </a:r>
-            <a:r>
-              <a:rPr lang="en-US" altLang="zh-CN" dirty="0" err="1"/>
-              <a:t>iris.data</a:t>
-            </a:r>
-            <a:r>
-              <a:rPr lang="en-US" altLang="zh-CN" dirty="0"/>
-              <a:t>)</a:t>
-            </a:r>
-          </a:p>
-          <a:p>
-            <a:r>
-              <a:rPr lang="en-US" altLang="zh-CN" dirty="0"/>
-              <a:t>print(</a:t>
-            </a:r>
-            <a:r>
-              <a:rPr lang="en-US" altLang="zh-CN" dirty="0" err="1"/>
-              <a:t>iris.feature_names</a:t>
-            </a:r>
-            <a:r>
-              <a:rPr lang="en-US" altLang="zh-CN" dirty="0"/>
-              <a:t>)</a:t>
-            </a:r>
-          </a:p>
-          <a:p>
-            <a:r>
-              <a:rPr lang="en-US" altLang="zh-CN" dirty="0"/>
-              <a:t>print(</a:t>
-            </a:r>
-            <a:r>
-              <a:rPr lang="en-US" altLang="zh-CN" dirty="0" err="1"/>
-              <a:t>iris.target</a:t>
-            </a:r>
-            <a:r>
-              <a:rPr lang="en-US" altLang="zh-CN" dirty="0"/>
-              <a:t>)</a:t>
-            </a:r>
-          </a:p>
-          <a:p>
-            <a:r>
-              <a:rPr lang="en-US" altLang="zh-CN" dirty="0"/>
-              <a:t>print(</a:t>
-            </a:r>
-            <a:r>
-              <a:rPr lang="en-US" altLang="zh-CN" dirty="0" err="1"/>
-              <a:t>iris.target_names</a:t>
-            </a:r>
-            <a:r>
-              <a:rPr lang="en-US" altLang="zh-CN" dirty="0"/>
-              <a:t>)</a:t>
-            </a:r>
-          </a:p>
-          <a:p>
-            <a:endParaRPr lang="zh-CN" altLang="en-US" dirty="0"/>
-          </a:p>
-          <a:p>
-            <a:r>
-              <a:rPr lang="en-US" altLang="zh-CN" dirty="0"/>
-              <a:t>#</a:t>
-            </a:r>
-            <a:r>
-              <a:rPr lang="zh-CN" altLang="en-US" dirty="0"/>
-              <a:t>将数据存储到</a:t>
-            </a:r>
-            <a:r>
-              <a:rPr lang="en-US" altLang="zh-CN" dirty="0"/>
-              <a:t>Pandas</a:t>
-            </a:r>
-            <a:r>
-              <a:rPr lang="zh-CN" altLang="en-US" dirty="0"/>
-              <a:t>库中的</a:t>
-            </a:r>
-            <a:r>
-              <a:rPr lang="en-US" altLang="zh-CN" dirty="0" err="1"/>
-              <a:t>DataFrame</a:t>
-            </a:r>
-            <a:r>
-              <a:rPr lang="zh-CN" altLang="en-US" dirty="0"/>
-              <a:t>二维容器，并重新命名</a:t>
-            </a:r>
-            <a:endParaRPr lang="en-US" altLang="zh-CN" dirty="0"/>
-          </a:p>
-          <a:p>
-            <a:r>
-              <a:rPr lang="en-US" altLang="zh-CN" dirty="0"/>
-              <a:t>x = </a:t>
-            </a:r>
-            <a:r>
-              <a:rPr lang="en-US" altLang="zh-CN" dirty="0" err="1"/>
-              <a:t>pd.DataFrame</a:t>
-            </a:r>
-            <a:r>
-              <a:rPr lang="en-US" altLang="zh-CN" dirty="0"/>
-              <a:t>(</a:t>
-            </a:r>
-            <a:r>
-              <a:rPr lang="en-US" altLang="zh-CN" dirty="0" err="1"/>
-              <a:t>iris.data</a:t>
-            </a:r>
-            <a:r>
-              <a:rPr lang="en-US" altLang="zh-CN" dirty="0"/>
-              <a:t>)</a:t>
-            </a:r>
-          </a:p>
-          <a:p>
-            <a:r>
-              <a:rPr lang="en-US" altLang="zh-CN" dirty="0" err="1"/>
-              <a:t>x.columns</a:t>
-            </a:r>
-            <a:r>
-              <a:rPr lang="en-US" altLang="zh-CN" dirty="0"/>
-              <a:t> = ['Sepal_Length','Sepal_Width','Petal_Length','</a:t>
-            </a:r>
-            <a:r>
-              <a:rPr lang="en-US" altLang="zh-CN" dirty="0" err="1"/>
-              <a:t>Petal_Width</a:t>
-            </a:r>
-            <a:r>
-              <a:rPr lang="en-US" altLang="zh-CN" dirty="0"/>
-              <a:t>']</a:t>
-            </a:r>
-          </a:p>
-          <a:p>
-            <a:r>
-              <a:rPr lang="en-US" altLang="zh-CN" dirty="0"/>
-              <a:t>y = </a:t>
-            </a:r>
-            <a:r>
-              <a:rPr lang="en-US" altLang="zh-CN" dirty="0" err="1"/>
-              <a:t>pd.DataFrame</a:t>
-            </a:r>
-            <a:r>
-              <a:rPr lang="en-US" altLang="zh-CN" dirty="0"/>
-              <a:t>(</a:t>
-            </a:r>
-            <a:r>
-              <a:rPr lang="en-US" altLang="zh-CN" dirty="0" err="1"/>
-              <a:t>iris.target</a:t>
-            </a:r>
-            <a:r>
-              <a:rPr lang="en-US" altLang="zh-CN" dirty="0"/>
-              <a:t>)</a:t>
-            </a:r>
-          </a:p>
-          <a:p>
-            <a:r>
-              <a:rPr lang="en-US" altLang="zh-CN" dirty="0" err="1"/>
-              <a:t>y.columns</a:t>
-            </a:r>
-            <a:r>
-              <a:rPr lang="en-US" altLang="zh-CN" dirty="0"/>
-              <a:t> = ['Targets']</a:t>
-            </a:r>
-            <a:endParaRPr lang="zh-CN" altLang="en-US" dirty="0"/>
-          </a:p>
-          <a:p>
-            <a:endParaRPr lang="en-US" altLang="zh-CN" dirty="0"/>
-          </a:p>
-        </p:txBody>
-      </p:sp>
-    </p:spTree>
-  </p:cSld>
-  <p:clrMapOvr>
-    <a:masterClrMapping/>
-  </p:clrMapOvr>
-</p:sld>
-</file>
-
-<file path=ppt/slides/slide17.xml><?xml version="1.0" encoding="utf-8"?>
-<p:sld xmlns:a="http://schemas.openxmlformats.org/drawingml/2006/main" xmlns:r="http://schemas.openxmlformats.org/officeDocument/2006/relationships" xmlns:p="http://schemas.openxmlformats.org/presentationml/2006/main">
-  <p:cSld>
-    <p:spTree>
-      <p:nvGrpSpPr>
-        <p:cNvPr id="1" name=""/>
-        <p:cNvGrpSpPr/>
-        <p:nvPr/>
-      </p:nvGrpSpPr>
-      <p:grpSpPr>
-        <a:xfrm>
-          <a:off x="0" y="0"/>
-          <a:ext cx="0" cy="0"/>
-          <a:chOff x="0" y="0"/>
-          <a:chExt cx="0" cy="0"/>
-        </a:xfrm>
-      </p:grpSpPr>
-      <p:sp>
-        <p:nvSpPr>
-          <p:cNvPr id="2" name="标题 1"/>
-          <p:cNvSpPr>
-            <a:spLocks noGrp="1"/>
-          </p:cNvSpPr>
-          <p:nvPr>
-            <p:ph type="title"/>
-          </p:nvPr>
-        </p:nvSpPr>
-        <p:spPr/>
-        <p:txBody>
-          <a:bodyPr/>
-          <a:lstStyle/>
-          <a:p>
-            <a:r>
-              <a:rPr lang="zh-CN" altLang="en-US" dirty="0"/>
-              <a:t>花萼花瓣图像对比</a:t>
-            </a:r>
-          </a:p>
-        </p:txBody>
-      </p:sp>
-      <p:sp>
-        <p:nvSpPr>
-          <p:cNvPr id="4" name="矩形 3"/>
-          <p:cNvSpPr/>
-          <p:nvPr/>
-        </p:nvSpPr>
-        <p:spPr>
-          <a:xfrm>
-            <a:off x="34942" y="1228397"/>
-            <a:ext cx="8136904" cy="4401205"/>
-          </a:xfrm>
-          <a:prstGeom prst="rect">
-            <a:avLst/>
-          </a:prstGeom>
-        </p:spPr>
-        <p:txBody>
-          <a:bodyPr wrap="square">
-            <a:spAutoFit/>
-          </a:bodyPr>
-          <a:lstStyle/>
-          <a:p>
-            <a:r>
-              <a:rPr lang="en-US" altLang="zh-CN" sz="1400" dirty="0"/>
-              <a:t>#</a:t>
-            </a:r>
-            <a:r>
-              <a:rPr lang="zh-CN" altLang="en-US" sz="1400" dirty="0"/>
-              <a:t>设置画板的长宽</a:t>
-            </a:r>
-            <a:endParaRPr lang="en-US" altLang="zh-CN" sz="1400" dirty="0"/>
-          </a:p>
-          <a:p>
-            <a:r>
-              <a:rPr lang="en-US" altLang="zh-CN" sz="1400" dirty="0" err="1"/>
-              <a:t>plt.figure</a:t>
-            </a:r>
-            <a:r>
-              <a:rPr lang="en-US" altLang="zh-CN" sz="1400" dirty="0"/>
-              <a:t>(</a:t>
-            </a:r>
-            <a:r>
-              <a:rPr lang="en-US" altLang="zh-CN" sz="1400" dirty="0" err="1"/>
-              <a:t>figsize</a:t>
-            </a:r>
-            <a:r>
-              <a:rPr lang="en-US" altLang="zh-CN" sz="1400" dirty="0"/>
-              <a:t>=(14,7))</a:t>
-            </a:r>
-          </a:p>
-          <a:p>
-            <a:endParaRPr lang="en-US" altLang="zh-CN" sz="1400" dirty="0"/>
-          </a:p>
-          <a:p>
-            <a:r>
-              <a:rPr lang="en-US" altLang="zh-CN" sz="1400" dirty="0"/>
-              <a:t>#</a:t>
-            </a:r>
-            <a:r>
-              <a:rPr lang="zh-CN" altLang="en-US" sz="1400" dirty="0"/>
-              <a:t>创建一个颜色集合</a:t>
-            </a:r>
-            <a:endParaRPr lang="en-US" altLang="zh-CN" sz="1400" dirty="0"/>
-          </a:p>
-          <a:p>
-            <a:r>
-              <a:rPr lang="en-US" altLang="zh-CN" sz="1400" dirty="0" err="1"/>
-              <a:t>colormap</a:t>
-            </a:r>
-            <a:r>
-              <a:rPr lang="en-US" altLang="zh-CN" sz="1400" dirty="0"/>
-              <a:t> = </a:t>
-            </a:r>
-            <a:r>
-              <a:rPr lang="en-US" altLang="zh-CN" sz="1400" dirty="0" err="1"/>
-              <a:t>np.array</a:t>
-            </a:r>
-            <a:r>
-              <a:rPr lang="en-US" altLang="zh-CN" sz="1400" dirty="0"/>
-              <a:t>(['red', 'lime', 'black'])</a:t>
-            </a:r>
-          </a:p>
-          <a:p>
-            <a:endParaRPr lang="en-US" altLang="zh-CN" sz="1400" dirty="0"/>
-          </a:p>
-          <a:p>
-            <a:r>
-              <a:rPr lang="en-US" altLang="zh-CN" sz="1400" dirty="0"/>
-              <a:t># </a:t>
-            </a:r>
-            <a:r>
-              <a:rPr lang="zh-CN" altLang="en-US" sz="1400" dirty="0"/>
-              <a:t>为花萼创建一个子图</a:t>
-            </a:r>
-          </a:p>
-          <a:p>
-            <a:r>
-              <a:rPr lang="en-US" altLang="zh-CN" sz="1400" dirty="0"/>
-              <a:t>#subplot(</a:t>
-            </a:r>
-            <a:r>
-              <a:rPr lang="en-US" altLang="zh-CN" sz="1400" dirty="0" err="1"/>
-              <a:t>numRows</a:t>
-            </a:r>
-            <a:r>
-              <a:rPr lang="en-US" altLang="zh-CN" sz="1400" dirty="0"/>
-              <a:t>, </a:t>
-            </a:r>
-            <a:r>
-              <a:rPr lang="en-US" altLang="zh-CN" sz="1400" dirty="0" err="1"/>
-              <a:t>numCols</a:t>
-            </a:r>
-            <a:r>
-              <a:rPr lang="en-US" altLang="zh-CN" sz="1400" dirty="0"/>
-              <a:t>, </a:t>
-            </a:r>
-            <a:r>
-              <a:rPr lang="en-US" altLang="zh-CN" sz="1400" dirty="0" err="1"/>
-              <a:t>plotNum</a:t>
-            </a:r>
-            <a:r>
-              <a:rPr lang="en-US" altLang="zh-CN" sz="1400" dirty="0"/>
-              <a:t>)</a:t>
-            </a:r>
-            <a:r>
-              <a:rPr lang="zh-CN" altLang="en-US" sz="1400" dirty="0"/>
-              <a:t>，此函数将图表的整个绘图区域被分成 </a:t>
-            </a:r>
-            <a:r>
-              <a:rPr lang="en-US" altLang="zh-CN" sz="1400" dirty="0" err="1"/>
-              <a:t>numRows</a:t>
-            </a:r>
-            <a:r>
-              <a:rPr lang="en-US" altLang="zh-CN" sz="1400" dirty="0"/>
-              <a:t> </a:t>
-            </a:r>
-            <a:r>
-              <a:rPr lang="zh-CN" altLang="en-US" sz="1400" dirty="0"/>
-              <a:t>行和 </a:t>
-            </a:r>
-            <a:r>
-              <a:rPr lang="en-US" altLang="zh-CN" sz="1400" dirty="0" err="1"/>
-              <a:t>numCols</a:t>
-            </a:r>
-            <a:r>
-              <a:rPr lang="en-US" altLang="zh-CN" sz="1400" dirty="0"/>
-              <a:t> </a:t>
-            </a:r>
-            <a:r>
-              <a:rPr lang="zh-CN" altLang="en-US" sz="1400" dirty="0"/>
-              <a:t>列</a:t>
-            </a:r>
-          </a:p>
-          <a:p>
-            <a:r>
-              <a:rPr lang="en-US" altLang="zh-CN" sz="1400" dirty="0"/>
-              <a:t>#</a:t>
-            </a:r>
-            <a:r>
-              <a:rPr lang="zh-CN" altLang="en-US" sz="1400" dirty="0"/>
-              <a:t>然后按照从左到右，从上到下的顺序对每个子区域进行编号，左上的子区域的编号为</a:t>
-            </a:r>
-            <a:r>
-              <a:rPr lang="en-US" altLang="zh-CN" sz="1400" dirty="0"/>
-              <a:t>1</a:t>
-            </a:r>
-          </a:p>
-          <a:p>
-            <a:r>
-              <a:rPr lang="en-US" altLang="zh-CN" sz="1400" dirty="0"/>
-              <a:t>#</a:t>
-            </a:r>
-            <a:r>
-              <a:rPr lang="en-US" altLang="zh-CN" sz="1400" dirty="0" err="1"/>
-              <a:t>plotNum</a:t>
-            </a:r>
-            <a:r>
-              <a:rPr lang="en-US" altLang="zh-CN" sz="1400" dirty="0"/>
-              <a:t> </a:t>
-            </a:r>
-            <a:r>
-              <a:rPr lang="zh-CN" altLang="en-US" sz="1400" dirty="0"/>
-              <a:t>参数指定创建的对象所在的区域</a:t>
-            </a:r>
-            <a:endParaRPr lang="en-US" altLang="zh-CN" sz="1400" dirty="0"/>
-          </a:p>
-          <a:p>
-            <a:r>
-              <a:rPr lang="en-US" altLang="zh-CN" sz="1400" dirty="0" err="1"/>
-              <a:t>plt.subplot</a:t>
-            </a:r>
-            <a:r>
-              <a:rPr lang="en-US" altLang="zh-CN" sz="1400" dirty="0"/>
-              <a:t>(1, 2, 1)</a:t>
-            </a:r>
-          </a:p>
-          <a:p>
-            <a:r>
-              <a:rPr lang="en-US" altLang="zh-CN" sz="1400" dirty="0" err="1"/>
-              <a:t>plt.scatter</a:t>
-            </a:r>
-            <a:r>
-              <a:rPr lang="en-US" altLang="zh-CN" sz="1400" dirty="0"/>
-              <a:t>(</a:t>
-            </a:r>
-            <a:r>
-              <a:rPr lang="en-US" altLang="zh-CN" sz="1400" dirty="0" err="1"/>
-              <a:t>x.Sepal_Length</a:t>
-            </a:r>
-            <a:r>
-              <a:rPr lang="en-US" altLang="zh-CN" sz="1400" dirty="0"/>
-              <a:t>, </a:t>
-            </a:r>
-            <a:r>
-              <a:rPr lang="en-US" altLang="zh-CN" sz="1400" dirty="0" err="1"/>
-              <a:t>x.Sepal_Width</a:t>
-            </a:r>
-            <a:r>
-              <a:rPr lang="en-US" altLang="zh-CN" sz="1400" dirty="0"/>
-              <a:t>, c=</a:t>
-            </a:r>
-            <a:r>
-              <a:rPr lang="en-US" altLang="zh-CN" sz="1400" dirty="0" err="1"/>
-              <a:t>colormap</a:t>
-            </a:r>
-            <a:r>
-              <a:rPr lang="en-US" altLang="zh-CN" sz="1400" dirty="0"/>
-              <a:t>[</a:t>
-            </a:r>
-            <a:r>
-              <a:rPr lang="en-US" altLang="zh-CN" sz="1400" dirty="0" err="1"/>
-              <a:t>y.Targets</a:t>
-            </a:r>
-            <a:r>
-              <a:rPr lang="en-US" altLang="zh-CN" sz="1400" dirty="0"/>
-              <a:t>], s=40)</a:t>
-            </a:r>
-          </a:p>
-          <a:p>
-            <a:r>
-              <a:rPr lang="en-US" altLang="zh-CN" sz="1400" dirty="0" err="1"/>
-              <a:t>plt.title</a:t>
-            </a:r>
-            <a:r>
-              <a:rPr lang="en-US" altLang="zh-CN" sz="1400" dirty="0"/>
-              <a:t>('Sepal')</a:t>
-            </a:r>
-          </a:p>
-          <a:p>
-            <a:endParaRPr lang="en-US" altLang="zh-CN" sz="1400" dirty="0"/>
-          </a:p>
-          <a:p>
-            <a:r>
-              <a:rPr lang="en-US" altLang="zh-CN" sz="1400" dirty="0"/>
-              <a:t># </a:t>
-            </a:r>
-            <a:r>
-              <a:rPr lang="zh-CN" altLang="en-US" sz="1400" dirty="0"/>
-              <a:t>为花瓣创建一个子图</a:t>
-            </a:r>
-            <a:endParaRPr lang="en-US" altLang="zh-CN" sz="1400" dirty="0"/>
-          </a:p>
-          <a:p>
-            <a:r>
-              <a:rPr lang="en-US" altLang="zh-CN" sz="1400" dirty="0" err="1"/>
-              <a:t>plt.subplot</a:t>
-            </a:r>
-            <a:r>
-              <a:rPr lang="en-US" altLang="zh-CN" sz="1400" dirty="0"/>
-              <a:t>(1, 2, 2)</a:t>
-            </a:r>
-          </a:p>
-          <a:p>
-            <a:r>
-              <a:rPr lang="en-US" altLang="zh-CN" sz="1400" dirty="0" err="1"/>
-              <a:t>plt.scatter</a:t>
-            </a:r>
-            <a:r>
-              <a:rPr lang="en-US" altLang="zh-CN" sz="1400" dirty="0"/>
-              <a:t>(</a:t>
-            </a:r>
-            <a:r>
-              <a:rPr lang="en-US" altLang="zh-CN" sz="1400" dirty="0" err="1"/>
-              <a:t>x.Petal_Length</a:t>
-            </a:r>
-            <a:r>
-              <a:rPr lang="en-US" altLang="zh-CN" sz="1400" dirty="0"/>
-              <a:t>, </a:t>
-            </a:r>
-            <a:r>
-              <a:rPr lang="en-US" altLang="zh-CN" sz="1400" dirty="0" err="1"/>
-              <a:t>x.Petal_Width</a:t>
-            </a:r>
-            <a:r>
-              <a:rPr lang="en-US" altLang="zh-CN" sz="1400" dirty="0"/>
-              <a:t>, c=</a:t>
-            </a:r>
-            <a:r>
-              <a:rPr lang="en-US" altLang="zh-CN" sz="1400" dirty="0" err="1"/>
-              <a:t>colormap</a:t>
-            </a:r>
-            <a:r>
-              <a:rPr lang="en-US" altLang="zh-CN" sz="1400" dirty="0"/>
-              <a:t>[</a:t>
-            </a:r>
-            <a:r>
-              <a:rPr lang="en-US" altLang="zh-CN" sz="1400" dirty="0" err="1"/>
-              <a:t>y.Targets</a:t>
-            </a:r>
-            <a:r>
-              <a:rPr lang="en-US" altLang="zh-CN" sz="1400" dirty="0"/>
-              <a:t>], s=40)</a:t>
-            </a:r>
-          </a:p>
-          <a:p>
-            <a:r>
-              <a:rPr lang="en-US" altLang="zh-CN" sz="1400" dirty="0" err="1"/>
-              <a:t>plt.title</a:t>
-            </a:r>
-            <a:r>
-              <a:rPr lang="en-US" altLang="zh-CN" sz="1400" dirty="0"/>
-              <a:t>('Petal')</a:t>
-            </a:r>
-          </a:p>
-          <a:p>
-            <a:endParaRPr lang="en-US" altLang="zh-CN" sz="1400" dirty="0"/>
-          </a:p>
-          <a:p>
-            <a:r>
-              <a:rPr lang="en-US" altLang="zh-CN" sz="1400" dirty="0" err="1"/>
-              <a:t>plt.show</a:t>
-            </a:r>
-            <a:r>
-              <a:rPr lang="en-US" altLang="zh-CN" sz="1400" dirty="0"/>
-              <a:t>()</a:t>
-            </a:r>
-            <a:endParaRPr lang="zh-CN" altLang="en-US" sz="1400" dirty="0"/>
-          </a:p>
-        </p:txBody>
-      </p:sp>
-      <p:pic>
-        <p:nvPicPr>
-          <p:cNvPr id="5" name="Picture 2"/>
-          <p:cNvPicPr>
-            <a:picLocks noChangeAspect="1" noChangeArrowheads="1"/>
-          </p:cNvPicPr>
-          <p:nvPr/>
-        </p:nvPicPr>
-        <p:blipFill>
-          <a:blip r:embed="rId2">
-            <a:extLst>
-              <a:ext uri="{28A0092B-C50C-407E-A947-70E740481C1C}">
-                <a14:useLocalDpi xmlns:a14="http://schemas.microsoft.com/office/drawing/2010/main" val="0"/>
-              </a:ext>
-            </a:extLst>
-          </a:blip>
-          <a:srcRect/>
-          <a:stretch>
-            <a:fillRect/>
-          </a:stretch>
-        </p:blipFill>
-        <p:spPr bwMode="auto">
-          <a:xfrm>
-            <a:off x="5308278" y="3284984"/>
-            <a:ext cx="3835722" cy="2508946"/>
-          </a:xfrm>
-          <a:prstGeom prst="rect">
-            <a:avLst/>
-          </a:prstGeom>
-          <a:noFill/>
-          <a:ln>
-            <a:noFill/>
-          </a:ln>
-          <a:effectLst/>
-          <a:extLst>
-            <a:ext uri="{909E8E84-426E-40DD-AFC4-6F175D3DCCD1}">
-              <a14:hiddenFill xmlns:a14="http://schemas.microsoft.com/office/drawing/2010/main">
-                <a:solidFill>
-                  <a:schemeClr val="accent1"/>
-                </a:solidFill>
-              </a14:hiddenFill>
-            </a:ext>
-            <a:ext uri="{91240B29-F687-4F45-9708-019B960494DF}">
-              <a14:hiddenLine xmlns:a14="http://schemas.microsoft.com/office/drawing/2010/main" w="9525">
-                <a:solidFill>
-                  <a:schemeClr val="tx1"/>
-                </a:solidFill>
-                <a:miter lim="800000"/>
-                <a:headEnd/>
-                <a:tailEnd/>
-              </a14:hiddenLine>
-            </a:ext>
-            <a:ext uri="{AF507438-7753-43E0-B8FC-AC1667EBCBE1}">
-              <a14:hiddenEffects xmlns:a14="http://schemas.microsoft.com/office/drawing/2010/main">
-                <a:effectLst>
-                  <a:outerShdw dist="35921" dir="2700000" algn="ctr" rotWithShape="0">
-                    <a:schemeClr val="bg2"/>
-                  </a:outerShdw>
-                </a:effectLst>
-              </a14:hiddenEffects>
-            </a:ext>
-          </a:extLst>
-        </p:spPr>
-      </p:pic>
-    </p:spTree>
-  </p:cSld>
-  <p:clrMapOvr>
-    <a:masterClrMapping/>
-  </p:clrMapOvr>
-</p:sld>
-</file>
-
-<file path=ppt/slides/slide18.xml><?xml version="1.0" encoding="utf-8"?>
-<p:sld xmlns:a="http://schemas.openxmlformats.org/drawingml/2006/main" xmlns:r="http://schemas.openxmlformats.org/officeDocument/2006/relationships" xmlns:p="http://schemas.openxmlformats.org/presentationml/2006/main">
-  <p:cSld>
-    <p:spTree>
-      <p:nvGrpSpPr>
-        <p:cNvPr id="1" name=""/>
-        <p:cNvGrpSpPr/>
-        <p:nvPr/>
-      </p:nvGrpSpPr>
-      <p:grpSpPr>
-        <a:xfrm>
-          <a:off x="0" y="0"/>
-          <a:ext cx="0" cy="0"/>
-          <a:chOff x="0" y="0"/>
-          <a:chExt cx="0" cy="0"/>
-        </a:xfrm>
-      </p:grpSpPr>
-      <p:sp>
-        <p:nvSpPr>
-          <p:cNvPr id="2" name="标题 1"/>
-          <p:cNvSpPr>
-            <a:spLocks noGrp="1"/>
-          </p:cNvSpPr>
-          <p:nvPr>
-            <p:ph type="title"/>
-          </p:nvPr>
-        </p:nvSpPr>
-        <p:spPr/>
-        <p:txBody>
-          <a:bodyPr/>
-          <a:lstStyle/>
-          <a:p>
-            <a:r>
-              <a:rPr lang="en-US" altLang="zh-CN" dirty="0"/>
-              <a:t>K-means </a:t>
-            </a:r>
-            <a:r>
-              <a:rPr lang="zh-CN" altLang="en-US" dirty="0"/>
-              <a:t>算法实例</a:t>
-            </a:r>
-          </a:p>
-        </p:txBody>
-      </p:sp>
-      <p:sp>
-        <p:nvSpPr>
-          <p:cNvPr id="4" name="矩形 3"/>
-          <p:cNvSpPr/>
-          <p:nvPr/>
-        </p:nvSpPr>
-        <p:spPr>
-          <a:xfrm>
-            <a:off x="110599" y="1682883"/>
-            <a:ext cx="4533409" cy="4801314"/>
-          </a:xfrm>
-          <a:prstGeom prst="rect">
-            <a:avLst/>
-          </a:prstGeom>
-        </p:spPr>
-        <p:txBody>
-          <a:bodyPr wrap="square">
-            <a:spAutoFit/>
-          </a:bodyPr>
-          <a:lstStyle/>
-          <a:p>
-            <a:r>
-              <a:rPr lang="en-US" altLang="zh-CN" dirty="0"/>
-              <a:t># </a:t>
-            </a:r>
-            <a:r>
-              <a:rPr lang="zh-CN" altLang="en-US" dirty="0"/>
-              <a:t>创建</a:t>
-            </a:r>
-            <a:r>
-              <a:rPr lang="en-US" altLang="zh-CN" dirty="0"/>
-              <a:t>K Means</a:t>
-            </a:r>
-            <a:r>
-              <a:rPr lang="zh-CN" altLang="en-US" dirty="0"/>
-              <a:t>算法实例</a:t>
-            </a:r>
-            <a:endParaRPr lang="en-US" altLang="zh-CN" dirty="0"/>
-          </a:p>
-          <a:p>
-            <a:r>
-              <a:rPr lang="en-US" altLang="zh-CN" dirty="0"/>
-              <a:t># </a:t>
-            </a:r>
-            <a:r>
-              <a:rPr lang="en-US" altLang="zh-CN" dirty="0" err="1"/>
-              <a:t>n_clusters</a:t>
-            </a:r>
-            <a:r>
-              <a:rPr lang="zh-CN" altLang="en-US" dirty="0"/>
-              <a:t>表示簇的个数，即你想聚成几类</a:t>
-            </a:r>
-          </a:p>
-          <a:p>
-            <a:r>
-              <a:rPr lang="en-US" altLang="zh-CN" dirty="0"/>
-              <a:t>model = </a:t>
-            </a:r>
-            <a:r>
-              <a:rPr lang="en-US" altLang="zh-CN" dirty="0" err="1"/>
-              <a:t>KMeans</a:t>
-            </a:r>
-            <a:r>
-              <a:rPr lang="en-US" altLang="zh-CN" dirty="0"/>
-              <a:t>(</a:t>
-            </a:r>
-            <a:r>
-              <a:rPr lang="en-US" altLang="zh-CN" dirty="0" err="1"/>
-              <a:t>n_clusters</a:t>
-            </a:r>
-            <a:r>
-              <a:rPr lang="en-US" altLang="zh-CN" dirty="0"/>
-              <a:t>=3)</a:t>
-            </a:r>
-          </a:p>
-          <a:p>
-            <a:r>
-              <a:rPr lang="en-US" altLang="zh-CN" dirty="0" err="1"/>
-              <a:t>model.fit</a:t>
-            </a:r>
-            <a:r>
-              <a:rPr lang="en-US" altLang="zh-CN" dirty="0"/>
-              <a:t>(x)</a:t>
-            </a:r>
-          </a:p>
-          <a:p>
-            <a:endParaRPr lang="en-US" altLang="zh-CN" dirty="0"/>
-          </a:p>
-          <a:p>
-            <a:r>
-              <a:rPr lang="en-US" altLang="zh-CN" dirty="0"/>
-              <a:t># </a:t>
-            </a:r>
-            <a:r>
-              <a:rPr lang="zh-CN" altLang="en-US" dirty="0"/>
-              <a:t>设置画板的长宽</a:t>
-            </a:r>
-          </a:p>
-          <a:p>
-            <a:r>
-              <a:rPr lang="en-US" altLang="zh-CN" dirty="0" err="1"/>
-              <a:t>plt.figure</a:t>
-            </a:r>
-            <a:r>
-              <a:rPr lang="en-US" altLang="zh-CN" dirty="0"/>
-              <a:t>(</a:t>
-            </a:r>
-            <a:r>
-              <a:rPr lang="en-US" altLang="zh-CN" dirty="0" err="1"/>
-              <a:t>figsize</a:t>
-            </a:r>
-            <a:r>
-              <a:rPr lang="en-US" altLang="zh-CN" dirty="0"/>
-              <a:t>=(14,7))</a:t>
-            </a:r>
-          </a:p>
-          <a:p>
-            <a:endParaRPr lang="en-US" altLang="zh-CN" dirty="0"/>
-          </a:p>
-          <a:p>
-            <a:r>
-              <a:rPr lang="en-US" altLang="zh-CN" dirty="0"/>
-              <a:t># </a:t>
-            </a:r>
-            <a:r>
-              <a:rPr lang="zh-CN" altLang="en-US" dirty="0"/>
-              <a:t>创建一个颜色集合</a:t>
-            </a:r>
-          </a:p>
-          <a:p>
-            <a:r>
-              <a:rPr lang="en-US" altLang="zh-CN" dirty="0" err="1"/>
-              <a:t>colormap</a:t>
-            </a:r>
-            <a:r>
-              <a:rPr lang="en-US" altLang="zh-CN" dirty="0"/>
-              <a:t> = </a:t>
-            </a:r>
-            <a:r>
-              <a:rPr lang="en-US" altLang="zh-CN" dirty="0" err="1"/>
-              <a:t>np.array</a:t>
-            </a:r>
-            <a:r>
-              <a:rPr lang="en-US" altLang="zh-CN" dirty="0"/>
-              <a:t>(['red', 'lime', 'black'])</a:t>
-            </a:r>
-          </a:p>
-          <a:p>
-            <a:endParaRPr lang="en-US" altLang="zh-CN" dirty="0"/>
-          </a:p>
-          <a:p>
-            <a:r>
-              <a:rPr lang="en-US" altLang="zh-CN" dirty="0"/>
-              <a:t># </a:t>
-            </a:r>
-            <a:r>
-              <a:rPr lang="zh-CN" altLang="en-US" dirty="0"/>
-              <a:t>为花瓣创建一个子图</a:t>
-            </a:r>
-          </a:p>
-          <a:p>
-            <a:r>
-              <a:rPr lang="en-US" altLang="zh-CN" dirty="0" err="1"/>
-              <a:t>plt.subplot</a:t>
-            </a:r>
-            <a:r>
-              <a:rPr lang="en-US" altLang="zh-CN" dirty="0"/>
-              <a:t>(1, 2, 1)</a:t>
-            </a:r>
-          </a:p>
-          <a:p>
-            <a:r>
-              <a:rPr lang="en-US" altLang="zh-CN" dirty="0" err="1"/>
-              <a:t>plt.scatter</a:t>
-            </a:r>
-            <a:r>
-              <a:rPr lang="en-US" altLang="zh-CN" dirty="0"/>
-              <a:t>(</a:t>
-            </a:r>
-            <a:r>
-              <a:rPr lang="en-US" altLang="zh-CN" dirty="0" err="1"/>
-              <a:t>x.Petal_Length</a:t>
-            </a:r>
-            <a:r>
-              <a:rPr lang="en-US" altLang="zh-CN" dirty="0"/>
-              <a:t>, </a:t>
-            </a:r>
-            <a:r>
-              <a:rPr lang="en-US" altLang="zh-CN" dirty="0" err="1"/>
-              <a:t>x.Petal_Width</a:t>
-            </a:r>
-            <a:r>
-              <a:rPr lang="en-US" altLang="zh-CN" dirty="0"/>
-              <a:t>, c=</a:t>
-            </a:r>
-            <a:r>
-              <a:rPr lang="en-US" altLang="zh-CN" dirty="0" err="1"/>
-              <a:t>colormap</a:t>
-            </a:r>
-            <a:r>
-              <a:rPr lang="en-US" altLang="zh-CN" dirty="0"/>
-              <a:t>[</a:t>
-            </a:r>
-            <a:r>
-              <a:rPr lang="en-US" altLang="zh-CN" dirty="0" err="1"/>
-              <a:t>y.Targets</a:t>
-            </a:r>
-            <a:r>
-              <a:rPr lang="en-US" altLang="zh-CN" dirty="0"/>
-              <a:t>], s=40)</a:t>
-            </a:r>
-          </a:p>
-          <a:p>
-            <a:r>
-              <a:rPr lang="en-US" altLang="zh-CN" dirty="0" err="1"/>
-              <a:t>plt.title</a:t>
-            </a:r>
-            <a:r>
-              <a:rPr lang="en-US" altLang="zh-CN" dirty="0"/>
-              <a:t>('Real Classification')</a:t>
-            </a:r>
-          </a:p>
-          <a:p>
-            <a:endParaRPr lang="zh-CN" altLang="en-US" dirty="0"/>
-          </a:p>
-        </p:txBody>
-      </p:sp>
-      <p:sp>
-        <p:nvSpPr>
-          <p:cNvPr id="5" name="矩形 4"/>
-          <p:cNvSpPr/>
-          <p:nvPr/>
-        </p:nvSpPr>
-        <p:spPr>
-          <a:xfrm>
-            <a:off x="5076056" y="1417638"/>
-            <a:ext cx="4176464" cy="2308324"/>
-          </a:xfrm>
-          <a:prstGeom prst="rect">
-            <a:avLst/>
-          </a:prstGeom>
-        </p:spPr>
-        <p:txBody>
-          <a:bodyPr wrap="square">
-            <a:spAutoFit/>
-          </a:bodyPr>
-          <a:lstStyle/>
-          <a:p>
-            <a:endParaRPr lang="en-US" altLang="zh-CN" dirty="0"/>
-          </a:p>
-          <a:p>
-            <a:r>
-              <a:rPr lang="en-US" altLang="zh-CN" dirty="0"/>
-              <a:t># </a:t>
-            </a:r>
-            <a:r>
-              <a:rPr lang="zh-CN" altLang="en-US" dirty="0"/>
-              <a:t>绘制模型分类</a:t>
-            </a:r>
-          </a:p>
-          <a:p>
-            <a:r>
-              <a:rPr lang="en-US" altLang="zh-CN" dirty="0" err="1"/>
-              <a:t>plt.subplot</a:t>
-            </a:r>
-            <a:r>
-              <a:rPr lang="en-US" altLang="zh-CN" dirty="0"/>
-              <a:t>(1, 2, 2)</a:t>
-            </a:r>
-          </a:p>
-          <a:p>
-            <a:r>
-              <a:rPr lang="en-US" altLang="zh-CN" dirty="0" err="1"/>
-              <a:t>plt.scatter</a:t>
-            </a:r>
-            <a:r>
-              <a:rPr lang="en-US" altLang="zh-CN" dirty="0"/>
-              <a:t>(</a:t>
-            </a:r>
-            <a:r>
-              <a:rPr lang="en-US" altLang="zh-CN" dirty="0" err="1"/>
-              <a:t>x.Petal_Length</a:t>
-            </a:r>
-            <a:r>
-              <a:rPr lang="en-US" altLang="zh-CN" dirty="0"/>
-              <a:t>, </a:t>
-            </a:r>
-            <a:r>
-              <a:rPr lang="en-US" altLang="zh-CN" dirty="0" err="1"/>
-              <a:t>x.Petal_Width</a:t>
-            </a:r>
-            <a:r>
-              <a:rPr lang="en-US" altLang="zh-CN" dirty="0"/>
-              <a:t>, c=</a:t>
-            </a:r>
-            <a:r>
-              <a:rPr lang="en-US" altLang="zh-CN" dirty="0" err="1"/>
-              <a:t>colormap</a:t>
-            </a:r>
-            <a:r>
-              <a:rPr lang="en-US" altLang="zh-CN" dirty="0"/>
-              <a:t>[</a:t>
-            </a:r>
-            <a:r>
-              <a:rPr lang="en-US" altLang="zh-CN" dirty="0" err="1"/>
-              <a:t>model.labels</a:t>
-            </a:r>
-            <a:r>
-              <a:rPr lang="en-US" altLang="zh-CN" dirty="0"/>
-              <a:t>_], s=40)</a:t>
-            </a:r>
-          </a:p>
-          <a:p>
-            <a:r>
-              <a:rPr lang="en-US" altLang="zh-CN" dirty="0" err="1"/>
-              <a:t>plt.title</a:t>
-            </a:r>
-            <a:r>
-              <a:rPr lang="en-US" altLang="zh-CN" dirty="0"/>
-              <a:t>('K Mean Classification')</a:t>
-            </a:r>
-          </a:p>
-          <a:p>
-            <a:endParaRPr lang="en-US" altLang="zh-CN" dirty="0"/>
-          </a:p>
-          <a:p>
-            <a:r>
-              <a:rPr lang="en-US" altLang="zh-CN" dirty="0" err="1"/>
-              <a:t>plt.show</a:t>
-            </a:r>
-            <a:r>
-              <a:rPr lang="en-US" altLang="zh-CN" dirty="0"/>
-              <a:t>()</a:t>
-            </a:r>
-            <a:endParaRPr lang="zh-CN" altLang="en-US" dirty="0"/>
-          </a:p>
-        </p:txBody>
-      </p:sp>
-      <p:pic>
-        <p:nvPicPr>
-          <p:cNvPr id="8194" name="Picture 2"/>
-          <p:cNvPicPr>
-            <a:picLocks noChangeAspect="1" noChangeArrowheads="1"/>
-          </p:cNvPicPr>
-          <p:nvPr/>
-        </p:nvPicPr>
-        <p:blipFill>
-          <a:blip r:embed="rId2">
-            <a:extLst>
-              <a:ext uri="{28A0092B-C50C-407E-A947-70E740481C1C}">
-                <a14:useLocalDpi xmlns:a14="http://schemas.microsoft.com/office/drawing/2010/main" val="0"/>
-              </a:ext>
-            </a:extLst>
-          </a:blip>
-          <a:srcRect/>
-          <a:stretch>
-            <a:fillRect/>
-          </a:stretch>
-        </p:blipFill>
-        <p:spPr bwMode="auto">
-          <a:xfrm>
-            <a:off x="4427458" y="3964541"/>
-            <a:ext cx="4709826" cy="2492896"/>
+            <a:off x="3358937" y="4077072"/>
+            <a:ext cx="2078359" cy="2197270"/>
           </a:xfrm>
           <a:prstGeom prst="rect">
             <a:avLst/>
@@ -7097,13 +6619,7 @@
       </p:grpSpPr>
       <p:sp>
         <p:nvSpPr>
-          <p:cNvPr id="2" name="标题 1">
-            <a:extLst>
-              <a:ext uri="{FF2B5EF4-FFF2-40B4-BE49-F238E27FC236}">
-                <a16:creationId xmlns:a16="http://schemas.microsoft.com/office/drawing/2014/main" id="{8FDFAD97-82D8-467B-A3AB-42306E667436}"/>
-              </a:ext>
-            </a:extLst>
-          </p:cNvPr>
+          <p:cNvPr id="2" name="标题 1"/>
           <p:cNvSpPr>
             <a:spLocks noGrp="1"/>
           </p:cNvSpPr>
@@ -7111,27 +6627,330 @@
             <p:ph type="title"/>
           </p:nvPr>
         </p:nvSpPr>
+        <p:spPr/>
+        <p:txBody>
+          <a:bodyPr/>
+          <a:lstStyle/>
+          <a:p>
+            <a:r>
+              <a:rPr lang="en-US" altLang="zh-CN" dirty="0"/>
+              <a:t>K-means </a:t>
+            </a:r>
+            <a:r>
+              <a:rPr lang="zh-CN" altLang="en-US" dirty="0"/>
+              <a:t>算法实例</a:t>
+            </a:r>
+          </a:p>
+        </p:txBody>
+      </p:sp>
+      <p:sp>
+        <p:nvSpPr>
+          <p:cNvPr id="4" name="矩形 3"/>
+          <p:cNvSpPr/>
+          <p:nvPr/>
+        </p:nvSpPr>
         <p:spPr>
           <a:xfrm>
-            <a:off x="395536" y="2636912"/>
-            <a:ext cx="8229600" cy="1143000"/>
+            <a:off x="2051720" y="1124744"/>
+            <a:ext cx="6984776" cy="5355312"/>
           </a:xfrm>
+          <a:prstGeom prst="rect">
+            <a:avLst/>
+          </a:prstGeom>
         </p:spPr>
         <p:txBody>
-          <a:bodyPr/>
+          <a:bodyPr wrap="square">
+            <a:spAutoFit/>
+          </a:bodyPr>
           <a:lstStyle/>
           <a:p>
             <a:r>
+              <a:rPr lang="en-US" altLang="zh-CN" dirty="0"/>
+              <a:t>import </a:t>
+            </a:r>
+            <a:r>
+              <a:rPr lang="en-US" altLang="zh-CN" dirty="0" err="1"/>
+              <a:t>matplotlib.pyplot</a:t>
+            </a:r>
+            <a:r>
+              <a:rPr lang="en-US" altLang="zh-CN" dirty="0"/>
+              <a:t> as </a:t>
+            </a:r>
+            <a:r>
+              <a:rPr lang="en-US" altLang="zh-CN" dirty="0" err="1"/>
+              <a:t>plt</a:t>
+            </a:r>
+            <a:endParaRPr lang="en-US" altLang="zh-CN" dirty="0"/>
+          </a:p>
+          <a:p>
+            <a:r>
+              <a:rPr lang="en-US" altLang="zh-CN" dirty="0"/>
+              <a:t>from </a:t>
+            </a:r>
+            <a:r>
+              <a:rPr lang="en-US" altLang="zh-CN" dirty="0" err="1"/>
+              <a:t>sklearn</a:t>
+            </a:r>
+            <a:r>
+              <a:rPr lang="en-US" altLang="zh-CN" dirty="0"/>
+              <a:t> import datasets</a:t>
+            </a:r>
+          </a:p>
+          <a:p>
+            <a:r>
+              <a:rPr lang="en-US" altLang="zh-CN" dirty="0"/>
+              <a:t>from </a:t>
+            </a:r>
+            <a:r>
+              <a:rPr lang="en-US" altLang="zh-CN" dirty="0" err="1"/>
+              <a:t>sklearn.cluster</a:t>
+            </a:r>
+            <a:r>
+              <a:rPr lang="en-US" altLang="zh-CN" dirty="0"/>
+              <a:t> import </a:t>
+            </a:r>
+            <a:r>
+              <a:rPr lang="en-US" altLang="zh-CN" dirty="0" err="1"/>
+              <a:t>KMeans</a:t>
+            </a:r>
+            <a:endParaRPr lang="en-US" altLang="zh-CN" dirty="0"/>
+          </a:p>
+          <a:p>
+            <a:r>
+              <a:rPr lang="en-US" altLang="zh-CN" dirty="0"/>
+              <a:t>import </a:t>
+            </a:r>
+            <a:r>
+              <a:rPr lang="en-US" altLang="zh-CN" dirty="0" err="1"/>
+              <a:t>sklearn.metrics</a:t>
+            </a:r>
+            <a:r>
+              <a:rPr lang="en-US" altLang="zh-CN" dirty="0"/>
+              <a:t> as </a:t>
+            </a:r>
+            <a:r>
+              <a:rPr lang="en-US" altLang="zh-CN" dirty="0" err="1"/>
+              <a:t>sm</a:t>
+            </a:r>
+            <a:endParaRPr lang="en-US" altLang="zh-CN" dirty="0"/>
+          </a:p>
+          <a:p>
+            <a:r>
+              <a:rPr lang="en-US" altLang="zh-CN" dirty="0"/>
+              <a:t>import pandas as pd</a:t>
+            </a:r>
+          </a:p>
+          <a:p>
+            <a:r>
+              <a:rPr lang="en-US" altLang="zh-CN" dirty="0"/>
+              <a:t>import </a:t>
+            </a:r>
+            <a:r>
+              <a:rPr lang="en-US" altLang="zh-CN" dirty="0" err="1"/>
+              <a:t>numpy</a:t>
+            </a:r>
+            <a:r>
+              <a:rPr lang="en-US" altLang="zh-CN" dirty="0"/>
+              <a:t> as np</a:t>
+            </a:r>
+          </a:p>
+          <a:p>
+            <a:endParaRPr lang="en-US" altLang="zh-CN" dirty="0"/>
+          </a:p>
+          <a:p>
+            <a:r>
+              <a:rPr lang="en-US" altLang="zh-CN" dirty="0"/>
+              <a:t>iris = </a:t>
+            </a:r>
+            <a:r>
+              <a:rPr lang="en-US" altLang="zh-CN" dirty="0" err="1"/>
+              <a:t>datasets.load_iris</a:t>
+            </a:r>
+            <a:r>
+              <a:rPr lang="en-US" altLang="zh-CN" dirty="0"/>
+              <a:t>()</a:t>
+            </a:r>
+          </a:p>
+          <a:p>
+            <a:r>
+              <a:rPr lang="en-US" altLang="zh-CN" dirty="0"/>
+              <a:t>x = </a:t>
+            </a:r>
+            <a:r>
+              <a:rPr lang="en-US" altLang="zh-CN" dirty="0" err="1"/>
+              <a:t>pd.DataFrame</a:t>
+            </a:r>
+            <a:r>
+              <a:rPr lang="en-US" altLang="zh-CN" dirty="0"/>
+              <a:t>(</a:t>
+            </a:r>
+            <a:r>
+              <a:rPr lang="en-US" altLang="zh-CN" dirty="0" err="1"/>
+              <a:t>iris.data</a:t>
+            </a:r>
+            <a:r>
+              <a:rPr lang="en-US" altLang="zh-CN" dirty="0"/>
+              <a:t>)</a:t>
+            </a:r>
+          </a:p>
+          <a:p>
+            <a:r>
+              <a:rPr lang="en-US" altLang="zh-CN" dirty="0" err="1"/>
+              <a:t>x.columns</a:t>
+            </a:r>
+            <a:r>
+              <a:rPr lang="en-US" altLang="zh-CN" dirty="0"/>
+              <a:t> = ['</a:t>
+            </a:r>
+            <a:r>
+              <a:rPr lang="en-US" altLang="zh-CN" dirty="0" err="1"/>
+              <a:t>Sepal_Length</a:t>
+            </a:r>
+            <a:r>
+              <a:rPr lang="en-US" altLang="zh-CN" dirty="0"/>
+              <a:t>', '</a:t>
+            </a:r>
+            <a:r>
+              <a:rPr lang="en-US" altLang="zh-CN" dirty="0" err="1"/>
+              <a:t>Sepal_Width</a:t>
+            </a:r>
+            <a:r>
+              <a:rPr lang="en-US" altLang="zh-CN" dirty="0"/>
+              <a:t>', '</a:t>
+            </a:r>
+            <a:r>
+              <a:rPr lang="en-US" altLang="zh-CN" dirty="0" err="1"/>
+              <a:t>Petal_Length</a:t>
+            </a:r>
+            <a:r>
+              <a:rPr lang="en-US" altLang="zh-CN" dirty="0"/>
+              <a:t>', '</a:t>
+            </a:r>
+            <a:r>
+              <a:rPr lang="en-US" altLang="zh-CN" dirty="0" err="1"/>
+              <a:t>Petal_Width</a:t>
+            </a:r>
+            <a:r>
+              <a:rPr lang="en-US" altLang="zh-CN" dirty="0"/>
+              <a:t>']</a:t>
+            </a:r>
+          </a:p>
+          <a:p>
+            <a:r>
+              <a:rPr lang="en-US" altLang="zh-CN" dirty="0"/>
+              <a:t>y = </a:t>
+            </a:r>
+            <a:r>
+              <a:rPr lang="en-US" altLang="zh-CN" dirty="0" err="1"/>
+              <a:t>pd.DataFrame</a:t>
+            </a:r>
+            <a:r>
+              <a:rPr lang="en-US" altLang="zh-CN" dirty="0"/>
+              <a:t>(</a:t>
+            </a:r>
+            <a:r>
+              <a:rPr lang="en-US" altLang="zh-CN" dirty="0" err="1"/>
+              <a:t>iris.target</a:t>
+            </a:r>
+            <a:r>
+              <a:rPr lang="en-US" altLang="zh-CN" dirty="0"/>
+              <a:t>)</a:t>
+            </a:r>
+          </a:p>
+          <a:p>
+            <a:r>
+              <a:rPr lang="en-US" altLang="zh-CN" dirty="0" err="1"/>
+              <a:t>y.columns</a:t>
+            </a:r>
+            <a:r>
+              <a:rPr lang="en-US" altLang="zh-CN" dirty="0"/>
+              <a:t> = ['Targets’]</a:t>
+            </a:r>
+          </a:p>
+          <a:p>
+            <a:endParaRPr lang="en-US" altLang="zh-CN" dirty="0"/>
+          </a:p>
+          <a:p>
+            <a:r>
+              <a:rPr lang="en-US" altLang="zh-CN" dirty="0"/>
+              <a:t># </a:t>
+            </a:r>
+            <a:r>
               <a:rPr lang="zh-CN" altLang="en-US" dirty="0"/>
-              <a:t>谢谢！</a:t>
-            </a:r>
+              <a:t>创建</a:t>
+            </a:r>
+            <a:r>
+              <a:rPr lang="en-US" altLang="zh-CN" dirty="0"/>
+              <a:t>K Means</a:t>
+            </a:r>
+            <a:r>
+              <a:rPr lang="zh-CN" altLang="en-US" dirty="0"/>
+              <a:t>算法实例，</a:t>
+            </a:r>
+            <a:r>
+              <a:rPr lang="en-US" altLang="zh-CN" dirty="0" err="1"/>
+              <a:t>n_clusters</a:t>
+            </a:r>
+            <a:r>
+              <a:rPr lang="zh-CN" altLang="en-US" dirty="0"/>
+              <a:t>表示你想聚成几类</a:t>
+            </a:r>
+          </a:p>
+          <a:p>
+            <a:r>
+              <a:rPr lang="en-US" altLang="zh-CN" dirty="0"/>
+              <a:t>model = </a:t>
+            </a:r>
+            <a:r>
+              <a:rPr lang="en-US" altLang="zh-CN" dirty="0" err="1"/>
+              <a:t>KMeans</a:t>
+            </a:r>
+            <a:r>
+              <a:rPr lang="en-US" altLang="zh-CN" dirty="0"/>
+              <a:t>(</a:t>
+            </a:r>
+            <a:r>
+              <a:rPr lang="en-US" altLang="zh-CN" dirty="0" err="1"/>
+              <a:t>n_clusters</a:t>
+            </a:r>
+            <a:r>
+              <a:rPr lang="en-US" altLang="zh-CN" dirty="0"/>
+              <a:t>=3)</a:t>
+            </a:r>
+          </a:p>
+          <a:p>
+            <a:r>
+              <a:rPr lang="en-US" altLang="zh-CN" dirty="0"/>
+              <a:t>#</a:t>
+            </a:r>
+            <a:r>
+              <a:rPr lang="zh-CN" altLang="en-US" dirty="0"/>
+              <a:t>导入数据进行计算</a:t>
+            </a:r>
+            <a:endParaRPr lang="en-US" altLang="zh-CN" dirty="0"/>
+          </a:p>
+          <a:p>
+            <a:r>
+              <a:rPr lang="en-US" altLang="zh-CN" dirty="0" err="1"/>
+              <a:t>model.fit</a:t>
+            </a:r>
+            <a:r>
+              <a:rPr lang="en-US" altLang="zh-CN" dirty="0"/>
+              <a:t>(x)</a:t>
+            </a:r>
+          </a:p>
+          <a:p>
+            <a:endParaRPr lang="en-US" altLang="zh-CN" dirty="0"/>
+          </a:p>
+          <a:p>
+            <a:endParaRPr lang="en-US" altLang="zh-CN" dirty="0"/>
           </a:p>
         </p:txBody>
       </p:sp>
     </p:spTree>
     <p:extLst>
       <p:ext uri="{BB962C8B-B14F-4D97-AF65-F5344CB8AC3E}">
-        <p14:creationId xmlns:p14="http://schemas.microsoft.com/office/powerpoint/2010/main" val="812597256"/>
+        <p14:creationId xmlns:p14="http://schemas.microsoft.com/office/powerpoint/2010/main" val="1423437655"/>
       </p:ext>
     </p:extLst>
   </p:cSld>
@@ -7286,6 +7105,421 @@
     <p:extLst>
       <p:ext uri="{BB962C8B-B14F-4D97-AF65-F5344CB8AC3E}">
         <p14:creationId xmlns:p14="http://schemas.microsoft.com/office/powerpoint/2010/main" val="3517811791"/>
+      </p:ext>
+    </p:extLst>
+  </p:cSld>
+  <p:clrMapOvr>
+    <a:masterClrMapping/>
+  </p:clrMapOvr>
+</p:sld>
+</file>
+
+<file path=ppt/slides/slide20.xml><?xml version="1.0" encoding="utf-8"?>
+<p:sld xmlns:a="http://schemas.openxmlformats.org/drawingml/2006/main" xmlns:r="http://schemas.openxmlformats.org/officeDocument/2006/relationships" xmlns:p="http://schemas.openxmlformats.org/presentationml/2006/main">
+  <p:cSld>
+    <p:spTree>
+      <p:nvGrpSpPr>
+        <p:cNvPr id="1" name=""/>
+        <p:cNvGrpSpPr/>
+        <p:nvPr/>
+      </p:nvGrpSpPr>
+      <p:grpSpPr>
+        <a:xfrm>
+          <a:off x="0" y="0"/>
+          <a:ext cx="0" cy="0"/>
+          <a:chOff x="0" y="0"/>
+          <a:chExt cx="0" cy="0"/>
+        </a:xfrm>
+      </p:grpSpPr>
+      <p:sp>
+        <p:nvSpPr>
+          <p:cNvPr id="2" name="标题 1"/>
+          <p:cNvSpPr>
+            <a:spLocks noGrp="1"/>
+          </p:cNvSpPr>
+          <p:nvPr>
+            <p:ph type="title"/>
+          </p:nvPr>
+        </p:nvSpPr>
+        <p:spPr>
+          <a:xfrm>
+            <a:off x="457200" y="116632"/>
+            <a:ext cx="8229600" cy="1143000"/>
+          </a:xfrm>
+        </p:spPr>
+        <p:txBody>
+          <a:bodyPr/>
+          <a:lstStyle/>
+          <a:p>
+            <a:r>
+              <a:rPr lang="en-US" altLang="zh-CN" dirty="0"/>
+              <a:t>K-means </a:t>
+            </a:r>
+            <a:r>
+              <a:rPr lang="zh-CN" altLang="en-US" dirty="0"/>
+              <a:t>算法实例</a:t>
+            </a:r>
+          </a:p>
+        </p:txBody>
+      </p:sp>
+      <p:sp>
+        <p:nvSpPr>
+          <p:cNvPr id="3" name="矩形 2">
+            <a:extLst>
+              <a:ext uri="{FF2B5EF4-FFF2-40B4-BE49-F238E27FC236}">
+                <a16:creationId xmlns:a16="http://schemas.microsoft.com/office/drawing/2014/main" id="{DAE67874-833B-4426-8B3C-294DF650BAED}"/>
+              </a:ext>
+            </a:extLst>
+          </p:cNvPr>
+          <p:cNvSpPr/>
+          <p:nvPr/>
+        </p:nvSpPr>
+        <p:spPr>
+          <a:xfrm>
+            <a:off x="1547664" y="908720"/>
+            <a:ext cx="7416824" cy="4801314"/>
+          </a:xfrm>
+          <a:prstGeom prst="rect">
+            <a:avLst/>
+          </a:prstGeom>
+        </p:spPr>
+        <p:txBody>
+          <a:bodyPr wrap="square">
+            <a:spAutoFit/>
+          </a:bodyPr>
+          <a:lstStyle/>
+          <a:p>
+            <a:r>
+              <a:rPr lang="en-US" altLang="zh-CN" dirty="0" err="1"/>
+              <a:t>plt.figure</a:t>
+            </a:r>
+            <a:r>
+              <a:rPr lang="en-US" altLang="zh-CN" dirty="0"/>
+              <a:t>(</a:t>
+            </a:r>
+            <a:r>
+              <a:rPr lang="en-US" altLang="zh-CN" dirty="0" err="1"/>
+              <a:t>figsize</a:t>
+            </a:r>
+            <a:r>
+              <a:rPr lang="en-US" altLang="zh-CN" dirty="0"/>
+              <a:t>=(14,7))</a:t>
+            </a:r>
+          </a:p>
+          <a:p>
+            <a:r>
+              <a:rPr lang="en-US" altLang="zh-CN" dirty="0"/>
+              <a:t>colormap1 = </a:t>
+            </a:r>
+            <a:r>
+              <a:rPr lang="en-US" altLang="zh-CN" dirty="0" err="1"/>
+              <a:t>np.array</a:t>
+            </a:r>
+            <a:r>
+              <a:rPr lang="en-US" altLang="zh-CN" dirty="0"/>
+              <a:t>(['pink', 'pink', 'pink'])</a:t>
+            </a:r>
+          </a:p>
+          <a:p>
+            <a:r>
+              <a:rPr lang="en-US" altLang="zh-CN" dirty="0"/>
+              <a:t>colormap2 = </a:t>
+            </a:r>
+            <a:r>
+              <a:rPr lang="en-US" altLang="zh-CN" dirty="0" err="1"/>
+              <a:t>np.array</a:t>
+            </a:r>
+            <a:r>
+              <a:rPr lang="en-US" altLang="zh-CN" dirty="0"/>
+              <a:t>(['red', 'pink', '</a:t>
+            </a:r>
+            <a:r>
+              <a:rPr lang="en-US" altLang="zh-CN" dirty="0" err="1"/>
+              <a:t>gainsboro</a:t>
+            </a:r>
+            <a:r>
+              <a:rPr lang="en-US" altLang="zh-CN" dirty="0"/>
+              <a:t>'])</a:t>
+            </a:r>
+          </a:p>
+          <a:p>
+            <a:r>
+              <a:rPr lang="en-US" altLang="zh-CN" dirty="0"/>
+              <a:t># </a:t>
+            </a:r>
+            <a:r>
+              <a:rPr lang="zh-CN" altLang="en-US" dirty="0"/>
+              <a:t>为花瓣创建一个子图</a:t>
+            </a:r>
+          </a:p>
+          <a:p>
+            <a:r>
+              <a:rPr lang="en-US" altLang="zh-CN" dirty="0" err="1"/>
+              <a:t>plt.subplot</a:t>
+            </a:r>
+            <a:r>
+              <a:rPr lang="en-US" altLang="zh-CN" dirty="0"/>
+              <a:t>(1, 2, 1)</a:t>
+            </a:r>
+          </a:p>
+          <a:p>
+            <a:r>
+              <a:rPr lang="en-US" altLang="zh-CN" dirty="0" err="1"/>
+              <a:t>plt.scatter</a:t>
+            </a:r>
+            <a:r>
+              <a:rPr lang="en-US" altLang="zh-CN" dirty="0"/>
+              <a:t>(</a:t>
+            </a:r>
+            <a:r>
+              <a:rPr lang="en-US" altLang="zh-CN" dirty="0" err="1"/>
+              <a:t>x.Petal_Length</a:t>
+            </a:r>
+            <a:r>
+              <a:rPr lang="en-US" altLang="zh-CN" dirty="0"/>
+              <a:t>, </a:t>
+            </a:r>
+            <a:r>
+              <a:rPr lang="en-US" altLang="zh-CN" dirty="0" err="1"/>
+              <a:t>x.Petal_Width</a:t>
+            </a:r>
+            <a:r>
+              <a:rPr lang="en-US" altLang="zh-CN" dirty="0"/>
+              <a:t>, c=colormap1[</a:t>
+            </a:r>
+            <a:r>
+              <a:rPr lang="en-US" altLang="zh-CN" dirty="0" err="1"/>
+              <a:t>y.Targets</a:t>
+            </a:r>
+            <a:r>
+              <a:rPr lang="en-US" altLang="zh-CN" dirty="0"/>
+              <a:t>], s=40)</a:t>
+            </a:r>
+          </a:p>
+          <a:p>
+            <a:r>
+              <a:rPr lang="en-US" altLang="zh-CN" dirty="0" err="1"/>
+              <a:t>plt.xlabel</a:t>
+            </a:r>
+            <a:r>
+              <a:rPr lang="en-US" altLang="zh-CN" dirty="0"/>
+              <a:t>(</a:t>
+            </a:r>
+            <a:r>
+              <a:rPr lang="en-US" altLang="zh-CN" dirty="0" err="1"/>
+              <a:t>u'Petal_Length</a:t>
+            </a:r>
+            <a:r>
+              <a:rPr lang="en-US" altLang="zh-CN" dirty="0"/>
+              <a:t>')</a:t>
+            </a:r>
+          </a:p>
+          <a:p>
+            <a:r>
+              <a:rPr lang="en-US" altLang="zh-CN" dirty="0" err="1"/>
+              <a:t>plt.ylabel</a:t>
+            </a:r>
+            <a:r>
+              <a:rPr lang="en-US" altLang="zh-CN" dirty="0"/>
+              <a:t>(</a:t>
+            </a:r>
+            <a:r>
+              <a:rPr lang="en-US" altLang="zh-CN" dirty="0" err="1"/>
+              <a:t>u'Petal_Width</a:t>
+            </a:r>
+            <a:r>
+              <a:rPr lang="en-US" altLang="zh-CN" dirty="0"/>
+              <a:t>')</a:t>
+            </a:r>
+          </a:p>
+          <a:p>
+            <a:r>
+              <a:rPr lang="en-US" altLang="zh-CN" dirty="0" err="1"/>
+              <a:t>plt.title</a:t>
+            </a:r>
+            <a:r>
+              <a:rPr lang="en-US" altLang="zh-CN" dirty="0"/>
+              <a:t>('Real Classification')</a:t>
+            </a:r>
+          </a:p>
+          <a:p>
+            <a:r>
+              <a:rPr lang="en-US" altLang="zh-CN" dirty="0"/>
+              <a:t># </a:t>
+            </a:r>
+            <a:r>
+              <a:rPr lang="zh-CN" altLang="en-US" dirty="0"/>
+              <a:t>绘制模型分类</a:t>
+            </a:r>
+          </a:p>
+          <a:p>
+            <a:r>
+              <a:rPr lang="en-US" altLang="zh-CN" dirty="0" err="1"/>
+              <a:t>plt.subplot</a:t>
+            </a:r>
+            <a:r>
+              <a:rPr lang="en-US" altLang="zh-CN" dirty="0"/>
+              <a:t>(1, 2, 2)</a:t>
+            </a:r>
+          </a:p>
+          <a:p>
+            <a:r>
+              <a:rPr lang="en-US" altLang="zh-CN" dirty="0" err="1"/>
+              <a:t>plt.scatter</a:t>
+            </a:r>
+            <a:r>
+              <a:rPr lang="en-US" altLang="zh-CN" dirty="0"/>
+              <a:t>(</a:t>
+            </a:r>
+            <a:r>
+              <a:rPr lang="en-US" altLang="zh-CN" dirty="0" err="1"/>
+              <a:t>x.Petal_Length</a:t>
+            </a:r>
+            <a:r>
+              <a:rPr lang="en-US" altLang="zh-CN" dirty="0"/>
+              <a:t>, </a:t>
+            </a:r>
+            <a:r>
+              <a:rPr lang="en-US" altLang="zh-CN" dirty="0" err="1"/>
+              <a:t>x.Petal_Width</a:t>
+            </a:r>
+            <a:r>
+              <a:rPr lang="en-US" altLang="zh-CN" dirty="0"/>
+              <a:t>, c=colormap2[</a:t>
+            </a:r>
+            <a:r>
+              <a:rPr lang="en-US" altLang="zh-CN" dirty="0" err="1"/>
+              <a:t>model.labels</a:t>
+            </a:r>
+            <a:r>
+              <a:rPr lang="en-US" altLang="zh-CN" dirty="0"/>
+              <a:t>_], s=40)</a:t>
+            </a:r>
+          </a:p>
+          <a:p>
+            <a:r>
+              <a:rPr lang="en-US" altLang="zh-CN" dirty="0" err="1"/>
+              <a:t>plt.xlabel</a:t>
+            </a:r>
+            <a:r>
+              <a:rPr lang="en-US" altLang="zh-CN" dirty="0"/>
+              <a:t>(</a:t>
+            </a:r>
+            <a:r>
+              <a:rPr lang="en-US" altLang="zh-CN" dirty="0" err="1"/>
+              <a:t>u'Petal_Length</a:t>
+            </a:r>
+            <a:r>
+              <a:rPr lang="en-US" altLang="zh-CN" dirty="0"/>
+              <a:t>')</a:t>
+            </a:r>
+          </a:p>
+          <a:p>
+            <a:r>
+              <a:rPr lang="en-US" altLang="zh-CN" dirty="0" err="1"/>
+              <a:t>plt.ylabel</a:t>
+            </a:r>
+            <a:r>
+              <a:rPr lang="en-US" altLang="zh-CN" dirty="0"/>
+              <a:t>(</a:t>
+            </a:r>
+            <a:r>
+              <a:rPr lang="en-US" altLang="zh-CN" dirty="0" err="1"/>
+              <a:t>u'Petal_Width</a:t>
+            </a:r>
+            <a:r>
+              <a:rPr lang="en-US" altLang="zh-CN" dirty="0"/>
+              <a:t>')</a:t>
+            </a:r>
+          </a:p>
+          <a:p>
+            <a:r>
+              <a:rPr lang="en-US" altLang="zh-CN" dirty="0" err="1"/>
+              <a:t>plt.title</a:t>
+            </a:r>
+            <a:r>
+              <a:rPr lang="en-US" altLang="zh-CN" dirty="0"/>
+              <a:t>('K Mean Classification')</a:t>
+            </a:r>
+          </a:p>
+          <a:p>
+            <a:r>
+              <a:rPr lang="en-US" altLang="zh-CN" dirty="0" err="1"/>
+              <a:t>plt.show</a:t>
+            </a:r>
+            <a:r>
+              <a:rPr lang="en-US" altLang="zh-CN" dirty="0"/>
+              <a:t>()</a:t>
+            </a:r>
+            <a:endParaRPr lang="zh-CN" altLang="en-US" dirty="0"/>
+          </a:p>
+          <a:p>
+            <a:endParaRPr lang="en-US" altLang="zh-CN" dirty="0"/>
+          </a:p>
+        </p:txBody>
+      </p:sp>
+    </p:spTree>
+  </p:cSld>
+  <p:clrMapOvr>
+    <a:masterClrMapping/>
+  </p:clrMapOvr>
+</p:sld>
+</file>
+
+<file path=ppt/slides/slide21.xml><?xml version="1.0" encoding="utf-8"?>
+<p:sld xmlns:a="http://schemas.openxmlformats.org/drawingml/2006/main" xmlns:r="http://schemas.openxmlformats.org/officeDocument/2006/relationships" xmlns:p="http://schemas.openxmlformats.org/presentationml/2006/main">
+  <p:cSld>
+    <p:spTree>
+      <p:nvGrpSpPr>
+        <p:cNvPr id="1" name=""/>
+        <p:cNvGrpSpPr/>
+        <p:nvPr/>
+      </p:nvGrpSpPr>
+      <p:grpSpPr>
+        <a:xfrm>
+          <a:off x="0" y="0"/>
+          <a:ext cx="0" cy="0"/>
+          <a:chOff x="0" y="0"/>
+          <a:chExt cx="0" cy="0"/>
+        </a:xfrm>
+      </p:grpSpPr>
+      <p:sp>
+        <p:nvSpPr>
+          <p:cNvPr id="2" name="标题 1">
+            <a:extLst>
+              <a:ext uri="{FF2B5EF4-FFF2-40B4-BE49-F238E27FC236}">
+                <a16:creationId xmlns:a16="http://schemas.microsoft.com/office/drawing/2014/main" id="{8FDFAD97-82D8-467B-A3AB-42306E667436}"/>
+              </a:ext>
+            </a:extLst>
+          </p:cNvPr>
+          <p:cNvSpPr>
+            <a:spLocks noGrp="1"/>
+          </p:cNvSpPr>
+          <p:nvPr>
+            <p:ph type="title"/>
+          </p:nvPr>
+        </p:nvSpPr>
+        <p:spPr>
+          <a:xfrm>
+            <a:off x="395536" y="2636912"/>
+            <a:ext cx="8229600" cy="1143000"/>
+          </a:xfrm>
+        </p:spPr>
+        <p:txBody>
+          <a:bodyPr/>
+          <a:lstStyle/>
+          <a:p>
+            <a:r>
+              <a:rPr lang="zh-CN" altLang="en-US" dirty="0"/>
+              <a:t>谢谢！</a:t>
+            </a:r>
+          </a:p>
+        </p:txBody>
+      </p:sp>
+    </p:spTree>
+    <p:extLst>
+      <p:ext uri="{BB962C8B-B14F-4D97-AF65-F5344CB8AC3E}">
+        <p14:creationId xmlns:p14="http://schemas.microsoft.com/office/powerpoint/2010/main" val="812597256"/>
       </p:ext>
     </p:extLst>
   </p:cSld>
@@ -8385,7 +8619,7 @@
               <a:rPr lang="zh-CN" altLang="en-US" dirty="0">
                 <a:ea typeface="微软雅黑" panose="020B0503020204020204" pitchFamily="34" charset="-122"/>
               </a:rPr>
-              <a:t>根据花骨朵周围邻居的颜色来对其进行投票分类，但是投票又分为两种方式</a:t>
+              <a:t>根据花骨朵周围邻居的颜色来对其进行投票分类，而投票分为两种方式</a:t>
             </a:r>
           </a:p>
         </p:txBody>
@@ -8500,7 +8734,7 @@
         <p:spPr>
           <a:xfrm>
             <a:off x="1115616" y="1052736"/>
-            <a:ext cx="7200800" cy="3693319"/>
+            <a:ext cx="7920880" cy="5078313"/>
           </a:xfrm>
           <a:prstGeom prst="rect">
             <a:avLst/>
@@ -8608,6 +8842,76 @@
               <a:t>ListedColormap</a:t>
             </a:r>
             <a:endParaRPr lang="en-US" altLang="zh-CN" dirty="0"/>
+          </a:p>
+          <a:p>
+            <a:pPr lvl="0" eaLnBrk="0" fontAlgn="base" hangingPunct="0">
+              <a:spcBef>
+                <a:spcPct val="0"/>
+              </a:spcBef>
+              <a:spcAft>
+                <a:spcPct val="0"/>
+              </a:spcAft>
+            </a:pPr>
+            <a:r>
+              <a:rPr lang="en-US" altLang="zh-CN" dirty="0"/>
+              <a:t># </a:t>
+            </a:r>
+            <a:r>
+              <a:rPr lang="zh-CN" altLang="en-US" dirty="0"/>
+              <a:t>创建颜色集</a:t>
+            </a:r>
+          </a:p>
+          <a:p>
+            <a:pPr lvl="0" eaLnBrk="0" fontAlgn="base" hangingPunct="0">
+              <a:spcBef>
+                <a:spcPct val="0"/>
+              </a:spcBef>
+              <a:spcAft>
+                <a:spcPct val="0"/>
+              </a:spcAft>
+            </a:pPr>
+            <a:r>
+              <a:rPr lang="en-US" altLang="zh-CN" dirty="0" err="1"/>
+              <a:t>cmap_light</a:t>
+            </a:r>
+            <a:r>
+              <a:rPr lang="en-US" altLang="zh-CN" dirty="0"/>
+              <a:t> = </a:t>
+            </a:r>
+            <a:r>
+              <a:rPr lang="en-US" altLang="zh-CN" dirty="0" err="1"/>
+              <a:t>ListedColormap</a:t>
+            </a:r>
+            <a:r>
+              <a:rPr lang="en-US" altLang="zh-CN" dirty="0"/>
+              <a:t>(['#FFAAAA', '#AAFFAA', '#AAAAFF'])</a:t>
+            </a:r>
+          </a:p>
+          <a:p>
+            <a:pPr lvl="0" eaLnBrk="0" fontAlgn="base" hangingPunct="0">
+              <a:spcBef>
+                <a:spcPct val="0"/>
+              </a:spcBef>
+              <a:spcAft>
+                <a:spcPct val="0"/>
+              </a:spcAft>
+            </a:pPr>
+            <a:r>
+              <a:rPr lang="en-US" altLang="zh-CN" dirty="0" err="1"/>
+              <a:t>cmap_bold</a:t>
+            </a:r>
+            <a:r>
+              <a:rPr lang="en-US" altLang="zh-CN" dirty="0"/>
+              <a:t> = </a:t>
+            </a:r>
+            <a:r>
+              <a:rPr lang="en-US" altLang="zh-CN" dirty="0" err="1"/>
+              <a:t>ListedColormap</a:t>
+            </a:r>
+            <a:r>
+              <a:rPr lang="en-US" altLang="zh-CN" dirty="0"/>
+              <a:t>(['#FF0000', '#00FF00', '#0000FF'])</a:t>
+            </a:r>
           </a:p>
           <a:p>
             <a:pPr lvl="0" eaLnBrk="0" fontAlgn="base" hangingPunct="0">
@@ -8635,7 +8939,7 @@
             </a:r>
             <a:r>
               <a:rPr lang="zh-CN" altLang="en-US" dirty="0"/>
-              <a:t>创建颜色集</a:t>
+              <a:t>导入数据进行处理</a:t>
             </a:r>
           </a:p>
           <a:p>
@@ -8648,20 +8952,16 @@
               </a:spcAft>
             </a:pPr>
             <a:r>
-              <a:rPr lang="en-US" altLang="zh-CN" dirty="0" err="1"/>
-              <a:t>cmap_light</a:t>
-            </a:r>
-            <a:r>
-              <a:rPr lang="en-US" altLang="zh-CN" dirty="0"/>
-              <a:t> = </a:t>
-            </a:r>
-            <a:r>
-              <a:rPr lang="en-US" altLang="zh-CN" dirty="0" err="1"/>
-              <a:t>ListedColormap</a:t>
-            </a:r>
-            <a:r>
-              <a:rPr lang="en-US" altLang="zh-CN" dirty="0"/>
-              <a:t>(['#FFAAAA', '#AAFFAA', '#AAAAFF'])</a:t>
+              <a:rPr lang="en-US" altLang="zh-CN" dirty="0"/>
+              <a:t>iris = </a:t>
+            </a:r>
+            <a:r>
+              <a:rPr lang="en-US" altLang="zh-CN" dirty="0" err="1"/>
+              <a:t>datasets.load_iris</a:t>
+            </a:r>
+            <a:r>
+              <a:rPr lang="en-US" altLang="zh-CN" dirty="0"/>
+              <a:t>()</a:t>
             </a:r>
           </a:p>
           <a:p>
@@ -8674,8 +8974,119 @@
               </a:spcAft>
             </a:pPr>
             <a:r>
-              <a:rPr lang="en-US" altLang="zh-CN" dirty="0" err="1"/>
-              <a:t>cmap_bold</a:t>
+              <a:rPr lang="en-US" altLang="zh-CN" dirty="0"/>
+              <a:t>X = </a:t>
+            </a:r>
+            <a:r>
+              <a:rPr lang="en-US" altLang="zh-CN" dirty="0" err="1"/>
+              <a:t>iris.data</a:t>
+            </a:r>
+            <a:r>
+              <a:rPr lang="en-US" altLang="zh-CN" dirty="0"/>
+              <a:t>[:, :2]</a:t>
+            </a:r>
+          </a:p>
+          <a:p>
+            <a:pPr lvl="0" eaLnBrk="0" fontAlgn="base" hangingPunct="0">
+              <a:spcBef>
+                <a:spcPct val="0"/>
+              </a:spcBef>
+              <a:spcAft>
+                <a:spcPct val="0"/>
+              </a:spcAft>
+            </a:pPr>
+            <a:r>
+              <a:rPr lang="en-US" altLang="zh-CN" dirty="0"/>
+              <a:t>y = </a:t>
+            </a:r>
+            <a:r>
+              <a:rPr lang="en-US" altLang="zh-CN" dirty="0" err="1"/>
+              <a:t>iris.target</a:t>
+            </a:r>
+            <a:endParaRPr lang="en-US" altLang="zh-CN" dirty="0"/>
+          </a:p>
+          <a:p>
+            <a:pPr lvl="0" eaLnBrk="0" fontAlgn="base" hangingPunct="0">
+              <a:spcBef>
+                <a:spcPct val="0"/>
+              </a:spcBef>
+              <a:spcAft>
+                <a:spcPct val="0"/>
+              </a:spcAft>
+            </a:pPr>
+            <a:r>
+              <a:rPr lang="en-US" altLang="zh-CN" dirty="0" err="1"/>
+              <a:t>x_min</a:t>
+            </a:r>
+            <a:r>
+              <a:rPr lang="en-US" altLang="zh-CN" dirty="0"/>
+              <a:t>, </a:t>
+            </a:r>
+            <a:r>
+              <a:rPr lang="en-US" altLang="zh-CN" dirty="0" err="1"/>
+              <a:t>x_max</a:t>
+            </a:r>
+            <a:r>
+              <a:rPr lang="en-US" altLang="zh-CN" dirty="0"/>
+              <a:t> = X[:, 0].min() - 1, X[:, 0].max() + 1</a:t>
+            </a:r>
+          </a:p>
+          <a:p>
+            <a:pPr lvl="0" eaLnBrk="0" fontAlgn="base" hangingPunct="0">
+              <a:spcBef>
+                <a:spcPct val="0"/>
+              </a:spcBef>
+              <a:spcAft>
+                <a:spcPct val="0"/>
+              </a:spcAft>
+            </a:pPr>
+            <a:r>
+              <a:rPr lang="en-US" altLang="zh-CN" dirty="0" err="1"/>
+              <a:t>y_min</a:t>
+            </a:r>
+            <a:r>
+              <a:rPr lang="en-US" altLang="zh-CN" dirty="0"/>
+              <a:t>, </a:t>
+            </a:r>
+            <a:r>
+              <a:rPr lang="en-US" altLang="zh-CN" dirty="0" err="1"/>
+              <a:t>y_max</a:t>
+            </a:r>
+            <a:r>
+              <a:rPr lang="en-US" altLang="zh-CN" dirty="0"/>
+              <a:t> = X[:, 1].min() - 1, X[:, 1].max() + 1</a:t>
+            </a:r>
+          </a:p>
+          <a:p>
+            <a:pPr lvl="0" eaLnBrk="0" fontAlgn="base" hangingPunct="0">
+              <a:spcBef>
+                <a:spcPct val="0"/>
+              </a:spcBef>
+              <a:spcAft>
+                <a:spcPct val="0"/>
+              </a:spcAft>
+            </a:pPr>
+            <a:r>
+              <a:rPr lang="en-US" altLang="zh-CN" dirty="0"/>
+              <a:t>h = .02</a:t>
+            </a:r>
+          </a:p>
+          <a:p>
+            <a:pPr lvl="0" eaLnBrk="0" fontAlgn="base" hangingPunct="0">
+              <a:spcBef>
+                <a:spcPct val="0"/>
+              </a:spcBef>
+              <a:spcAft>
+                <a:spcPct val="0"/>
+              </a:spcAft>
+            </a:pPr>
+            <a:r>
+              <a:rPr lang="en-US" altLang="zh-CN" dirty="0"/>
+              <a:t>xx, </a:t>
+            </a:r>
+            <a:r>
+              <a:rPr lang="en-US" altLang="zh-CN" dirty="0" err="1"/>
+              <a:t>yy</a:t>
             </a:r>
             <a:r>
               <a:rPr lang="en-US" altLang="zh-CN" dirty="0"/>
@@ -8683,12 +9094,61 @@
             </a:r>
             <a:r>
               <a:rPr lang="en-US" altLang="zh-CN" dirty="0" err="1"/>
-              <a:t>ListedColormap</a:t>
-            </a:r>
-            <a:r>
-              <a:rPr lang="en-US" altLang="zh-CN" dirty="0"/>
-              <a:t>(['#FF0000', '#00FF00', '#0000FF'])</a:t>
-            </a:r>
+              <a:t>np.meshgrid</a:t>
+            </a:r>
+            <a:r>
+              <a:rPr lang="en-US" altLang="zh-CN" dirty="0"/>
+              <a:t>(</a:t>
+            </a:r>
+            <a:r>
+              <a:rPr lang="en-US" altLang="zh-CN" dirty="0" err="1"/>
+              <a:t>np.arange</a:t>
+            </a:r>
+            <a:r>
+              <a:rPr lang="en-US" altLang="zh-CN" dirty="0"/>
+              <a:t>(</a:t>
+            </a:r>
+            <a:r>
+              <a:rPr lang="en-US" altLang="zh-CN" dirty="0" err="1"/>
+              <a:t>x_min</a:t>
+            </a:r>
+            <a:r>
+              <a:rPr lang="en-US" altLang="zh-CN" dirty="0"/>
+              <a:t>, </a:t>
+            </a:r>
+            <a:r>
+              <a:rPr lang="en-US" altLang="zh-CN" dirty="0" err="1"/>
+              <a:t>x_max</a:t>
+            </a:r>
+            <a:r>
+              <a:rPr lang="en-US" altLang="zh-CN" dirty="0"/>
+              <a:t>, h), </a:t>
+            </a:r>
+            <a:r>
+              <a:rPr lang="en-US" altLang="zh-CN" dirty="0" err="1"/>
+              <a:t>np.arange</a:t>
+            </a:r>
+            <a:r>
+              <a:rPr lang="en-US" altLang="zh-CN" dirty="0"/>
+              <a:t>(</a:t>
+            </a:r>
+            <a:r>
+              <a:rPr lang="en-US" altLang="zh-CN" dirty="0" err="1"/>
+              <a:t>y_min</a:t>
+            </a:r>
+            <a:r>
+              <a:rPr lang="en-US" altLang="zh-CN" dirty="0"/>
+              <a:t>, </a:t>
+            </a:r>
+            <a:r>
+              <a:rPr lang="en-US" altLang="zh-CN" dirty="0" err="1"/>
+              <a:t>y_max</a:t>
+            </a:r>
+            <a:r>
+              <a:rPr lang="en-US" altLang="zh-CN" dirty="0"/>
+              <a:t>, h))</a:t>
+            </a:r>
+            <a:endParaRPr lang="zh-CN" altLang="zh-CN" dirty="0"/>
           </a:p>
           <a:p>
             <a:pPr lvl="0" eaLnBrk="0" fontAlgn="base" hangingPunct="0">
@@ -8710,76 +9170,6 @@
                 <a:spcPct val="0"/>
               </a:spcAft>
             </a:pPr>
-            <a:r>
-              <a:rPr lang="en-US" altLang="zh-CN" dirty="0"/>
-              <a:t># </a:t>
-            </a:r>
-            <a:r>
-              <a:rPr lang="zh-CN" altLang="en-US" dirty="0"/>
-              <a:t>导入鸢尾花数据</a:t>
-            </a:r>
-          </a:p>
-          <a:p>
-            <a:pPr lvl="0" eaLnBrk="0" fontAlgn="base" hangingPunct="0">
-              <a:spcBef>
-                <a:spcPct val="0"/>
-              </a:spcBef>
-              <a:spcAft>
-                <a:spcPct val="0"/>
-              </a:spcAft>
-            </a:pPr>
-            <a:r>
-              <a:rPr lang="en-US" altLang="zh-CN" dirty="0"/>
-              <a:t>iris = </a:t>
-            </a:r>
-            <a:r>
-              <a:rPr lang="en-US" altLang="zh-CN" dirty="0" err="1"/>
-              <a:t>datasets.load_iris</a:t>
-            </a:r>
-            <a:r>
-              <a:rPr lang="en-US" altLang="zh-CN" dirty="0"/>
-              <a:t>()</a:t>
-            </a:r>
-          </a:p>
-          <a:p>
-            <a:pPr lvl="0" eaLnBrk="0" fontAlgn="base" hangingPunct="0">
-              <a:spcBef>
-                <a:spcPct val="0"/>
-              </a:spcBef>
-              <a:spcAft>
-                <a:spcPct val="0"/>
-              </a:spcAft>
-            </a:pPr>
-            <a:r>
-              <a:rPr lang="en-US" altLang="zh-CN" dirty="0"/>
-              <a:t>X = </a:t>
-            </a:r>
-            <a:r>
-              <a:rPr lang="en-US" altLang="zh-CN" dirty="0" err="1"/>
-              <a:t>iris.data</a:t>
-            </a:r>
-            <a:r>
-              <a:rPr lang="en-US" altLang="zh-CN" dirty="0"/>
-              <a:t>[:, :2]</a:t>
-            </a:r>
-          </a:p>
-          <a:p>
-            <a:pPr lvl="0" eaLnBrk="0" fontAlgn="base" hangingPunct="0">
-              <a:spcBef>
-                <a:spcPct val="0"/>
-              </a:spcBef>
-              <a:spcAft>
-                <a:spcPct val="0"/>
-              </a:spcAft>
-            </a:pPr>
-            <a:r>
-              <a:rPr lang="en-US" altLang="zh-CN" dirty="0"/>
-              <a:t>y = </a:t>
-            </a:r>
-            <a:r>
-              <a:rPr lang="en-US" altLang="zh-CN" dirty="0" err="1"/>
-              <a:t>iris.target</a:t>
-            </a:r>
             <a:endParaRPr lang="en-US" altLang="zh-CN" dirty="0"/>
           </a:p>
         </p:txBody>
@@ -8866,7 +9256,7 @@
         <p:spPr>
           <a:xfrm>
             <a:off x="1043608" y="260648"/>
-            <a:ext cx="7776864" cy="5355312"/>
+            <a:ext cx="7776864" cy="4801314"/>
           </a:xfrm>
           <a:prstGeom prst="rect">
             <a:avLst/>
@@ -8897,14 +9287,6 @@
                 <a:spcPct val="0"/>
               </a:spcAft>
             </a:pPr>
-            <a:r>
-              <a:rPr lang="en-US" altLang="zh-CN" dirty="0"/>
-              <a:t># </a:t>
-            </a:r>
-            <a:r>
-              <a:rPr lang="zh-CN" altLang="en-US" dirty="0"/>
-              <a:t>提取数据并处理，构建坐标矩阵</a:t>
-            </a:r>
             <a:endParaRPr lang="en-US" altLang="zh-CN" dirty="0"/>
           </a:p>
           <a:p>
@@ -8917,140 +9299,9 @@
               </a:spcAft>
             </a:pPr>
             <a:r>
-              <a:rPr lang="en-US" altLang="zh-CN" dirty="0" err="1"/>
-              <a:t>x_min</a:t>
-            </a:r>
-            <a:r>
-              <a:rPr lang="en-US" altLang="zh-CN" dirty="0"/>
-              <a:t>, </a:t>
-            </a:r>
-            <a:r>
-              <a:rPr lang="en-US" altLang="zh-CN" dirty="0" err="1"/>
-              <a:t>x_max</a:t>
-            </a:r>
-            <a:r>
-              <a:rPr lang="en-US" altLang="zh-CN" dirty="0"/>
-              <a:t> = X[:, 0].min() - 1, X[:, 0].max() + 1</a:t>
-            </a:r>
-          </a:p>
-          <a:p>
-            <a:pPr lvl="0" eaLnBrk="0" fontAlgn="base" hangingPunct="0">
-              <a:spcBef>
-                <a:spcPct val="0"/>
-              </a:spcBef>
-              <a:spcAft>
-                <a:spcPct val="0"/>
-              </a:spcAft>
-            </a:pPr>
-            <a:r>
-              <a:rPr lang="en-US" altLang="zh-CN" dirty="0" err="1"/>
-              <a:t>y_min</a:t>
-            </a:r>
-            <a:r>
-              <a:rPr lang="en-US" altLang="zh-CN" dirty="0"/>
-              <a:t>, </a:t>
-            </a:r>
-            <a:r>
-              <a:rPr lang="en-US" altLang="zh-CN" dirty="0" err="1"/>
-              <a:t>y_max</a:t>
-            </a:r>
-            <a:r>
-              <a:rPr lang="en-US" altLang="zh-CN" dirty="0"/>
-              <a:t> = X[:, 1].min() - 1, X[:, 1].max() + 1</a:t>
-            </a:r>
-          </a:p>
-          <a:p>
-            <a:pPr lvl="0" eaLnBrk="0" fontAlgn="base" hangingPunct="0">
-              <a:spcBef>
-                <a:spcPct val="0"/>
-              </a:spcBef>
-              <a:spcAft>
-                <a:spcPct val="0"/>
-              </a:spcAft>
-            </a:pPr>
-            <a:r>
-              <a:rPr lang="en-US" altLang="zh-CN" dirty="0"/>
-              <a:t>h = .02</a:t>
-            </a:r>
-          </a:p>
-          <a:p>
-            <a:pPr lvl="0" eaLnBrk="0" fontAlgn="base" hangingPunct="0">
-              <a:spcBef>
-                <a:spcPct val="0"/>
-              </a:spcBef>
-              <a:spcAft>
-                <a:spcPct val="0"/>
-              </a:spcAft>
-            </a:pPr>
-            <a:r>
-              <a:rPr lang="en-US" altLang="zh-CN" dirty="0"/>
-              <a:t>xx, </a:t>
-            </a:r>
-            <a:r>
-              <a:rPr lang="en-US" altLang="zh-CN" dirty="0" err="1"/>
-              <a:t>yy</a:t>
-            </a:r>
-            <a:r>
-              <a:rPr lang="en-US" altLang="zh-CN" dirty="0"/>
-              <a:t> = </a:t>
-            </a:r>
-            <a:r>
-              <a:rPr lang="en-US" altLang="zh-CN" dirty="0" err="1"/>
-              <a:t>np.meshgrid</a:t>
-            </a:r>
-            <a:r>
-              <a:rPr lang="en-US" altLang="zh-CN" dirty="0"/>
-              <a:t>(</a:t>
-            </a:r>
-            <a:r>
-              <a:rPr lang="en-US" altLang="zh-CN" dirty="0" err="1"/>
-              <a:t>np.arange</a:t>
-            </a:r>
-            <a:r>
-              <a:rPr lang="en-US" altLang="zh-CN" dirty="0"/>
-              <a:t>(</a:t>
-            </a:r>
-            <a:r>
-              <a:rPr lang="en-US" altLang="zh-CN" dirty="0" err="1"/>
-              <a:t>x_min</a:t>
-            </a:r>
-            <a:r>
-              <a:rPr lang="en-US" altLang="zh-CN" dirty="0"/>
-              <a:t>, </a:t>
-            </a:r>
-            <a:r>
-              <a:rPr lang="en-US" altLang="zh-CN" dirty="0" err="1"/>
-              <a:t>x_max</a:t>
-            </a:r>
-            <a:r>
-              <a:rPr lang="en-US" altLang="zh-CN" dirty="0"/>
-              <a:t>, h), </a:t>
-            </a:r>
-            <a:r>
-              <a:rPr lang="en-US" altLang="zh-CN" dirty="0" err="1"/>
-              <a:t>np.arange</a:t>
-            </a:r>
-            <a:r>
-              <a:rPr lang="en-US" altLang="zh-CN" dirty="0"/>
-              <a:t>(</a:t>
-            </a:r>
-            <a:r>
-              <a:rPr lang="en-US" altLang="zh-CN" dirty="0" err="1"/>
-              <a:t>y_min</a:t>
-            </a:r>
-            <a:r>
-              <a:rPr lang="en-US" altLang="zh-CN" dirty="0"/>
-              <a:t>, </a:t>
-            </a:r>
-            <a:r>
-              <a:rPr lang="en-US" altLang="zh-CN" dirty="0" err="1"/>
-              <a:t>y_max</a:t>
-            </a:r>
-            <a:r>
-              <a:rPr lang="en-US" altLang="zh-CN" dirty="0"/>
-              <a:t>, h))</a:t>
-            </a:r>
-            <a:endParaRPr lang="zh-CN" altLang="zh-CN" dirty="0"/>
+              <a:rPr lang="en-US" altLang="zh-CN" dirty="0"/>
+              <a:t>for weights in ['uniform', 'distance’]:</a:t>
+            </a:r>
           </a:p>
           <a:p>
             <a:pPr lvl="0" eaLnBrk="0" fontAlgn="base" hangingPunct="0">
@@ -9074,28 +9325,43 @@
             </a:pPr>
             <a:r>
               <a:rPr lang="en-US" altLang="zh-CN" dirty="0"/>
-              <a:t>#weights </a:t>
+              <a:t>    k = 15</a:t>
+            </a:r>
+          </a:p>
+          <a:p>
+            <a:pPr eaLnBrk="0" fontAlgn="base" hangingPunct="0">
+              <a:spcBef>
+                <a:spcPct val="0"/>
+              </a:spcBef>
+              <a:spcAft>
+                <a:spcPct val="0"/>
+              </a:spcAft>
+            </a:pPr>
+            <a:r>
+              <a:rPr lang="en-US" altLang="zh-CN" dirty="0"/>
+              <a:t>    # </a:t>
             </a:r>
             <a:r>
               <a:rPr lang="zh-CN" altLang="en-US" dirty="0"/>
-              <a:t>权重，</a:t>
-            </a:r>
-            <a:r>
-              <a:rPr lang="en-US" altLang="zh-CN" dirty="0"/>
-              <a:t>uniform</a:t>
+              <a:t>创建一个</a:t>
+            </a:r>
+            <a:r>
+              <a:rPr lang="en-US" altLang="zh-CN" dirty="0"/>
+              <a:t>KNN</a:t>
             </a:r>
             <a:r>
               <a:rPr lang="zh-CN" altLang="en-US" dirty="0"/>
-              <a:t>一般平均，  </a:t>
-            </a:r>
-            <a:r>
-              <a:rPr lang="en-US" altLang="zh-CN" dirty="0"/>
-              <a:t>distance</a:t>
+              <a:t>分类器，设置</a:t>
+            </a:r>
+            <a:r>
+              <a:rPr lang="en-US" altLang="zh-CN" dirty="0"/>
+              <a:t>K</a:t>
             </a:r>
             <a:r>
               <a:rPr lang="zh-CN" altLang="en-US" dirty="0"/>
-              <a:t>与距离成反比</a:t>
-            </a:r>
+              <a:t>值和投票方式，并进行训练</a:t>
+            </a:r>
+            <a:endParaRPr lang="en-US" altLang="zh-CN" dirty="0"/>
           </a:p>
           <a:p>
             <a:pPr lvl="0" eaLnBrk="0" fontAlgn="base" hangingPunct="0">
@@ -9108,7 +9374,31 @@
             </a:pPr>
             <a:r>
               <a:rPr lang="en-US" altLang="zh-CN" dirty="0"/>
-              <a:t>for weights in ['uniform', 'distance']:</a:t>
+              <a:t>    </a:t>
+            </a:r>
+            <a:r>
+              <a:rPr lang="en-US" altLang="zh-CN" dirty="0" err="1"/>
+              <a:t>clf</a:t>
+            </a:r>
+            <a:r>
+              <a:rPr lang="en-US" altLang="zh-CN" dirty="0"/>
+              <a:t> = </a:t>
+            </a:r>
+            <a:r>
+              <a:rPr lang="en-US" altLang="zh-CN" dirty="0" err="1"/>
+              <a:t>neighbors.KNeighborsClassifier</a:t>
+            </a:r>
+            <a:r>
+              <a:rPr lang="en-US" altLang="zh-CN" dirty="0"/>
+              <a:t>(</a:t>
+            </a:r>
+            <a:r>
+              <a:rPr lang="en-US" altLang="zh-CN" dirty="0" err="1"/>
+              <a:t>n_neighbors</a:t>
+            </a:r>
+            <a:r>
+              <a:rPr lang="en-US" altLang="zh-CN" dirty="0"/>
+              <a:t>=k, weights=weights)</a:t>
             </a:r>
           </a:p>
           <a:p>
@@ -9122,27 +9412,15 @@
             </a:pPr>
             <a:r>
               <a:rPr lang="en-US" altLang="zh-CN" dirty="0"/>
-              <a:t>    # </a:t>
-            </a:r>
-            <a:r>
-              <a:rPr lang="zh-CN" altLang="en-US" dirty="0"/>
-              <a:t>创建一个</a:t>
-            </a:r>
-            <a:r>
-              <a:rPr lang="en-US" altLang="zh-CN" dirty="0"/>
-              <a:t>KNN</a:t>
-            </a:r>
-            <a:r>
-              <a:rPr lang="zh-CN" altLang="en-US" dirty="0"/>
-              <a:t>分类器，设置</a:t>
-            </a:r>
-            <a:r>
-              <a:rPr lang="en-US" altLang="zh-CN" dirty="0"/>
-              <a:t>K</a:t>
-            </a:r>
-            <a:r>
-              <a:rPr lang="zh-CN" altLang="en-US" dirty="0"/>
-              <a:t>值和投票方式，并进行训练</a:t>
+              <a:t>    </a:t>
+            </a:r>
+            <a:r>
+              <a:rPr lang="en-US" altLang="zh-CN" dirty="0" err="1"/>
+              <a:t>clf.fit</a:t>
+            </a:r>
+            <a:r>
+              <a:rPr lang="en-US" altLang="zh-CN" dirty="0"/>
+              <a:t>(X, y)</a:t>
             </a:r>
           </a:p>
           <a:p>
@@ -9155,12 +9433,8 @@
               </a:spcAft>
             </a:pPr>
             <a:r>
-              <a:rPr lang="zh-CN" altLang="en-US" dirty="0"/>
+              <a:rPr lang="en-US" altLang="zh-CN" dirty="0"/>
               <a:t>    </a:t>
-            </a:r>
-            <a:r>
-              <a:rPr lang="en-US" altLang="zh-CN" dirty="0"/>
-              <a:t>k = 15</a:t>
             </a:r>
           </a:p>
           <a:p>
@@ -9174,32 +9448,21 @@
             </a:pPr>
             <a:r>
               <a:rPr lang="en-US" altLang="zh-CN" dirty="0"/>
-              <a:t>    </a:t>
-            </a:r>
-            <a:r>
-              <a:rPr lang="en-US" altLang="zh-CN" dirty="0" err="1"/>
-              <a:t>clf</a:t>
-            </a:r>
-            <a:r>
-              <a:rPr lang="en-US" altLang="zh-CN" dirty="0"/>
-              <a:t> = </a:t>
-            </a:r>
-            <a:r>
-              <a:rPr lang="en-US" altLang="zh-CN" dirty="0" err="1"/>
-              <a:t>neighbors.KNeighborsClassifier</a:t>
-            </a:r>
-            <a:r>
-              <a:rPr lang="en-US" altLang="zh-CN" dirty="0"/>
-              <a:t>(</a:t>
-            </a:r>
-            <a:r>
-              <a:rPr lang="en-US" altLang="zh-CN" dirty="0" err="1"/>
-              <a:t>n_neighbors</a:t>
-            </a:r>
-            <a:r>
-              <a:rPr lang="en-US" altLang="zh-CN" dirty="0"/>
-              <a:t>=k, weights=weights)</a:t>
-            </a:r>
+              <a:t>    #</a:t>
+            </a:r>
+            <a:r>
+              <a:rPr lang="zh-CN" altLang="en-US" dirty="0"/>
+              <a:t>用训练好的</a:t>
+            </a:r>
+            <a:r>
+              <a:rPr lang="en-US" altLang="zh-CN" dirty="0"/>
+              <a:t>KNN</a:t>
+            </a:r>
+            <a:r>
+              <a:rPr lang="zh-CN" altLang="en-US" dirty="0"/>
+              <a:t>分类器去预测结果</a:t>
+            </a:r>
+            <a:endParaRPr lang="en-US" altLang="zh-CN" dirty="0"/>
           </a:p>
           <a:p>
             <a:pPr lvl="0" eaLnBrk="0" fontAlgn="base" hangingPunct="0">
@@ -9212,15 +9475,39 @@
             </a:pPr>
             <a:r>
               <a:rPr lang="en-US" altLang="zh-CN" dirty="0"/>
-              <a:t>    </a:t>
-            </a:r>
-            <a:r>
-              <a:rPr lang="en-US" altLang="zh-CN" dirty="0" err="1"/>
-              <a:t>clf.fit</a:t>
-            </a:r>
-            <a:r>
-              <a:rPr lang="en-US" altLang="zh-CN" dirty="0"/>
-              <a:t>(X, y)</a:t>
+              <a:t>    Z = </a:t>
+            </a:r>
+            <a:r>
+              <a:rPr lang="en-US" altLang="zh-CN" dirty="0" err="1"/>
+              <a:t>clf.predict</a:t>
+            </a:r>
+            <a:r>
+              <a:rPr lang="en-US" altLang="zh-CN" dirty="0"/>
+              <a:t>(</a:t>
+            </a:r>
+            <a:r>
+              <a:rPr lang="en-US" altLang="zh-CN" dirty="0" err="1"/>
+              <a:t>np.c</a:t>
+            </a:r>
+            <a:r>
+              <a:rPr lang="en-US" altLang="zh-CN" dirty="0"/>
+              <a:t>_[</a:t>
+            </a:r>
+            <a:r>
+              <a:rPr lang="en-US" altLang="zh-CN" dirty="0" err="1"/>
+              <a:t>xx.ravel</a:t>
+            </a:r>
+            <a:r>
+              <a:rPr lang="en-US" altLang="zh-CN" dirty="0"/>
+              <a:t>(), </a:t>
+            </a:r>
+            <a:r>
+              <a:rPr lang="en-US" altLang="zh-CN" dirty="0" err="1"/>
+              <a:t>yy.ravel</a:t>
+            </a:r>
+            <a:r>
+              <a:rPr lang="en-US" altLang="zh-CN" dirty="0"/>
+              <a:t>()])</a:t>
             </a:r>
           </a:p>
           <a:p>
@@ -9234,7 +9521,23 @@
             </a:pPr>
             <a:r>
               <a:rPr lang="en-US" altLang="zh-CN" dirty="0"/>
-              <a:t>    </a:t>
+              <a:t>    Z = </a:t>
+            </a:r>
+            <a:r>
+              <a:rPr lang="en-US" altLang="zh-CN" dirty="0" err="1"/>
+              <a:t>Z.reshape</a:t>
+            </a:r>
+            <a:r>
+              <a:rPr lang="en-US" altLang="zh-CN" dirty="0"/>
+              <a:t>(</a:t>
+            </a:r>
+            <a:r>
+              <a:rPr lang="en-US" altLang="zh-CN" dirty="0" err="1"/>
+              <a:t>xx.shape</a:t>
+            </a:r>
+            <a:r>
+              <a:rPr lang="en-US" altLang="zh-CN" dirty="0"/>
+              <a:t>)</a:t>
             </a:r>
           </a:p>
           <a:p>
@@ -9246,22 +9549,6 @@
                 <a:spcPct val="0"/>
               </a:spcAft>
             </a:pPr>
-            <a:r>
-              <a:rPr lang="en-US" altLang="zh-CN" dirty="0"/>
-              <a:t>    #</a:t>
-            </a:r>
-            <a:r>
-              <a:rPr lang="zh-CN" altLang="en-US" dirty="0"/>
-              <a:t>用训练好的</a:t>
-            </a:r>
-            <a:r>
-              <a:rPr lang="en-US" altLang="zh-CN" dirty="0"/>
-              <a:t>KNN</a:t>
-            </a:r>
-            <a:r>
-              <a:rPr lang="zh-CN" altLang="en-US" dirty="0"/>
-              <a:t>分类器去预测结果</a:t>
-            </a:r>
             <a:endParaRPr lang="en-US" altLang="zh-CN" dirty="0"/>
           </a:p>
           <a:p>
@@ -9275,40 +9562,21 @@
             </a:pPr>
             <a:r>
               <a:rPr lang="en-US" altLang="zh-CN" dirty="0"/>
-              <a:t>    Z = </a:t>
-            </a:r>
-            <a:r>
-              <a:rPr lang="en-US" altLang="zh-CN" dirty="0" err="1"/>
-              <a:t>clf.predict</a:t>
-            </a:r>
-            <a:r>
-              <a:rPr lang="en-US" altLang="zh-CN" dirty="0"/>
-              <a:t>(</a:t>
-            </a:r>
-            <a:r>
-              <a:rPr lang="en-US" altLang="zh-CN" dirty="0" err="1"/>
-              <a:t>np.c</a:t>
-            </a:r>
-            <a:r>
-              <a:rPr lang="en-US" altLang="zh-CN" dirty="0"/>
-              <a:t>_[</a:t>
-            </a:r>
-            <a:r>
-              <a:rPr lang="en-US" altLang="zh-CN" dirty="0" err="1"/>
-              <a:t>xx.ravel</a:t>
-            </a:r>
-            <a:r>
-              <a:rPr lang="en-US" altLang="zh-CN" dirty="0"/>
-              <a:t>(), </a:t>
-            </a:r>
-            <a:r>
-              <a:rPr lang="en-US" altLang="zh-CN" dirty="0" err="1"/>
-              <a:t>yy.ravel</a:t>
-            </a:r>
-            <a:r>
-              <a:rPr lang="en-US" altLang="zh-CN" dirty="0"/>
-              <a:t>()])</a:t>
-            </a:r>
+              <a:t>    #</a:t>
+            </a:r>
+            <a:r>
+              <a:rPr lang="zh-CN" altLang="en-US" dirty="0"/>
+              <a:t>函数将预测结果</a:t>
+            </a:r>
+            <a:r>
+              <a:rPr lang="en-US" altLang="zh-CN" dirty="0"/>
+              <a:t>Z</a:t>
+            </a:r>
+            <a:r>
+              <a:rPr lang="zh-CN" altLang="en-US" dirty="0"/>
+              <a:t>绘制在图像上    </a:t>
+            </a:r>
+            <a:endParaRPr lang="en-US" altLang="zh-CN" dirty="0"/>
           </a:p>
           <a:p>
             <a:pPr lvl="0" eaLnBrk="0" fontAlgn="base" hangingPunct="0">
@@ -9321,13 +9589,16 @@
             </a:pPr>
             <a:r>
               <a:rPr lang="en-US" altLang="zh-CN" dirty="0"/>
-              <a:t>    #</a:t>
-            </a:r>
-            <a:r>
-              <a:rPr lang="zh-CN" altLang="en-US" dirty="0"/>
-              <a:t>将测试结果转换为两个特征数据，长度和宽度</a:t>
-            </a:r>
-            <a:endParaRPr lang="en-US" altLang="zh-CN" dirty="0"/>
+              <a:t>    </a:t>
+            </a:r>
+            <a:r>
+              <a:rPr lang="en-US" altLang="zh-CN" dirty="0" err="1"/>
+              <a:t>plt.figure</a:t>
+            </a:r>
+            <a:r>
+              <a:rPr lang="en-US" altLang="zh-CN" dirty="0"/>
+              <a:t>()</a:t>
+            </a:r>
           </a:p>
           <a:p>
             <a:pPr lvl="0" eaLnBrk="0" fontAlgn="base" hangingPunct="0">
@@ -9340,19 +9611,35 @@
             </a:pPr>
             <a:r>
               <a:rPr lang="en-US" altLang="zh-CN" dirty="0"/>
-              <a:t>    Z = </a:t>
-            </a:r>
-            <a:r>
-              <a:rPr lang="en-US" altLang="zh-CN" dirty="0" err="1"/>
-              <a:t>Z.reshape</a:t>
-            </a:r>
-            <a:r>
-              <a:rPr lang="en-US" altLang="zh-CN" dirty="0"/>
-              <a:t>(</a:t>
-            </a:r>
-            <a:r>
-              <a:rPr lang="en-US" altLang="zh-CN" dirty="0" err="1"/>
-              <a:t>xx.shape</a:t>
+              <a:t>    </a:t>
+            </a:r>
+            <a:r>
+              <a:rPr lang="en-US" altLang="zh-CN" dirty="0" err="1"/>
+              <a:t>plt.pcolormesh</a:t>
+            </a:r>
+            <a:r>
+              <a:rPr lang="en-US" altLang="zh-CN" dirty="0"/>
+              <a:t>(xx, </a:t>
+            </a:r>
+            <a:r>
+              <a:rPr lang="en-US" altLang="zh-CN" dirty="0" err="1"/>
+              <a:t>yy</a:t>
+            </a:r>
+            <a:r>
+              <a:rPr lang="en-US" altLang="zh-CN" dirty="0"/>
+              <a:t>, Z, </a:t>
+            </a:r>
+            <a:r>
+              <a:rPr lang="en-US" altLang="zh-CN" dirty="0" err="1"/>
+              <a:t>cmap</a:t>
+            </a:r>
+            <a:r>
+              <a:rPr lang="en-US" altLang="zh-CN" dirty="0"/>
+              <a:t>=</a:t>
+            </a:r>
+            <a:r>
+              <a:rPr lang="en-US" altLang="zh-CN" dirty="0" err="1"/>
+              <a:t>cmap_light</a:t>
             </a:r>
             <a:r>
               <a:rPr lang="en-US" altLang="zh-CN" dirty="0"/>

--- a/cls_23聚类算法.pptx
+++ b/cls_23聚类算法.pptx
@@ -228,7 +228,7 @@
           <a:p>
             <a:fld id="{10FF2035-6A36-4BD7-B8AA-FDB78598F742}" type="datetimeFigureOut">
               <a:rPr lang="zh-CN" altLang="en-US" smtClean="0"/>
-              <a:t>2018/6/24</a:t>
+              <a:t>2018/6/27</a:t>
             </a:fld>
             <a:endParaRPr lang="zh-CN" altLang="en-US"/>
           </a:p>
@@ -669,7 +669,7 @@
           <a:p>
             <a:fld id="{530820CF-B880-4189-942D-D702A7CBA730}" type="datetimeFigureOut">
               <a:rPr lang="zh-CN" altLang="en-US" smtClean="0"/>
-              <a:t>2018/6/24</a:t>
+              <a:t>2018/6/27</a:t>
             </a:fld>
             <a:endParaRPr lang="zh-CN" altLang="en-US"/>
           </a:p>
@@ -832,7 +832,7 @@
           <a:p>
             <a:fld id="{530820CF-B880-4189-942D-D702A7CBA730}" type="datetimeFigureOut">
               <a:rPr lang="zh-CN" altLang="en-US" smtClean="0"/>
-              <a:t>2018/6/24</a:t>
+              <a:t>2018/6/27</a:t>
             </a:fld>
             <a:endParaRPr lang="zh-CN" altLang="en-US"/>
           </a:p>
@@ -1005,7 +1005,7 @@
           <a:p>
             <a:fld id="{530820CF-B880-4189-942D-D702A7CBA730}" type="datetimeFigureOut">
               <a:rPr lang="zh-CN" altLang="en-US" smtClean="0"/>
-              <a:t>2018/6/24</a:t>
+              <a:t>2018/6/27</a:t>
             </a:fld>
             <a:endParaRPr lang="zh-CN" altLang="en-US"/>
           </a:p>
@@ -1168,7 +1168,7 @@
           <a:p>
             <a:fld id="{530820CF-B880-4189-942D-D702A7CBA730}" type="datetimeFigureOut">
               <a:rPr lang="zh-CN" altLang="en-US" smtClean="0"/>
-              <a:t>2018/6/24</a:t>
+              <a:t>2018/6/27</a:t>
             </a:fld>
             <a:endParaRPr lang="zh-CN" altLang="en-US"/>
           </a:p>
@@ -1408,7 +1408,7 @@
           <a:p>
             <a:fld id="{530820CF-B880-4189-942D-D702A7CBA730}" type="datetimeFigureOut">
               <a:rPr lang="zh-CN" altLang="en-US" smtClean="0"/>
-              <a:t>2018/6/24</a:t>
+              <a:t>2018/6/27</a:t>
             </a:fld>
             <a:endParaRPr lang="zh-CN" altLang="en-US"/>
           </a:p>
@@ -1688,7 +1688,7 @@
           <a:p>
             <a:fld id="{530820CF-B880-4189-942D-D702A7CBA730}" type="datetimeFigureOut">
               <a:rPr lang="zh-CN" altLang="en-US" smtClean="0"/>
-              <a:t>2018/6/24</a:t>
+              <a:t>2018/6/27</a:t>
             </a:fld>
             <a:endParaRPr lang="zh-CN" altLang="en-US"/>
           </a:p>
@@ -2102,7 +2102,7 @@
           <a:p>
             <a:fld id="{530820CF-B880-4189-942D-D702A7CBA730}" type="datetimeFigureOut">
               <a:rPr lang="zh-CN" altLang="en-US" smtClean="0"/>
-              <a:t>2018/6/24</a:t>
+              <a:t>2018/6/27</a:t>
             </a:fld>
             <a:endParaRPr lang="zh-CN" altLang="en-US"/>
           </a:p>
@@ -2214,7 +2214,7 @@
           <a:p>
             <a:fld id="{530820CF-B880-4189-942D-D702A7CBA730}" type="datetimeFigureOut">
               <a:rPr lang="zh-CN" altLang="en-US" smtClean="0"/>
-              <a:t>2018/6/24</a:t>
+              <a:t>2018/6/27</a:t>
             </a:fld>
             <a:endParaRPr lang="zh-CN" altLang="en-US"/>
           </a:p>
@@ -2304,7 +2304,7 @@
           <a:p>
             <a:fld id="{530820CF-B880-4189-942D-D702A7CBA730}" type="datetimeFigureOut">
               <a:rPr lang="zh-CN" altLang="en-US" smtClean="0"/>
-              <a:t>2018/6/24</a:t>
+              <a:t>2018/6/27</a:t>
             </a:fld>
             <a:endParaRPr lang="zh-CN" altLang="en-US"/>
           </a:p>
@@ -2574,7 +2574,7 @@
           <a:p>
             <a:fld id="{530820CF-B880-4189-942D-D702A7CBA730}" type="datetimeFigureOut">
               <a:rPr lang="zh-CN" altLang="en-US" smtClean="0"/>
-              <a:t>2018/6/24</a:t>
+              <a:t>2018/6/27</a:t>
             </a:fld>
             <a:endParaRPr lang="zh-CN" altLang="en-US"/>
           </a:p>
@@ -2821,7 +2821,7 @@
           <a:p>
             <a:fld id="{530820CF-B880-4189-942D-D702A7CBA730}" type="datetimeFigureOut">
               <a:rPr lang="zh-CN" altLang="en-US" smtClean="0"/>
-              <a:t>2018/6/24</a:t>
+              <a:t>2018/6/27</a:t>
             </a:fld>
             <a:endParaRPr lang="zh-CN" altLang="en-US"/>
           </a:p>
@@ -3036,7 +3036,7 @@
           <a:p>
             <a:fld id="{530820CF-B880-4189-942D-D702A7CBA730}" type="datetimeFigureOut">
               <a:rPr lang="zh-CN" altLang="en-US" smtClean="0"/>
-              <a:t>2018/6/24</a:t>
+              <a:t>2018/6/27</a:t>
             </a:fld>
             <a:endParaRPr lang="zh-CN" altLang="en-US"/>
           </a:p>
@@ -4148,7 +4148,24 @@
               <a:rPr lang="zh-CN" altLang="en-US" dirty="0">
                 <a:ea typeface="微软雅黑" panose="020B0503020204020204" pitchFamily="34" charset="-122"/>
               </a:rPr>
-              <a:t>有嫩白色，粉红色，红色，我想把这些花瓣的种类区分出来。已知花的种类与颜色没有必然关系，而是与花瓣的长度和宽度有关，相似长宽的花瓣很有可能是同一个品种，那么应该怎么做呢？</a:t>
+              <a:t>有嫩白色，粉红色，红色，我想把这些花瓣的种类区分出来。</a:t>
+            </a:r>
+            <a:r>
+              <a:rPr lang="zh-CN" altLang="en-US" dirty="0">
+                <a:solidFill>
+                  <a:schemeClr val="accent6">
+                    <a:lumMod val="75000"/>
+                  </a:schemeClr>
+                </a:solidFill>
+                <a:ea typeface="微软雅黑" panose="020B0503020204020204" pitchFamily="34" charset="-122"/>
+              </a:rPr>
+              <a:t>已知花的种类与颜色没有必然关系，而是与花瓣的长度和宽度有关，相似长宽的花瓣很有可能是同一个品种</a:t>
+            </a:r>
+            <a:r>
+              <a:rPr lang="zh-CN" altLang="en-US" dirty="0">
+                <a:ea typeface="微软雅黑" panose="020B0503020204020204" pitchFamily="34" charset="-122"/>
+              </a:rPr>
+              <a:t>，那么应该怎么做呢？</a:t>
             </a:r>
           </a:p>
         </p:txBody>
@@ -4324,28 +4341,59 @@
               <a:rPr lang="zh-CN" altLang="en-US" dirty="0">
                 <a:ea typeface="微软雅黑" panose="020B0503020204020204" pitchFamily="34" charset="-122"/>
               </a:rPr>
-              <a:t>首先测量下每片花瓣的长和宽，然后按照直角坐标系的方式进行摆放，花瓣的长为</a:t>
+              <a:t>首先测量下每片花瓣的长和宽，然后</a:t>
+            </a:r>
+            <a:r>
+              <a:rPr lang="zh-CN" altLang="en-US" dirty="0">
+                <a:solidFill>
+                  <a:schemeClr val="accent6">
+                    <a:lumMod val="75000"/>
+                  </a:schemeClr>
+                </a:solidFill>
+                <a:ea typeface="微软雅黑" panose="020B0503020204020204" pitchFamily="34" charset="-122"/>
+              </a:rPr>
+              <a:t>按照直角坐标系的方式进行摆放，花瓣的长为</a:t>
             </a:r>
             <a:r>
               <a:rPr lang="en-US" altLang="zh-CN" dirty="0">
+                <a:solidFill>
+                  <a:schemeClr val="accent6">
+                    <a:lumMod val="75000"/>
+                  </a:schemeClr>
+                </a:solidFill>
                 <a:ea typeface="微软雅黑" panose="020B0503020204020204" pitchFamily="34" charset="-122"/>
               </a:rPr>
               <a:t>X</a:t>
             </a:r>
             <a:r>
               <a:rPr lang="zh-CN" altLang="en-US" dirty="0">
+                <a:solidFill>
+                  <a:schemeClr val="accent6">
+                    <a:lumMod val="75000"/>
+                  </a:schemeClr>
+                </a:solidFill>
                 <a:ea typeface="微软雅黑" panose="020B0503020204020204" pitchFamily="34" charset="-122"/>
               </a:rPr>
               <a:t>轴，花瓣的宽为</a:t>
             </a:r>
             <a:r>
               <a:rPr lang="en-US" altLang="zh-CN" dirty="0">
+                <a:solidFill>
+                  <a:schemeClr val="accent6">
+                    <a:lumMod val="75000"/>
+                  </a:schemeClr>
+                </a:solidFill>
                 <a:ea typeface="微软雅黑" panose="020B0503020204020204" pitchFamily="34" charset="-122"/>
               </a:rPr>
               <a:t>Y</a:t>
             </a:r>
             <a:r>
               <a:rPr lang="zh-CN" altLang="en-US" dirty="0">
+                <a:solidFill>
+                  <a:schemeClr val="accent6">
+                    <a:lumMod val="75000"/>
+                  </a:schemeClr>
+                </a:solidFill>
                 <a:ea typeface="微软雅黑" panose="020B0503020204020204" pitchFamily="34" charset="-122"/>
               </a:rPr>
               <a:t>轴。</a:t>
@@ -5466,15 +5514,25 @@
             </a:pPr>
             <a:r>
               <a:rPr lang="en-US" altLang="zh-CN" dirty="0">
+                <a:solidFill>
+                  <a:schemeClr val="accent6">
+                    <a:lumMod val="75000"/>
+                  </a:schemeClr>
+                </a:solidFill>
                 <a:ea typeface="微软雅黑" panose="020B0503020204020204" pitchFamily="34" charset="-122"/>
               </a:rPr>
               <a:t>        </a:t>
             </a:r>
             <a:r>
               <a:rPr lang="zh-CN" altLang="en-US" dirty="0">
-                <a:ea typeface="微软雅黑" panose="020B0503020204020204" pitchFamily="34" charset="-122"/>
-              </a:rPr>
-              <a:t>花的颜色有三种，我们猜测一共有三种花，然后根据长宽的相似度找到三个中心点，此时根据距离的远近我们就可以对花瓣进行聚类了。</a:t>
+                <a:solidFill>
+                  <a:schemeClr val="accent6">
+                    <a:lumMod val="75000"/>
+                  </a:schemeClr>
+                </a:solidFill>
+                <a:ea typeface="微软雅黑" panose="020B0503020204020204" pitchFamily="34" charset="-122"/>
+              </a:rPr>
+              <a:t>花的颜色有三种，我们猜测一共有三种花，然后根据长宽的相似度找到三个中心点，再根据距离的远近我们就可以对花瓣进行聚类了。</a:t>
             </a:r>
           </a:p>
         </p:txBody>
@@ -7049,7 +7107,18 @@
               <a:rPr lang="zh-CN" altLang="en-US" dirty="0">
                 <a:ea typeface="微软雅黑" panose="020B0503020204020204" pitchFamily="34" charset="-122"/>
               </a:rPr>
-              <a:t>        公园里的花开了，有粉红的，鲜红的，红的发紫的，还有没有开的花骨朵儿，怎么样不破坏花骨朵就知道它是什么颜色的花呢？</a:t>
+              <a:t>        公园里的花开了，有粉红的，鲜红的，红的发紫的，还有没有开的花骨朵儿，</a:t>
+            </a:r>
+            <a:r>
+              <a:rPr lang="zh-CN" altLang="en-US" dirty="0">
+                <a:solidFill>
+                  <a:schemeClr val="accent6">
+                    <a:lumMod val="75000"/>
+                  </a:schemeClr>
+                </a:solidFill>
+                <a:ea typeface="微软雅黑" panose="020B0503020204020204" pitchFamily="34" charset="-122"/>
+              </a:rPr>
+              <a:t>怎么样不破坏花骨朵就知道它是什么颜色的花呢？</a:t>
             </a:r>
           </a:p>
         </p:txBody>
@@ -7644,9 +7713,25 @@
               <a:rPr lang="zh-CN" altLang="en-US" dirty="0">
                 <a:ea typeface="微软雅黑" panose="020B0503020204020204" pitchFamily="34" charset="-122"/>
               </a:rPr>
-              <a:t>        那么我们就可以用花骨朵周围其他花的颜色来推断花骨朵的颜色！</a:t>
+              <a:t>        </a:t>
+            </a:r>
+            <a:r>
+              <a:rPr lang="zh-CN" altLang="en-US" dirty="0">
+                <a:solidFill>
+                  <a:schemeClr val="accent6">
+                    <a:lumMod val="75000"/>
+                  </a:schemeClr>
+                </a:solidFill>
+                <a:ea typeface="微软雅黑" panose="020B0503020204020204" pitchFamily="34" charset="-122"/>
+              </a:rPr>
+              <a:t>那么我们就可以用花骨朵周围其他花的颜色来推断花骨朵的颜色！</a:t>
             </a:r>
             <a:endParaRPr lang="en-US" altLang="zh-CN" dirty="0">
+              <a:solidFill>
+                <a:schemeClr val="accent6">
+                  <a:lumMod val="75000"/>
+                </a:schemeClr>
+              </a:solidFill>
               <a:ea typeface="微软雅黑" panose="020B0503020204020204" pitchFamily="34" charset="-122"/>
             </a:endParaRPr>
           </a:p>
@@ -7857,7 +7942,35 @@
               <a:rPr lang="zh-CN" altLang="en-US" dirty="0">
                 <a:ea typeface="微软雅黑" panose="020B0503020204020204" pitchFamily="34" charset="-122"/>
               </a:rPr>
-              <a:t>        花骨朵周围有好多花，数都数不过来，所以我们应该选择几个邻居，比如说先找到花骨朵最近的十五朵花当做邻居，然后看看邻居们的颜色和相应数量，继而对花骨朵的颜色进行推断。</a:t>
+              <a:t>        花骨朵周围有好多花，数都数不过来，所以</a:t>
+            </a:r>
+            <a:r>
+              <a:rPr lang="zh-CN" altLang="en-US" dirty="0">
+                <a:solidFill>
+                  <a:schemeClr val="accent6">
+                    <a:lumMod val="75000"/>
+                  </a:schemeClr>
+                </a:solidFill>
+                <a:ea typeface="微软雅黑" panose="020B0503020204020204" pitchFamily="34" charset="-122"/>
+              </a:rPr>
+              <a:t>我们应该选择几个邻居</a:t>
+            </a:r>
+            <a:r>
+              <a:rPr lang="zh-CN" altLang="en-US" dirty="0">
+                <a:ea typeface="微软雅黑" panose="020B0503020204020204" pitchFamily="34" charset="-122"/>
+              </a:rPr>
+              <a:t>，比如说先找到花骨朵最近的十五朵花当做邻居，</a:t>
+            </a:r>
+            <a:r>
+              <a:rPr lang="zh-CN" altLang="en-US" dirty="0">
+                <a:solidFill>
+                  <a:schemeClr val="accent6">
+                    <a:lumMod val="75000"/>
+                  </a:schemeClr>
+                </a:solidFill>
+                <a:ea typeface="微软雅黑" panose="020B0503020204020204" pitchFamily="34" charset="-122"/>
+              </a:rPr>
+              <a:t>然后看看邻居们的颜色和相应数量，继而对花骨朵的颜色进行推断。</a:t>
             </a:r>
           </a:p>
         </p:txBody>
@@ -8051,7 +8164,7 @@
         </p:blipFill>
         <p:spPr>
           <a:xfrm>
-            <a:off x="2232947" y="3354699"/>
+            <a:off x="2204120" y="2886453"/>
             <a:ext cx="5257674" cy="1368152"/>
           </a:xfrm>
           <a:prstGeom prst="rect">
@@ -8073,7 +8186,7 @@
         </p:nvSpPr>
         <p:spPr>
           <a:xfrm>
-            <a:off x="2204120" y="3097862"/>
+            <a:off x="2204120" y="4437112"/>
             <a:ext cx="5040560" cy="463588"/>
           </a:xfrm>
           <a:prstGeom prst="rect">
@@ -8266,7 +8379,7 @@
               <a:rPr lang="zh-CN" altLang="en-US" dirty="0">
                 <a:ea typeface="微软雅黑" panose="020B0503020204020204" pitchFamily="34" charset="-122"/>
               </a:rPr>
-              <a:t>用来存储要选取的邻居个数。</a:t>
+              <a:t>用来存储邻居的个数。</a:t>
             </a:r>
             <a:endParaRPr lang="en-US" altLang="zh-CN" dirty="0">
               <a:ea typeface="微软雅黑" panose="020B0503020204020204" pitchFamily="34" charset="-122"/>
@@ -8357,19 +8470,35 @@
           </a:p>
           <a:p>
             <a:r>
+              <a:rPr lang="en-US" altLang="zh-CN" dirty="0">
+                <a:solidFill>
+                  <a:schemeClr val="accent6">
+                    <a:lumMod val="75000"/>
+                  </a:schemeClr>
+                </a:solidFill>
+                <a:latin typeface="微软雅黑" panose="020B0503020204020204" pitchFamily="34" charset="-122"/>
+                <a:ea typeface="微软雅黑" panose="020B0503020204020204" pitchFamily="34" charset="-122"/>
+              </a:rPr>
+              <a:t>K</a:t>
+            </a:r>
+            <a:r>
               <a:rPr lang="zh-CN" altLang="en-US" dirty="0">
                 <a:solidFill>
-                  <a:srgbClr val="FF0000"/>
+                  <a:schemeClr val="accent6">
+                    <a:lumMod val="75000"/>
+                  </a:schemeClr>
                 </a:solidFill>
                 <a:latin typeface="微软雅黑" panose="020B0503020204020204" pitchFamily="34" charset="-122"/>
                 <a:ea typeface="微软雅黑" panose="020B0503020204020204" pitchFamily="34" charset="-122"/>
               </a:rPr>
-              <a:t>这个范围通常是较小但大于</a:t>
+              <a:t>通常是较小但大于</a:t>
             </a:r>
             <a:r>
               <a:rPr lang="en-US" altLang="zh-CN" dirty="0">
                 <a:solidFill>
-                  <a:srgbClr val="FF0000"/>
+                  <a:schemeClr val="accent6">
+                    <a:lumMod val="75000"/>
+                  </a:schemeClr>
                 </a:solidFill>
                 <a:latin typeface="微软雅黑" panose="020B0503020204020204" pitchFamily="34" charset="-122"/>
                 <a:ea typeface="微软雅黑" panose="020B0503020204020204" pitchFamily="34" charset="-122"/>
@@ -8379,7 +8508,9 @@
             <a:r>
               <a:rPr lang="zh-CN" altLang="en-US" dirty="0">
                 <a:solidFill>
-                  <a:srgbClr val="FF0000"/>
+                  <a:schemeClr val="accent6">
+                    <a:lumMod val="75000"/>
+                  </a:schemeClr>
                 </a:solidFill>
                 <a:latin typeface="微软雅黑" panose="020B0503020204020204" pitchFamily="34" charset="-122"/>
                 <a:ea typeface="微软雅黑" panose="020B0503020204020204" pitchFamily="34" charset="-122"/>
@@ -8388,7 +8519,9 @@
             </a:r>
             <a:endParaRPr lang="en-US" altLang="zh-CN" dirty="0">
               <a:solidFill>
-                <a:srgbClr val="FF0000"/>
+                <a:schemeClr val="accent6">
+                  <a:lumMod val="75000"/>
+                </a:schemeClr>
               </a:solidFill>
               <a:ea typeface="微软雅黑" panose="020B0503020204020204" pitchFamily="34" charset="-122"/>
             </a:endParaRPr>

--- a/cls_23聚类算法.pptx
+++ b/cls_23聚类算法.pptx
@@ -228,7 +228,7 @@
           <a:p>
             <a:fld id="{10FF2035-6A36-4BD7-B8AA-FDB78598F742}" type="datetimeFigureOut">
               <a:rPr lang="zh-CN" altLang="en-US" smtClean="0"/>
-              <a:t>2018/6/27</a:t>
+              <a:t>2018/6/29</a:t>
             </a:fld>
             <a:endParaRPr lang="zh-CN" altLang="en-US"/>
           </a:p>
@@ -669,7 +669,7 @@
           <a:p>
             <a:fld id="{530820CF-B880-4189-942D-D702A7CBA730}" type="datetimeFigureOut">
               <a:rPr lang="zh-CN" altLang="en-US" smtClean="0"/>
-              <a:t>2018/6/27</a:t>
+              <a:t>2018/6/29</a:t>
             </a:fld>
             <a:endParaRPr lang="zh-CN" altLang="en-US"/>
           </a:p>
@@ -832,7 +832,7 @@
           <a:p>
             <a:fld id="{530820CF-B880-4189-942D-D702A7CBA730}" type="datetimeFigureOut">
               <a:rPr lang="zh-CN" altLang="en-US" smtClean="0"/>
-              <a:t>2018/6/27</a:t>
+              <a:t>2018/6/29</a:t>
             </a:fld>
             <a:endParaRPr lang="zh-CN" altLang="en-US"/>
           </a:p>
@@ -1005,7 +1005,7 @@
           <a:p>
             <a:fld id="{530820CF-B880-4189-942D-D702A7CBA730}" type="datetimeFigureOut">
               <a:rPr lang="zh-CN" altLang="en-US" smtClean="0"/>
-              <a:t>2018/6/27</a:t>
+              <a:t>2018/6/29</a:t>
             </a:fld>
             <a:endParaRPr lang="zh-CN" altLang="en-US"/>
           </a:p>
@@ -1168,7 +1168,7 @@
           <a:p>
             <a:fld id="{530820CF-B880-4189-942D-D702A7CBA730}" type="datetimeFigureOut">
               <a:rPr lang="zh-CN" altLang="en-US" smtClean="0"/>
-              <a:t>2018/6/27</a:t>
+              <a:t>2018/6/29</a:t>
             </a:fld>
             <a:endParaRPr lang="zh-CN" altLang="en-US"/>
           </a:p>
@@ -1408,7 +1408,7 @@
           <a:p>
             <a:fld id="{530820CF-B880-4189-942D-D702A7CBA730}" type="datetimeFigureOut">
               <a:rPr lang="zh-CN" altLang="en-US" smtClean="0"/>
-              <a:t>2018/6/27</a:t>
+              <a:t>2018/6/29</a:t>
             </a:fld>
             <a:endParaRPr lang="zh-CN" altLang="en-US"/>
           </a:p>
@@ -1688,7 +1688,7 @@
           <a:p>
             <a:fld id="{530820CF-B880-4189-942D-D702A7CBA730}" type="datetimeFigureOut">
               <a:rPr lang="zh-CN" altLang="en-US" smtClean="0"/>
-              <a:t>2018/6/27</a:t>
+              <a:t>2018/6/29</a:t>
             </a:fld>
             <a:endParaRPr lang="zh-CN" altLang="en-US"/>
           </a:p>
@@ -2102,7 +2102,7 @@
           <a:p>
             <a:fld id="{530820CF-B880-4189-942D-D702A7CBA730}" type="datetimeFigureOut">
               <a:rPr lang="zh-CN" altLang="en-US" smtClean="0"/>
-              <a:t>2018/6/27</a:t>
+              <a:t>2018/6/29</a:t>
             </a:fld>
             <a:endParaRPr lang="zh-CN" altLang="en-US"/>
           </a:p>
@@ -2214,7 +2214,7 @@
           <a:p>
             <a:fld id="{530820CF-B880-4189-942D-D702A7CBA730}" type="datetimeFigureOut">
               <a:rPr lang="zh-CN" altLang="en-US" smtClean="0"/>
-              <a:t>2018/6/27</a:t>
+              <a:t>2018/6/29</a:t>
             </a:fld>
             <a:endParaRPr lang="zh-CN" altLang="en-US"/>
           </a:p>
@@ -2304,7 +2304,7 @@
           <a:p>
             <a:fld id="{530820CF-B880-4189-942D-D702A7CBA730}" type="datetimeFigureOut">
               <a:rPr lang="zh-CN" altLang="en-US" smtClean="0"/>
-              <a:t>2018/6/27</a:t>
+              <a:t>2018/6/29</a:t>
             </a:fld>
             <a:endParaRPr lang="zh-CN" altLang="en-US"/>
           </a:p>
@@ -2574,7 +2574,7 @@
           <a:p>
             <a:fld id="{530820CF-B880-4189-942D-D702A7CBA730}" type="datetimeFigureOut">
               <a:rPr lang="zh-CN" altLang="en-US" smtClean="0"/>
-              <a:t>2018/6/27</a:t>
+              <a:t>2018/6/29</a:t>
             </a:fld>
             <a:endParaRPr lang="zh-CN" altLang="en-US"/>
           </a:p>
@@ -2821,7 +2821,7 @@
           <a:p>
             <a:fld id="{530820CF-B880-4189-942D-D702A7CBA730}" type="datetimeFigureOut">
               <a:rPr lang="zh-CN" altLang="en-US" smtClean="0"/>
-              <a:t>2018/6/27</a:t>
+              <a:t>2018/6/29</a:t>
             </a:fld>
             <a:endParaRPr lang="zh-CN" altLang="en-US"/>
           </a:p>
@@ -3036,7 +3036,7 @@
           <a:p>
             <a:fld id="{530820CF-B880-4189-942D-D702A7CBA730}" type="datetimeFigureOut">
               <a:rPr lang="zh-CN" altLang="en-US" smtClean="0"/>
-              <a:t>2018/6/27</a:t>
+              <a:t>2018/6/29</a:t>
             </a:fld>
             <a:endParaRPr lang="zh-CN" altLang="en-US"/>
           </a:p>
@@ -8470,6 +8470,18 @@
           </a:p>
           <a:p>
             <a:r>
+              <a:rPr lang="zh-CN" altLang="en-US" dirty="0">
+                <a:solidFill>
+                  <a:schemeClr val="accent6">
+                    <a:lumMod val="75000"/>
+                  </a:schemeClr>
+                </a:solidFill>
+                <a:latin typeface="微软雅黑" panose="020B0503020204020204" pitchFamily="34" charset="-122"/>
+                <a:ea typeface="微软雅黑" panose="020B0503020204020204" pitchFamily="34" charset="-122"/>
+              </a:rPr>
+              <a:t>总结：</a:t>
+            </a:r>
+            <a:r>
               <a:rPr lang="en-US" altLang="zh-CN" dirty="0">
                 <a:solidFill>
                   <a:schemeClr val="accent6">
@@ -8668,7 +8680,7 @@
               <a:rPr lang="zh-CN" altLang="en-US" dirty="0">
                 <a:ea typeface="微软雅黑" panose="020B0503020204020204" pitchFamily="34" charset="-122"/>
               </a:rPr>
-              <a:t>：只要是邻居，那么投票权重都相同。</a:t>
+              <a:t>：人人平等，只要是邻居，那么投票权重都相同。</a:t>
             </a:r>
           </a:p>
         </p:txBody>
@@ -8688,7 +8700,7 @@
         <p:spPr>
           <a:xfrm>
             <a:off x="1286277" y="4221088"/>
-            <a:ext cx="4248472" cy="646331"/>
+            <a:ext cx="4248472" cy="923330"/>
           </a:xfrm>
           <a:prstGeom prst="rect">
             <a:avLst/>
@@ -8713,10 +8725,16 @@
               <a:t>distance</a:t>
             </a:r>
             <a:r>
+              <a:rPr lang="zh-CN" altLang="en-US">
+                <a:ea typeface="微软雅黑" panose="020B0503020204020204" pitchFamily="34" charset="-122"/>
+              </a:rPr>
+              <a:t>：远亲不如近邻，虽然</a:t>
+            </a:r>
+            <a:r>
               <a:rPr lang="zh-CN" altLang="en-US" dirty="0">
                 <a:ea typeface="微软雅黑" panose="020B0503020204020204" pitchFamily="34" charset="-122"/>
               </a:rPr>
-              <a:t>：虽然都是邻居，距离越近权重越大，距离越远权重越小。</a:t>
+              <a:t>都是邻居，距离越近权重越大，距离越远权重越小。</a:t>
             </a:r>
           </a:p>
         </p:txBody>
